--- a/Day04/AI.pptx
+++ b/Day04/AI.pptx
@@ -8,23 +8,28 @@
     <p:sldId id="256" r:id="rId2"/>
     <p:sldId id="274" r:id="rId3"/>
     <p:sldId id="275" r:id="rId4"/>
-    <p:sldId id="257" r:id="rId5"/>
-    <p:sldId id="266" r:id="rId6"/>
-    <p:sldId id="270" r:id="rId7"/>
-    <p:sldId id="267" r:id="rId8"/>
-    <p:sldId id="268" r:id="rId9"/>
-    <p:sldId id="265" r:id="rId10"/>
-    <p:sldId id="269" r:id="rId11"/>
-    <p:sldId id="264" r:id="rId12"/>
-    <p:sldId id="258" r:id="rId13"/>
-    <p:sldId id="259" r:id="rId14"/>
-    <p:sldId id="260" r:id="rId15"/>
-    <p:sldId id="261" r:id="rId16"/>
-    <p:sldId id="262" r:id="rId17"/>
-    <p:sldId id="263" r:id="rId18"/>
-    <p:sldId id="271" r:id="rId19"/>
-    <p:sldId id="272" r:id="rId20"/>
-    <p:sldId id="273" r:id="rId21"/>
+    <p:sldId id="276" r:id="rId5"/>
+    <p:sldId id="277" r:id="rId6"/>
+    <p:sldId id="278" r:id="rId7"/>
+    <p:sldId id="280" r:id="rId8"/>
+    <p:sldId id="279" r:id="rId9"/>
+    <p:sldId id="281" r:id="rId10"/>
+    <p:sldId id="257" r:id="rId11"/>
+    <p:sldId id="266" r:id="rId12"/>
+    <p:sldId id="270" r:id="rId13"/>
+    <p:sldId id="267" r:id="rId14"/>
+    <p:sldId id="268" r:id="rId15"/>
+    <p:sldId id="265" r:id="rId16"/>
+    <p:sldId id="269" r:id="rId17"/>
+    <p:sldId id="264" r:id="rId18"/>
+    <p:sldId id="258" r:id="rId19"/>
+    <p:sldId id="259" r:id="rId20"/>
+    <p:sldId id="260" r:id="rId21"/>
+    <p:sldId id="261" r:id="rId22"/>
+    <p:sldId id="262" r:id="rId23"/>
+    <p:sldId id="271" r:id="rId24"/>
+    <p:sldId id="272" r:id="rId25"/>
+    <p:sldId id="273" r:id="rId26"/>
   </p:sldIdLst>
   <p:sldSz cx="12192000" cy="6858000"/>
   <p:notesSz cx="6858000" cy="9144000"/>
@@ -278,7 +283,7 @@
           <a:p>
             <a:fld id="{115769BE-BF1F-4F69-A431-EEF710AC7B3A}" type="datetimeFigureOut">
               <a:rPr lang="ko-KR" altLang="en-US" smtClean="0"/>
-              <a:t>2020-06-22</a:t>
+              <a:t>2020-06-24</a:t>
             </a:fld>
             <a:endParaRPr lang="ko-KR" altLang="en-US"/>
           </a:p>
@@ -476,7 +481,7 @@
           <a:p>
             <a:fld id="{115769BE-BF1F-4F69-A431-EEF710AC7B3A}" type="datetimeFigureOut">
               <a:rPr lang="ko-KR" altLang="en-US" smtClean="0"/>
-              <a:t>2020-06-22</a:t>
+              <a:t>2020-06-24</a:t>
             </a:fld>
             <a:endParaRPr lang="ko-KR" altLang="en-US"/>
           </a:p>
@@ -684,7 +689,7 @@
           <a:p>
             <a:fld id="{115769BE-BF1F-4F69-A431-EEF710AC7B3A}" type="datetimeFigureOut">
               <a:rPr lang="ko-KR" altLang="en-US" smtClean="0"/>
-              <a:t>2020-06-22</a:t>
+              <a:t>2020-06-24</a:t>
             </a:fld>
             <a:endParaRPr lang="ko-KR" altLang="en-US"/>
           </a:p>
@@ -882,7 +887,7 @@
           <a:p>
             <a:fld id="{115769BE-BF1F-4F69-A431-EEF710AC7B3A}" type="datetimeFigureOut">
               <a:rPr lang="ko-KR" altLang="en-US" smtClean="0"/>
-              <a:t>2020-06-22</a:t>
+              <a:t>2020-06-24</a:t>
             </a:fld>
             <a:endParaRPr lang="ko-KR" altLang="en-US"/>
           </a:p>
@@ -1157,7 +1162,7 @@
           <a:p>
             <a:fld id="{115769BE-BF1F-4F69-A431-EEF710AC7B3A}" type="datetimeFigureOut">
               <a:rPr lang="ko-KR" altLang="en-US" smtClean="0"/>
-              <a:t>2020-06-22</a:t>
+              <a:t>2020-06-24</a:t>
             </a:fld>
             <a:endParaRPr lang="ko-KR" altLang="en-US"/>
           </a:p>
@@ -1422,7 +1427,7 @@
           <a:p>
             <a:fld id="{115769BE-BF1F-4F69-A431-EEF710AC7B3A}" type="datetimeFigureOut">
               <a:rPr lang="ko-KR" altLang="en-US" smtClean="0"/>
-              <a:t>2020-06-22</a:t>
+              <a:t>2020-06-24</a:t>
             </a:fld>
             <a:endParaRPr lang="ko-KR" altLang="en-US"/>
           </a:p>
@@ -1834,7 +1839,7 @@
           <a:p>
             <a:fld id="{115769BE-BF1F-4F69-A431-EEF710AC7B3A}" type="datetimeFigureOut">
               <a:rPr lang="ko-KR" altLang="en-US" smtClean="0"/>
-              <a:t>2020-06-22</a:t>
+              <a:t>2020-06-24</a:t>
             </a:fld>
             <a:endParaRPr lang="ko-KR" altLang="en-US"/>
           </a:p>
@@ -1975,7 +1980,7 @@
           <a:p>
             <a:fld id="{115769BE-BF1F-4F69-A431-EEF710AC7B3A}" type="datetimeFigureOut">
               <a:rPr lang="ko-KR" altLang="en-US" smtClean="0"/>
-              <a:t>2020-06-22</a:t>
+              <a:t>2020-06-24</a:t>
             </a:fld>
             <a:endParaRPr lang="ko-KR" altLang="en-US"/>
           </a:p>
@@ -2088,7 +2093,7 @@
           <a:p>
             <a:fld id="{115769BE-BF1F-4F69-A431-EEF710AC7B3A}" type="datetimeFigureOut">
               <a:rPr lang="ko-KR" altLang="en-US" smtClean="0"/>
-              <a:t>2020-06-22</a:t>
+              <a:t>2020-06-24</a:t>
             </a:fld>
             <a:endParaRPr lang="ko-KR" altLang="en-US"/>
           </a:p>
@@ -2399,7 +2404,7 @@
           <a:p>
             <a:fld id="{115769BE-BF1F-4F69-A431-EEF710AC7B3A}" type="datetimeFigureOut">
               <a:rPr lang="ko-KR" altLang="en-US" smtClean="0"/>
-              <a:t>2020-06-22</a:t>
+              <a:t>2020-06-24</a:t>
             </a:fld>
             <a:endParaRPr lang="ko-KR" altLang="en-US"/>
           </a:p>
@@ -2687,7 +2692,7 @@
           <a:p>
             <a:fld id="{115769BE-BF1F-4F69-A431-EEF710AC7B3A}" type="datetimeFigureOut">
               <a:rPr lang="ko-KR" altLang="en-US" smtClean="0"/>
-              <a:t>2020-06-22</a:t>
+              <a:t>2020-06-24</a:t>
             </a:fld>
             <a:endParaRPr lang="ko-KR" altLang="en-US"/>
           </a:p>
@@ -2928,7 +2933,7 @@
           <a:p>
             <a:fld id="{115769BE-BF1F-4F69-A431-EEF710AC7B3A}" type="datetimeFigureOut">
               <a:rPr lang="ko-KR" altLang="en-US" smtClean="0"/>
-              <a:t>2020-06-22</a:t>
+              <a:t>2020-06-24</a:t>
             </a:fld>
             <a:endParaRPr lang="ko-KR" altLang="en-US"/>
           </a:p>
@@ -3445,1980 +3450,6 @@
           <a:chExt cx="0" cy="0"/>
         </a:xfrm>
       </p:grpSpPr>
-      <p:pic>
-        <p:nvPicPr>
-          <p:cNvPr id="8" name="그림 7">
-            <a:extLst>
-              <a:ext uri="{FF2B5EF4-FFF2-40B4-BE49-F238E27FC236}">
-                <a16:creationId xmlns:a16="http://schemas.microsoft.com/office/drawing/2014/main" id="{2183221B-E0C4-4B2B-88D6-D4F5443C1A70}"/>
-              </a:ext>
-            </a:extLst>
-          </p:cNvPr>
-          <p:cNvPicPr>
-            <a:picLocks noChangeAspect="1"/>
-          </p:cNvPicPr>
-          <p:nvPr/>
-        </p:nvPicPr>
-        <p:blipFill>
-          <a:blip r:embed="rId2"/>
-          <a:stretch>
-            <a:fillRect/>
-          </a:stretch>
-        </p:blipFill>
-        <p:spPr>
-          <a:xfrm>
-            <a:off x="-87074" y="0"/>
-            <a:ext cx="12376741" cy="6858000"/>
-          </a:xfrm>
-          <a:prstGeom prst="rect">
-            <a:avLst/>
-          </a:prstGeom>
-        </p:spPr>
-      </p:pic>
-      <p:sp>
-        <p:nvSpPr>
-          <p:cNvPr id="9" name="TextBox 8">
-            <a:extLst>
-              <a:ext uri="{FF2B5EF4-FFF2-40B4-BE49-F238E27FC236}">
-                <a16:creationId xmlns:a16="http://schemas.microsoft.com/office/drawing/2014/main" id="{39C0DC94-C92A-4814-9CF7-EB8DB52DABF3}"/>
-              </a:ext>
-            </a:extLst>
-          </p:cNvPr>
-          <p:cNvSpPr txBox="1"/>
-          <p:nvPr/>
-        </p:nvSpPr>
-        <p:spPr>
-          <a:xfrm>
-            <a:off x="0" y="2698002"/>
-            <a:ext cx="11604542" cy="3539430"/>
-          </a:xfrm>
-          <a:prstGeom prst="rect">
-            <a:avLst/>
-          </a:prstGeom>
-          <a:noFill/>
-        </p:spPr>
-        <p:txBody>
-          <a:bodyPr wrap="square" rtlCol="0">
-            <a:spAutoFit/>
-          </a:bodyPr>
-          <a:lstStyle/>
-          <a:p>
-            <a:r>
-              <a:rPr lang="en-US" altLang="ko-KR" sz="3200" dirty="0">
-                <a:solidFill>
-                  <a:schemeClr val="bg1"/>
-                </a:solidFill>
-              </a:rPr>
-              <a:t>Age : </a:t>
-            </a:r>
-            <a:r>
-              <a:rPr lang="ko-KR" altLang="en-US" sz="3200" dirty="0">
-                <a:solidFill>
-                  <a:schemeClr val="bg1"/>
-                </a:solidFill>
-              </a:rPr>
-              <a:t>자극이 발생한 이후의 시간</a:t>
-            </a:r>
-            <a:endParaRPr lang="en-US" altLang="ko-KR" sz="3200" dirty="0">
-              <a:solidFill>
-                <a:schemeClr val="bg1"/>
-              </a:solidFill>
-            </a:endParaRPr>
-          </a:p>
-          <a:p>
-            <a:r>
-              <a:rPr lang="en-US" altLang="ko-KR" sz="3200" dirty="0">
-                <a:solidFill>
-                  <a:schemeClr val="bg1"/>
-                </a:solidFill>
-              </a:rPr>
-              <a:t>Expiration Age: </a:t>
-            </a:r>
-            <a:r>
-              <a:rPr lang="ko-KR" altLang="en-US" sz="3200" dirty="0">
-                <a:solidFill>
-                  <a:schemeClr val="bg1"/>
-                </a:solidFill>
-              </a:rPr>
-              <a:t>자극이 무효화 되기까지의 시간</a:t>
-            </a:r>
-            <a:br>
-              <a:rPr lang="en-US" altLang="ko-KR" sz="3200" dirty="0">
-                <a:solidFill>
-                  <a:schemeClr val="bg1"/>
-                </a:solidFill>
-              </a:rPr>
-            </a:br>
-            <a:r>
-              <a:rPr lang="en-US" altLang="ko-KR" sz="3200" dirty="0">
-                <a:solidFill>
-                  <a:schemeClr val="bg1"/>
-                </a:solidFill>
-              </a:rPr>
-              <a:t>Strength: </a:t>
-            </a:r>
-            <a:r>
-              <a:rPr lang="ko-KR" altLang="en-US" sz="3200" dirty="0">
-                <a:solidFill>
-                  <a:schemeClr val="bg1"/>
-                </a:solidFill>
-              </a:rPr>
-              <a:t>자극에 정의된 가중치</a:t>
-            </a:r>
-            <a:endParaRPr lang="en-US" altLang="ko-KR" sz="3200" dirty="0">
-              <a:solidFill>
-                <a:schemeClr val="bg1"/>
-              </a:solidFill>
-            </a:endParaRPr>
-          </a:p>
-          <a:p>
-            <a:r>
-              <a:rPr lang="en-US" altLang="ko-KR" sz="3200" dirty="0">
-                <a:solidFill>
-                  <a:schemeClr val="bg1"/>
-                </a:solidFill>
-              </a:rPr>
-              <a:t>Stimulus Location: </a:t>
-            </a:r>
-            <a:r>
-              <a:rPr lang="ko-KR" altLang="en-US" sz="3200" dirty="0">
-                <a:solidFill>
-                  <a:schemeClr val="bg1"/>
-                </a:solidFill>
-              </a:rPr>
-              <a:t>자극이 시작된 곳</a:t>
-            </a:r>
-            <a:endParaRPr lang="en-US" altLang="ko-KR" sz="3200" dirty="0">
-              <a:solidFill>
-                <a:schemeClr val="bg1"/>
-              </a:solidFill>
-            </a:endParaRPr>
-          </a:p>
-          <a:p>
-            <a:r>
-              <a:rPr lang="en-US" altLang="ko-KR" sz="3200" dirty="0">
-                <a:solidFill>
-                  <a:schemeClr val="bg1"/>
-                </a:solidFill>
-              </a:rPr>
-              <a:t>Receiver Location:  </a:t>
-            </a:r>
-            <a:r>
-              <a:rPr lang="ko-KR" altLang="en-US" sz="3200" dirty="0">
-                <a:solidFill>
-                  <a:schemeClr val="bg1"/>
-                </a:solidFill>
-              </a:rPr>
-              <a:t>시스템이 자극을 등록한곳</a:t>
-            </a:r>
-            <a:r>
-              <a:rPr lang="en-US" altLang="ko-KR" sz="3200" dirty="0">
-                <a:solidFill>
-                  <a:schemeClr val="bg1"/>
-                </a:solidFill>
-              </a:rPr>
-              <a:t>?</a:t>
-            </a:r>
-          </a:p>
-          <a:p>
-            <a:r>
-              <a:rPr lang="en-US" altLang="ko-KR" sz="3200" dirty="0">
-                <a:solidFill>
-                  <a:schemeClr val="bg1"/>
-                </a:solidFill>
-              </a:rPr>
-              <a:t>Tag: </a:t>
-            </a:r>
-            <a:r>
-              <a:rPr lang="ko-KR" altLang="en-US" sz="3200" dirty="0">
-                <a:solidFill>
-                  <a:schemeClr val="bg1"/>
-                </a:solidFill>
-              </a:rPr>
-              <a:t>자극에 정의된 추가 정보</a:t>
-            </a:r>
-            <a:endParaRPr lang="en-US" altLang="ko-KR" sz="3200" dirty="0">
-              <a:solidFill>
-                <a:schemeClr val="bg1"/>
-              </a:solidFill>
-            </a:endParaRPr>
-          </a:p>
-          <a:p>
-            <a:r>
-              <a:rPr lang="en-US" altLang="ko-KR" sz="3200" dirty="0">
-                <a:solidFill>
-                  <a:schemeClr val="bg1"/>
-                </a:solidFill>
-              </a:rPr>
-              <a:t>Successfully Sensed: </a:t>
-            </a:r>
-            <a:r>
-              <a:rPr lang="ko-KR" altLang="en-US" sz="3200" dirty="0">
-                <a:solidFill>
-                  <a:schemeClr val="bg1"/>
-                </a:solidFill>
-              </a:rPr>
-              <a:t>자극   감지됨</a:t>
-            </a:r>
-            <a:r>
-              <a:rPr lang="en-US" altLang="ko-KR" sz="3200" dirty="0">
-                <a:solidFill>
-                  <a:schemeClr val="bg1"/>
-                </a:solidFill>
-              </a:rPr>
-              <a:t> or </a:t>
-            </a:r>
-            <a:r>
-              <a:rPr lang="ko-KR" altLang="en-US" sz="3200" dirty="0">
-                <a:solidFill>
-                  <a:schemeClr val="bg1"/>
-                </a:solidFill>
-              </a:rPr>
-              <a:t>무효화됨</a:t>
-            </a:r>
-          </a:p>
-        </p:txBody>
-      </p:sp>
-    </p:spTree>
-    <p:extLst>
-      <p:ext uri="{BB962C8B-B14F-4D97-AF65-F5344CB8AC3E}">
-        <p14:creationId xmlns:p14="http://schemas.microsoft.com/office/powerpoint/2010/main" val="2581586697"/>
-      </p:ext>
-    </p:extLst>
-  </p:cSld>
-  <p:clrMapOvr>
-    <a:masterClrMapping/>
-  </p:clrMapOvr>
-</p:sld>
-</file>
-
-<file path=ppt/slides/slide11.xml><?xml version="1.0" encoding="utf-8"?>
-<p:sld xmlns:a="http://schemas.openxmlformats.org/drawingml/2006/main" xmlns:r="http://schemas.openxmlformats.org/officeDocument/2006/relationships" xmlns:p="http://schemas.openxmlformats.org/presentationml/2006/main">
-  <p:cSld>
-    <p:spTree>
-      <p:nvGrpSpPr>
-        <p:cNvPr id="1" name=""/>
-        <p:cNvGrpSpPr/>
-        <p:nvPr/>
-      </p:nvGrpSpPr>
-      <p:grpSpPr>
-        <a:xfrm>
-          <a:off x="0" y="0"/>
-          <a:ext cx="0" cy="0"/>
-          <a:chOff x="0" y="0"/>
-          <a:chExt cx="0" cy="0"/>
-        </a:xfrm>
-      </p:grpSpPr>
-      <p:sp>
-        <p:nvSpPr>
-          <p:cNvPr id="2" name="제목 1">
-            <a:extLst>
-              <a:ext uri="{FF2B5EF4-FFF2-40B4-BE49-F238E27FC236}">
-                <a16:creationId xmlns:a16="http://schemas.microsoft.com/office/drawing/2014/main" id="{25E8B28A-6266-437B-B79C-4C52F388882C}"/>
-              </a:ext>
-            </a:extLst>
-          </p:cNvPr>
-          <p:cNvSpPr>
-            <a:spLocks noGrp="1"/>
-          </p:cNvSpPr>
-          <p:nvPr>
-            <p:ph type="title"/>
-          </p:nvPr>
-        </p:nvSpPr>
-        <p:spPr/>
-        <p:txBody>
-          <a:bodyPr/>
-          <a:lstStyle/>
-          <a:p>
-            <a:r>
-              <a:rPr lang="en-US" altLang="ko-KR" sz="3600" dirty="0"/>
-              <a:t>Event - </a:t>
-            </a:r>
-            <a:r>
-              <a:rPr lang="en-US" altLang="ko-KR" dirty="0" err="1"/>
-              <a:t>OnPerceptionUpdated</a:t>
-            </a:r>
-            <a:endParaRPr lang="ko-KR" altLang="en-US" dirty="0"/>
-          </a:p>
-        </p:txBody>
-      </p:sp>
-      <p:sp>
-        <p:nvSpPr>
-          <p:cNvPr id="3" name="내용 개체 틀 2">
-            <a:extLst>
-              <a:ext uri="{FF2B5EF4-FFF2-40B4-BE49-F238E27FC236}">
-                <a16:creationId xmlns:a16="http://schemas.microsoft.com/office/drawing/2014/main" id="{15BDE611-C77C-47A7-813C-CBE6DD09F1CE}"/>
-              </a:ext>
-            </a:extLst>
-          </p:cNvPr>
-          <p:cNvSpPr>
-            <a:spLocks noGrp="1"/>
-          </p:cNvSpPr>
-          <p:nvPr>
-            <p:ph idx="1"/>
-          </p:nvPr>
-        </p:nvSpPr>
-        <p:spPr/>
-        <p:txBody>
-          <a:bodyPr/>
-          <a:lstStyle/>
-          <a:p>
-            <a:r>
-              <a:rPr lang="en-US" altLang="ko-KR" dirty="0"/>
-              <a:t>Output</a:t>
-            </a:r>
-            <a:r>
-              <a:rPr lang="ko-KR" altLang="en-US" dirty="0"/>
-              <a:t> </a:t>
-            </a:r>
-            <a:r>
-              <a:rPr lang="en-US" altLang="ko-KR" dirty="0"/>
-              <a:t>:</a:t>
-            </a:r>
-            <a:r>
-              <a:rPr lang="ko-KR" altLang="en-US" dirty="0"/>
-              <a:t> 업데이트된 자극이 </a:t>
-            </a:r>
-            <a:r>
-              <a:rPr lang="ko-KR" altLang="en-US" dirty="0" err="1"/>
-              <a:t>있을경우</a:t>
-            </a:r>
-            <a:r>
-              <a:rPr lang="ko-KR" altLang="en-US" dirty="0"/>
-              <a:t> 업데이트가 일어난 모든 </a:t>
-            </a:r>
-            <a:r>
-              <a:rPr lang="en-US" altLang="ko-KR" dirty="0"/>
-              <a:t>Actor </a:t>
-            </a:r>
-            <a:r>
-              <a:rPr lang="ko-KR" altLang="en-US" dirty="0"/>
-              <a:t>를 </a:t>
-            </a:r>
-            <a:r>
-              <a:rPr lang="ko-KR" altLang="en-US" dirty="0" err="1"/>
-              <a:t>리턴한다</a:t>
-            </a:r>
-            <a:r>
-              <a:rPr lang="en-US" altLang="ko-KR" dirty="0"/>
-              <a:t>.</a:t>
-            </a:r>
-          </a:p>
-          <a:p>
-            <a:endParaRPr lang="en-US" altLang="ko-KR" dirty="0"/>
-          </a:p>
-          <a:p>
-            <a:pPr marL="0" indent="0">
-              <a:buNone/>
-            </a:pPr>
-            <a:r>
-              <a:rPr lang="en-US" altLang="ko-KR" dirty="0"/>
-              <a:t>* </a:t>
-            </a:r>
-            <a:r>
-              <a:rPr lang="en-US" altLang="ko-KR" dirty="0" err="1"/>
-              <a:t>OnTargetActorPerceptionUpdated</a:t>
-            </a:r>
-            <a:r>
-              <a:rPr lang="ko-KR" altLang="en-US" dirty="0"/>
-              <a:t> </a:t>
-            </a:r>
-            <a:endParaRPr lang="en-US" altLang="ko-KR" dirty="0"/>
-          </a:p>
-          <a:p>
-            <a:pPr marL="0" indent="0">
-              <a:buNone/>
-            </a:pPr>
-            <a:r>
-              <a:rPr lang="ko-KR" altLang="en-US" dirty="0"/>
-              <a:t>이벤트 처리 후에 이벤트가 일어난다</a:t>
-            </a:r>
-            <a:r>
-              <a:rPr lang="en-US" altLang="ko-KR" dirty="0"/>
-              <a:t>.</a:t>
-            </a:r>
-            <a:endParaRPr lang="ko-KR" altLang="en-US" dirty="0"/>
-          </a:p>
-        </p:txBody>
-      </p:sp>
-    </p:spTree>
-    <p:extLst>
-      <p:ext uri="{BB962C8B-B14F-4D97-AF65-F5344CB8AC3E}">
-        <p14:creationId xmlns:p14="http://schemas.microsoft.com/office/powerpoint/2010/main" val="2031800526"/>
-      </p:ext>
-    </p:extLst>
-  </p:cSld>
-  <p:clrMapOvr>
-    <a:masterClrMapping/>
-  </p:clrMapOvr>
-</p:sld>
-</file>
-
-<file path=ppt/slides/slide12.xml><?xml version="1.0" encoding="utf-8"?>
-<p:sld xmlns:a="http://schemas.openxmlformats.org/drawingml/2006/main" xmlns:r="http://schemas.openxmlformats.org/officeDocument/2006/relationships" xmlns:p="http://schemas.openxmlformats.org/presentationml/2006/main">
-  <p:cSld>
-    <p:spTree>
-      <p:nvGrpSpPr>
-        <p:cNvPr id="1" name=""/>
-        <p:cNvGrpSpPr/>
-        <p:nvPr/>
-      </p:nvGrpSpPr>
-      <p:grpSpPr>
-        <a:xfrm>
-          <a:off x="0" y="0"/>
-          <a:ext cx="0" cy="0"/>
-          <a:chOff x="0" y="0"/>
-          <a:chExt cx="0" cy="0"/>
-        </a:xfrm>
-      </p:grpSpPr>
-      <p:sp>
-        <p:nvSpPr>
-          <p:cNvPr id="2" name="제목 1">
-            <a:extLst>
-              <a:ext uri="{FF2B5EF4-FFF2-40B4-BE49-F238E27FC236}">
-                <a16:creationId xmlns:a16="http://schemas.microsoft.com/office/drawing/2014/main" id="{E9B836DC-A9B2-48F0-861D-D6121BAEED27}"/>
-              </a:ext>
-            </a:extLst>
-          </p:cNvPr>
-          <p:cNvSpPr>
-            <a:spLocks noGrp="1"/>
-          </p:cNvSpPr>
-          <p:nvPr>
-            <p:ph type="title"/>
-          </p:nvPr>
-        </p:nvSpPr>
-        <p:spPr/>
-        <p:txBody>
-          <a:bodyPr/>
-          <a:lstStyle/>
-          <a:p>
-            <a:r>
-              <a:rPr lang="en-US" altLang="ko-KR" sz="3600" dirty="0" err="1"/>
-              <a:t>Func</a:t>
-            </a:r>
-            <a:r>
-              <a:rPr lang="en-US" altLang="ko-KR" sz="3600" dirty="0"/>
-              <a:t> - </a:t>
-            </a:r>
-            <a:r>
-              <a:rPr lang="en-US" altLang="ko-KR" dirty="0" err="1"/>
-              <a:t>GetActorsPerception</a:t>
-            </a:r>
-            <a:endParaRPr lang="ko-KR" altLang="en-US" dirty="0"/>
-          </a:p>
-        </p:txBody>
-      </p:sp>
-      <p:sp>
-        <p:nvSpPr>
-          <p:cNvPr id="3" name="내용 개체 틀 2">
-            <a:extLst>
-              <a:ext uri="{FF2B5EF4-FFF2-40B4-BE49-F238E27FC236}">
-                <a16:creationId xmlns:a16="http://schemas.microsoft.com/office/drawing/2014/main" id="{BEEBF7AC-34C3-4E53-A1C6-8C1EFFC6BF1B}"/>
-              </a:ext>
-            </a:extLst>
-          </p:cNvPr>
-          <p:cNvSpPr>
-            <a:spLocks noGrp="1"/>
-          </p:cNvSpPr>
-          <p:nvPr>
-            <p:ph idx="1"/>
-          </p:nvPr>
-        </p:nvSpPr>
-        <p:spPr/>
-        <p:txBody>
-          <a:bodyPr>
-            <a:normAutofit/>
-          </a:bodyPr>
-          <a:lstStyle/>
-          <a:p>
-            <a:r>
-              <a:rPr lang="en-US" altLang="ko-KR" dirty="0"/>
-              <a:t>Input : Actor   </a:t>
-            </a:r>
-          </a:p>
-          <a:p>
-            <a:r>
-              <a:rPr lang="en-US" altLang="ko-KR" dirty="0"/>
-              <a:t>Output: bool , </a:t>
-            </a:r>
-            <a:r>
-              <a:rPr lang="en-US" altLang="ko-KR" dirty="0" err="1"/>
-              <a:t>ActorPerceptionBlueprintInfo</a:t>
-            </a:r>
-            <a:endParaRPr lang="en-US" altLang="ko-KR" dirty="0"/>
-          </a:p>
-          <a:p>
-            <a:pPr marL="0" indent="0">
-              <a:buNone/>
-            </a:pPr>
-            <a:endParaRPr lang="en-US" altLang="ko-KR" dirty="0"/>
-          </a:p>
-          <a:p>
-            <a:pPr marL="0" indent="0">
-              <a:buNone/>
-            </a:pPr>
-            <a:r>
-              <a:rPr lang="ko-KR" altLang="en-US" dirty="0"/>
-              <a:t>컴포넌트는 </a:t>
-            </a:r>
-            <a:r>
-              <a:rPr lang="en-US" altLang="ko-KR" dirty="0"/>
-              <a:t>Input Actor</a:t>
-            </a:r>
-            <a:r>
-              <a:rPr lang="ko-KR" altLang="en-US" dirty="0"/>
-              <a:t>가 </a:t>
-            </a:r>
-            <a:r>
-              <a:rPr lang="ko-KR" altLang="en-US" dirty="0" err="1"/>
-              <a:t>감지된적이</a:t>
-            </a:r>
-            <a:r>
-              <a:rPr lang="ko-KR" altLang="en-US" dirty="0"/>
-              <a:t> 있는지 검사한다</a:t>
-            </a:r>
-            <a:endParaRPr lang="en-US" altLang="ko-KR" dirty="0"/>
-          </a:p>
-          <a:p>
-            <a:pPr marL="0" indent="0">
-              <a:buNone/>
-            </a:pPr>
-            <a:r>
-              <a:rPr lang="en-US" altLang="ko-KR" dirty="0"/>
-              <a:t>Output True</a:t>
-            </a:r>
-            <a:r>
-              <a:rPr lang="ko-KR" altLang="en-US" dirty="0"/>
-              <a:t>면 감지된 자극</a:t>
-            </a:r>
-            <a:r>
-              <a:rPr lang="en-US" altLang="ko-KR" dirty="0"/>
-              <a:t>(stimulus)</a:t>
-            </a:r>
-            <a:r>
-              <a:rPr lang="ko-KR" altLang="en-US" dirty="0"/>
-              <a:t>목록 상태를 알림</a:t>
-            </a:r>
-            <a:r>
-              <a:rPr lang="en-US" altLang="ko-KR" dirty="0"/>
-              <a:t>.</a:t>
-            </a:r>
-            <a:r>
-              <a:rPr lang="ko-KR" altLang="en-US" dirty="0"/>
-              <a:t> </a:t>
-            </a:r>
-            <a:endParaRPr lang="en-US" altLang="ko-KR" dirty="0"/>
-          </a:p>
-          <a:p>
-            <a:pPr marL="0" indent="0">
-              <a:buNone/>
-            </a:pPr>
-            <a:r>
-              <a:rPr lang="ko-KR" altLang="en-US" dirty="0" err="1"/>
-              <a:t>감지된적</a:t>
-            </a:r>
-            <a:r>
-              <a:rPr lang="ko-KR" altLang="en-US" dirty="0"/>
-              <a:t> 없는 자극 정보는 구체화 되지 않으므로  자극 정보를  </a:t>
-            </a:r>
-            <a:r>
-              <a:rPr lang="en-US" altLang="ko-KR" dirty="0" err="1"/>
-              <a:t>GetSenseClassForStimulus</a:t>
-            </a:r>
-            <a:r>
-              <a:rPr lang="en-US" altLang="ko-KR" dirty="0"/>
-              <a:t> BP</a:t>
-            </a:r>
-            <a:r>
-              <a:rPr lang="ko-KR" altLang="en-US" dirty="0"/>
-              <a:t>노드로 클래스 </a:t>
-            </a:r>
-            <a:r>
-              <a:rPr lang="ko-KR" altLang="en-US" dirty="0" err="1"/>
-              <a:t>변환후</a:t>
-            </a:r>
-            <a:r>
-              <a:rPr lang="ko-KR" altLang="en-US" dirty="0"/>
-              <a:t> </a:t>
-            </a:r>
-            <a:r>
-              <a:rPr lang="en-US" altLang="ko-KR" dirty="0" err="1"/>
-              <a:t>IsValid</a:t>
-            </a:r>
-            <a:r>
-              <a:rPr lang="en-US" altLang="ko-KR" dirty="0"/>
-              <a:t> </a:t>
-            </a:r>
-            <a:r>
-              <a:rPr lang="ko-KR" altLang="en-US" dirty="0"/>
-              <a:t>확인한다</a:t>
-            </a:r>
-            <a:r>
-              <a:rPr lang="en-US" altLang="ko-KR" dirty="0"/>
-              <a:t>.</a:t>
-            </a:r>
-            <a:endParaRPr lang="ko-KR" altLang="en-US" dirty="0"/>
-          </a:p>
-        </p:txBody>
-      </p:sp>
-    </p:spTree>
-    <p:extLst>
-      <p:ext uri="{BB962C8B-B14F-4D97-AF65-F5344CB8AC3E}">
-        <p14:creationId xmlns:p14="http://schemas.microsoft.com/office/powerpoint/2010/main" val="3713320513"/>
-      </p:ext>
-    </p:extLst>
-  </p:cSld>
-  <p:clrMapOvr>
-    <a:masterClrMapping/>
-  </p:clrMapOvr>
-</p:sld>
-</file>
-
-<file path=ppt/slides/slide13.xml><?xml version="1.0" encoding="utf-8"?>
-<p:sld xmlns:a="http://schemas.openxmlformats.org/drawingml/2006/main" xmlns:r="http://schemas.openxmlformats.org/officeDocument/2006/relationships" xmlns:p="http://schemas.openxmlformats.org/presentationml/2006/main">
-  <p:cSld>
-    <p:spTree>
-      <p:nvGrpSpPr>
-        <p:cNvPr id="1" name=""/>
-        <p:cNvGrpSpPr/>
-        <p:nvPr/>
-      </p:nvGrpSpPr>
-      <p:grpSpPr>
-        <a:xfrm>
-          <a:off x="0" y="0"/>
-          <a:ext cx="0" cy="0"/>
-          <a:chOff x="0" y="0"/>
-          <a:chExt cx="0" cy="0"/>
-        </a:xfrm>
-      </p:grpSpPr>
-      <p:pic>
-        <p:nvPicPr>
-          <p:cNvPr id="4" name="그림 3">
-            <a:extLst>
-              <a:ext uri="{FF2B5EF4-FFF2-40B4-BE49-F238E27FC236}">
-                <a16:creationId xmlns:a16="http://schemas.microsoft.com/office/drawing/2014/main" id="{5235B176-8AE9-468A-83B5-5FC0B65E6DE8}"/>
-              </a:ext>
-            </a:extLst>
-          </p:cNvPr>
-          <p:cNvPicPr>
-            <a:picLocks noChangeAspect="1"/>
-          </p:cNvPicPr>
-          <p:nvPr/>
-        </p:nvPicPr>
-        <p:blipFill>
-          <a:blip r:embed="rId2"/>
-          <a:stretch>
-            <a:fillRect/>
-          </a:stretch>
-        </p:blipFill>
-        <p:spPr>
-          <a:xfrm>
-            <a:off x="0" y="51240"/>
-            <a:ext cx="12192000" cy="6755519"/>
-          </a:xfrm>
-          <a:prstGeom prst="rect">
-            <a:avLst/>
-          </a:prstGeom>
-        </p:spPr>
-      </p:pic>
-    </p:spTree>
-    <p:extLst>
-      <p:ext uri="{BB962C8B-B14F-4D97-AF65-F5344CB8AC3E}">
-        <p14:creationId xmlns:p14="http://schemas.microsoft.com/office/powerpoint/2010/main" val="3561116773"/>
-      </p:ext>
-    </p:extLst>
-  </p:cSld>
-  <p:clrMapOvr>
-    <a:masterClrMapping/>
-  </p:clrMapOvr>
-</p:sld>
-</file>
-
-<file path=ppt/slides/slide14.xml><?xml version="1.0" encoding="utf-8"?>
-<p:sld xmlns:a="http://schemas.openxmlformats.org/drawingml/2006/main" xmlns:r="http://schemas.openxmlformats.org/officeDocument/2006/relationships" xmlns:p="http://schemas.openxmlformats.org/presentationml/2006/main">
-  <p:cSld>
-    <p:spTree>
-      <p:nvGrpSpPr>
-        <p:cNvPr id="1" name=""/>
-        <p:cNvGrpSpPr/>
-        <p:nvPr/>
-      </p:nvGrpSpPr>
-      <p:grpSpPr>
-        <a:xfrm>
-          <a:off x="0" y="0"/>
-          <a:ext cx="0" cy="0"/>
-          <a:chOff x="0" y="0"/>
-          <a:chExt cx="0" cy="0"/>
-        </a:xfrm>
-      </p:grpSpPr>
-      <p:sp>
-        <p:nvSpPr>
-          <p:cNvPr id="2" name="제목 1">
-            <a:extLst>
-              <a:ext uri="{FF2B5EF4-FFF2-40B4-BE49-F238E27FC236}">
-                <a16:creationId xmlns:a16="http://schemas.microsoft.com/office/drawing/2014/main" id="{061B7F2A-2C11-48BB-99CF-CE62544F884D}"/>
-              </a:ext>
-            </a:extLst>
-          </p:cNvPr>
-          <p:cNvSpPr>
-            <a:spLocks noGrp="1"/>
-          </p:cNvSpPr>
-          <p:nvPr>
-            <p:ph type="title"/>
-          </p:nvPr>
-        </p:nvSpPr>
-        <p:spPr/>
-        <p:txBody>
-          <a:bodyPr/>
-          <a:lstStyle/>
-          <a:p>
-            <a:r>
-              <a:rPr lang="en-US" altLang="ko-KR" sz="3600" dirty="0" err="1"/>
-              <a:t>Func</a:t>
-            </a:r>
-            <a:r>
-              <a:rPr lang="en-US" altLang="ko-KR" sz="3600" dirty="0"/>
-              <a:t> - </a:t>
-            </a:r>
-            <a:r>
-              <a:rPr lang="en-US" altLang="ko-KR" dirty="0" err="1"/>
-              <a:t>GetCurrentlyPerceivedActors</a:t>
-            </a:r>
-            <a:endParaRPr lang="ko-KR" altLang="en-US" dirty="0"/>
-          </a:p>
-        </p:txBody>
-      </p:sp>
-      <p:sp>
-        <p:nvSpPr>
-          <p:cNvPr id="3" name="내용 개체 틀 2">
-            <a:extLst>
-              <a:ext uri="{FF2B5EF4-FFF2-40B4-BE49-F238E27FC236}">
-                <a16:creationId xmlns:a16="http://schemas.microsoft.com/office/drawing/2014/main" id="{A227FB35-5901-454E-889F-26EE8C6BBE3F}"/>
-              </a:ext>
-            </a:extLst>
-          </p:cNvPr>
-          <p:cNvSpPr>
-            <a:spLocks noGrp="1"/>
-          </p:cNvSpPr>
-          <p:nvPr>
-            <p:ph idx="1"/>
-          </p:nvPr>
-        </p:nvSpPr>
-        <p:spPr/>
-        <p:txBody>
-          <a:bodyPr/>
-          <a:lstStyle/>
-          <a:p>
-            <a:r>
-              <a:rPr lang="en-US" altLang="ko-KR" dirty="0"/>
-              <a:t>Input : </a:t>
-            </a:r>
-            <a:r>
-              <a:rPr lang="en-US" altLang="ko-KR" dirty="0" err="1"/>
-              <a:t>AISense</a:t>
-            </a:r>
-            <a:r>
-              <a:rPr lang="en-US" altLang="ko-KR" dirty="0"/>
-              <a:t> </a:t>
-            </a:r>
-            <a:r>
-              <a:rPr lang="ko-KR" altLang="en-US" dirty="0"/>
-              <a:t>클래스 레퍼런스</a:t>
-            </a:r>
-            <a:endParaRPr lang="en-US" altLang="ko-KR" dirty="0"/>
-          </a:p>
-          <a:p>
-            <a:pPr marL="0" indent="0">
-              <a:buNone/>
-            </a:pPr>
-            <a:endParaRPr lang="en-US" altLang="ko-KR" dirty="0"/>
-          </a:p>
-          <a:p>
-            <a:pPr marL="0" indent="0">
-              <a:buNone/>
-            </a:pPr>
-            <a:r>
-              <a:rPr lang="ko-KR" altLang="en-US" dirty="0"/>
-              <a:t>컴포넌트가 현재 감지한 월드에 존재하는 </a:t>
-            </a:r>
-            <a:r>
-              <a:rPr lang="ko-KR" altLang="en-US" dirty="0" err="1"/>
-              <a:t>액터</a:t>
-            </a:r>
-            <a:r>
-              <a:rPr lang="ko-KR" altLang="en-US" dirty="0"/>
-              <a:t> 목록을 </a:t>
-            </a:r>
-            <a:r>
-              <a:rPr lang="ko-KR" altLang="en-US" dirty="0" err="1"/>
-              <a:t>리턴한다</a:t>
-            </a:r>
-            <a:r>
-              <a:rPr lang="en-US" altLang="ko-KR" dirty="0"/>
-              <a:t>. </a:t>
-            </a:r>
-          </a:p>
-          <a:p>
-            <a:pPr marL="0" indent="0">
-              <a:buNone/>
-            </a:pPr>
-            <a:r>
-              <a:rPr lang="ko-KR" altLang="en-US" dirty="0"/>
-              <a:t>지정한 </a:t>
-            </a:r>
-            <a:r>
-              <a:rPr lang="en-US" altLang="ko-KR" dirty="0"/>
-              <a:t>AI Sense</a:t>
-            </a:r>
-            <a:r>
-              <a:rPr lang="ko-KR" altLang="en-US" dirty="0"/>
-              <a:t>가 있으면 필터링한다</a:t>
-            </a:r>
-            <a:r>
-              <a:rPr lang="en-US" altLang="ko-KR" dirty="0"/>
-              <a:t>.</a:t>
-            </a:r>
-          </a:p>
-          <a:p>
-            <a:pPr marL="0" indent="0">
-              <a:buNone/>
-            </a:pPr>
-            <a:endParaRPr lang="en-US" altLang="ko-KR" dirty="0"/>
-          </a:p>
-          <a:p>
-            <a:pPr marL="0" indent="0">
-              <a:buNone/>
-            </a:pPr>
-            <a:endParaRPr lang="en-US" altLang="ko-KR" dirty="0"/>
-          </a:p>
-        </p:txBody>
-      </p:sp>
-    </p:spTree>
-    <p:extLst>
-      <p:ext uri="{BB962C8B-B14F-4D97-AF65-F5344CB8AC3E}">
-        <p14:creationId xmlns:p14="http://schemas.microsoft.com/office/powerpoint/2010/main" val="2971718739"/>
-      </p:ext>
-    </p:extLst>
-  </p:cSld>
-  <p:clrMapOvr>
-    <a:masterClrMapping/>
-  </p:clrMapOvr>
-</p:sld>
-</file>
-
-<file path=ppt/slides/slide15.xml><?xml version="1.0" encoding="utf-8"?>
-<p:sld xmlns:a="http://schemas.openxmlformats.org/drawingml/2006/main" xmlns:r="http://schemas.openxmlformats.org/officeDocument/2006/relationships" xmlns:p="http://schemas.openxmlformats.org/presentationml/2006/main">
-  <p:cSld>
-    <p:spTree>
-      <p:nvGrpSpPr>
-        <p:cNvPr id="1" name=""/>
-        <p:cNvGrpSpPr/>
-        <p:nvPr/>
-      </p:nvGrpSpPr>
-      <p:grpSpPr>
-        <a:xfrm>
-          <a:off x="0" y="0"/>
-          <a:ext cx="0" cy="0"/>
-          <a:chOff x="0" y="0"/>
-          <a:chExt cx="0" cy="0"/>
-        </a:xfrm>
-      </p:grpSpPr>
-      <p:sp>
-        <p:nvSpPr>
-          <p:cNvPr id="2" name="제목 1">
-            <a:extLst>
-              <a:ext uri="{FF2B5EF4-FFF2-40B4-BE49-F238E27FC236}">
-                <a16:creationId xmlns:a16="http://schemas.microsoft.com/office/drawing/2014/main" id="{57292B04-1CA7-44E2-820F-3A61D1CEAFD6}"/>
-              </a:ext>
-            </a:extLst>
-          </p:cNvPr>
-          <p:cNvSpPr>
-            <a:spLocks noGrp="1"/>
-          </p:cNvSpPr>
-          <p:nvPr>
-            <p:ph type="title"/>
-          </p:nvPr>
-        </p:nvSpPr>
-        <p:spPr/>
-        <p:txBody>
-          <a:bodyPr/>
-          <a:lstStyle/>
-          <a:p>
-            <a:r>
-              <a:rPr lang="en-US" altLang="ko-KR" sz="3600" dirty="0" err="1"/>
-              <a:t>Func</a:t>
-            </a:r>
-            <a:r>
-              <a:rPr lang="en-US" altLang="ko-KR" sz="3600" dirty="0"/>
-              <a:t> - </a:t>
-            </a:r>
-            <a:r>
-              <a:rPr lang="en-US" altLang="ko-KR" dirty="0" err="1"/>
-              <a:t>GetKnownPerceivedActors</a:t>
-            </a:r>
-            <a:endParaRPr lang="ko-KR" altLang="en-US" dirty="0"/>
-          </a:p>
-        </p:txBody>
-      </p:sp>
-      <p:sp>
-        <p:nvSpPr>
-          <p:cNvPr id="3" name="내용 개체 틀 2">
-            <a:extLst>
-              <a:ext uri="{FF2B5EF4-FFF2-40B4-BE49-F238E27FC236}">
-                <a16:creationId xmlns:a16="http://schemas.microsoft.com/office/drawing/2014/main" id="{94F068D2-5E79-4BC0-BA15-20E6746A0B02}"/>
-              </a:ext>
-            </a:extLst>
-          </p:cNvPr>
-          <p:cNvSpPr>
-            <a:spLocks noGrp="1"/>
-          </p:cNvSpPr>
-          <p:nvPr>
-            <p:ph idx="1"/>
-          </p:nvPr>
-        </p:nvSpPr>
-        <p:spPr/>
-        <p:txBody>
-          <a:bodyPr/>
-          <a:lstStyle/>
-          <a:p>
-            <a:r>
-              <a:rPr lang="en-US" altLang="ko-KR" dirty="0"/>
-              <a:t>Input : </a:t>
-            </a:r>
-            <a:r>
-              <a:rPr lang="en-US" altLang="ko-KR" dirty="0" err="1"/>
-              <a:t>AISense</a:t>
-            </a:r>
-            <a:r>
-              <a:rPr lang="en-US" altLang="ko-KR" dirty="0"/>
-              <a:t> </a:t>
-            </a:r>
-            <a:r>
-              <a:rPr lang="ko-KR" altLang="en-US" dirty="0"/>
-              <a:t>클래스 레퍼런스</a:t>
-            </a:r>
-            <a:endParaRPr lang="en-US" altLang="ko-KR" dirty="0"/>
-          </a:p>
-          <a:p>
-            <a:pPr marL="0" indent="0">
-              <a:buNone/>
-            </a:pPr>
-            <a:endParaRPr lang="en-US" altLang="ko-KR" dirty="0"/>
-          </a:p>
-          <a:p>
-            <a:pPr marL="0" indent="0">
-              <a:buNone/>
-            </a:pPr>
-            <a:r>
-              <a:rPr lang="ko-KR" altLang="en-US" dirty="0"/>
-              <a:t>컴포넌트가 현재 그리고 과거 감지한 월드에 존재하는 </a:t>
-            </a:r>
-            <a:r>
-              <a:rPr lang="ko-KR" altLang="en-US" dirty="0" err="1"/>
-              <a:t>액터</a:t>
-            </a:r>
-            <a:r>
-              <a:rPr lang="ko-KR" altLang="en-US" dirty="0"/>
-              <a:t> 목록을 </a:t>
-            </a:r>
-            <a:r>
-              <a:rPr lang="ko-KR" altLang="en-US" dirty="0" err="1"/>
-              <a:t>리턴한다</a:t>
-            </a:r>
-            <a:r>
-              <a:rPr lang="en-US" altLang="ko-KR" dirty="0"/>
-              <a:t>. </a:t>
-            </a:r>
-          </a:p>
-          <a:p>
-            <a:pPr marL="0" indent="0">
-              <a:buNone/>
-            </a:pPr>
-            <a:r>
-              <a:rPr lang="ko-KR" altLang="en-US" dirty="0"/>
-              <a:t>지정한 </a:t>
-            </a:r>
-            <a:r>
-              <a:rPr lang="en-US" altLang="ko-KR" dirty="0"/>
-              <a:t>AI Sense</a:t>
-            </a:r>
-            <a:r>
-              <a:rPr lang="ko-KR" altLang="en-US" dirty="0"/>
-              <a:t>가 있으면 필터링한다</a:t>
-            </a:r>
-            <a:r>
-              <a:rPr lang="en-US" altLang="ko-KR" dirty="0"/>
-              <a:t>.</a:t>
-            </a:r>
-          </a:p>
-          <a:p>
-            <a:pPr marL="0" indent="0">
-              <a:buNone/>
-            </a:pPr>
-            <a:endParaRPr lang="ko-KR" altLang="en-US" dirty="0"/>
-          </a:p>
-        </p:txBody>
-      </p:sp>
-    </p:spTree>
-    <p:extLst>
-      <p:ext uri="{BB962C8B-B14F-4D97-AF65-F5344CB8AC3E}">
-        <p14:creationId xmlns:p14="http://schemas.microsoft.com/office/powerpoint/2010/main" val="2313485111"/>
-      </p:ext>
-    </p:extLst>
-  </p:cSld>
-  <p:clrMapOvr>
-    <a:masterClrMapping/>
-  </p:clrMapOvr>
-</p:sld>
-</file>
-
-<file path=ppt/slides/slide16.xml><?xml version="1.0" encoding="utf-8"?>
-<p:sld xmlns:a="http://schemas.openxmlformats.org/drawingml/2006/main" xmlns:r="http://schemas.openxmlformats.org/officeDocument/2006/relationships" xmlns:p="http://schemas.openxmlformats.org/presentationml/2006/main">
-  <p:cSld>
-    <p:spTree>
-      <p:nvGrpSpPr>
-        <p:cNvPr id="1" name=""/>
-        <p:cNvGrpSpPr/>
-        <p:nvPr/>
-      </p:nvGrpSpPr>
-      <p:grpSpPr>
-        <a:xfrm>
-          <a:off x="0" y="0"/>
-          <a:ext cx="0" cy="0"/>
-          <a:chOff x="0" y="0"/>
-          <a:chExt cx="0" cy="0"/>
-        </a:xfrm>
-      </p:grpSpPr>
-      <p:sp>
-        <p:nvSpPr>
-          <p:cNvPr id="2" name="제목 1">
-            <a:extLst>
-              <a:ext uri="{FF2B5EF4-FFF2-40B4-BE49-F238E27FC236}">
-                <a16:creationId xmlns:a16="http://schemas.microsoft.com/office/drawing/2014/main" id="{B6668A07-3351-45FB-86F1-3D7D1C809984}"/>
-              </a:ext>
-            </a:extLst>
-          </p:cNvPr>
-          <p:cNvSpPr>
-            <a:spLocks noGrp="1"/>
-          </p:cNvSpPr>
-          <p:nvPr>
-            <p:ph type="title"/>
-          </p:nvPr>
-        </p:nvSpPr>
-        <p:spPr/>
-        <p:txBody>
-          <a:bodyPr/>
-          <a:lstStyle/>
-          <a:p>
-            <a:r>
-              <a:rPr lang="en-US" altLang="ko-KR" sz="3600" dirty="0" err="1"/>
-              <a:t>Func</a:t>
-            </a:r>
-            <a:r>
-              <a:rPr lang="en-US" altLang="ko-KR" sz="3600" dirty="0"/>
-              <a:t> - </a:t>
-            </a:r>
-            <a:r>
-              <a:rPr lang="en-US" altLang="ko-KR" dirty="0" err="1"/>
-              <a:t>GetPerceivedHostileActors</a:t>
-            </a:r>
-            <a:endParaRPr lang="ko-KR" altLang="en-US" dirty="0"/>
-          </a:p>
-        </p:txBody>
-      </p:sp>
-      <p:sp>
-        <p:nvSpPr>
-          <p:cNvPr id="3" name="내용 개체 틀 2">
-            <a:extLst>
-              <a:ext uri="{FF2B5EF4-FFF2-40B4-BE49-F238E27FC236}">
-                <a16:creationId xmlns:a16="http://schemas.microsoft.com/office/drawing/2014/main" id="{A231A167-49B9-47C2-AE5F-060904DE23F1}"/>
-              </a:ext>
-            </a:extLst>
-          </p:cNvPr>
-          <p:cNvSpPr>
-            <a:spLocks noGrp="1"/>
-          </p:cNvSpPr>
-          <p:nvPr>
-            <p:ph idx="1"/>
-          </p:nvPr>
-        </p:nvSpPr>
-        <p:spPr/>
-        <p:txBody>
-          <a:bodyPr/>
-          <a:lstStyle/>
-          <a:p>
-            <a:r>
-              <a:rPr lang="ko-KR" altLang="en-US" dirty="0"/>
-              <a:t>컴포넌트가 현재 인식한 적 </a:t>
-            </a:r>
-            <a:r>
-              <a:rPr lang="ko-KR" altLang="en-US" dirty="0" err="1"/>
-              <a:t>액터</a:t>
-            </a:r>
-            <a:r>
-              <a:rPr lang="ko-KR" altLang="en-US" dirty="0"/>
-              <a:t> 목록을 </a:t>
-            </a:r>
-            <a:r>
-              <a:rPr lang="ko-KR" altLang="en-US" dirty="0" err="1"/>
-              <a:t>리턴한다</a:t>
-            </a:r>
-            <a:r>
-              <a:rPr lang="en-US" altLang="ko-KR" dirty="0"/>
-              <a:t>.</a:t>
-            </a:r>
-          </a:p>
-          <a:p>
-            <a:pPr marL="0" indent="0">
-              <a:buNone/>
-            </a:pPr>
-            <a:endParaRPr lang="en-US" altLang="ko-KR" dirty="0"/>
-          </a:p>
-          <a:p>
-            <a:pPr marL="0" indent="0">
-              <a:buNone/>
-            </a:pPr>
-            <a:r>
-              <a:rPr lang="en-US" altLang="ko-KR" dirty="0"/>
-              <a:t>*</a:t>
-            </a:r>
-            <a:r>
-              <a:rPr lang="ko-KR" altLang="en-US" dirty="0"/>
-              <a:t>아군</a:t>
-            </a:r>
-            <a:r>
-              <a:rPr lang="en-US" altLang="ko-KR" dirty="0"/>
-              <a:t>,</a:t>
-            </a:r>
-            <a:r>
-              <a:rPr lang="ko-KR" altLang="en-US" dirty="0"/>
-              <a:t>중립</a:t>
-            </a:r>
-            <a:r>
-              <a:rPr lang="en-US" altLang="ko-KR" dirty="0"/>
-              <a:t>,</a:t>
-            </a:r>
-            <a:r>
-              <a:rPr lang="ko-KR" altLang="en-US" dirty="0"/>
-              <a:t>적 개념이 있지만 </a:t>
-            </a:r>
-            <a:r>
-              <a:rPr lang="ko-KR" altLang="en-US" dirty="0" err="1"/>
-              <a:t>블루프린트</a:t>
-            </a:r>
-            <a:r>
-              <a:rPr lang="ko-KR" altLang="en-US" dirty="0"/>
-              <a:t> 레벨에서는 설정불가</a:t>
-            </a:r>
-            <a:r>
-              <a:rPr lang="en-US" altLang="ko-KR" dirty="0"/>
-              <a:t>.</a:t>
-            </a:r>
-          </a:p>
-          <a:p>
-            <a:pPr marL="0" indent="0">
-              <a:buNone/>
-            </a:pPr>
-            <a:endParaRPr lang="en-US" altLang="ko-KR" dirty="0"/>
-          </a:p>
-          <a:p>
-            <a:pPr marL="0" indent="0">
-              <a:buNone/>
-            </a:pPr>
-            <a:r>
-              <a:rPr lang="ko-KR" altLang="en-US" dirty="0"/>
-              <a:t>구분하려면 </a:t>
-            </a:r>
-            <a:r>
-              <a:rPr lang="en-US" altLang="ko-KR" dirty="0" err="1"/>
-              <a:t>GetCurrentlyPerceivedActors</a:t>
-            </a:r>
-            <a:r>
-              <a:rPr lang="en-US" altLang="ko-KR" dirty="0"/>
-              <a:t> </a:t>
-            </a:r>
-            <a:r>
-              <a:rPr lang="ko-KR" altLang="en-US" dirty="0"/>
-              <a:t>노드 사용 이후에</a:t>
-            </a:r>
-            <a:endParaRPr lang="en-US" altLang="ko-KR" dirty="0"/>
-          </a:p>
-          <a:p>
-            <a:pPr marL="0" indent="0">
-              <a:buNone/>
-            </a:pPr>
-            <a:r>
-              <a:rPr lang="en-US" altLang="ko-KR" dirty="0"/>
-              <a:t>Tag</a:t>
-            </a:r>
-            <a:r>
-              <a:rPr lang="ko-KR" altLang="en-US" dirty="0"/>
-              <a:t>로 필터링 </a:t>
-            </a:r>
-            <a:r>
-              <a:rPr lang="ko-KR" altLang="en-US" dirty="0" err="1"/>
-              <a:t>사용하는방법을</a:t>
-            </a:r>
-            <a:r>
-              <a:rPr lang="ko-KR" altLang="en-US" dirty="0"/>
-              <a:t> 추천</a:t>
-            </a:r>
-          </a:p>
-        </p:txBody>
-      </p:sp>
-    </p:spTree>
-    <p:extLst>
-      <p:ext uri="{BB962C8B-B14F-4D97-AF65-F5344CB8AC3E}">
-        <p14:creationId xmlns:p14="http://schemas.microsoft.com/office/powerpoint/2010/main" val="2831644325"/>
-      </p:ext>
-    </p:extLst>
-  </p:cSld>
-  <p:clrMapOvr>
-    <a:masterClrMapping/>
-  </p:clrMapOvr>
-</p:sld>
-</file>
-
-<file path=ppt/slides/slide17.xml><?xml version="1.0" encoding="utf-8"?>
-<p:sld xmlns:a="http://schemas.openxmlformats.org/drawingml/2006/main" xmlns:r="http://schemas.openxmlformats.org/officeDocument/2006/relationships" xmlns:p="http://schemas.openxmlformats.org/presentationml/2006/main">
-  <p:cSld>
-    <p:spTree>
-      <p:nvGrpSpPr>
-        <p:cNvPr id="1" name=""/>
-        <p:cNvGrpSpPr/>
-        <p:nvPr/>
-      </p:nvGrpSpPr>
-      <p:grpSpPr>
-        <a:xfrm>
-          <a:off x="0" y="0"/>
-          <a:ext cx="0" cy="0"/>
-          <a:chOff x="0" y="0"/>
-          <a:chExt cx="0" cy="0"/>
-        </a:xfrm>
-      </p:grpSpPr>
-      <p:sp>
-        <p:nvSpPr>
-          <p:cNvPr id="2" name="제목 1">
-            <a:extLst>
-              <a:ext uri="{FF2B5EF4-FFF2-40B4-BE49-F238E27FC236}">
-                <a16:creationId xmlns:a16="http://schemas.microsoft.com/office/drawing/2014/main" id="{A75C9AD7-2FDD-445A-982C-06529FAAEEBD}"/>
-              </a:ext>
-            </a:extLst>
-          </p:cNvPr>
-          <p:cNvSpPr>
-            <a:spLocks noGrp="1"/>
-          </p:cNvSpPr>
-          <p:nvPr>
-            <p:ph type="title"/>
-          </p:nvPr>
-        </p:nvSpPr>
-        <p:spPr/>
-        <p:txBody>
-          <a:bodyPr/>
-          <a:lstStyle/>
-          <a:p>
-            <a:r>
-              <a:rPr lang="en-US" altLang="ko-KR" sz="3600" dirty="0" err="1"/>
-              <a:t>Func</a:t>
-            </a:r>
-            <a:r>
-              <a:rPr lang="en-US" altLang="ko-KR" sz="3600" dirty="0"/>
-              <a:t> - </a:t>
-            </a:r>
-            <a:r>
-              <a:rPr lang="en-US" altLang="ko-KR" dirty="0" err="1"/>
-              <a:t>RequestStimuliListenerUpdate</a:t>
-            </a:r>
-            <a:endParaRPr lang="ko-KR" altLang="en-US" dirty="0"/>
-          </a:p>
-        </p:txBody>
-      </p:sp>
-      <p:sp>
-        <p:nvSpPr>
-          <p:cNvPr id="3" name="내용 개체 틀 2">
-            <a:extLst>
-              <a:ext uri="{FF2B5EF4-FFF2-40B4-BE49-F238E27FC236}">
-                <a16:creationId xmlns:a16="http://schemas.microsoft.com/office/drawing/2014/main" id="{75F3200B-0139-433A-9D98-8AB66528C7F0}"/>
-              </a:ext>
-            </a:extLst>
-          </p:cNvPr>
-          <p:cNvSpPr>
-            <a:spLocks noGrp="1"/>
-          </p:cNvSpPr>
-          <p:nvPr>
-            <p:ph idx="1"/>
-          </p:nvPr>
-        </p:nvSpPr>
-        <p:spPr/>
-        <p:txBody>
-          <a:bodyPr/>
-          <a:lstStyle/>
-          <a:p>
-            <a:r>
-              <a:rPr lang="ko-KR" altLang="en-US" dirty="0"/>
-              <a:t> 자극에 대한 수동 감지 요청 노드</a:t>
-            </a:r>
-            <a:endParaRPr lang="en-US" altLang="ko-KR" dirty="0"/>
-          </a:p>
-          <a:p>
-            <a:pPr marL="0" indent="0">
-              <a:buNone/>
-            </a:pPr>
-            <a:r>
-              <a:rPr lang="ko-KR" altLang="en-US" dirty="0"/>
-              <a:t>다음 업데이트 이전에 임의로 감지한다</a:t>
-            </a:r>
-            <a:r>
-              <a:rPr lang="en-US" altLang="ko-KR" dirty="0"/>
-              <a:t>.</a:t>
-            </a:r>
-          </a:p>
-        </p:txBody>
-      </p:sp>
-    </p:spTree>
-    <p:extLst>
-      <p:ext uri="{BB962C8B-B14F-4D97-AF65-F5344CB8AC3E}">
-        <p14:creationId xmlns:p14="http://schemas.microsoft.com/office/powerpoint/2010/main" val="2765401583"/>
-      </p:ext>
-    </p:extLst>
-  </p:cSld>
-  <p:clrMapOvr>
-    <a:masterClrMapping/>
-  </p:clrMapOvr>
-</p:sld>
-</file>
-
-<file path=ppt/slides/slide18.xml><?xml version="1.0" encoding="utf-8"?>
-<p:sld xmlns:a="http://schemas.openxmlformats.org/drawingml/2006/main" xmlns:r="http://schemas.openxmlformats.org/officeDocument/2006/relationships" xmlns:p="http://schemas.openxmlformats.org/presentationml/2006/main">
-  <p:cSld>
-    <p:spTree>
-      <p:nvGrpSpPr>
-        <p:cNvPr id="1" name=""/>
-        <p:cNvGrpSpPr/>
-        <p:nvPr/>
-      </p:nvGrpSpPr>
-      <p:grpSpPr>
-        <a:xfrm>
-          <a:off x="0" y="0"/>
-          <a:ext cx="0" cy="0"/>
-          <a:chOff x="0" y="0"/>
-          <a:chExt cx="0" cy="0"/>
-        </a:xfrm>
-      </p:grpSpPr>
-      <p:sp>
-        <p:nvSpPr>
-          <p:cNvPr id="2" name="제목 1">
-            <a:extLst>
-              <a:ext uri="{FF2B5EF4-FFF2-40B4-BE49-F238E27FC236}">
-                <a16:creationId xmlns:a16="http://schemas.microsoft.com/office/drawing/2014/main" id="{77BF0619-38FF-4069-BABB-4710D838D1A5}"/>
-              </a:ext>
-            </a:extLst>
-          </p:cNvPr>
-          <p:cNvSpPr>
-            <a:spLocks noGrp="1"/>
-          </p:cNvSpPr>
-          <p:nvPr>
-            <p:ph type="title"/>
-          </p:nvPr>
-        </p:nvSpPr>
-        <p:spPr/>
-        <p:txBody>
-          <a:bodyPr/>
-          <a:lstStyle/>
-          <a:p>
-            <a:r>
-              <a:rPr lang="en-US" altLang="ko-KR" dirty="0"/>
-              <a:t>How to debug?</a:t>
-            </a:r>
-            <a:endParaRPr lang="ko-KR" altLang="en-US" dirty="0"/>
-          </a:p>
-        </p:txBody>
-      </p:sp>
-      <p:sp>
-        <p:nvSpPr>
-          <p:cNvPr id="4" name="내용 개체 틀 3">
-            <a:extLst>
-              <a:ext uri="{FF2B5EF4-FFF2-40B4-BE49-F238E27FC236}">
-                <a16:creationId xmlns:a16="http://schemas.microsoft.com/office/drawing/2014/main" id="{91B874E1-0D59-4504-B97A-E5D6010AF940}"/>
-              </a:ext>
-            </a:extLst>
-          </p:cNvPr>
-          <p:cNvSpPr>
-            <a:spLocks noGrp="1"/>
-          </p:cNvSpPr>
-          <p:nvPr>
-            <p:ph idx="1"/>
-          </p:nvPr>
-        </p:nvSpPr>
-        <p:spPr/>
-        <p:txBody>
-          <a:bodyPr/>
-          <a:lstStyle/>
-          <a:p>
-            <a:r>
-              <a:rPr lang="ko-KR" altLang="en-US" dirty="0"/>
-              <a:t>플레이어 캐릭터가 디버깅 하려는 </a:t>
-            </a:r>
-            <a:r>
-              <a:rPr lang="en-US" altLang="ko-KR" dirty="0"/>
-              <a:t>Pawn</a:t>
-            </a:r>
-            <a:r>
-              <a:rPr lang="ko-KR" altLang="en-US" dirty="0"/>
-              <a:t>을 보고</a:t>
-            </a:r>
-            <a:endParaRPr lang="en-US" altLang="ko-KR" dirty="0"/>
-          </a:p>
-          <a:p>
-            <a:r>
-              <a:rPr lang="ko-KR" altLang="en-US" dirty="0"/>
-              <a:t>키보드 </a:t>
-            </a:r>
-            <a:r>
-              <a:rPr lang="en-US" altLang="ko-KR" dirty="0"/>
-              <a:t>‘  </a:t>
-            </a:r>
-            <a:r>
-              <a:rPr lang="ko-KR" altLang="en-US" dirty="0"/>
-              <a:t>아포스트로피</a:t>
-            </a:r>
-            <a:r>
-              <a:rPr lang="en-US" altLang="ko-KR" dirty="0"/>
-              <a:t>(</a:t>
-            </a:r>
-            <a:r>
-              <a:rPr lang="ko-KR" altLang="en-US" dirty="0" err="1"/>
-              <a:t>엔터왼쪽</a:t>
-            </a:r>
-            <a:r>
-              <a:rPr lang="en-US" altLang="ko-KR" dirty="0"/>
-              <a:t>) </a:t>
-            </a:r>
-            <a:r>
-              <a:rPr lang="ko-KR" altLang="en-US" dirty="0"/>
-              <a:t>로 </a:t>
-            </a:r>
-            <a:r>
-              <a:rPr lang="en-US" altLang="ko-KR" dirty="0"/>
-              <a:t>Debug Toggle</a:t>
-            </a:r>
-          </a:p>
-          <a:p>
-            <a:r>
-              <a:rPr lang="ko-KR" altLang="en-US" dirty="0"/>
-              <a:t>키보드 </a:t>
-            </a:r>
-            <a:r>
-              <a:rPr lang="en-US" altLang="ko-KR" dirty="0"/>
-              <a:t>Num4 </a:t>
-            </a:r>
-            <a:r>
-              <a:rPr lang="ko-KR" altLang="en-US" dirty="0"/>
-              <a:t>키로 </a:t>
-            </a:r>
-            <a:r>
-              <a:rPr lang="en-US" altLang="ko-KR" dirty="0"/>
-              <a:t>Perception Show On</a:t>
-            </a:r>
-          </a:p>
-          <a:p>
-            <a:r>
-              <a:rPr lang="ko-KR" altLang="en-US" dirty="0"/>
-              <a:t>자극 발생하여 시각적으로 표현되는지 확인한다</a:t>
-            </a:r>
-            <a:r>
-              <a:rPr lang="en-US" altLang="ko-KR" dirty="0"/>
-              <a:t>.</a:t>
-            </a:r>
-            <a:endParaRPr lang="ko-KR" altLang="en-US" dirty="0"/>
-          </a:p>
-        </p:txBody>
-      </p:sp>
-    </p:spTree>
-    <p:extLst>
-      <p:ext uri="{BB962C8B-B14F-4D97-AF65-F5344CB8AC3E}">
-        <p14:creationId xmlns:p14="http://schemas.microsoft.com/office/powerpoint/2010/main" val="21209927"/>
-      </p:ext>
-    </p:extLst>
-  </p:cSld>
-  <p:clrMapOvr>
-    <a:masterClrMapping/>
-  </p:clrMapOvr>
-</p:sld>
-</file>
-
-<file path=ppt/slides/slide19.xml><?xml version="1.0" encoding="utf-8"?>
-<p:sld xmlns:a="http://schemas.openxmlformats.org/drawingml/2006/main" xmlns:r="http://schemas.openxmlformats.org/officeDocument/2006/relationships" xmlns:p="http://schemas.openxmlformats.org/presentationml/2006/main">
-  <p:cSld>
-    <p:spTree>
-      <p:nvGrpSpPr>
-        <p:cNvPr id="1" name=""/>
-        <p:cNvGrpSpPr/>
-        <p:nvPr/>
-      </p:nvGrpSpPr>
-      <p:grpSpPr>
-        <a:xfrm>
-          <a:off x="0" y="0"/>
-          <a:ext cx="0" cy="0"/>
-          <a:chOff x="0" y="0"/>
-          <a:chExt cx="0" cy="0"/>
-        </a:xfrm>
-      </p:grpSpPr>
-    </p:spTree>
-    <p:extLst>
-      <p:ext uri="{BB962C8B-B14F-4D97-AF65-F5344CB8AC3E}">
-        <p14:creationId xmlns:p14="http://schemas.microsoft.com/office/powerpoint/2010/main" val="3530259281"/>
-      </p:ext>
-    </p:extLst>
-  </p:cSld>
-  <p:clrMapOvr>
-    <a:masterClrMapping/>
-  </p:clrMapOvr>
-</p:sld>
-</file>
-
-<file path=ppt/slides/slide2.xml><?xml version="1.0" encoding="utf-8"?>
-<p:sld xmlns:a="http://schemas.openxmlformats.org/drawingml/2006/main" xmlns:r="http://schemas.openxmlformats.org/officeDocument/2006/relationships" xmlns:p="http://schemas.openxmlformats.org/presentationml/2006/main">
-  <p:cSld>
-    <p:spTree>
-      <p:nvGrpSpPr>
-        <p:cNvPr id="1" name=""/>
-        <p:cNvGrpSpPr/>
-        <p:nvPr/>
-      </p:nvGrpSpPr>
-      <p:grpSpPr>
-        <a:xfrm>
-          <a:off x="0" y="0"/>
-          <a:ext cx="0" cy="0"/>
-          <a:chOff x="0" y="0"/>
-          <a:chExt cx="0" cy="0"/>
-        </a:xfrm>
-      </p:grpSpPr>
-      <p:sp>
-        <p:nvSpPr>
-          <p:cNvPr id="2" name="제목 1">
-            <a:extLst>
-              <a:ext uri="{FF2B5EF4-FFF2-40B4-BE49-F238E27FC236}">
-                <a16:creationId xmlns:a16="http://schemas.microsoft.com/office/drawing/2014/main" id="{CAB6B39F-43DE-46C0-934E-3288B2EA64FF}"/>
-              </a:ext>
-            </a:extLst>
-          </p:cNvPr>
-          <p:cNvSpPr>
-            <a:spLocks noGrp="1"/>
-          </p:cNvSpPr>
-          <p:nvPr>
-            <p:ph type="title"/>
-          </p:nvPr>
-        </p:nvSpPr>
-        <p:spPr/>
-        <p:txBody>
-          <a:bodyPr/>
-          <a:lstStyle/>
-          <a:p>
-            <a:r>
-              <a:rPr lang="ko-KR" altLang="en-US" dirty="0"/>
-              <a:t>어떻게 똑똑한 </a:t>
-            </a:r>
-            <a:r>
-              <a:rPr lang="en-US" altLang="ko-KR" dirty="0"/>
-              <a:t>NPC</a:t>
-            </a:r>
-            <a:r>
-              <a:rPr lang="ko-KR" altLang="en-US" dirty="0"/>
-              <a:t>로 </a:t>
-            </a:r>
-            <a:r>
-              <a:rPr lang="ko-KR" altLang="en-US" dirty="0" err="1"/>
-              <a:t>만들수</a:t>
-            </a:r>
-            <a:r>
-              <a:rPr lang="ko-KR" altLang="en-US" dirty="0"/>
-              <a:t> 있나</a:t>
-            </a:r>
-            <a:r>
-              <a:rPr lang="en-US" altLang="ko-KR" dirty="0"/>
-              <a:t>.</a:t>
-            </a:r>
-            <a:endParaRPr lang="ko-KR" altLang="en-US" dirty="0"/>
-          </a:p>
-        </p:txBody>
-      </p:sp>
-      <p:sp>
-        <p:nvSpPr>
-          <p:cNvPr id="3" name="내용 개체 틀 2">
-            <a:extLst>
-              <a:ext uri="{FF2B5EF4-FFF2-40B4-BE49-F238E27FC236}">
-                <a16:creationId xmlns:a16="http://schemas.microsoft.com/office/drawing/2014/main" id="{FFBB8E4E-F345-40CB-9B3E-C7F3480E625F}"/>
-              </a:ext>
-            </a:extLst>
-          </p:cNvPr>
-          <p:cNvSpPr>
-            <a:spLocks noGrp="1"/>
-          </p:cNvSpPr>
-          <p:nvPr>
-            <p:ph idx="1"/>
-          </p:nvPr>
-        </p:nvSpPr>
-        <p:spPr>
-          <a:xfrm>
-            <a:off x="838200" y="1825625"/>
-            <a:ext cx="10515600" cy="477628"/>
-          </a:xfrm>
-        </p:spPr>
-        <p:txBody>
-          <a:bodyPr/>
-          <a:lstStyle/>
-          <a:p>
-            <a:pPr marL="0" indent="0">
-              <a:buNone/>
-            </a:pPr>
-            <a:r>
-              <a:rPr lang="ko-KR" altLang="en-US" dirty="0"/>
-              <a:t>월드의 정보를 수집 하고 정보를 바탕으로 한 행동을 결정한다</a:t>
-            </a:r>
-            <a:r>
-              <a:rPr lang="en-US" altLang="ko-KR" dirty="0"/>
-              <a:t>.</a:t>
-            </a:r>
-          </a:p>
-        </p:txBody>
-      </p:sp>
-      <p:sp>
-        <p:nvSpPr>
-          <p:cNvPr id="4" name="TextBox 3">
-            <a:extLst>
-              <a:ext uri="{FF2B5EF4-FFF2-40B4-BE49-F238E27FC236}">
-                <a16:creationId xmlns:a16="http://schemas.microsoft.com/office/drawing/2014/main" id="{95731C7F-19B0-4B02-9103-243598A2E966}"/>
-              </a:ext>
-            </a:extLst>
-          </p:cNvPr>
-          <p:cNvSpPr txBox="1"/>
-          <p:nvPr/>
-        </p:nvSpPr>
-        <p:spPr>
-          <a:xfrm>
-            <a:off x="838200" y="2435374"/>
-            <a:ext cx="10515600" cy="1477328"/>
-          </a:xfrm>
-          <a:prstGeom prst="rect">
-            <a:avLst/>
-          </a:prstGeom>
-          <a:noFill/>
-        </p:spPr>
-        <p:txBody>
-          <a:bodyPr wrap="square" rtlCol="0">
-            <a:spAutoFit/>
-          </a:bodyPr>
-          <a:lstStyle/>
-          <a:p>
-            <a:r>
-              <a:rPr lang="ko-KR" altLang="en-US" dirty="0"/>
-              <a:t>정보수집하기</a:t>
-            </a:r>
-            <a:endParaRPr lang="en-US" altLang="ko-KR" dirty="0"/>
-          </a:p>
-          <a:p>
-            <a:r>
-              <a:rPr lang="en-US" altLang="ko-KR" dirty="0"/>
-              <a:t>- </a:t>
-            </a:r>
-            <a:r>
-              <a:rPr lang="en-US" altLang="ko-KR" dirty="0" err="1"/>
-              <a:t>NavigationVolume</a:t>
-            </a:r>
-            <a:r>
-              <a:rPr lang="en-US" altLang="ko-KR" dirty="0"/>
-              <a:t>: </a:t>
-            </a:r>
-            <a:r>
-              <a:rPr lang="ko-KR" altLang="en-US" dirty="0"/>
-              <a:t>지형에 대해서 갈수 </a:t>
-            </a:r>
-            <a:r>
-              <a:rPr lang="ko-KR" altLang="en-US" dirty="0" err="1"/>
-              <a:t>있는곳</a:t>
-            </a:r>
-            <a:r>
-              <a:rPr lang="ko-KR" altLang="en-US" dirty="0"/>
-              <a:t> 을 미리 계산하여 데이터로 준비</a:t>
-            </a:r>
-            <a:endParaRPr lang="en-US" altLang="ko-KR" dirty="0"/>
-          </a:p>
-          <a:p>
-            <a:pPr>
-              <a:buFontTx/>
-              <a:buChar char="-"/>
-            </a:pPr>
-            <a:r>
-              <a:rPr lang="en-US" altLang="ko-KR" dirty="0"/>
-              <a:t> </a:t>
-            </a:r>
-            <a:r>
-              <a:rPr lang="en-US" altLang="ko-KR" dirty="0" err="1"/>
-              <a:t>AIPerceptionComponent</a:t>
-            </a:r>
-            <a:r>
-              <a:rPr lang="en-US" altLang="ko-KR" dirty="0"/>
-              <a:t>: </a:t>
-            </a:r>
-            <a:r>
-              <a:rPr lang="ko-KR" altLang="en-US" dirty="0"/>
-              <a:t>실행 중 시야</a:t>
-            </a:r>
-            <a:r>
-              <a:rPr lang="en-US" altLang="ko-KR" dirty="0"/>
-              <a:t>,</a:t>
-            </a:r>
-            <a:r>
-              <a:rPr lang="ko-KR" altLang="en-US" dirty="0"/>
-              <a:t>노이즈</a:t>
-            </a:r>
-            <a:r>
-              <a:rPr lang="en-US" altLang="ko-KR" dirty="0"/>
-              <a:t>,</a:t>
-            </a:r>
-            <a:r>
-              <a:rPr lang="ko-KR" altLang="en-US" dirty="0"/>
-              <a:t>데미지</a:t>
-            </a:r>
-            <a:r>
-              <a:rPr lang="en-US" altLang="ko-KR" dirty="0"/>
-              <a:t> </a:t>
-            </a:r>
-            <a:r>
-              <a:rPr lang="ko-KR" altLang="en-US" dirty="0"/>
-              <a:t>등 자극을 감지</a:t>
-            </a:r>
-            <a:endParaRPr lang="en-US" altLang="ko-KR" dirty="0"/>
-          </a:p>
-          <a:p>
-            <a:pPr>
-              <a:buFontTx/>
-              <a:buChar char="-"/>
-            </a:pPr>
-            <a:r>
-              <a:rPr lang="en-US" altLang="ko-KR" dirty="0"/>
-              <a:t> EQS (Environment Query System) :  </a:t>
-            </a:r>
-            <a:r>
-              <a:rPr lang="ko-KR" altLang="en-US" dirty="0"/>
-              <a:t>월드의 </a:t>
-            </a:r>
-            <a:r>
-              <a:rPr lang="en-US" altLang="ko-KR" dirty="0"/>
-              <a:t>0</a:t>
-            </a:r>
-            <a:r>
-              <a:rPr lang="ko-KR" altLang="en-US" dirty="0"/>
-              <a:t>환경 정보를 제공 한다</a:t>
-            </a:r>
-            <a:r>
-              <a:rPr lang="en-US" altLang="ko-KR" dirty="0"/>
-              <a:t>.</a:t>
-            </a:r>
-          </a:p>
-          <a:p>
-            <a:endParaRPr lang="ko-KR" altLang="en-US" dirty="0"/>
-          </a:p>
-        </p:txBody>
-      </p:sp>
-      <p:sp>
-        <p:nvSpPr>
-          <p:cNvPr id="5" name="TextBox 4">
-            <a:extLst>
-              <a:ext uri="{FF2B5EF4-FFF2-40B4-BE49-F238E27FC236}">
-                <a16:creationId xmlns:a16="http://schemas.microsoft.com/office/drawing/2014/main" id="{C5BD8CF8-C3AB-435E-A52F-4F3F834DDDD6}"/>
-              </a:ext>
-            </a:extLst>
-          </p:cNvPr>
-          <p:cNvSpPr txBox="1"/>
-          <p:nvPr/>
-        </p:nvSpPr>
-        <p:spPr>
-          <a:xfrm>
-            <a:off x="1035170" y="4252823"/>
-            <a:ext cx="8488391" cy="923330"/>
-          </a:xfrm>
-          <a:prstGeom prst="rect">
-            <a:avLst/>
-          </a:prstGeom>
-          <a:noFill/>
-        </p:spPr>
-        <p:txBody>
-          <a:bodyPr wrap="square" rtlCol="0">
-            <a:spAutoFit/>
-          </a:bodyPr>
-          <a:lstStyle/>
-          <a:p>
-            <a:r>
-              <a:rPr lang="ko-KR" altLang="en-US" dirty="0"/>
-              <a:t>행동하기</a:t>
-            </a:r>
-            <a:endParaRPr lang="en-US" altLang="ko-KR" dirty="0"/>
-          </a:p>
-          <a:p>
-            <a:r>
-              <a:rPr lang="en-US" altLang="ko-KR" dirty="0"/>
-              <a:t>- </a:t>
-            </a:r>
-            <a:r>
-              <a:rPr lang="ko-KR" altLang="en-US" dirty="0"/>
-              <a:t>기본적인 이동 명령은 제공</a:t>
-            </a:r>
-            <a:endParaRPr lang="en-US" altLang="ko-KR" dirty="0"/>
-          </a:p>
-          <a:p>
-            <a:endParaRPr lang="ko-KR" altLang="en-US" dirty="0"/>
-          </a:p>
-        </p:txBody>
-      </p:sp>
-    </p:spTree>
-    <p:extLst>
-      <p:ext uri="{BB962C8B-B14F-4D97-AF65-F5344CB8AC3E}">
-        <p14:creationId xmlns:p14="http://schemas.microsoft.com/office/powerpoint/2010/main" val="1480452728"/>
-      </p:ext>
-    </p:extLst>
-  </p:cSld>
-  <p:clrMapOvr>
-    <a:masterClrMapping/>
-  </p:clrMapOvr>
-</p:sld>
-</file>
-
-<file path=ppt/slides/slide20.xml><?xml version="1.0" encoding="utf-8"?>
-<p:sld xmlns:a="http://schemas.openxmlformats.org/drawingml/2006/main" xmlns:r="http://schemas.openxmlformats.org/officeDocument/2006/relationships" xmlns:p="http://schemas.openxmlformats.org/presentationml/2006/main">
-  <p:cSld>
-    <p:spTree>
-      <p:nvGrpSpPr>
-        <p:cNvPr id="1" name=""/>
-        <p:cNvGrpSpPr/>
-        <p:nvPr/>
-      </p:nvGrpSpPr>
-      <p:grpSpPr>
-        <a:xfrm>
-          <a:off x="0" y="0"/>
-          <a:ext cx="0" cy="0"/>
-          <a:chOff x="0" y="0"/>
-          <a:chExt cx="0" cy="0"/>
-        </a:xfrm>
-      </p:grpSpPr>
-    </p:spTree>
-    <p:extLst>
-      <p:ext uri="{BB962C8B-B14F-4D97-AF65-F5344CB8AC3E}">
-        <p14:creationId xmlns:p14="http://schemas.microsoft.com/office/powerpoint/2010/main" val="1375765079"/>
-      </p:ext>
-    </p:extLst>
-  </p:cSld>
-  <p:clrMapOvr>
-    <a:masterClrMapping/>
-  </p:clrMapOvr>
-</p:sld>
-</file>
-
-<file path=ppt/slides/slide3.xml><?xml version="1.0" encoding="utf-8"?>
-<p:sld xmlns:a="http://schemas.openxmlformats.org/drawingml/2006/main" xmlns:r="http://schemas.openxmlformats.org/officeDocument/2006/relationships" xmlns:p="http://schemas.openxmlformats.org/presentationml/2006/main">
-  <p:cSld>
-    <p:spTree>
-      <p:nvGrpSpPr>
-        <p:cNvPr id="1" name=""/>
-        <p:cNvGrpSpPr/>
-        <p:nvPr/>
-      </p:nvGrpSpPr>
-      <p:grpSpPr>
-        <a:xfrm>
-          <a:off x="0" y="0"/>
-          <a:ext cx="0" cy="0"/>
-          <a:chOff x="0" y="0"/>
-          <a:chExt cx="0" cy="0"/>
-        </a:xfrm>
-      </p:grpSpPr>
-      <p:sp>
-        <p:nvSpPr>
-          <p:cNvPr id="4" name="제목 3">
-            <a:extLst>
-              <a:ext uri="{FF2B5EF4-FFF2-40B4-BE49-F238E27FC236}">
-                <a16:creationId xmlns:a16="http://schemas.microsoft.com/office/drawing/2014/main" id="{996FB693-4264-4492-BB38-3412BE3144EE}"/>
-              </a:ext>
-            </a:extLst>
-          </p:cNvPr>
-          <p:cNvSpPr>
-            <a:spLocks noGrp="1"/>
-          </p:cNvSpPr>
-          <p:nvPr>
-            <p:ph type="title"/>
-          </p:nvPr>
-        </p:nvSpPr>
-        <p:spPr/>
-        <p:txBody>
-          <a:bodyPr/>
-          <a:lstStyle/>
-          <a:p>
-            <a:r>
-              <a:rPr lang="en-US" altLang="ko-KR" dirty="0"/>
-              <a:t>Navigation Volume </a:t>
-            </a:r>
-            <a:r>
-              <a:rPr lang="ko-KR" altLang="en-US" dirty="0"/>
-              <a:t>설치</a:t>
-            </a:r>
-          </a:p>
-        </p:txBody>
-      </p:sp>
-      <p:sp>
-        <p:nvSpPr>
-          <p:cNvPr id="5" name="내용 개체 틀 4">
-            <a:extLst>
-              <a:ext uri="{FF2B5EF4-FFF2-40B4-BE49-F238E27FC236}">
-                <a16:creationId xmlns:a16="http://schemas.microsoft.com/office/drawing/2014/main" id="{0ED25374-B03E-45AC-8EF0-03FC21B7AC0A}"/>
-              </a:ext>
-            </a:extLst>
-          </p:cNvPr>
-          <p:cNvSpPr>
-            <a:spLocks noGrp="1"/>
-          </p:cNvSpPr>
-          <p:nvPr>
-            <p:ph idx="1"/>
-          </p:nvPr>
-        </p:nvSpPr>
-        <p:spPr/>
-        <p:txBody>
-          <a:bodyPr/>
-          <a:lstStyle/>
-          <a:p>
-            <a:endParaRPr lang="ko-KR" altLang="en-US" dirty="0"/>
-          </a:p>
-        </p:txBody>
-      </p:sp>
-    </p:spTree>
-    <p:extLst>
-      <p:ext uri="{BB962C8B-B14F-4D97-AF65-F5344CB8AC3E}">
-        <p14:creationId xmlns:p14="http://schemas.microsoft.com/office/powerpoint/2010/main" val="1093149482"/>
-      </p:ext>
-    </p:extLst>
-  </p:cSld>
-  <p:clrMapOvr>
-    <a:masterClrMapping/>
-  </p:clrMapOvr>
-</p:sld>
-</file>
-
-<file path=ppt/slides/slide4.xml><?xml version="1.0" encoding="utf-8"?>
-<p:sld xmlns:a="http://schemas.openxmlformats.org/drawingml/2006/main" xmlns:r="http://schemas.openxmlformats.org/officeDocument/2006/relationships" xmlns:p="http://schemas.openxmlformats.org/presentationml/2006/main">
-  <p:cSld>
-    <p:spTree>
-      <p:nvGrpSpPr>
-        <p:cNvPr id="1" name=""/>
-        <p:cNvGrpSpPr/>
-        <p:nvPr/>
-      </p:nvGrpSpPr>
-      <p:grpSpPr>
-        <a:xfrm>
-          <a:off x="0" y="0"/>
-          <a:ext cx="0" cy="0"/>
-          <a:chOff x="0" y="0"/>
-          <a:chExt cx="0" cy="0"/>
-        </a:xfrm>
-      </p:grpSpPr>
       <p:sp>
         <p:nvSpPr>
           <p:cNvPr id="2" name="제목 1">
@@ -5708,7 +3739,7 @@
 </p:sld>
 </file>
 
-<file path=ppt/slides/slide5.xml><?xml version="1.0" encoding="utf-8"?>
+<file path=ppt/slides/slide11.xml><?xml version="1.0" encoding="utf-8"?>
 <p:sld xmlns:a="http://schemas.openxmlformats.org/drawingml/2006/main" xmlns:r="http://schemas.openxmlformats.org/officeDocument/2006/relationships" xmlns:p="http://schemas.openxmlformats.org/presentationml/2006/main">
   <p:cSld>
     <p:spTree>
@@ -6390,6 +4421,3522 @@
 </p:sld>
 </file>
 
+<file path=ppt/slides/slide12.xml><?xml version="1.0" encoding="utf-8"?>
+<p:sld xmlns:a="http://schemas.openxmlformats.org/drawingml/2006/main" xmlns:r="http://schemas.openxmlformats.org/officeDocument/2006/relationships" xmlns:p="http://schemas.openxmlformats.org/presentationml/2006/main">
+  <p:cSld>
+    <p:spTree>
+      <p:nvGrpSpPr>
+        <p:cNvPr id="1" name=""/>
+        <p:cNvGrpSpPr/>
+        <p:nvPr/>
+      </p:nvGrpSpPr>
+      <p:grpSpPr>
+        <a:xfrm>
+          <a:off x="0" y="0"/>
+          <a:ext cx="0" cy="0"/>
+          <a:chOff x="0" y="0"/>
+          <a:chExt cx="0" cy="0"/>
+        </a:xfrm>
+      </p:grpSpPr>
+      <p:sp>
+        <p:nvSpPr>
+          <p:cNvPr id="2" name="제목 1">
+            <a:extLst>
+              <a:ext uri="{FF2B5EF4-FFF2-40B4-BE49-F238E27FC236}">
+                <a16:creationId xmlns:a16="http://schemas.microsoft.com/office/drawing/2014/main" id="{0DF8C8A0-6858-4D8F-A9C6-D200B7CA1D8B}"/>
+              </a:ext>
+            </a:extLst>
+          </p:cNvPr>
+          <p:cNvSpPr>
+            <a:spLocks noGrp="1"/>
+          </p:cNvSpPr>
+          <p:nvPr>
+            <p:ph type="title"/>
+          </p:nvPr>
+        </p:nvSpPr>
+        <p:spPr/>
+        <p:txBody>
+          <a:bodyPr/>
+          <a:lstStyle/>
+          <a:p>
+            <a:r>
+              <a:rPr lang="ko-KR" altLang="en-US" dirty="0"/>
+              <a:t>자극 </a:t>
+            </a:r>
+            <a:r>
+              <a:rPr lang="en-US" altLang="ko-KR" dirty="0"/>
+              <a:t>– </a:t>
+            </a:r>
+            <a:r>
+              <a:rPr lang="ko-KR" altLang="en-US" dirty="0"/>
+              <a:t>잡음 </a:t>
+            </a:r>
+            <a:r>
+              <a:rPr lang="en-US" altLang="ko-KR" dirty="0"/>
+              <a:t>( Noise )</a:t>
+            </a:r>
+            <a:endParaRPr lang="ko-KR" altLang="en-US" dirty="0"/>
+          </a:p>
+        </p:txBody>
+      </p:sp>
+      <p:sp>
+        <p:nvSpPr>
+          <p:cNvPr id="3" name="내용 개체 틀 2">
+            <a:extLst>
+              <a:ext uri="{FF2B5EF4-FFF2-40B4-BE49-F238E27FC236}">
+                <a16:creationId xmlns:a16="http://schemas.microsoft.com/office/drawing/2014/main" id="{7AB4E9C7-66A3-43F9-AF60-50D4D8A88BEF}"/>
+              </a:ext>
+            </a:extLst>
+          </p:cNvPr>
+          <p:cNvSpPr>
+            <a:spLocks noGrp="1"/>
+          </p:cNvSpPr>
+          <p:nvPr>
+            <p:ph idx="1"/>
+          </p:nvPr>
+        </p:nvSpPr>
+        <p:spPr/>
+        <p:txBody>
+          <a:bodyPr/>
+          <a:lstStyle/>
+          <a:p>
+            <a:r>
+              <a:rPr lang="ko-KR" altLang="en-US" dirty="0" err="1"/>
+              <a:t>블루프린트</a:t>
+            </a:r>
+            <a:r>
+              <a:rPr lang="ko-KR" altLang="en-US" dirty="0"/>
+              <a:t> 노드 </a:t>
+            </a:r>
+            <a:r>
+              <a:rPr lang="en-US" altLang="ko-KR" dirty="0" err="1"/>
+              <a:t>ReportNoiseEvent</a:t>
+            </a:r>
+            <a:r>
+              <a:rPr lang="en-US" altLang="ko-KR" dirty="0"/>
+              <a:t> </a:t>
+            </a:r>
+            <a:r>
+              <a:rPr lang="ko-KR" altLang="en-US" dirty="0"/>
+              <a:t>호출</a:t>
+            </a:r>
+            <a:endParaRPr lang="en-US" altLang="ko-KR" dirty="0"/>
+          </a:p>
+          <a:p>
+            <a:r>
+              <a:rPr lang="en-US" altLang="ko-KR" dirty="0"/>
+              <a:t>Input: </a:t>
+            </a:r>
+          </a:p>
+          <a:p>
+            <a:pPr marL="0" indent="0">
+              <a:buNone/>
+            </a:pPr>
+            <a:r>
+              <a:rPr lang="en-US" altLang="ko-KR" dirty="0"/>
+              <a:t>Vecto3 Noise Location       </a:t>
+            </a:r>
+            <a:r>
+              <a:rPr lang="ko-KR" altLang="en-US" dirty="0"/>
+              <a:t>노이즈 위치</a:t>
+            </a:r>
+            <a:endParaRPr lang="en-US" altLang="ko-KR" dirty="0"/>
+          </a:p>
+          <a:p>
+            <a:pPr marL="0" indent="0">
+              <a:buNone/>
+            </a:pPr>
+            <a:r>
+              <a:rPr lang="en-US" altLang="ko-KR" dirty="0"/>
+              <a:t>Float Loudness	// </a:t>
+            </a:r>
+            <a:r>
+              <a:rPr lang="en-US" altLang="ko-KR" dirty="0" err="1"/>
+              <a:t>MaxRange</a:t>
+            </a:r>
+            <a:r>
+              <a:rPr lang="ko-KR" altLang="en-US" dirty="0"/>
+              <a:t>와 </a:t>
+            </a:r>
+            <a:r>
+              <a:rPr lang="ko-KR" altLang="en-US" dirty="0" err="1"/>
+              <a:t>곱해짐</a:t>
+            </a:r>
+            <a:endParaRPr lang="en-US" altLang="ko-KR" dirty="0"/>
+          </a:p>
+          <a:p>
+            <a:pPr marL="0" indent="0">
+              <a:buNone/>
+            </a:pPr>
+            <a:r>
+              <a:rPr lang="en-US" altLang="ko-KR" dirty="0"/>
+              <a:t>Actor Instigator	// </a:t>
+            </a:r>
+            <a:r>
+              <a:rPr lang="ko-KR" altLang="en-US" dirty="0"/>
+              <a:t>발생시킨 </a:t>
+            </a:r>
+            <a:r>
+              <a:rPr lang="ko-KR" altLang="en-US" dirty="0" err="1"/>
+              <a:t>액터</a:t>
+            </a:r>
+            <a:r>
+              <a:rPr lang="ko-KR" altLang="en-US" dirty="0"/>
+              <a:t> </a:t>
+            </a:r>
+            <a:r>
+              <a:rPr lang="en-US" altLang="ko-KR" dirty="0"/>
+              <a:t>(Pawn</a:t>
+            </a:r>
+            <a:r>
+              <a:rPr lang="ko-KR" altLang="en-US" dirty="0"/>
+              <a:t>이 아니어도 작동</a:t>
+            </a:r>
+            <a:r>
+              <a:rPr lang="en-US" altLang="ko-KR" dirty="0"/>
+              <a:t>)</a:t>
+            </a:r>
+          </a:p>
+          <a:p>
+            <a:pPr marL="0" indent="0">
+              <a:buNone/>
+            </a:pPr>
+            <a:r>
+              <a:rPr lang="en-US" altLang="ko-KR" dirty="0"/>
+              <a:t>Float </a:t>
+            </a:r>
+            <a:r>
+              <a:rPr lang="en-US" altLang="ko-KR" dirty="0" err="1"/>
+              <a:t>MaxRange</a:t>
+            </a:r>
+            <a:r>
+              <a:rPr lang="en-US" altLang="ko-KR" dirty="0"/>
+              <a:t>  //</a:t>
+            </a:r>
+            <a:r>
+              <a:rPr lang="ko-KR" altLang="en-US" dirty="0"/>
+              <a:t>소리가 </a:t>
+            </a:r>
+            <a:r>
+              <a:rPr lang="ko-KR" altLang="en-US" dirty="0" err="1"/>
+              <a:t>닿을수있는거리</a:t>
+            </a:r>
+            <a:r>
+              <a:rPr lang="ko-KR" altLang="en-US" dirty="0"/>
+              <a:t> </a:t>
+            </a:r>
+            <a:r>
+              <a:rPr lang="en-US" altLang="ko-KR" dirty="0"/>
+              <a:t>, 0</a:t>
+            </a:r>
+            <a:r>
+              <a:rPr lang="ko-KR" altLang="en-US" dirty="0"/>
+              <a:t>무한</a:t>
+            </a:r>
+            <a:endParaRPr lang="en-US" altLang="ko-KR" dirty="0"/>
+          </a:p>
+          <a:p>
+            <a:pPr marL="0" indent="0">
+              <a:buNone/>
+            </a:pPr>
+            <a:r>
+              <a:rPr lang="en-US" altLang="ko-KR" dirty="0"/>
+              <a:t>Name Tag		// </a:t>
+            </a:r>
+            <a:r>
+              <a:rPr lang="ko-KR" altLang="en-US" dirty="0"/>
+              <a:t>추가정보</a:t>
+            </a:r>
+            <a:endParaRPr lang="en-US" altLang="ko-KR" dirty="0"/>
+          </a:p>
+          <a:p>
+            <a:endParaRPr lang="ko-KR" altLang="en-US" dirty="0"/>
+          </a:p>
+        </p:txBody>
+      </p:sp>
+    </p:spTree>
+    <p:extLst>
+      <p:ext uri="{BB962C8B-B14F-4D97-AF65-F5344CB8AC3E}">
+        <p14:creationId xmlns:p14="http://schemas.microsoft.com/office/powerpoint/2010/main" val="4109981567"/>
+      </p:ext>
+    </p:extLst>
+  </p:cSld>
+  <p:clrMapOvr>
+    <a:masterClrMapping/>
+  </p:clrMapOvr>
+</p:sld>
+</file>
+
+<file path=ppt/slides/slide13.xml><?xml version="1.0" encoding="utf-8"?>
+<p:sld xmlns:a="http://schemas.openxmlformats.org/drawingml/2006/main" xmlns:r="http://schemas.openxmlformats.org/officeDocument/2006/relationships" xmlns:p="http://schemas.openxmlformats.org/presentationml/2006/main">
+  <p:cSld>
+    <p:spTree>
+      <p:nvGrpSpPr>
+        <p:cNvPr id="1" name=""/>
+        <p:cNvGrpSpPr/>
+        <p:nvPr/>
+      </p:nvGrpSpPr>
+      <p:grpSpPr>
+        <a:xfrm>
+          <a:off x="0" y="0"/>
+          <a:ext cx="0" cy="0"/>
+          <a:chOff x="0" y="0"/>
+          <a:chExt cx="0" cy="0"/>
+        </a:xfrm>
+      </p:grpSpPr>
+      <p:sp>
+        <p:nvSpPr>
+          <p:cNvPr id="2" name="제목 1">
+            <a:extLst>
+              <a:ext uri="{FF2B5EF4-FFF2-40B4-BE49-F238E27FC236}">
+                <a16:creationId xmlns:a16="http://schemas.microsoft.com/office/drawing/2014/main" id="{D18A5E2C-A552-4989-92AA-9892EADE6B3D}"/>
+              </a:ext>
+            </a:extLst>
+          </p:cNvPr>
+          <p:cNvSpPr>
+            <a:spLocks noGrp="1"/>
+          </p:cNvSpPr>
+          <p:nvPr>
+            <p:ph type="title"/>
+          </p:nvPr>
+        </p:nvSpPr>
+        <p:spPr/>
+        <p:txBody>
+          <a:bodyPr/>
+          <a:lstStyle/>
+          <a:p>
+            <a:r>
+              <a:rPr lang="ko-KR" altLang="en-US" dirty="0"/>
+              <a:t>자극 </a:t>
+            </a:r>
+            <a:r>
+              <a:rPr lang="en-US" altLang="ko-KR" dirty="0"/>
+              <a:t>– </a:t>
+            </a:r>
+            <a:r>
+              <a:rPr lang="ko-KR" altLang="en-US" dirty="0"/>
+              <a:t>데미지 </a:t>
+            </a:r>
+            <a:r>
+              <a:rPr lang="en-US" altLang="ko-KR" dirty="0"/>
+              <a:t>( Damage )</a:t>
+            </a:r>
+            <a:endParaRPr lang="ko-KR" altLang="en-US" dirty="0"/>
+          </a:p>
+        </p:txBody>
+      </p:sp>
+      <p:sp>
+        <p:nvSpPr>
+          <p:cNvPr id="3" name="내용 개체 틀 2">
+            <a:extLst>
+              <a:ext uri="{FF2B5EF4-FFF2-40B4-BE49-F238E27FC236}">
+                <a16:creationId xmlns:a16="http://schemas.microsoft.com/office/drawing/2014/main" id="{4A53D7AA-3D78-4FD0-9347-934750864238}"/>
+              </a:ext>
+            </a:extLst>
+          </p:cNvPr>
+          <p:cNvSpPr>
+            <a:spLocks noGrp="1"/>
+          </p:cNvSpPr>
+          <p:nvPr>
+            <p:ph idx="1"/>
+          </p:nvPr>
+        </p:nvSpPr>
+        <p:spPr/>
+        <p:txBody>
+          <a:bodyPr/>
+          <a:lstStyle/>
+          <a:p>
+            <a:r>
+              <a:rPr lang="ko-KR" altLang="en-US" dirty="0" err="1"/>
+              <a:t>블루프린트</a:t>
+            </a:r>
+            <a:r>
+              <a:rPr lang="ko-KR" altLang="en-US" dirty="0"/>
+              <a:t> 노드 </a:t>
+            </a:r>
+            <a:r>
+              <a:rPr lang="en-US" altLang="ko-KR" dirty="0" err="1"/>
+              <a:t>ReportDamageEvent</a:t>
+            </a:r>
+            <a:r>
+              <a:rPr lang="en-US" altLang="ko-KR" dirty="0"/>
+              <a:t> </a:t>
+            </a:r>
+            <a:r>
+              <a:rPr lang="ko-KR" altLang="en-US" dirty="0"/>
+              <a:t>호출</a:t>
+            </a:r>
+            <a:endParaRPr lang="en-US" altLang="ko-KR" dirty="0"/>
+          </a:p>
+          <a:p>
+            <a:r>
+              <a:rPr lang="en-US" altLang="ko-KR" dirty="0"/>
+              <a:t>Input</a:t>
+            </a:r>
+          </a:p>
+          <a:p>
+            <a:r>
+              <a:rPr lang="en-US" altLang="ko-KR" dirty="0"/>
+              <a:t>Actor </a:t>
+            </a:r>
+            <a:r>
+              <a:rPr lang="en-US" altLang="ko-KR" dirty="0" err="1"/>
+              <a:t>DamagedActor</a:t>
+            </a:r>
+            <a:r>
+              <a:rPr lang="en-US" altLang="ko-KR" dirty="0"/>
+              <a:t>		// </a:t>
+            </a:r>
+            <a:r>
+              <a:rPr lang="ko-KR" altLang="en-US" dirty="0"/>
+              <a:t>데미지 </a:t>
+            </a:r>
+            <a:r>
+              <a:rPr lang="ko-KR" altLang="en-US" dirty="0" err="1"/>
+              <a:t>받는액터</a:t>
+            </a:r>
+            <a:endParaRPr lang="en-US" altLang="ko-KR" dirty="0"/>
+          </a:p>
+          <a:p>
+            <a:r>
+              <a:rPr lang="en-US" altLang="ko-KR" dirty="0"/>
+              <a:t>Actor Instigator			// </a:t>
+            </a:r>
+            <a:r>
+              <a:rPr lang="ko-KR" altLang="en-US" dirty="0" err="1"/>
+              <a:t>발생시킨액터</a:t>
+            </a:r>
+            <a:endParaRPr lang="en-US" altLang="ko-KR" dirty="0"/>
+          </a:p>
+          <a:p>
+            <a:r>
+              <a:rPr lang="en-US" altLang="ko-KR" dirty="0"/>
+              <a:t>Float </a:t>
+            </a:r>
+            <a:r>
+              <a:rPr lang="en-US" altLang="ko-KR" dirty="0" err="1"/>
+              <a:t>DamageAmount</a:t>
+            </a:r>
+            <a:r>
+              <a:rPr lang="en-US" altLang="ko-KR" dirty="0"/>
+              <a:t>  // </a:t>
+            </a:r>
+            <a:r>
+              <a:rPr lang="ko-KR" altLang="en-US" dirty="0" err="1"/>
+              <a:t>데미지량</a:t>
+            </a:r>
+            <a:r>
+              <a:rPr lang="ko-KR" altLang="en-US" dirty="0"/>
+              <a:t> </a:t>
+            </a:r>
+            <a:r>
+              <a:rPr lang="en-US" altLang="ko-KR" dirty="0"/>
+              <a:t>0</a:t>
+            </a:r>
+            <a:r>
+              <a:rPr lang="ko-KR" altLang="en-US" dirty="0"/>
+              <a:t>이면 </a:t>
+            </a:r>
+            <a:r>
+              <a:rPr lang="ko-KR" altLang="en-US" dirty="0" err="1"/>
+              <a:t>이벤트없음</a:t>
+            </a:r>
+            <a:endParaRPr lang="en-US" altLang="ko-KR" dirty="0"/>
+          </a:p>
+          <a:p>
+            <a:r>
+              <a:rPr lang="en-US" altLang="ko-KR" dirty="0"/>
+              <a:t>Vector3 </a:t>
+            </a:r>
+            <a:r>
+              <a:rPr lang="en-US" altLang="ko-KR" dirty="0" err="1"/>
+              <a:t>EventLocation</a:t>
+            </a:r>
+            <a:r>
+              <a:rPr lang="en-US" altLang="ko-KR" dirty="0"/>
+              <a:t>  // </a:t>
+            </a:r>
+            <a:r>
+              <a:rPr lang="ko-KR" altLang="en-US" dirty="0"/>
+              <a:t>데미지 </a:t>
+            </a:r>
+            <a:r>
+              <a:rPr lang="ko-KR" altLang="en-US" dirty="0" err="1"/>
+              <a:t>액터</a:t>
+            </a:r>
+            <a:r>
+              <a:rPr lang="ko-KR" altLang="en-US" dirty="0"/>
+              <a:t> 위치 </a:t>
+            </a:r>
+            <a:endParaRPr lang="en-US" altLang="ko-KR" dirty="0"/>
+          </a:p>
+          <a:p>
+            <a:r>
+              <a:rPr lang="en-US" altLang="ko-KR" dirty="0"/>
+              <a:t>Vector3 </a:t>
+            </a:r>
+            <a:r>
+              <a:rPr lang="en-US" altLang="ko-KR" dirty="0" err="1"/>
+              <a:t>HitLocation</a:t>
+            </a:r>
+            <a:r>
+              <a:rPr lang="en-US" altLang="ko-KR" dirty="0"/>
+              <a:t> // </a:t>
+            </a:r>
+            <a:r>
+              <a:rPr lang="ko-KR" altLang="en-US" dirty="0"/>
+              <a:t>데미지 받은 위치</a:t>
+            </a:r>
+            <a:endParaRPr lang="en-US" altLang="ko-KR" dirty="0"/>
+          </a:p>
+          <a:p>
+            <a:endParaRPr lang="ko-KR" altLang="en-US" dirty="0"/>
+          </a:p>
+        </p:txBody>
+      </p:sp>
+    </p:spTree>
+    <p:extLst>
+      <p:ext uri="{BB962C8B-B14F-4D97-AF65-F5344CB8AC3E}">
+        <p14:creationId xmlns:p14="http://schemas.microsoft.com/office/powerpoint/2010/main" val="3199175475"/>
+      </p:ext>
+    </p:extLst>
+  </p:cSld>
+  <p:clrMapOvr>
+    <a:masterClrMapping/>
+  </p:clrMapOvr>
+</p:sld>
+</file>
+
+<file path=ppt/slides/slide14.xml><?xml version="1.0" encoding="utf-8"?>
+<p:sld xmlns:a="http://schemas.openxmlformats.org/drawingml/2006/main" xmlns:r="http://schemas.openxmlformats.org/officeDocument/2006/relationships" xmlns:p="http://schemas.openxmlformats.org/presentationml/2006/main">
+  <p:cSld>
+    <p:spTree>
+      <p:nvGrpSpPr>
+        <p:cNvPr id="1" name=""/>
+        <p:cNvGrpSpPr/>
+        <p:nvPr/>
+      </p:nvGrpSpPr>
+      <p:grpSpPr>
+        <a:xfrm>
+          <a:off x="0" y="0"/>
+          <a:ext cx="0" cy="0"/>
+          <a:chOff x="0" y="0"/>
+          <a:chExt cx="0" cy="0"/>
+        </a:xfrm>
+      </p:grpSpPr>
+      <p:sp>
+        <p:nvSpPr>
+          <p:cNvPr id="2" name="제목 1">
+            <a:extLst>
+              <a:ext uri="{FF2B5EF4-FFF2-40B4-BE49-F238E27FC236}">
+                <a16:creationId xmlns:a16="http://schemas.microsoft.com/office/drawing/2014/main" id="{C5E2F61E-559A-402D-8E5F-C8C8C84D0E45}"/>
+              </a:ext>
+            </a:extLst>
+          </p:cNvPr>
+          <p:cNvSpPr>
+            <a:spLocks noGrp="1"/>
+          </p:cNvSpPr>
+          <p:nvPr>
+            <p:ph type="title"/>
+          </p:nvPr>
+        </p:nvSpPr>
+        <p:spPr/>
+        <p:txBody>
+          <a:bodyPr/>
+          <a:lstStyle/>
+          <a:p>
+            <a:r>
+              <a:rPr lang="ko-KR" altLang="en-US" dirty="0"/>
+              <a:t>자극 </a:t>
+            </a:r>
+            <a:r>
+              <a:rPr lang="en-US" altLang="ko-KR" dirty="0"/>
+              <a:t>– </a:t>
+            </a:r>
+            <a:r>
+              <a:rPr lang="ko-KR" altLang="en-US" dirty="0" err="1"/>
+              <a:t>액터</a:t>
+            </a:r>
+            <a:r>
+              <a:rPr lang="ko-KR" altLang="en-US" dirty="0"/>
+              <a:t> 예측 </a:t>
+            </a:r>
+            <a:r>
+              <a:rPr lang="en-US" altLang="ko-KR" dirty="0"/>
+              <a:t>( Prediction )</a:t>
+            </a:r>
+            <a:endParaRPr lang="ko-KR" altLang="en-US" dirty="0"/>
+          </a:p>
+        </p:txBody>
+      </p:sp>
+      <p:sp>
+        <p:nvSpPr>
+          <p:cNvPr id="3" name="내용 개체 틀 2">
+            <a:extLst>
+              <a:ext uri="{FF2B5EF4-FFF2-40B4-BE49-F238E27FC236}">
+                <a16:creationId xmlns:a16="http://schemas.microsoft.com/office/drawing/2014/main" id="{94E635C9-A523-41A2-A199-D5A3741F3A26}"/>
+              </a:ext>
+            </a:extLst>
+          </p:cNvPr>
+          <p:cNvSpPr>
+            <a:spLocks noGrp="1"/>
+          </p:cNvSpPr>
+          <p:nvPr>
+            <p:ph idx="1"/>
+          </p:nvPr>
+        </p:nvSpPr>
+        <p:spPr/>
+        <p:txBody>
+          <a:bodyPr/>
+          <a:lstStyle/>
+          <a:p>
+            <a:r>
+              <a:rPr lang="ko-KR" altLang="en-US" dirty="0" err="1"/>
+              <a:t>블루프린트</a:t>
+            </a:r>
+            <a:r>
+              <a:rPr lang="ko-KR" altLang="en-US" dirty="0"/>
+              <a:t> 노드 </a:t>
+            </a:r>
+            <a:r>
+              <a:rPr lang="en-US" altLang="ko-KR" dirty="0" err="1"/>
+              <a:t>RequestControllerPredictEvent</a:t>
+            </a:r>
+            <a:r>
+              <a:rPr lang="en-US" altLang="ko-KR" dirty="0"/>
+              <a:t> </a:t>
+            </a:r>
+            <a:r>
+              <a:rPr lang="ko-KR" altLang="en-US" dirty="0"/>
+              <a:t>호출</a:t>
+            </a:r>
+            <a:endParaRPr lang="en-US" altLang="ko-KR" dirty="0"/>
+          </a:p>
+          <a:p>
+            <a:r>
+              <a:rPr lang="ko-KR" altLang="en-US" dirty="0" err="1"/>
+              <a:t>몇초</a:t>
+            </a:r>
+            <a:r>
+              <a:rPr lang="ko-KR" altLang="en-US" dirty="0"/>
+              <a:t> 뒤의 </a:t>
+            </a:r>
+            <a:r>
+              <a:rPr lang="en-US" altLang="ko-KR" dirty="0"/>
+              <a:t>Actor</a:t>
+            </a:r>
+            <a:r>
+              <a:rPr lang="ko-KR" altLang="en-US" dirty="0"/>
+              <a:t>의 위치를 </a:t>
+            </a:r>
+            <a:r>
+              <a:rPr lang="ko-KR" altLang="en-US" dirty="0" err="1"/>
+              <a:t>예측요청한다</a:t>
+            </a:r>
+            <a:r>
+              <a:rPr lang="en-US" altLang="ko-KR" dirty="0"/>
+              <a:t>.</a:t>
+            </a:r>
+            <a:endParaRPr lang="ko-KR" altLang="en-US" dirty="0"/>
+          </a:p>
+        </p:txBody>
+      </p:sp>
+    </p:spTree>
+    <p:extLst>
+      <p:ext uri="{BB962C8B-B14F-4D97-AF65-F5344CB8AC3E}">
+        <p14:creationId xmlns:p14="http://schemas.microsoft.com/office/powerpoint/2010/main" val="1263044533"/>
+      </p:ext>
+    </p:extLst>
+  </p:cSld>
+  <p:clrMapOvr>
+    <a:masterClrMapping/>
+  </p:clrMapOvr>
+</p:sld>
+</file>
+
+<file path=ppt/slides/slide15.xml><?xml version="1.0" encoding="utf-8"?>
+<p:sld xmlns:a="http://schemas.openxmlformats.org/drawingml/2006/main" xmlns:r="http://schemas.openxmlformats.org/officeDocument/2006/relationships" xmlns:p="http://schemas.openxmlformats.org/presentationml/2006/main">
+  <p:cSld>
+    <p:spTree>
+      <p:nvGrpSpPr>
+        <p:cNvPr id="1" name=""/>
+        <p:cNvGrpSpPr/>
+        <p:nvPr/>
+      </p:nvGrpSpPr>
+      <p:grpSpPr>
+        <a:xfrm>
+          <a:off x="0" y="0"/>
+          <a:ext cx="0" cy="0"/>
+          <a:chOff x="0" y="0"/>
+          <a:chExt cx="0" cy="0"/>
+        </a:xfrm>
+      </p:grpSpPr>
+      <p:pic>
+        <p:nvPicPr>
+          <p:cNvPr id="4" name="그림 3">
+            <a:extLst>
+              <a:ext uri="{FF2B5EF4-FFF2-40B4-BE49-F238E27FC236}">
+                <a16:creationId xmlns:a16="http://schemas.microsoft.com/office/drawing/2014/main" id="{7B37DBC6-01E8-478C-B31E-945ACA489916}"/>
+              </a:ext>
+            </a:extLst>
+          </p:cNvPr>
+          <p:cNvPicPr>
+            <a:picLocks noChangeAspect="1"/>
+          </p:cNvPicPr>
+          <p:nvPr/>
+        </p:nvPicPr>
+        <p:blipFill>
+          <a:blip r:embed="rId2"/>
+          <a:stretch>
+            <a:fillRect/>
+          </a:stretch>
+        </p:blipFill>
+        <p:spPr>
+          <a:xfrm>
+            <a:off x="320040" y="1361122"/>
+            <a:ext cx="11322063" cy="5029864"/>
+          </a:xfrm>
+          <a:prstGeom prst="rect">
+            <a:avLst/>
+          </a:prstGeom>
+        </p:spPr>
+      </p:pic>
+      <p:sp>
+        <p:nvSpPr>
+          <p:cNvPr id="2" name="제목 1">
+            <a:extLst>
+              <a:ext uri="{FF2B5EF4-FFF2-40B4-BE49-F238E27FC236}">
+                <a16:creationId xmlns:a16="http://schemas.microsoft.com/office/drawing/2014/main" id="{970348ED-852B-4480-86DE-6A334E7462E5}"/>
+              </a:ext>
+            </a:extLst>
+          </p:cNvPr>
+          <p:cNvSpPr>
+            <a:spLocks noGrp="1"/>
+          </p:cNvSpPr>
+          <p:nvPr>
+            <p:ph type="title"/>
+          </p:nvPr>
+        </p:nvSpPr>
+        <p:spPr/>
+        <p:txBody>
+          <a:bodyPr/>
+          <a:lstStyle/>
+          <a:p>
+            <a:r>
+              <a:rPr lang="en-US" altLang="ko-KR" sz="3600" dirty="0"/>
+              <a:t>Event - </a:t>
+            </a:r>
+            <a:r>
+              <a:rPr lang="en-US" altLang="ko-KR" dirty="0" err="1"/>
+              <a:t>OnTargetActorPerceptionUpdated</a:t>
+            </a:r>
+            <a:endParaRPr lang="ko-KR" altLang="en-US" dirty="0"/>
+          </a:p>
+        </p:txBody>
+      </p:sp>
+      <p:sp>
+        <p:nvSpPr>
+          <p:cNvPr id="3" name="내용 개체 틀 2">
+            <a:extLst>
+              <a:ext uri="{FF2B5EF4-FFF2-40B4-BE49-F238E27FC236}">
+                <a16:creationId xmlns:a16="http://schemas.microsoft.com/office/drawing/2014/main" id="{4923720E-268F-4831-96F8-1F9DE4B591E1}"/>
+              </a:ext>
+            </a:extLst>
+          </p:cNvPr>
+          <p:cNvSpPr>
+            <a:spLocks noGrp="1"/>
+          </p:cNvSpPr>
+          <p:nvPr>
+            <p:ph idx="1"/>
+          </p:nvPr>
+        </p:nvSpPr>
+        <p:spPr>
+          <a:xfrm>
+            <a:off x="468630" y="3428999"/>
+            <a:ext cx="8572500" cy="2747963"/>
+          </a:xfrm>
+        </p:spPr>
+        <p:txBody>
+          <a:bodyPr>
+            <a:normAutofit fontScale="92500"/>
+          </a:bodyPr>
+          <a:lstStyle/>
+          <a:p>
+            <a:r>
+              <a:rPr lang="ko-KR" altLang="en-US" dirty="0">
+                <a:solidFill>
+                  <a:schemeClr val="bg1"/>
+                </a:solidFill>
+              </a:rPr>
+              <a:t>자극에 대한 업데이트가 </a:t>
+            </a:r>
+            <a:r>
+              <a:rPr lang="ko-KR" altLang="en-US" dirty="0" err="1">
+                <a:solidFill>
+                  <a:schemeClr val="bg1"/>
+                </a:solidFill>
+              </a:rPr>
+              <a:t>있을때</a:t>
+            </a:r>
+            <a:r>
+              <a:rPr lang="ko-KR" altLang="en-US" dirty="0">
+                <a:solidFill>
+                  <a:schemeClr val="bg1"/>
+                </a:solidFill>
+              </a:rPr>
+              <a:t> 이벤트가 일어난다</a:t>
+            </a:r>
+            <a:r>
+              <a:rPr lang="en-US" altLang="ko-KR" dirty="0">
+                <a:solidFill>
+                  <a:schemeClr val="bg1"/>
+                </a:solidFill>
+              </a:rPr>
+              <a:t>. </a:t>
+            </a:r>
+            <a:r>
+              <a:rPr lang="ko-KR" altLang="en-US" dirty="0">
+                <a:solidFill>
+                  <a:schemeClr val="bg1"/>
+                </a:solidFill>
+              </a:rPr>
+              <a:t> 새로운 </a:t>
+            </a:r>
+            <a:r>
+              <a:rPr lang="ko-KR" altLang="en-US" dirty="0" err="1">
+                <a:solidFill>
+                  <a:schemeClr val="bg1"/>
+                </a:solidFill>
+              </a:rPr>
+              <a:t>액터</a:t>
+            </a:r>
+            <a:r>
+              <a:rPr lang="en-US" altLang="ko-KR" dirty="0">
+                <a:solidFill>
+                  <a:schemeClr val="bg1"/>
+                </a:solidFill>
+              </a:rPr>
+              <a:t>-</a:t>
+            </a:r>
+            <a:r>
+              <a:rPr lang="ko-KR" altLang="en-US" dirty="0">
+                <a:solidFill>
+                  <a:schemeClr val="bg1"/>
+                </a:solidFill>
+              </a:rPr>
+              <a:t>자극이 </a:t>
+            </a:r>
+            <a:r>
+              <a:rPr lang="ko-KR" altLang="en-US" dirty="0" err="1">
+                <a:solidFill>
+                  <a:schemeClr val="bg1"/>
+                </a:solidFill>
+              </a:rPr>
+              <a:t>감지될때</a:t>
+            </a:r>
+            <a:r>
+              <a:rPr lang="ko-KR" altLang="en-US" dirty="0">
+                <a:solidFill>
+                  <a:schemeClr val="bg1"/>
+                </a:solidFill>
+              </a:rPr>
+              <a:t> 또는</a:t>
+            </a:r>
+            <a:r>
+              <a:rPr lang="en-US" altLang="ko-KR" dirty="0">
+                <a:solidFill>
+                  <a:schemeClr val="bg1"/>
+                </a:solidFill>
+              </a:rPr>
+              <a:t> </a:t>
+            </a:r>
+            <a:r>
+              <a:rPr lang="ko-KR" altLang="en-US" dirty="0">
+                <a:solidFill>
+                  <a:schemeClr val="bg1"/>
+                </a:solidFill>
+              </a:rPr>
+              <a:t> 감지한 이후 잊혀지는 시간 </a:t>
+            </a:r>
+            <a:r>
+              <a:rPr lang="en-US" altLang="ko-KR" dirty="0">
+                <a:solidFill>
+                  <a:schemeClr val="bg1"/>
+                </a:solidFill>
+              </a:rPr>
+              <a:t>(</a:t>
+            </a:r>
+            <a:r>
+              <a:rPr lang="en-US" altLang="ko-KR" dirty="0" err="1">
+                <a:solidFill>
+                  <a:schemeClr val="bg1"/>
+                </a:solidFill>
+              </a:rPr>
+              <a:t>MaxAge</a:t>
+            </a:r>
+            <a:r>
+              <a:rPr lang="en-US" altLang="ko-KR" dirty="0">
+                <a:solidFill>
+                  <a:schemeClr val="bg1"/>
+                </a:solidFill>
+              </a:rPr>
+              <a:t>) </a:t>
+            </a:r>
+            <a:r>
+              <a:rPr lang="ko-KR" altLang="en-US" dirty="0">
+                <a:solidFill>
+                  <a:schemeClr val="bg1"/>
+                </a:solidFill>
+              </a:rPr>
+              <a:t>이후 자극이 </a:t>
+            </a:r>
+            <a:r>
+              <a:rPr lang="ko-KR" altLang="en-US" dirty="0" err="1">
+                <a:solidFill>
+                  <a:schemeClr val="bg1"/>
+                </a:solidFill>
+              </a:rPr>
+              <a:t>사라질때</a:t>
+            </a:r>
+            <a:r>
+              <a:rPr lang="ko-KR" altLang="en-US" dirty="0">
+                <a:solidFill>
+                  <a:schemeClr val="bg1"/>
+                </a:solidFill>
+              </a:rPr>
+              <a:t> 호출된다</a:t>
+            </a:r>
+            <a:r>
+              <a:rPr lang="en-US" altLang="ko-KR" dirty="0">
+                <a:solidFill>
+                  <a:schemeClr val="bg1"/>
+                </a:solidFill>
+              </a:rPr>
+              <a:t>.</a:t>
+            </a:r>
+            <a:r>
+              <a:rPr lang="ko-KR" altLang="en-US" dirty="0">
+                <a:solidFill>
+                  <a:schemeClr val="bg1"/>
+                </a:solidFill>
+              </a:rPr>
+              <a:t>  </a:t>
+            </a:r>
+            <a:endParaRPr lang="en-US" altLang="ko-KR" dirty="0">
+              <a:solidFill>
+                <a:schemeClr val="bg1"/>
+              </a:solidFill>
+            </a:endParaRPr>
+          </a:p>
+          <a:p>
+            <a:endParaRPr lang="en-US" altLang="ko-KR" dirty="0">
+              <a:solidFill>
+                <a:schemeClr val="bg1"/>
+              </a:solidFill>
+            </a:endParaRPr>
+          </a:p>
+          <a:p>
+            <a:r>
+              <a:rPr lang="en-US" altLang="ko-KR" dirty="0">
+                <a:solidFill>
+                  <a:schemeClr val="bg1"/>
+                </a:solidFill>
+              </a:rPr>
+              <a:t>Output: Actor (</a:t>
+            </a:r>
+            <a:r>
+              <a:rPr lang="ko-KR" altLang="en-US" dirty="0">
+                <a:solidFill>
+                  <a:schemeClr val="bg1"/>
+                </a:solidFill>
+              </a:rPr>
+              <a:t>업데이트가 일어난</a:t>
+            </a:r>
+            <a:r>
+              <a:rPr lang="en-US" altLang="ko-KR" dirty="0">
+                <a:solidFill>
+                  <a:schemeClr val="bg1"/>
+                </a:solidFill>
+              </a:rPr>
+              <a:t>Actor)</a:t>
+            </a:r>
+          </a:p>
+          <a:p>
+            <a:pPr marL="0" indent="0">
+              <a:buNone/>
+            </a:pPr>
+            <a:r>
+              <a:rPr lang="en-US" altLang="ko-KR" dirty="0">
+                <a:solidFill>
+                  <a:schemeClr val="bg1"/>
+                </a:solidFill>
+              </a:rPr>
+              <a:t>            Stimulus(</a:t>
+            </a:r>
+            <a:r>
+              <a:rPr lang="ko-KR" altLang="en-US" dirty="0">
+                <a:solidFill>
+                  <a:schemeClr val="bg1"/>
+                </a:solidFill>
+              </a:rPr>
+              <a:t>업데이트된 자극</a:t>
+            </a:r>
+            <a:r>
+              <a:rPr lang="en-US" altLang="ko-KR" dirty="0">
+                <a:solidFill>
+                  <a:schemeClr val="bg1"/>
+                </a:solidFill>
+              </a:rPr>
+              <a:t>)</a:t>
+            </a:r>
+          </a:p>
+        </p:txBody>
+      </p:sp>
+    </p:spTree>
+    <p:extLst>
+      <p:ext uri="{BB962C8B-B14F-4D97-AF65-F5344CB8AC3E}">
+        <p14:creationId xmlns:p14="http://schemas.microsoft.com/office/powerpoint/2010/main" val="280942774"/>
+      </p:ext>
+    </p:extLst>
+  </p:cSld>
+  <p:clrMapOvr>
+    <a:masterClrMapping/>
+  </p:clrMapOvr>
+</p:sld>
+</file>
+
+<file path=ppt/slides/slide16.xml><?xml version="1.0" encoding="utf-8"?>
+<p:sld xmlns:a="http://schemas.openxmlformats.org/drawingml/2006/main" xmlns:r="http://schemas.openxmlformats.org/officeDocument/2006/relationships" xmlns:p="http://schemas.openxmlformats.org/presentationml/2006/main">
+  <p:cSld>
+    <p:spTree>
+      <p:nvGrpSpPr>
+        <p:cNvPr id="1" name=""/>
+        <p:cNvGrpSpPr/>
+        <p:nvPr/>
+      </p:nvGrpSpPr>
+      <p:grpSpPr>
+        <a:xfrm>
+          <a:off x="0" y="0"/>
+          <a:ext cx="0" cy="0"/>
+          <a:chOff x="0" y="0"/>
+          <a:chExt cx="0" cy="0"/>
+        </a:xfrm>
+      </p:grpSpPr>
+      <p:pic>
+        <p:nvPicPr>
+          <p:cNvPr id="8" name="그림 7">
+            <a:extLst>
+              <a:ext uri="{FF2B5EF4-FFF2-40B4-BE49-F238E27FC236}">
+                <a16:creationId xmlns:a16="http://schemas.microsoft.com/office/drawing/2014/main" id="{2183221B-E0C4-4B2B-88D6-D4F5443C1A70}"/>
+              </a:ext>
+            </a:extLst>
+          </p:cNvPr>
+          <p:cNvPicPr>
+            <a:picLocks noChangeAspect="1"/>
+          </p:cNvPicPr>
+          <p:nvPr/>
+        </p:nvPicPr>
+        <p:blipFill>
+          <a:blip r:embed="rId2"/>
+          <a:stretch>
+            <a:fillRect/>
+          </a:stretch>
+        </p:blipFill>
+        <p:spPr>
+          <a:xfrm>
+            <a:off x="-87074" y="0"/>
+            <a:ext cx="12376741" cy="6858000"/>
+          </a:xfrm>
+          <a:prstGeom prst="rect">
+            <a:avLst/>
+          </a:prstGeom>
+        </p:spPr>
+      </p:pic>
+      <p:sp>
+        <p:nvSpPr>
+          <p:cNvPr id="9" name="TextBox 8">
+            <a:extLst>
+              <a:ext uri="{FF2B5EF4-FFF2-40B4-BE49-F238E27FC236}">
+                <a16:creationId xmlns:a16="http://schemas.microsoft.com/office/drawing/2014/main" id="{39C0DC94-C92A-4814-9CF7-EB8DB52DABF3}"/>
+              </a:ext>
+            </a:extLst>
+          </p:cNvPr>
+          <p:cNvSpPr txBox="1"/>
+          <p:nvPr/>
+        </p:nvSpPr>
+        <p:spPr>
+          <a:xfrm>
+            <a:off x="0" y="2698002"/>
+            <a:ext cx="11604542" cy="3539430"/>
+          </a:xfrm>
+          <a:prstGeom prst="rect">
+            <a:avLst/>
+          </a:prstGeom>
+          <a:noFill/>
+        </p:spPr>
+        <p:txBody>
+          <a:bodyPr wrap="square" rtlCol="0">
+            <a:spAutoFit/>
+          </a:bodyPr>
+          <a:lstStyle/>
+          <a:p>
+            <a:r>
+              <a:rPr lang="en-US" altLang="ko-KR" sz="3200" dirty="0">
+                <a:solidFill>
+                  <a:schemeClr val="bg1"/>
+                </a:solidFill>
+              </a:rPr>
+              <a:t>Age : </a:t>
+            </a:r>
+            <a:r>
+              <a:rPr lang="ko-KR" altLang="en-US" sz="3200" dirty="0">
+                <a:solidFill>
+                  <a:schemeClr val="bg1"/>
+                </a:solidFill>
+              </a:rPr>
+              <a:t>자극이 발생한 이후의 시간</a:t>
+            </a:r>
+            <a:endParaRPr lang="en-US" altLang="ko-KR" sz="3200" dirty="0">
+              <a:solidFill>
+                <a:schemeClr val="bg1"/>
+              </a:solidFill>
+            </a:endParaRPr>
+          </a:p>
+          <a:p>
+            <a:r>
+              <a:rPr lang="en-US" altLang="ko-KR" sz="3200" dirty="0">
+                <a:solidFill>
+                  <a:schemeClr val="bg1"/>
+                </a:solidFill>
+              </a:rPr>
+              <a:t>Expiration Age: </a:t>
+            </a:r>
+            <a:r>
+              <a:rPr lang="ko-KR" altLang="en-US" sz="3200" dirty="0">
+                <a:solidFill>
+                  <a:schemeClr val="bg1"/>
+                </a:solidFill>
+              </a:rPr>
+              <a:t>자극이 무효화 되기까지의 시간</a:t>
+            </a:r>
+            <a:br>
+              <a:rPr lang="en-US" altLang="ko-KR" sz="3200" dirty="0">
+                <a:solidFill>
+                  <a:schemeClr val="bg1"/>
+                </a:solidFill>
+              </a:rPr>
+            </a:br>
+            <a:r>
+              <a:rPr lang="en-US" altLang="ko-KR" sz="3200" dirty="0">
+                <a:solidFill>
+                  <a:schemeClr val="bg1"/>
+                </a:solidFill>
+              </a:rPr>
+              <a:t>Strength: </a:t>
+            </a:r>
+            <a:r>
+              <a:rPr lang="ko-KR" altLang="en-US" sz="3200" dirty="0">
+                <a:solidFill>
+                  <a:schemeClr val="bg1"/>
+                </a:solidFill>
+              </a:rPr>
+              <a:t>자극에 정의된 가중치</a:t>
+            </a:r>
+            <a:endParaRPr lang="en-US" altLang="ko-KR" sz="3200" dirty="0">
+              <a:solidFill>
+                <a:schemeClr val="bg1"/>
+              </a:solidFill>
+            </a:endParaRPr>
+          </a:p>
+          <a:p>
+            <a:r>
+              <a:rPr lang="en-US" altLang="ko-KR" sz="3200" dirty="0">
+                <a:solidFill>
+                  <a:schemeClr val="bg1"/>
+                </a:solidFill>
+              </a:rPr>
+              <a:t>Stimulus Location: </a:t>
+            </a:r>
+            <a:r>
+              <a:rPr lang="ko-KR" altLang="en-US" sz="3200" dirty="0">
+                <a:solidFill>
+                  <a:schemeClr val="bg1"/>
+                </a:solidFill>
+              </a:rPr>
+              <a:t>자극이 시작된 곳</a:t>
+            </a:r>
+            <a:endParaRPr lang="en-US" altLang="ko-KR" sz="3200" dirty="0">
+              <a:solidFill>
+                <a:schemeClr val="bg1"/>
+              </a:solidFill>
+            </a:endParaRPr>
+          </a:p>
+          <a:p>
+            <a:r>
+              <a:rPr lang="en-US" altLang="ko-KR" sz="3200" dirty="0">
+                <a:solidFill>
+                  <a:schemeClr val="bg1"/>
+                </a:solidFill>
+              </a:rPr>
+              <a:t>Receiver Location:  </a:t>
+            </a:r>
+            <a:r>
+              <a:rPr lang="ko-KR" altLang="en-US" sz="3200" dirty="0">
+                <a:solidFill>
+                  <a:schemeClr val="bg1"/>
+                </a:solidFill>
+              </a:rPr>
+              <a:t>시스템이 자극을 등록한곳</a:t>
+            </a:r>
+            <a:r>
+              <a:rPr lang="en-US" altLang="ko-KR" sz="3200" dirty="0">
+                <a:solidFill>
+                  <a:schemeClr val="bg1"/>
+                </a:solidFill>
+              </a:rPr>
+              <a:t>?</a:t>
+            </a:r>
+          </a:p>
+          <a:p>
+            <a:r>
+              <a:rPr lang="en-US" altLang="ko-KR" sz="3200" dirty="0">
+                <a:solidFill>
+                  <a:schemeClr val="bg1"/>
+                </a:solidFill>
+              </a:rPr>
+              <a:t>Tag: </a:t>
+            </a:r>
+            <a:r>
+              <a:rPr lang="ko-KR" altLang="en-US" sz="3200" dirty="0">
+                <a:solidFill>
+                  <a:schemeClr val="bg1"/>
+                </a:solidFill>
+              </a:rPr>
+              <a:t>자극에 정의된 추가 정보</a:t>
+            </a:r>
+            <a:endParaRPr lang="en-US" altLang="ko-KR" sz="3200" dirty="0">
+              <a:solidFill>
+                <a:schemeClr val="bg1"/>
+              </a:solidFill>
+            </a:endParaRPr>
+          </a:p>
+          <a:p>
+            <a:r>
+              <a:rPr lang="en-US" altLang="ko-KR" sz="3200" dirty="0">
+                <a:solidFill>
+                  <a:schemeClr val="bg1"/>
+                </a:solidFill>
+              </a:rPr>
+              <a:t>Successfully Sensed: </a:t>
+            </a:r>
+            <a:r>
+              <a:rPr lang="ko-KR" altLang="en-US" sz="3200" dirty="0">
+                <a:solidFill>
+                  <a:schemeClr val="bg1"/>
+                </a:solidFill>
+              </a:rPr>
+              <a:t>자극   감지됨</a:t>
+            </a:r>
+            <a:r>
+              <a:rPr lang="en-US" altLang="ko-KR" sz="3200" dirty="0">
+                <a:solidFill>
+                  <a:schemeClr val="bg1"/>
+                </a:solidFill>
+              </a:rPr>
+              <a:t> or </a:t>
+            </a:r>
+            <a:r>
+              <a:rPr lang="ko-KR" altLang="en-US" sz="3200" dirty="0">
+                <a:solidFill>
+                  <a:schemeClr val="bg1"/>
+                </a:solidFill>
+              </a:rPr>
+              <a:t>무효화됨</a:t>
+            </a:r>
+          </a:p>
+        </p:txBody>
+      </p:sp>
+    </p:spTree>
+    <p:extLst>
+      <p:ext uri="{BB962C8B-B14F-4D97-AF65-F5344CB8AC3E}">
+        <p14:creationId xmlns:p14="http://schemas.microsoft.com/office/powerpoint/2010/main" val="2581586697"/>
+      </p:ext>
+    </p:extLst>
+  </p:cSld>
+  <p:clrMapOvr>
+    <a:masterClrMapping/>
+  </p:clrMapOvr>
+</p:sld>
+</file>
+
+<file path=ppt/slides/slide17.xml><?xml version="1.0" encoding="utf-8"?>
+<p:sld xmlns:a="http://schemas.openxmlformats.org/drawingml/2006/main" xmlns:r="http://schemas.openxmlformats.org/officeDocument/2006/relationships" xmlns:p="http://schemas.openxmlformats.org/presentationml/2006/main">
+  <p:cSld>
+    <p:spTree>
+      <p:nvGrpSpPr>
+        <p:cNvPr id="1" name=""/>
+        <p:cNvGrpSpPr/>
+        <p:nvPr/>
+      </p:nvGrpSpPr>
+      <p:grpSpPr>
+        <a:xfrm>
+          <a:off x="0" y="0"/>
+          <a:ext cx="0" cy="0"/>
+          <a:chOff x="0" y="0"/>
+          <a:chExt cx="0" cy="0"/>
+        </a:xfrm>
+      </p:grpSpPr>
+      <p:sp>
+        <p:nvSpPr>
+          <p:cNvPr id="2" name="제목 1">
+            <a:extLst>
+              <a:ext uri="{FF2B5EF4-FFF2-40B4-BE49-F238E27FC236}">
+                <a16:creationId xmlns:a16="http://schemas.microsoft.com/office/drawing/2014/main" id="{25E8B28A-6266-437B-B79C-4C52F388882C}"/>
+              </a:ext>
+            </a:extLst>
+          </p:cNvPr>
+          <p:cNvSpPr>
+            <a:spLocks noGrp="1"/>
+          </p:cNvSpPr>
+          <p:nvPr>
+            <p:ph type="title"/>
+          </p:nvPr>
+        </p:nvSpPr>
+        <p:spPr/>
+        <p:txBody>
+          <a:bodyPr/>
+          <a:lstStyle/>
+          <a:p>
+            <a:r>
+              <a:rPr lang="en-US" altLang="ko-KR" sz="3600" dirty="0"/>
+              <a:t>Event - </a:t>
+            </a:r>
+            <a:r>
+              <a:rPr lang="en-US" altLang="ko-KR" dirty="0" err="1"/>
+              <a:t>OnPerceptionUpdated</a:t>
+            </a:r>
+            <a:endParaRPr lang="ko-KR" altLang="en-US" dirty="0"/>
+          </a:p>
+        </p:txBody>
+      </p:sp>
+      <p:sp>
+        <p:nvSpPr>
+          <p:cNvPr id="3" name="내용 개체 틀 2">
+            <a:extLst>
+              <a:ext uri="{FF2B5EF4-FFF2-40B4-BE49-F238E27FC236}">
+                <a16:creationId xmlns:a16="http://schemas.microsoft.com/office/drawing/2014/main" id="{15BDE611-C77C-47A7-813C-CBE6DD09F1CE}"/>
+              </a:ext>
+            </a:extLst>
+          </p:cNvPr>
+          <p:cNvSpPr>
+            <a:spLocks noGrp="1"/>
+          </p:cNvSpPr>
+          <p:nvPr>
+            <p:ph idx="1"/>
+          </p:nvPr>
+        </p:nvSpPr>
+        <p:spPr/>
+        <p:txBody>
+          <a:bodyPr/>
+          <a:lstStyle/>
+          <a:p>
+            <a:r>
+              <a:rPr lang="en-US" altLang="ko-KR" dirty="0"/>
+              <a:t>Output</a:t>
+            </a:r>
+            <a:r>
+              <a:rPr lang="ko-KR" altLang="en-US" dirty="0"/>
+              <a:t> </a:t>
+            </a:r>
+            <a:r>
+              <a:rPr lang="en-US" altLang="ko-KR" dirty="0"/>
+              <a:t>:</a:t>
+            </a:r>
+            <a:r>
+              <a:rPr lang="ko-KR" altLang="en-US" dirty="0"/>
+              <a:t> 업데이트된 자극이 </a:t>
+            </a:r>
+            <a:r>
+              <a:rPr lang="ko-KR" altLang="en-US" dirty="0" err="1"/>
+              <a:t>있을경우</a:t>
+            </a:r>
+            <a:r>
+              <a:rPr lang="ko-KR" altLang="en-US" dirty="0"/>
+              <a:t> 업데이트가 일어난 모든 </a:t>
+            </a:r>
+            <a:r>
+              <a:rPr lang="en-US" altLang="ko-KR" dirty="0"/>
+              <a:t>Actor </a:t>
+            </a:r>
+            <a:r>
+              <a:rPr lang="ko-KR" altLang="en-US" dirty="0"/>
+              <a:t>를 </a:t>
+            </a:r>
+            <a:r>
+              <a:rPr lang="ko-KR" altLang="en-US" dirty="0" err="1"/>
+              <a:t>리턴한다</a:t>
+            </a:r>
+            <a:r>
+              <a:rPr lang="en-US" altLang="ko-KR" dirty="0"/>
+              <a:t>.</a:t>
+            </a:r>
+          </a:p>
+          <a:p>
+            <a:endParaRPr lang="en-US" altLang="ko-KR" dirty="0"/>
+          </a:p>
+          <a:p>
+            <a:pPr marL="0" indent="0">
+              <a:buNone/>
+            </a:pPr>
+            <a:r>
+              <a:rPr lang="en-US" altLang="ko-KR" dirty="0"/>
+              <a:t>* </a:t>
+            </a:r>
+            <a:r>
+              <a:rPr lang="en-US" altLang="ko-KR" dirty="0" err="1"/>
+              <a:t>OnTargetActorPerceptionUpdated</a:t>
+            </a:r>
+            <a:r>
+              <a:rPr lang="ko-KR" altLang="en-US" dirty="0"/>
+              <a:t> </a:t>
+            </a:r>
+            <a:endParaRPr lang="en-US" altLang="ko-KR" dirty="0"/>
+          </a:p>
+          <a:p>
+            <a:pPr marL="0" indent="0">
+              <a:buNone/>
+            </a:pPr>
+            <a:r>
+              <a:rPr lang="ko-KR" altLang="en-US" dirty="0"/>
+              <a:t>이벤트 처리 후에 이벤트가 일어난다</a:t>
+            </a:r>
+            <a:r>
+              <a:rPr lang="en-US" altLang="ko-KR" dirty="0"/>
+              <a:t>.</a:t>
+            </a:r>
+            <a:endParaRPr lang="ko-KR" altLang="en-US" dirty="0"/>
+          </a:p>
+        </p:txBody>
+      </p:sp>
+    </p:spTree>
+    <p:extLst>
+      <p:ext uri="{BB962C8B-B14F-4D97-AF65-F5344CB8AC3E}">
+        <p14:creationId xmlns:p14="http://schemas.microsoft.com/office/powerpoint/2010/main" val="2031800526"/>
+      </p:ext>
+    </p:extLst>
+  </p:cSld>
+  <p:clrMapOvr>
+    <a:masterClrMapping/>
+  </p:clrMapOvr>
+</p:sld>
+</file>
+
+<file path=ppt/slides/slide18.xml><?xml version="1.0" encoding="utf-8"?>
+<p:sld xmlns:a="http://schemas.openxmlformats.org/drawingml/2006/main" xmlns:r="http://schemas.openxmlformats.org/officeDocument/2006/relationships" xmlns:p="http://schemas.openxmlformats.org/presentationml/2006/main">
+  <p:cSld>
+    <p:spTree>
+      <p:nvGrpSpPr>
+        <p:cNvPr id="1" name=""/>
+        <p:cNvGrpSpPr/>
+        <p:nvPr/>
+      </p:nvGrpSpPr>
+      <p:grpSpPr>
+        <a:xfrm>
+          <a:off x="0" y="0"/>
+          <a:ext cx="0" cy="0"/>
+          <a:chOff x="0" y="0"/>
+          <a:chExt cx="0" cy="0"/>
+        </a:xfrm>
+      </p:grpSpPr>
+      <p:sp>
+        <p:nvSpPr>
+          <p:cNvPr id="2" name="제목 1">
+            <a:extLst>
+              <a:ext uri="{FF2B5EF4-FFF2-40B4-BE49-F238E27FC236}">
+                <a16:creationId xmlns:a16="http://schemas.microsoft.com/office/drawing/2014/main" id="{E9B836DC-A9B2-48F0-861D-D6121BAEED27}"/>
+              </a:ext>
+            </a:extLst>
+          </p:cNvPr>
+          <p:cNvSpPr>
+            <a:spLocks noGrp="1"/>
+          </p:cNvSpPr>
+          <p:nvPr>
+            <p:ph type="title"/>
+          </p:nvPr>
+        </p:nvSpPr>
+        <p:spPr/>
+        <p:txBody>
+          <a:bodyPr/>
+          <a:lstStyle/>
+          <a:p>
+            <a:r>
+              <a:rPr lang="en-US" altLang="ko-KR" sz="3600" dirty="0" err="1"/>
+              <a:t>Func</a:t>
+            </a:r>
+            <a:r>
+              <a:rPr lang="en-US" altLang="ko-KR" sz="3600" dirty="0"/>
+              <a:t> - </a:t>
+            </a:r>
+            <a:r>
+              <a:rPr lang="en-US" altLang="ko-KR" dirty="0" err="1"/>
+              <a:t>GetActorsPerception</a:t>
+            </a:r>
+            <a:endParaRPr lang="ko-KR" altLang="en-US" dirty="0"/>
+          </a:p>
+        </p:txBody>
+      </p:sp>
+      <p:sp>
+        <p:nvSpPr>
+          <p:cNvPr id="3" name="내용 개체 틀 2">
+            <a:extLst>
+              <a:ext uri="{FF2B5EF4-FFF2-40B4-BE49-F238E27FC236}">
+                <a16:creationId xmlns:a16="http://schemas.microsoft.com/office/drawing/2014/main" id="{BEEBF7AC-34C3-4E53-A1C6-8C1EFFC6BF1B}"/>
+              </a:ext>
+            </a:extLst>
+          </p:cNvPr>
+          <p:cNvSpPr>
+            <a:spLocks noGrp="1"/>
+          </p:cNvSpPr>
+          <p:nvPr>
+            <p:ph idx="1"/>
+          </p:nvPr>
+        </p:nvSpPr>
+        <p:spPr/>
+        <p:txBody>
+          <a:bodyPr>
+            <a:normAutofit/>
+          </a:bodyPr>
+          <a:lstStyle/>
+          <a:p>
+            <a:r>
+              <a:rPr lang="en-US" altLang="ko-KR" dirty="0"/>
+              <a:t>Input : Actor   </a:t>
+            </a:r>
+          </a:p>
+          <a:p>
+            <a:r>
+              <a:rPr lang="en-US" altLang="ko-KR" dirty="0"/>
+              <a:t>Output: bool , </a:t>
+            </a:r>
+            <a:r>
+              <a:rPr lang="en-US" altLang="ko-KR" dirty="0" err="1"/>
+              <a:t>ActorPerceptionBlueprintInfo</a:t>
+            </a:r>
+            <a:endParaRPr lang="en-US" altLang="ko-KR" dirty="0"/>
+          </a:p>
+          <a:p>
+            <a:pPr marL="0" indent="0">
+              <a:buNone/>
+            </a:pPr>
+            <a:endParaRPr lang="en-US" altLang="ko-KR" dirty="0"/>
+          </a:p>
+          <a:p>
+            <a:pPr marL="0" indent="0">
+              <a:buNone/>
+            </a:pPr>
+            <a:r>
+              <a:rPr lang="ko-KR" altLang="en-US" dirty="0"/>
+              <a:t>컴포넌트는 </a:t>
+            </a:r>
+            <a:r>
+              <a:rPr lang="en-US" altLang="ko-KR" dirty="0"/>
+              <a:t>Input Actor</a:t>
+            </a:r>
+            <a:r>
+              <a:rPr lang="ko-KR" altLang="en-US" dirty="0"/>
+              <a:t>가 </a:t>
+            </a:r>
+            <a:r>
+              <a:rPr lang="ko-KR" altLang="en-US" dirty="0" err="1"/>
+              <a:t>감지된적이</a:t>
+            </a:r>
+            <a:r>
+              <a:rPr lang="ko-KR" altLang="en-US" dirty="0"/>
+              <a:t> 있는지 검사한다</a:t>
+            </a:r>
+            <a:endParaRPr lang="en-US" altLang="ko-KR" dirty="0"/>
+          </a:p>
+          <a:p>
+            <a:pPr marL="0" indent="0">
+              <a:buNone/>
+            </a:pPr>
+            <a:r>
+              <a:rPr lang="en-US" altLang="ko-KR" dirty="0"/>
+              <a:t>Output True</a:t>
+            </a:r>
+            <a:r>
+              <a:rPr lang="ko-KR" altLang="en-US" dirty="0"/>
+              <a:t>면 감지된 자극</a:t>
+            </a:r>
+            <a:r>
+              <a:rPr lang="en-US" altLang="ko-KR" dirty="0"/>
+              <a:t>(stimulus)</a:t>
+            </a:r>
+            <a:r>
+              <a:rPr lang="ko-KR" altLang="en-US" dirty="0"/>
+              <a:t>목록 상태를 알림</a:t>
+            </a:r>
+            <a:r>
+              <a:rPr lang="en-US" altLang="ko-KR" dirty="0"/>
+              <a:t>.</a:t>
+            </a:r>
+            <a:r>
+              <a:rPr lang="ko-KR" altLang="en-US" dirty="0"/>
+              <a:t> </a:t>
+            </a:r>
+            <a:endParaRPr lang="en-US" altLang="ko-KR" dirty="0"/>
+          </a:p>
+          <a:p>
+            <a:pPr marL="0" indent="0">
+              <a:buNone/>
+            </a:pPr>
+            <a:r>
+              <a:rPr lang="ko-KR" altLang="en-US" dirty="0" err="1"/>
+              <a:t>감지된적</a:t>
+            </a:r>
+            <a:r>
+              <a:rPr lang="ko-KR" altLang="en-US" dirty="0"/>
+              <a:t> 없는 자극 정보는 구체화 되지 않으므로  자극 정보를  </a:t>
+            </a:r>
+            <a:r>
+              <a:rPr lang="en-US" altLang="ko-KR" dirty="0" err="1"/>
+              <a:t>GetSenseClassForStimulus</a:t>
+            </a:r>
+            <a:r>
+              <a:rPr lang="en-US" altLang="ko-KR" dirty="0"/>
+              <a:t> BP</a:t>
+            </a:r>
+            <a:r>
+              <a:rPr lang="ko-KR" altLang="en-US" dirty="0"/>
+              <a:t>노드로 클래스 </a:t>
+            </a:r>
+            <a:r>
+              <a:rPr lang="ko-KR" altLang="en-US" dirty="0" err="1"/>
+              <a:t>변환후</a:t>
+            </a:r>
+            <a:r>
+              <a:rPr lang="ko-KR" altLang="en-US" dirty="0"/>
+              <a:t> </a:t>
+            </a:r>
+            <a:r>
+              <a:rPr lang="en-US" altLang="ko-KR" dirty="0" err="1"/>
+              <a:t>IsValid</a:t>
+            </a:r>
+            <a:r>
+              <a:rPr lang="en-US" altLang="ko-KR" dirty="0"/>
+              <a:t> </a:t>
+            </a:r>
+            <a:r>
+              <a:rPr lang="ko-KR" altLang="en-US" dirty="0"/>
+              <a:t>확인한다</a:t>
+            </a:r>
+            <a:r>
+              <a:rPr lang="en-US" altLang="ko-KR" dirty="0"/>
+              <a:t>.</a:t>
+            </a:r>
+            <a:endParaRPr lang="ko-KR" altLang="en-US" dirty="0"/>
+          </a:p>
+        </p:txBody>
+      </p:sp>
+    </p:spTree>
+    <p:extLst>
+      <p:ext uri="{BB962C8B-B14F-4D97-AF65-F5344CB8AC3E}">
+        <p14:creationId xmlns:p14="http://schemas.microsoft.com/office/powerpoint/2010/main" val="3713320513"/>
+      </p:ext>
+    </p:extLst>
+  </p:cSld>
+  <p:clrMapOvr>
+    <a:masterClrMapping/>
+  </p:clrMapOvr>
+</p:sld>
+</file>
+
+<file path=ppt/slides/slide19.xml><?xml version="1.0" encoding="utf-8"?>
+<p:sld xmlns:a="http://schemas.openxmlformats.org/drawingml/2006/main" xmlns:r="http://schemas.openxmlformats.org/officeDocument/2006/relationships" xmlns:p="http://schemas.openxmlformats.org/presentationml/2006/main">
+  <p:cSld>
+    <p:spTree>
+      <p:nvGrpSpPr>
+        <p:cNvPr id="1" name=""/>
+        <p:cNvGrpSpPr/>
+        <p:nvPr/>
+      </p:nvGrpSpPr>
+      <p:grpSpPr>
+        <a:xfrm>
+          <a:off x="0" y="0"/>
+          <a:ext cx="0" cy="0"/>
+          <a:chOff x="0" y="0"/>
+          <a:chExt cx="0" cy="0"/>
+        </a:xfrm>
+      </p:grpSpPr>
+      <p:pic>
+        <p:nvPicPr>
+          <p:cNvPr id="4" name="그림 3">
+            <a:extLst>
+              <a:ext uri="{FF2B5EF4-FFF2-40B4-BE49-F238E27FC236}">
+                <a16:creationId xmlns:a16="http://schemas.microsoft.com/office/drawing/2014/main" id="{5235B176-8AE9-468A-83B5-5FC0B65E6DE8}"/>
+              </a:ext>
+            </a:extLst>
+          </p:cNvPr>
+          <p:cNvPicPr>
+            <a:picLocks noChangeAspect="1"/>
+          </p:cNvPicPr>
+          <p:nvPr/>
+        </p:nvPicPr>
+        <p:blipFill>
+          <a:blip r:embed="rId2"/>
+          <a:stretch>
+            <a:fillRect/>
+          </a:stretch>
+        </p:blipFill>
+        <p:spPr>
+          <a:xfrm>
+            <a:off x="0" y="51240"/>
+            <a:ext cx="12192000" cy="6755519"/>
+          </a:xfrm>
+          <a:prstGeom prst="rect">
+            <a:avLst/>
+          </a:prstGeom>
+        </p:spPr>
+      </p:pic>
+    </p:spTree>
+    <p:extLst>
+      <p:ext uri="{BB962C8B-B14F-4D97-AF65-F5344CB8AC3E}">
+        <p14:creationId xmlns:p14="http://schemas.microsoft.com/office/powerpoint/2010/main" val="3561116773"/>
+      </p:ext>
+    </p:extLst>
+  </p:cSld>
+  <p:clrMapOvr>
+    <a:masterClrMapping/>
+  </p:clrMapOvr>
+</p:sld>
+</file>
+
+<file path=ppt/slides/slide2.xml><?xml version="1.0" encoding="utf-8"?>
+<p:sld xmlns:a="http://schemas.openxmlformats.org/drawingml/2006/main" xmlns:r="http://schemas.openxmlformats.org/officeDocument/2006/relationships" xmlns:p="http://schemas.openxmlformats.org/presentationml/2006/main">
+  <p:cSld>
+    <p:spTree>
+      <p:nvGrpSpPr>
+        <p:cNvPr id="1" name=""/>
+        <p:cNvGrpSpPr/>
+        <p:nvPr/>
+      </p:nvGrpSpPr>
+      <p:grpSpPr>
+        <a:xfrm>
+          <a:off x="0" y="0"/>
+          <a:ext cx="0" cy="0"/>
+          <a:chOff x="0" y="0"/>
+          <a:chExt cx="0" cy="0"/>
+        </a:xfrm>
+      </p:grpSpPr>
+      <p:sp>
+        <p:nvSpPr>
+          <p:cNvPr id="2" name="제목 1">
+            <a:extLst>
+              <a:ext uri="{FF2B5EF4-FFF2-40B4-BE49-F238E27FC236}">
+                <a16:creationId xmlns:a16="http://schemas.microsoft.com/office/drawing/2014/main" id="{CAB6B39F-43DE-46C0-934E-3288B2EA64FF}"/>
+              </a:ext>
+            </a:extLst>
+          </p:cNvPr>
+          <p:cNvSpPr>
+            <a:spLocks noGrp="1"/>
+          </p:cNvSpPr>
+          <p:nvPr>
+            <p:ph type="title"/>
+          </p:nvPr>
+        </p:nvSpPr>
+        <p:spPr/>
+        <p:txBody>
+          <a:bodyPr/>
+          <a:lstStyle/>
+          <a:p>
+            <a:r>
+              <a:rPr lang="ko-KR" altLang="en-US" dirty="0"/>
+              <a:t>어떻게 똑똑한 </a:t>
+            </a:r>
+            <a:r>
+              <a:rPr lang="en-US" altLang="ko-KR" dirty="0"/>
+              <a:t>NPC</a:t>
+            </a:r>
+            <a:r>
+              <a:rPr lang="ko-KR" altLang="en-US" dirty="0"/>
+              <a:t>로 </a:t>
+            </a:r>
+            <a:r>
+              <a:rPr lang="ko-KR" altLang="en-US" dirty="0" err="1"/>
+              <a:t>만들수</a:t>
+            </a:r>
+            <a:r>
+              <a:rPr lang="ko-KR" altLang="en-US" dirty="0"/>
+              <a:t> 있나</a:t>
+            </a:r>
+            <a:r>
+              <a:rPr lang="en-US" altLang="ko-KR" dirty="0"/>
+              <a:t>.</a:t>
+            </a:r>
+            <a:endParaRPr lang="ko-KR" altLang="en-US" dirty="0"/>
+          </a:p>
+        </p:txBody>
+      </p:sp>
+      <p:sp>
+        <p:nvSpPr>
+          <p:cNvPr id="3" name="내용 개체 틀 2">
+            <a:extLst>
+              <a:ext uri="{FF2B5EF4-FFF2-40B4-BE49-F238E27FC236}">
+                <a16:creationId xmlns:a16="http://schemas.microsoft.com/office/drawing/2014/main" id="{FFBB8E4E-F345-40CB-9B3E-C7F3480E625F}"/>
+              </a:ext>
+            </a:extLst>
+          </p:cNvPr>
+          <p:cNvSpPr>
+            <a:spLocks noGrp="1"/>
+          </p:cNvSpPr>
+          <p:nvPr>
+            <p:ph idx="1"/>
+          </p:nvPr>
+        </p:nvSpPr>
+        <p:spPr>
+          <a:xfrm>
+            <a:off x="838199" y="1690688"/>
+            <a:ext cx="10515600" cy="477628"/>
+          </a:xfrm>
+        </p:spPr>
+        <p:txBody>
+          <a:bodyPr/>
+          <a:lstStyle/>
+          <a:p>
+            <a:pPr marL="0" indent="0">
+              <a:buNone/>
+            </a:pPr>
+            <a:r>
+              <a:rPr lang="ko-KR" altLang="en-US" dirty="0"/>
+              <a:t>월드의 정보를 수집 하고 정보를 바탕으로 한 행동을 결정한다</a:t>
+            </a:r>
+            <a:r>
+              <a:rPr lang="en-US" altLang="ko-KR" dirty="0"/>
+              <a:t>.</a:t>
+            </a:r>
+          </a:p>
+        </p:txBody>
+      </p:sp>
+      <p:sp>
+        <p:nvSpPr>
+          <p:cNvPr id="4" name="TextBox 3">
+            <a:extLst>
+              <a:ext uri="{FF2B5EF4-FFF2-40B4-BE49-F238E27FC236}">
+                <a16:creationId xmlns:a16="http://schemas.microsoft.com/office/drawing/2014/main" id="{95731C7F-19B0-4B02-9103-243598A2E966}"/>
+              </a:ext>
+            </a:extLst>
+          </p:cNvPr>
+          <p:cNvSpPr txBox="1"/>
+          <p:nvPr/>
+        </p:nvSpPr>
+        <p:spPr>
+          <a:xfrm>
+            <a:off x="838199" y="2362895"/>
+            <a:ext cx="10515600" cy="1200329"/>
+          </a:xfrm>
+          <a:prstGeom prst="rect">
+            <a:avLst/>
+          </a:prstGeom>
+          <a:noFill/>
+        </p:spPr>
+        <p:txBody>
+          <a:bodyPr wrap="square" rtlCol="0">
+            <a:spAutoFit/>
+          </a:bodyPr>
+          <a:lstStyle/>
+          <a:p>
+            <a:r>
+              <a:rPr lang="ko-KR" altLang="en-US" dirty="0"/>
+              <a:t>정보수집하기</a:t>
+            </a:r>
+            <a:endParaRPr lang="en-US" altLang="ko-KR" dirty="0"/>
+          </a:p>
+          <a:p>
+            <a:r>
+              <a:rPr lang="en-US" altLang="ko-KR" dirty="0"/>
+              <a:t>- </a:t>
+            </a:r>
+            <a:r>
+              <a:rPr lang="en-US" altLang="ko-KR" dirty="0" err="1"/>
+              <a:t>AIController</a:t>
+            </a:r>
+            <a:r>
+              <a:rPr lang="ko-KR" altLang="en-US" dirty="0"/>
+              <a:t>에 </a:t>
+            </a:r>
+            <a:r>
+              <a:rPr lang="en-US" altLang="ko-KR" dirty="0" err="1"/>
+              <a:t>AIPerceptionComponent</a:t>
+            </a:r>
+            <a:r>
+              <a:rPr lang="en-US" altLang="ko-KR" dirty="0"/>
+              <a:t> </a:t>
+            </a:r>
+            <a:r>
+              <a:rPr lang="ko-KR" altLang="en-US" dirty="0"/>
+              <a:t>추가</a:t>
+            </a:r>
+            <a:r>
+              <a:rPr lang="en-US" altLang="ko-KR" dirty="0"/>
+              <a:t>: </a:t>
+            </a:r>
+            <a:r>
+              <a:rPr lang="ko-KR" altLang="en-US" dirty="0"/>
+              <a:t>실행 중 시야</a:t>
+            </a:r>
+            <a:r>
+              <a:rPr lang="en-US" altLang="ko-KR" dirty="0"/>
+              <a:t>,</a:t>
+            </a:r>
+            <a:r>
+              <a:rPr lang="ko-KR" altLang="en-US" dirty="0"/>
+              <a:t>노이즈</a:t>
+            </a:r>
+            <a:r>
+              <a:rPr lang="en-US" altLang="ko-KR" dirty="0"/>
+              <a:t>,</a:t>
+            </a:r>
+            <a:r>
+              <a:rPr lang="ko-KR" altLang="en-US" dirty="0"/>
+              <a:t>데미지</a:t>
+            </a:r>
+            <a:r>
+              <a:rPr lang="en-US" altLang="ko-KR" dirty="0"/>
+              <a:t> </a:t>
+            </a:r>
+            <a:r>
+              <a:rPr lang="ko-KR" altLang="en-US" dirty="0"/>
+              <a:t>등 자극을 감지</a:t>
+            </a:r>
+            <a:endParaRPr lang="en-US" altLang="ko-KR" dirty="0"/>
+          </a:p>
+          <a:p>
+            <a:pPr>
+              <a:buFontTx/>
+              <a:buChar char="-"/>
+            </a:pPr>
+            <a:r>
+              <a:rPr lang="en-US" altLang="ko-KR" dirty="0"/>
+              <a:t> EQS </a:t>
+            </a:r>
+            <a:r>
+              <a:rPr lang="ko-KR" altLang="en-US" dirty="0"/>
+              <a:t>사용</a:t>
+            </a:r>
+            <a:r>
+              <a:rPr lang="en-US" altLang="ko-KR" dirty="0"/>
+              <a:t>(Environment Query System) :  </a:t>
+            </a:r>
+            <a:r>
+              <a:rPr lang="ko-KR" altLang="en-US" dirty="0"/>
+              <a:t>월드의 환경 정보를 질의 한다</a:t>
+            </a:r>
+            <a:r>
+              <a:rPr lang="en-US" altLang="ko-KR" dirty="0"/>
+              <a:t>.</a:t>
+            </a:r>
+          </a:p>
+          <a:p>
+            <a:endParaRPr lang="ko-KR" altLang="en-US" dirty="0"/>
+          </a:p>
+        </p:txBody>
+      </p:sp>
+      <p:sp>
+        <p:nvSpPr>
+          <p:cNvPr id="5" name="TextBox 4">
+            <a:extLst>
+              <a:ext uri="{FF2B5EF4-FFF2-40B4-BE49-F238E27FC236}">
+                <a16:creationId xmlns:a16="http://schemas.microsoft.com/office/drawing/2014/main" id="{C5BD8CF8-C3AB-435E-A52F-4F3F834DDDD6}"/>
+              </a:ext>
+            </a:extLst>
+          </p:cNvPr>
+          <p:cNvSpPr txBox="1"/>
+          <p:nvPr/>
+        </p:nvSpPr>
+        <p:spPr>
+          <a:xfrm>
+            <a:off x="785418" y="3493879"/>
+            <a:ext cx="10621161" cy="1754326"/>
+          </a:xfrm>
+          <a:prstGeom prst="rect">
+            <a:avLst/>
+          </a:prstGeom>
+          <a:noFill/>
+        </p:spPr>
+        <p:txBody>
+          <a:bodyPr wrap="square" rtlCol="0">
+            <a:spAutoFit/>
+          </a:bodyPr>
+          <a:lstStyle/>
+          <a:p>
+            <a:r>
+              <a:rPr lang="ko-KR" altLang="en-US" dirty="0"/>
+              <a:t>이동하기</a:t>
+            </a:r>
+            <a:endParaRPr lang="en-US" altLang="ko-KR" dirty="0"/>
+          </a:p>
+          <a:p>
+            <a:r>
+              <a:rPr lang="en-US" altLang="ko-KR" dirty="0"/>
+              <a:t>- </a:t>
+            </a:r>
+            <a:r>
+              <a:rPr lang="ko-KR" altLang="en-US" dirty="0"/>
+              <a:t>월드에 </a:t>
+            </a:r>
+            <a:r>
+              <a:rPr lang="en-US" altLang="ko-KR" dirty="0" err="1"/>
+              <a:t>NavigationVolume</a:t>
+            </a:r>
+            <a:r>
+              <a:rPr lang="en-US" altLang="ko-KR" dirty="0"/>
+              <a:t> </a:t>
+            </a:r>
+            <a:r>
+              <a:rPr lang="ko-KR" altLang="en-US" dirty="0"/>
+              <a:t>설치</a:t>
+            </a:r>
+            <a:r>
+              <a:rPr lang="en-US" altLang="ko-KR" dirty="0"/>
+              <a:t>: </a:t>
+            </a:r>
+            <a:r>
+              <a:rPr lang="ko-KR" altLang="en-US" dirty="0"/>
+              <a:t>지형에 대해서 갈수 </a:t>
+            </a:r>
+            <a:r>
+              <a:rPr lang="ko-KR" altLang="en-US" dirty="0" err="1"/>
+              <a:t>있는곳</a:t>
+            </a:r>
+            <a:r>
+              <a:rPr lang="ko-KR" altLang="en-US" dirty="0"/>
+              <a:t> 을 미리 계산하여 데이터로 준비</a:t>
+            </a:r>
+            <a:endParaRPr lang="en-US" altLang="ko-KR" dirty="0"/>
+          </a:p>
+          <a:p>
+            <a:r>
+              <a:rPr lang="en-US" altLang="ko-KR" dirty="0"/>
+              <a:t>- </a:t>
+            </a:r>
+            <a:r>
+              <a:rPr lang="ko-KR" altLang="en-US" dirty="0"/>
+              <a:t>네비게이션 정보를 기반한 기본적인 이동 명령 제공한다</a:t>
+            </a:r>
+            <a:r>
+              <a:rPr lang="en-US" altLang="ko-KR" dirty="0"/>
+              <a:t>.</a:t>
+            </a:r>
+          </a:p>
+          <a:p>
+            <a:r>
+              <a:rPr lang="en-US" altLang="ko-KR" dirty="0"/>
+              <a:t>    </a:t>
+            </a:r>
+            <a:r>
+              <a:rPr lang="en-US" altLang="ko-KR" dirty="0" err="1"/>
+              <a:t>MoveTo</a:t>
+            </a:r>
+            <a:r>
+              <a:rPr lang="en-US" altLang="ko-KR" dirty="0"/>
+              <a:t> </a:t>
+            </a:r>
+            <a:r>
+              <a:rPr lang="ko-KR" altLang="en-US" dirty="0"/>
+              <a:t>계열의 </a:t>
+            </a:r>
+            <a:r>
+              <a:rPr lang="ko-KR" altLang="en-US" dirty="0" err="1"/>
+              <a:t>블루프린트</a:t>
+            </a:r>
+            <a:r>
+              <a:rPr lang="ko-KR" altLang="en-US" dirty="0"/>
+              <a:t> 노드 </a:t>
+            </a:r>
+            <a:r>
+              <a:rPr lang="en-US" altLang="ko-KR" dirty="0"/>
+              <a:t>(</a:t>
+            </a:r>
+            <a:r>
+              <a:rPr lang="ko-KR" altLang="en-US" dirty="0"/>
+              <a:t>결과에 대한 정보 제공 다름</a:t>
+            </a:r>
+            <a:r>
+              <a:rPr lang="en-US" altLang="ko-KR" dirty="0"/>
+              <a:t>)</a:t>
+            </a:r>
+            <a:r>
+              <a:rPr lang="ko-KR" altLang="en-US" dirty="0"/>
+              <a:t> </a:t>
+            </a:r>
+            <a:r>
+              <a:rPr lang="en-US" altLang="ko-KR" dirty="0"/>
+              <a:t> </a:t>
+            </a:r>
+            <a:r>
+              <a:rPr lang="ko-KR" altLang="en-US" dirty="0"/>
+              <a:t>  </a:t>
+            </a:r>
+            <a:endParaRPr lang="en-US" altLang="ko-KR" dirty="0"/>
+          </a:p>
+          <a:p>
+            <a:endParaRPr lang="en-US" altLang="ko-KR" dirty="0"/>
+          </a:p>
+          <a:p>
+            <a:endParaRPr lang="ko-KR" altLang="en-US" dirty="0"/>
+          </a:p>
+        </p:txBody>
+      </p:sp>
+      <p:sp>
+        <p:nvSpPr>
+          <p:cNvPr id="8" name="TextBox 7">
+            <a:extLst>
+              <a:ext uri="{FF2B5EF4-FFF2-40B4-BE49-F238E27FC236}">
+                <a16:creationId xmlns:a16="http://schemas.microsoft.com/office/drawing/2014/main" id="{74B5DDF3-B821-4CBD-B72F-FB62068F19BF}"/>
+              </a:ext>
+            </a:extLst>
+          </p:cNvPr>
+          <p:cNvSpPr txBox="1"/>
+          <p:nvPr/>
+        </p:nvSpPr>
+        <p:spPr>
+          <a:xfrm>
+            <a:off x="838199" y="5248205"/>
+            <a:ext cx="10763775" cy="1200329"/>
+          </a:xfrm>
+          <a:prstGeom prst="rect">
+            <a:avLst/>
+          </a:prstGeom>
+          <a:noFill/>
+        </p:spPr>
+        <p:txBody>
+          <a:bodyPr wrap="square" rtlCol="0">
+            <a:spAutoFit/>
+          </a:bodyPr>
+          <a:lstStyle/>
+          <a:p>
+            <a:r>
+              <a:rPr lang="en-US" altLang="ko-KR" dirty="0" err="1"/>
+              <a:t>BehaviorTree</a:t>
+            </a:r>
+            <a:r>
+              <a:rPr lang="ko-KR" altLang="en-US" dirty="0"/>
+              <a:t> </a:t>
+            </a:r>
+            <a:r>
+              <a:rPr lang="en-US" altLang="ko-KR" dirty="0"/>
+              <a:t>&amp; Blackboard </a:t>
+            </a:r>
+            <a:r>
+              <a:rPr lang="ko-KR" altLang="en-US" dirty="0"/>
+              <a:t>사용하기</a:t>
+            </a:r>
+            <a:endParaRPr lang="en-US" altLang="ko-KR" dirty="0"/>
+          </a:p>
+          <a:p>
+            <a:r>
+              <a:rPr lang="en-US" altLang="ko-KR" dirty="0"/>
+              <a:t>- </a:t>
+            </a:r>
+            <a:r>
+              <a:rPr lang="en-US" altLang="ko-KR" dirty="0" err="1"/>
+              <a:t>AIController,Pawn</a:t>
+            </a:r>
+            <a:r>
+              <a:rPr lang="ko-KR" altLang="en-US" dirty="0"/>
+              <a:t>과 분리된 </a:t>
+            </a:r>
+            <a:r>
+              <a:rPr lang="ko-KR" altLang="en-US" dirty="0" err="1"/>
+              <a:t>어셋으로</a:t>
+            </a:r>
+            <a:r>
+              <a:rPr lang="ko-KR" altLang="en-US" dirty="0"/>
+              <a:t>  순서도</a:t>
+            </a:r>
+            <a:r>
+              <a:rPr lang="en-US" altLang="ko-KR" dirty="0"/>
+              <a:t>(Flowchart)</a:t>
+            </a:r>
+            <a:r>
+              <a:rPr lang="ko-KR" altLang="en-US" dirty="0"/>
+              <a:t>와</a:t>
+            </a:r>
+            <a:r>
+              <a:rPr lang="en-US" altLang="ko-KR" dirty="0"/>
+              <a:t> </a:t>
+            </a:r>
+            <a:r>
+              <a:rPr lang="ko-KR" altLang="en-US" dirty="0"/>
+              <a:t>유사한 행동결정 논리를 </a:t>
+            </a:r>
+            <a:r>
+              <a:rPr lang="ko-KR" altLang="en-US" dirty="0" err="1"/>
+              <a:t>어셋에</a:t>
+            </a:r>
+            <a:r>
+              <a:rPr lang="ko-KR" altLang="en-US" dirty="0"/>
+              <a:t> </a:t>
+            </a:r>
+            <a:r>
+              <a:rPr lang="ko-KR" altLang="en-US" dirty="0" err="1"/>
+              <a:t>담을수</a:t>
+            </a:r>
+            <a:r>
+              <a:rPr lang="ko-KR" altLang="en-US" dirty="0"/>
+              <a:t> 있다 </a:t>
+            </a:r>
+            <a:r>
+              <a:rPr lang="en-US" altLang="ko-KR" dirty="0"/>
+              <a:t>Blackboard</a:t>
+            </a:r>
+            <a:r>
+              <a:rPr lang="ko-KR" altLang="en-US" dirty="0"/>
+              <a:t> 는 </a:t>
+            </a:r>
+            <a:r>
+              <a:rPr lang="en-US" altLang="ko-KR" dirty="0" err="1"/>
+              <a:t>BehaviorTree</a:t>
+            </a:r>
+            <a:r>
+              <a:rPr lang="ko-KR" altLang="en-US" dirty="0"/>
+              <a:t>가 행동을 결정 </a:t>
+            </a:r>
+            <a:r>
+              <a:rPr lang="ko-KR" altLang="en-US" dirty="0" err="1"/>
+              <a:t>할때</a:t>
+            </a:r>
+            <a:r>
+              <a:rPr lang="ko-KR" altLang="en-US" dirty="0"/>
+              <a:t> 참고하는 데이터 정의 및 기억장소</a:t>
+            </a:r>
+            <a:r>
+              <a:rPr lang="en-US" altLang="ko-KR" dirty="0"/>
+              <a:t>.</a:t>
+            </a:r>
+          </a:p>
+          <a:p>
+            <a:endParaRPr lang="ko-KR" altLang="en-US" dirty="0"/>
+          </a:p>
+        </p:txBody>
+      </p:sp>
+    </p:spTree>
+    <p:extLst>
+      <p:ext uri="{BB962C8B-B14F-4D97-AF65-F5344CB8AC3E}">
+        <p14:creationId xmlns:p14="http://schemas.microsoft.com/office/powerpoint/2010/main" val="1480452728"/>
+      </p:ext>
+    </p:extLst>
+  </p:cSld>
+  <p:clrMapOvr>
+    <a:masterClrMapping/>
+  </p:clrMapOvr>
+</p:sld>
+</file>
+
+<file path=ppt/slides/slide20.xml><?xml version="1.0" encoding="utf-8"?>
+<p:sld xmlns:a="http://schemas.openxmlformats.org/drawingml/2006/main" xmlns:r="http://schemas.openxmlformats.org/officeDocument/2006/relationships" xmlns:p="http://schemas.openxmlformats.org/presentationml/2006/main">
+  <p:cSld>
+    <p:spTree>
+      <p:nvGrpSpPr>
+        <p:cNvPr id="1" name=""/>
+        <p:cNvGrpSpPr/>
+        <p:nvPr/>
+      </p:nvGrpSpPr>
+      <p:grpSpPr>
+        <a:xfrm>
+          <a:off x="0" y="0"/>
+          <a:ext cx="0" cy="0"/>
+          <a:chOff x="0" y="0"/>
+          <a:chExt cx="0" cy="0"/>
+        </a:xfrm>
+      </p:grpSpPr>
+      <p:sp>
+        <p:nvSpPr>
+          <p:cNvPr id="2" name="제목 1">
+            <a:extLst>
+              <a:ext uri="{FF2B5EF4-FFF2-40B4-BE49-F238E27FC236}">
+                <a16:creationId xmlns:a16="http://schemas.microsoft.com/office/drawing/2014/main" id="{061B7F2A-2C11-48BB-99CF-CE62544F884D}"/>
+              </a:ext>
+            </a:extLst>
+          </p:cNvPr>
+          <p:cNvSpPr>
+            <a:spLocks noGrp="1"/>
+          </p:cNvSpPr>
+          <p:nvPr>
+            <p:ph type="title"/>
+          </p:nvPr>
+        </p:nvSpPr>
+        <p:spPr/>
+        <p:txBody>
+          <a:bodyPr/>
+          <a:lstStyle/>
+          <a:p>
+            <a:r>
+              <a:rPr lang="en-US" altLang="ko-KR" sz="3600" dirty="0" err="1"/>
+              <a:t>Func</a:t>
+            </a:r>
+            <a:r>
+              <a:rPr lang="en-US" altLang="ko-KR" sz="3600" dirty="0"/>
+              <a:t> - </a:t>
+            </a:r>
+            <a:r>
+              <a:rPr lang="en-US" altLang="ko-KR" dirty="0" err="1"/>
+              <a:t>GetCurrentlyPerceivedActors</a:t>
+            </a:r>
+            <a:endParaRPr lang="ko-KR" altLang="en-US" dirty="0"/>
+          </a:p>
+        </p:txBody>
+      </p:sp>
+      <p:sp>
+        <p:nvSpPr>
+          <p:cNvPr id="3" name="내용 개체 틀 2">
+            <a:extLst>
+              <a:ext uri="{FF2B5EF4-FFF2-40B4-BE49-F238E27FC236}">
+                <a16:creationId xmlns:a16="http://schemas.microsoft.com/office/drawing/2014/main" id="{A227FB35-5901-454E-889F-26EE8C6BBE3F}"/>
+              </a:ext>
+            </a:extLst>
+          </p:cNvPr>
+          <p:cNvSpPr>
+            <a:spLocks noGrp="1"/>
+          </p:cNvSpPr>
+          <p:nvPr>
+            <p:ph idx="1"/>
+          </p:nvPr>
+        </p:nvSpPr>
+        <p:spPr/>
+        <p:txBody>
+          <a:bodyPr/>
+          <a:lstStyle/>
+          <a:p>
+            <a:r>
+              <a:rPr lang="en-US" altLang="ko-KR" dirty="0"/>
+              <a:t>Input : </a:t>
+            </a:r>
+            <a:r>
+              <a:rPr lang="en-US" altLang="ko-KR" dirty="0" err="1"/>
+              <a:t>AISense</a:t>
+            </a:r>
+            <a:r>
+              <a:rPr lang="en-US" altLang="ko-KR" dirty="0"/>
+              <a:t> </a:t>
+            </a:r>
+            <a:r>
+              <a:rPr lang="ko-KR" altLang="en-US" dirty="0"/>
+              <a:t>클래스 레퍼런스</a:t>
+            </a:r>
+            <a:endParaRPr lang="en-US" altLang="ko-KR" dirty="0"/>
+          </a:p>
+          <a:p>
+            <a:pPr marL="0" indent="0">
+              <a:buNone/>
+            </a:pPr>
+            <a:endParaRPr lang="en-US" altLang="ko-KR" dirty="0"/>
+          </a:p>
+          <a:p>
+            <a:pPr marL="0" indent="0">
+              <a:buNone/>
+            </a:pPr>
+            <a:r>
+              <a:rPr lang="ko-KR" altLang="en-US" dirty="0"/>
+              <a:t>컴포넌트가 현재 감지한 월드에 존재하는 </a:t>
+            </a:r>
+            <a:r>
+              <a:rPr lang="ko-KR" altLang="en-US" dirty="0" err="1"/>
+              <a:t>액터</a:t>
+            </a:r>
+            <a:r>
+              <a:rPr lang="ko-KR" altLang="en-US" dirty="0"/>
+              <a:t> 목록을 </a:t>
+            </a:r>
+            <a:r>
+              <a:rPr lang="ko-KR" altLang="en-US" dirty="0" err="1"/>
+              <a:t>리턴한다</a:t>
+            </a:r>
+            <a:r>
+              <a:rPr lang="en-US" altLang="ko-KR" dirty="0"/>
+              <a:t>. </a:t>
+            </a:r>
+          </a:p>
+          <a:p>
+            <a:pPr marL="0" indent="0">
+              <a:buNone/>
+            </a:pPr>
+            <a:r>
+              <a:rPr lang="ko-KR" altLang="en-US" dirty="0"/>
+              <a:t>지정한 </a:t>
+            </a:r>
+            <a:r>
+              <a:rPr lang="en-US" altLang="ko-KR" dirty="0"/>
+              <a:t>AI Sense</a:t>
+            </a:r>
+            <a:r>
+              <a:rPr lang="ko-KR" altLang="en-US" dirty="0"/>
+              <a:t>가 있으면 필터링한다</a:t>
+            </a:r>
+            <a:r>
+              <a:rPr lang="en-US" altLang="ko-KR" dirty="0"/>
+              <a:t>.</a:t>
+            </a:r>
+          </a:p>
+          <a:p>
+            <a:pPr marL="0" indent="0">
+              <a:buNone/>
+            </a:pPr>
+            <a:endParaRPr lang="en-US" altLang="ko-KR" dirty="0"/>
+          </a:p>
+          <a:p>
+            <a:pPr marL="0" indent="0">
+              <a:buNone/>
+            </a:pPr>
+            <a:endParaRPr lang="en-US" altLang="ko-KR" dirty="0"/>
+          </a:p>
+        </p:txBody>
+      </p:sp>
+    </p:spTree>
+    <p:extLst>
+      <p:ext uri="{BB962C8B-B14F-4D97-AF65-F5344CB8AC3E}">
+        <p14:creationId xmlns:p14="http://schemas.microsoft.com/office/powerpoint/2010/main" val="2971718739"/>
+      </p:ext>
+    </p:extLst>
+  </p:cSld>
+  <p:clrMapOvr>
+    <a:masterClrMapping/>
+  </p:clrMapOvr>
+</p:sld>
+</file>
+
+<file path=ppt/slides/slide21.xml><?xml version="1.0" encoding="utf-8"?>
+<p:sld xmlns:a="http://schemas.openxmlformats.org/drawingml/2006/main" xmlns:r="http://schemas.openxmlformats.org/officeDocument/2006/relationships" xmlns:p="http://schemas.openxmlformats.org/presentationml/2006/main">
+  <p:cSld>
+    <p:spTree>
+      <p:nvGrpSpPr>
+        <p:cNvPr id="1" name=""/>
+        <p:cNvGrpSpPr/>
+        <p:nvPr/>
+      </p:nvGrpSpPr>
+      <p:grpSpPr>
+        <a:xfrm>
+          <a:off x="0" y="0"/>
+          <a:ext cx="0" cy="0"/>
+          <a:chOff x="0" y="0"/>
+          <a:chExt cx="0" cy="0"/>
+        </a:xfrm>
+      </p:grpSpPr>
+      <p:sp>
+        <p:nvSpPr>
+          <p:cNvPr id="2" name="제목 1">
+            <a:extLst>
+              <a:ext uri="{FF2B5EF4-FFF2-40B4-BE49-F238E27FC236}">
+                <a16:creationId xmlns:a16="http://schemas.microsoft.com/office/drawing/2014/main" id="{57292B04-1CA7-44E2-820F-3A61D1CEAFD6}"/>
+              </a:ext>
+            </a:extLst>
+          </p:cNvPr>
+          <p:cNvSpPr>
+            <a:spLocks noGrp="1"/>
+          </p:cNvSpPr>
+          <p:nvPr>
+            <p:ph type="title"/>
+          </p:nvPr>
+        </p:nvSpPr>
+        <p:spPr/>
+        <p:txBody>
+          <a:bodyPr/>
+          <a:lstStyle/>
+          <a:p>
+            <a:r>
+              <a:rPr lang="en-US" altLang="ko-KR" sz="3600" dirty="0" err="1"/>
+              <a:t>Func</a:t>
+            </a:r>
+            <a:r>
+              <a:rPr lang="en-US" altLang="ko-KR" sz="3600" dirty="0"/>
+              <a:t> - </a:t>
+            </a:r>
+            <a:r>
+              <a:rPr lang="en-US" altLang="ko-KR" dirty="0" err="1"/>
+              <a:t>GetKnownPerceivedActors</a:t>
+            </a:r>
+            <a:endParaRPr lang="ko-KR" altLang="en-US" dirty="0"/>
+          </a:p>
+        </p:txBody>
+      </p:sp>
+      <p:sp>
+        <p:nvSpPr>
+          <p:cNvPr id="3" name="내용 개체 틀 2">
+            <a:extLst>
+              <a:ext uri="{FF2B5EF4-FFF2-40B4-BE49-F238E27FC236}">
+                <a16:creationId xmlns:a16="http://schemas.microsoft.com/office/drawing/2014/main" id="{94F068D2-5E79-4BC0-BA15-20E6746A0B02}"/>
+              </a:ext>
+            </a:extLst>
+          </p:cNvPr>
+          <p:cNvSpPr>
+            <a:spLocks noGrp="1"/>
+          </p:cNvSpPr>
+          <p:nvPr>
+            <p:ph idx="1"/>
+          </p:nvPr>
+        </p:nvSpPr>
+        <p:spPr/>
+        <p:txBody>
+          <a:bodyPr/>
+          <a:lstStyle/>
+          <a:p>
+            <a:r>
+              <a:rPr lang="en-US" altLang="ko-KR" dirty="0"/>
+              <a:t>Input : </a:t>
+            </a:r>
+            <a:r>
+              <a:rPr lang="en-US" altLang="ko-KR" dirty="0" err="1"/>
+              <a:t>AISense</a:t>
+            </a:r>
+            <a:r>
+              <a:rPr lang="en-US" altLang="ko-KR" dirty="0"/>
+              <a:t> </a:t>
+            </a:r>
+            <a:r>
+              <a:rPr lang="ko-KR" altLang="en-US" dirty="0"/>
+              <a:t>클래스 레퍼런스</a:t>
+            </a:r>
+            <a:endParaRPr lang="en-US" altLang="ko-KR" dirty="0"/>
+          </a:p>
+          <a:p>
+            <a:pPr marL="0" indent="0">
+              <a:buNone/>
+            </a:pPr>
+            <a:endParaRPr lang="en-US" altLang="ko-KR" dirty="0"/>
+          </a:p>
+          <a:p>
+            <a:pPr marL="0" indent="0">
+              <a:buNone/>
+            </a:pPr>
+            <a:r>
+              <a:rPr lang="ko-KR" altLang="en-US" dirty="0"/>
+              <a:t>컴포넌트가 현재 그리고 과거 감지한 월드에 존재하는 </a:t>
+            </a:r>
+            <a:r>
+              <a:rPr lang="ko-KR" altLang="en-US" dirty="0" err="1"/>
+              <a:t>액터</a:t>
+            </a:r>
+            <a:r>
+              <a:rPr lang="ko-KR" altLang="en-US" dirty="0"/>
+              <a:t> 목록을 </a:t>
+            </a:r>
+            <a:r>
+              <a:rPr lang="ko-KR" altLang="en-US" dirty="0" err="1"/>
+              <a:t>리턴한다</a:t>
+            </a:r>
+            <a:r>
+              <a:rPr lang="en-US" altLang="ko-KR" dirty="0"/>
+              <a:t>. </a:t>
+            </a:r>
+          </a:p>
+          <a:p>
+            <a:pPr marL="0" indent="0">
+              <a:buNone/>
+            </a:pPr>
+            <a:r>
+              <a:rPr lang="ko-KR" altLang="en-US" dirty="0"/>
+              <a:t>지정한 </a:t>
+            </a:r>
+            <a:r>
+              <a:rPr lang="en-US" altLang="ko-KR" dirty="0"/>
+              <a:t>AI Sense</a:t>
+            </a:r>
+            <a:r>
+              <a:rPr lang="ko-KR" altLang="en-US" dirty="0"/>
+              <a:t>가 있으면 필터링한다</a:t>
+            </a:r>
+            <a:r>
+              <a:rPr lang="en-US" altLang="ko-KR" dirty="0"/>
+              <a:t>.</a:t>
+            </a:r>
+          </a:p>
+          <a:p>
+            <a:pPr marL="0" indent="0">
+              <a:buNone/>
+            </a:pPr>
+            <a:endParaRPr lang="ko-KR" altLang="en-US" dirty="0"/>
+          </a:p>
+        </p:txBody>
+      </p:sp>
+    </p:spTree>
+    <p:extLst>
+      <p:ext uri="{BB962C8B-B14F-4D97-AF65-F5344CB8AC3E}">
+        <p14:creationId xmlns:p14="http://schemas.microsoft.com/office/powerpoint/2010/main" val="2313485111"/>
+      </p:ext>
+    </p:extLst>
+  </p:cSld>
+  <p:clrMapOvr>
+    <a:masterClrMapping/>
+  </p:clrMapOvr>
+</p:sld>
+</file>
+
+<file path=ppt/slides/slide22.xml><?xml version="1.0" encoding="utf-8"?>
+<p:sld xmlns:a="http://schemas.openxmlformats.org/drawingml/2006/main" xmlns:r="http://schemas.openxmlformats.org/officeDocument/2006/relationships" xmlns:p="http://schemas.openxmlformats.org/presentationml/2006/main">
+  <p:cSld>
+    <p:spTree>
+      <p:nvGrpSpPr>
+        <p:cNvPr id="1" name=""/>
+        <p:cNvGrpSpPr/>
+        <p:nvPr/>
+      </p:nvGrpSpPr>
+      <p:grpSpPr>
+        <a:xfrm>
+          <a:off x="0" y="0"/>
+          <a:ext cx="0" cy="0"/>
+          <a:chOff x="0" y="0"/>
+          <a:chExt cx="0" cy="0"/>
+        </a:xfrm>
+      </p:grpSpPr>
+      <p:sp>
+        <p:nvSpPr>
+          <p:cNvPr id="2" name="제목 1">
+            <a:extLst>
+              <a:ext uri="{FF2B5EF4-FFF2-40B4-BE49-F238E27FC236}">
+                <a16:creationId xmlns:a16="http://schemas.microsoft.com/office/drawing/2014/main" id="{B6668A07-3351-45FB-86F1-3D7D1C809984}"/>
+              </a:ext>
+            </a:extLst>
+          </p:cNvPr>
+          <p:cNvSpPr>
+            <a:spLocks noGrp="1"/>
+          </p:cNvSpPr>
+          <p:nvPr>
+            <p:ph type="title"/>
+          </p:nvPr>
+        </p:nvSpPr>
+        <p:spPr/>
+        <p:txBody>
+          <a:bodyPr/>
+          <a:lstStyle/>
+          <a:p>
+            <a:r>
+              <a:rPr lang="en-US" altLang="ko-KR" sz="3600" dirty="0" err="1"/>
+              <a:t>Func</a:t>
+            </a:r>
+            <a:r>
+              <a:rPr lang="en-US" altLang="ko-KR" sz="3600" dirty="0"/>
+              <a:t> - </a:t>
+            </a:r>
+            <a:r>
+              <a:rPr lang="en-US" altLang="ko-KR" dirty="0" err="1"/>
+              <a:t>GetPerceivedHostileActors</a:t>
+            </a:r>
+            <a:endParaRPr lang="ko-KR" altLang="en-US" dirty="0"/>
+          </a:p>
+        </p:txBody>
+      </p:sp>
+      <p:sp>
+        <p:nvSpPr>
+          <p:cNvPr id="3" name="내용 개체 틀 2">
+            <a:extLst>
+              <a:ext uri="{FF2B5EF4-FFF2-40B4-BE49-F238E27FC236}">
+                <a16:creationId xmlns:a16="http://schemas.microsoft.com/office/drawing/2014/main" id="{A231A167-49B9-47C2-AE5F-060904DE23F1}"/>
+              </a:ext>
+            </a:extLst>
+          </p:cNvPr>
+          <p:cNvSpPr>
+            <a:spLocks noGrp="1"/>
+          </p:cNvSpPr>
+          <p:nvPr>
+            <p:ph idx="1"/>
+          </p:nvPr>
+        </p:nvSpPr>
+        <p:spPr/>
+        <p:txBody>
+          <a:bodyPr/>
+          <a:lstStyle/>
+          <a:p>
+            <a:r>
+              <a:rPr lang="ko-KR" altLang="en-US" dirty="0"/>
+              <a:t>컴포넌트가 현재 인식한 적 </a:t>
+            </a:r>
+            <a:r>
+              <a:rPr lang="ko-KR" altLang="en-US" dirty="0" err="1"/>
+              <a:t>액터</a:t>
+            </a:r>
+            <a:r>
+              <a:rPr lang="ko-KR" altLang="en-US" dirty="0"/>
+              <a:t> 목록을 </a:t>
+            </a:r>
+            <a:r>
+              <a:rPr lang="ko-KR" altLang="en-US" dirty="0" err="1"/>
+              <a:t>리턴한다</a:t>
+            </a:r>
+            <a:r>
+              <a:rPr lang="en-US" altLang="ko-KR" dirty="0"/>
+              <a:t>.</a:t>
+            </a:r>
+          </a:p>
+          <a:p>
+            <a:pPr marL="0" indent="0">
+              <a:buNone/>
+            </a:pPr>
+            <a:endParaRPr lang="en-US" altLang="ko-KR" dirty="0"/>
+          </a:p>
+          <a:p>
+            <a:pPr marL="0" indent="0">
+              <a:buNone/>
+            </a:pPr>
+            <a:r>
+              <a:rPr lang="en-US" altLang="ko-KR" dirty="0"/>
+              <a:t>*</a:t>
+            </a:r>
+            <a:r>
+              <a:rPr lang="ko-KR" altLang="en-US" dirty="0"/>
+              <a:t>아군</a:t>
+            </a:r>
+            <a:r>
+              <a:rPr lang="en-US" altLang="ko-KR" dirty="0"/>
+              <a:t>,</a:t>
+            </a:r>
+            <a:r>
+              <a:rPr lang="ko-KR" altLang="en-US" dirty="0"/>
+              <a:t>중립</a:t>
+            </a:r>
+            <a:r>
+              <a:rPr lang="en-US" altLang="ko-KR" dirty="0"/>
+              <a:t>,</a:t>
+            </a:r>
+            <a:r>
+              <a:rPr lang="ko-KR" altLang="en-US" dirty="0"/>
+              <a:t>적 개념이 있지만 </a:t>
+            </a:r>
+            <a:r>
+              <a:rPr lang="ko-KR" altLang="en-US" dirty="0" err="1"/>
+              <a:t>블루프린트</a:t>
+            </a:r>
+            <a:r>
+              <a:rPr lang="ko-KR" altLang="en-US" dirty="0"/>
+              <a:t> 레벨에서는 설정불가</a:t>
+            </a:r>
+            <a:r>
+              <a:rPr lang="en-US" altLang="ko-KR" dirty="0"/>
+              <a:t>.</a:t>
+            </a:r>
+          </a:p>
+          <a:p>
+            <a:pPr marL="0" indent="0">
+              <a:buNone/>
+            </a:pPr>
+            <a:endParaRPr lang="en-US" altLang="ko-KR" dirty="0"/>
+          </a:p>
+          <a:p>
+            <a:pPr marL="0" indent="0">
+              <a:buNone/>
+            </a:pPr>
+            <a:r>
+              <a:rPr lang="ko-KR" altLang="en-US" dirty="0"/>
+              <a:t>구분하려면 </a:t>
+            </a:r>
+            <a:r>
+              <a:rPr lang="en-US" altLang="ko-KR" dirty="0" err="1"/>
+              <a:t>GetCurrentlyPerceivedActors</a:t>
+            </a:r>
+            <a:r>
+              <a:rPr lang="en-US" altLang="ko-KR" dirty="0"/>
+              <a:t> </a:t>
+            </a:r>
+            <a:r>
+              <a:rPr lang="ko-KR" altLang="en-US" dirty="0"/>
+              <a:t>노드 사용 이후에</a:t>
+            </a:r>
+            <a:endParaRPr lang="en-US" altLang="ko-KR" dirty="0"/>
+          </a:p>
+          <a:p>
+            <a:pPr marL="0" indent="0">
+              <a:buNone/>
+            </a:pPr>
+            <a:r>
+              <a:rPr lang="en-US" altLang="ko-KR" dirty="0"/>
+              <a:t>Tag</a:t>
+            </a:r>
+            <a:r>
+              <a:rPr lang="ko-KR" altLang="en-US" dirty="0"/>
+              <a:t>로 필터링 </a:t>
+            </a:r>
+            <a:r>
+              <a:rPr lang="ko-KR" altLang="en-US" dirty="0" err="1"/>
+              <a:t>사용하는방법을</a:t>
+            </a:r>
+            <a:r>
+              <a:rPr lang="ko-KR" altLang="en-US" dirty="0"/>
+              <a:t> 추천</a:t>
+            </a:r>
+          </a:p>
+        </p:txBody>
+      </p:sp>
+    </p:spTree>
+    <p:extLst>
+      <p:ext uri="{BB962C8B-B14F-4D97-AF65-F5344CB8AC3E}">
+        <p14:creationId xmlns:p14="http://schemas.microsoft.com/office/powerpoint/2010/main" val="2831644325"/>
+      </p:ext>
+    </p:extLst>
+  </p:cSld>
+  <p:clrMapOvr>
+    <a:masterClrMapping/>
+  </p:clrMapOvr>
+</p:sld>
+</file>
+
+<file path=ppt/slides/slide23.xml><?xml version="1.0" encoding="utf-8"?>
+<p:sld xmlns:a="http://schemas.openxmlformats.org/drawingml/2006/main" xmlns:r="http://schemas.openxmlformats.org/officeDocument/2006/relationships" xmlns:p="http://schemas.openxmlformats.org/presentationml/2006/main">
+  <p:cSld>
+    <p:spTree>
+      <p:nvGrpSpPr>
+        <p:cNvPr id="1" name=""/>
+        <p:cNvGrpSpPr/>
+        <p:nvPr/>
+      </p:nvGrpSpPr>
+      <p:grpSpPr>
+        <a:xfrm>
+          <a:off x="0" y="0"/>
+          <a:ext cx="0" cy="0"/>
+          <a:chOff x="0" y="0"/>
+          <a:chExt cx="0" cy="0"/>
+        </a:xfrm>
+      </p:grpSpPr>
+      <p:sp>
+        <p:nvSpPr>
+          <p:cNvPr id="2" name="제목 1">
+            <a:extLst>
+              <a:ext uri="{FF2B5EF4-FFF2-40B4-BE49-F238E27FC236}">
+                <a16:creationId xmlns:a16="http://schemas.microsoft.com/office/drawing/2014/main" id="{77BF0619-38FF-4069-BABB-4710D838D1A5}"/>
+              </a:ext>
+            </a:extLst>
+          </p:cNvPr>
+          <p:cNvSpPr>
+            <a:spLocks noGrp="1"/>
+          </p:cNvSpPr>
+          <p:nvPr>
+            <p:ph type="title"/>
+          </p:nvPr>
+        </p:nvSpPr>
+        <p:spPr/>
+        <p:txBody>
+          <a:bodyPr/>
+          <a:lstStyle/>
+          <a:p>
+            <a:r>
+              <a:rPr lang="en-US" altLang="ko-KR" dirty="0"/>
+              <a:t>How to debug?</a:t>
+            </a:r>
+            <a:endParaRPr lang="ko-KR" altLang="en-US" dirty="0"/>
+          </a:p>
+        </p:txBody>
+      </p:sp>
+      <p:sp>
+        <p:nvSpPr>
+          <p:cNvPr id="4" name="내용 개체 틀 3">
+            <a:extLst>
+              <a:ext uri="{FF2B5EF4-FFF2-40B4-BE49-F238E27FC236}">
+                <a16:creationId xmlns:a16="http://schemas.microsoft.com/office/drawing/2014/main" id="{91B874E1-0D59-4504-B97A-E5D6010AF940}"/>
+              </a:ext>
+            </a:extLst>
+          </p:cNvPr>
+          <p:cNvSpPr>
+            <a:spLocks noGrp="1"/>
+          </p:cNvSpPr>
+          <p:nvPr>
+            <p:ph idx="1"/>
+          </p:nvPr>
+        </p:nvSpPr>
+        <p:spPr/>
+        <p:txBody>
+          <a:bodyPr/>
+          <a:lstStyle/>
+          <a:p>
+            <a:r>
+              <a:rPr lang="ko-KR" altLang="en-US" dirty="0"/>
+              <a:t>플레이어 캐릭터가 디버깅 하려는 </a:t>
+            </a:r>
+            <a:r>
+              <a:rPr lang="en-US" altLang="ko-KR" dirty="0"/>
+              <a:t>Pawn</a:t>
+            </a:r>
+            <a:r>
+              <a:rPr lang="ko-KR" altLang="en-US" dirty="0"/>
+              <a:t>을 보고</a:t>
+            </a:r>
+            <a:endParaRPr lang="en-US" altLang="ko-KR" dirty="0"/>
+          </a:p>
+          <a:p>
+            <a:r>
+              <a:rPr lang="ko-KR" altLang="en-US" dirty="0"/>
+              <a:t>키보드 </a:t>
+            </a:r>
+            <a:r>
+              <a:rPr lang="en-US" altLang="ko-KR" dirty="0"/>
+              <a:t>‘  </a:t>
+            </a:r>
+            <a:r>
+              <a:rPr lang="ko-KR" altLang="en-US" dirty="0"/>
+              <a:t>아포스트로피</a:t>
+            </a:r>
+            <a:r>
+              <a:rPr lang="en-US" altLang="ko-KR" dirty="0"/>
+              <a:t>(</a:t>
+            </a:r>
+            <a:r>
+              <a:rPr lang="ko-KR" altLang="en-US" dirty="0" err="1"/>
+              <a:t>엔터왼쪽</a:t>
+            </a:r>
+            <a:r>
+              <a:rPr lang="en-US" altLang="ko-KR" dirty="0"/>
+              <a:t>) </a:t>
+            </a:r>
+            <a:r>
+              <a:rPr lang="ko-KR" altLang="en-US" dirty="0"/>
+              <a:t>로 </a:t>
+            </a:r>
+            <a:r>
+              <a:rPr lang="en-US" altLang="ko-KR" dirty="0"/>
+              <a:t>Debug Toggle</a:t>
+            </a:r>
+          </a:p>
+          <a:p>
+            <a:r>
+              <a:rPr lang="ko-KR" altLang="en-US" dirty="0"/>
+              <a:t>키보드 </a:t>
+            </a:r>
+            <a:r>
+              <a:rPr lang="en-US" altLang="ko-KR" dirty="0"/>
+              <a:t>Num1,2,3,4 </a:t>
+            </a:r>
+            <a:r>
+              <a:rPr lang="ko-KR" altLang="en-US" dirty="0"/>
+              <a:t>키로 </a:t>
+            </a:r>
+            <a:r>
+              <a:rPr lang="en-US" altLang="ko-KR" dirty="0"/>
+              <a:t>On</a:t>
+            </a:r>
+          </a:p>
+        </p:txBody>
+      </p:sp>
+    </p:spTree>
+    <p:extLst>
+      <p:ext uri="{BB962C8B-B14F-4D97-AF65-F5344CB8AC3E}">
+        <p14:creationId xmlns:p14="http://schemas.microsoft.com/office/powerpoint/2010/main" val="21209927"/>
+      </p:ext>
+    </p:extLst>
+  </p:cSld>
+  <p:clrMapOvr>
+    <a:masterClrMapping/>
+  </p:clrMapOvr>
+</p:sld>
+</file>
+
+<file path=ppt/slides/slide24.xml><?xml version="1.0" encoding="utf-8"?>
+<p:sld xmlns:a="http://schemas.openxmlformats.org/drawingml/2006/main" xmlns:r="http://schemas.openxmlformats.org/officeDocument/2006/relationships" xmlns:p="http://schemas.openxmlformats.org/presentationml/2006/main">
+  <p:cSld>
+    <p:spTree>
+      <p:nvGrpSpPr>
+        <p:cNvPr id="1" name=""/>
+        <p:cNvGrpSpPr/>
+        <p:nvPr/>
+      </p:nvGrpSpPr>
+      <p:grpSpPr>
+        <a:xfrm>
+          <a:off x="0" y="0"/>
+          <a:ext cx="0" cy="0"/>
+          <a:chOff x="0" y="0"/>
+          <a:chExt cx="0" cy="0"/>
+        </a:xfrm>
+      </p:grpSpPr>
+    </p:spTree>
+    <p:extLst>
+      <p:ext uri="{BB962C8B-B14F-4D97-AF65-F5344CB8AC3E}">
+        <p14:creationId xmlns:p14="http://schemas.microsoft.com/office/powerpoint/2010/main" val="3530259281"/>
+      </p:ext>
+    </p:extLst>
+  </p:cSld>
+  <p:clrMapOvr>
+    <a:masterClrMapping/>
+  </p:clrMapOvr>
+</p:sld>
+</file>
+
+<file path=ppt/slides/slide25.xml><?xml version="1.0" encoding="utf-8"?>
+<p:sld xmlns:a="http://schemas.openxmlformats.org/drawingml/2006/main" xmlns:r="http://schemas.openxmlformats.org/officeDocument/2006/relationships" xmlns:p="http://schemas.openxmlformats.org/presentationml/2006/main">
+  <p:cSld>
+    <p:spTree>
+      <p:nvGrpSpPr>
+        <p:cNvPr id="1" name=""/>
+        <p:cNvGrpSpPr/>
+        <p:nvPr/>
+      </p:nvGrpSpPr>
+      <p:grpSpPr>
+        <a:xfrm>
+          <a:off x="0" y="0"/>
+          <a:ext cx="0" cy="0"/>
+          <a:chOff x="0" y="0"/>
+          <a:chExt cx="0" cy="0"/>
+        </a:xfrm>
+      </p:grpSpPr>
+    </p:spTree>
+    <p:extLst>
+      <p:ext uri="{BB962C8B-B14F-4D97-AF65-F5344CB8AC3E}">
+        <p14:creationId xmlns:p14="http://schemas.microsoft.com/office/powerpoint/2010/main" val="1375765079"/>
+      </p:ext>
+    </p:extLst>
+  </p:cSld>
+  <p:clrMapOvr>
+    <a:masterClrMapping/>
+  </p:clrMapOvr>
+</p:sld>
+</file>
+
+<file path=ppt/slides/slide3.xml><?xml version="1.0" encoding="utf-8"?>
+<p:sld xmlns:a="http://schemas.openxmlformats.org/drawingml/2006/main" xmlns:r="http://schemas.openxmlformats.org/officeDocument/2006/relationships" xmlns:p="http://schemas.openxmlformats.org/presentationml/2006/main">
+  <p:cSld>
+    <p:spTree>
+      <p:nvGrpSpPr>
+        <p:cNvPr id="1" name=""/>
+        <p:cNvGrpSpPr/>
+        <p:nvPr/>
+      </p:nvGrpSpPr>
+      <p:grpSpPr>
+        <a:xfrm>
+          <a:off x="0" y="0"/>
+          <a:ext cx="0" cy="0"/>
+          <a:chOff x="0" y="0"/>
+          <a:chExt cx="0" cy="0"/>
+        </a:xfrm>
+      </p:grpSpPr>
+      <p:sp>
+        <p:nvSpPr>
+          <p:cNvPr id="4" name="제목 3">
+            <a:extLst>
+              <a:ext uri="{FF2B5EF4-FFF2-40B4-BE49-F238E27FC236}">
+                <a16:creationId xmlns:a16="http://schemas.microsoft.com/office/drawing/2014/main" id="{996FB693-4264-4492-BB38-3412BE3144EE}"/>
+              </a:ext>
+            </a:extLst>
+          </p:cNvPr>
+          <p:cNvSpPr>
+            <a:spLocks noGrp="1"/>
+          </p:cNvSpPr>
+          <p:nvPr>
+            <p:ph type="title"/>
+          </p:nvPr>
+        </p:nvSpPr>
+        <p:spPr/>
+        <p:txBody>
+          <a:bodyPr/>
+          <a:lstStyle/>
+          <a:p>
+            <a:r>
+              <a:rPr lang="en-US" altLang="ko-KR" dirty="0"/>
+              <a:t>Navigation </a:t>
+            </a:r>
+            <a:r>
+              <a:rPr lang="ko-KR" altLang="en-US" dirty="0"/>
+              <a:t>설치 </a:t>
+            </a:r>
+          </a:p>
+        </p:txBody>
+      </p:sp>
+      <p:sp>
+        <p:nvSpPr>
+          <p:cNvPr id="5" name="내용 개체 틀 4">
+            <a:extLst>
+              <a:ext uri="{FF2B5EF4-FFF2-40B4-BE49-F238E27FC236}">
+                <a16:creationId xmlns:a16="http://schemas.microsoft.com/office/drawing/2014/main" id="{0ED25374-B03E-45AC-8EF0-03FC21B7AC0A}"/>
+              </a:ext>
+            </a:extLst>
+          </p:cNvPr>
+          <p:cNvSpPr>
+            <a:spLocks noGrp="1"/>
+          </p:cNvSpPr>
+          <p:nvPr>
+            <p:ph idx="1"/>
+          </p:nvPr>
+        </p:nvSpPr>
+        <p:spPr/>
+        <p:txBody>
+          <a:bodyPr/>
+          <a:lstStyle/>
+          <a:p>
+            <a:r>
+              <a:rPr lang="ko-KR" altLang="en-US" dirty="0"/>
+              <a:t>월드에 </a:t>
+            </a:r>
+            <a:r>
+              <a:rPr lang="en-US" altLang="ko-KR" dirty="0" err="1"/>
+              <a:t>NaviMeshBoundVolume</a:t>
+            </a:r>
+            <a:r>
+              <a:rPr lang="ko-KR" altLang="en-US" dirty="0"/>
+              <a:t> </a:t>
+            </a:r>
+            <a:r>
+              <a:rPr lang="ko-KR" altLang="en-US" dirty="0" err="1"/>
+              <a:t>액터</a:t>
+            </a:r>
+            <a:r>
+              <a:rPr lang="ko-KR" altLang="en-US" dirty="0"/>
+              <a:t> 배치</a:t>
+            </a:r>
+            <a:endParaRPr lang="en-US" altLang="ko-KR" dirty="0"/>
+          </a:p>
+          <a:p>
+            <a:r>
+              <a:rPr lang="ko-KR" altLang="en-US" dirty="0"/>
+              <a:t>박스 확장 후 빌드에서 패스 빌드 필요</a:t>
+            </a:r>
+            <a:endParaRPr lang="en-US" altLang="ko-KR" dirty="0"/>
+          </a:p>
+          <a:p>
+            <a:r>
+              <a:rPr lang="ko-KR" altLang="en-US" dirty="0"/>
+              <a:t>영역 키보드 </a:t>
+            </a:r>
+            <a:r>
+              <a:rPr lang="en-US" altLang="ko-KR" dirty="0"/>
+              <a:t>P</a:t>
+            </a:r>
+            <a:r>
+              <a:rPr lang="ko-KR" altLang="en-US" dirty="0"/>
+              <a:t>로 에디터에서 확인</a:t>
+            </a:r>
+            <a:endParaRPr lang="en-US" altLang="ko-KR" dirty="0"/>
+          </a:p>
+          <a:p>
+            <a:endParaRPr lang="en-US" altLang="ko-KR" dirty="0"/>
+          </a:p>
+          <a:p>
+            <a:endParaRPr lang="en-US" altLang="ko-KR" dirty="0"/>
+          </a:p>
+          <a:p>
+            <a:endParaRPr lang="en-US" altLang="ko-KR" dirty="0"/>
+          </a:p>
+        </p:txBody>
+      </p:sp>
+    </p:spTree>
+    <p:extLst>
+      <p:ext uri="{BB962C8B-B14F-4D97-AF65-F5344CB8AC3E}">
+        <p14:creationId xmlns:p14="http://schemas.microsoft.com/office/powerpoint/2010/main" val="1093149482"/>
+      </p:ext>
+    </p:extLst>
+  </p:cSld>
+  <p:clrMapOvr>
+    <a:masterClrMapping/>
+  </p:clrMapOvr>
+</p:sld>
+</file>
+
+<file path=ppt/slides/slide4.xml><?xml version="1.0" encoding="utf-8"?>
+<p:sld xmlns:a="http://schemas.openxmlformats.org/drawingml/2006/main" xmlns:r="http://schemas.openxmlformats.org/officeDocument/2006/relationships" xmlns:p="http://schemas.openxmlformats.org/presentationml/2006/main">
+  <p:cSld>
+    <p:spTree>
+      <p:nvGrpSpPr>
+        <p:cNvPr id="1" name=""/>
+        <p:cNvGrpSpPr/>
+        <p:nvPr/>
+      </p:nvGrpSpPr>
+      <p:grpSpPr>
+        <a:xfrm>
+          <a:off x="0" y="0"/>
+          <a:ext cx="0" cy="0"/>
+          <a:chOff x="0" y="0"/>
+          <a:chExt cx="0" cy="0"/>
+        </a:xfrm>
+      </p:grpSpPr>
+      <p:sp>
+        <p:nvSpPr>
+          <p:cNvPr id="2" name="제목 1">
+            <a:extLst>
+              <a:ext uri="{FF2B5EF4-FFF2-40B4-BE49-F238E27FC236}">
+                <a16:creationId xmlns:a16="http://schemas.microsoft.com/office/drawing/2014/main" id="{B77DDFEC-FC21-4492-B664-38E709250165}"/>
+              </a:ext>
+            </a:extLst>
+          </p:cNvPr>
+          <p:cNvSpPr>
+            <a:spLocks noGrp="1"/>
+          </p:cNvSpPr>
+          <p:nvPr>
+            <p:ph type="title"/>
+          </p:nvPr>
+        </p:nvSpPr>
+        <p:spPr/>
+        <p:txBody>
+          <a:bodyPr/>
+          <a:lstStyle/>
+          <a:p>
+            <a:r>
+              <a:rPr lang="en-US" altLang="ko-KR" dirty="0"/>
+              <a:t>Navigation </a:t>
+            </a:r>
+            <a:r>
+              <a:rPr lang="ko-KR" altLang="en-US" dirty="0"/>
+              <a:t>활용</a:t>
+            </a:r>
+            <a:r>
+              <a:rPr lang="en-US" altLang="ko-KR" dirty="0"/>
+              <a:t>, 1.</a:t>
+            </a:r>
+            <a:r>
+              <a:rPr lang="ko-KR" altLang="en-US" dirty="0"/>
+              <a:t> 랜덤 </a:t>
+            </a:r>
+            <a:r>
+              <a:rPr lang="ko-KR" altLang="en-US" dirty="0" err="1"/>
+              <a:t>위치얻기</a:t>
+            </a:r>
+            <a:r>
+              <a:rPr lang="ko-KR" altLang="en-US" dirty="0"/>
+              <a:t> </a:t>
+            </a:r>
+          </a:p>
+        </p:txBody>
+      </p:sp>
+      <p:sp>
+        <p:nvSpPr>
+          <p:cNvPr id="3" name="내용 개체 틀 2">
+            <a:extLst>
+              <a:ext uri="{FF2B5EF4-FFF2-40B4-BE49-F238E27FC236}">
+                <a16:creationId xmlns:a16="http://schemas.microsoft.com/office/drawing/2014/main" id="{494E0657-1DB4-48D1-89A0-D4706A42BCA0}"/>
+              </a:ext>
+            </a:extLst>
+          </p:cNvPr>
+          <p:cNvSpPr>
+            <a:spLocks noGrp="1"/>
+          </p:cNvSpPr>
+          <p:nvPr>
+            <p:ph idx="1"/>
+          </p:nvPr>
+        </p:nvSpPr>
+        <p:spPr/>
+        <p:txBody>
+          <a:bodyPr/>
+          <a:lstStyle/>
+          <a:p>
+            <a:r>
+              <a:rPr lang="en-US" altLang="ko-KR" dirty="0" err="1"/>
+              <a:t>GetRandomPointInNavigableRadius</a:t>
+            </a:r>
+            <a:r>
+              <a:rPr lang="en-US" altLang="ko-KR" dirty="0"/>
+              <a:t> </a:t>
+            </a:r>
+            <a:r>
+              <a:rPr lang="ko-KR" altLang="en-US" dirty="0"/>
+              <a:t>노드</a:t>
+            </a:r>
+            <a:endParaRPr lang="en-US" altLang="ko-KR" dirty="0"/>
+          </a:p>
+          <a:p>
+            <a:pPr marL="0" indent="0">
+              <a:buNone/>
+            </a:pPr>
+            <a:r>
+              <a:rPr lang="en-US" altLang="ko-KR" dirty="0" err="1"/>
+              <a:t>Orgin</a:t>
+            </a:r>
+            <a:r>
+              <a:rPr lang="ko-KR" altLang="en-US" dirty="0"/>
+              <a:t>에서 부터 주위 반경에서 </a:t>
+            </a:r>
+            <a:r>
+              <a:rPr lang="ko-KR" altLang="en-US" dirty="0" err="1"/>
+              <a:t>랜덤한</a:t>
+            </a:r>
+            <a:r>
+              <a:rPr lang="ko-KR" altLang="en-US" dirty="0"/>
+              <a:t> 곳</a:t>
+            </a:r>
+            <a:r>
+              <a:rPr lang="en-US" altLang="ko-KR" dirty="0"/>
+              <a:t> </a:t>
+            </a:r>
+            <a:r>
+              <a:rPr lang="ko-KR" altLang="en-US" dirty="0"/>
+              <a:t>리턴 </a:t>
+            </a:r>
+            <a:r>
+              <a:rPr lang="en-US" altLang="ko-KR" dirty="0"/>
+              <a:t>, </a:t>
+            </a:r>
+            <a:r>
+              <a:rPr lang="ko-KR" altLang="en-US" dirty="0"/>
+              <a:t>가능한지 확인</a:t>
+            </a:r>
+            <a:r>
+              <a:rPr lang="en-US" altLang="ko-KR" dirty="0"/>
+              <a:t>x</a:t>
+            </a:r>
+          </a:p>
+          <a:p>
+            <a:r>
+              <a:rPr lang="en-US" altLang="ko-KR" dirty="0" err="1"/>
+              <a:t>GetRandomReachablePointInRadius</a:t>
+            </a:r>
+            <a:r>
+              <a:rPr lang="en-US" altLang="ko-KR" dirty="0"/>
+              <a:t> </a:t>
+            </a:r>
+            <a:r>
+              <a:rPr lang="ko-KR" altLang="en-US" dirty="0"/>
+              <a:t>노드</a:t>
+            </a:r>
+            <a:endParaRPr lang="en-US" altLang="ko-KR" dirty="0"/>
+          </a:p>
+          <a:p>
+            <a:pPr marL="0" indent="0">
+              <a:buNone/>
+            </a:pPr>
+            <a:r>
+              <a:rPr lang="ko-KR" altLang="en-US" dirty="0"/>
+              <a:t>위와 같지만 </a:t>
+            </a:r>
+            <a:r>
+              <a:rPr lang="en-US" altLang="ko-KR" dirty="0" err="1"/>
+              <a:t>Orgin</a:t>
+            </a:r>
+            <a:r>
+              <a:rPr lang="ko-KR" altLang="en-US" dirty="0"/>
+              <a:t>에서 이동 가능한곳 </a:t>
+            </a:r>
+          </a:p>
+          <a:p>
+            <a:endParaRPr lang="ko-KR" altLang="en-US" dirty="0"/>
+          </a:p>
+        </p:txBody>
+      </p:sp>
+    </p:spTree>
+    <p:extLst>
+      <p:ext uri="{BB962C8B-B14F-4D97-AF65-F5344CB8AC3E}">
+        <p14:creationId xmlns:p14="http://schemas.microsoft.com/office/powerpoint/2010/main" val="2632820183"/>
+      </p:ext>
+    </p:extLst>
+  </p:cSld>
+  <p:clrMapOvr>
+    <a:masterClrMapping/>
+  </p:clrMapOvr>
+</p:sld>
+</file>
+
+<file path=ppt/slides/slide5.xml><?xml version="1.0" encoding="utf-8"?>
+<p:sld xmlns:a="http://schemas.openxmlformats.org/drawingml/2006/main" xmlns:r="http://schemas.openxmlformats.org/officeDocument/2006/relationships" xmlns:p="http://schemas.openxmlformats.org/presentationml/2006/main">
+  <p:cSld>
+    <p:spTree>
+      <p:nvGrpSpPr>
+        <p:cNvPr id="1" name=""/>
+        <p:cNvGrpSpPr/>
+        <p:nvPr/>
+      </p:nvGrpSpPr>
+      <p:grpSpPr>
+        <a:xfrm>
+          <a:off x="0" y="0"/>
+          <a:ext cx="0" cy="0"/>
+          <a:chOff x="0" y="0"/>
+          <a:chExt cx="0" cy="0"/>
+        </a:xfrm>
+      </p:grpSpPr>
+      <p:sp>
+        <p:nvSpPr>
+          <p:cNvPr id="2" name="제목 1">
+            <a:extLst>
+              <a:ext uri="{FF2B5EF4-FFF2-40B4-BE49-F238E27FC236}">
+                <a16:creationId xmlns:a16="http://schemas.microsoft.com/office/drawing/2014/main" id="{EA784B83-E196-4891-918C-8AC858CE2F23}"/>
+              </a:ext>
+            </a:extLst>
+          </p:cNvPr>
+          <p:cNvSpPr>
+            <a:spLocks noGrp="1"/>
+          </p:cNvSpPr>
+          <p:nvPr>
+            <p:ph type="title"/>
+          </p:nvPr>
+        </p:nvSpPr>
+        <p:spPr/>
+        <p:txBody>
+          <a:bodyPr/>
+          <a:lstStyle/>
+          <a:p>
+            <a:r>
+              <a:rPr lang="en-US" altLang="ko-KR" dirty="0"/>
+              <a:t>Navigation </a:t>
+            </a:r>
+            <a:r>
+              <a:rPr lang="ko-KR" altLang="en-US" dirty="0"/>
+              <a:t>활용</a:t>
+            </a:r>
+            <a:r>
+              <a:rPr lang="en-US" altLang="ko-KR" dirty="0"/>
+              <a:t>, 2.</a:t>
+            </a:r>
+            <a:r>
+              <a:rPr lang="ko-KR" altLang="en-US" dirty="0"/>
+              <a:t> 이동하기 관련 노드</a:t>
+            </a:r>
+          </a:p>
+        </p:txBody>
+      </p:sp>
+      <p:sp>
+        <p:nvSpPr>
+          <p:cNvPr id="3" name="내용 개체 틀 2">
+            <a:extLst>
+              <a:ext uri="{FF2B5EF4-FFF2-40B4-BE49-F238E27FC236}">
+                <a16:creationId xmlns:a16="http://schemas.microsoft.com/office/drawing/2014/main" id="{90BD74C3-142E-4E6B-A8E2-48DE117F0ED2}"/>
+              </a:ext>
+            </a:extLst>
+          </p:cNvPr>
+          <p:cNvSpPr>
+            <a:spLocks noGrp="1"/>
+          </p:cNvSpPr>
+          <p:nvPr>
+            <p:ph idx="1"/>
+          </p:nvPr>
+        </p:nvSpPr>
+        <p:spPr/>
+        <p:txBody>
+          <a:bodyPr>
+            <a:normAutofit/>
+          </a:bodyPr>
+          <a:lstStyle/>
+          <a:p>
+            <a:r>
+              <a:rPr lang="en-US" altLang="ko-KR" dirty="0" err="1"/>
+              <a:t>GetMoveStatus</a:t>
+            </a:r>
+            <a:r>
+              <a:rPr lang="en-US" altLang="ko-KR" dirty="0"/>
+              <a:t>   </a:t>
+            </a:r>
+            <a:r>
+              <a:rPr lang="ko-KR" altLang="en-US" dirty="0"/>
+              <a:t>이동상태 확인하기  </a:t>
+            </a:r>
+            <a:r>
+              <a:rPr lang="en-US" altLang="ko-KR" dirty="0"/>
+              <a:t>Idle </a:t>
+            </a:r>
+            <a:r>
+              <a:rPr lang="en-US" altLang="ko-KR" dirty="0">
+                <a:sym typeface="Wingdings" panose="05000000000000000000" pitchFamily="2" charset="2"/>
+              </a:rPr>
+              <a:t> Moving</a:t>
+            </a:r>
+            <a:endParaRPr lang="ko-KR" altLang="en-US" dirty="0"/>
+          </a:p>
+          <a:p>
+            <a:endParaRPr lang="en-US" altLang="ko-KR" dirty="0"/>
+          </a:p>
+          <a:p>
+            <a:r>
+              <a:rPr lang="en-US" altLang="ko-KR" dirty="0" err="1"/>
+              <a:t>SimpleMoveToLocation</a:t>
+            </a:r>
+            <a:r>
+              <a:rPr lang="en-US" altLang="ko-KR" dirty="0"/>
+              <a:t>(Actor) </a:t>
+            </a:r>
+            <a:r>
+              <a:rPr lang="ko-KR" altLang="en-US" dirty="0"/>
+              <a:t>옵션이 적은 가장 단순한형태</a:t>
+            </a:r>
+            <a:endParaRPr lang="en-US" altLang="ko-KR" dirty="0"/>
+          </a:p>
+          <a:p>
+            <a:r>
+              <a:rPr lang="en-US" altLang="ko-KR" dirty="0" err="1"/>
+              <a:t>MoveToLocation</a:t>
+            </a:r>
+            <a:r>
+              <a:rPr lang="en-US" altLang="ko-KR" dirty="0"/>
+              <a:t>(Actor) </a:t>
+            </a:r>
+            <a:r>
+              <a:rPr lang="ko-KR" altLang="en-US" dirty="0" err="1"/>
+              <a:t>요청시</a:t>
+            </a:r>
+            <a:r>
+              <a:rPr lang="ko-KR" altLang="en-US" dirty="0"/>
+              <a:t> 결과만 리턴 </a:t>
+            </a:r>
+            <a:endParaRPr lang="en-US" altLang="ko-KR" dirty="0"/>
+          </a:p>
+          <a:p>
+            <a:pPr marL="0" indent="0">
+              <a:buNone/>
+            </a:pPr>
+            <a:r>
+              <a:rPr lang="en-US" altLang="ko-KR" dirty="0"/>
+              <a:t>* </a:t>
+            </a:r>
+            <a:r>
+              <a:rPr lang="ko-KR" altLang="en-US" dirty="0"/>
+              <a:t>이동결과는</a:t>
+            </a:r>
+            <a:r>
+              <a:rPr lang="en-US" altLang="ko-KR" dirty="0" err="1"/>
+              <a:t>AIController</a:t>
+            </a:r>
+            <a:r>
+              <a:rPr lang="ko-KR" altLang="en-US" dirty="0"/>
+              <a:t>에 </a:t>
+            </a:r>
+            <a:r>
+              <a:rPr lang="en-US" altLang="ko-KR" dirty="0" err="1"/>
+              <a:t>MoveCompleted</a:t>
+            </a:r>
+            <a:r>
+              <a:rPr lang="en-US" altLang="ko-KR" dirty="0"/>
+              <a:t> </a:t>
+            </a:r>
+            <a:r>
+              <a:rPr lang="ko-KR" altLang="en-US" dirty="0"/>
+              <a:t>이벤트 바인딩필요</a:t>
+            </a:r>
+            <a:r>
+              <a:rPr lang="en-US" altLang="ko-KR" dirty="0"/>
+              <a:t> </a:t>
+            </a:r>
+          </a:p>
+          <a:p>
+            <a:endParaRPr lang="en-US" altLang="ko-KR" dirty="0"/>
+          </a:p>
+          <a:p>
+            <a:r>
+              <a:rPr lang="en-US" altLang="ko-KR" dirty="0" err="1"/>
+              <a:t>AIMoveTo</a:t>
+            </a:r>
+            <a:r>
+              <a:rPr lang="en-US" altLang="ko-KR" dirty="0"/>
+              <a:t> </a:t>
+            </a:r>
+            <a:r>
+              <a:rPr lang="ko-KR" altLang="en-US" dirty="0"/>
+              <a:t>이동 후 성공 실패를 </a:t>
+            </a:r>
+            <a:r>
+              <a:rPr lang="ko-KR" altLang="en-US" dirty="0" err="1"/>
+              <a:t>노드연결로</a:t>
+            </a:r>
+            <a:r>
+              <a:rPr lang="ko-KR" altLang="en-US" dirty="0"/>
+              <a:t> 제공 </a:t>
+            </a:r>
+            <a:endParaRPr lang="en-US" altLang="ko-KR" dirty="0"/>
+          </a:p>
+          <a:p>
+            <a:endParaRPr lang="en-US" altLang="ko-KR" dirty="0"/>
+          </a:p>
+        </p:txBody>
+      </p:sp>
+    </p:spTree>
+    <p:extLst>
+      <p:ext uri="{BB962C8B-B14F-4D97-AF65-F5344CB8AC3E}">
+        <p14:creationId xmlns:p14="http://schemas.microsoft.com/office/powerpoint/2010/main" val="434483169"/>
+      </p:ext>
+    </p:extLst>
+  </p:cSld>
+  <p:clrMapOvr>
+    <a:masterClrMapping/>
+  </p:clrMapOvr>
+</p:sld>
+</file>
+
 <file path=ppt/slides/slide6.xml><?xml version="1.0" encoding="utf-8"?>
 <p:sld xmlns:a="http://schemas.openxmlformats.org/drawingml/2006/main" xmlns:r="http://schemas.openxmlformats.org/officeDocument/2006/relationships" xmlns:p="http://schemas.openxmlformats.org/presentationml/2006/main">
   <p:cSld>
@@ -6412,7 +7959,7 @@
           <p:cNvPr id="2" name="제목 1">
             <a:extLst>
               <a:ext uri="{FF2B5EF4-FFF2-40B4-BE49-F238E27FC236}">
-                <a16:creationId xmlns:a16="http://schemas.microsoft.com/office/drawing/2014/main" id="{0DF8C8A0-6858-4D8F-A9C6-D200B7CA1D8B}"/>
+                <a16:creationId xmlns:a16="http://schemas.microsoft.com/office/drawing/2014/main" id="{223C7756-A8C5-41E0-9C2D-9278D7AC04BE}"/>
               </a:ext>
             </a:extLst>
           </p:cNvPr>
@@ -6430,203 +7977,52 @@
           <a:p>
             <a:r>
               <a:rPr lang="ko-KR" altLang="en-US" dirty="0"/>
-              <a:t>자극 </a:t>
-            </a:r>
-            <a:r>
-              <a:rPr lang="en-US" altLang="ko-KR" dirty="0"/>
-              <a:t>– </a:t>
-            </a:r>
-            <a:r>
-              <a:rPr lang="ko-KR" altLang="en-US" dirty="0"/>
-              <a:t>잡음 </a:t>
-            </a:r>
-            <a:r>
-              <a:rPr lang="en-US" altLang="ko-KR" dirty="0"/>
-              <a:t>( Noise )</a:t>
+              <a:t>이동 상태 확인 </a:t>
+            </a:r>
+            <a:r>
+              <a:rPr lang="en-US" altLang="ko-KR" dirty="0" err="1"/>
+              <a:t>GetMoveStatus</a:t>
             </a:r>
             <a:endParaRPr lang="ko-KR" altLang="en-US" dirty="0"/>
           </a:p>
         </p:txBody>
       </p:sp>
-      <p:sp>
-        <p:nvSpPr>
-          <p:cNvPr id="3" name="내용 개체 틀 2">
-            <a:extLst>
-              <a:ext uri="{FF2B5EF4-FFF2-40B4-BE49-F238E27FC236}">
-                <a16:creationId xmlns:a16="http://schemas.microsoft.com/office/drawing/2014/main" id="{7AB4E9C7-66A3-43F9-AF60-50D4D8A88BEF}"/>
-              </a:ext>
-            </a:extLst>
-          </p:cNvPr>
-          <p:cNvSpPr>
-            <a:spLocks noGrp="1"/>
-          </p:cNvSpPr>
+      <p:pic>
+        <p:nvPicPr>
+          <p:cNvPr id="5" name="내용 개체 틀 4">
+            <a:extLst>
+              <a:ext uri="{FF2B5EF4-FFF2-40B4-BE49-F238E27FC236}">
+                <a16:creationId xmlns:a16="http://schemas.microsoft.com/office/drawing/2014/main" id="{235F9BAA-496E-4064-9168-93CB162B33DB}"/>
+              </a:ext>
+            </a:extLst>
+          </p:cNvPr>
+          <p:cNvPicPr>
+            <a:picLocks noGrp="1" noChangeAspect="1"/>
+          </p:cNvPicPr>
           <p:nvPr>
             <p:ph idx="1"/>
           </p:nvPr>
-        </p:nvSpPr>
-        <p:spPr/>
-        <p:txBody>
-          <a:bodyPr/>
-          <a:lstStyle/>
-          <a:p>
-            <a:r>
-              <a:rPr lang="ko-KR" altLang="en-US" dirty="0" err="1"/>
-              <a:t>블루프린트</a:t>
-            </a:r>
-            <a:r>
-              <a:rPr lang="ko-KR" altLang="en-US" dirty="0"/>
-              <a:t> 노드 </a:t>
-            </a:r>
-            <a:r>
-              <a:rPr lang="en-US" altLang="ko-KR" dirty="0" err="1"/>
-              <a:t>ReportNoiseEvent</a:t>
-            </a:r>
-            <a:r>
-              <a:rPr lang="en-US" altLang="ko-KR" dirty="0"/>
-              <a:t> </a:t>
-            </a:r>
-            <a:r>
-              <a:rPr lang="ko-KR" altLang="en-US" dirty="0"/>
-              <a:t>호출</a:t>
-            </a:r>
-            <a:endParaRPr lang="en-US" altLang="ko-KR" dirty="0"/>
-          </a:p>
-          <a:p>
-            <a:r>
-              <a:rPr lang="en-US" altLang="ko-KR" dirty="0"/>
-              <a:t>Input: </a:t>
-            </a:r>
-          </a:p>
-          <a:p>
-            <a:pPr marL="0" indent="0">
-              <a:buNone/>
-            </a:pPr>
-            <a:r>
-              <a:rPr lang="en-US" altLang="ko-KR" dirty="0"/>
-              <a:t>Vecto3 Noise Location       </a:t>
-            </a:r>
-            <a:r>
-              <a:rPr lang="ko-KR" altLang="en-US" dirty="0"/>
-              <a:t>노이즈 위치</a:t>
-            </a:r>
-            <a:endParaRPr lang="en-US" altLang="ko-KR" dirty="0"/>
-          </a:p>
-          <a:p>
-            <a:pPr marL="0" indent="0">
-              <a:buNone/>
-            </a:pPr>
-            <a:r>
-              <a:rPr lang="en-US" altLang="ko-KR" dirty="0"/>
-              <a:t>Float Loudness	// </a:t>
-            </a:r>
-            <a:r>
-              <a:rPr lang="en-US" altLang="ko-KR" dirty="0" err="1"/>
-              <a:t>MaxRange</a:t>
-            </a:r>
-            <a:r>
-              <a:rPr lang="ko-KR" altLang="en-US" dirty="0"/>
-              <a:t>와 </a:t>
-            </a:r>
-            <a:r>
-              <a:rPr lang="ko-KR" altLang="en-US" dirty="0" err="1"/>
-              <a:t>곱해짐</a:t>
-            </a:r>
-            <a:endParaRPr lang="en-US" altLang="ko-KR" dirty="0"/>
-          </a:p>
-          <a:p>
-            <a:pPr marL="0" indent="0">
-              <a:buNone/>
-            </a:pPr>
-            <a:r>
-              <a:rPr lang="en-US" altLang="ko-KR" dirty="0"/>
-              <a:t>Actor Instigator	// </a:t>
-            </a:r>
-            <a:r>
-              <a:rPr lang="ko-KR" altLang="en-US" dirty="0"/>
-              <a:t>발생시킨 </a:t>
-            </a:r>
-            <a:r>
-              <a:rPr lang="ko-KR" altLang="en-US" dirty="0" err="1"/>
-              <a:t>액터</a:t>
-            </a:r>
-            <a:r>
-              <a:rPr lang="ko-KR" altLang="en-US" dirty="0"/>
-              <a:t> </a:t>
-            </a:r>
-            <a:r>
-              <a:rPr lang="en-US" altLang="ko-KR" dirty="0"/>
-              <a:t>(Pawn</a:t>
-            </a:r>
-            <a:r>
-              <a:rPr lang="ko-KR" altLang="en-US" dirty="0"/>
-              <a:t>이 아니어도 작동</a:t>
-            </a:r>
-            <a:r>
-              <a:rPr lang="en-US" altLang="ko-KR" dirty="0"/>
-              <a:t>)</a:t>
-            </a:r>
-          </a:p>
-          <a:p>
-            <a:pPr marL="0" indent="0">
-              <a:buNone/>
-            </a:pPr>
-            <a:r>
-              <a:rPr lang="en-US" altLang="ko-KR" dirty="0"/>
-              <a:t>Float </a:t>
-            </a:r>
-            <a:r>
-              <a:rPr lang="en-US" altLang="ko-KR" dirty="0" err="1"/>
-              <a:t>MaxRange</a:t>
-            </a:r>
-            <a:r>
-              <a:rPr lang="en-US" altLang="ko-KR" dirty="0"/>
-              <a:t>  //</a:t>
-            </a:r>
-            <a:r>
-              <a:rPr lang="ko-KR" altLang="en-US" dirty="0"/>
-              <a:t>소리가 </a:t>
-            </a:r>
-            <a:r>
-              <a:rPr lang="ko-KR" altLang="en-US" dirty="0" err="1"/>
-              <a:t>닿을수있는거리</a:t>
-            </a:r>
-            <a:r>
-              <a:rPr lang="ko-KR" altLang="en-US" dirty="0"/>
-              <a:t> </a:t>
-            </a:r>
-            <a:r>
-              <a:rPr lang="en-US" altLang="ko-KR" dirty="0"/>
-              <a:t>, 0</a:t>
-            </a:r>
-            <a:r>
-              <a:rPr lang="ko-KR" altLang="en-US" dirty="0"/>
-              <a:t>무한</a:t>
-            </a:r>
-            <a:endParaRPr lang="en-US" altLang="ko-KR" dirty="0"/>
-          </a:p>
-          <a:p>
-            <a:pPr marL="0" indent="0">
-              <a:buNone/>
-            </a:pPr>
-            <a:r>
-              <a:rPr lang="en-US" altLang="ko-KR" dirty="0"/>
-              <a:t>Name Tag		// </a:t>
-            </a:r>
-            <a:r>
-              <a:rPr lang="ko-KR" altLang="en-US" dirty="0"/>
-              <a:t>추가정보</a:t>
-            </a:r>
-            <a:endParaRPr lang="en-US" altLang="ko-KR" dirty="0"/>
-          </a:p>
-          <a:p>
-            <a:endParaRPr lang="ko-KR" altLang="en-US" dirty="0"/>
-          </a:p>
-        </p:txBody>
-      </p:sp>
+        </p:nvPicPr>
+        <p:blipFill>
+          <a:blip r:embed="rId2"/>
+          <a:stretch>
+            <a:fillRect/>
+          </a:stretch>
+        </p:blipFill>
+        <p:spPr>
+          <a:xfrm>
+            <a:off x="2043404" y="1334111"/>
+            <a:ext cx="6662057" cy="5463643"/>
+          </a:xfrm>
+          <a:prstGeom prst="rect">
+            <a:avLst/>
+          </a:prstGeom>
+        </p:spPr>
+      </p:pic>
     </p:spTree>
     <p:extLst>
       <p:ext uri="{BB962C8B-B14F-4D97-AF65-F5344CB8AC3E}">
-        <p14:creationId xmlns:p14="http://schemas.microsoft.com/office/powerpoint/2010/main" val="4109981567"/>
+        <p14:creationId xmlns:p14="http://schemas.microsoft.com/office/powerpoint/2010/main" val="2001734044"/>
       </p:ext>
     </p:extLst>
   </p:cSld>
@@ -6653,12 +8049,44 @@
           <a:chExt cx="0" cy="0"/>
         </a:xfrm>
       </p:grpSpPr>
+      <p:pic>
+        <p:nvPicPr>
+          <p:cNvPr id="5" name="내용 개체 틀 4" descr="실내, 검은색, 모니터, 화면이(가) 표시된 사진&#10;ㅇㅇㅇ&#10;자동 생성된 설명">
+            <a:extLst>
+              <a:ext uri="{FF2B5EF4-FFF2-40B4-BE49-F238E27FC236}">
+                <a16:creationId xmlns:a16="http://schemas.microsoft.com/office/drawing/2014/main" id="{9F7D6A13-F4C0-4103-952F-7A62D5076B70}"/>
+              </a:ext>
+            </a:extLst>
+          </p:cNvPr>
+          <p:cNvPicPr>
+            <a:picLocks noGrp="1" noChangeAspect="1"/>
+          </p:cNvPicPr>
+          <p:nvPr>
+            <p:ph idx="1"/>
+          </p:nvPr>
+        </p:nvPicPr>
+        <p:blipFill>
+          <a:blip r:embed="rId2"/>
+          <a:stretch>
+            <a:fillRect/>
+          </a:stretch>
+        </p:blipFill>
+        <p:spPr>
+          <a:xfrm>
+            <a:off x="326571" y="1287891"/>
+            <a:ext cx="11336694" cy="5570109"/>
+          </a:xfrm>
+          <a:prstGeom prst="rect">
+            <a:avLst/>
+          </a:prstGeom>
+        </p:spPr>
+      </p:pic>
       <p:sp>
         <p:nvSpPr>
           <p:cNvPr id="2" name="제목 1">
             <a:extLst>
               <a:ext uri="{FF2B5EF4-FFF2-40B4-BE49-F238E27FC236}">
-                <a16:creationId xmlns:a16="http://schemas.microsoft.com/office/drawing/2014/main" id="{D18A5E2C-A552-4989-92AA-9892EADE6B3D}"/>
+                <a16:creationId xmlns:a16="http://schemas.microsoft.com/office/drawing/2014/main" id="{24B2E19E-BCB4-4526-A89D-58856EAEFE3F}"/>
               </a:ext>
             </a:extLst>
           </p:cNvPr>
@@ -6676,189 +8104,16 @@
           <a:p>
             <a:r>
               <a:rPr lang="ko-KR" altLang="en-US" dirty="0"/>
-              <a:t>자극 </a:t>
-            </a:r>
-            <a:r>
-              <a:rPr lang="en-US" altLang="ko-KR" dirty="0"/>
-              <a:t>– </a:t>
-            </a:r>
-            <a:r>
-              <a:rPr lang="ko-KR" altLang="en-US" dirty="0"/>
-              <a:t>데미지 </a:t>
-            </a:r>
-            <a:r>
-              <a:rPr lang="en-US" altLang="ko-KR" dirty="0"/>
-              <a:t>( Damage )</a:t>
-            </a:r>
-            <a:endParaRPr lang="ko-KR" altLang="en-US" dirty="0"/>
-          </a:p>
-        </p:txBody>
-      </p:sp>
-      <p:sp>
-        <p:nvSpPr>
-          <p:cNvPr id="3" name="내용 개체 틀 2">
-            <a:extLst>
-              <a:ext uri="{FF2B5EF4-FFF2-40B4-BE49-F238E27FC236}">
-                <a16:creationId xmlns:a16="http://schemas.microsoft.com/office/drawing/2014/main" id="{4A53D7AA-3D78-4FD0-9347-934750864238}"/>
-              </a:ext>
-            </a:extLst>
-          </p:cNvPr>
-          <p:cNvSpPr>
-            <a:spLocks noGrp="1"/>
-          </p:cNvSpPr>
-          <p:nvPr>
-            <p:ph idx="1"/>
-          </p:nvPr>
-        </p:nvSpPr>
-        <p:spPr/>
-        <p:txBody>
-          <a:bodyPr/>
-          <a:lstStyle/>
-          <a:p>
-            <a:r>
-              <a:rPr lang="ko-KR" altLang="en-US" dirty="0" err="1"/>
-              <a:t>블루프린트</a:t>
-            </a:r>
-            <a:r>
-              <a:rPr lang="ko-KR" altLang="en-US" dirty="0"/>
-              <a:t> 노드 </a:t>
+              <a:t>이동하기 </a:t>
             </a:r>
             <a:r>
               <a:rPr lang="en-US" altLang="ko-KR" dirty="0" err="1"/>
-              <a:t>ReportDamageEvent</a:t>
-            </a:r>
-            <a:r>
-              <a:rPr lang="en-US" altLang="ko-KR" dirty="0"/>
-              <a:t> </a:t>
-            </a:r>
-            <a:r>
-              <a:rPr lang="ko-KR" altLang="en-US" dirty="0"/>
-              <a:t>호출</a:t>
-            </a:r>
-            <a:endParaRPr lang="en-US" altLang="ko-KR" dirty="0"/>
-          </a:p>
-          <a:p>
-            <a:r>
-              <a:rPr lang="en-US" altLang="ko-KR" dirty="0"/>
-              <a:t>Input</a:t>
-            </a:r>
-          </a:p>
-          <a:p>
-            <a:r>
-              <a:rPr lang="en-US" altLang="ko-KR" dirty="0"/>
-              <a:t>Actor </a:t>
-            </a:r>
-            <a:r>
-              <a:rPr lang="en-US" altLang="ko-KR" dirty="0" err="1"/>
-              <a:t>DamagedActor</a:t>
-            </a:r>
-            <a:r>
-              <a:rPr lang="en-US" altLang="ko-KR" dirty="0"/>
-              <a:t>		// </a:t>
-            </a:r>
-            <a:r>
-              <a:rPr lang="ko-KR" altLang="en-US" dirty="0"/>
-              <a:t>데미지 </a:t>
-            </a:r>
-            <a:r>
-              <a:rPr lang="ko-KR" altLang="en-US" dirty="0" err="1"/>
-              <a:t>받는액터</a:t>
-            </a:r>
-            <a:endParaRPr lang="en-US" altLang="ko-KR" dirty="0"/>
-          </a:p>
-          <a:p>
-            <a:r>
-              <a:rPr lang="en-US" altLang="ko-KR" dirty="0"/>
-              <a:t>Actor Instigator			// </a:t>
-            </a:r>
-            <a:r>
-              <a:rPr lang="ko-KR" altLang="en-US" dirty="0" err="1"/>
-              <a:t>발생시킨액터</a:t>
-            </a:r>
-            <a:endParaRPr lang="en-US" altLang="ko-KR" dirty="0"/>
-          </a:p>
-          <a:p>
-            <a:r>
-              <a:rPr lang="en-US" altLang="ko-KR" dirty="0"/>
-              <a:t>Float </a:t>
-            </a:r>
-            <a:r>
-              <a:rPr lang="en-US" altLang="ko-KR" dirty="0" err="1"/>
-              <a:t>DamageAmount</a:t>
-            </a:r>
-            <a:r>
-              <a:rPr lang="en-US" altLang="ko-KR" dirty="0"/>
-              <a:t>  // </a:t>
-            </a:r>
-            <a:r>
-              <a:rPr lang="ko-KR" altLang="en-US" dirty="0" err="1"/>
-              <a:t>데미지량</a:t>
-            </a:r>
-            <a:r>
-              <a:rPr lang="ko-KR" altLang="en-US" dirty="0"/>
-              <a:t> </a:t>
-            </a:r>
-            <a:r>
-              <a:rPr lang="en-US" altLang="ko-KR" dirty="0"/>
-              <a:t>0</a:t>
-            </a:r>
-            <a:r>
-              <a:rPr lang="ko-KR" altLang="en-US" dirty="0"/>
-              <a:t>이면 </a:t>
-            </a:r>
-            <a:r>
-              <a:rPr lang="ko-KR" altLang="en-US" dirty="0" err="1"/>
-              <a:t>이벤트없음</a:t>
-            </a:r>
-            <a:endParaRPr lang="en-US" altLang="ko-KR" dirty="0"/>
-          </a:p>
-          <a:p>
-            <a:r>
-              <a:rPr lang="en-US" altLang="ko-KR" dirty="0"/>
-              <a:t>Vector3 </a:t>
-            </a:r>
-            <a:r>
-              <a:rPr lang="en-US" altLang="ko-KR" dirty="0" err="1"/>
-              <a:t>EventLocation</a:t>
-            </a:r>
-            <a:r>
-              <a:rPr lang="en-US" altLang="ko-KR" dirty="0"/>
-              <a:t>  // </a:t>
-            </a:r>
-            <a:r>
-              <a:rPr lang="ko-KR" altLang="en-US" dirty="0"/>
-              <a:t>데미지 </a:t>
-            </a:r>
-            <a:r>
-              <a:rPr lang="ko-KR" altLang="en-US" dirty="0" err="1"/>
-              <a:t>액터</a:t>
-            </a:r>
-            <a:r>
-              <a:rPr lang="ko-KR" altLang="en-US" dirty="0"/>
-              <a:t> 위치 </a:t>
-            </a:r>
-            <a:endParaRPr lang="en-US" altLang="ko-KR" dirty="0"/>
-          </a:p>
-          <a:p>
-            <a:r>
-              <a:rPr lang="en-US" altLang="ko-KR" dirty="0"/>
-              <a:t>Vector3 </a:t>
-            </a:r>
-            <a:r>
-              <a:rPr lang="en-US" altLang="ko-KR" dirty="0" err="1"/>
-              <a:t>HitLocation</a:t>
-            </a:r>
-            <a:r>
-              <a:rPr lang="en-US" altLang="ko-KR" dirty="0"/>
-              <a:t> // </a:t>
-            </a:r>
-            <a:r>
-              <a:rPr lang="ko-KR" altLang="en-US" dirty="0"/>
-              <a:t>데미지 받은 위치</a:t>
-            </a:r>
-            <a:endParaRPr lang="en-US" altLang="ko-KR" dirty="0"/>
-          </a:p>
-          <a:p>
+              <a:t>SimpleMoveToLocation</a:t>
+            </a:r>
+            <a:r>
+              <a:rPr lang="en-US" altLang="ko-KR" dirty="0"/>
+              <a:t>(Actor) </a:t>
+            </a:r>
             <a:endParaRPr lang="ko-KR" altLang="en-US" dirty="0"/>
           </a:p>
         </p:txBody>
@@ -6866,7 +8121,7 @@
     </p:spTree>
     <p:extLst>
       <p:ext uri="{BB962C8B-B14F-4D97-AF65-F5344CB8AC3E}">
-        <p14:creationId xmlns:p14="http://schemas.microsoft.com/office/powerpoint/2010/main" val="3199175475"/>
+        <p14:creationId xmlns:p14="http://schemas.microsoft.com/office/powerpoint/2010/main" val="873385470"/>
       </p:ext>
     </p:extLst>
   </p:cSld>
@@ -6898,7 +8153,7 @@
           <p:cNvPr id="2" name="제목 1">
             <a:extLst>
               <a:ext uri="{FF2B5EF4-FFF2-40B4-BE49-F238E27FC236}">
-                <a16:creationId xmlns:a16="http://schemas.microsoft.com/office/drawing/2014/main" id="{C5E2F61E-559A-402D-8E5F-C8C8C84D0E45}"/>
+                <a16:creationId xmlns:a16="http://schemas.microsoft.com/office/drawing/2014/main" id="{4E745F71-6F8E-4738-9306-6C9575C354DD}"/>
               </a:ext>
             </a:extLst>
           </p:cNvPr>
@@ -6916,104 +8171,56 @@
           <a:p>
             <a:r>
               <a:rPr lang="ko-KR" altLang="en-US" dirty="0"/>
-              <a:t>자극 </a:t>
-            </a:r>
-            <a:r>
-              <a:rPr lang="en-US" altLang="ko-KR" dirty="0"/>
-              <a:t>– </a:t>
-            </a:r>
-            <a:r>
-              <a:rPr lang="ko-KR" altLang="en-US" dirty="0" err="1"/>
-              <a:t>액터</a:t>
-            </a:r>
-            <a:r>
-              <a:rPr lang="ko-KR" altLang="en-US" dirty="0"/>
-              <a:t> 예측 </a:t>
-            </a:r>
-            <a:r>
-              <a:rPr lang="en-US" altLang="ko-KR" dirty="0"/>
-              <a:t>( Prediction )</a:t>
+              <a:t>이동하기 </a:t>
+            </a:r>
+            <a:r>
+              <a:rPr lang="en-US" altLang="ko-KR" dirty="0" err="1"/>
+              <a:t>MoveToLocation</a:t>
+            </a:r>
+            <a:r>
+              <a:rPr lang="en-US" altLang="ko-KR" dirty="0"/>
+              <a:t>(Actor)</a:t>
             </a:r>
             <a:endParaRPr lang="ko-KR" altLang="en-US" dirty="0"/>
           </a:p>
         </p:txBody>
       </p:sp>
-      <p:sp>
-        <p:nvSpPr>
-          <p:cNvPr id="3" name="내용 개체 틀 2">
-            <a:extLst>
-              <a:ext uri="{FF2B5EF4-FFF2-40B4-BE49-F238E27FC236}">
-                <a16:creationId xmlns:a16="http://schemas.microsoft.com/office/drawing/2014/main" id="{94E635C9-A523-41A2-A199-D5A3741F3A26}"/>
-              </a:ext>
-            </a:extLst>
-          </p:cNvPr>
-          <p:cNvSpPr>
-            <a:spLocks noGrp="1"/>
-          </p:cNvSpPr>
+      <p:pic>
+        <p:nvPicPr>
+          <p:cNvPr id="6" name="내용 개체 틀 5">
+            <a:extLst>
+              <a:ext uri="{FF2B5EF4-FFF2-40B4-BE49-F238E27FC236}">
+                <a16:creationId xmlns:a16="http://schemas.microsoft.com/office/drawing/2014/main" id="{154ABAF6-2709-4D6A-A6CD-C0131D63A56C}"/>
+              </a:ext>
+            </a:extLst>
+          </p:cNvPr>
+          <p:cNvPicPr>
+            <a:picLocks noGrp="1" noChangeAspect="1"/>
+          </p:cNvPicPr>
           <p:nvPr>
             <p:ph idx="1"/>
           </p:nvPr>
-        </p:nvSpPr>
-        <p:spPr/>
-        <p:txBody>
-          <a:bodyPr/>
-          <a:lstStyle/>
-          <a:p>
-            <a:r>
-              <a:rPr lang="ko-KR" altLang="en-US" dirty="0" err="1"/>
-              <a:t>블루프린트</a:t>
-            </a:r>
-            <a:r>
-              <a:rPr lang="ko-KR" altLang="en-US" dirty="0"/>
-              <a:t> 노드 </a:t>
-            </a:r>
-            <a:r>
-              <a:rPr lang="en-US" altLang="ko-KR" dirty="0" err="1"/>
-              <a:t>RequestControllerPredictEvent</a:t>
-            </a:r>
-            <a:r>
-              <a:rPr lang="en-US" altLang="ko-KR" dirty="0"/>
-              <a:t> </a:t>
-            </a:r>
-            <a:r>
-              <a:rPr lang="ko-KR" altLang="en-US" dirty="0"/>
-              <a:t>호출</a:t>
-            </a:r>
-            <a:endParaRPr lang="en-US" altLang="ko-KR" dirty="0"/>
-          </a:p>
-          <a:p>
-            <a:r>
-              <a:rPr lang="ko-KR" altLang="en-US" dirty="0" err="1"/>
-              <a:t>몇초</a:t>
-            </a:r>
-            <a:r>
-              <a:rPr lang="ko-KR" altLang="en-US" dirty="0"/>
-              <a:t> 뒤의 </a:t>
-            </a:r>
-            <a:r>
-              <a:rPr lang="en-US" altLang="ko-KR" dirty="0"/>
-              <a:t>Actor</a:t>
-            </a:r>
-            <a:r>
-              <a:rPr lang="ko-KR" altLang="en-US" dirty="0"/>
-              <a:t>의 위치를 </a:t>
-            </a:r>
-            <a:r>
-              <a:rPr lang="ko-KR" altLang="en-US" dirty="0" err="1"/>
-              <a:t>예측요청한다</a:t>
-            </a:r>
-            <a:r>
-              <a:rPr lang="en-US" altLang="ko-KR" dirty="0"/>
-              <a:t>.</a:t>
-            </a:r>
-            <a:endParaRPr lang="ko-KR" altLang="en-US" dirty="0"/>
-          </a:p>
-        </p:txBody>
-      </p:sp>
+        </p:nvPicPr>
+        <p:blipFill>
+          <a:blip r:embed="rId2"/>
+          <a:stretch>
+            <a:fillRect/>
+          </a:stretch>
+        </p:blipFill>
+        <p:spPr>
+          <a:xfrm>
+            <a:off x="128013" y="1349763"/>
+            <a:ext cx="12063987" cy="5414931"/>
+          </a:xfrm>
+          <a:prstGeom prst="rect">
+            <a:avLst/>
+          </a:prstGeom>
+        </p:spPr>
+      </p:pic>
     </p:spTree>
     <p:extLst>
       <p:ext uri="{BB962C8B-B14F-4D97-AF65-F5344CB8AC3E}">
-        <p14:creationId xmlns:p14="http://schemas.microsoft.com/office/powerpoint/2010/main" val="1263044533"/>
+        <p14:creationId xmlns:p14="http://schemas.microsoft.com/office/powerpoint/2010/main" val="1698972470"/>
       </p:ext>
     </p:extLst>
   </p:cSld>
@@ -7040,19 +8247,54 @@
           <a:chExt cx="0" cy="0"/>
         </a:xfrm>
       </p:grpSpPr>
+      <p:sp>
+        <p:nvSpPr>
+          <p:cNvPr id="2" name="제목 1">
+            <a:extLst>
+              <a:ext uri="{FF2B5EF4-FFF2-40B4-BE49-F238E27FC236}">
+                <a16:creationId xmlns:a16="http://schemas.microsoft.com/office/drawing/2014/main" id="{A376AA2A-E608-4EF3-A489-603B54EE4DB7}"/>
+              </a:ext>
+            </a:extLst>
+          </p:cNvPr>
+          <p:cNvSpPr>
+            <a:spLocks noGrp="1"/>
+          </p:cNvSpPr>
+          <p:nvPr>
+            <p:ph type="title"/>
+          </p:nvPr>
+        </p:nvSpPr>
+        <p:spPr/>
+        <p:txBody>
+          <a:bodyPr/>
+          <a:lstStyle/>
+          <a:p>
+            <a:r>
+              <a:rPr lang="ko-KR" altLang="en-US" dirty="0"/>
+              <a:t>이동하기 </a:t>
+            </a:r>
+            <a:r>
+              <a:rPr lang="en-US" altLang="ko-KR" dirty="0" err="1"/>
+              <a:t>AIMoveTo</a:t>
+            </a:r>
+            <a:endParaRPr lang="ko-KR" altLang="en-US" dirty="0"/>
+          </a:p>
+        </p:txBody>
+      </p:sp>
       <p:pic>
         <p:nvPicPr>
-          <p:cNvPr id="4" name="그림 3">
-            <a:extLst>
-              <a:ext uri="{FF2B5EF4-FFF2-40B4-BE49-F238E27FC236}">
-                <a16:creationId xmlns:a16="http://schemas.microsoft.com/office/drawing/2014/main" id="{7B37DBC6-01E8-478C-B31E-945ACA489916}"/>
+          <p:cNvPr id="4" name="내용 개체 틀 3">
+            <a:extLst>
+              <a:ext uri="{FF2B5EF4-FFF2-40B4-BE49-F238E27FC236}">
+                <a16:creationId xmlns:a16="http://schemas.microsoft.com/office/drawing/2014/main" id="{DB3358B2-7F70-4B59-826E-CD258C531589}"/>
               </a:ext>
             </a:extLst>
           </p:cNvPr>
           <p:cNvPicPr>
-            <a:picLocks noChangeAspect="1"/>
+            <a:picLocks noGrp="1" noChangeAspect="1"/>
           </p:cNvPicPr>
-          <p:nvPr/>
+          <p:nvPr>
+            <p:ph idx="1"/>
+          </p:nvPr>
         </p:nvPicPr>
         <p:blipFill>
           <a:blip r:embed="rId2"/>
@@ -7062,309 +8304,18 @@
         </p:blipFill>
         <p:spPr>
           <a:xfrm>
-            <a:off x="320040" y="1361122"/>
-            <a:ext cx="11322063" cy="5029864"/>
+            <a:off x="564444" y="1358782"/>
+            <a:ext cx="11153423" cy="5328168"/>
           </a:xfrm>
           <a:prstGeom prst="rect">
             <a:avLst/>
           </a:prstGeom>
         </p:spPr>
       </p:pic>
-      <p:sp>
-        <p:nvSpPr>
-          <p:cNvPr id="2" name="제목 1">
-            <a:extLst>
-              <a:ext uri="{FF2B5EF4-FFF2-40B4-BE49-F238E27FC236}">
-                <a16:creationId xmlns:a16="http://schemas.microsoft.com/office/drawing/2014/main" id="{970348ED-852B-4480-86DE-6A334E7462E5}"/>
-              </a:ext>
-            </a:extLst>
-          </p:cNvPr>
-          <p:cNvSpPr>
-            <a:spLocks noGrp="1"/>
-          </p:cNvSpPr>
-          <p:nvPr>
-            <p:ph type="title"/>
-          </p:nvPr>
-        </p:nvSpPr>
-        <p:spPr/>
-        <p:txBody>
-          <a:bodyPr/>
-          <a:lstStyle/>
-          <a:p>
-            <a:r>
-              <a:rPr lang="en-US" altLang="ko-KR" sz="3600" dirty="0"/>
-              <a:t>Event - </a:t>
-            </a:r>
-            <a:r>
-              <a:rPr lang="en-US" altLang="ko-KR" dirty="0" err="1"/>
-              <a:t>OnTargetActorPerceptionUpdated</a:t>
-            </a:r>
-            <a:endParaRPr lang="ko-KR" altLang="en-US" dirty="0"/>
-          </a:p>
-        </p:txBody>
-      </p:sp>
-      <p:sp>
-        <p:nvSpPr>
-          <p:cNvPr id="3" name="내용 개체 틀 2">
-            <a:extLst>
-              <a:ext uri="{FF2B5EF4-FFF2-40B4-BE49-F238E27FC236}">
-                <a16:creationId xmlns:a16="http://schemas.microsoft.com/office/drawing/2014/main" id="{4923720E-268F-4831-96F8-1F9DE4B591E1}"/>
-              </a:ext>
-            </a:extLst>
-          </p:cNvPr>
-          <p:cNvSpPr>
-            <a:spLocks noGrp="1"/>
-          </p:cNvSpPr>
-          <p:nvPr>
-            <p:ph idx="1"/>
-          </p:nvPr>
-        </p:nvSpPr>
-        <p:spPr>
-          <a:xfrm>
-            <a:off x="468630" y="3428999"/>
-            <a:ext cx="8572500" cy="2747963"/>
-          </a:xfrm>
-        </p:spPr>
-        <p:txBody>
-          <a:bodyPr>
-            <a:normAutofit fontScale="92500"/>
-          </a:bodyPr>
-          <a:lstStyle/>
-          <a:p>
-            <a:r>
-              <a:rPr lang="ko-KR" altLang="en-US" dirty="0">
-                <a:solidFill>
-                  <a:schemeClr val="bg1"/>
-                </a:solidFill>
-              </a:rPr>
-              <a:t>자극에 대한 업데이트가 </a:t>
-            </a:r>
-            <a:r>
-              <a:rPr lang="ko-KR" altLang="en-US" dirty="0" err="1">
-                <a:solidFill>
-                  <a:schemeClr val="bg1"/>
-                </a:solidFill>
-              </a:rPr>
-              <a:t>있을때</a:t>
-            </a:r>
-            <a:r>
-              <a:rPr lang="ko-KR" altLang="en-US" dirty="0">
-                <a:solidFill>
-                  <a:schemeClr val="bg1"/>
-                </a:solidFill>
-              </a:rPr>
-              <a:t> 이벤트가 일어난다</a:t>
-            </a:r>
-            <a:r>
-              <a:rPr lang="en-US" altLang="ko-KR" dirty="0">
-                <a:solidFill>
-                  <a:schemeClr val="bg1"/>
-                </a:solidFill>
-              </a:rPr>
-              <a:t>. </a:t>
-            </a:r>
-            <a:r>
-              <a:rPr lang="ko-KR" altLang="en-US" dirty="0">
-                <a:solidFill>
-                  <a:schemeClr val="bg1"/>
-                </a:solidFill>
-              </a:rPr>
-              <a:t> 새로운 </a:t>
-            </a:r>
-            <a:r>
-              <a:rPr lang="ko-KR" altLang="en-US" dirty="0" err="1">
-                <a:solidFill>
-                  <a:schemeClr val="bg1"/>
-                </a:solidFill>
-              </a:rPr>
-              <a:t>액터</a:t>
-            </a:r>
-            <a:r>
-              <a:rPr lang="en-US" altLang="ko-KR" dirty="0">
-                <a:solidFill>
-                  <a:schemeClr val="bg1"/>
-                </a:solidFill>
-              </a:rPr>
-              <a:t>-</a:t>
-            </a:r>
-            <a:r>
-              <a:rPr lang="ko-KR" altLang="en-US" dirty="0">
-                <a:solidFill>
-                  <a:schemeClr val="bg1"/>
-                </a:solidFill>
-              </a:rPr>
-              <a:t>자극이 </a:t>
-            </a:r>
-            <a:r>
-              <a:rPr lang="ko-KR" altLang="en-US" dirty="0" err="1">
-                <a:solidFill>
-                  <a:schemeClr val="bg1"/>
-                </a:solidFill>
-              </a:rPr>
-              <a:t>감지될때</a:t>
-            </a:r>
-            <a:r>
-              <a:rPr lang="ko-KR" altLang="en-US" dirty="0">
-                <a:solidFill>
-                  <a:schemeClr val="bg1"/>
-                </a:solidFill>
-              </a:rPr>
-              <a:t> 또는</a:t>
-            </a:r>
-            <a:r>
-              <a:rPr lang="en-US" altLang="ko-KR" dirty="0">
-                <a:solidFill>
-                  <a:schemeClr val="bg1"/>
-                </a:solidFill>
-              </a:rPr>
-              <a:t> </a:t>
-            </a:r>
-            <a:r>
-              <a:rPr lang="ko-KR" altLang="en-US" dirty="0">
-                <a:solidFill>
-                  <a:schemeClr val="bg1"/>
-                </a:solidFill>
-              </a:rPr>
-              <a:t> 감지한 이후 잊혀지는 시간 </a:t>
-            </a:r>
-            <a:r>
-              <a:rPr lang="en-US" altLang="ko-KR" dirty="0">
-                <a:solidFill>
-                  <a:schemeClr val="bg1"/>
-                </a:solidFill>
-              </a:rPr>
-              <a:t>(</a:t>
-            </a:r>
-            <a:r>
-              <a:rPr lang="en-US" altLang="ko-KR" dirty="0" err="1">
-                <a:solidFill>
-                  <a:schemeClr val="bg1"/>
-                </a:solidFill>
-              </a:rPr>
-              <a:t>MaxAge</a:t>
-            </a:r>
-            <a:r>
-              <a:rPr lang="en-US" altLang="ko-KR" dirty="0">
-                <a:solidFill>
-                  <a:schemeClr val="bg1"/>
-                </a:solidFill>
-              </a:rPr>
-              <a:t>) </a:t>
-            </a:r>
-            <a:r>
-              <a:rPr lang="ko-KR" altLang="en-US" dirty="0">
-                <a:solidFill>
-                  <a:schemeClr val="bg1"/>
-                </a:solidFill>
-              </a:rPr>
-              <a:t>이후 자극이 </a:t>
-            </a:r>
-            <a:r>
-              <a:rPr lang="ko-KR" altLang="en-US" dirty="0" err="1">
-                <a:solidFill>
-                  <a:schemeClr val="bg1"/>
-                </a:solidFill>
-              </a:rPr>
-              <a:t>사라질때</a:t>
-            </a:r>
-            <a:r>
-              <a:rPr lang="ko-KR" altLang="en-US" dirty="0">
-                <a:solidFill>
-                  <a:schemeClr val="bg1"/>
-                </a:solidFill>
-              </a:rPr>
-              <a:t> 호출된다</a:t>
-            </a:r>
-            <a:r>
-              <a:rPr lang="en-US" altLang="ko-KR" dirty="0">
-                <a:solidFill>
-                  <a:schemeClr val="bg1"/>
-                </a:solidFill>
-              </a:rPr>
-              <a:t>.</a:t>
-            </a:r>
-            <a:r>
-              <a:rPr lang="ko-KR" altLang="en-US" dirty="0">
-                <a:solidFill>
-                  <a:schemeClr val="bg1"/>
-                </a:solidFill>
-              </a:rPr>
-              <a:t>  </a:t>
-            </a:r>
-            <a:endParaRPr lang="en-US" altLang="ko-KR" dirty="0">
-              <a:solidFill>
-                <a:schemeClr val="bg1"/>
-              </a:solidFill>
-            </a:endParaRPr>
-          </a:p>
-          <a:p>
-            <a:endParaRPr lang="en-US" altLang="ko-KR" dirty="0">
-              <a:solidFill>
-                <a:schemeClr val="bg1"/>
-              </a:solidFill>
-            </a:endParaRPr>
-          </a:p>
-          <a:p>
-            <a:r>
-              <a:rPr lang="en-US" altLang="ko-KR" dirty="0">
-                <a:solidFill>
-                  <a:schemeClr val="bg1"/>
-                </a:solidFill>
-              </a:rPr>
-              <a:t>Output: Actor (</a:t>
-            </a:r>
-            <a:r>
-              <a:rPr lang="ko-KR" altLang="en-US" dirty="0">
-                <a:solidFill>
-                  <a:schemeClr val="bg1"/>
-                </a:solidFill>
-              </a:rPr>
-              <a:t>업데이트가 일어난</a:t>
-            </a:r>
-            <a:r>
-              <a:rPr lang="en-US" altLang="ko-KR" dirty="0">
-                <a:solidFill>
-                  <a:schemeClr val="bg1"/>
-                </a:solidFill>
-              </a:rPr>
-              <a:t>Actor)</a:t>
-            </a:r>
-          </a:p>
-          <a:p>
-            <a:pPr marL="0" indent="0">
-              <a:buNone/>
-            </a:pPr>
-            <a:r>
-              <a:rPr lang="en-US" altLang="ko-KR" dirty="0">
-                <a:solidFill>
-                  <a:schemeClr val="bg1"/>
-                </a:solidFill>
-              </a:rPr>
-              <a:t>            Stimulus(</a:t>
-            </a:r>
-            <a:r>
-              <a:rPr lang="ko-KR" altLang="en-US" dirty="0">
-                <a:solidFill>
-                  <a:schemeClr val="bg1"/>
-                </a:solidFill>
-              </a:rPr>
-              <a:t>업데이트된 자극</a:t>
-            </a:r>
-            <a:r>
-              <a:rPr lang="en-US" altLang="ko-KR" dirty="0">
-                <a:solidFill>
-                  <a:schemeClr val="bg1"/>
-                </a:solidFill>
-              </a:rPr>
-              <a:t>)</a:t>
-            </a:r>
-          </a:p>
-        </p:txBody>
-      </p:sp>
     </p:spTree>
     <p:extLst>
       <p:ext uri="{BB962C8B-B14F-4D97-AF65-F5344CB8AC3E}">
-        <p14:creationId xmlns:p14="http://schemas.microsoft.com/office/powerpoint/2010/main" val="280942774"/>
+        <p14:creationId xmlns:p14="http://schemas.microsoft.com/office/powerpoint/2010/main" val="3290351766"/>
       </p:ext>
     </p:extLst>
   </p:cSld>

--- a/Day04/AI.pptx
+++ b/Day04/AI.pptx
@@ -283,7 +283,7 @@
           <a:p>
             <a:fld id="{115769BE-BF1F-4F69-A431-EEF710AC7B3A}" type="datetimeFigureOut">
               <a:rPr lang="ko-KR" altLang="en-US" smtClean="0"/>
-              <a:t>2020-06-24</a:t>
+              <a:t>2020-06-25</a:t>
             </a:fld>
             <a:endParaRPr lang="ko-KR" altLang="en-US"/>
           </a:p>
@@ -481,7 +481,7 @@
           <a:p>
             <a:fld id="{115769BE-BF1F-4F69-A431-EEF710AC7B3A}" type="datetimeFigureOut">
               <a:rPr lang="ko-KR" altLang="en-US" smtClean="0"/>
-              <a:t>2020-06-24</a:t>
+              <a:t>2020-06-25</a:t>
             </a:fld>
             <a:endParaRPr lang="ko-KR" altLang="en-US"/>
           </a:p>
@@ -689,7 +689,7 @@
           <a:p>
             <a:fld id="{115769BE-BF1F-4F69-A431-EEF710AC7B3A}" type="datetimeFigureOut">
               <a:rPr lang="ko-KR" altLang="en-US" smtClean="0"/>
-              <a:t>2020-06-24</a:t>
+              <a:t>2020-06-25</a:t>
             </a:fld>
             <a:endParaRPr lang="ko-KR" altLang="en-US"/>
           </a:p>
@@ -887,7 +887,7 @@
           <a:p>
             <a:fld id="{115769BE-BF1F-4F69-A431-EEF710AC7B3A}" type="datetimeFigureOut">
               <a:rPr lang="ko-KR" altLang="en-US" smtClean="0"/>
-              <a:t>2020-06-24</a:t>
+              <a:t>2020-06-25</a:t>
             </a:fld>
             <a:endParaRPr lang="ko-KR" altLang="en-US"/>
           </a:p>
@@ -1162,7 +1162,7 @@
           <a:p>
             <a:fld id="{115769BE-BF1F-4F69-A431-EEF710AC7B3A}" type="datetimeFigureOut">
               <a:rPr lang="ko-KR" altLang="en-US" smtClean="0"/>
-              <a:t>2020-06-24</a:t>
+              <a:t>2020-06-25</a:t>
             </a:fld>
             <a:endParaRPr lang="ko-KR" altLang="en-US"/>
           </a:p>
@@ -1427,7 +1427,7 @@
           <a:p>
             <a:fld id="{115769BE-BF1F-4F69-A431-EEF710AC7B3A}" type="datetimeFigureOut">
               <a:rPr lang="ko-KR" altLang="en-US" smtClean="0"/>
-              <a:t>2020-06-24</a:t>
+              <a:t>2020-06-25</a:t>
             </a:fld>
             <a:endParaRPr lang="ko-KR" altLang="en-US"/>
           </a:p>
@@ -1839,7 +1839,7 @@
           <a:p>
             <a:fld id="{115769BE-BF1F-4F69-A431-EEF710AC7B3A}" type="datetimeFigureOut">
               <a:rPr lang="ko-KR" altLang="en-US" smtClean="0"/>
-              <a:t>2020-06-24</a:t>
+              <a:t>2020-06-25</a:t>
             </a:fld>
             <a:endParaRPr lang="ko-KR" altLang="en-US"/>
           </a:p>
@@ -1980,7 +1980,7 @@
           <a:p>
             <a:fld id="{115769BE-BF1F-4F69-A431-EEF710AC7B3A}" type="datetimeFigureOut">
               <a:rPr lang="ko-KR" altLang="en-US" smtClean="0"/>
-              <a:t>2020-06-24</a:t>
+              <a:t>2020-06-25</a:t>
             </a:fld>
             <a:endParaRPr lang="ko-KR" altLang="en-US"/>
           </a:p>
@@ -2093,7 +2093,7 @@
           <a:p>
             <a:fld id="{115769BE-BF1F-4F69-A431-EEF710AC7B3A}" type="datetimeFigureOut">
               <a:rPr lang="ko-KR" altLang="en-US" smtClean="0"/>
-              <a:t>2020-06-24</a:t>
+              <a:t>2020-06-25</a:t>
             </a:fld>
             <a:endParaRPr lang="ko-KR" altLang="en-US"/>
           </a:p>
@@ -2404,7 +2404,7 @@
           <a:p>
             <a:fld id="{115769BE-BF1F-4F69-A431-EEF710AC7B3A}" type="datetimeFigureOut">
               <a:rPr lang="ko-KR" altLang="en-US" smtClean="0"/>
-              <a:t>2020-06-24</a:t>
+              <a:t>2020-06-25</a:t>
             </a:fld>
             <a:endParaRPr lang="ko-KR" altLang="en-US"/>
           </a:p>
@@ -2692,7 +2692,7 @@
           <a:p>
             <a:fld id="{115769BE-BF1F-4F69-A431-EEF710AC7B3A}" type="datetimeFigureOut">
               <a:rPr lang="ko-KR" altLang="en-US" smtClean="0"/>
-              <a:t>2020-06-24</a:t>
+              <a:t>2020-06-25</a:t>
             </a:fld>
             <a:endParaRPr lang="ko-KR" altLang="en-US"/>
           </a:p>
@@ -2933,7 +2933,7 @@
           <a:p>
             <a:fld id="{115769BE-BF1F-4F69-A431-EEF710AC7B3A}" type="datetimeFigureOut">
               <a:rPr lang="ko-KR" altLang="en-US" smtClean="0"/>
-              <a:t>2020-06-24</a:t>
+              <a:t>2020-06-25</a:t>
             </a:fld>
             <a:endParaRPr lang="ko-KR" altLang="en-US"/>
           </a:p>
@@ -7866,7 +7866,15 @@
             </a:r>
             <a:r>
               <a:rPr lang="ko-KR" altLang="en-US" dirty="0"/>
-              <a:t>이동결과는</a:t>
+              <a:t>위</a:t>
+            </a:r>
+            <a:r>
+              <a:rPr lang="en-US" altLang="ko-KR" dirty="0"/>
+              <a:t> </a:t>
+            </a:r>
+            <a:r>
+              <a:rPr lang="ko-KR" altLang="en-US" dirty="0"/>
+              <a:t>두가지 노드의 이동결과는</a:t>
             </a:r>
             <a:r>
               <a:rPr lang="en-US" altLang="ko-KR" dirty="0" err="1"/>

--- a/Day04/AI.pptx
+++ b/Day04/AI.pptx
@@ -28,8 +28,15 @@
     <p:sldId id="261" r:id="rId22"/>
     <p:sldId id="262" r:id="rId23"/>
     <p:sldId id="271" r:id="rId24"/>
-    <p:sldId id="272" r:id="rId25"/>
-    <p:sldId id="273" r:id="rId26"/>
+    <p:sldId id="282" r:id="rId25"/>
+    <p:sldId id="272" r:id="rId26"/>
+    <p:sldId id="285" r:id="rId27"/>
+    <p:sldId id="286" r:id="rId28"/>
+    <p:sldId id="287" r:id="rId29"/>
+    <p:sldId id="284" r:id="rId30"/>
+    <p:sldId id="273" r:id="rId31"/>
+    <p:sldId id="283" r:id="rId32"/>
+    <p:sldId id="288" r:id="rId33"/>
   </p:sldIdLst>
   <p:sldSz cx="12192000" cy="6858000"/>
   <p:notesSz cx="6858000" cy="9144000"/>
@@ -283,7 +290,7 @@
           <a:p>
             <a:fld id="{115769BE-BF1F-4F69-A431-EEF710AC7B3A}" type="datetimeFigureOut">
               <a:rPr lang="ko-KR" altLang="en-US" smtClean="0"/>
-              <a:t>2020-06-25</a:t>
+              <a:t>2020-07-02</a:t>
             </a:fld>
             <a:endParaRPr lang="ko-KR" altLang="en-US"/>
           </a:p>
@@ -481,7 +488,7 @@
           <a:p>
             <a:fld id="{115769BE-BF1F-4F69-A431-EEF710AC7B3A}" type="datetimeFigureOut">
               <a:rPr lang="ko-KR" altLang="en-US" smtClean="0"/>
-              <a:t>2020-06-25</a:t>
+              <a:t>2020-07-02</a:t>
             </a:fld>
             <a:endParaRPr lang="ko-KR" altLang="en-US"/>
           </a:p>
@@ -689,7 +696,7 @@
           <a:p>
             <a:fld id="{115769BE-BF1F-4F69-A431-EEF710AC7B3A}" type="datetimeFigureOut">
               <a:rPr lang="ko-KR" altLang="en-US" smtClean="0"/>
-              <a:t>2020-06-25</a:t>
+              <a:t>2020-07-02</a:t>
             </a:fld>
             <a:endParaRPr lang="ko-KR" altLang="en-US"/>
           </a:p>
@@ -887,7 +894,7 @@
           <a:p>
             <a:fld id="{115769BE-BF1F-4F69-A431-EEF710AC7B3A}" type="datetimeFigureOut">
               <a:rPr lang="ko-KR" altLang="en-US" smtClean="0"/>
-              <a:t>2020-06-25</a:t>
+              <a:t>2020-07-02</a:t>
             </a:fld>
             <a:endParaRPr lang="ko-KR" altLang="en-US"/>
           </a:p>
@@ -1162,7 +1169,7 @@
           <a:p>
             <a:fld id="{115769BE-BF1F-4F69-A431-EEF710AC7B3A}" type="datetimeFigureOut">
               <a:rPr lang="ko-KR" altLang="en-US" smtClean="0"/>
-              <a:t>2020-06-25</a:t>
+              <a:t>2020-07-02</a:t>
             </a:fld>
             <a:endParaRPr lang="ko-KR" altLang="en-US"/>
           </a:p>
@@ -1427,7 +1434,7 @@
           <a:p>
             <a:fld id="{115769BE-BF1F-4F69-A431-EEF710AC7B3A}" type="datetimeFigureOut">
               <a:rPr lang="ko-KR" altLang="en-US" smtClean="0"/>
-              <a:t>2020-06-25</a:t>
+              <a:t>2020-07-02</a:t>
             </a:fld>
             <a:endParaRPr lang="ko-KR" altLang="en-US"/>
           </a:p>
@@ -1839,7 +1846,7 @@
           <a:p>
             <a:fld id="{115769BE-BF1F-4F69-A431-EEF710AC7B3A}" type="datetimeFigureOut">
               <a:rPr lang="ko-KR" altLang="en-US" smtClean="0"/>
-              <a:t>2020-06-25</a:t>
+              <a:t>2020-07-02</a:t>
             </a:fld>
             <a:endParaRPr lang="ko-KR" altLang="en-US"/>
           </a:p>
@@ -1980,7 +1987,7 @@
           <a:p>
             <a:fld id="{115769BE-BF1F-4F69-A431-EEF710AC7B3A}" type="datetimeFigureOut">
               <a:rPr lang="ko-KR" altLang="en-US" smtClean="0"/>
-              <a:t>2020-06-25</a:t>
+              <a:t>2020-07-02</a:t>
             </a:fld>
             <a:endParaRPr lang="ko-KR" altLang="en-US"/>
           </a:p>
@@ -2093,7 +2100,7 @@
           <a:p>
             <a:fld id="{115769BE-BF1F-4F69-A431-EEF710AC7B3A}" type="datetimeFigureOut">
               <a:rPr lang="ko-KR" altLang="en-US" smtClean="0"/>
-              <a:t>2020-06-25</a:t>
+              <a:t>2020-07-02</a:t>
             </a:fld>
             <a:endParaRPr lang="ko-KR" altLang="en-US"/>
           </a:p>
@@ -2404,7 +2411,7 @@
           <a:p>
             <a:fld id="{115769BE-BF1F-4F69-A431-EEF710AC7B3A}" type="datetimeFigureOut">
               <a:rPr lang="ko-KR" altLang="en-US" smtClean="0"/>
-              <a:t>2020-06-25</a:t>
+              <a:t>2020-07-02</a:t>
             </a:fld>
             <a:endParaRPr lang="ko-KR" altLang="en-US"/>
           </a:p>
@@ -2692,7 +2699,7 @@
           <a:p>
             <a:fld id="{115769BE-BF1F-4F69-A431-EEF710AC7B3A}" type="datetimeFigureOut">
               <a:rPr lang="ko-KR" altLang="en-US" smtClean="0"/>
-              <a:t>2020-06-25</a:t>
+              <a:t>2020-07-02</a:t>
             </a:fld>
             <a:endParaRPr lang="ko-KR" altLang="en-US"/>
           </a:p>
@@ -2933,7 +2940,7 @@
           <a:p>
             <a:fld id="{115769BE-BF1F-4F69-A431-EEF710AC7B3A}" type="datetimeFigureOut">
               <a:rPr lang="ko-KR" altLang="en-US" smtClean="0"/>
-              <a:t>2020-06-25</a:t>
+              <a:t>2020-07-02</a:t>
             </a:fld>
             <a:endParaRPr lang="ko-KR" altLang="en-US"/>
           </a:p>
@@ -7343,10 +7350,176 @@
           <a:chExt cx="0" cy="0"/>
         </a:xfrm>
       </p:grpSpPr>
+      <p:sp>
+        <p:nvSpPr>
+          <p:cNvPr id="2" name="제목 1">
+            <a:extLst>
+              <a:ext uri="{FF2B5EF4-FFF2-40B4-BE49-F238E27FC236}">
+                <a16:creationId xmlns:a16="http://schemas.microsoft.com/office/drawing/2014/main" id="{282D1369-40C9-46F3-9C22-D0EB6F1FCC66}"/>
+              </a:ext>
+            </a:extLst>
+          </p:cNvPr>
+          <p:cNvSpPr>
+            <a:spLocks noGrp="1"/>
+          </p:cNvSpPr>
+          <p:nvPr>
+            <p:ph type="title"/>
+          </p:nvPr>
+        </p:nvSpPr>
+        <p:spPr/>
+        <p:txBody>
+          <a:bodyPr/>
+          <a:lstStyle/>
+          <a:p>
+            <a:r>
+              <a:rPr lang="en-US" altLang="ko-KR" dirty="0"/>
+              <a:t>Perception </a:t>
+            </a:r>
+            <a:r>
+              <a:rPr lang="ko-KR" altLang="en-US" dirty="0"/>
+              <a:t>결론</a:t>
+            </a:r>
+          </a:p>
+        </p:txBody>
+      </p:sp>
+      <p:sp>
+        <p:nvSpPr>
+          <p:cNvPr id="3" name="내용 개체 틀 2">
+            <a:extLst>
+              <a:ext uri="{FF2B5EF4-FFF2-40B4-BE49-F238E27FC236}">
+                <a16:creationId xmlns:a16="http://schemas.microsoft.com/office/drawing/2014/main" id="{BD60A719-6230-4D33-9528-54105C895688}"/>
+              </a:ext>
+            </a:extLst>
+          </p:cNvPr>
+          <p:cNvSpPr>
+            <a:spLocks noGrp="1"/>
+          </p:cNvSpPr>
+          <p:nvPr>
+            <p:ph idx="1"/>
+          </p:nvPr>
+        </p:nvSpPr>
+        <p:spPr/>
+        <p:txBody>
+          <a:bodyPr/>
+          <a:lstStyle/>
+          <a:p>
+            <a:r>
+              <a:rPr lang="ko-KR" altLang="en-US" dirty="0"/>
+              <a:t>감지된 정보를 </a:t>
+            </a:r>
+            <a:r>
+              <a:rPr lang="en-US" altLang="ko-KR" dirty="0" err="1"/>
+              <a:t>AIController</a:t>
+            </a:r>
+            <a:r>
+              <a:rPr lang="ko-KR" altLang="en-US" dirty="0"/>
+              <a:t>에 보관한다</a:t>
+            </a:r>
+            <a:r>
+              <a:rPr lang="en-US" altLang="ko-KR" dirty="0"/>
+              <a:t>.</a:t>
+            </a:r>
+          </a:p>
+          <a:p>
+            <a:r>
+              <a:rPr lang="ko-KR" altLang="en-US" dirty="0"/>
+              <a:t>정보를 기반으로 움직이거나 행동을 결정한다</a:t>
+            </a:r>
+            <a:r>
+              <a:rPr lang="en-US" altLang="ko-KR" dirty="0"/>
+              <a:t>.</a:t>
+            </a:r>
+          </a:p>
+          <a:p>
+            <a:r>
+              <a:rPr lang="en-US" altLang="ko-KR" dirty="0" err="1"/>
+              <a:t>BehaviorTree</a:t>
+            </a:r>
+            <a:r>
+              <a:rPr lang="en-US" altLang="ko-KR" dirty="0"/>
+              <a:t> &amp;</a:t>
+            </a:r>
+            <a:r>
+              <a:rPr lang="ko-KR" altLang="en-US" dirty="0"/>
+              <a:t> </a:t>
+            </a:r>
+            <a:r>
+              <a:rPr lang="en-US" altLang="ko-KR" dirty="0"/>
+              <a:t>Blackboard</a:t>
+            </a:r>
+            <a:r>
+              <a:rPr lang="ko-KR" altLang="en-US" dirty="0"/>
+              <a:t>를 사용한다면</a:t>
+            </a:r>
+            <a:r>
+              <a:rPr lang="en-US" altLang="ko-KR" dirty="0"/>
+              <a:t> </a:t>
+            </a:r>
+            <a:r>
+              <a:rPr lang="ko-KR" altLang="en-US" dirty="0"/>
+              <a:t> </a:t>
+            </a:r>
+            <a:r>
+              <a:rPr lang="en-US" altLang="ko-KR" dirty="0"/>
+              <a:t>Blackboard</a:t>
+            </a:r>
+            <a:r>
+              <a:rPr lang="ko-KR" altLang="en-US" dirty="0"/>
+              <a:t>에 정보를 설정</a:t>
+            </a:r>
+            <a:r>
+              <a:rPr lang="en-US" altLang="ko-KR" dirty="0"/>
+              <a:t>(</a:t>
+            </a:r>
+            <a:r>
+              <a:rPr lang="en-US" altLang="ko-KR" dirty="0" err="1"/>
+              <a:t>SetValueAs</a:t>
+            </a:r>
+            <a:r>
+              <a:rPr lang="en-US" altLang="ko-KR" dirty="0"/>
+              <a:t>… </a:t>
+            </a:r>
+            <a:r>
+              <a:rPr lang="ko-KR" altLang="en-US" dirty="0"/>
+              <a:t>노드 사용</a:t>
+            </a:r>
+            <a:r>
+              <a:rPr lang="en-US" altLang="ko-KR" dirty="0"/>
+              <a:t> )</a:t>
+            </a:r>
+            <a:r>
+              <a:rPr lang="ko-KR" altLang="en-US" dirty="0"/>
+              <a:t>하여 </a:t>
+            </a:r>
+            <a:r>
+              <a:rPr lang="en-US" altLang="ko-KR" dirty="0" err="1"/>
+              <a:t>BehaviorTree</a:t>
+            </a:r>
+            <a:r>
+              <a:rPr lang="ko-KR" altLang="en-US" dirty="0"/>
+              <a:t>의 행동의 결정 정보로 </a:t>
+            </a:r>
+            <a:r>
+              <a:rPr lang="ko-KR" altLang="en-US" dirty="0" err="1"/>
+              <a:t>사용하게한다</a:t>
+            </a:r>
+            <a:r>
+              <a:rPr lang="en-US" altLang="ko-KR" dirty="0"/>
+              <a:t>.</a:t>
+            </a:r>
+          </a:p>
+          <a:p>
+            <a:pPr marL="0" indent="0">
+              <a:buNone/>
+            </a:pPr>
+            <a:endParaRPr lang="en-US" altLang="ko-KR" dirty="0"/>
+          </a:p>
+        </p:txBody>
+      </p:sp>
     </p:spTree>
     <p:extLst>
       <p:ext uri="{BB962C8B-B14F-4D97-AF65-F5344CB8AC3E}">
-        <p14:creationId xmlns:p14="http://schemas.microsoft.com/office/powerpoint/2010/main" val="3530259281"/>
+        <p14:creationId xmlns:p14="http://schemas.microsoft.com/office/powerpoint/2010/main" val="2336971112"/>
       </p:ext>
     </p:extLst>
   </p:cSld>
@@ -7373,10 +7546,1505 @@
           <a:chExt cx="0" cy="0"/>
         </a:xfrm>
       </p:grpSpPr>
+      <p:sp>
+        <p:nvSpPr>
+          <p:cNvPr id="2" name="제목 1">
+            <a:extLst>
+              <a:ext uri="{FF2B5EF4-FFF2-40B4-BE49-F238E27FC236}">
+                <a16:creationId xmlns:a16="http://schemas.microsoft.com/office/drawing/2014/main" id="{212E6403-7CA1-40F5-BAFA-9242549BA540}"/>
+              </a:ext>
+            </a:extLst>
+          </p:cNvPr>
+          <p:cNvSpPr>
+            <a:spLocks noGrp="1"/>
+          </p:cNvSpPr>
+          <p:nvPr>
+            <p:ph type="title"/>
+          </p:nvPr>
+        </p:nvSpPr>
+        <p:spPr/>
+        <p:txBody>
+          <a:bodyPr/>
+          <a:lstStyle/>
+          <a:p>
+            <a:r>
+              <a:rPr lang="en-US" altLang="ko-KR" dirty="0" err="1"/>
+              <a:t>BehaviorTree</a:t>
+            </a:r>
+            <a:r>
+              <a:rPr lang="en-US" altLang="ko-KR" dirty="0"/>
+              <a:t> &amp; Blackboard </a:t>
+            </a:r>
+            <a:endParaRPr lang="ko-KR" altLang="en-US" dirty="0"/>
+          </a:p>
+        </p:txBody>
+      </p:sp>
+      <p:sp>
+        <p:nvSpPr>
+          <p:cNvPr id="3" name="내용 개체 틀 2">
+            <a:extLst>
+              <a:ext uri="{FF2B5EF4-FFF2-40B4-BE49-F238E27FC236}">
+                <a16:creationId xmlns:a16="http://schemas.microsoft.com/office/drawing/2014/main" id="{D18C4932-7F73-48F6-9CA1-6025F58CF548}"/>
+              </a:ext>
+            </a:extLst>
+          </p:cNvPr>
+          <p:cNvSpPr>
+            <a:spLocks noGrp="1"/>
+          </p:cNvSpPr>
+          <p:nvPr>
+            <p:ph idx="1"/>
+          </p:nvPr>
+        </p:nvSpPr>
+        <p:spPr/>
+        <p:txBody>
+          <a:bodyPr>
+            <a:normAutofit fontScale="92500"/>
+          </a:bodyPr>
+          <a:lstStyle/>
+          <a:p>
+            <a:r>
+              <a:rPr lang="ko-KR" altLang="en-US" dirty="0"/>
+              <a:t> </a:t>
+            </a:r>
+            <a:r>
+              <a:rPr lang="en-US" altLang="ko-KR" dirty="0"/>
+              <a:t>AI</a:t>
+            </a:r>
+            <a:r>
+              <a:rPr lang="ko-KR" altLang="en-US" dirty="0"/>
+              <a:t>의 행동 결정을 </a:t>
+            </a:r>
+            <a:r>
+              <a:rPr lang="en-US" altLang="ko-KR" dirty="0"/>
+              <a:t>2</a:t>
+            </a:r>
+            <a:r>
+              <a:rPr lang="ko-KR" altLang="en-US" dirty="0"/>
+              <a:t>가지 </a:t>
+            </a:r>
+            <a:r>
+              <a:rPr lang="en-US" altLang="ko-KR" dirty="0"/>
+              <a:t>Asset</a:t>
+            </a:r>
+            <a:r>
+              <a:rPr lang="ko-KR" altLang="en-US" dirty="0"/>
+              <a:t>으로 분리  </a:t>
+            </a:r>
+            <a:r>
+              <a:rPr lang="en-US" altLang="ko-KR" dirty="0"/>
+              <a:t> </a:t>
+            </a:r>
+          </a:p>
+          <a:p>
+            <a:r>
+              <a:rPr lang="en-US" altLang="ko-KR" dirty="0" err="1"/>
+              <a:t>BehaviorTree</a:t>
+            </a:r>
+            <a:r>
+              <a:rPr lang="ko-KR" altLang="en-US" dirty="0"/>
+              <a:t>에서 사용할 </a:t>
+            </a:r>
+            <a:r>
+              <a:rPr lang="en-US" altLang="ko-KR" dirty="0"/>
+              <a:t>Blackboard</a:t>
+            </a:r>
+            <a:r>
+              <a:rPr lang="ko-KR" altLang="en-US" dirty="0"/>
+              <a:t>를 </a:t>
+            </a:r>
+            <a:r>
+              <a:rPr lang="ko-KR" altLang="en-US" dirty="0" err="1"/>
+              <a:t>지정하므로서</a:t>
+            </a:r>
+            <a:r>
+              <a:rPr lang="ko-KR" altLang="en-US" dirty="0"/>
+              <a:t> </a:t>
+            </a:r>
+            <a:r>
+              <a:rPr lang="en-US" altLang="ko-KR" dirty="0"/>
+              <a:t>1:1</a:t>
+            </a:r>
+            <a:r>
+              <a:rPr lang="ko-KR" altLang="en-US" dirty="0"/>
+              <a:t>로</a:t>
+            </a:r>
+            <a:r>
+              <a:rPr lang="en-US" altLang="ko-KR" dirty="0"/>
+              <a:t> </a:t>
+            </a:r>
+            <a:r>
+              <a:rPr lang="ko-KR" altLang="en-US" dirty="0"/>
+              <a:t>연결됨</a:t>
+            </a:r>
+            <a:endParaRPr lang="en-US" altLang="ko-KR" dirty="0"/>
+          </a:p>
+          <a:p>
+            <a:r>
+              <a:rPr lang="en-US" altLang="ko-KR" dirty="0" err="1"/>
+              <a:t>BehaviorTree</a:t>
+            </a:r>
+            <a:r>
+              <a:rPr lang="ko-KR" altLang="en-US" dirty="0"/>
+              <a:t>는 논리결정 구조를 </a:t>
+            </a:r>
+            <a:r>
+              <a:rPr lang="ko-KR" altLang="en-US" dirty="0" err="1"/>
+              <a:t>시각적으로구체화하여</a:t>
+            </a:r>
+            <a:r>
+              <a:rPr lang="ko-KR" altLang="en-US" dirty="0"/>
+              <a:t> </a:t>
+            </a:r>
+            <a:r>
+              <a:rPr lang="en-US" altLang="ko-KR" dirty="0"/>
+              <a:t>Task</a:t>
+            </a:r>
+            <a:r>
+              <a:rPr lang="ko-KR" altLang="en-US" dirty="0"/>
+              <a:t>를 실행</a:t>
+            </a:r>
+            <a:r>
+              <a:rPr lang="en-US" altLang="ko-KR" dirty="0"/>
+              <a:t>.</a:t>
+            </a:r>
+          </a:p>
+          <a:p>
+            <a:r>
+              <a:rPr lang="en-US" altLang="ko-KR" dirty="0"/>
+              <a:t>Blackboard</a:t>
+            </a:r>
+            <a:r>
+              <a:rPr lang="ko-KR" altLang="en-US" dirty="0"/>
+              <a:t>에는 논리결정 단서가 되는 정보를 구체화 한다</a:t>
+            </a:r>
+            <a:r>
+              <a:rPr lang="en-US" altLang="ko-KR" dirty="0"/>
+              <a:t>.</a:t>
+            </a:r>
+          </a:p>
+          <a:p>
+            <a:r>
+              <a:rPr lang="en-US" altLang="ko-KR" dirty="0"/>
+              <a:t>Task</a:t>
+            </a:r>
+            <a:r>
+              <a:rPr lang="ko-KR" altLang="en-US" dirty="0"/>
+              <a:t>의 결과</a:t>
+            </a:r>
+            <a:r>
+              <a:rPr lang="en-US" altLang="ko-KR" dirty="0"/>
+              <a:t>(</a:t>
+            </a:r>
+            <a:r>
+              <a:rPr lang="en-US" altLang="ko-KR" dirty="0" err="1"/>
+              <a:t>true,false</a:t>
+            </a:r>
+            <a:r>
+              <a:rPr lang="en-US" altLang="ko-KR" dirty="0"/>
+              <a:t>)</a:t>
+            </a:r>
+            <a:r>
+              <a:rPr lang="ko-KR" altLang="en-US" dirty="0"/>
+              <a:t>나 </a:t>
+            </a:r>
+            <a:r>
+              <a:rPr lang="en-US" altLang="ko-KR" dirty="0"/>
+              <a:t>Blackboard </a:t>
+            </a:r>
+            <a:r>
+              <a:rPr lang="ko-KR" altLang="en-US" dirty="0"/>
+              <a:t>의 값 변화</a:t>
+            </a:r>
+            <a:r>
+              <a:rPr lang="en-US" altLang="ko-KR" dirty="0"/>
+              <a:t> </a:t>
+            </a:r>
+            <a:r>
+              <a:rPr lang="ko-KR" altLang="en-US" dirty="0"/>
+              <a:t>관찰 기능으로 </a:t>
+            </a:r>
+            <a:r>
+              <a:rPr lang="ko-KR" altLang="en-US" dirty="0" err="1"/>
+              <a:t>흐름제어가능하다</a:t>
+            </a:r>
+            <a:r>
+              <a:rPr lang="en-US" altLang="ko-KR" dirty="0"/>
+              <a:t>.</a:t>
+            </a:r>
+          </a:p>
+          <a:p>
+            <a:r>
+              <a:rPr lang="en-US" altLang="ko-KR" dirty="0" err="1"/>
+              <a:t>AIController</a:t>
+            </a:r>
+            <a:r>
+              <a:rPr lang="ko-KR" altLang="en-US" dirty="0"/>
+              <a:t>에서만 사용가능</a:t>
+            </a:r>
+            <a:r>
+              <a:rPr lang="en-US" altLang="ko-KR" dirty="0"/>
+              <a:t> </a:t>
+            </a:r>
+          </a:p>
+          <a:p>
+            <a:r>
+              <a:rPr lang="en-US" altLang="ko-KR" dirty="0"/>
+              <a:t> </a:t>
+            </a:r>
+            <a:r>
+              <a:rPr lang="en-US" altLang="ko-KR" dirty="0" err="1"/>
+              <a:t>UseBlackBoard</a:t>
+            </a:r>
+            <a:r>
+              <a:rPr lang="en-US" altLang="ko-KR" dirty="0"/>
+              <a:t>  </a:t>
+            </a:r>
+            <a:r>
+              <a:rPr lang="ko-KR" altLang="en-US" dirty="0"/>
+              <a:t>노드</a:t>
+            </a:r>
+            <a:r>
+              <a:rPr lang="en-US" altLang="ko-KR" dirty="0"/>
+              <a:t>:</a:t>
+            </a:r>
+            <a:r>
+              <a:rPr lang="ko-KR" altLang="en-US" dirty="0"/>
+              <a:t> </a:t>
+            </a:r>
+            <a:r>
+              <a:rPr lang="en-US" altLang="ko-KR" dirty="0"/>
+              <a:t>Blackboard </a:t>
+            </a:r>
+            <a:r>
+              <a:rPr lang="ko-KR" altLang="en-US" dirty="0"/>
+              <a:t>지정하기</a:t>
+            </a:r>
+            <a:r>
+              <a:rPr lang="en-US" altLang="ko-KR" dirty="0"/>
+              <a:t> </a:t>
+            </a:r>
+          </a:p>
+          <a:p>
+            <a:r>
+              <a:rPr lang="en-US" altLang="ko-KR" dirty="0"/>
+              <a:t> </a:t>
+            </a:r>
+            <a:r>
+              <a:rPr lang="en-US" altLang="ko-KR" dirty="0" err="1"/>
+              <a:t>RunBehaviorTree</a:t>
+            </a:r>
+            <a:r>
+              <a:rPr lang="en-US" altLang="ko-KR" dirty="0"/>
+              <a:t> </a:t>
+            </a:r>
+            <a:r>
+              <a:rPr lang="ko-KR" altLang="en-US" dirty="0"/>
+              <a:t>노드 </a:t>
+            </a:r>
+            <a:r>
+              <a:rPr lang="en-US" altLang="ko-KR" dirty="0"/>
+              <a:t>: </a:t>
+            </a:r>
+            <a:r>
+              <a:rPr lang="en-US" altLang="ko-KR" dirty="0" err="1"/>
+              <a:t>BehaviorTree</a:t>
+            </a:r>
+            <a:r>
+              <a:rPr lang="en-US" altLang="ko-KR" dirty="0"/>
+              <a:t> </a:t>
+            </a:r>
+            <a:r>
+              <a:rPr lang="ko-KR" altLang="en-US" dirty="0"/>
+              <a:t>실행하기</a:t>
+            </a:r>
+            <a:endParaRPr lang="en-US" altLang="ko-KR" dirty="0"/>
+          </a:p>
+          <a:p>
+            <a:endParaRPr lang="ko-KR" altLang="en-US" dirty="0"/>
+          </a:p>
+        </p:txBody>
+      </p:sp>
     </p:spTree>
     <p:extLst>
       <p:ext uri="{BB962C8B-B14F-4D97-AF65-F5344CB8AC3E}">
-        <p14:creationId xmlns:p14="http://schemas.microsoft.com/office/powerpoint/2010/main" val="1375765079"/>
+        <p14:creationId xmlns:p14="http://schemas.microsoft.com/office/powerpoint/2010/main" val="3530259281"/>
+      </p:ext>
+    </p:extLst>
+  </p:cSld>
+  <p:clrMapOvr>
+    <a:masterClrMapping/>
+  </p:clrMapOvr>
+</p:sld>
+</file>
+
+<file path=ppt/slides/slide26.xml><?xml version="1.0" encoding="utf-8"?>
+<p:sld xmlns:a="http://schemas.openxmlformats.org/drawingml/2006/main" xmlns:r="http://schemas.openxmlformats.org/officeDocument/2006/relationships" xmlns:p="http://schemas.openxmlformats.org/presentationml/2006/main">
+  <p:cSld>
+    <p:spTree>
+      <p:nvGrpSpPr>
+        <p:cNvPr id="1" name=""/>
+        <p:cNvGrpSpPr/>
+        <p:nvPr/>
+      </p:nvGrpSpPr>
+      <p:grpSpPr>
+        <a:xfrm>
+          <a:off x="0" y="0"/>
+          <a:ext cx="0" cy="0"/>
+          <a:chOff x="0" y="0"/>
+          <a:chExt cx="0" cy="0"/>
+        </a:xfrm>
+      </p:grpSpPr>
+      <p:pic>
+        <p:nvPicPr>
+          <p:cNvPr id="13" name="그림 12">
+            <a:extLst>
+              <a:ext uri="{FF2B5EF4-FFF2-40B4-BE49-F238E27FC236}">
+                <a16:creationId xmlns:a16="http://schemas.microsoft.com/office/drawing/2014/main" id="{9283D0F2-392C-4ADE-803C-700FCBD20BC4}"/>
+              </a:ext>
+            </a:extLst>
+          </p:cNvPr>
+          <p:cNvPicPr>
+            <a:picLocks noChangeAspect="1"/>
+          </p:cNvPicPr>
+          <p:nvPr/>
+        </p:nvPicPr>
+        <p:blipFill>
+          <a:blip r:embed="rId2"/>
+          <a:stretch>
+            <a:fillRect/>
+          </a:stretch>
+        </p:blipFill>
+        <p:spPr>
+          <a:xfrm>
+            <a:off x="6322547" y="1825625"/>
+            <a:ext cx="5133975" cy="4029075"/>
+          </a:xfrm>
+          <a:prstGeom prst="rect">
+            <a:avLst/>
+          </a:prstGeom>
+        </p:spPr>
+      </p:pic>
+      <p:sp>
+        <p:nvSpPr>
+          <p:cNvPr id="2" name="제목 1">
+            <a:extLst>
+              <a:ext uri="{FF2B5EF4-FFF2-40B4-BE49-F238E27FC236}">
+                <a16:creationId xmlns:a16="http://schemas.microsoft.com/office/drawing/2014/main" id="{5C97EF1F-B215-45A3-A740-81D71012E106}"/>
+              </a:ext>
+            </a:extLst>
+          </p:cNvPr>
+          <p:cNvSpPr>
+            <a:spLocks noGrp="1"/>
+          </p:cNvSpPr>
+          <p:nvPr>
+            <p:ph type="title"/>
+          </p:nvPr>
+        </p:nvSpPr>
+        <p:spPr/>
+        <p:txBody>
+          <a:bodyPr/>
+          <a:lstStyle/>
+          <a:p>
+            <a:r>
+              <a:rPr lang="en-US" altLang="ko-KR" dirty="0"/>
+              <a:t>Blackboard </a:t>
+            </a:r>
+            <a:r>
+              <a:rPr lang="ko-KR" altLang="en-US" dirty="0"/>
+              <a:t>생성과 키</a:t>
+            </a:r>
+            <a:r>
+              <a:rPr lang="en-US" altLang="ko-KR" dirty="0"/>
+              <a:t>,</a:t>
+            </a:r>
+            <a:r>
+              <a:rPr lang="ko-KR" altLang="en-US" dirty="0"/>
+              <a:t>데이터 설정</a:t>
+            </a:r>
+          </a:p>
+        </p:txBody>
+      </p:sp>
+      <p:sp>
+        <p:nvSpPr>
+          <p:cNvPr id="3" name="내용 개체 틀 2">
+            <a:extLst>
+              <a:ext uri="{FF2B5EF4-FFF2-40B4-BE49-F238E27FC236}">
+                <a16:creationId xmlns:a16="http://schemas.microsoft.com/office/drawing/2014/main" id="{5A889A95-40B7-4B34-81F9-ADB8D7062C2D}"/>
+              </a:ext>
+            </a:extLst>
+          </p:cNvPr>
+          <p:cNvSpPr>
+            <a:spLocks noGrp="1"/>
+          </p:cNvSpPr>
+          <p:nvPr>
+            <p:ph idx="1"/>
+          </p:nvPr>
+        </p:nvSpPr>
+        <p:spPr>
+          <a:xfrm>
+            <a:off x="838200" y="1825625"/>
+            <a:ext cx="4681799" cy="4351338"/>
+          </a:xfrm>
+        </p:spPr>
+        <p:txBody>
+          <a:bodyPr/>
+          <a:lstStyle/>
+          <a:p>
+            <a:r>
+              <a:rPr lang="ko-KR" altLang="en-US" dirty="0"/>
+              <a:t>오른쪽 버튼 </a:t>
+            </a:r>
+            <a:r>
+              <a:rPr lang="en-US" altLang="ko-KR" dirty="0"/>
+              <a:t>-&gt;</a:t>
+            </a:r>
+          </a:p>
+          <a:p>
+            <a:pPr marL="0" indent="0">
+              <a:buNone/>
+            </a:pPr>
+            <a:r>
+              <a:rPr lang="ko-KR" altLang="en-US" dirty="0"/>
+              <a:t>고급 </a:t>
+            </a:r>
+            <a:r>
+              <a:rPr lang="ko-KR" altLang="en-US" dirty="0" err="1"/>
+              <a:t>애셋</a:t>
+            </a:r>
+            <a:r>
+              <a:rPr lang="ko-KR" altLang="en-US" dirty="0"/>
+              <a:t> 생성 </a:t>
+            </a:r>
+            <a:r>
+              <a:rPr lang="en-US" altLang="ko-KR" dirty="0"/>
+              <a:t>(</a:t>
+            </a:r>
+            <a:r>
+              <a:rPr lang="ko-KR" altLang="en-US" dirty="0"/>
+              <a:t>인공지능</a:t>
+            </a:r>
+            <a:r>
+              <a:rPr lang="en-US" altLang="ko-KR" dirty="0"/>
+              <a:t>) </a:t>
+            </a:r>
+          </a:p>
+          <a:p>
+            <a:pPr marL="0" indent="0">
+              <a:buNone/>
+            </a:pPr>
+            <a:r>
+              <a:rPr lang="en-US" altLang="ko-KR" dirty="0"/>
+              <a:t>-&gt; blackboard</a:t>
+            </a:r>
+          </a:p>
+          <a:p>
+            <a:endParaRPr lang="en-US" altLang="ko-KR" dirty="0"/>
+          </a:p>
+          <a:p>
+            <a:r>
+              <a:rPr lang="ko-KR" altLang="en-US" dirty="0"/>
+              <a:t>키 추가 후에</a:t>
+            </a:r>
+            <a:endParaRPr lang="en-US" altLang="ko-KR" dirty="0"/>
+          </a:p>
+          <a:p>
+            <a:pPr marL="0" indent="0">
+              <a:buNone/>
+            </a:pPr>
+            <a:r>
+              <a:rPr lang="ko-KR" altLang="en-US" dirty="0"/>
+              <a:t>이름과 타입설정 하여</a:t>
+            </a:r>
+            <a:endParaRPr lang="en-US" altLang="ko-KR" dirty="0"/>
+          </a:p>
+          <a:p>
+            <a:pPr marL="0" indent="0">
+              <a:buNone/>
+            </a:pPr>
+            <a:r>
+              <a:rPr lang="ko-KR" altLang="en-US" dirty="0"/>
+              <a:t>사용할 정보를 설정한다</a:t>
+            </a:r>
+            <a:r>
+              <a:rPr lang="en-US" altLang="ko-KR" dirty="0"/>
+              <a:t>.</a:t>
+            </a:r>
+            <a:endParaRPr lang="ko-KR" altLang="en-US" dirty="0"/>
+          </a:p>
+        </p:txBody>
+      </p:sp>
+      <p:sp>
+        <p:nvSpPr>
+          <p:cNvPr id="8" name="직사각형 7">
+            <a:extLst>
+              <a:ext uri="{FF2B5EF4-FFF2-40B4-BE49-F238E27FC236}">
+                <a16:creationId xmlns:a16="http://schemas.microsoft.com/office/drawing/2014/main" id="{A25F542C-75F0-4119-B2C1-8F8F5182536F}"/>
+              </a:ext>
+            </a:extLst>
+          </p:cNvPr>
+          <p:cNvSpPr/>
+          <p:nvPr/>
+        </p:nvSpPr>
+        <p:spPr>
+          <a:xfrm>
+            <a:off x="6398003" y="3264167"/>
+            <a:ext cx="704675" cy="637563"/>
+          </a:xfrm>
+          <a:prstGeom prst="rect">
+            <a:avLst/>
+          </a:prstGeom>
+          <a:noFill/>
+          <a:ln w="38100">
+            <a:solidFill>
+              <a:srgbClr val="C00000"/>
+            </a:solidFill>
+          </a:ln>
+        </p:spPr>
+        <p:style>
+          <a:lnRef idx="2">
+            <a:schemeClr val="accent1">
+              <a:shade val="50000"/>
+            </a:schemeClr>
+          </a:lnRef>
+          <a:fillRef idx="1">
+            <a:schemeClr val="accent1"/>
+          </a:fillRef>
+          <a:effectRef idx="0">
+            <a:schemeClr val="accent1"/>
+          </a:effectRef>
+          <a:fontRef idx="minor">
+            <a:schemeClr val="lt1"/>
+          </a:fontRef>
+        </p:style>
+        <p:txBody>
+          <a:bodyPr rtlCol="0" anchor="ctr"/>
+          <a:lstStyle/>
+          <a:p>
+            <a:pPr algn="ctr"/>
+            <a:endParaRPr lang="ko-KR" altLang="en-US"/>
+          </a:p>
+        </p:txBody>
+      </p:sp>
+      <p:sp>
+        <p:nvSpPr>
+          <p:cNvPr id="11" name="직사각형 10">
+            <a:extLst>
+              <a:ext uri="{FF2B5EF4-FFF2-40B4-BE49-F238E27FC236}">
+                <a16:creationId xmlns:a16="http://schemas.microsoft.com/office/drawing/2014/main" id="{D694A457-866A-48A4-A2F8-BCA59FFF874B}"/>
+              </a:ext>
+            </a:extLst>
+          </p:cNvPr>
+          <p:cNvSpPr/>
+          <p:nvPr/>
+        </p:nvSpPr>
+        <p:spPr>
+          <a:xfrm>
+            <a:off x="9001387" y="3827728"/>
+            <a:ext cx="2097248" cy="225104"/>
+          </a:xfrm>
+          <a:prstGeom prst="rect">
+            <a:avLst/>
+          </a:prstGeom>
+          <a:noFill/>
+          <a:ln w="38100">
+            <a:solidFill>
+              <a:srgbClr val="C00000"/>
+            </a:solidFill>
+          </a:ln>
+        </p:spPr>
+        <p:style>
+          <a:lnRef idx="2">
+            <a:schemeClr val="accent1">
+              <a:shade val="50000"/>
+            </a:schemeClr>
+          </a:lnRef>
+          <a:fillRef idx="1">
+            <a:schemeClr val="accent1"/>
+          </a:fillRef>
+          <a:effectRef idx="0">
+            <a:schemeClr val="accent1"/>
+          </a:effectRef>
+          <a:fontRef idx="minor">
+            <a:schemeClr val="lt1"/>
+          </a:fontRef>
+        </p:style>
+        <p:txBody>
+          <a:bodyPr rtlCol="0" anchor="ctr"/>
+          <a:lstStyle/>
+          <a:p>
+            <a:pPr algn="ctr"/>
+            <a:endParaRPr lang="ko-KR" altLang="en-US"/>
+          </a:p>
+        </p:txBody>
+      </p:sp>
+      <p:sp>
+        <p:nvSpPr>
+          <p:cNvPr id="12" name="직사각형 11">
+            <a:extLst>
+              <a:ext uri="{FF2B5EF4-FFF2-40B4-BE49-F238E27FC236}">
+                <a16:creationId xmlns:a16="http://schemas.microsoft.com/office/drawing/2014/main" id="{BDCE7585-87DA-47DE-BD24-DF41F25DDF32}"/>
+              </a:ext>
+            </a:extLst>
+          </p:cNvPr>
+          <p:cNvSpPr/>
+          <p:nvPr/>
+        </p:nvSpPr>
+        <p:spPr>
+          <a:xfrm>
+            <a:off x="9001387" y="4269803"/>
+            <a:ext cx="2265027" cy="285419"/>
+          </a:xfrm>
+          <a:prstGeom prst="rect">
+            <a:avLst/>
+          </a:prstGeom>
+          <a:noFill/>
+          <a:ln w="38100">
+            <a:solidFill>
+              <a:srgbClr val="C00000"/>
+            </a:solidFill>
+          </a:ln>
+        </p:spPr>
+        <p:style>
+          <a:lnRef idx="2">
+            <a:schemeClr val="accent1">
+              <a:shade val="50000"/>
+            </a:schemeClr>
+          </a:lnRef>
+          <a:fillRef idx="1">
+            <a:schemeClr val="accent1"/>
+          </a:fillRef>
+          <a:effectRef idx="0">
+            <a:schemeClr val="accent1"/>
+          </a:effectRef>
+          <a:fontRef idx="minor">
+            <a:schemeClr val="lt1"/>
+          </a:fontRef>
+        </p:style>
+        <p:txBody>
+          <a:bodyPr rtlCol="0" anchor="ctr"/>
+          <a:lstStyle/>
+          <a:p>
+            <a:pPr algn="ctr"/>
+            <a:endParaRPr lang="ko-KR" altLang="en-US"/>
+          </a:p>
+        </p:txBody>
+      </p:sp>
+    </p:spTree>
+    <p:extLst>
+      <p:ext uri="{BB962C8B-B14F-4D97-AF65-F5344CB8AC3E}">
+        <p14:creationId xmlns:p14="http://schemas.microsoft.com/office/powerpoint/2010/main" val="3142804751"/>
+      </p:ext>
+    </p:extLst>
+  </p:cSld>
+  <p:clrMapOvr>
+    <a:masterClrMapping/>
+  </p:clrMapOvr>
+</p:sld>
+</file>
+
+<file path=ppt/slides/slide27.xml><?xml version="1.0" encoding="utf-8"?>
+<p:sld xmlns:a="http://schemas.openxmlformats.org/drawingml/2006/main" xmlns:r="http://schemas.openxmlformats.org/officeDocument/2006/relationships" xmlns:p="http://schemas.openxmlformats.org/presentationml/2006/main">
+  <p:cSld>
+    <p:spTree>
+      <p:nvGrpSpPr>
+        <p:cNvPr id="1" name=""/>
+        <p:cNvGrpSpPr/>
+        <p:nvPr/>
+      </p:nvGrpSpPr>
+      <p:grpSpPr>
+        <a:xfrm>
+          <a:off x="0" y="0"/>
+          <a:ext cx="0" cy="0"/>
+          <a:chOff x="0" y="0"/>
+          <a:chExt cx="0" cy="0"/>
+        </a:xfrm>
+      </p:grpSpPr>
+      <p:pic>
+        <p:nvPicPr>
+          <p:cNvPr id="6" name="그림 5">
+            <a:extLst>
+              <a:ext uri="{FF2B5EF4-FFF2-40B4-BE49-F238E27FC236}">
+                <a16:creationId xmlns:a16="http://schemas.microsoft.com/office/drawing/2014/main" id="{2C244943-FAD6-430D-9C5B-078D1D2DED7C}"/>
+              </a:ext>
+            </a:extLst>
+          </p:cNvPr>
+          <p:cNvPicPr>
+            <a:picLocks noChangeAspect="1"/>
+          </p:cNvPicPr>
+          <p:nvPr/>
+        </p:nvPicPr>
+        <p:blipFill>
+          <a:blip r:embed="rId2"/>
+          <a:stretch>
+            <a:fillRect/>
+          </a:stretch>
+        </p:blipFill>
+        <p:spPr>
+          <a:xfrm>
+            <a:off x="838199" y="1371985"/>
+            <a:ext cx="10383402" cy="5486015"/>
+          </a:xfrm>
+          <a:prstGeom prst="rect">
+            <a:avLst/>
+          </a:prstGeom>
+        </p:spPr>
+      </p:pic>
+      <p:sp>
+        <p:nvSpPr>
+          <p:cNvPr id="2" name="제목 1">
+            <a:extLst>
+              <a:ext uri="{FF2B5EF4-FFF2-40B4-BE49-F238E27FC236}">
+                <a16:creationId xmlns:a16="http://schemas.microsoft.com/office/drawing/2014/main" id="{D8E5C72D-7947-46F0-8DFF-710941511C25}"/>
+              </a:ext>
+            </a:extLst>
+          </p:cNvPr>
+          <p:cNvSpPr>
+            <a:spLocks noGrp="1"/>
+          </p:cNvSpPr>
+          <p:nvPr>
+            <p:ph type="title"/>
+          </p:nvPr>
+        </p:nvSpPr>
+        <p:spPr/>
+        <p:txBody>
+          <a:bodyPr/>
+          <a:lstStyle/>
+          <a:p>
+            <a:r>
+              <a:rPr lang="en-US" altLang="ko-KR" dirty="0"/>
+              <a:t>Blackboard </a:t>
+            </a:r>
+            <a:r>
+              <a:rPr lang="ko-KR" altLang="en-US" dirty="0"/>
+              <a:t>데이터 읽고 쓰기 </a:t>
+            </a:r>
+            <a:r>
+              <a:rPr lang="en-US" altLang="ko-KR" dirty="0"/>
+              <a:t>(1)</a:t>
+            </a:r>
+            <a:endParaRPr lang="ko-KR" altLang="en-US" dirty="0"/>
+          </a:p>
+        </p:txBody>
+      </p:sp>
+      <p:sp>
+        <p:nvSpPr>
+          <p:cNvPr id="3" name="내용 개체 틀 2">
+            <a:extLst>
+              <a:ext uri="{FF2B5EF4-FFF2-40B4-BE49-F238E27FC236}">
+                <a16:creationId xmlns:a16="http://schemas.microsoft.com/office/drawing/2014/main" id="{6D7F5561-9844-4902-916B-3DCF24D4F8F5}"/>
+              </a:ext>
+            </a:extLst>
+          </p:cNvPr>
+          <p:cNvSpPr>
+            <a:spLocks noGrp="1"/>
+          </p:cNvSpPr>
+          <p:nvPr>
+            <p:ph idx="1"/>
+          </p:nvPr>
+        </p:nvSpPr>
+        <p:spPr>
+          <a:xfrm>
+            <a:off x="838199" y="1825625"/>
+            <a:ext cx="4623033" cy="716239"/>
+          </a:xfrm>
+        </p:spPr>
+        <p:txBody>
+          <a:bodyPr/>
+          <a:lstStyle/>
+          <a:p>
+            <a:r>
+              <a:rPr lang="en-US" altLang="ko-KR" dirty="0" err="1">
+                <a:solidFill>
+                  <a:schemeClr val="bg1"/>
+                </a:solidFill>
+              </a:rPr>
+              <a:t>AIContoller</a:t>
+            </a:r>
+            <a:r>
+              <a:rPr lang="ko-KR" altLang="en-US" dirty="0">
+                <a:solidFill>
+                  <a:schemeClr val="bg1"/>
+                </a:solidFill>
+              </a:rPr>
+              <a:t>에서 접근방법</a:t>
+            </a:r>
+          </a:p>
+        </p:txBody>
+      </p:sp>
+    </p:spTree>
+    <p:extLst>
+      <p:ext uri="{BB962C8B-B14F-4D97-AF65-F5344CB8AC3E}">
+        <p14:creationId xmlns:p14="http://schemas.microsoft.com/office/powerpoint/2010/main" val="3524301404"/>
+      </p:ext>
+    </p:extLst>
+  </p:cSld>
+  <p:clrMapOvr>
+    <a:masterClrMapping/>
+  </p:clrMapOvr>
+</p:sld>
+</file>
+
+<file path=ppt/slides/slide28.xml><?xml version="1.0" encoding="utf-8"?>
+<p:sld xmlns:a="http://schemas.openxmlformats.org/drawingml/2006/main" xmlns:r="http://schemas.openxmlformats.org/officeDocument/2006/relationships" xmlns:p="http://schemas.openxmlformats.org/presentationml/2006/main">
+  <p:cSld>
+    <p:spTree>
+      <p:nvGrpSpPr>
+        <p:cNvPr id="1" name=""/>
+        <p:cNvGrpSpPr/>
+        <p:nvPr/>
+      </p:nvGrpSpPr>
+      <p:grpSpPr>
+        <a:xfrm>
+          <a:off x="0" y="0"/>
+          <a:ext cx="0" cy="0"/>
+          <a:chOff x="0" y="0"/>
+          <a:chExt cx="0" cy="0"/>
+        </a:xfrm>
+      </p:grpSpPr>
+      <p:pic>
+        <p:nvPicPr>
+          <p:cNvPr id="7" name="그림 6">
+            <a:extLst>
+              <a:ext uri="{FF2B5EF4-FFF2-40B4-BE49-F238E27FC236}">
+                <a16:creationId xmlns:a16="http://schemas.microsoft.com/office/drawing/2014/main" id="{937DAE44-BFAA-4289-B626-25B72E7D8BA9}"/>
+              </a:ext>
+            </a:extLst>
+          </p:cNvPr>
+          <p:cNvPicPr>
+            <a:picLocks noChangeAspect="1"/>
+          </p:cNvPicPr>
+          <p:nvPr/>
+        </p:nvPicPr>
+        <p:blipFill>
+          <a:blip r:embed="rId2"/>
+          <a:stretch>
+            <a:fillRect/>
+          </a:stretch>
+        </p:blipFill>
+        <p:spPr>
+          <a:xfrm>
+            <a:off x="266700" y="2665159"/>
+            <a:ext cx="11658600" cy="4095750"/>
+          </a:xfrm>
+          <a:prstGeom prst="rect">
+            <a:avLst/>
+          </a:prstGeom>
+        </p:spPr>
+      </p:pic>
+      <p:sp>
+        <p:nvSpPr>
+          <p:cNvPr id="2" name="제목 1">
+            <a:extLst>
+              <a:ext uri="{FF2B5EF4-FFF2-40B4-BE49-F238E27FC236}">
+                <a16:creationId xmlns:a16="http://schemas.microsoft.com/office/drawing/2014/main" id="{2C767985-EACB-45C7-B6D4-C420227FCB14}"/>
+              </a:ext>
+            </a:extLst>
+          </p:cNvPr>
+          <p:cNvSpPr>
+            <a:spLocks noGrp="1"/>
+          </p:cNvSpPr>
+          <p:nvPr>
+            <p:ph type="title"/>
+          </p:nvPr>
+        </p:nvSpPr>
+        <p:spPr/>
+        <p:txBody>
+          <a:bodyPr/>
+          <a:lstStyle/>
+          <a:p>
+            <a:r>
+              <a:rPr lang="en-US" altLang="ko-KR" dirty="0"/>
+              <a:t>Blackboard </a:t>
+            </a:r>
+            <a:r>
+              <a:rPr lang="ko-KR" altLang="en-US" dirty="0"/>
+              <a:t>데이터 읽고 쓰기 </a:t>
+            </a:r>
+            <a:r>
+              <a:rPr lang="en-US" altLang="ko-KR" dirty="0"/>
+              <a:t>(2)</a:t>
+            </a:r>
+            <a:endParaRPr lang="ko-KR" altLang="en-US" dirty="0"/>
+          </a:p>
+        </p:txBody>
+      </p:sp>
+      <p:sp>
+        <p:nvSpPr>
+          <p:cNvPr id="3" name="내용 개체 틀 2">
+            <a:extLst>
+              <a:ext uri="{FF2B5EF4-FFF2-40B4-BE49-F238E27FC236}">
+                <a16:creationId xmlns:a16="http://schemas.microsoft.com/office/drawing/2014/main" id="{FF32CE7C-8288-491D-9E28-942692E8593C}"/>
+              </a:ext>
+            </a:extLst>
+          </p:cNvPr>
+          <p:cNvSpPr>
+            <a:spLocks noGrp="1"/>
+          </p:cNvSpPr>
+          <p:nvPr>
+            <p:ph idx="1"/>
+          </p:nvPr>
+        </p:nvSpPr>
+        <p:spPr>
+          <a:xfrm>
+            <a:off x="166032" y="1466723"/>
+            <a:ext cx="7023334" cy="1325563"/>
+          </a:xfrm>
+        </p:spPr>
+        <p:txBody>
+          <a:bodyPr>
+            <a:normAutofit fontScale="92500"/>
+          </a:bodyPr>
+          <a:lstStyle/>
+          <a:p>
+            <a:r>
+              <a:rPr lang="en-US" altLang="ko-KR" dirty="0" err="1"/>
+              <a:t>BehaviorTree</a:t>
+            </a:r>
+            <a:r>
+              <a:rPr lang="en-US" altLang="ko-KR" dirty="0"/>
+              <a:t> -</a:t>
+            </a:r>
+            <a:r>
+              <a:rPr lang="ko-KR" altLang="en-US" dirty="0"/>
+              <a:t> </a:t>
+            </a:r>
+            <a:r>
+              <a:rPr lang="en-US" altLang="ko-KR" dirty="0"/>
+              <a:t>Task</a:t>
+            </a:r>
+            <a:r>
+              <a:rPr lang="ko-KR" altLang="en-US" dirty="0"/>
+              <a:t>에서의 접근 방법 </a:t>
+            </a:r>
+            <a:r>
+              <a:rPr lang="en-US" altLang="ko-KR" dirty="0"/>
+              <a:t>, Key </a:t>
+            </a:r>
+            <a:r>
+              <a:rPr lang="ko-KR" altLang="en-US" dirty="0"/>
+              <a:t>를 변수로 두고 </a:t>
+            </a:r>
+            <a:r>
+              <a:rPr lang="en-US" altLang="ko-KR" dirty="0" err="1"/>
+              <a:t>BehaviorTree</a:t>
+            </a:r>
+            <a:r>
+              <a:rPr lang="en-US" altLang="ko-KR" dirty="0"/>
+              <a:t> </a:t>
+            </a:r>
+            <a:r>
+              <a:rPr lang="ko-KR" altLang="en-US" dirty="0"/>
+              <a:t>에디터에서 </a:t>
+            </a:r>
+            <a:r>
+              <a:rPr lang="en-US" altLang="ko-KR" dirty="0" err="1"/>
+              <a:t>TaskNode</a:t>
+            </a:r>
+            <a:r>
+              <a:rPr lang="en-US" altLang="ko-KR" dirty="0"/>
+              <a:t> </a:t>
+            </a:r>
+            <a:r>
+              <a:rPr lang="ko-KR" altLang="en-US" dirty="0"/>
+              <a:t>에서 실제 사용할 </a:t>
+            </a:r>
+            <a:r>
+              <a:rPr lang="en-US" altLang="ko-KR" dirty="0"/>
+              <a:t>Key</a:t>
+            </a:r>
+            <a:r>
+              <a:rPr lang="ko-KR" altLang="en-US" dirty="0"/>
+              <a:t>를 설정</a:t>
+            </a:r>
+          </a:p>
+        </p:txBody>
+      </p:sp>
+      <p:sp>
+        <p:nvSpPr>
+          <p:cNvPr id="8" name="사각형: 둥근 모서리 7">
+            <a:extLst>
+              <a:ext uri="{FF2B5EF4-FFF2-40B4-BE49-F238E27FC236}">
+                <a16:creationId xmlns:a16="http://schemas.microsoft.com/office/drawing/2014/main" id="{0DC44C6D-A67E-4A80-B080-79C0F3D947C3}"/>
+              </a:ext>
+            </a:extLst>
+          </p:cNvPr>
+          <p:cNvSpPr/>
+          <p:nvPr/>
+        </p:nvSpPr>
+        <p:spPr>
+          <a:xfrm>
+            <a:off x="166031" y="3749878"/>
+            <a:ext cx="2006717" cy="419449"/>
+          </a:xfrm>
+          <a:prstGeom prst="roundRect">
+            <a:avLst/>
+          </a:prstGeom>
+          <a:noFill/>
+          <a:ln w="57150">
+            <a:solidFill>
+              <a:srgbClr val="C00000"/>
+            </a:solidFill>
+          </a:ln>
+        </p:spPr>
+        <p:style>
+          <a:lnRef idx="2">
+            <a:schemeClr val="accent1">
+              <a:shade val="50000"/>
+            </a:schemeClr>
+          </a:lnRef>
+          <a:fillRef idx="1">
+            <a:schemeClr val="accent1"/>
+          </a:fillRef>
+          <a:effectRef idx="0">
+            <a:schemeClr val="accent1"/>
+          </a:effectRef>
+          <a:fontRef idx="minor">
+            <a:schemeClr val="lt1"/>
+          </a:fontRef>
+        </p:style>
+        <p:txBody>
+          <a:bodyPr rtlCol="0" anchor="ctr"/>
+          <a:lstStyle/>
+          <a:p>
+            <a:pPr algn="ctr"/>
+            <a:endParaRPr lang="ko-KR" altLang="en-US"/>
+          </a:p>
+        </p:txBody>
+      </p:sp>
+      <p:sp>
+        <p:nvSpPr>
+          <p:cNvPr id="9" name="사각형: 둥근 모서리 8">
+            <a:extLst>
+              <a:ext uri="{FF2B5EF4-FFF2-40B4-BE49-F238E27FC236}">
+                <a16:creationId xmlns:a16="http://schemas.microsoft.com/office/drawing/2014/main" id="{9907439A-9979-424A-A09A-ADEE710041F6}"/>
+              </a:ext>
+            </a:extLst>
+          </p:cNvPr>
+          <p:cNvSpPr/>
+          <p:nvPr/>
+        </p:nvSpPr>
+        <p:spPr>
+          <a:xfrm>
+            <a:off x="9555061" y="3061982"/>
+            <a:ext cx="1342238" cy="260058"/>
+          </a:xfrm>
+          <a:prstGeom prst="roundRect">
+            <a:avLst/>
+          </a:prstGeom>
+          <a:noFill/>
+          <a:ln w="57150">
+            <a:solidFill>
+              <a:srgbClr val="C00000"/>
+            </a:solidFill>
+          </a:ln>
+        </p:spPr>
+        <p:style>
+          <a:lnRef idx="2">
+            <a:schemeClr val="accent1">
+              <a:shade val="50000"/>
+            </a:schemeClr>
+          </a:lnRef>
+          <a:fillRef idx="1">
+            <a:schemeClr val="accent1"/>
+          </a:fillRef>
+          <a:effectRef idx="0">
+            <a:schemeClr val="accent1"/>
+          </a:effectRef>
+          <a:fontRef idx="minor">
+            <a:schemeClr val="lt1"/>
+          </a:fontRef>
+        </p:style>
+        <p:txBody>
+          <a:bodyPr rtlCol="0" anchor="ctr"/>
+          <a:lstStyle/>
+          <a:p>
+            <a:pPr algn="ctr"/>
+            <a:endParaRPr lang="ko-KR" altLang="en-US"/>
+          </a:p>
+        </p:txBody>
+      </p:sp>
+      <p:pic>
+        <p:nvPicPr>
+          <p:cNvPr id="10" name="그림 9">
+            <a:extLst>
+              <a:ext uri="{FF2B5EF4-FFF2-40B4-BE49-F238E27FC236}">
+                <a16:creationId xmlns:a16="http://schemas.microsoft.com/office/drawing/2014/main" id="{80ADFDCF-8517-4F4B-9A4C-59204BA4373A}"/>
+              </a:ext>
+            </a:extLst>
+          </p:cNvPr>
+          <p:cNvPicPr>
+            <a:picLocks noChangeAspect="1"/>
+          </p:cNvPicPr>
+          <p:nvPr/>
+        </p:nvPicPr>
+        <p:blipFill>
+          <a:blip r:embed="rId3"/>
+          <a:stretch>
+            <a:fillRect/>
+          </a:stretch>
+        </p:blipFill>
+        <p:spPr>
+          <a:xfrm>
+            <a:off x="7532440" y="1594454"/>
+            <a:ext cx="4362450" cy="942975"/>
+          </a:xfrm>
+          <a:prstGeom prst="rect">
+            <a:avLst/>
+          </a:prstGeom>
+        </p:spPr>
+      </p:pic>
+    </p:spTree>
+    <p:extLst>
+      <p:ext uri="{BB962C8B-B14F-4D97-AF65-F5344CB8AC3E}">
+        <p14:creationId xmlns:p14="http://schemas.microsoft.com/office/powerpoint/2010/main" val="710380570"/>
+      </p:ext>
+    </p:extLst>
+  </p:cSld>
+  <p:clrMapOvr>
+    <a:masterClrMapping/>
+  </p:clrMapOvr>
+</p:sld>
+</file>
+
+<file path=ppt/slides/slide29.xml><?xml version="1.0" encoding="utf-8"?>
+<p:sld xmlns:a="http://schemas.openxmlformats.org/drawingml/2006/main" xmlns:r="http://schemas.openxmlformats.org/officeDocument/2006/relationships" xmlns:p="http://schemas.openxmlformats.org/presentationml/2006/main">
+  <p:cSld>
+    <p:spTree>
+      <p:nvGrpSpPr>
+        <p:cNvPr id="1" name=""/>
+        <p:cNvGrpSpPr/>
+        <p:nvPr/>
+      </p:nvGrpSpPr>
+      <p:grpSpPr>
+        <a:xfrm>
+          <a:off x="0" y="0"/>
+          <a:ext cx="0" cy="0"/>
+          <a:chOff x="0" y="0"/>
+          <a:chExt cx="0" cy="0"/>
+        </a:xfrm>
+      </p:grpSpPr>
+      <p:pic>
+        <p:nvPicPr>
+          <p:cNvPr id="4" name="그림 3">
+            <a:extLst>
+              <a:ext uri="{FF2B5EF4-FFF2-40B4-BE49-F238E27FC236}">
+                <a16:creationId xmlns:a16="http://schemas.microsoft.com/office/drawing/2014/main" id="{57B9D174-A3EA-454A-B81E-5DCB41294A06}"/>
+              </a:ext>
+            </a:extLst>
+          </p:cNvPr>
+          <p:cNvPicPr>
+            <a:picLocks noChangeAspect="1"/>
+          </p:cNvPicPr>
+          <p:nvPr/>
+        </p:nvPicPr>
+        <p:blipFill>
+          <a:blip r:embed="rId2"/>
+          <a:stretch>
+            <a:fillRect/>
+          </a:stretch>
+        </p:blipFill>
+        <p:spPr>
+          <a:xfrm>
+            <a:off x="331662" y="0"/>
+            <a:ext cx="11528676" cy="6858000"/>
+          </a:xfrm>
+          <a:prstGeom prst="rect">
+            <a:avLst/>
+          </a:prstGeom>
+        </p:spPr>
+      </p:pic>
+      <p:sp>
+        <p:nvSpPr>
+          <p:cNvPr id="5" name="제목 4">
+            <a:extLst>
+              <a:ext uri="{FF2B5EF4-FFF2-40B4-BE49-F238E27FC236}">
+                <a16:creationId xmlns:a16="http://schemas.microsoft.com/office/drawing/2014/main" id="{DFBFD13E-0F1D-4741-BFF7-29C07C7400A5}"/>
+              </a:ext>
+            </a:extLst>
+          </p:cNvPr>
+          <p:cNvSpPr>
+            <a:spLocks noGrp="1"/>
+          </p:cNvSpPr>
+          <p:nvPr>
+            <p:ph type="title"/>
+          </p:nvPr>
+        </p:nvSpPr>
+        <p:spPr/>
+        <p:txBody>
+          <a:bodyPr/>
+          <a:lstStyle/>
+          <a:p>
+            <a:r>
+              <a:rPr lang="en-US" altLang="ko-KR" dirty="0" err="1">
+                <a:solidFill>
+                  <a:schemeClr val="bg1"/>
+                </a:solidFill>
+              </a:rPr>
+              <a:t>BehaviorTree</a:t>
+            </a:r>
+            <a:endParaRPr lang="ko-KR" altLang="en-US" dirty="0">
+              <a:solidFill>
+                <a:schemeClr val="bg1"/>
+              </a:solidFill>
+            </a:endParaRPr>
+          </a:p>
+        </p:txBody>
+      </p:sp>
+      <p:sp>
+        <p:nvSpPr>
+          <p:cNvPr id="6" name="내용 개체 틀 5">
+            <a:extLst>
+              <a:ext uri="{FF2B5EF4-FFF2-40B4-BE49-F238E27FC236}">
+                <a16:creationId xmlns:a16="http://schemas.microsoft.com/office/drawing/2014/main" id="{6BE0A260-26DD-4DFC-A5F9-1E41808BA48E}"/>
+              </a:ext>
+            </a:extLst>
+          </p:cNvPr>
+          <p:cNvSpPr>
+            <a:spLocks noGrp="1"/>
+          </p:cNvSpPr>
+          <p:nvPr>
+            <p:ph idx="1"/>
+          </p:nvPr>
+        </p:nvSpPr>
+        <p:spPr>
+          <a:xfrm>
+            <a:off x="838201" y="1825625"/>
+            <a:ext cx="4505586" cy="1325563"/>
+          </a:xfrm>
+        </p:spPr>
+        <p:txBody>
+          <a:bodyPr>
+            <a:normAutofit fontScale="92500" lnSpcReduction="10000"/>
+          </a:bodyPr>
+          <a:lstStyle/>
+          <a:p>
+            <a:r>
+              <a:rPr lang="ko-KR" altLang="en-US" dirty="0">
+                <a:solidFill>
+                  <a:schemeClr val="bg1"/>
+                </a:solidFill>
+              </a:rPr>
+              <a:t>기본적으로 </a:t>
+            </a:r>
+            <a:endParaRPr lang="en-US" altLang="ko-KR" dirty="0">
+              <a:solidFill>
+                <a:schemeClr val="bg1"/>
+              </a:solidFill>
+            </a:endParaRPr>
+          </a:p>
+          <a:p>
+            <a:pPr marL="0" indent="0">
+              <a:buNone/>
+            </a:pPr>
+            <a:r>
+              <a:rPr lang="ko-KR" altLang="en-US" dirty="0">
+                <a:solidFill>
+                  <a:schemeClr val="bg1"/>
+                </a:solidFill>
+              </a:rPr>
+              <a:t>위에서 아래로</a:t>
+            </a:r>
+            <a:endParaRPr lang="en-US" altLang="ko-KR" dirty="0">
+              <a:solidFill>
+                <a:schemeClr val="bg1"/>
+              </a:solidFill>
+            </a:endParaRPr>
+          </a:p>
+          <a:p>
+            <a:pPr marL="0" indent="0">
+              <a:buNone/>
+            </a:pPr>
+            <a:r>
+              <a:rPr lang="ko-KR" altLang="en-US" dirty="0">
+                <a:solidFill>
+                  <a:schemeClr val="bg1"/>
+                </a:solidFill>
+              </a:rPr>
+              <a:t>왼쪽에서 오른쪽으로 실행</a:t>
+            </a:r>
+          </a:p>
+        </p:txBody>
+      </p:sp>
+      <p:sp>
+        <p:nvSpPr>
+          <p:cNvPr id="16" name="TextBox 15">
+            <a:extLst>
+              <a:ext uri="{FF2B5EF4-FFF2-40B4-BE49-F238E27FC236}">
+                <a16:creationId xmlns:a16="http://schemas.microsoft.com/office/drawing/2014/main" id="{75AA808C-70DC-4B5B-8D7E-544890418B4C}"/>
+              </a:ext>
+            </a:extLst>
+          </p:cNvPr>
+          <p:cNvSpPr txBox="1"/>
+          <p:nvPr/>
+        </p:nvSpPr>
+        <p:spPr>
+          <a:xfrm>
+            <a:off x="775684" y="5561793"/>
+            <a:ext cx="2034628" cy="523220"/>
+          </a:xfrm>
+          <a:prstGeom prst="rect">
+            <a:avLst/>
+          </a:prstGeom>
+          <a:noFill/>
+        </p:spPr>
+        <p:txBody>
+          <a:bodyPr wrap="square" rtlCol="0">
+            <a:spAutoFit/>
+          </a:bodyPr>
+          <a:lstStyle/>
+          <a:p>
+            <a:r>
+              <a:rPr lang="en-US" altLang="ko-KR" sz="2800" dirty="0">
+                <a:solidFill>
+                  <a:schemeClr val="bg1"/>
+                </a:solidFill>
+              </a:rPr>
+              <a:t>Task Node</a:t>
+            </a:r>
+            <a:endParaRPr lang="ko-KR" altLang="en-US" sz="2800" dirty="0">
+              <a:solidFill>
+                <a:schemeClr val="bg1"/>
+              </a:solidFill>
+            </a:endParaRPr>
+          </a:p>
+        </p:txBody>
+      </p:sp>
+      <p:sp>
+        <p:nvSpPr>
+          <p:cNvPr id="17" name="TextBox 16">
+            <a:extLst>
+              <a:ext uri="{FF2B5EF4-FFF2-40B4-BE49-F238E27FC236}">
+                <a16:creationId xmlns:a16="http://schemas.microsoft.com/office/drawing/2014/main" id="{4E565941-E275-4A83-BBDE-0C7F23614C80}"/>
+              </a:ext>
+            </a:extLst>
+          </p:cNvPr>
+          <p:cNvSpPr txBox="1"/>
+          <p:nvPr/>
+        </p:nvSpPr>
+        <p:spPr>
+          <a:xfrm>
+            <a:off x="7924503" y="2722665"/>
+            <a:ext cx="3140576" cy="523220"/>
+          </a:xfrm>
+          <a:prstGeom prst="rect">
+            <a:avLst/>
+          </a:prstGeom>
+          <a:noFill/>
+        </p:spPr>
+        <p:txBody>
+          <a:bodyPr wrap="square" rtlCol="0">
+            <a:spAutoFit/>
+          </a:bodyPr>
+          <a:lstStyle/>
+          <a:p>
+            <a:r>
+              <a:rPr lang="en-US" altLang="ko-KR" sz="2800" dirty="0">
+                <a:solidFill>
+                  <a:schemeClr val="bg1"/>
+                </a:solidFill>
+              </a:rPr>
+              <a:t>Composite Node</a:t>
+            </a:r>
+            <a:endParaRPr lang="ko-KR" altLang="en-US" sz="2800" dirty="0">
+              <a:solidFill>
+                <a:schemeClr val="bg1"/>
+              </a:solidFill>
+            </a:endParaRPr>
+          </a:p>
+        </p:txBody>
+      </p:sp>
+      <p:sp>
+        <p:nvSpPr>
+          <p:cNvPr id="18" name="TextBox 17">
+            <a:extLst>
+              <a:ext uri="{FF2B5EF4-FFF2-40B4-BE49-F238E27FC236}">
+                <a16:creationId xmlns:a16="http://schemas.microsoft.com/office/drawing/2014/main" id="{DCE35F9F-01C1-4B4B-A33C-6942242CC0CB}"/>
+              </a:ext>
+            </a:extLst>
+          </p:cNvPr>
+          <p:cNvSpPr txBox="1"/>
+          <p:nvPr/>
+        </p:nvSpPr>
+        <p:spPr>
+          <a:xfrm>
+            <a:off x="1240024" y="4078747"/>
+            <a:ext cx="3140576" cy="523220"/>
+          </a:xfrm>
+          <a:prstGeom prst="rect">
+            <a:avLst/>
+          </a:prstGeom>
+          <a:noFill/>
+        </p:spPr>
+        <p:txBody>
+          <a:bodyPr wrap="square" rtlCol="0">
+            <a:spAutoFit/>
+          </a:bodyPr>
+          <a:lstStyle/>
+          <a:p>
+            <a:r>
+              <a:rPr lang="en-US" altLang="ko-KR" sz="2800" dirty="0">
+                <a:solidFill>
+                  <a:schemeClr val="bg1"/>
+                </a:solidFill>
+              </a:rPr>
+              <a:t>Composite Node</a:t>
+            </a:r>
+            <a:endParaRPr lang="ko-KR" altLang="en-US" sz="2800" dirty="0">
+              <a:solidFill>
+                <a:schemeClr val="bg1"/>
+              </a:solidFill>
+            </a:endParaRPr>
+          </a:p>
+        </p:txBody>
+      </p:sp>
+      <p:sp>
+        <p:nvSpPr>
+          <p:cNvPr id="19" name="TextBox 18">
+            <a:extLst>
+              <a:ext uri="{FF2B5EF4-FFF2-40B4-BE49-F238E27FC236}">
+                <a16:creationId xmlns:a16="http://schemas.microsoft.com/office/drawing/2014/main" id="{33C26E8D-7A41-4EA7-B23E-84C286D2F03E}"/>
+              </a:ext>
+            </a:extLst>
+          </p:cNvPr>
+          <p:cNvSpPr txBox="1"/>
+          <p:nvPr/>
+        </p:nvSpPr>
+        <p:spPr>
+          <a:xfrm>
+            <a:off x="5207868" y="1057061"/>
+            <a:ext cx="3140576" cy="523220"/>
+          </a:xfrm>
+          <a:prstGeom prst="rect">
+            <a:avLst/>
+          </a:prstGeom>
+          <a:noFill/>
+        </p:spPr>
+        <p:txBody>
+          <a:bodyPr wrap="square" rtlCol="0">
+            <a:spAutoFit/>
+          </a:bodyPr>
+          <a:lstStyle/>
+          <a:p>
+            <a:r>
+              <a:rPr lang="en-US" altLang="ko-KR" sz="2800" dirty="0">
+                <a:solidFill>
+                  <a:schemeClr val="bg1"/>
+                </a:solidFill>
+              </a:rPr>
+              <a:t>Composite Node</a:t>
+            </a:r>
+            <a:endParaRPr lang="ko-KR" altLang="en-US" sz="2800" dirty="0">
+              <a:solidFill>
+                <a:schemeClr val="bg1"/>
+              </a:solidFill>
+            </a:endParaRPr>
+          </a:p>
+        </p:txBody>
+      </p:sp>
+    </p:spTree>
+    <p:extLst>
+      <p:ext uri="{BB962C8B-B14F-4D97-AF65-F5344CB8AC3E}">
+        <p14:creationId xmlns:p14="http://schemas.microsoft.com/office/powerpoint/2010/main" val="4028710145"/>
       </p:ext>
     </p:extLst>
   </p:cSld>
@@ -7515,6 +9183,1304 @@
     <p:extLst>
       <p:ext uri="{BB962C8B-B14F-4D97-AF65-F5344CB8AC3E}">
         <p14:creationId xmlns:p14="http://schemas.microsoft.com/office/powerpoint/2010/main" val="1093149482"/>
+      </p:ext>
+    </p:extLst>
+  </p:cSld>
+  <p:clrMapOvr>
+    <a:masterClrMapping/>
+  </p:clrMapOvr>
+</p:sld>
+</file>
+
+<file path=ppt/slides/slide30.xml><?xml version="1.0" encoding="utf-8"?>
+<p:sld xmlns:a="http://schemas.openxmlformats.org/drawingml/2006/main" xmlns:r="http://schemas.openxmlformats.org/officeDocument/2006/relationships" xmlns:p="http://schemas.openxmlformats.org/presentationml/2006/main">
+  <p:cSld>
+    <p:spTree>
+      <p:nvGrpSpPr>
+        <p:cNvPr id="1" name=""/>
+        <p:cNvGrpSpPr/>
+        <p:nvPr/>
+      </p:nvGrpSpPr>
+      <p:grpSpPr>
+        <a:xfrm>
+          <a:off x="0" y="0"/>
+          <a:ext cx="0" cy="0"/>
+          <a:chOff x="0" y="0"/>
+          <a:chExt cx="0" cy="0"/>
+        </a:xfrm>
+      </p:grpSpPr>
+      <p:sp>
+        <p:nvSpPr>
+          <p:cNvPr id="2" name="제목 1">
+            <a:extLst>
+              <a:ext uri="{FF2B5EF4-FFF2-40B4-BE49-F238E27FC236}">
+                <a16:creationId xmlns:a16="http://schemas.microsoft.com/office/drawing/2014/main" id="{E80202F4-FEB8-4EE9-B02B-E0960CC9AE95}"/>
+              </a:ext>
+            </a:extLst>
+          </p:cNvPr>
+          <p:cNvSpPr>
+            <a:spLocks noGrp="1"/>
+          </p:cNvSpPr>
+          <p:nvPr>
+            <p:ph type="title"/>
+          </p:nvPr>
+        </p:nvSpPr>
+        <p:spPr/>
+        <p:txBody>
+          <a:bodyPr/>
+          <a:lstStyle/>
+          <a:p>
+            <a:r>
+              <a:rPr lang="en-US" altLang="ko-KR" dirty="0" err="1"/>
+              <a:t>BehaviorTree</a:t>
+            </a:r>
+            <a:r>
+              <a:rPr lang="en-US" altLang="ko-KR" dirty="0"/>
+              <a:t> – Composite Node</a:t>
+            </a:r>
+            <a:endParaRPr lang="ko-KR" altLang="en-US" dirty="0"/>
+          </a:p>
+        </p:txBody>
+      </p:sp>
+      <p:sp>
+        <p:nvSpPr>
+          <p:cNvPr id="3" name="내용 개체 틀 2">
+            <a:extLst>
+              <a:ext uri="{FF2B5EF4-FFF2-40B4-BE49-F238E27FC236}">
+                <a16:creationId xmlns:a16="http://schemas.microsoft.com/office/drawing/2014/main" id="{8671C102-BB62-4C7E-98A5-DFF3E99088EB}"/>
+              </a:ext>
+            </a:extLst>
+          </p:cNvPr>
+          <p:cNvSpPr>
+            <a:spLocks noGrp="1"/>
+          </p:cNvSpPr>
+          <p:nvPr>
+            <p:ph idx="1"/>
+          </p:nvPr>
+        </p:nvSpPr>
+        <p:spPr/>
+        <p:txBody>
+          <a:bodyPr>
+            <a:normAutofit lnSpcReduction="10000"/>
+          </a:bodyPr>
+          <a:lstStyle/>
+          <a:p>
+            <a:r>
+              <a:rPr lang="ko-KR" altLang="en-US" dirty="0"/>
+              <a:t>실행 흐름을 제어 하며 보통 다른 조건</a:t>
+            </a:r>
+            <a:r>
+              <a:rPr lang="en-US" altLang="ko-KR" dirty="0"/>
+              <a:t>(Decorator)</a:t>
+            </a:r>
+            <a:r>
+              <a:rPr lang="ko-KR" altLang="en-US" dirty="0"/>
+              <a:t>를 추가한다</a:t>
+            </a:r>
+            <a:r>
+              <a:rPr lang="en-US" altLang="ko-KR" dirty="0"/>
+              <a:t>.</a:t>
+            </a:r>
+          </a:p>
+          <a:p>
+            <a:r>
+              <a:rPr lang="en-US" altLang="ko-KR" dirty="0"/>
+              <a:t>Selector Composite</a:t>
+            </a:r>
+          </a:p>
+          <a:p>
+            <a:pPr marL="0" indent="0">
+              <a:buNone/>
+            </a:pPr>
+            <a:r>
+              <a:rPr lang="ko-KR" altLang="en-US" dirty="0"/>
+              <a:t>자식 노드 왼쪽부터 실행하면서 실패 해야 다음 노드를 실행</a:t>
+            </a:r>
+            <a:endParaRPr lang="en-US" altLang="ko-KR" dirty="0"/>
+          </a:p>
+          <a:p>
+            <a:pPr marL="0" indent="0">
+              <a:buNone/>
+            </a:pPr>
+            <a:r>
+              <a:rPr lang="ko-KR" altLang="en-US" dirty="0"/>
+              <a:t>자식 노드</a:t>
+            </a:r>
+            <a:r>
+              <a:rPr lang="en-US" altLang="ko-KR" dirty="0"/>
+              <a:t>(Task)</a:t>
+            </a:r>
+            <a:r>
+              <a:rPr lang="ko-KR" altLang="en-US" dirty="0"/>
+              <a:t>가 실패 하면 </a:t>
+            </a:r>
+            <a:r>
+              <a:rPr lang="en-US" altLang="ko-KR" dirty="0"/>
+              <a:t>Selector</a:t>
+            </a:r>
+            <a:r>
+              <a:rPr lang="ko-KR" altLang="en-US" dirty="0"/>
+              <a:t>도 실패로 간주</a:t>
+            </a:r>
+            <a:endParaRPr lang="en-US" altLang="ko-KR" dirty="0"/>
+          </a:p>
+          <a:p>
+            <a:pPr marL="0" indent="0">
+              <a:buNone/>
+            </a:pPr>
+            <a:r>
+              <a:rPr lang="ko-KR" altLang="en-US" dirty="0"/>
+              <a:t>우선순위 작업을 왼쪽부터 </a:t>
+            </a:r>
+            <a:r>
+              <a:rPr lang="ko-KR" altLang="en-US" dirty="0" err="1"/>
+              <a:t>나열할때</a:t>
+            </a:r>
+            <a:r>
+              <a:rPr lang="ko-KR" altLang="en-US" dirty="0"/>
+              <a:t> 주로사용</a:t>
+            </a:r>
+            <a:endParaRPr lang="en-US" altLang="ko-KR" dirty="0"/>
+          </a:p>
+          <a:p>
+            <a:endParaRPr lang="en-US" altLang="ko-KR" dirty="0"/>
+          </a:p>
+          <a:p>
+            <a:r>
+              <a:rPr lang="en-US" altLang="ko-KR" dirty="0"/>
+              <a:t>Sequence Composite</a:t>
+            </a:r>
+          </a:p>
+          <a:p>
+            <a:pPr marL="0" indent="0">
+              <a:buNone/>
+            </a:pPr>
+            <a:r>
+              <a:rPr lang="ko-KR" altLang="en-US" dirty="0"/>
+              <a:t>자식 노드 왼쪽 </a:t>
+            </a:r>
+            <a:r>
+              <a:rPr lang="ko-KR" altLang="en-US" dirty="0" err="1"/>
+              <a:t>부터</a:t>
+            </a:r>
+            <a:r>
+              <a:rPr lang="ko-KR" altLang="en-US" dirty="0"/>
+              <a:t> 실행하면서 성공 해야 다음 노드를 실행</a:t>
+            </a:r>
+            <a:endParaRPr lang="en-US" altLang="ko-KR" dirty="0"/>
+          </a:p>
+          <a:p>
+            <a:pPr marL="0" indent="0">
+              <a:buNone/>
+            </a:pPr>
+            <a:r>
+              <a:rPr lang="ko-KR" altLang="en-US" dirty="0"/>
+              <a:t>보통 </a:t>
+            </a:r>
+            <a:r>
+              <a:rPr lang="ko-KR" altLang="en-US" dirty="0" err="1"/>
+              <a:t>자식노드로</a:t>
+            </a:r>
+            <a:r>
+              <a:rPr lang="ko-KR" altLang="en-US" dirty="0"/>
+              <a:t> 일련의 과정을 나열한다</a:t>
+            </a:r>
+            <a:r>
+              <a:rPr lang="en-US" altLang="ko-KR" dirty="0"/>
+              <a:t>.</a:t>
+            </a:r>
+            <a:r>
+              <a:rPr lang="ko-KR" altLang="en-US" dirty="0"/>
+              <a:t>  </a:t>
+            </a:r>
+          </a:p>
+        </p:txBody>
+      </p:sp>
+    </p:spTree>
+    <p:extLst>
+      <p:ext uri="{BB962C8B-B14F-4D97-AF65-F5344CB8AC3E}">
+        <p14:creationId xmlns:p14="http://schemas.microsoft.com/office/powerpoint/2010/main" val="1375765079"/>
+      </p:ext>
+    </p:extLst>
+  </p:cSld>
+  <p:clrMapOvr>
+    <a:masterClrMapping/>
+  </p:clrMapOvr>
+</p:sld>
+</file>
+
+<file path=ppt/slides/slide31.xml><?xml version="1.0" encoding="utf-8"?>
+<p:sld xmlns:a="http://schemas.openxmlformats.org/drawingml/2006/main" xmlns:r="http://schemas.openxmlformats.org/officeDocument/2006/relationships" xmlns:p="http://schemas.openxmlformats.org/presentationml/2006/main">
+  <p:cSld>
+    <p:spTree>
+      <p:nvGrpSpPr>
+        <p:cNvPr id="1" name=""/>
+        <p:cNvGrpSpPr/>
+        <p:nvPr/>
+      </p:nvGrpSpPr>
+      <p:grpSpPr>
+        <a:xfrm>
+          <a:off x="0" y="0"/>
+          <a:ext cx="0" cy="0"/>
+          <a:chOff x="0" y="0"/>
+          <a:chExt cx="0" cy="0"/>
+        </a:xfrm>
+      </p:grpSpPr>
+      <p:sp>
+        <p:nvSpPr>
+          <p:cNvPr id="2" name="제목 1">
+            <a:extLst>
+              <a:ext uri="{FF2B5EF4-FFF2-40B4-BE49-F238E27FC236}">
+                <a16:creationId xmlns:a16="http://schemas.microsoft.com/office/drawing/2014/main" id="{3BB0D354-93D6-41A8-9C60-CB5B07866648}"/>
+              </a:ext>
+            </a:extLst>
+          </p:cNvPr>
+          <p:cNvSpPr>
+            <a:spLocks noGrp="1"/>
+          </p:cNvSpPr>
+          <p:nvPr>
+            <p:ph type="title"/>
+          </p:nvPr>
+        </p:nvSpPr>
+        <p:spPr/>
+        <p:txBody>
+          <a:bodyPr/>
+          <a:lstStyle/>
+          <a:p>
+            <a:r>
+              <a:rPr lang="en-US" altLang="ko-KR" dirty="0" err="1"/>
+              <a:t>BehaviorTree</a:t>
+            </a:r>
+            <a:r>
+              <a:rPr lang="en-US" altLang="ko-KR" dirty="0"/>
+              <a:t> – Decorator Node</a:t>
+            </a:r>
+            <a:endParaRPr lang="ko-KR" altLang="en-US" dirty="0"/>
+          </a:p>
+        </p:txBody>
+      </p:sp>
+      <p:sp>
+        <p:nvSpPr>
+          <p:cNvPr id="4" name="TextBox 3">
+            <a:extLst>
+              <a:ext uri="{FF2B5EF4-FFF2-40B4-BE49-F238E27FC236}">
+                <a16:creationId xmlns:a16="http://schemas.microsoft.com/office/drawing/2014/main" id="{83AB79BC-E31D-4ADB-9258-A80D7C63B606}"/>
+              </a:ext>
+            </a:extLst>
+          </p:cNvPr>
+          <p:cNvSpPr txBox="1"/>
+          <p:nvPr/>
+        </p:nvSpPr>
+        <p:spPr>
+          <a:xfrm>
+            <a:off x="3984770" y="3140237"/>
+            <a:ext cx="7801761" cy="1261884"/>
+          </a:xfrm>
+          <a:prstGeom prst="rect">
+            <a:avLst/>
+          </a:prstGeom>
+          <a:noFill/>
+        </p:spPr>
+        <p:txBody>
+          <a:bodyPr wrap="square" rtlCol="0">
+            <a:spAutoFit/>
+          </a:bodyPr>
+          <a:lstStyle/>
+          <a:p>
+            <a:r>
+              <a:rPr lang="en-US" altLang="ko-KR" sz="2000" dirty="0" err="1"/>
+              <a:t>OnResultChange</a:t>
+            </a:r>
+            <a:r>
+              <a:rPr lang="en-US" altLang="ko-KR" sz="2000" dirty="0"/>
+              <a:t>	</a:t>
+            </a:r>
+            <a:r>
+              <a:rPr lang="ko-KR" altLang="en-US" sz="2000" dirty="0"/>
+              <a:t>결과가 </a:t>
+            </a:r>
+            <a:r>
+              <a:rPr lang="ko-KR" altLang="en-US" sz="2000" dirty="0" err="1"/>
+              <a:t>바뀔때</a:t>
+            </a:r>
+            <a:r>
+              <a:rPr lang="ko-KR" altLang="en-US" sz="2000" dirty="0"/>
+              <a:t>  </a:t>
+            </a:r>
+            <a:r>
+              <a:rPr lang="en-US" altLang="ko-KR" sz="2000" dirty="0"/>
+              <a:t>(</a:t>
+            </a:r>
+            <a:r>
+              <a:rPr lang="en-US" altLang="ko-KR" sz="2000" dirty="0" err="1"/>
+              <a:t>true,false</a:t>
+            </a:r>
+            <a:r>
+              <a:rPr lang="ko-KR" altLang="en-US" sz="2000" dirty="0"/>
+              <a:t>가 </a:t>
+            </a:r>
+            <a:r>
+              <a:rPr lang="ko-KR" altLang="en-US" sz="2000" dirty="0" err="1"/>
+              <a:t>바뀔때</a:t>
+            </a:r>
+            <a:r>
+              <a:rPr lang="en-US" altLang="ko-KR" sz="2000" dirty="0"/>
+              <a:t>)</a:t>
+            </a:r>
+          </a:p>
+          <a:p>
+            <a:r>
+              <a:rPr lang="en-US" altLang="ko-KR" sz="2000" dirty="0" err="1"/>
+              <a:t>OnValueChange</a:t>
+            </a:r>
+            <a:r>
+              <a:rPr lang="en-US" altLang="ko-KR" sz="2000" dirty="0"/>
+              <a:t>	</a:t>
+            </a:r>
+            <a:r>
+              <a:rPr lang="ko-KR" altLang="en-US" sz="2000" dirty="0"/>
+              <a:t>값이 </a:t>
+            </a:r>
+            <a:r>
+              <a:rPr lang="ko-KR" altLang="en-US" sz="2000" dirty="0" err="1"/>
+              <a:t>바뀔때</a:t>
+            </a:r>
+            <a:r>
+              <a:rPr lang="ko-KR" altLang="en-US" sz="2000" dirty="0"/>
+              <a:t> </a:t>
+            </a:r>
+            <a:endParaRPr lang="en-US" altLang="ko-KR" sz="2000" dirty="0"/>
+          </a:p>
+          <a:p>
+            <a:r>
+              <a:rPr lang="en-US" altLang="ko-KR" dirty="0"/>
+              <a:t>		</a:t>
+            </a:r>
+          </a:p>
+          <a:p>
+            <a:endParaRPr lang="en-US" altLang="ko-KR" dirty="0"/>
+          </a:p>
+        </p:txBody>
+      </p:sp>
+      <p:sp>
+        <p:nvSpPr>
+          <p:cNvPr id="6" name="TextBox 5">
+            <a:extLst>
+              <a:ext uri="{FF2B5EF4-FFF2-40B4-BE49-F238E27FC236}">
+                <a16:creationId xmlns:a16="http://schemas.microsoft.com/office/drawing/2014/main" id="{9CEB9375-F6ED-4442-AB7C-20FA3309CC29}"/>
+              </a:ext>
+            </a:extLst>
+          </p:cNvPr>
+          <p:cNvSpPr txBox="1"/>
+          <p:nvPr/>
+        </p:nvSpPr>
+        <p:spPr>
+          <a:xfrm>
+            <a:off x="828411" y="3965895"/>
+            <a:ext cx="2401350" cy="646331"/>
+          </a:xfrm>
+          <a:prstGeom prst="rect">
+            <a:avLst/>
+          </a:prstGeom>
+          <a:noFill/>
+        </p:spPr>
+        <p:txBody>
+          <a:bodyPr wrap="square" rtlCol="0">
+            <a:spAutoFit/>
+          </a:bodyPr>
+          <a:lstStyle/>
+          <a:p>
+            <a:r>
+              <a:rPr lang="en-US" altLang="ko-KR" dirty="0"/>
+              <a:t>Observer</a:t>
+            </a:r>
+            <a:r>
+              <a:rPr lang="ko-KR" altLang="en-US" dirty="0"/>
+              <a:t> </a:t>
+            </a:r>
+            <a:r>
+              <a:rPr lang="en-US" altLang="ko-KR" dirty="0"/>
+              <a:t>Aborts</a:t>
+            </a:r>
+          </a:p>
+          <a:p>
+            <a:r>
+              <a:rPr lang="en-US" altLang="ko-KR" dirty="0"/>
+              <a:t>(</a:t>
+            </a:r>
+            <a:r>
+              <a:rPr lang="ko-KR" altLang="en-US" dirty="0"/>
+              <a:t>중단 방법</a:t>
+            </a:r>
+            <a:r>
+              <a:rPr lang="en-US" altLang="ko-KR" dirty="0"/>
+              <a:t>)	</a:t>
+            </a:r>
+            <a:endParaRPr lang="ko-KR" altLang="en-US" dirty="0"/>
+          </a:p>
+        </p:txBody>
+      </p:sp>
+      <p:sp>
+        <p:nvSpPr>
+          <p:cNvPr id="7" name="TextBox 6">
+            <a:extLst>
+              <a:ext uri="{FF2B5EF4-FFF2-40B4-BE49-F238E27FC236}">
+                <a16:creationId xmlns:a16="http://schemas.microsoft.com/office/drawing/2014/main" id="{08076C34-C4D1-4D0C-B536-AF4BCB8C6820}"/>
+              </a:ext>
+            </a:extLst>
+          </p:cNvPr>
+          <p:cNvSpPr txBox="1"/>
+          <p:nvPr/>
+        </p:nvSpPr>
+        <p:spPr>
+          <a:xfrm>
+            <a:off x="3984771" y="3965895"/>
+            <a:ext cx="7337572" cy="1200329"/>
+          </a:xfrm>
+          <a:prstGeom prst="rect">
+            <a:avLst/>
+          </a:prstGeom>
+          <a:noFill/>
+        </p:spPr>
+        <p:txBody>
+          <a:bodyPr wrap="square" rtlCol="0">
+            <a:spAutoFit/>
+          </a:bodyPr>
+          <a:lstStyle/>
+          <a:p>
+            <a:r>
+              <a:rPr lang="en-US" altLang="ko-KR" dirty="0"/>
+              <a:t>None			</a:t>
+            </a:r>
+            <a:r>
+              <a:rPr lang="ko-KR" altLang="en-US" dirty="0" err="1"/>
+              <a:t>중단없음</a:t>
+            </a:r>
+            <a:endParaRPr lang="en-US" altLang="ko-KR" dirty="0"/>
+          </a:p>
+          <a:p>
+            <a:r>
+              <a:rPr lang="en-US" altLang="ko-KR" dirty="0"/>
+              <a:t>Self			</a:t>
+            </a:r>
+            <a:r>
+              <a:rPr lang="ko-KR" altLang="en-US" dirty="0"/>
+              <a:t>자신과 자신의 </a:t>
+            </a:r>
+            <a:r>
+              <a:rPr lang="ko-KR" altLang="en-US" dirty="0" err="1"/>
+              <a:t>서브트리</a:t>
+            </a:r>
+            <a:r>
+              <a:rPr lang="ko-KR" altLang="en-US" dirty="0"/>
+              <a:t> 노드 중단</a:t>
+            </a:r>
+            <a:endParaRPr lang="en-US" altLang="ko-KR" dirty="0"/>
+          </a:p>
+          <a:p>
+            <a:r>
+              <a:rPr lang="en-US" altLang="ko-KR" dirty="0" err="1"/>
+              <a:t>LowPriority</a:t>
+            </a:r>
+            <a:r>
+              <a:rPr lang="en-US" altLang="ko-KR" dirty="0"/>
+              <a:t>		</a:t>
+            </a:r>
+            <a:r>
+              <a:rPr lang="ko-KR" altLang="en-US" dirty="0"/>
+              <a:t>자신의 오른쪽 노드 들 중단</a:t>
+            </a:r>
+            <a:endParaRPr lang="en-US" altLang="ko-KR" dirty="0"/>
+          </a:p>
+          <a:p>
+            <a:r>
+              <a:rPr lang="en-US" altLang="ko-KR" dirty="0"/>
+              <a:t>Both	 		Self + </a:t>
+            </a:r>
+            <a:r>
+              <a:rPr lang="en-US" altLang="ko-KR" dirty="0" err="1"/>
+              <a:t>LowPiority</a:t>
+            </a:r>
+            <a:endParaRPr lang="ko-KR" altLang="en-US" dirty="0"/>
+          </a:p>
+        </p:txBody>
+      </p:sp>
+      <p:sp>
+        <p:nvSpPr>
+          <p:cNvPr id="8" name="TextBox 7">
+            <a:extLst>
+              <a:ext uri="{FF2B5EF4-FFF2-40B4-BE49-F238E27FC236}">
+                <a16:creationId xmlns:a16="http://schemas.microsoft.com/office/drawing/2014/main" id="{AC94DEFB-AE99-40AD-83D0-488EF1B0228B}"/>
+              </a:ext>
+            </a:extLst>
+          </p:cNvPr>
+          <p:cNvSpPr txBox="1"/>
+          <p:nvPr/>
+        </p:nvSpPr>
+        <p:spPr>
+          <a:xfrm>
+            <a:off x="828411" y="2906737"/>
+            <a:ext cx="2686576" cy="1477328"/>
+          </a:xfrm>
+          <a:prstGeom prst="rect">
+            <a:avLst/>
+          </a:prstGeom>
+          <a:noFill/>
+        </p:spPr>
+        <p:txBody>
+          <a:bodyPr wrap="square" rtlCol="0">
+            <a:spAutoFit/>
+          </a:bodyPr>
+          <a:lstStyle/>
+          <a:p>
+            <a:r>
+              <a:rPr lang="en-US" altLang="ko-KR" dirty="0"/>
+              <a:t>	</a:t>
+            </a:r>
+            <a:r>
+              <a:rPr lang="en-US" altLang="ko-KR" sz="1800" dirty="0"/>
+              <a:t> </a:t>
+            </a:r>
+            <a:r>
+              <a:rPr lang="en-US" altLang="ko-KR" sz="1800" dirty="0" err="1"/>
+              <a:t>NotifyObserver</a:t>
+            </a:r>
+            <a:endParaRPr lang="en-US" altLang="ko-KR" sz="1800" dirty="0"/>
+          </a:p>
+          <a:p>
+            <a:r>
+              <a:rPr lang="en-US" altLang="ko-KR" dirty="0"/>
+              <a:t>(</a:t>
+            </a:r>
+            <a:r>
+              <a:rPr lang="ko-KR" altLang="en-US" dirty="0"/>
+              <a:t>언제 중단하고 재시작</a:t>
+            </a:r>
+            <a:r>
+              <a:rPr lang="en-US" altLang="ko-KR" dirty="0"/>
+              <a:t>)</a:t>
+            </a:r>
+            <a:r>
+              <a:rPr lang="en-US" altLang="ko-KR" sz="1800" dirty="0"/>
+              <a:t> </a:t>
+            </a:r>
+            <a:r>
+              <a:rPr lang="en-US" altLang="ko-KR" dirty="0"/>
+              <a:t>	</a:t>
+            </a:r>
+          </a:p>
+          <a:p>
+            <a:endParaRPr lang="en-US" altLang="ko-KR" dirty="0"/>
+          </a:p>
+        </p:txBody>
+      </p:sp>
+      <p:sp>
+        <p:nvSpPr>
+          <p:cNvPr id="9" name="내용 개체 틀 2">
+            <a:extLst>
+              <a:ext uri="{FF2B5EF4-FFF2-40B4-BE49-F238E27FC236}">
+                <a16:creationId xmlns:a16="http://schemas.microsoft.com/office/drawing/2014/main" id="{85EDFDC1-C230-4F86-A165-1037F90BFF37}"/>
+              </a:ext>
+            </a:extLst>
+          </p:cNvPr>
+          <p:cNvSpPr txBox="1">
+            <a:spLocks/>
+          </p:cNvSpPr>
+          <p:nvPr/>
+        </p:nvSpPr>
+        <p:spPr>
+          <a:xfrm>
+            <a:off x="584082" y="1516434"/>
+            <a:ext cx="11420564" cy="1562248"/>
+          </a:xfrm>
+          <a:prstGeom prst="rect">
+            <a:avLst/>
+          </a:prstGeom>
+        </p:spPr>
+        <p:txBody>
+          <a:bodyPr vert="horz" lIns="91440" tIns="45720" rIns="91440" bIns="45720" rtlCol="0">
+            <a:normAutofit fontScale="85000" lnSpcReduction="20000"/>
+          </a:bodyPr>
+          <a:lstStyle>
+            <a:lvl1pPr marL="228600" indent="-228600" algn="l" defTabSz="914400" rtl="0" eaLnBrk="1" latinLnBrk="1" hangingPunct="1">
+              <a:lnSpc>
+                <a:spcPct val="90000"/>
+              </a:lnSpc>
+              <a:spcBef>
+                <a:spcPts val="1000"/>
+              </a:spcBef>
+              <a:buFont typeface="Arial" panose="020B0604020202020204" pitchFamily="34" charset="0"/>
+              <a:buChar char="•"/>
+              <a:defRPr sz="2800" kern="1200">
+                <a:solidFill>
+                  <a:schemeClr val="tx1"/>
+                </a:solidFill>
+                <a:latin typeface="+mn-lt"/>
+                <a:ea typeface="+mn-ea"/>
+                <a:cs typeface="+mn-cs"/>
+              </a:defRPr>
+            </a:lvl1pPr>
+            <a:lvl2pPr marL="685800" indent="-228600" algn="l" defTabSz="914400" rtl="0" eaLnBrk="1" latinLnBrk="1" hangingPunct="1">
+              <a:lnSpc>
+                <a:spcPct val="90000"/>
+              </a:lnSpc>
+              <a:spcBef>
+                <a:spcPts val="500"/>
+              </a:spcBef>
+              <a:buFont typeface="Arial" panose="020B0604020202020204" pitchFamily="34" charset="0"/>
+              <a:buChar char="•"/>
+              <a:defRPr sz="2400" kern="1200">
+                <a:solidFill>
+                  <a:schemeClr val="tx1"/>
+                </a:solidFill>
+                <a:latin typeface="+mn-lt"/>
+                <a:ea typeface="+mn-ea"/>
+                <a:cs typeface="+mn-cs"/>
+              </a:defRPr>
+            </a:lvl2pPr>
+            <a:lvl3pPr marL="1143000" indent="-228600" algn="l" defTabSz="914400" rtl="0" eaLnBrk="1" latinLnBrk="1" hangingPunct="1">
+              <a:lnSpc>
+                <a:spcPct val="90000"/>
+              </a:lnSpc>
+              <a:spcBef>
+                <a:spcPts val="500"/>
+              </a:spcBef>
+              <a:buFont typeface="Arial" panose="020B0604020202020204" pitchFamily="34" charset="0"/>
+              <a:buChar char="•"/>
+              <a:defRPr sz="2000" kern="1200">
+                <a:solidFill>
+                  <a:schemeClr val="tx1"/>
+                </a:solidFill>
+                <a:latin typeface="+mn-lt"/>
+                <a:ea typeface="+mn-ea"/>
+                <a:cs typeface="+mn-cs"/>
+              </a:defRPr>
+            </a:lvl3pPr>
+            <a:lvl4pPr marL="1600200" indent="-228600" algn="l" defTabSz="914400" rtl="0" eaLnBrk="1" latinLnBrk="1" hangingPunct="1">
+              <a:lnSpc>
+                <a:spcPct val="90000"/>
+              </a:lnSpc>
+              <a:spcBef>
+                <a:spcPts val="500"/>
+              </a:spcBef>
+              <a:buFont typeface="Arial" panose="020B0604020202020204" pitchFamily="34" charset="0"/>
+              <a:buChar char="•"/>
+              <a:defRPr sz="1800" kern="1200">
+                <a:solidFill>
+                  <a:schemeClr val="tx1"/>
+                </a:solidFill>
+                <a:latin typeface="+mn-lt"/>
+                <a:ea typeface="+mn-ea"/>
+                <a:cs typeface="+mn-cs"/>
+              </a:defRPr>
+            </a:lvl4pPr>
+            <a:lvl5pPr marL="2057400" indent="-228600" algn="l" defTabSz="914400" rtl="0" eaLnBrk="1" latinLnBrk="1" hangingPunct="1">
+              <a:lnSpc>
+                <a:spcPct val="90000"/>
+              </a:lnSpc>
+              <a:spcBef>
+                <a:spcPts val="500"/>
+              </a:spcBef>
+              <a:buFont typeface="Arial" panose="020B0604020202020204" pitchFamily="34" charset="0"/>
+              <a:buChar char="•"/>
+              <a:defRPr sz="1800" kern="1200">
+                <a:solidFill>
+                  <a:schemeClr val="tx1"/>
+                </a:solidFill>
+                <a:latin typeface="+mn-lt"/>
+                <a:ea typeface="+mn-ea"/>
+                <a:cs typeface="+mn-cs"/>
+              </a:defRPr>
+            </a:lvl5pPr>
+            <a:lvl6pPr marL="2514600" indent="-228600" algn="l" defTabSz="914400" rtl="0" eaLnBrk="1" latinLnBrk="1" hangingPunct="1">
+              <a:lnSpc>
+                <a:spcPct val="90000"/>
+              </a:lnSpc>
+              <a:spcBef>
+                <a:spcPts val="500"/>
+              </a:spcBef>
+              <a:buFont typeface="Arial" panose="020B0604020202020204" pitchFamily="34" charset="0"/>
+              <a:buChar char="•"/>
+              <a:defRPr sz="1800" kern="1200">
+                <a:solidFill>
+                  <a:schemeClr val="tx1"/>
+                </a:solidFill>
+                <a:latin typeface="+mn-lt"/>
+                <a:ea typeface="+mn-ea"/>
+                <a:cs typeface="+mn-cs"/>
+              </a:defRPr>
+            </a:lvl6pPr>
+            <a:lvl7pPr marL="2971800" indent="-228600" algn="l" defTabSz="914400" rtl="0" eaLnBrk="1" latinLnBrk="1" hangingPunct="1">
+              <a:lnSpc>
+                <a:spcPct val="90000"/>
+              </a:lnSpc>
+              <a:spcBef>
+                <a:spcPts val="500"/>
+              </a:spcBef>
+              <a:buFont typeface="Arial" panose="020B0604020202020204" pitchFamily="34" charset="0"/>
+              <a:buChar char="•"/>
+              <a:defRPr sz="1800" kern="1200">
+                <a:solidFill>
+                  <a:schemeClr val="tx1"/>
+                </a:solidFill>
+                <a:latin typeface="+mn-lt"/>
+                <a:ea typeface="+mn-ea"/>
+                <a:cs typeface="+mn-cs"/>
+              </a:defRPr>
+            </a:lvl7pPr>
+            <a:lvl8pPr marL="3429000" indent="-228600" algn="l" defTabSz="914400" rtl="0" eaLnBrk="1" latinLnBrk="1" hangingPunct="1">
+              <a:lnSpc>
+                <a:spcPct val="90000"/>
+              </a:lnSpc>
+              <a:spcBef>
+                <a:spcPts val="500"/>
+              </a:spcBef>
+              <a:buFont typeface="Arial" panose="020B0604020202020204" pitchFamily="34" charset="0"/>
+              <a:buChar char="•"/>
+              <a:defRPr sz="1800" kern="1200">
+                <a:solidFill>
+                  <a:schemeClr val="tx1"/>
+                </a:solidFill>
+                <a:latin typeface="+mn-lt"/>
+                <a:ea typeface="+mn-ea"/>
+                <a:cs typeface="+mn-cs"/>
+              </a:defRPr>
+            </a:lvl8pPr>
+            <a:lvl9pPr marL="3886200" indent="-228600" algn="l" defTabSz="914400" rtl="0" eaLnBrk="1" latinLnBrk="1" hangingPunct="1">
+              <a:lnSpc>
+                <a:spcPct val="90000"/>
+              </a:lnSpc>
+              <a:spcBef>
+                <a:spcPts val="500"/>
+              </a:spcBef>
+              <a:buFont typeface="Arial" panose="020B0604020202020204" pitchFamily="34" charset="0"/>
+              <a:buChar char="•"/>
+              <a:defRPr sz="1800" kern="1200">
+                <a:solidFill>
+                  <a:schemeClr val="tx1"/>
+                </a:solidFill>
+                <a:latin typeface="+mn-lt"/>
+                <a:ea typeface="+mn-ea"/>
+                <a:cs typeface="+mn-cs"/>
+              </a:defRPr>
+            </a:lvl9pPr>
+          </a:lstStyle>
+          <a:p>
+            <a:r>
+              <a:rPr lang="en-US" altLang="ko-KR" dirty="0"/>
+              <a:t>Composite</a:t>
+            </a:r>
+            <a:r>
+              <a:rPr lang="ko-KR" altLang="en-US" dirty="0"/>
+              <a:t> 이나 </a:t>
+            </a:r>
+            <a:r>
+              <a:rPr lang="en-US" altLang="ko-KR" dirty="0"/>
+              <a:t>Task</a:t>
+            </a:r>
+            <a:r>
+              <a:rPr lang="ko-KR" altLang="en-US" dirty="0"/>
+              <a:t>에서 조건문으로 사용된다</a:t>
+            </a:r>
+            <a:r>
+              <a:rPr lang="en-US" altLang="ko-KR" dirty="0"/>
+              <a:t>.</a:t>
+            </a:r>
+          </a:p>
+          <a:p>
+            <a:endParaRPr lang="en-US" altLang="ko-KR" dirty="0"/>
+          </a:p>
+          <a:p>
+            <a:pPr marL="0" indent="0">
+              <a:buNone/>
+            </a:pPr>
+            <a:endParaRPr lang="en-US" altLang="ko-KR" dirty="0"/>
+          </a:p>
+          <a:p>
+            <a:r>
+              <a:rPr lang="ko-KR" altLang="en-US" dirty="0"/>
+              <a:t>기본은 </a:t>
+            </a:r>
+            <a:r>
+              <a:rPr lang="en-US" altLang="ko-KR" dirty="0" err="1"/>
+              <a:t>BlackboardBasedCondition</a:t>
+            </a:r>
+            <a:r>
+              <a:rPr lang="en-US" altLang="ko-KR" dirty="0"/>
+              <a:t> </a:t>
+            </a:r>
+            <a:r>
+              <a:rPr lang="ko-KR" altLang="en-US" dirty="0"/>
+              <a:t>관찰자가 값의 </a:t>
+            </a:r>
+            <a:r>
+              <a:rPr lang="ko-KR" altLang="en-US" dirty="0" err="1"/>
+              <a:t>변화에따라</a:t>
+            </a:r>
+            <a:r>
+              <a:rPr lang="ko-KR" altLang="en-US" dirty="0"/>
+              <a:t> 흐름을 제어한다</a:t>
+            </a:r>
+            <a:r>
+              <a:rPr lang="en-US" altLang="ko-KR" dirty="0"/>
+              <a:t>. </a:t>
+            </a:r>
+          </a:p>
+          <a:p>
+            <a:endParaRPr lang="en-US" altLang="ko-KR" dirty="0"/>
+          </a:p>
+          <a:p>
+            <a:endParaRPr lang="en-US" altLang="ko-KR" dirty="0"/>
+          </a:p>
+        </p:txBody>
+      </p:sp>
+      <p:sp>
+        <p:nvSpPr>
+          <p:cNvPr id="10" name="TextBox 9">
+            <a:extLst>
+              <a:ext uri="{FF2B5EF4-FFF2-40B4-BE49-F238E27FC236}">
+                <a16:creationId xmlns:a16="http://schemas.microsoft.com/office/drawing/2014/main" id="{CFCAF63F-E30F-4A1A-92D4-94AD1FFC02A1}"/>
+              </a:ext>
+            </a:extLst>
+          </p:cNvPr>
+          <p:cNvSpPr txBox="1"/>
+          <p:nvPr/>
+        </p:nvSpPr>
+        <p:spPr>
+          <a:xfrm>
+            <a:off x="859867" y="5227779"/>
+            <a:ext cx="1988191" cy="646331"/>
+          </a:xfrm>
+          <a:prstGeom prst="rect">
+            <a:avLst/>
+          </a:prstGeom>
+          <a:noFill/>
+        </p:spPr>
+        <p:txBody>
+          <a:bodyPr wrap="square" rtlCol="0">
+            <a:spAutoFit/>
+          </a:bodyPr>
+          <a:lstStyle/>
+          <a:p>
+            <a:r>
+              <a:rPr lang="en-US" altLang="ko-KR" dirty="0"/>
+              <a:t>Key</a:t>
+            </a:r>
+            <a:r>
+              <a:rPr lang="ko-KR" altLang="en-US" dirty="0"/>
+              <a:t> </a:t>
+            </a:r>
+            <a:r>
+              <a:rPr lang="en-US" altLang="ko-KR" dirty="0"/>
+              <a:t>Query	</a:t>
+            </a:r>
+            <a:endParaRPr lang="ko-KR" altLang="en-US" dirty="0"/>
+          </a:p>
+        </p:txBody>
+      </p:sp>
+      <p:sp>
+        <p:nvSpPr>
+          <p:cNvPr id="11" name="TextBox 10">
+            <a:extLst>
+              <a:ext uri="{FF2B5EF4-FFF2-40B4-BE49-F238E27FC236}">
+                <a16:creationId xmlns:a16="http://schemas.microsoft.com/office/drawing/2014/main" id="{61AD138F-6806-449F-A603-72B81D6380D4}"/>
+              </a:ext>
+            </a:extLst>
+          </p:cNvPr>
+          <p:cNvSpPr txBox="1"/>
+          <p:nvPr/>
+        </p:nvSpPr>
+        <p:spPr>
+          <a:xfrm>
+            <a:off x="4016227" y="5227779"/>
+            <a:ext cx="7337572" cy="646331"/>
+          </a:xfrm>
+          <a:prstGeom prst="rect">
+            <a:avLst/>
+          </a:prstGeom>
+          <a:noFill/>
+        </p:spPr>
+        <p:txBody>
+          <a:bodyPr wrap="square" rtlCol="0">
+            <a:spAutoFit/>
+          </a:bodyPr>
+          <a:lstStyle/>
+          <a:p>
+            <a:r>
+              <a:rPr lang="en-US" altLang="ko-KR" dirty="0" err="1"/>
+              <a:t>IsSet</a:t>
+            </a:r>
+            <a:r>
+              <a:rPr lang="en-US" altLang="ko-KR" dirty="0"/>
+              <a:t>			</a:t>
+            </a:r>
+            <a:r>
+              <a:rPr lang="ko-KR" altLang="en-US" dirty="0"/>
+              <a:t>값이 설정되는지</a:t>
+            </a:r>
+            <a:r>
+              <a:rPr lang="en-US" altLang="ko-KR" dirty="0"/>
+              <a:t>?    ( </a:t>
+            </a:r>
+            <a:r>
+              <a:rPr lang="en-US" altLang="ko-KR" dirty="0" err="1"/>
+              <a:t>CleanValue</a:t>
+            </a:r>
+            <a:r>
+              <a:rPr lang="ko-KR" altLang="en-US" dirty="0" err="1"/>
+              <a:t>아닌상태</a:t>
+            </a:r>
+            <a:r>
+              <a:rPr lang="en-US" altLang="ko-KR" dirty="0"/>
+              <a:t>)</a:t>
+            </a:r>
+          </a:p>
+          <a:p>
+            <a:r>
+              <a:rPr lang="en-US" altLang="ko-KR" dirty="0" err="1"/>
+              <a:t>IsNotSet</a:t>
+            </a:r>
+            <a:r>
+              <a:rPr lang="en-US" altLang="ko-KR" dirty="0"/>
+              <a:t>			</a:t>
+            </a:r>
+            <a:r>
+              <a:rPr lang="ko-KR" altLang="en-US" dirty="0"/>
+              <a:t>설정되지 않았는지</a:t>
+            </a:r>
+            <a:r>
+              <a:rPr lang="en-US" altLang="ko-KR" dirty="0"/>
+              <a:t>? ( </a:t>
+            </a:r>
+            <a:r>
+              <a:rPr lang="en-US" altLang="ko-KR" dirty="0" err="1"/>
+              <a:t>CleanValue</a:t>
+            </a:r>
+            <a:r>
+              <a:rPr lang="en-US" altLang="ko-KR" dirty="0"/>
+              <a:t> </a:t>
+            </a:r>
+            <a:r>
+              <a:rPr lang="ko-KR" altLang="en-US" dirty="0"/>
+              <a:t>상태</a:t>
+            </a:r>
+            <a:r>
+              <a:rPr lang="en-US" altLang="ko-KR" dirty="0"/>
+              <a:t>)</a:t>
+            </a:r>
+          </a:p>
+        </p:txBody>
+      </p:sp>
+      <p:sp>
+        <p:nvSpPr>
+          <p:cNvPr id="12" name="TextBox 11">
+            <a:extLst>
+              <a:ext uri="{FF2B5EF4-FFF2-40B4-BE49-F238E27FC236}">
+                <a16:creationId xmlns:a16="http://schemas.microsoft.com/office/drawing/2014/main" id="{A43B2EE4-2AC5-4F95-872D-308C0F13E507}"/>
+              </a:ext>
+            </a:extLst>
+          </p:cNvPr>
+          <p:cNvSpPr txBox="1"/>
+          <p:nvPr/>
+        </p:nvSpPr>
+        <p:spPr>
+          <a:xfrm>
+            <a:off x="828411" y="6053437"/>
+            <a:ext cx="1988191" cy="646331"/>
+          </a:xfrm>
+          <a:prstGeom prst="rect">
+            <a:avLst/>
+          </a:prstGeom>
+          <a:noFill/>
+        </p:spPr>
+        <p:txBody>
+          <a:bodyPr wrap="square" rtlCol="0">
+            <a:spAutoFit/>
+          </a:bodyPr>
+          <a:lstStyle/>
+          <a:p>
+            <a:r>
+              <a:rPr lang="en-US" altLang="ko-KR" dirty="0" err="1"/>
+              <a:t>BlackboardKey</a:t>
+            </a:r>
+            <a:r>
+              <a:rPr lang="en-US" altLang="ko-KR" dirty="0"/>
+              <a:t>	</a:t>
+            </a:r>
+            <a:endParaRPr lang="ko-KR" altLang="en-US" dirty="0"/>
+          </a:p>
+        </p:txBody>
+      </p:sp>
+      <p:sp>
+        <p:nvSpPr>
+          <p:cNvPr id="13" name="TextBox 12">
+            <a:extLst>
+              <a:ext uri="{FF2B5EF4-FFF2-40B4-BE49-F238E27FC236}">
+                <a16:creationId xmlns:a16="http://schemas.microsoft.com/office/drawing/2014/main" id="{E8614F15-48D2-4A5D-A1FD-E5964CDEEADE}"/>
+              </a:ext>
+            </a:extLst>
+          </p:cNvPr>
+          <p:cNvSpPr txBox="1"/>
+          <p:nvPr/>
+        </p:nvSpPr>
+        <p:spPr>
+          <a:xfrm>
+            <a:off x="3984771" y="6053437"/>
+            <a:ext cx="7337572" cy="369332"/>
+          </a:xfrm>
+          <a:prstGeom prst="rect">
+            <a:avLst/>
+          </a:prstGeom>
+          <a:noFill/>
+        </p:spPr>
+        <p:txBody>
+          <a:bodyPr wrap="square" rtlCol="0">
+            <a:spAutoFit/>
+          </a:bodyPr>
+          <a:lstStyle/>
+          <a:p>
+            <a:r>
+              <a:rPr lang="ko-KR" altLang="en-US" dirty="0"/>
+              <a:t>검사할 키  </a:t>
+            </a:r>
+            <a:r>
+              <a:rPr lang="en-US" altLang="ko-KR" dirty="0"/>
+              <a:t>(</a:t>
+            </a:r>
+            <a:r>
+              <a:rPr lang="ko-KR" altLang="en-US" dirty="0"/>
+              <a:t>정보</a:t>
+            </a:r>
+            <a:r>
+              <a:rPr lang="en-US" altLang="ko-KR" dirty="0"/>
+              <a:t>)</a:t>
+            </a:r>
+          </a:p>
+        </p:txBody>
+      </p:sp>
+    </p:spTree>
+    <p:extLst>
+      <p:ext uri="{BB962C8B-B14F-4D97-AF65-F5344CB8AC3E}">
+        <p14:creationId xmlns:p14="http://schemas.microsoft.com/office/powerpoint/2010/main" val="2056531697"/>
+      </p:ext>
+    </p:extLst>
+  </p:cSld>
+  <p:clrMapOvr>
+    <a:masterClrMapping/>
+  </p:clrMapOvr>
+</p:sld>
+</file>
+
+<file path=ppt/slides/slide32.xml><?xml version="1.0" encoding="utf-8"?>
+<p:sld xmlns:a="http://schemas.openxmlformats.org/drawingml/2006/main" xmlns:r="http://schemas.openxmlformats.org/officeDocument/2006/relationships" xmlns:p="http://schemas.openxmlformats.org/presentationml/2006/main">
+  <p:cSld>
+    <p:spTree>
+      <p:nvGrpSpPr>
+        <p:cNvPr id="1" name=""/>
+        <p:cNvGrpSpPr/>
+        <p:nvPr/>
+      </p:nvGrpSpPr>
+      <p:grpSpPr>
+        <a:xfrm>
+          <a:off x="0" y="0"/>
+          <a:ext cx="0" cy="0"/>
+          <a:chOff x="0" y="0"/>
+          <a:chExt cx="0" cy="0"/>
+        </a:xfrm>
+      </p:grpSpPr>
+      <p:sp>
+        <p:nvSpPr>
+          <p:cNvPr id="2" name="제목 1">
+            <a:extLst>
+              <a:ext uri="{FF2B5EF4-FFF2-40B4-BE49-F238E27FC236}">
+                <a16:creationId xmlns:a16="http://schemas.microsoft.com/office/drawing/2014/main" id="{3E90F74B-DF90-41AD-957E-93E96D0E4780}"/>
+              </a:ext>
+            </a:extLst>
+          </p:cNvPr>
+          <p:cNvSpPr>
+            <a:spLocks noGrp="1"/>
+          </p:cNvSpPr>
+          <p:nvPr>
+            <p:ph type="title"/>
+          </p:nvPr>
+        </p:nvSpPr>
+        <p:spPr/>
+        <p:txBody>
+          <a:bodyPr/>
+          <a:lstStyle/>
+          <a:p>
+            <a:r>
+              <a:rPr lang="en-US" altLang="ko-KR" dirty="0" err="1"/>
+              <a:t>BehaviorTree</a:t>
+            </a:r>
+            <a:r>
+              <a:rPr lang="en-US" altLang="ko-KR" dirty="0"/>
+              <a:t> – Task Node</a:t>
+            </a:r>
+            <a:endParaRPr lang="ko-KR" altLang="en-US" dirty="0"/>
+          </a:p>
+        </p:txBody>
+      </p:sp>
+      <p:sp>
+        <p:nvSpPr>
+          <p:cNvPr id="3" name="내용 개체 틀 2">
+            <a:extLst>
+              <a:ext uri="{FF2B5EF4-FFF2-40B4-BE49-F238E27FC236}">
+                <a16:creationId xmlns:a16="http://schemas.microsoft.com/office/drawing/2014/main" id="{0A33B2B8-FD40-4780-AFC6-60BF18EF8973}"/>
+              </a:ext>
+            </a:extLst>
+          </p:cNvPr>
+          <p:cNvSpPr>
+            <a:spLocks noGrp="1"/>
+          </p:cNvSpPr>
+          <p:nvPr>
+            <p:ph idx="1"/>
+          </p:nvPr>
+        </p:nvSpPr>
+        <p:spPr>
+          <a:xfrm>
+            <a:off x="433633" y="1791093"/>
+            <a:ext cx="11491667" cy="2371725"/>
+          </a:xfrm>
+        </p:spPr>
+        <p:txBody>
+          <a:bodyPr>
+            <a:normAutofit/>
+          </a:bodyPr>
+          <a:lstStyle/>
+          <a:p>
+            <a:r>
+              <a:rPr lang="en-US" altLang="ko-KR" dirty="0" err="1"/>
+              <a:t>AIController</a:t>
+            </a:r>
+            <a:r>
+              <a:rPr lang="ko-KR" altLang="en-US" dirty="0"/>
+              <a:t>나 </a:t>
+            </a:r>
+            <a:r>
+              <a:rPr lang="en-US" altLang="ko-KR" dirty="0"/>
+              <a:t>Pawn</a:t>
+            </a:r>
+            <a:r>
+              <a:rPr lang="ko-KR" altLang="en-US" dirty="0"/>
+              <a:t>에 대해서 함수를 호출하는 노드</a:t>
+            </a:r>
+            <a:endParaRPr lang="en-US" altLang="ko-KR" dirty="0"/>
+          </a:p>
+          <a:p>
+            <a:endParaRPr lang="en-US" altLang="ko-KR" dirty="0"/>
+          </a:p>
+          <a:p>
+            <a:r>
+              <a:rPr lang="en-US" altLang="ko-KR" dirty="0" err="1"/>
+              <a:t>BTTask_Blueprintbase</a:t>
+            </a:r>
+            <a:r>
+              <a:rPr lang="en-US" altLang="ko-KR" dirty="0"/>
+              <a:t> </a:t>
+            </a:r>
+            <a:r>
+              <a:rPr lang="ko-KR" altLang="en-US" dirty="0"/>
+              <a:t>클래스 상속으로 커스텀 </a:t>
+            </a:r>
+            <a:r>
+              <a:rPr lang="en-US" altLang="ko-KR" dirty="0"/>
+              <a:t>Task</a:t>
+            </a:r>
+            <a:r>
+              <a:rPr lang="ko-KR" altLang="en-US" dirty="0"/>
+              <a:t>를 만들면 </a:t>
+            </a:r>
+            <a:r>
+              <a:rPr lang="en-US" altLang="ko-KR" dirty="0" err="1"/>
+              <a:t>ReceiveExcuteAI</a:t>
+            </a:r>
+            <a:r>
+              <a:rPr lang="en-US" altLang="ko-KR" dirty="0"/>
+              <a:t> </a:t>
+            </a:r>
+            <a:r>
+              <a:rPr lang="ko-KR" altLang="en-US" dirty="0"/>
+              <a:t>이벤트를 </a:t>
+            </a:r>
+            <a:r>
+              <a:rPr lang="en-US" altLang="ko-KR" dirty="0"/>
+              <a:t>Override</a:t>
+            </a:r>
+            <a:r>
+              <a:rPr lang="ko-KR" altLang="en-US" dirty="0"/>
+              <a:t>해야 하며 끝은 </a:t>
+            </a:r>
+            <a:r>
+              <a:rPr lang="en-US" altLang="ko-KR" dirty="0" err="1"/>
+              <a:t>FinishExcute</a:t>
+            </a:r>
+            <a:r>
+              <a:rPr lang="en-US" altLang="ko-KR" dirty="0"/>
+              <a:t> </a:t>
+            </a:r>
+            <a:r>
+              <a:rPr lang="ko-KR" altLang="en-US" dirty="0"/>
+              <a:t>를 호출하여 </a:t>
+            </a:r>
+            <a:r>
+              <a:rPr lang="en-US" altLang="ko-KR" dirty="0"/>
+              <a:t>Task</a:t>
+            </a:r>
+            <a:r>
+              <a:rPr lang="ko-KR" altLang="en-US" dirty="0"/>
+              <a:t>가 성공</a:t>
+            </a:r>
+            <a:r>
+              <a:rPr lang="en-US" altLang="ko-KR" dirty="0"/>
+              <a:t>,</a:t>
+            </a:r>
+            <a:r>
+              <a:rPr lang="ko-KR" altLang="en-US" dirty="0"/>
+              <a:t>실패 인지 </a:t>
+            </a:r>
+            <a:r>
+              <a:rPr lang="ko-KR" altLang="en-US" dirty="0" err="1"/>
+              <a:t>알려야함</a:t>
+            </a:r>
+            <a:endParaRPr lang="ko-KR" altLang="en-US" dirty="0"/>
+          </a:p>
+        </p:txBody>
+      </p:sp>
+      <p:pic>
+        <p:nvPicPr>
+          <p:cNvPr id="4" name="그림 3">
+            <a:extLst>
+              <a:ext uri="{FF2B5EF4-FFF2-40B4-BE49-F238E27FC236}">
+                <a16:creationId xmlns:a16="http://schemas.microsoft.com/office/drawing/2014/main" id="{44E9DF25-E3F5-4FF7-A6A0-A174B4046C11}"/>
+              </a:ext>
+            </a:extLst>
+          </p:cNvPr>
+          <p:cNvPicPr>
+            <a:picLocks noChangeAspect="1"/>
+          </p:cNvPicPr>
+          <p:nvPr/>
+        </p:nvPicPr>
+        <p:blipFill>
+          <a:blip r:embed="rId2"/>
+          <a:stretch>
+            <a:fillRect/>
+          </a:stretch>
+        </p:blipFill>
+        <p:spPr>
+          <a:xfrm>
+            <a:off x="266700" y="4046770"/>
+            <a:ext cx="11658600" cy="2371725"/>
+          </a:xfrm>
+          <a:prstGeom prst="rect">
+            <a:avLst/>
+          </a:prstGeom>
+        </p:spPr>
+      </p:pic>
+    </p:spTree>
+    <p:extLst>
+      <p:ext uri="{BB962C8B-B14F-4D97-AF65-F5344CB8AC3E}">
+        <p14:creationId xmlns:p14="http://schemas.microsoft.com/office/powerpoint/2010/main" val="1598689724"/>
       </p:ext>
     </p:extLst>
   </p:cSld>

--- a/Day04/AI.pptx
+++ b/Day04/AI.pptx
@@ -37,6 +37,14 @@
     <p:sldId id="273" r:id="rId31"/>
     <p:sldId id="283" r:id="rId32"/>
     <p:sldId id="288" r:id="rId33"/>
+    <p:sldId id="289" r:id="rId34"/>
+    <p:sldId id="292" r:id="rId35"/>
+    <p:sldId id="293" r:id="rId36"/>
+    <p:sldId id="296" r:id="rId37"/>
+    <p:sldId id="294" r:id="rId38"/>
+    <p:sldId id="295" r:id="rId39"/>
+    <p:sldId id="290" r:id="rId40"/>
+    <p:sldId id="291" r:id="rId41"/>
   </p:sldIdLst>
   <p:sldSz cx="12192000" cy="6858000"/>
   <p:notesSz cx="6858000" cy="9144000"/>
@@ -290,7 +298,7 @@
           <a:p>
             <a:fld id="{115769BE-BF1F-4F69-A431-EEF710AC7B3A}" type="datetimeFigureOut">
               <a:rPr lang="ko-KR" altLang="en-US" smtClean="0"/>
-              <a:t>2020-07-02</a:t>
+              <a:t>2020-07-09</a:t>
             </a:fld>
             <a:endParaRPr lang="ko-KR" altLang="en-US"/>
           </a:p>
@@ -488,7 +496,7 @@
           <a:p>
             <a:fld id="{115769BE-BF1F-4F69-A431-EEF710AC7B3A}" type="datetimeFigureOut">
               <a:rPr lang="ko-KR" altLang="en-US" smtClean="0"/>
-              <a:t>2020-07-02</a:t>
+              <a:t>2020-07-09</a:t>
             </a:fld>
             <a:endParaRPr lang="ko-KR" altLang="en-US"/>
           </a:p>
@@ -696,7 +704,7 @@
           <a:p>
             <a:fld id="{115769BE-BF1F-4F69-A431-EEF710AC7B3A}" type="datetimeFigureOut">
               <a:rPr lang="ko-KR" altLang="en-US" smtClean="0"/>
-              <a:t>2020-07-02</a:t>
+              <a:t>2020-07-09</a:t>
             </a:fld>
             <a:endParaRPr lang="ko-KR" altLang="en-US"/>
           </a:p>
@@ -894,7 +902,7 @@
           <a:p>
             <a:fld id="{115769BE-BF1F-4F69-A431-EEF710AC7B3A}" type="datetimeFigureOut">
               <a:rPr lang="ko-KR" altLang="en-US" smtClean="0"/>
-              <a:t>2020-07-02</a:t>
+              <a:t>2020-07-09</a:t>
             </a:fld>
             <a:endParaRPr lang="ko-KR" altLang="en-US"/>
           </a:p>
@@ -1169,7 +1177,7 @@
           <a:p>
             <a:fld id="{115769BE-BF1F-4F69-A431-EEF710AC7B3A}" type="datetimeFigureOut">
               <a:rPr lang="ko-KR" altLang="en-US" smtClean="0"/>
-              <a:t>2020-07-02</a:t>
+              <a:t>2020-07-09</a:t>
             </a:fld>
             <a:endParaRPr lang="ko-KR" altLang="en-US"/>
           </a:p>
@@ -1434,7 +1442,7 @@
           <a:p>
             <a:fld id="{115769BE-BF1F-4F69-A431-EEF710AC7B3A}" type="datetimeFigureOut">
               <a:rPr lang="ko-KR" altLang="en-US" smtClean="0"/>
-              <a:t>2020-07-02</a:t>
+              <a:t>2020-07-09</a:t>
             </a:fld>
             <a:endParaRPr lang="ko-KR" altLang="en-US"/>
           </a:p>
@@ -1846,7 +1854,7 @@
           <a:p>
             <a:fld id="{115769BE-BF1F-4F69-A431-EEF710AC7B3A}" type="datetimeFigureOut">
               <a:rPr lang="ko-KR" altLang="en-US" smtClean="0"/>
-              <a:t>2020-07-02</a:t>
+              <a:t>2020-07-09</a:t>
             </a:fld>
             <a:endParaRPr lang="ko-KR" altLang="en-US"/>
           </a:p>
@@ -1987,7 +1995,7 @@
           <a:p>
             <a:fld id="{115769BE-BF1F-4F69-A431-EEF710AC7B3A}" type="datetimeFigureOut">
               <a:rPr lang="ko-KR" altLang="en-US" smtClean="0"/>
-              <a:t>2020-07-02</a:t>
+              <a:t>2020-07-09</a:t>
             </a:fld>
             <a:endParaRPr lang="ko-KR" altLang="en-US"/>
           </a:p>
@@ -2100,7 +2108,7 @@
           <a:p>
             <a:fld id="{115769BE-BF1F-4F69-A431-EEF710AC7B3A}" type="datetimeFigureOut">
               <a:rPr lang="ko-KR" altLang="en-US" smtClean="0"/>
-              <a:t>2020-07-02</a:t>
+              <a:t>2020-07-09</a:t>
             </a:fld>
             <a:endParaRPr lang="ko-KR" altLang="en-US"/>
           </a:p>
@@ -2411,7 +2419,7 @@
           <a:p>
             <a:fld id="{115769BE-BF1F-4F69-A431-EEF710AC7B3A}" type="datetimeFigureOut">
               <a:rPr lang="ko-KR" altLang="en-US" smtClean="0"/>
-              <a:t>2020-07-02</a:t>
+              <a:t>2020-07-09</a:t>
             </a:fld>
             <a:endParaRPr lang="ko-KR" altLang="en-US"/>
           </a:p>
@@ -2699,7 +2707,7 @@
           <a:p>
             <a:fld id="{115769BE-BF1F-4F69-A431-EEF710AC7B3A}" type="datetimeFigureOut">
               <a:rPr lang="ko-KR" altLang="en-US" smtClean="0"/>
-              <a:t>2020-07-02</a:t>
+              <a:t>2020-07-09</a:t>
             </a:fld>
             <a:endParaRPr lang="ko-KR" altLang="en-US"/>
           </a:p>
@@ -2940,7 +2948,7 @@
           <a:p>
             <a:fld id="{115769BE-BF1F-4F69-A431-EEF710AC7B3A}" type="datetimeFigureOut">
               <a:rPr lang="ko-KR" altLang="en-US" smtClean="0"/>
-              <a:t>2020-07-02</a:t>
+              <a:t>2020-07-09</a:t>
             </a:fld>
             <a:endParaRPr lang="ko-KR" altLang="en-US"/>
           </a:p>
@@ -7575,7 +7583,10 @@
               <a:rPr lang="en-US" altLang="ko-KR" dirty="0"/>
               <a:t> &amp; Blackboard </a:t>
             </a:r>
-            <a:endParaRPr lang="ko-KR" altLang="en-US" dirty="0"/>
+            <a:r>
+              <a:rPr lang="ko-KR" altLang="en-US" dirty="0"/>
+              <a:t>개요</a:t>
+            </a:r>
           </a:p>
         </p:txBody>
       </p:sp>
@@ -10490,6 +10501,2778 @@
 </p:sld>
 </file>
 
+<file path=ppt/slides/slide33.xml><?xml version="1.0" encoding="utf-8"?>
+<p:sld xmlns:a="http://schemas.openxmlformats.org/drawingml/2006/main" xmlns:r="http://schemas.openxmlformats.org/officeDocument/2006/relationships" xmlns:p="http://schemas.openxmlformats.org/presentationml/2006/main">
+  <p:cSld>
+    <p:bg>
+      <p:bgPr>
+        <a:solidFill>
+          <a:schemeClr val="bg1"/>
+        </a:solidFill>
+        <a:effectLst/>
+      </p:bgPr>
+    </p:bg>
+    <p:spTree>
+      <p:nvGrpSpPr>
+        <p:cNvPr id="1" name=""/>
+        <p:cNvGrpSpPr/>
+        <p:nvPr/>
+      </p:nvGrpSpPr>
+      <p:grpSpPr>
+        <a:xfrm>
+          <a:off x="0" y="0"/>
+          <a:ext cx="0" cy="0"/>
+          <a:chOff x="0" y="0"/>
+          <a:chExt cx="0" cy="0"/>
+        </a:xfrm>
+      </p:grpSpPr>
+      <p:pic>
+        <p:nvPicPr>
+          <p:cNvPr id="5" name="그림 4">
+            <a:extLst>
+              <a:ext uri="{FF2B5EF4-FFF2-40B4-BE49-F238E27FC236}">
+                <a16:creationId xmlns:a16="http://schemas.microsoft.com/office/drawing/2014/main" id="{054B83D9-987E-4391-A0CD-E9B28718FF02}"/>
+              </a:ext>
+            </a:extLst>
+          </p:cNvPr>
+          <p:cNvPicPr>
+            <a:picLocks noChangeAspect="1"/>
+          </p:cNvPicPr>
+          <p:nvPr/>
+        </p:nvPicPr>
+        <p:blipFill rotWithShape="1">
+          <a:blip r:embed="rId2">
+            <a:alphaModFix amt="40000"/>
+          </a:blip>
+          <a:srcRect l="4070" r="2151" b="-1"/>
+          <a:stretch/>
+        </p:blipFill>
+        <p:spPr>
+          <a:xfrm>
+            <a:off x="20" y="10"/>
+            <a:ext cx="12191979" cy="6857990"/>
+          </a:xfrm>
+          <a:prstGeom prst="rect">
+            <a:avLst/>
+          </a:prstGeom>
+        </p:spPr>
+      </p:pic>
+      <p:sp>
+        <p:nvSpPr>
+          <p:cNvPr id="2" name="제목 1">
+            <a:extLst>
+              <a:ext uri="{FF2B5EF4-FFF2-40B4-BE49-F238E27FC236}">
+                <a16:creationId xmlns:a16="http://schemas.microsoft.com/office/drawing/2014/main" id="{0DA22DAD-0E10-410C-8C71-2CF4B96E7A05}"/>
+              </a:ext>
+            </a:extLst>
+          </p:cNvPr>
+          <p:cNvSpPr>
+            <a:spLocks noGrp="1"/>
+          </p:cNvSpPr>
+          <p:nvPr>
+            <p:ph type="title"/>
+          </p:nvPr>
+        </p:nvSpPr>
+        <p:spPr/>
+        <p:txBody>
+          <a:bodyPr anchor="b">
+            <a:normAutofit/>
+          </a:bodyPr>
+          <a:lstStyle/>
+          <a:p>
+            <a:r>
+              <a:rPr lang="en-US" altLang="ko-KR" sz="5000" dirty="0" err="1"/>
+              <a:t>EnvironmentQuerySystem</a:t>
+            </a:r>
+            <a:r>
+              <a:rPr lang="en-US" altLang="ko-KR" sz="5000" dirty="0"/>
+              <a:t> </a:t>
+            </a:r>
+            <a:r>
+              <a:rPr lang="ko-KR" altLang="en-US" sz="5000" dirty="0"/>
+              <a:t>개요</a:t>
+            </a:r>
+          </a:p>
+        </p:txBody>
+      </p:sp>
+      <p:sp>
+        <p:nvSpPr>
+          <p:cNvPr id="3" name="내용 개체 틀 2">
+            <a:extLst>
+              <a:ext uri="{FF2B5EF4-FFF2-40B4-BE49-F238E27FC236}">
+                <a16:creationId xmlns:a16="http://schemas.microsoft.com/office/drawing/2014/main" id="{5E65B0B1-1790-451F-B7F4-1D4A5474887D}"/>
+              </a:ext>
+            </a:extLst>
+          </p:cNvPr>
+          <p:cNvSpPr>
+            <a:spLocks noGrp="1"/>
+          </p:cNvSpPr>
+          <p:nvPr>
+            <p:ph idx="1"/>
+          </p:nvPr>
+        </p:nvSpPr>
+        <p:spPr/>
+        <p:txBody>
+          <a:bodyPr>
+            <a:normAutofit/>
+          </a:bodyPr>
+          <a:lstStyle/>
+          <a:p>
+            <a:r>
+              <a:rPr lang="ko-KR" altLang="en-US" sz="2400" dirty="0"/>
+              <a:t>기능 활성화 필요 메인</a:t>
+            </a:r>
+            <a:r>
+              <a:rPr lang="en-US" altLang="ko-KR" sz="2400" dirty="0"/>
+              <a:t>UI-&gt;</a:t>
+            </a:r>
+            <a:r>
+              <a:rPr lang="ko-KR" altLang="en-US" sz="2400" dirty="0"/>
+              <a:t>편집</a:t>
+            </a:r>
+            <a:r>
+              <a:rPr lang="en-US" altLang="ko-KR" sz="2400" dirty="0"/>
+              <a:t>-&gt;</a:t>
+            </a:r>
+            <a:r>
+              <a:rPr lang="ko-KR" altLang="en-US" sz="2400" dirty="0"/>
+              <a:t>개인설정</a:t>
+            </a:r>
+            <a:r>
+              <a:rPr lang="en-US" altLang="ko-KR" sz="2400" dirty="0"/>
+              <a:t>-&gt;</a:t>
+            </a:r>
+            <a:r>
+              <a:rPr lang="ko-KR" altLang="en-US" sz="2400" dirty="0"/>
+              <a:t>일반</a:t>
+            </a:r>
+            <a:r>
+              <a:rPr lang="en-US" altLang="ko-KR" sz="2400" dirty="0"/>
+              <a:t>-</a:t>
+            </a:r>
+            <a:r>
+              <a:rPr lang="ko-KR" altLang="en-US" sz="2400" dirty="0"/>
+              <a:t>실험단계</a:t>
+            </a:r>
+            <a:r>
+              <a:rPr lang="en-US" altLang="ko-KR" sz="2400" dirty="0"/>
+              <a:t>-EQS</a:t>
+            </a:r>
+          </a:p>
+          <a:p>
+            <a:r>
+              <a:rPr lang="ko-KR" altLang="en-US" sz="2400" dirty="0"/>
+              <a:t>주변환경에 대한 질의 </a:t>
+            </a:r>
+            <a:r>
+              <a:rPr lang="en-US" altLang="ko-KR" sz="2400" dirty="0"/>
+              <a:t>– </a:t>
+            </a:r>
+            <a:r>
+              <a:rPr lang="ko-KR" altLang="en-US" sz="2400" dirty="0"/>
+              <a:t>가장 적합한 위치 </a:t>
+            </a:r>
+            <a:r>
+              <a:rPr lang="en-US" altLang="ko-KR" sz="2400" dirty="0"/>
+              <a:t>Or </a:t>
+            </a:r>
+            <a:r>
+              <a:rPr lang="ko-KR" altLang="en-US" sz="2400" dirty="0" err="1"/>
+              <a:t>액터</a:t>
+            </a:r>
+            <a:r>
+              <a:rPr lang="ko-KR" altLang="en-US" sz="2400" dirty="0"/>
+              <a:t> 찾기 </a:t>
+            </a:r>
+            <a:endParaRPr lang="en-US" altLang="ko-KR" sz="2400" dirty="0"/>
+          </a:p>
+          <a:p>
+            <a:r>
+              <a:rPr lang="ko-KR" altLang="en-US" sz="2400" dirty="0"/>
+              <a:t>질의한 </a:t>
+            </a:r>
+            <a:r>
+              <a:rPr lang="en-US" altLang="ko-KR" sz="2400" dirty="0"/>
+              <a:t>AI</a:t>
+            </a:r>
+            <a:r>
+              <a:rPr lang="ko-KR" altLang="en-US" sz="2400" dirty="0"/>
+              <a:t>의 월드</a:t>
+            </a:r>
+            <a:r>
+              <a:rPr lang="en-US" altLang="ko-KR" sz="2400" dirty="0"/>
+              <a:t> </a:t>
+            </a:r>
+            <a:r>
+              <a:rPr lang="ko-KR" altLang="en-US" sz="2400" dirty="0"/>
+              <a:t>위치</a:t>
+            </a:r>
+            <a:r>
+              <a:rPr lang="en-US" altLang="ko-KR" sz="2400" dirty="0"/>
+              <a:t>,</a:t>
+            </a:r>
+            <a:r>
+              <a:rPr lang="ko-KR" altLang="en-US" sz="2400" dirty="0"/>
+              <a:t>방향 에서  시작됨</a:t>
+            </a:r>
+            <a:endParaRPr lang="en-US" altLang="ko-KR" sz="2400" dirty="0"/>
+          </a:p>
+          <a:p>
+            <a:r>
+              <a:rPr lang="ko-KR" altLang="en-US" sz="2400" dirty="0"/>
+              <a:t>각 위치</a:t>
+            </a:r>
+            <a:r>
+              <a:rPr lang="en-US" altLang="ko-KR" sz="2400" dirty="0"/>
+              <a:t>(</a:t>
+            </a:r>
+            <a:r>
+              <a:rPr lang="ko-KR" altLang="en-US" sz="2400" dirty="0" err="1"/>
+              <a:t>액터</a:t>
+            </a:r>
+            <a:r>
+              <a:rPr lang="en-US" altLang="ko-KR" sz="2400" dirty="0"/>
+              <a:t>)</a:t>
+            </a:r>
+            <a:r>
+              <a:rPr lang="ko-KR" altLang="en-US" sz="2400" dirty="0"/>
+              <a:t>마다 </a:t>
+            </a:r>
+            <a:r>
+              <a:rPr lang="en-US" altLang="ko-KR" sz="2400" dirty="0"/>
+              <a:t>Test</a:t>
+            </a:r>
+            <a:r>
+              <a:rPr lang="ko-KR" altLang="en-US" sz="2400" dirty="0"/>
+              <a:t>하여 </a:t>
+            </a:r>
+            <a:r>
+              <a:rPr lang="en-US" altLang="ko-KR" sz="2400" dirty="0"/>
+              <a:t>Score </a:t>
+            </a:r>
+            <a:r>
+              <a:rPr lang="ko-KR" altLang="en-US" sz="2400" dirty="0"/>
+              <a:t>하여</a:t>
+            </a:r>
+            <a:r>
+              <a:rPr lang="en-US" altLang="ko-KR" sz="2400" dirty="0"/>
+              <a:t> </a:t>
+            </a:r>
+            <a:r>
+              <a:rPr lang="ko-KR" altLang="en-US" sz="2400" dirty="0"/>
+              <a:t>점수가 </a:t>
+            </a:r>
+            <a:r>
+              <a:rPr lang="ko-KR" altLang="en-US" sz="2400" dirty="0" err="1"/>
+              <a:t>높은것을</a:t>
+            </a:r>
+            <a:r>
+              <a:rPr lang="ko-KR" altLang="en-US" sz="2400" dirty="0"/>
+              <a:t> 선택</a:t>
+            </a:r>
+            <a:endParaRPr lang="en-US" altLang="ko-KR" sz="2400" dirty="0"/>
+          </a:p>
+          <a:p>
+            <a:pPr marL="0" indent="0">
+              <a:buNone/>
+            </a:pPr>
+            <a:r>
+              <a:rPr lang="ko-KR" altLang="en-US" sz="2400" dirty="0"/>
+              <a:t>예</a:t>
+            </a:r>
+            <a:r>
+              <a:rPr lang="en-US" altLang="ko-KR" sz="2400" dirty="0"/>
+              <a:t>) </a:t>
+            </a:r>
+            <a:r>
+              <a:rPr lang="ko-KR" altLang="en-US" sz="2400" dirty="0"/>
+              <a:t>플레이어에게</a:t>
+            </a:r>
+            <a:r>
+              <a:rPr lang="en-US" altLang="ko-KR" sz="2400" dirty="0"/>
+              <a:t> </a:t>
+            </a:r>
+            <a:r>
+              <a:rPr lang="ko-KR" altLang="en-US" sz="2400" dirty="0" err="1"/>
+              <a:t>안보이는곳</a:t>
+            </a:r>
+            <a:r>
+              <a:rPr lang="ko-KR" altLang="en-US" sz="2400" dirty="0"/>
+              <a:t> </a:t>
+            </a:r>
+            <a:r>
+              <a:rPr lang="en-US" altLang="ko-KR" sz="2400" dirty="0"/>
+              <a:t>+2 </a:t>
+            </a:r>
+          </a:p>
+          <a:p>
+            <a:pPr marL="0" indent="0">
+              <a:buNone/>
+            </a:pPr>
+            <a:r>
+              <a:rPr lang="ko-KR" altLang="en-US" sz="2400" dirty="0"/>
+              <a:t>예</a:t>
+            </a:r>
+            <a:r>
+              <a:rPr lang="en-US" altLang="ko-KR" sz="2400" dirty="0"/>
+              <a:t>) AI</a:t>
+            </a:r>
+            <a:r>
+              <a:rPr lang="ko-KR" altLang="en-US" sz="2400" dirty="0"/>
+              <a:t>현재 위치에서 가장 </a:t>
+            </a:r>
+            <a:r>
+              <a:rPr lang="ko-KR" altLang="en-US" sz="2400" dirty="0" err="1"/>
+              <a:t>가까운곳</a:t>
+            </a:r>
+            <a:r>
+              <a:rPr lang="en-US" altLang="ko-KR" sz="2400" dirty="0"/>
+              <a:t>(+1) 0.9,0.8…0.2,0.1</a:t>
+            </a:r>
+            <a:r>
+              <a:rPr lang="ko-KR" altLang="en-US" sz="2400" dirty="0"/>
+              <a:t> </a:t>
+            </a:r>
+            <a:r>
+              <a:rPr lang="ko-KR" altLang="en-US" sz="2400" dirty="0" err="1"/>
+              <a:t>먼곳</a:t>
+            </a:r>
+            <a:r>
+              <a:rPr lang="en-US" altLang="ko-KR" sz="2400" dirty="0"/>
+              <a:t>(+0)</a:t>
+            </a:r>
+          </a:p>
+          <a:p>
+            <a:pPr marL="0" indent="0">
+              <a:buNone/>
+            </a:pPr>
+            <a:r>
+              <a:rPr lang="ko-KR" altLang="en-US" sz="2400" dirty="0"/>
+              <a:t>예</a:t>
+            </a:r>
+            <a:r>
+              <a:rPr lang="en-US" altLang="ko-KR" sz="2400" dirty="0"/>
+              <a:t>) </a:t>
+            </a:r>
+            <a:r>
+              <a:rPr lang="ko-KR" altLang="en-US" sz="2400" dirty="0"/>
+              <a:t>플레이어에서 가장 </a:t>
+            </a:r>
+            <a:r>
+              <a:rPr lang="ko-KR" altLang="en-US" sz="2400" dirty="0" err="1"/>
+              <a:t>가까운곳</a:t>
+            </a:r>
+            <a:r>
+              <a:rPr lang="en-US" altLang="ko-KR" sz="2400" dirty="0"/>
+              <a:t>(+0) 0.1,0.2 … 0.8,0.9 </a:t>
+            </a:r>
+            <a:r>
+              <a:rPr lang="ko-KR" altLang="en-US" sz="2400" dirty="0" err="1"/>
+              <a:t>먼곳</a:t>
+            </a:r>
+            <a:r>
+              <a:rPr lang="en-US" altLang="ko-KR" sz="2400" dirty="0"/>
+              <a:t>(+1)</a:t>
+            </a:r>
+          </a:p>
+          <a:p>
+            <a:r>
+              <a:rPr lang="en-US" altLang="ko-KR" sz="2400" dirty="0" err="1"/>
+              <a:t>BehaviorTree</a:t>
+            </a:r>
+            <a:r>
+              <a:rPr lang="ko-KR" altLang="en-US" sz="2400" dirty="0"/>
+              <a:t>에서 </a:t>
+            </a:r>
+            <a:r>
+              <a:rPr lang="en-US" altLang="ko-KR" sz="2400" dirty="0"/>
+              <a:t>EQS </a:t>
+            </a:r>
+            <a:r>
+              <a:rPr lang="ko-KR" altLang="en-US" sz="2400" dirty="0"/>
+              <a:t>질의 결과는 </a:t>
+            </a:r>
+            <a:r>
+              <a:rPr lang="en-US" altLang="ko-KR" sz="2400" dirty="0"/>
+              <a:t>Location or Actor </a:t>
+            </a:r>
+            <a:r>
+              <a:rPr lang="ko-KR" altLang="en-US" sz="2400" dirty="0"/>
+              <a:t>로 </a:t>
+            </a:r>
+            <a:r>
+              <a:rPr lang="en-US" altLang="ko-KR" sz="2400" dirty="0"/>
+              <a:t>Blackboard</a:t>
+            </a:r>
+            <a:r>
+              <a:rPr lang="ko-KR" altLang="en-US" sz="2400" dirty="0"/>
+              <a:t>에 갱신됨</a:t>
+            </a:r>
+            <a:r>
+              <a:rPr lang="en-US" altLang="ko-KR" sz="2400" dirty="0"/>
+              <a:t>.</a:t>
+            </a:r>
+          </a:p>
+          <a:p>
+            <a:endParaRPr lang="en-US" altLang="ko-KR" sz="1400" dirty="0"/>
+          </a:p>
+          <a:p>
+            <a:endParaRPr lang="ko-KR" altLang="en-US" sz="1400" dirty="0"/>
+          </a:p>
+        </p:txBody>
+      </p:sp>
+    </p:spTree>
+    <p:extLst>
+      <p:ext uri="{BB962C8B-B14F-4D97-AF65-F5344CB8AC3E}">
+        <p14:creationId xmlns:p14="http://schemas.microsoft.com/office/powerpoint/2010/main" val="422516092"/>
+      </p:ext>
+    </p:extLst>
+  </p:cSld>
+  <p:clrMapOvr>
+    <a:overrideClrMapping bg1="dk1" tx1="lt1" bg2="dk2" tx2="lt2" accent1="accent1" accent2="accent2" accent3="accent3" accent4="accent4" accent5="accent5" accent6="accent6" hlink="hlink" folHlink="folHlink"/>
+  </p:clrMapOvr>
+</p:sld>
+</file>
+
+<file path=ppt/slides/slide34.xml><?xml version="1.0" encoding="utf-8"?>
+<p:sld xmlns:a="http://schemas.openxmlformats.org/drawingml/2006/main" xmlns:r="http://schemas.openxmlformats.org/officeDocument/2006/relationships" xmlns:p="http://schemas.openxmlformats.org/presentationml/2006/main">
+  <p:cSld>
+    <p:bg>
+      <p:bgPr>
+        <a:solidFill>
+          <a:schemeClr val="bg1"/>
+        </a:solidFill>
+        <a:effectLst/>
+      </p:bgPr>
+    </p:bg>
+    <p:spTree>
+      <p:nvGrpSpPr>
+        <p:cNvPr id="1" name=""/>
+        <p:cNvGrpSpPr/>
+        <p:nvPr/>
+      </p:nvGrpSpPr>
+      <p:grpSpPr>
+        <a:xfrm>
+          <a:off x="0" y="0"/>
+          <a:ext cx="0" cy="0"/>
+          <a:chOff x="0" y="0"/>
+          <a:chExt cx="0" cy="0"/>
+        </a:xfrm>
+      </p:grpSpPr>
+      <p:pic>
+        <p:nvPicPr>
+          <p:cNvPr id="5" name="그림 4">
+            <a:extLst>
+              <a:ext uri="{FF2B5EF4-FFF2-40B4-BE49-F238E27FC236}">
+                <a16:creationId xmlns:a16="http://schemas.microsoft.com/office/drawing/2014/main" id="{91E0FBD8-B000-4058-910C-99307BFB38E9}"/>
+              </a:ext>
+            </a:extLst>
+          </p:cNvPr>
+          <p:cNvPicPr>
+            <a:picLocks noChangeAspect="1"/>
+          </p:cNvPicPr>
+          <p:nvPr/>
+        </p:nvPicPr>
+        <p:blipFill rotWithShape="1">
+          <a:blip r:embed="rId2"/>
+          <a:srcRect l="11689" r="17837"/>
+          <a:stretch/>
+        </p:blipFill>
+        <p:spPr>
+          <a:xfrm>
+            <a:off x="7552266" y="10"/>
+            <a:ext cx="4639733" cy="6857990"/>
+          </a:xfrm>
+          <a:prstGeom prst="rect">
+            <a:avLst/>
+          </a:prstGeom>
+        </p:spPr>
+      </p:pic>
+      <p:sp>
+        <p:nvSpPr>
+          <p:cNvPr id="2" name="제목 1">
+            <a:extLst>
+              <a:ext uri="{FF2B5EF4-FFF2-40B4-BE49-F238E27FC236}">
+                <a16:creationId xmlns:a16="http://schemas.microsoft.com/office/drawing/2014/main" id="{1E2A27A6-416B-4D54-A6A5-95D7F94606F9}"/>
+              </a:ext>
+            </a:extLst>
+          </p:cNvPr>
+          <p:cNvSpPr>
+            <a:spLocks noGrp="1"/>
+          </p:cNvSpPr>
+          <p:nvPr>
+            <p:ph type="title"/>
+          </p:nvPr>
+        </p:nvSpPr>
+        <p:spPr/>
+        <p:txBody>
+          <a:bodyPr>
+            <a:normAutofit/>
+          </a:bodyPr>
+          <a:lstStyle/>
+          <a:p>
+            <a:r>
+              <a:rPr lang="en-US" altLang="ko-KR" dirty="0"/>
+              <a:t>EQS </a:t>
+            </a:r>
+            <a:r>
+              <a:rPr lang="ko-KR" altLang="en-US" dirty="0" err="1"/>
+              <a:t>어셋</a:t>
+            </a:r>
+            <a:r>
+              <a:rPr lang="ko-KR" altLang="en-US" dirty="0"/>
+              <a:t> 생성 및 호출하기</a:t>
+            </a:r>
+          </a:p>
+        </p:txBody>
+      </p:sp>
+      <p:sp>
+        <p:nvSpPr>
+          <p:cNvPr id="3" name="내용 개체 틀 2">
+            <a:extLst>
+              <a:ext uri="{FF2B5EF4-FFF2-40B4-BE49-F238E27FC236}">
+                <a16:creationId xmlns:a16="http://schemas.microsoft.com/office/drawing/2014/main" id="{247D7CB1-780B-4398-AA37-BFCD1BBFA78C}"/>
+              </a:ext>
+            </a:extLst>
+          </p:cNvPr>
+          <p:cNvSpPr>
+            <a:spLocks noGrp="1"/>
+          </p:cNvSpPr>
+          <p:nvPr>
+            <p:ph idx="1"/>
+          </p:nvPr>
+        </p:nvSpPr>
+        <p:spPr/>
+        <p:txBody>
+          <a:bodyPr>
+            <a:normAutofit/>
+          </a:bodyPr>
+          <a:lstStyle/>
+          <a:p>
+            <a:r>
+              <a:rPr lang="ko-KR" altLang="en-US" sz="1900" dirty="0"/>
+              <a:t>오른쪽 클릭</a:t>
+            </a:r>
+            <a:r>
+              <a:rPr lang="en-US" altLang="ko-KR" sz="1900" dirty="0">
+                <a:sym typeface="Wingdings" panose="05000000000000000000" pitchFamily="2" charset="2"/>
+              </a:rPr>
+              <a:t> </a:t>
+            </a:r>
+            <a:r>
+              <a:rPr lang="ko-KR" altLang="en-US" sz="1900" dirty="0">
+                <a:sym typeface="Wingdings" panose="05000000000000000000" pitchFamily="2" charset="2"/>
+              </a:rPr>
+              <a:t>인공지능 </a:t>
+            </a:r>
+            <a:r>
+              <a:rPr lang="en-US" altLang="ko-KR" sz="1900" dirty="0">
+                <a:sym typeface="Wingdings" panose="05000000000000000000" pitchFamily="2" charset="2"/>
+              </a:rPr>
+              <a:t>-&gt; </a:t>
+            </a:r>
+            <a:r>
+              <a:rPr lang="en-US" altLang="ko-KR" sz="1900" dirty="0" err="1">
+                <a:sym typeface="Wingdings" panose="05000000000000000000" pitchFamily="2" charset="2"/>
+              </a:rPr>
+              <a:t>EnvironmentQuery</a:t>
+            </a:r>
+            <a:r>
+              <a:rPr lang="en-US" altLang="ko-KR" sz="1900" dirty="0">
+                <a:sym typeface="Wingdings" panose="05000000000000000000" pitchFamily="2" charset="2"/>
+              </a:rPr>
+              <a:t> </a:t>
+            </a:r>
+            <a:r>
+              <a:rPr lang="ko-KR" altLang="en-US" sz="1900" dirty="0">
+                <a:sym typeface="Wingdings" panose="05000000000000000000" pitchFamily="2" charset="2"/>
+              </a:rPr>
+              <a:t>생성</a:t>
+            </a:r>
+            <a:endParaRPr lang="en-US" altLang="ko-KR" sz="1900" dirty="0">
+              <a:sym typeface="Wingdings" panose="05000000000000000000" pitchFamily="2" charset="2"/>
+            </a:endParaRPr>
+          </a:p>
+          <a:p>
+            <a:r>
+              <a:rPr lang="en-US" altLang="ko-KR" sz="1900" dirty="0" err="1">
+                <a:sym typeface="Wingdings" panose="05000000000000000000" pitchFamily="2" charset="2"/>
+              </a:rPr>
+              <a:t>BehaviorTree</a:t>
+            </a:r>
+            <a:r>
+              <a:rPr lang="ko-KR" altLang="en-US" sz="1900" dirty="0">
+                <a:sym typeface="Wingdings" panose="05000000000000000000" pitchFamily="2" charset="2"/>
+              </a:rPr>
+              <a:t>에서 </a:t>
+            </a:r>
+            <a:r>
+              <a:rPr lang="en-US" altLang="ko-KR" sz="1900" dirty="0">
+                <a:sym typeface="Wingdings" panose="05000000000000000000" pitchFamily="2" charset="2"/>
+              </a:rPr>
+              <a:t>Task</a:t>
+            </a:r>
+            <a:r>
+              <a:rPr lang="ko-KR" altLang="en-US" sz="1900" dirty="0">
+                <a:sym typeface="Wingdings" panose="05000000000000000000" pitchFamily="2" charset="2"/>
+              </a:rPr>
+              <a:t>생성 </a:t>
+            </a:r>
+            <a:r>
+              <a:rPr lang="en-US" altLang="ko-KR" sz="1900" dirty="0">
+                <a:sym typeface="Wingdings" panose="05000000000000000000" pitchFamily="2" charset="2"/>
+              </a:rPr>
+              <a:t>– </a:t>
+            </a:r>
+            <a:r>
+              <a:rPr lang="en-US" altLang="ko-KR" sz="1900" dirty="0" err="1">
+                <a:sym typeface="Wingdings" panose="05000000000000000000" pitchFamily="2" charset="2"/>
+              </a:rPr>
+              <a:t>RunEQSQuery</a:t>
+            </a:r>
+            <a:endParaRPr lang="en-US" altLang="ko-KR" sz="1900" dirty="0">
+              <a:sym typeface="Wingdings" panose="05000000000000000000" pitchFamily="2" charset="2"/>
+            </a:endParaRPr>
+          </a:p>
+          <a:p>
+            <a:r>
+              <a:rPr lang="en-US" altLang="ko-KR" sz="1900" dirty="0" err="1">
+                <a:sym typeface="Wingdings" panose="05000000000000000000" pitchFamily="2" charset="2"/>
+              </a:rPr>
+              <a:t>RunEQSQuery</a:t>
+            </a:r>
+            <a:r>
+              <a:rPr lang="ko-KR" altLang="en-US" sz="1900" dirty="0">
+                <a:sym typeface="Wingdings" panose="05000000000000000000" pitchFamily="2" charset="2"/>
+              </a:rPr>
+              <a:t> </a:t>
+            </a:r>
+            <a:r>
+              <a:rPr lang="en-US" altLang="ko-KR" sz="1900" dirty="0">
+                <a:sym typeface="Wingdings" panose="05000000000000000000" pitchFamily="2" charset="2"/>
+              </a:rPr>
+              <a:t>Task</a:t>
+            </a:r>
+            <a:r>
+              <a:rPr lang="ko-KR" altLang="en-US" sz="1900" dirty="0">
+                <a:sym typeface="Wingdings" panose="05000000000000000000" pitchFamily="2" charset="2"/>
+              </a:rPr>
+              <a:t>의 디테일에서</a:t>
+            </a:r>
+            <a:endParaRPr lang="en-US" altLang="ko-KR" sz="1900" dirty="0">
+              <a:sym typeface="Wingdings" panose="05000000000000000000" pitchFamily="2" charset="2"/>
+            </a:endParaRPr>
+          </a:p>
+          <a:p>
+            <a:pPr marL="0" indent="0">
+              <a:buNone/>
+            </a:pPr>
+            <a:r>
+              <a:rPr lang="en-US" altLang="ko-KR" sz="1900" dirty="0">
+                <a:sym typeface="Wingdings" panose="05000000000000000000" pitchFamily="2" charset="2"/>
+              </a:rPr>
+              <a:t>Blackboard – Blackboard Key -&gt; </a:t>
+            </a:r>
+            <a:r>
+              <a:rPr lang="ko-KR" altLang="en-US" sz="1900" dirty="0">
+                <a:solidFill>
+                  <a:srgbClr val="FF0000"/>
+                </a:solidFill>
+                <a:sym typeface="Wingdings" panose="05000000000000000000" pitchFamily="2" charset="2"/>
+              </a:rPr>
+              <a:t>결과를 저장할 키 지정 필수</a:t>
+            </a:r>
+            <a:endParaRPr lang="en-US" altLang="ko-KR" sz="1900" dirty="0">
+              <a:solidFill>
+                <a:srgbClr val="FF0000"/>
+              </a:solidFill>
+              <a:sym typeface="Wingdings" panose="05000000000000000000" pitchFamily="2" charset="2"/>
+            </a:endParaRPr>
+          </a:p>
+          <a:p>
+            <a:pPr marL="0" indent="0">
+              <a:buNone/>
+            </a:pPr>
+            <a:r>
+              <a:rPr lang="en-US" altLang="ko-KR" sz="1900" dirty="0">
+                <a:sym typeface="Wingdings" panose="05000000000000000000" pitchFamily="2" charset="2"/>
+              </a:rPr>
+              <a:t>EQS-</a:t>
+            </a:r>
+            <a:r>
+              <a:rPr lang="en-US" altLang="ko-KR" sz="1900" dirty="0" err="1">
+                <a:sym typeface="Wingdings" panose="05000000000000000000" pitchFamily="2" charset="2"/>
+              </a:rPr>
+              <a:t>EQSRequest</a:t>
+            </a:r>
+            <a:r>
+              <a:rPr lang="en-US" altLang="ko-KR" sz="1900" dirty="0">
+                <a:sym typeface="Wingdings" panose="05000000000000000000" pitchFamily="2" charset="2"/>
+              </a:rPr>
+              <a:t>-</a:t>
+            </a:r>
+            <a:r>
+              <a:rPr lang="en-US" altLang="ko-KR" sz="1900" dirty="0" err="1">
+                <a:sym typeface="Wingdings" panose="05000000000000000000" pitchFamily="2" charset="2"/>
+              </a:rPr>
+              <a:t>QueryTemplate</a:t>
+            </a:r>
+            <a:r>
+              <a:rPr lang="en-US" altLang="ko-KR" sz="1900" dirty="0">
+                <a:sym typeface="Wingdings" panose="05000000000000000000" pitchFamily="2" charset="2"/>
+              </a:rPr>
+              <a:t> -&gt; </a:t>
+            </a:r>
+            <a:r>
+              <a:rPr lang="ko-KR" altLang="en-US" sz="1900" dirty="0">
+                <a:solidFill>
+                  <a:srgbClr val="FF0000"/>
+                </a:solidFill>
+                <a:sym typeface="Wingdings" panose="05000000000000000000" pitchFamily="2" charset="2"/>
+              </a:rPr>
+              <a:t>실행할</a:t>
+            </a:r>
+            <a:r>
+              <a:rPr lang="en-US" altLang="ko-KR" sz="1900" dirty="0">
+                <a:solidFill>
+                  <a:srgbClr val="FF0000"/>
+                </a:solidFill>
+                <a:sym typeface="Wingdings" panose="05000000000000000000" pitchFamily="2" charset="2"/>
+              </a:rPr>
+              <a:t>EQS Asset</a:t>
+            </a:r>
+            <a:r>
+              <a:rPr lang="ko-KR" altLang="en-US" sz="1900" dirty="0">
+                <a:solidFill>
+                  <a:srgbClr val="FF0000"/>
+                </a:solidFill>
+                <a:sym typeface="Wingdings" panose="05000000000000000000" pitchFamily="2" charset="2"/>
+              </a:rPr>
+              <a:t>지정 필수</a:t>
+            </a:r>
+            <a:endParaRPr lang="en-US" altLang="ko-KR" sz="1900" dirty="0">
+              <a:solidFill>
+                <a:srgbClr val="FF0000"/>
+              </a:solidFill>
+              <a:sym typeface="Wingdings" panose="05000000000000000000" pitchFamily="2" charset="2"/>
+            </a:endParaRPr>
+          </a:p>
+          <a:p>
+            <a:pPr marL="0" indent="0">
+              <a:buNone/>
+            </a:pPr>
+            <a:r>
+              <a:rPr lang="en-US" altLang="ko-KR" sz="1900" dirty="0">
+                <a:sym typeface="Wingdings" panose="05000000000000000000" pitchFamily="2" charset="2"/>
+              </a:rPr>
+              <a:t>EQS-</a:t>
+            </a:r>
+            <a:r>
+              <a:rPr lang="en-US" altLang="ko-KR" sz="1900" dirty="0" err="1">
+                <a:sym typeface="Wingdings" panose="05000000000000000000" pitchFamily="2" charset="2"/>
+              </a:rPr>
+              <a:t>EQSRequest</a:t>
+            </a:r>
+            <a:r>
+              <a:rPr lang="en-US" altLang="ko-KR" sz="1900" dirty="0">
+                <a:sym typeface="Wingdings" panose="05000000000000000000" pitchFamily="2" charset="2"/>
+              </a:rPr>
+              <a:t>-</a:t>
+            </a:r>
+            <a:r>
+              <a:rPr lang="en-US" altLang="ko-KR" sz="1900" dirty="0" err="1">
+                <a:sym typeface="Wingdings" panose="05000000000000000000" pitchFamily="2" charset="2"/>
+              </a:rPr>
+              <a:t>RunMode</a:t>
+            </a:r>
+            <a:r>
+              <a:rPr lang="en-US" altLang="ko-KR" sz="1900" dirty="0">
+                <a:sym typeface="Wingdings" panose="05000000000000000000" pitchFamily="2" charset="2"/>
+              </a:rPr>
+              <a:t> -&gt; </a:t>
+            </a:r>
+            <a:r>
+              <a:rPr lang="ko-KR" altLang="en-US" sz="1900" dirty="0">
+                <a:sym typeface="Wingdings" panose="05000000000000000000" pitchFamily="2" charset="2"/>
+              </a:rPr>
+              <a:t>결과 중 랜덤 여부 </a:t>
+            </a:r>
+            <a:endParaRPr lang="en-US" altLang="ko-KR" sz="1900" dirty="0">
+              <a:sym typeface="Wingdings" panose="05000000000000000000" pitchFamily="2" charset="2"/>
+            </a:endParaRPr>
+          </a:p>
+          <a:p>
+            <a:pPr marL="0" indent="0">
+              <a:buNone/>
+            </a:pPr>
+            <a:r>
+              <a:rPr lang="en-US" altLang="ko-KR" sz="1900" dirty="0">
+                <a:sym typeface="Wingdings" panose="05000000000000000000" pitchFamily="2" charset="2"/>
+              </a:rPr>
+              <a:t>EQS-</a:t>
+            </a:r>
+            <a:r>
+              <a:rPr lang="en-US" altLang="ko-KR" sz="1900" dirty="0" err="1">
+                <a:sym typeface="Wingdings" panose="05000000000000000000" pitchFamily="2" charset="2"/>
+              </a:rPr>
+              <a:t>EQSRequest</a:t>
+            </a:r>
+            <a:r>
+              <a:rPr lang="en-US" altLang="ko-KR" sz="1900" dirty="0">
+                <a:sym typeface="Wingdings" panose="05000000000000000000" pitchFamily="2" charset="2"/>
+              </a:rPr>
+              <a:t>-</a:t>
+            </a:r>
+            <a:r>
+              <a:rPr lang="en-US" altLang="ko-KR" sz="1900" dirty="0" err="1">
+                <a:sym typeface="Wingdings" panose="05000000000000000000" pitchFamily="2" charset="2"/>
+              </a:rPr>
+              <a:t>QueryConfig</a:t>
+            </a:r>
+            <a:r>
+              <a:rPr lang="en-US" altLang="ko-KR" sz="1900" dirty="0">
+                <a:sym typeface="Wingdings" panose="05000000000000000000" pitchFamily="2" charset="2"/>
+              </a:rPr>
+              <a:t> -&gt; EQS</a:t>
+            </a:r>
+            <a:r>
+              <a:rPr lang="ko-KR" altLang="en-US" sz="1900" dirty="0">
+                <a:sym typeface="Wingdings" panose="05000000000000000000" pitchFamily="2" charset="2"/>
+              </a:rPr>
+              <a:t>에 전달할 </a:t>
+            </a:r>
+            <a:r>
+              <a:rPr lang="en-US" altLang="ko-KR" sz="1900" dirty="0">
+                <a:sym typeface="Wingdings" panose="05000000000000000000" pitchFamily="2" charset="2"/>
+              </a:rPr>
+              <a:t>Data</a:t>
+            </a:r>
+          </a:p>
+          <a:p>
+            <a:r>
+              <a:rPr lang="en-US" altLang="ko-KR" sz="1900" dirty="0"/>
+              <a:t>DEPRECATED</a:t>
+            </a:r>
+            <a:r>
+              <a:rPr lang="ko-KR" altLang="en-US" sz="1900" dirty="0"/>
+              <a:t>는 무시 </a:t>
+            </a:r>
+            <a:r>
+              <a:rPr lang="en-US" altLang="ko-KR" sz="1900" dirty="0"/>
+              <a:t>, </a:t>
+            </a:r>
+            <a:r>
+              <a:rPr lang="ko-KR" altLang="en-US" sz="1900" dirty="0" err="1"/>
+              <a:t>사용안함</a:t>
+            </a:r>
+            <a:endParaRPr lang="ko-KR" altLang="en-US" sz="1900" dirty="0"/>
+          </a:p>
+        </p:txBody>
+      </p:sp>
+    </p:spTree>
+    <p:extLst>
+      <p:ext uri="{BB962C8B-B14F-4D97-AF65-F5344CB8AC3E}">
+        <p14:creationId xmlns:p14="http://schemas.microsoft.com/office/powerpoint/2010/main" val="1527522953"/>
+      </p:ext>
+    </p:extLst>
+  </p:cSld>
+  <p:clrMapOvr>
+    <a:overrideClrMapping bg1="dk1" tx1="lt1" bg2="dk2" tx2="lt2" accent1="accent1" accent2="accent2" accent3="accent3" accent4="accent4" accent5="accent5" accent6="accent6" hlink="hlink" folHlink="folHlink"/>
+  </p:clrMapOvr>
+</p:sld>
+</file>
+
+<file path=ppt/slides/slide35.xml><?xml version="1.0" encoding="utf-8"?>
+<p:sld xmlns:a="http://schemas.openxmlformats.org/drawingml/2006/main" xmlns:r="http://schemas.openxmlformats.org/officeDocument/2006/relationships" xmlns:p="http://schemas.openxmlformats.org/presentationml/2006/main">
+  <p:cSld>
+    <p:spTree>
+      <p:nvGrpSpPr>
+        <p:cNvPr id="1" name=""/>
+        <p:cNvGrpSpPr/>
+        <p:nvPr/>
+      </p:nvGrpSpPr>
+      <p:grpSpPr>
+        <a:xfrm>
+          <a:off x="0" y="0"/>
+          <a:ext cx="0" cy="0"/>
+          <a:chOff x="0" y="0"/>
+          <a:chExt cx="0" cy="0"/>
+        </a:xfrm>
+      </p:grpSpPr>
+      <p:sp>
+        <p:nvSpPr>
+          <p:cNvPr id="2" name="제목 1">
+            <a:extLst>
+              <a:ext uri="{FF2B5EF4-FFF2-40B4-BE49-F238E27FC236}">
+                <a16:creationId xmlns:a16="http://schemas.microsoft.com/office/drawing/2014/main" id="{8EBBFBB4-BD38-4B61-9374-B2BDDB6B2727}"/>
+              </a:ext>
+            </a:extLst>
+          </p:cNvPr>
+          <p:cNvSpPr>
+            <a:spLocks noGrp="1"/>
+          </p:cNvSpPr>
+          <p:nvPr>
+            <p:ph type="title"/>
+          </p:nvPr>
+        </p:nvSpPr>
+        <p:spPr/>
+        <p:txBody>
+          <a:bodyPr/>
+          <a:lstStyle/>
+          <a:p>
+            <a:r>
+              <a:rPr lang="en-US" altLang="ko-KR" dirty="0"/>
+              <a:t>EQS Generator</a:t>
+            </a:r>
+            <a:endParaRPr lang="ko-KR" altLang="en-US" dirty="0"/>
+          </a:p>
+        </p:txBody>
+      </p:sp>
+      <p:sp>
+        <p:nvSpPr>
+          <p:cNvPr id="3" name="내용 개체 틀 2">
+            <a:extLst>
+              <a:ext uri="{FF2B5EF4-FFF2-40B4-BE49-F238E27FC236}">
+                <a16:creationId xmlns:a16="http://schemas.microsoft.com/office/drawing/2014/main" id="{BDC55B11-2052-4EE8-BB24-7D24F5DBAEBF}"/>
+              </a:ext>
+            </a:extLst>
+          </p:cNvPr>
+          <p:cNvSpPr>
+            <a:spLocks noGrp="1"/>
+          </p:cNvSpPr>
+          <p:nvPr>
+            <p:ph idx="1"/>
+          </p:nvPr>
+        </p:nvSpPr>
+        <p:spPr/>
+        <p:txBody>
+          <a:bodyPr/>
+          <a:lstStyle/>
+          <a:p>
+            <a:r>
+              <a:rPr lang="en-US" altLang="ko-KR" dirty="0"/>
+              <a:t>Points: Circle , Cone, Donut , Grid …</a:t>
+            </a:r>
+          </a:p>
+          <a:p>
+            <a:pPr marL="0" indent="0">
+              <a:buNone/>
+            </a:pPr>
+            <a:r>
+              <a:rPr lang="ko-KR" altLang="en-US" dirty="0"/>
+              <a:t>도형 형태의 영역에서 최적의 위치 찾기 </a:t>
+            </a:r>
+            <a:endParaRPr lang="en-US" altLang="ko-KR" dirty="0"/>
+          </a:p>
+          <a:p>
+            <a:pPr marL="0" indent="0">
+              <a:buNone/>
+            </a:pPr>
+            <a:endParaRPr lang="en-US" altLang="ko-KR" dirty="0"/>
+          </a:p>
+          <a:p>
+            <a:r>
+              <a:rPr lang="en-US" altLang="ko-KR" dirty="0" err="1"/>
+              <a:t>ActorOfClass</a:t>
+            </a:r>
+            <a:r>
+              <a:rPr lang="en-US" altLang="ko-KR" dirty="0"/>
+              <a:t> </a:t>
+            </a:r>
+          </a:p>
+          <a:p>
+            <a:pPr marL="0" indent="0">
+              <a:buNone/>
+            </a:pPr>
+            <a:r>
+              <a:rPr lang="ko-KR" altLang="en-US" dirty="0"/>
+              <a:t>원의 반지름 형태의 최적의 </a:t>
+            </a:r>
+            <a:r>
+              <a:rPr lang="en-US" altLang="ko-KR" dirty="0"/>
+              <a:t>Actor </a:t>
+            </a:r>
+            <a:r>
+              <a:rPr lang="ko-KR" altLang="en-US" dirty="0"/>
+              <a:t>찾기</a:t>
+            </a:r>
+          </a:p>
+        </p:txBody>
+      </p:sp>
+      <p:pic>
+        <p:nvPicPr>
+          <p:cNvPr id="7" name="그림 6">
+            <a:extLst>
+              <a:ext uri="{FF2B5EF4-FFF2-40B4-BE49-F238E27FC236}">
+                <a16:creationId xmlns:a16="http://schemas.microsoft.com/office/drawing/2014/main" id="{0699F1EB-0360-4DC7-9118-D30B1FEA1192}"/>
+              </a:ext>
+            </a:extLst>
+          </p:cNvPr>
+          <p:cNvPicPr>
+            <a:picLocks noChangeAspect="1"/>
+          </p:cNvPicPr>
+          <p:nvPr/>
+        </p:nvPicPr>
+        <p:blipFill>
+          <a:blip r:embed="rId2"/>
+          <a:stretch>
+            <a:fillRect/>
+          </a:stretch>
+        </p:blipFill>
+        <p:spPr>
+          <a:xfrm>
+            <a:off x="7952921" y="1690688"/>
+            <a:ext cx="3400879" cy="4895850"/>
+          </a:xfrm>
+          <a:prstGeom prst="rect">
+            <a:avLst/>
+          </a:prstGeom>
+        </p:spPr>
+      </p:pic>
+      <p:cxnSp>
+        <p:nvCxnSpPr>
+          <p:cNvPr id="11" name="직선 화살표 연결선 10">
+            <a:extLst>
+              <a:ext uri="{FF2B5EF4-FFF2-40B4-BE49-F238E27FC236}">
+                <a16:creationId xmlns:a16="http://schemas.microsoft.com/office/drawing/2014/main" id="{4005410C-A296-4441-A55C-84F950BA7A05}"/>
+              </a:ext>
+            </a:extLst>
+          </p:cNvPr>
+          <p:cNvCxnSpPr>
+            <a:cxnSpLocks/>
+          </p:cNvCxnSpPr>
+          <p:nvPr/>
+        </p:nvCxnSpPr>
+        <p:spPr>
+          <a:xfrm>
+            <a:off x="3511826" y="1325217"/>
+            <a:ext cx="4731026" cy="2676077"/>
+          </a:xfrm>
+          <a:prstGeom prst="straightConnector1">
+            <a:avLst/>
+          </a:prstGeom>
+          <a:ln w="38100" cap="flat" cmpd="sng" algn="ctr">
+            <a:solidFill>
+              <a:srgbClr val="FF0000"/>
+            </a:solidFill>
+            <a:prstDash val="solid"/>
+            <a:round/>
+            <a:headEnd type="none" w="med" len="med"/>
+            <a:tailEnd type="arrow" w="med" len="med"/>
+          </a:ln>
+        </p:spPr>
+        <p:style>
+          <a:lnRef idx="0">
+            <a:scrgbClr r="0" g="0" b="0"/>
+          </a:lnRef>
+          <a:fillRef idx="0">
+            <a:scrgbClr r="0" g="0" b="0"/>
+          </a:fillRef>
+          <a:effectRef idx="0">
+            <a:scrgbClr r="0" g="0" b="0"/>
+          </a:effectRef>
+          <a:fontRef idx="minor">
+            <a:schemeClr val="tx1"/>
+          </a:fontRef>
+        </p:style>
+      </p:cxnSp>
+      <p:sp>
+        <p:nvSpPr>
+          <p:cNvPr id="17" name="사각형: 둥근 모서리 16">
+            <a:extLst>
+              <a:ext uri="{FF2B5EF4-FFF2-40B4-BE49-F238E27FC236}">
+                <a16:creationId xmlns:a16="http://schemas.microsoft.com/office/drawing/2014/main" id="{D75C8AE6-B4E4-45A7-B7D7-CE43101D0E08}"/>
+              </a:ext>
+            </a:extLst>
+          </p:cNvPr>
+          <p:cNvSpPr/>
+          <p:nvPr/>
+        </p:nvSpPr>
+        <p:spPr>
+          <a:xfrm>
+            <a:off x="8131016" y="4001294"/>
+            <a:ext cx="3044688" cy="664334"/>
+          </a:xfrm>
+          <a:prstGeom prst="roundRect">
+            <a:avLst/>
+          </a:prstGeom>
+          <a:noFill/>
+          <a:ln w="38100">
+            <a:solidFill>
+              <a:srgbClr val="FF0000"/>
+            </a:solidFill>
+          </a:ln>
+        </p:spPr>
+        <p:style>
+          <a:lnRef idx="2">
+            <a:schemeClr val="accent6"/>
+          </a:lnRef>
+          <a:fillRef idx="1">
+            <a:schemeClr val="lt1"/>
+          </a:fillRef>
+          <a:effectRef idx="0">
+            <a:schemeClr val="accent6"/>
+          </a:effectRef>
+          <a:fontRef idx="minor">
+            <a:schemeClr val="dk1"/>
+          </a:fontRef>
+        </p:style>
+        <p:txBody>
+          <a:bodyPr rtlCol="0" anchor="ctr"/>
+          <a:lstStyle/>
+          <a:p>
+            <a:pPr algn="ctr"/>
+            <a:endParaRPr lang="ko-KR" altLang="en-US"/>
+          </a:p>
+        </p:txBody>
+      </p:sp>
+    </p:spTree>
+    <p:extLst>
+      <p:ext uri="{BB962C8B-B14F-4D97-AF65-F5344CB8AC3E}">
+        <p14:creationId xmlns:p14="http://schemas.microsoft.com/office/powerpoint/2010/main" val="802878201"/>
+      </p:ext>
+    </p:extLst>
+  </p:cSld>
+  <p:clrMapOvr>
+    <a:masterClrMapping/>
+  </p:clrMapOvr>
+</p:sld>
+</file>
+
+<file path=ppt/slides/slide36.xml><?xml version="1.0" encoding="utf-8"?>
+<p:sld xmlns:a="http://schemas.openxmlformats.org/drawingml/2006/main" xmlns:r="http://schemas.openxmlformats.org/officeDocument/2006/relationships" xmlns:p="http://schemas.openxmlformats.org/presentationml/2006/main">
+  <p:cSld>
+    <p:spTree>
+      <p:nvGrpSpPr>
+        <p:cNvPr id="1" name=""/>
+        <p:cNvGrpSpPr/>
+        <p:nvPr/>
+      </p:nvGrpSpPr>
+      <p:grpSpPr>
+        <a:xfrm>
+          <a:off x="0" y="0"/>
+          <a:ext cx="0" cy="0"/>
+          <a:chOff x="0" y="0"/>
+          <a:chExt cx="0" cy="0"/>
+        </a:xfrm>
+      </p:grpSpPr>
+      <p:sp>
+        <p:nvSpPr>
+          <p:cNvPr id="2" name="제목 1">
+            <a:extLst>
+              <a:ext uri="{FF2B5EF4-FFF2-40B4-BE49-F238E27FC236}">
+                <a16:creationId xmlns:a16="http://schemas.microsoft.com/office/drawing/2014/main" id="{E14202FB-9AF9-44AE-A6BF-D40BF3CF48B5}"/>
+              </a:ext>
+            </a:extLst>
+          </p:cNvPr>
+          <p:cNvSpPr>
+            <a:spLocks noGrp="1"/>
+          </p:cNvSpPr>
+          <p:nvPr>
+            <p:ph type="title"/>
+          </p:nvPr>
+        </p:nvSpPr>
+        <p:spPr/>
+        <p:txBody>
+          <a:bodyPr/>
+          <a:lstStyle/>
+          <a:p>
+            <a:r>
+              <a:rPr lang="en-US" altLang="ko-KR" dirty="0"/>
+              <a:t>EQS  Test </a:t>
+            </a:r>
+            <a:r>
+              <a:rPr lang="ko-KR" altLang="en-US" dirty="0"/>
+              <a:t>와 </a:t>
+            </a:r>
+            <a:r>
+              <a:rPr lang="en-US" altLang="ko-KR" dirty="0"/>
+              <a:t>Context</a:t>
+            </a:r>
+            <a:endParaRPr lang="ko-KR" altLang="en-US" dirty="0"/>
+          </a:p>
+        </p:txBody>
+      </p:sp>
+      <p:sp>
+        <p:nvSpPr>
+          <p:cNvPr id="3" name="내용 개체 틀 2">
+            <a:extLst>
+              <a:ext uri="{FF2B5EF4-FFF2-40B4-BE49-F238E27FC236}">
+                <a16:creationId xmlns:a16="http://schemas.microsoft.com/office/drawing/2014/main" id="{DFD26B54-1ED2-413B-993F-74DC49C675F5}"/>
+              </a:ext>
+            </a:extLst>
+          </p:cNvPr>
+          <p:cNvSpPr>
+            <a:spLocks noGrp="1"/>
+          </p:cNvSpPr>
+          <p:nvPr>
+            <p:ph idx="1"/>
+          </p:nvPr>
+        </p:nvSpPr>
+        <p:spPr>
+          <a:xfrm>
+            <a:off x="838200" y="1825626"/>
+            <a:ext cx="10515600" cy="1132766"/>
+          </a:xfrm>
+        </p:spPr>
+        <p:txBody>
+          <a:bodyPr>
+            <a:normAutofit fontScale="77500" lnSpcReduction="20000"/>
+          </a:bodyPr>
+          <a:lstStyle/>
+          <a:p>
+            <a:r>
+              <a:rPr lang="en-US" altLang="ko-KR" dirty="0"/>
+              <a:t>Generator</a:t>
+            </a:r>
+            <a:r>
+              <a:rPr lang="ko-KR" altLang="en-US" dirty="0"/>
+              <a:t>노드는 </a:t>
+            </a:r>
+            <a:r>
+              <a:rPr lang="en-US" altLang="ko-KR" dirty="0"/>
+              <a:t>Test</a:t>
+            </a:r>
+            <a:r>
+              <a:rPr lang="ko-KR" altLang="en-US" dirty="0"/>
+              <a:t>를 추가하여 각 요소</a:t>
+            </a:r>
+            <a:r>
+              <a:rPr lang="en-US" altLang="ko-KR" dirty="0"/>
+              <a:t>(</a:t>
+            </a:r>
+            <a:r>
+              <a:rPr lang="ko-KR" altLang="en-US" dirty="0"/>
+              <a:t>위치</a:t>
+            </a:r>
+            <a:r>
+              <a:rPr lang="en-US" altLang="ko-KR" dirty="0"/>
+              <a:t>or</a:t>
+            </a:r>
+            <a:r>
+              <a:rPr lang="ko-KR" altLang="en-US" dirty="0" err="1"/>
+              <a:t>액터</a:t>
+            </a:r>
+            <a:r>
+              <a:rPr lang="en-US" altLang="ko-KR" dirty="0"/>
+              <a:t>)</a:t>
+            </a:r>
+            <a:r>
+              <a:rPr lang="ko-KR" altLang="en-US" dirty="0"/>
+              <a:t>가 </a:t>
+            </a:r>
+            <a:r>
+              <a:rPr lang="en-US" altLang="ko-KR" dirty="0"/>
+              <a:t>Score </a:t>
+            </a:r>
+            <a:r>
+              <a:rPr lang="ko-KR" altLang="en-US" dirty="0" err="1"/>
+              <a:t>되도록한다</a:t>
+            </a:r>
+            <a:r>
+              <a:rPr lang="en-US" altLang="ko-KR" dirty="0"/>
+              <a:t>.</a:t>
+            </a:r>
+          </a:p>
+          <a:p>
+            <a:r>
+              <a:rPr lang="en-US" altLang="ko-KR" dirty="0"/>
+              <a:t>Context</a:t>
+            </a:r>
+            <a:r>
+              <a:rPr lang="ko-KR" altLang="en-US" dirty="0"/>
+              <a:t>는 </a:t>
+            </a:r>
+            <a:r>
+              <a:rPr lang="en-US" altLang="ko-KR" dirty="0"/>
+              <a:t>Test</a:t>
+            </a:r>
+            <a:r>
+              <a:rPr lang="ko-KR" altLang="en-US" dirty="0"/>
+              <a:t>를 </a:t>
+            </a:r>
+            <a:r>
+              <a:rPr lang="ko-KR" altLang="en-US" dirty="0" err="1"/>
+              <a:t>실행할때</a:t>
+            </a:r>
+            <a:r>
+              <a:rPr lang="ko-KR" altLang="en-US" dirty="0"/>
+              <a:t> 어떤 기준으로 실행할지 결정한다</a:t>
+            </a:r>
+            <a:r>
+              <a:rPr lang="en-US" altLang="ko-KR" dirty="0"/>
+              <a:t>.</a:t>
+            </a:r>
+          </a:p>
+          <a:p>
+            <a:r>
+              <a:rPr lang="en-US" altLang="ko-KR" dirty="0"/>
+              <a:t>Context</a:t>
+            </a:r>
+            <a:r>
+              <a:rPr lang="ko-KR" altLang="en-US" dirty="0"/>
+              <a:t>는 </a:t>
+            </a:r>
+            <a:r>
+              <a:rPr lang="en-US" altLang="ko-KR" dirty="0" err="1"/>
+              <a:t>EnvQueryContext_BlueprintBase</a:t>
+            </a:r>
+            <a:r>
+              <a:rPr lang="ko-KR" altLang="en-US" dirty="0"/>
+              <a:t>를 부모클래스로 하여 </a:t>
+            </a:r>
+            <a:r>
+              <a:rPr lang="en-US" altLang="ko-KR" dirty="0"/>
+              <a:t>BP</a:t>
+            </a:r>
+            <a:r>
+              <a:rPr lang="ko-KR" altLang="en-US" dirty="0"/>
+              <a:t>생성</a:t>
+            </a:r>
+          </a:p>
+        </p:txBody>
+      </p:sp>
+      <p:pic>
+        <p:nvPicPr>
+          <p:cNvPr id="5" name="그림 4">
+            <a:extLst>
+              <a:ext uri="{FF2B5EF4-FFF2-40B4-BE49-F238E27FC236}">
+                <a16:creationId xmlns:a16="http://schemas.microsoft.com/office/drawing/2014/main" id="{E471C769-753C-439C-87D9-CBCD4FC7C28B}"/>
+              </a:ext>
+            </a:extLst>
+          </p:cNvPr>
+          <p:cNvPicPr>
+            <a:picLocks noChangeAspect="1"/>
+          </p:cNvPicPr>
+          <p:nvPr/>
+        </p:nvPicPr>
+        <p:blipFill>
+          <a:blip r:embed="rId2"/>
+          <a:stretch>
+            <a:fillRect/>
+          </a:stretch>
+        </p:blipFill>
+        <p:spPr>
+          <a:xfrm>
+            <a:off x="343126" y="4235450"/>
+            <a:ext cx="3984049" cy="1987831"/>
+          </a:xfrm>
+          <a:prstGeom prst="rect">
+            <a:avLst/>
+          </a:prstGeom>
+        </p:spPr>
+      </p:pic>
+      <p:sp>
+        <p:nvSpPr>
+          <p:cNvPr id="6" name="TextBox 5">
+            <a:extLst>
+              <a:ext uri="{FF2B5EF4-FFF2-40B4-BE49-F238E27FC236}">
+                <a16:creationId xmlns:a16="http://schemas.microsoft.com/office/drawing/2014/main" id="{43B4D807-4F43-4D20-B0E0-15CA68AECB8E}"/>
+              </a:ext>
+            </a:extLst>
+          </p:cNvPr>
+          <p:cNvSpPr txBox="1"/>
+          <p:nvPr/>
+        </p:nvSpPr>
+        <p:spPr>
+          <a:xfrm>
+            <a:off x="551543" y="3541486"/>
+            <a:ext cx="4107543" cy="830997"/>
+          </a:xfrm>
+          <a:prstGeom prst="rect">
+            <a:avLst/>
+          </a:prstGeom>
+          <a:noFill/>
+        </p:spPr>
+        <p:txBody>
+          <a:bodyPr wrap="square" rtlCol="0">
+            <a:spAutoFit/>
+          </a:bodyPr>
+          <a:lstStyle/>
+          <a:p>
+            <a:r>
+              <a:rPr lang="en-US" altLang="ko-KR" sz="2400" dirty="0" err="1"/>
+              <a:t>EQC_Player</a:t>
+            </a:r>
+            <a:endParaRPr lang="en-US" altLang="ko-KR" sz="2400" dirty="0"/>
+          </a:p>
+          <a:p>
+            <a:endParaRPr lang="ko-KR" altLang="en-US" sz="2400" dirty="0"/>
+          </a:p>
+        </p:txBody>
+      </p:sp>
+      <p:sp>
+        <p:nvSpPr>
+          <p:cNvPr id="8" name="TextBox 7">
+            <a:extLst>
+              <a:ext uri="{FF2B5EF4-FFF2-40B4-BE49-F238E27FC236}">
+                <a16:creationId xmlns:a16="http://schemas.microsoft.com/office/drawing/2014/main" id="{D30C20C4-6980-4179-8B7E-7FDAD24E0BBA}"/>
+              </a:ext>
+            </a:extLst>
+          </p:cNvPr>
+          <p:cNvSpPr txBox="1"/>
+          <p:nvPr/>
+        </p:nvSpPr>
+        <p:spPr>
+          <a:xfrm>
+            <a:off x="4327176" y="3541486"/>
+            <a:ext cx="2828368" cy="830997"/>
+          </a:xfrm>
+          <a:prstGeom prst="rect">
+            <a:avLst/>
+          </a:prstGeom>
+          <a:noFill/>
+        </p:spPr>
+        <p:txBody>
+          <a:bodyPr wrap="square" rtlCol="0">
+            <a:spAutoFit/>
+          </a:bodyPr>
+          <a:lstStyle/>
+          <a:p>
+            <a:r>
+              <a:rPr lang="en-US" altLang="ko-KR" sz="2400" dirty="0" err="1"/>
+              <a:t>EQS_ContextPlayer</a:t>
+            </a:r>
+            <a:endParaRPr lang="en-US" altLang="ko-KR" sz="2400" dirty="0"/>
+          </a:p>
+          <a:p>
+            <a:endParaRPr lang="ko-KR" altLang="en-US" sz="2400" dirty="0"/>
+          </a:p>
+        </p:txBody>
+      </p:sp>
+      <p:pic>
+        <p:nvPicPr>
+          <p:cNvPr id="10" name="그림 9">
+            <a:extLst>
+              <a:ext uri="{FF2B5EF4-FFF2-40B4-BE49-F238E27FC236}">
+                <a16:creationId xmlns:a16="http://schemas.microsoft.com/office/drawing/2014/main" id="{556C607F-1F69-42BD-82F9-A4C163DA7F60}"/>
+              </a:ext>
+            </a:extLst>
+          </p:cNvPr>
+          <p:cNvPicPr>
+            <a:picLocks noChangeAspect="1"/>
+          </p:cNvPicPr>
+          <p:nvPr/>
+        </p:nvPicPr>
+        <p:blipFill>
+          <a:blip r:embed="rId3"/>
+          <a:stretch>
+            <a:fillRect/>
+          </a:stretch>
+        </p:blipFill>
+        <p:spPr>
+          <a:xfrm>
+            <a:off x="4381206" y="4235450"/>
+            <a:ext cx="4199856" cy="1630081"/>
+          </a:xfrm>
+          <a:prstGeom prst="rect">
+            <a:avLst/>
+          </a:prstGeom>
+        </p:spPr>
+      </p:pic>
+      <p:pic>
+        <p:nvPicPr>
+          <p:cNvPr id="11" name="그림 10">
+            <a:extLst>
+              <a:ext uri="{FF2B5EF4-FFF2-40B4-BE49-F238E27FC236}">
+                <a16:creationId xmlns:a16="http://schemas.microsoft.com/office/drawing/2014/main" id="{63C713F3-7B83-4724-878F-D58F2C1F3419}"/>
+              </a:ext>
+            </a:extLst>
+          </p:cNvPr>
+          <p:cNvPicPr>
+            <a:picLocks noChangeAspect="1"/>
+          </p:cNvPicPr>
+          <p:nvPr/>
+        </p:nvPicPr>
+        <p:blipFill>
+          <a:blip r:embed="rId4"/>
+          <a:stretch>
+            <a:fillRect/>
+          </a:stretch>
+        </p:blipFill>
+        <p:spPr>
+          <a:xfrm>
+            <a:off x="8691011" y="2958392"/>
+            <a:ext cx="3400879" cy="3899607"/>
+          </a:xfrm>
+          <a:prstGeom prst="rect">
+            <a:avLst/>
+          </a:prstGeom>
+        </p:spPr>
+      </p:pic>
+      <p:cxnSp>
+        <p:nvCxnSpPr>
+          <p:cNvPr id="12" name="직선 화살표 연결선 11">
+            <a:extLst>
+              <a:ext uri="{FF2B5EF4-FFF2-40B4-BE49-F238E27FC236}">
+                <a16:creationId xmlns:a16="http://schemas.microsoft.com/office/drawing/2014/main" id="{49D3913B-3A54-4C6F-9768-60871ED02F5A}"/>
+              </a:ext>
+            </a:extLst>
+          </p:cNvPr>
+          <p:cNvCxnSpPr>
+            <a:cxnSpLocks/>
+          </p:cNvCxnSpPr>
+          <p:nvPr/>
+        </p:nvCxnSpPr>
+        <p:spPr>
+          <a:xfrm>
+            <a:off x="3034748" y="1327431"/>
+            <a:ext cx="5988174" cy="4042855"/>
+          </a:xfrm>
+          <a:prstGeom prst="straightConnector1">
+            <a:avLst/>
+          </a:prstGeom>
+          <a:ln w="28575" cap="flat" cmpd="sng" algn="ctr">
+            <a:solidFill>
+              <a:srgbClr val="FF0000"/>
+            </a:solidFill>
+            <a:prstDash val="solid"/>
+            <a:round/>
+            <a:headEnd type="none" w="med" len="med"/>
+            <a:tailEnd type="arrow" w="med" len="med"/>
+          </a:ln>
+        </p:spPr>
+        <p:style>
+          <a:lnRef idx="0">
+            <a:scrgbClr r="0" g="0" b="0"/>
+          </a:lnRef>
+          <a:fillRef idx="0">
+            <a:scrgbClr r="0" g="0" b="0"/>
+          </a:fillRef>
+          <a:effectRef idx="0">
+            <a:scrgbClr r="0" g="0" b="0"/>
+          </a:effectRef>
+          <a:fontRef idx="minor">
+            <a:schemeClr val="tx1"/>
+          </a:fontRef>
+        </p:style>
+      </p:cxnSp>
+      <p:sp>
+        <p:nvSpPr>
+          <p:cNvPr id="13" name="사각형: 둥근 모서리 12">
+            <a:extLst>
+              <a:ext uri="{FF2B5EF4-FFF2-40B4-BE49-F238E27FC236}">
+                <a16:creationId xmlns:a16="http://schemas.microsoft.com/office/drawing/2014/main" id="{B9B6BB29-F822-4912-B411-7FAD5EC05C74}"/>
+              </a:ext>
+            </a:extLst>
+          </p:cNvPr>
+          <p:cNvSpPr/>
+          <p:nvPr/>
+        </p:nvSpPr>
+        <p:spPr>
+          <a:xfrm>
+            <a:off x="8897257" y="5370286"/>
+            <a:ext cx="3068993" cy="1265326"/>
+          </a:xfrm>
+          <a:prstGeom prst="roundRect">
+            <a:avLst/>
+          </a:prstGeom>
+          <a:noFill/>
+          <a:ln w="57150">
+            <a:solidFill>
+              <a:srgbClr val="FF0000"/>
+            </a:solidFill>
+          </a:ln>
+        </p:spPr>
+        <p:style>
+          <a:lnRef idx="2">
+            <a:schemeClr val="accent6"/>
+          </a:lnRef>
+          <a:fillRef idx="1">
+            <a:schemeClr val="lt1"/>
+          </a:fillRef>
+          <a:effectRef idx="0">
+            <a:schemeClr val="accent6"/>
+          </a:effectRef>
+          <a:fontRef idx="minor">
+            <a:schemeClr val="dk1"/>
+          </a:fontRef>
+        </p:style>
+        <p:txBody>
+          <a:bodyPr rtlCol="0" anchor="ctr"/>
+          <a:lstStyle/>
+          <a:p>
+            <a:pPr algn="ctr"/>
+            <a:endParaRPr lang="ko-KR" altLang="en-US"/>
+          </a:p>
+        </p:txBody>
+      </p:sp>
+      <p:cxnSp>
+        <p:nvCxnSpPr>
+          <p:cNvPr id="19" name="직선 화살표 연결선 18">
+            <a:extLst>
+              <a:ext uri="{FF2B5EF4-FFF2-40B4-BE49-F238E27FC236}">
+                <a16:creationId xmlns:a16="http://schemas.microsoft.com/office/drawing/2014/main" id="{649AB64C-0FD2-451F-8FA6-9AECE1DB8DCC}"/>
+              </a:ext>
+            </a:extLst>
+          </p:cNvPr>
+          <p:cNvCxnSpPr>
+            <a:cxnSpLocks/>
+          </p:cNvCxnSpPr>
+          <p:nvPr/>
+        </p:nvCxnSpPr>
+        <p:spPr>
+          <a:xfrm>
+            <a:off x="5862642" y="1327431"/>
+            <a:ext cx="4267170" cy="4538100"/>
+          </a:xfrm>
+          <a:prstGeom prst="straightConnector1">
+            <a:avLst/>
+          </a:prstGeom>
+          <a:ln w="28575" cap="flat" cmpd="sng" algn="ctr">
+            <a:solidFill>
+              <a:srgbClr val="00B050"/>
+            </a:solidFill>
+            <a:prstDash val="solid"/>
+            <a:round/>
+            <a:headEnd type="none" w="med" len="med"/>
+            <a:tailEnd type="arrow" w="med" len="med"/>
+          </a:ln>
+        </p:spPr>
+        <p:style>
+          <a:lnRef idx="0">
+            <a:scrgbClr r="0" g="0" b="0"/>
+          </a:lnRef>
+          <a:fillRef idx="0">
+            <a:scrgbClr r="0" g="0" b="0"/>
+          </a:fillRef>
+          <a:effectRef idx="0">
+            <a:scrgbClr r="0" g="0" b="0"/>
+          </a:effectRef>
+          <a:fontRef idx="minor">
+            <a:schemeClr val="tx1"/>
+          </a:fontRef>
+        </p:style>
+      </p:cxnSp>
+      <p:sp>
+        <p:nvSpPr>
+          <p:cNvPr id="24" name="사각형: 둥근 모서리 23">
+            <a:extLst>
+              <a:ext uri="{FF2B5EF4-FFF2-40B4-BE49-F238E27FC236}">
+                <a16:creationId xmlns:a16="http://schemas.microsoft.com/office/drawing/2014/main" id="{13C55DFA-3C58-46E5-9648-956667B94BA9}"/>
+              </a:ext>
+            </a:extLst>
+          </p:cNvPr>
+          <p:cNvSpPr/>
+          <p:nvPr/>
+        </p:nvSpPr>
+        <p:spPr>
+          <a:xfrm>
+            <a:off x="10133386" y="5746939"/>
+            <a:ext cx="1016219" cy="469246"/>
+          </a:xfrm>
+          <a:prstGeom prst="roundRect">
+            <a:avLst/>
+          </a:prstGeom>
+          <a:noFill/>
+          <a:ln w="57150">
+            <a:solidFill>
+              <a:srgbClr val="00B050"/>
+            </a:solidFill>
+          </a:ln>
+        </p:spPr>
+        <p:style>
+          <a:lnRef idx="2">
+            <a:schemeClr val="accent6"/>
+          </a:lnRef>
+          <a:fillRef idx="1">
+            <a:schemeClr val="lt1"/>
+          </a:fillRef>
+          <a:effectRef idx="0">
+            <a:schemeClr val="accent6"/>
+          </a:effectRef>
+          <a:fontRef idx="minor">
+            <a:schemeClr val="dk1"/>
+          </a:fontRef>
+        </p:style>
+        <p:txBody>
+          <a:bodyPr rtlCol="0" anchor="ctr"/>
+          <a:lstStyle/>
+          <a:p>
+            <a:pPr algn="ctr"/>
+            <a:endParaRPr lang="ko-KR" altLang="en-US"/>
+          </a:p>
+        </p:txBody>
+      </p:sp>
+    </p:spTree>
+    <p:extLst>
+      <p:ext uri="{BB962C8B-B14F-4D97-AF65-F5344CB8AC3E}">
+        <p14:creationId xmlns:p14="http://schemas.microsoft.com/office/powerpoint/2010/main" val="1547988914"/>
+      </p:ext>
+    </p:extLst>
+  </p:cSld>
+  <p:clrMapOvr>
+    <a:masterClrMapping/>
+  </p:clrMapOvr>
+</p:sld>
+</file>
+
+<file path=ppt/slides/slide37.xml><?xml version="1.0" encoding="utf-8"?>
+<p:sld xmlns:a="http://schemas.openxmlformats.org/drawingml/2006/main" xmlns:r="http://schemas.openxmlformats.org/officeDocument/2006/relationships" xmlns:p="http://schemas.openxmlformats.org/presentationml/2006/main">
+  <p:cSld>
+    <p:spTree>
+      <p:nvGrpSpPr>
+        <p:cNvPr id="1" name=""/>
+        <p:cNvGrpSpPr/>
+        <p:nvPr/>
+      </p:nvGrpSpPr>
+      <p:grpSpPr>
+        <a:xfrm>
+          <a:off x="0" y="0"/>
+          <a:ext cx="0" cy="0"/>
+          <a:chOff x="0" y="0"/>
+          <a:chExt cx="0" cy="0"/>
+        </a:xfrm>
+      </p:grpSpPr>
+      <p:sp>
+        <p:nvSpPr>
+          <p:cNvPr id="2" name="제목 1">
+            <a:extLst>
+              <a:ext uri="{FF2B5EF4-FFF2-40B4-BE49-F238E27FC236}">
+                <a16:creationId xmlns:a16="http://schemas.microsoft.com/office/drawing/2014/main" id="{5CEB962A-67A5-4F32-B8B7-5B2DDB8CD616}"/>
+              </a:ext>
+            </a:extLst>
+          </p:cNvPr>
+          <p:cNvSpPr>
+            <a:spLocks noGrp="1"/>
+          </p:cNvSpPr>
+          <p:nvPr>
+            <p:ph type="title"/>
+          </p:nvPr>
+        </p:nvSpPr>
+        <p:spPr/>
+        <p:txBody>
+          <a:bodyPr/>
+          <a:lstStyle/>
+          <a:p>
+            <a:r>
+              <a:rPr lang="en-US" altLang="ko-KR" dirty="0"/>
+              <a:t>EQS Test - Trace</a:t>
+            </a:r>
+            <a:endParaRPr lang="ko-KR" altLang="en-US" dirty="0"/>
+          </a:p>
+        </p:txBody>
+      </p:sp>
+      <p:sp>
+        <p:nvSpPr>
+          <p:cNvPr id="10" name="그림 개체 틀 9">
+            <a:extLst>
+              <a:ext uri="{FF2B5EF4-FFF2-40B4-BE49-F238E27FC236}">
+                <a16:creationId xmlns:a16="http://schemas.microsoft.com/office/drawing/2014/main" id="{57353EA3-4ABB-45A6-B817-B5B82F9CD6C4}"/>
+              </a:ext>
+            </a:extLst>
+          </p:cNvPr>
+          <p:cNvSpPr>
+            <a:spLocks noGrp="1"/>
+          </p:cNvSpPr>
+          <p:nvPr>
+            <p:ph type="pic" idx="1"/>
+          </p:nvPr>
+        </p:nvSpPr>
+        <p:spPr/>
+      </p:sp>
+      <p:sp>
+        <p:nvSpPr>
+          <p:cNvPr id="3" name="내용 개체 틀 2">
+            <a:extLst>
+              <a:ext uri="{FF2B5EF4-FFF2-40B4-BE49-F238E27FC236}">
+                <a16:creationId xmlns:a16="http://schemas.microsoft.com/office/drawing/2014/main" id="{74C3EFE3-BC26-49E5-A780-B3CFA4C394E5}"/>
+              </a:ext>
+            </a:extLst>
+          </p:cNvPr>
+          <p:cNvSpPr>
+            <a:spLocks noGrp="1"/>
+          </p:cNvSpPr>
+          <p:nvPr>
+            <p:ph type="body" sz="half" idx="2"/>
+          </p:nvPr>
+        </p:nvSpPr>
+        <p:spPr/>
+        <p:txBody>
+          <a:bodyPr/>
+          <a:lstStyle/>
+          <a:p>
+            <a:r>
+              <a:rPr lang="ko-KR" altLang="en-US" dirty="0"/>
+              <a:t>대표적으로 </a:t>
+            </a:r>
+            <a:r>
+              <a:rPr lang="ko-KR" altLang="en-US" dirty="0" err="1"/>
+              <a:t>가시성를</a:t>
+            </a:r>
+            <a:r>
+              <a:rPr lang="en-US" altLang="ko-KR" dirty="0"/>
+              <a:t> </a:t>
+            </a:r>
+            <a:r>
+              <a:rPr lang="ko-KR" altLang="en-US" dirty="0"/>
+              <a:t>하는데 사용된다</a:t>
+            </a:r>
+            <a:r>
+              <a:rPr lang="en-US" altLang="ko-KR" dirty="0"/>
+              <a:t>.</a:t>
+            </a:r>
+          </a:p>
+          <a:p>
+            <a:r>
+              <a:rPr lang="en-US" altLang="ko-KR" dirty="0"/>
+              <a:t>AI</a:t>
+            </a:r>
+            <a:r>
+              <a:rPr lang="ko-KR" altLang="en-US" dirty="0"/>
+              <a:t>혹은 </a:t>
+            </a:r>
+            <a:r>
+              <a:rPr lang="en-US" altLang="ko-KR" dirty="0"/>
+              <a:t>Player </a:t>
+            </a:r>
+            <a:r>
+              <a:rPr lang="ko-KR" altLang="en-US" dirty="0"/>
+              <a:t>기준 위치에서 </a:t>
+            </a:r>
+            <a:r>
+              <a:rPr lang="en-US" altLang="ko-KR" dirty="0" err="1"/>
+              <a:t>LineTrace</a:t>
+            </a:r>
+            <a:endParaRPr lang="en-US" altLang="ko-KR" dirty="0"/>
+          </a:p>
+          <a:p>
+            <a:pPr marL="0" indent="0">
+              <a:buNone/>
+            </a:pPr>
+            <a:r>
+              <a:rPr lang="ko-KR" altLang="en-US" dirty="0"/>
+              <a:t>검사를 하여 시야에 가리는 위치인지 </a:t>
+            </a:r>
+            <a:r>
+              <a:rPr lang="en-US" altLang="ko-KR" dirty="0"/>
+              <a:t>(</a:t>
+            </a:r>
+            <a:r>
+              <a:rPr lang="en-US" altLang="ko-KR" dirty="0" err="1"/>
+              <a:t>BlockingHits</a:t>
+            </a:r>
+            <a:r>
+              <a:rPr lang="en-US" altLang="ko-KR" dirty="0"/>
+              <a:t>)</a:t>
+            </a:r>
+            <a:r>
+              <a:rPr lang="ko-KR" altLang="en-US" dirty="0"/>
+              <a:t> 검사한다</a:t>
+            </a:r>
+            <a:r>
+              <a:rPr lang="en-US" altLang="ko-KR" dirty="0"/>
+              <a:t>.</a:t>
+            </a:r>
+          </a:p>
+          <a:p>
+            <a:pPr marL="0" indent="0">
+              <a:buNone/>
+            </a:pPr>
+            <a:r>
+              <a:rPr lang="ko-KR" altLang="en-US" dirty="0" err="1"/>
+              <a:t>어떤기준에서</a:t>
+            </a:r>
+            <a:r>
+              <a:rPr lang="ko-KR" altLang="en-US" dirty="0"/>
+              <a:t> 검사할지는 </a:t>
+            </a:r>
+            <a:r>
+              <a:rPr lang="en-US" altLang="ko-KR" dirty="0"/>
+              <a:t>Context </a:t>
+            </a:r>
+            <a:r>
+              <a:rPr lang="ko-KR" altLang="en-US" dirty="0" err="1"/>
+              <a:t>어셋을</a:t>
+            </a:r>
+            <a:r>
+              <a:rPr lang="ko-KR" altLang="en-US" dirty="0"/>
+              <a:t> 만들어 지정한다</a:t>
+            </a:r>
+            <a:r>
+              <a:rPr lang="en-US" altLang="ko-KR" dirty="0"/>
+              <a:t>.</a:t>
+            </a:r>
+            <a:endParaRPr lang="ko-KR" altLang="en-US" dirty="0"/>
+          </a:p>
+        </p:txBody>
+      </p:sp>
+      <p:pic>
+        <p:nvPicPr>
+          <p:cNvPr id="7" name="그림 6">
+            <a:extLst>
+              <a:ext uri="{FF2B5EF4-FFF2-40B4-BE49-F238E27FC236}">
+                <a16:creationId xmlns:a16="http://schemas.microsoft.com/office/drawing/2014/main" id="{8C385A4C-E13E-4EE3-B566-4FD790FCF88B}"/>
+              </a:ext>
+            </a:extLst>
+          </p:cNvPr>
+          <p:cNvPicPr>
+            <a:picLocks noChangeAspect="1"/>
+          </p:cNvPicPr>
+          <p:nvPr/>
+        </p:nvPicPr>
+        <p:blipFill>
+          <a:blip r:embed="rId2"/>
+          <a:stretch>
+            <a:fillRect/>
+          </a:stretch>
+        </p:blipFill>
+        <p:spPr>
+          <a:xfrm>
+            <a:off x="5090410" y="0"/>
+            <a:ext cx="7101590" cy="6858000"/>
+          </a:xfrm>
+          <a:prstGeom prst="rect">
+            <a:avLst/>
+          </a:prstGeom>
+        </p:spPr>
+      </p:pic>
+    </p:spTree>
+    <p:extLst>
+      <p:ext uri="{BB962C8B-B14F-4D97-AF65-F5344CB8AC3E}">
+        <p14:creationId xmlns:p14="http://schemas.microsoft.com/office/powerpoint/2010/main" val="2776035102"/>
+      </p:ext>
+    </p:extLst>
+  </p:cSld>
+  <p:clrMapOvr>
+    <a:masterClrMapping/>
+  </p:clrMapOvr>
+</p:sld>
+</file>
+
+<file path=ppt/slides/slide38.xml><?xml version="1.0" encoding="utf-8"?>
+<p:sld xmlns:a="http://schemas.openxmlformats.org/drawingml/2006/main" xmlns:r="http://schemas.openxmlformats.org/officeDocument/2006/relationships" xmlns:p="http://schemas.openxmlformats.org/presentationml/2006/main">
+  <p:cSld>
+    <p:spTree>
+      <p:nvGrpSpPr>
+        <p:cNvPr id="1" name=""/>
+        <p:cNvGrpSpPr/>
+        <p:nvPr/>
+      </p:nvGrpSpPr>
+      <p:grpSpPr>
+        <a:xfrm>
+          <a:off x="0" y="0"/>
+          <a:ext cx="0" cy="0"/>
+          <a:chOff x="0" y="0"/>
+          <a:chExt cx="0" cy="0"/>
+        </a:xfrm>
+      </p:grpSpPr>
+      <p:sp>
+        <p:nvSpPr>
+          <p:cNvPr id="2" name="제목 1">
+            <a:extLst>
+              <a:ext uri="{FF2B5EF4-FFF2-40B4-BE49-F238E27FC236}">
+                <a16:creationId xmlns:a16="http://schemas.microsoft.com/office/drawing/2014/main" id="{841C8D36-BBB4-4D00-93F4-EB4F2DD5DFFE}"/>
+              </a:ext>
+            </a:extLst>
+          </p:cNvPr>
+          <p:cNvSpPr>
+            <a:spLocks noGrp="1"/>
+          </p:cNvSpPr>
+          <p:nvPr>
+            <p:ph type="title"/>
+          </p:nvPr>
+        </p:nvSpPr>
+        <p:spPr/>
+        <p:txBody>
+          <a:bodyPr/>
+          <a:lstStyle/>
+          <a:p>
+            <a:r>
+              <a:rPr lang="en-US" altLang="ko-KR" dirty="0"/>
+              <a:t>EQS Test - Distance</a:t>
+            </a:r>
+            <a:endParaRPr lang="ko-KR" altLang="en-US" dirty="0"/>
+          </a:p>
+        </p:txBody>
+      </p:sp>
+      <p:sp>
+        <p:nvSpPr>
+          <p:cNvPr id="12" name="그림 개체 틀 11">
+            <a:extLst>
+              <a:ext uri="{FF2B5EF4-FFF2-40B4-BE49-F238E27FC236}">
+                <a16:creationId xmlns:a16="http://schemas.microsoft.com/office/drawing/2014/main" id="{D4696484-4B78-43E7-9FBF-6CA6D583EA1A}"/>
+              </a:ext>
+            </a:extLst>
+          </p:cNvPr>
+          <p:cNvSpPr>
+            <a:spLocks noGrp="1"/>
+          </p:cNvSpPr>
+          <p:nvPr>
+            <p:ph type="pic" idx="1"/>
+          </p:nvPr>
+        </p:nvSpPr>
+        <p:spPr/>
+      </p:sp>
+      <p:sp>
+        <p:nvSpPr>
+          <p:cNvPr id="13" name="텍스트 개체 틀 12">
+            <a:extLst>
+              <a:ext uri="{FF2B5EF4-FFF2-40B4-BE49-F238E27FC236}">
+                <a16:creationId xmlns:a16="http://schemas.microsoft.com/office/drawing/2014/main" id="{5D7A7D47-7833-4732-96C6-6DE170D3DEDC}"/>
+              </a:ext>
+            </a:extLst>
+          </p:cNvPr>
+          <p:cNvSpPr>
+            <a:spLocks noGrp="1"/>
+          </p:cNvSpPr>
+          <p:nvPr>
+            <p:ph type="body" sz="half" idx="2"/>
+          </p:nvPr>
+        </p:nvSpPr>
+        <p:spPr/>
+        <p:txBody>
+          <a:bodyPr/>
+          <a:lstStyle/>
+          <a:p>
+            <a:r>
+              <a:rPr lang="en-US" altLang="ko-KR" dirty="0"/>
+              <a:t>Context</a:t>
+            </a:r>
+            <a:r>
+              <a:rPr lang="ko-KR" altLang="en-US" dirty="0"/>
+              <a:t>로 지정한 </a:t>
+            </a:r>
+            <a:r>
+              <a:rPr lang="en-US" altLang="ko-KR" dirty="0"/>
+              <a:t>AI </a:t>
+            </a:r>
+            <a:r>
+              <a:rPr lang="ko-KR" altLang="en-US" dirty="0"/>
+              <a:t>나 </a:t>
+            </a:r>
+            <a:r>
+              <a:rPr lang="en-US" altLang="ko-KR" dirty="0"/>
+              <a:t>Player</a:t>
+            </a:r>
+            <a:r>
+              <a:rPr lang="ko-KR" altLang="en-US" dirty="0"/>
+              <a:t>에서 얼마나 </a:t>
+            </a:r>
+            <a:r>
+              <a:rPr lang="ko-KR" altLang="en-US" dirty="0" err="1"/>
+              <a:t>떨어진곳인지</a:t>
+            </a:r>
+            <a:r>
+              <a:rPr lang="ko-KR" altLang="en-US" dirty="0"/>
+              <a:t> 테스트한다</a:t>
+            </a:r>
+            <a:r>
+              <a:rPr lang="en-US" altLang="ko-KR" dirty="0"/>
+              <a:t>.</a:t>
+            </a:r>
+          </a:p>
+          <a:p>
+            <a:endParaRPr lang="en-US" altLang="ko-KR" dirty="0"/>
+          </a:p>
+          <a:p>
+            <a:r>
+              <a:rPr lang="ko-KR" altLang="en-US" dirty="0"/>
+              <a:t>가까운 곳이 </a:t>
+            </a:r>
+            <a:r>
+              <a:rPr lang="en-US" altLang="ko-KR" dirty="0"/>
+              <a:t>Score</a:t>
+            </a:r>
+            <a:r>
+              <a:rPr lang="ko-KR" altLang="en-US" dirty="0"/>
+              <a:t>가 </a:t>
+            </a:r>
+            <a:r>
+              <a:rPr lang="ko-KR" altLang="en-US" dirty="0" err="1"/>
+              <a:t>높으려면</a:t>
+            </a:r>
+            <a:r>
+              <a:rPr lang="ko-KR" altLang="en-US" dirty="0"/>
+              <a:t> </a:t>
+            </a:r>
+            <a:endParaRPr lang="en-US" altLang="ko-KR" dirty="0"/>
+          </a:p>
+          <a:p>
+            <a:r>
+              <a:rPr lang="en-US" altLang="ko-KR" dirty="0"/>
+              <a:t>Scoring </a:t>
+            </a:r>
+            <a:r>
+              <a:rPr lang="en-US" altLang="ko-KR" dirty="0" err="1"/>
+              <a:t>Equatation</a:t>
+            </a:r>
+            <a:r>
+              <a:rPr lang="ko-KR" altLang="en-US" dirty="0"/>
+              <a:t>을 </a:t>
+            </a:r>
+            <a:r>
+              <a:rPr lang="en-US" altLang="ko-KR" dirty="0" err="1"/>
+              <a:t>ReverLinear</a:t>
+            </a:r>
+            <a:r>
+              <a:rPr lang="ko-KR" altLang="en-US" dirty="0"/>
+              <a:t>로 설정한다</a:t>
+            </a:r>
+            <a:r>
+              <a:rPr lang="en-US" altLang="ko-KR" dirty="0"/>
+              <a:t>.</a:t>
+            </a:r>
+            <a:endParaRPr lang="ko-KR" altLang="en-US" dirty="0"/>
+          </a:p>
+        </p:txBody>
+      </p:sp>
+      <p:pic>
+        <p:nvPicPr>
+          <p:cNvPr id="11" name="그림 10">
+            <a:extLst>
+              <a:ext uri="{FF2B5EF4-FFF2-40B4-BE49-F238E27FC236}">
+                <a16:creationId xmlns:a16="http://schemas.microsoft.com/office/drawing/2014/main" id="{7D3BBEAF-885D-432F-8F43-34659E7640B4}"/>
+              </a:ext>
+            </a:extLst>
+          </p:cNvPr>
+          <p:cNvPicPr>
+            <a:picLocks noChangeAspect="1"/>
+          </p:cNvPicPr>
+          <p:nvPr/>
+        </p:nvPicPr>
+        <p:blipFill>
+          <a:blip r:embed="rId2"/>
+          <a:stretch>
+            <a:fillRect/>
+          </a:stretch>
+        </p:blipFill>
+        <p:spPr>
+          <a:xfrm>
+            <a:off x="4772025" y="17836"/>
+            <a:ext cx="7419975" cy="6692526"/>
+          </a:xfrm>
+          <a:prstGeom prst="rect">
+            <a:avLst/>
+          </a:prstGeom>
+        </p:spPr>
+      </p:pic>
+    </p:spTree>
+    <p:extLst>
+      <p:ext uri="{BB962C8B-B14F-4D97-AF65-F5344CB8AC3E}">
+        <p14:creationId xmlns:p14="http://schemas.microsoft.com/office/powerpoint/2010/main" val="235117359"/>
+      </p:ext>
+    </p:extLst>
+  </p:cSld>
+  <p:clrMapOvr>
+    <a:masterClrMapping/>
+  </p:clrMapOvr>
+</p:sld>
+</file>
+
+<file path=ppt/slides/slide39.xml><?xml version="1.0" encoding="utf-8"?>
+<p:sld xmlns:a="http://schemas.openxmlformats.org/drawingml/2006/main" xmlns:r="http://schemas.openxmlformats.org/officeDocument/2006/relationships" xmlns:p="http://schemas.openxmlformats.org/presentationml/2006/main">
+  <p:cSld>
+    <p:bg>
+      <p:bgPr>
+        <a:solidFill>
+          <a:schemeClr val="bg1"/>
+        </a:solidFill>
+        <a:effectLst/>
+      </p:bgPr>
+    </p:bg>
+    <p:spTree>
+      <p:nvGrpSpPr>
+        <p:cNvPr id="1" name=""/>
+        <p:cNvGrpSpPr/>
+        <p:nvPr/>
+      </p:nvGrpSpPr>
+      <p:grpSpPr>
+        <a:xfrm>
+          <a:off x="0" y="0"/>
+          <a:ext cx="0" cy="0"/>
+          <a:chOff x="0" y="0"/>
+          <a:chExt cx="0" cy="0"/>
+        </a:xfrm>
+      </p:grpSpPr>
+      <p:sp useBgFill="1">
+        <p:nvSpPr>
+          <p:cNvPr id="10" name="Rectangle 9">
+            <a:extLst>
+              <a:ext uri="{FF2B5EF4-FFF2-40B4-BE49-F238E27FC236}">
+                <a16:creationId xmlns:a16="http://schemas.microsoft.com/office/drawing/2014/main" id="{9AA72BD9-2C5A-4EDC-931F-5AA08EACA0F3}"/>
+              </a:ext>
+              <a:ext uri="{C183D7F6-B498-43B3-948B-1728B52AA6E4}">
+                <adec:decorative xmlns:adec="http://schemas.microsoft.com/office/drawing/2017/decorative" val="1"/>
+              </a:ext>
+            </a:extLst>
+          </p:cNvPr>
+          <p:cNvSpPr>
+            <a:spLocks noGrp="1" noRot="1" noChangeAspect="1" noMove="1" noResize="1" noEditPoints="1" noAdjustHandles="1" noChangeArrowheads="1" noChangeShapeType="1" noTextEdit="1"/>
+          </p:cNvSpPr>
+          <p:nvPr>
+            <p:extLst>
+              <p:ext uri="{386F3935-93C4-4BCD-93E2-E3B085C9AB24}">
+                <p16:designElem xmlns:p16="http://schemas.microsoft.com/office/powerpoint/2015/main" val="1"/>
+              </p:ext>
+            </p:extLst>
+          </p:nvPr>
+        </p:nvSpPr>
+        <p:spPr>
+          <a:xfrm>
+            <a:off x="0" y="0"/>
+            <a:ext cx="12192000" cy="6858000"/>
+          </a:xfrm>
+          <a:prstGeom prst="rect">
+            <a:avLst/>
+          </a:prstGeom>
+          <a:ln>
+            <a:noFill/>
+          </a:ln>
+        </p:spPr>
+        <p:style>
+          <a:lnRef idx="2">
+            <a:schemeClr val="accent1">
+              <a:shade val="50000"/>
+            </a:schemeClr>
+          </a:lnRef>
+          <a:fillRef idx="1">
+            <a:schemeClr val="accent1"/>
+          </a:fillRef>
+          <a:effectRef idx="0">
+            <a:schemeClr val="accent1"/>
+          </a:effectRef>
+          <a:fontRef idx="minor">
+            <a:schemeClr val="lt1"/>
+          </a:fontRef>
+        </p:style>
+        <p:txBody>
+          <a:bodyPr rtlCol="0" anchor="ctr"/>
+          <a:lstStyle/>
+          <a:p>
+            <a:pPr algn="ctr"/>
+            <a:endParaRPr lang="en-US"/>
+          </a:p>
+        </p:txBody>
+      </p:sp>
+      <p:pic>
+        <p:nvPicPr>
+          <p:cNvPr id="5" name="그림 4">
+            <a:extLst>
+              <a:ext uri="{FF2B5EF4-FFF2-40B4-BE49-F238E27FC236}">
+                <a16:creationId xmlns:a16="http://schemas.microsoft.com/office/drawing/2014/main" id="{676DBF99-3D9D-4C98-821B-BB913F3CF6F9}"/>
+              </a:ext>
+            </a:extLst>
+          </p:cNvPr>
+          <p:cNvPicPr>
+            <a:picLocks noChangeAspect="1"/>
+          </p:cNvPicPr>
+          <p:nvPr/>
+        </p:nvPicPr>
+        <p:blipFill rotWithShape="1">
+          <a:blip r:embed="rId2"/>
+          <a:srcRect r="27024" b="9091"/>
+          <a:stretch/>
+        </p:blipFill>
+        <p:spPr>
+          <a:xfrm>
+            <a:off x="3710609" y="0"/>
+            <a:ext cx="8462772" cy="6857990"/>
+          </a:xfrm>
+          <a:prstGeom prst="rect">
+            <a:avLst/>
+          </a:prstGeom>
+        </p:spPr>
+      </p:pic>
+      <p:sp>
+        <p:nvSpPr>
+          <p:cNvPr id="12" name="Rectangle 11">
+            <a:extLst>
+              <a:ext uri="{FF2B5EF4-FFF2-40B4-BE49-F238E27FC236}">
+                <a16:creationId xmlns:a16="http://schemas.microsoft.com/office/drawing/2014/main" id="{DD3981AC-7B61-4947-BCF3-F7AA7FA385B9}"/>
+              </a:ext>
+              <a:ext uri="{C183D7F6-B498-43B3-948B-1728B52AA6E4}">
+                <adec:decorative xmlns:adec="http://schemas.microsoft.com/office/drawing/2017/decorative" val="1"/>
+              </a:ext>
+            </a:extLst>
+          </p:cNvPr>
+          <p:cNvSpPr>
+            <a:spLocks noGrp="1" noRot="1" noChangeAspect="1" noMove="1" noResize="1" noEditPoints="1" noAdjustHandles="1" noChangeArrowheads="1" noChangeShapeType="1" noTextEdit="1"/>
+          </p:cNvSpPr>
+          <p:nvPr>
+            <p:extLst>
+              <p:ext uri="{386F3935-93C4-4BCD-93E2-E3B085C9AB24}">
+                <p16:designElem xmlns:p16="http://schemas.microsoft.com/office/powerpoint/2015/main" val="1"/>
+              </p:ext>
+            </p:extLst>
+          </p:nvPr>
+        </p:nvSpPr>
+        <p:spPr>
+          <a:xfrm>
+            <a:off x="2" y="0"/>
+            <a:ext cx="9756601" cy="6858000"/>
+          </a:xfrm>
+          <a:prstGeom prst="rect">
+            <a:avLst/>
+          </a:prstGeom>
+          <a:gradFill>
+            <a:gsLst>
+              <a:gs pos="58000">
+                <a:schemeClr val="bg1"/>
+              </a:gs>
+              <a:gs pos="35000">
+                <a:schemeClr val="bg1">
+                  <a:alpha val="78000"/>
+                </a:schemeClr>
+              </a:gs>
+              <a:gs pos="19000">
+                <a:schemeClr val="bg1">
+                  <a:alpha val="38000"/>
+                </a:schemeClr>
+              </a:gs>
+              <a:gs pos="0">
+                <a:schemeClr val="bg1">
+                  <a:alpha val="0"/>
+                </a:schemeClr>
+              </a:gs>
+              <a:gs pos="100000">
+                <a:schemeClr val="bg1"/>
+              </a:gs>
+            </a:gsLst>
+            <a:lin ang="10800000" scaled="0"/>
+          </a:gradFill>
+          <a:ln>
+            <a:noFill/>
+          </a:ln>
+        </p:spPr>
+        <p:style>
+          <a:lnRef idx="2">
+            <a:schemeClr val="accent1">
+              <a:shade val="50000"/>
+            </a:schemeClr>
+          </a:lnRef>
+          <a:fillRef idx="1">
+            <a:schemeClr val="accent1"/>
+          </a:fillRef>
+          <a:effectRef idx="0">
+            <a:schemeClr val="accent1"/>
+          </a:effectRef>
+          <a:fontRef idx="minor">
+            <a:schemeClr val="lt1"/>
+          </a:fontRef>
+        </p:style>
+        <p:txBody>
+          <a:bodyPr rtlCol="0" anchor="ctr"/>
+          <a:lstStyle/>
+          <a:p>
+            <a:pPr algn="ctr"/>
+            <a:endParaRPr lang="en-US" dirty="0"/>
+          </a:p>
+        </p:txBody>
+      </p:sp>
+      <p:sp>
+        <p:nvSpPr>
+          <p:cNvPr id="2" name="제목 1">
+            <a:extLst>
+              <a:ext uri="{FF2B5EF4-FFF2-40B4-BE49-F238E27FC236}">
+                <a16:creationId xmlns:a16="http://schemas.microsoft.com/office/drawing/2014/main" id="{E64E5C8A-8FD8-4E23-AC4D-A6DA0B1513FF}"/>
+              </a:ext>
+            </a:extLst>
+          </p:cNvPr>
+          <p:cNvSpPr>
+            <a:spLocks noGrp="1"/>
+          </p:cNvSpPr>
+          <p:nvPr>
+            <p:ph type="title"/>
+          </p:nvPr>
+        </p:nvSpPr>
+        <p:spPr>
+          <a:xfrm>
+            <a:off x="371093" y="1161288"/>
+            <a:ext cx="5208071" cy="1124712"/>
+          </a:xfrm>
+        </p:spPr>
+        <p:txBody>
+          <a:bodyPr anchor="b">
+            <a:normAutofit/>
+          </a:bodyPr>
+          <a:lstStyle/>
+          <a:p>
+            <a:r>
+              <a:rPr lang="en-US" altLang="ko-KR" sz="2800" dirty="0"/>
+              <a:t>EQS</a:t>
+            </a:r>
+            <a:r>
+              <a:rPr lang="ko-KR" altLang="en-US" sz="2800" dirty="0"/>
+              <a:t> </a:t>
+            </a:r>
+            <a:r>
+              <a:rPr lang="en-US" altLang="ko-KR" sz="2800" dirty="0"/>
+              <a:t>–</a:t>
+            </a:r>
+            <a:r>
+              <a:rPr lang="ko-KR" altLang="en-US" sz="2800" dirty="0"/>
+              <a:t> </a:t>
+            </a:r>
+            <a:r>
+              <a:rPr lang="en-US" altLang="ko-KR" sz="2800" dirty="0"/>
+              <a:t>Editor Preview</a:t>
+            </a:r>
+            <a:r>
+              <a:rPr lang="ko-KR" altLang="en-US" sz="2800" dirty="0"/>
+              <a:t>와 </a:t>
+            </a:r>
+            <a:r>
+              <a:rPr lang="en-US" altLang="ko-KR" sz="2800" dirty="0"/>
+              <a:t>Runtime Debug</a:t>
+            </a:r>
+            <a:endParaRPr lang="ko-KR" altLang="en-US" sz="2800" dirty="0"/>
+          </a:p>
+        </p:txBody>
+      </p:sp>
+      <p:sp>
+        <p:nvSpPr>
+          <p:cNvPr id="14" name="Rectangle 13">
+            <a:extLst>
+              <a:ext uri="{FF2B5EF4-FFF2-40B4-BE49-F238E27FC236}">
+                <a16:creationId xmlns:a16="http://schemas.microsoft.com/office/drawing/2014/main" id="{55D4142C-5077-457F-A6AD-3FECFDB39685}"/>
+              </a:ext>
+              <a:ext uri="{C183D7F6-B498-43B3-948B-1728B52AA6E4}">
+                <adec:decorative xmlns:adec="http://schemas.microsoft.com/office/drawing/2017/decorative" val="1"/>
+              </a:ext>
+            </a:extLst>
+          </p:cNvPr>
+          <p:cNvSpPr>
+            <a:spLocks noGrp="1" noRot="1" noChangeAspect="1" noMove="1" noResize="1" noEditPoints="1" noAdjustHandles="1" noChangeArrowheads="1" noChangeShapeType="1" noTextEdit="1"/>
+          </p:cNvSpPr>
+          <p:nvPr>
+            <p:extLst>
+              <p:ext uri="{386F3935-93C4-4BCD-93E2-E3B085C9AB24}">
+                <p16:designElem xmlns:p16="http://schemas.microsoft.com/office/powerpoint/2015/main" val="1"/>
+              </p:ext>
+            </p:extLst>
+          </p:nvPr>
+        </p:nvSpPr>
+        <p:spPr>
+          <a:xfrm rot="5400000">
+            <a:off x="662559" y="605790"/>
+            <a:ext cx="73152" cy="548640"/>
+          </a:xfrm>
+          <a:prstGeom prst="rect">
+            <a:avLst/>
+          </a:prstGeom>
+          <a:solidFill>
+            <a:schemeClr val="accent2"/>
+          </a:solidFill>
+          <a:ln>
+            <a:noFill/>
+          </a:ln>
+        </p:spPr>
+        <p:style>
+          <a:lnRef idx="2">
+            <a:schemeClr val="accent1">
+              <a:shade val="50000"/>
+            </a:schemeClr>
+          </a:lnRef>
+          <a:fillRef idx="1">
+            <a:schemeClr val="accent1"/>
+          </a:fillRef>
+          <a:effectRef idx="0">
+            <a:schemeClr val="accent1"/>
+          </a:effectRef>
+          <a:fontRef idx="minor">
+            <a:schemeClr val="lt1"/>
+          </a:fontRef>
+        </p:style>
+        <p:txBody>
+          <a:bodyPr rtlCol="0" anchor="ctr"/>
+          <a:lstStyle/>
+          <a:p>
+            <a:pPr algn="ctr"/>
+            <a:endParaRPr lang="en-US">
+              <a:solidFill>
+                <a:prstClr val="white"/>
+              </a:solidFill>
+              <a:latin typeface="Calibri" panose="020F0502020204030204"/>
+            </a:endParaRPr>
+          </a:p>
+        </p:txBody>
+      </p:sp>
+      <p:sp>
+        <p:nvSpPr>
+          <p:cNvPr id="16" name="Rectangle 15">
+            <a:extLst>
+              <a:ext uri="{FF2B5EF4-FFF2-40B4-BE49-F238E27FC236}">
+                <a16:creationId xmlns:a16="http://schemas.microsoft.com/office/drawing/2014/main" id="{7A5F0580-5EE9-419F-96EE-B6529EF6E7D0}"/>
+              </a:ext>
+              <a:ext uri="{C183D7F6-B498-43B3-948B-1728B52AA6E4}">
+                <adec:decorative xmlns:adec="http://schemas.microsoft.com/office/drawing/2017/decorative" val="1"/>
+              </a:ext>
+            </a:extLst>
+          </p:cNvPr>
+          <p:cNvSpPr>
+            <a:spLocks noGrp="1" noRot="1" noChangeAspect="1" noMove="1" noResize="1" noEditPoints="1" noAdjustHandles="1" noChangeArrowheads="1" noChangeShapeType="1" noTextEdit="1"/>
+          </p:cNvSpPr>
+          <p:nvPr>
+            <p:extLst>
+              <p:ext uri="{386F3935-93C4-4BCD-93E2-E3B085C9AB24}">
+                <p16:designElem xmlns:p16="http://schemas.microsoft.com/office/powerpoint/2015/main" val="1"/>
+              </p:ext>
+            </p:extLst>
+          </p:nvPr>
+        </p:nvSpPr>
+        <p:spPr>
+          <a:xfrm>
+            <a:off x="428244" y="2443480"/>
+            <a:ext cx="3300984" cy="18288"/>
+          </a:xfrm>
+          <a:prstGeom prst="rect">
+            <a:avLst/>
+          </a:prstGeom>
+          <a:solidFill>
+            <a:schemeClr val="tx1"/>
+          </a:solidFill>
+          <a:ln w="3175">
+            <a:noFill/>
+          </a:ln>
+          <a:effectLst/>
+        </p:spPr>
+        <p:style>
+          <a:lnRef idx="2">
+            <a:schemeClr val="accent1">
+              <a:shade val="50000"/>
+            </a:schemeClr>
+          </a:lnRef>
+          <a:fillRef idx="1">
+            <a:schemeClr val="accent1"/>
+          </a:fillRef>
+          <a:effectRef idx="0">
+            <a:schemeClr val="accent1"/>
+          </a:effectRef>
+          <a:fontRef idx="minor">
+            <a:schemeClr val="lt1"/>
+          </a:fontRef>
+        </p:style>
+        <p:txBody>
+          <a:bodyPr rtlCol="0" anchor="ctr"/>
+          <a:lstStyle/>
+          <a:p>
+            <a:pPr marL="0" marR="0" lvl="0" indent="0" algn="ctr" defTabSz="914400" rtl="0" eaLnBrk="1" fontAlgn="auto" latinLnBrk="0" hangingPunct="1">
+              <a:lnSpc>
+                <a:spcPct val="100000"/>
+              </a:lnSpc>
+              <a:spcBef>
+                <a:spcPts val="0"/>
+              </a:spcBef>
+              <a:spcAft>
+                <a:spcPts val="0"/>
+              </a:spcAft>
+              <a:buClrTx/>
+              <a:buSzTx/>
+              <a:buFontTx/>
+              <a:buNone/>
+              <a:tabLst/>
+              <a:defRPr/>
+            </a:pPr>
+            <a:endParaRPr kumimoji="0" lang="en-US" sz="1800" b="0" i="0" u="none" strike="noStrike" kern="1200" cap="none" spc="0" normalizeH="0" baseline="0" noProof="0">
+              <a:ln>
+                <a:noFill/>
+              </a:ln>
+              <a:solidFill>
+                <a:prstClr val="white"/>
+              </a:solidFill>
+              <a:effectLst/>
+              <a:uLnTx/>
+              <a:uFillTx/>
+              <a:latin typeface="Calibri" panose="020F0502020204030204"/>
+              <a:ea typeface="+mn-ea"/>
+              <a:cs typeface="+mn-cs"/>
+            </a:endParaRPr>
+          </a:p>
+        </p:txBody>
+      </p:sp>
+      <p:sp>
+        <p:nvSpPr>
+          <p:cNvPr id="3" name="내용 개체 틀 2">
+            <a:extLst>
+              <a:ext uri="{FF2B5EF4-FFF2-40B4-BE49-F238E27FC236}">
+                <a16:creationId xmlns:a16="http://schemas.microsoft.com/office/drawing/2014/main" id="{BF02FFEE-73C6-4842-A5FB-7C3ADD95AA3D}"/>
+              </a:ext>
+            </a:extLst>
+          </p:cNvPr>
+          <p:cNvSpPr>
+            <a:spLocks noGrp="1"/>
+          </p:cNvSpPr>
+          <p:nvPr>
+            <p:ph idx="1"/>
+          </p:nvPr>
+        </p:nvSpPr>
+        <p:spPr>
+          <a:xfrm>
+            <a:off x="371092" y="2718054"/>
+            <a:ext cx="6479651" cy="3490288"/>
+          </a:xfrm>
+        </p:spPr>
+        <p:txBody>
+          <a:bodyPr anchor="t">
+            <a:normAutofit/>
+          </a:bodyPr>
+          <a:lstStyle/>
+          <a:p>
+            <a:r>
+              <a:rPr lang="en-US" altLang="ko-KR" sz="2400" dirty="0" err="1"/>
+              <a:t>EQSTestingPawn</a:t>
+            </a:r>
+            <a:r>
+              <a:rPr lang="en-US" altLang="ko-KR" sz="2400" dirty="0"/>
+              <a:t> </a:t>
+            </a:r>
+            <a:r>
+              <a:rPr lang="ko-KR" altLang="en-US" sz="2400" dirty="0"/>
+              <a:t>을 상속받은 </a:t>
+            </a:r>
+            <a:r>
+              <a:rPr lang="en-US" altLang="ko-KR" sz="2400" dirty="0"/>
+              <a:t>BP</a:t>
+            </a:r>
+            <a:r>
+              <a:rPr lang="ko-KR" altLang="en-US" sz="2400" dirty="0"/>
+              <a:t>를 만들고 </a:t>
+            </a:r>
+            <a:r>
+              <a:rPr lang="en-US" altLang="ko-KR" sz="2400" dirty="0"/>
+              <a:t>Preview</a:t>
+            </a:r>
+            <a:r>
+              <a:rPr lang="ko-KR" altLang="en-US" sz="2400" dirty="0"/>
+              <a:t>할 </a:t>
+            </a:r>
+            <a:r>
+              <a:rPr lang="en-US" altLang="ko-KR" sz="2400" dirty="0" err="1"/>
+              <a:t>QueryTemplate</a:t>
+            </a:r>
+            <a:r>
+              <a:rPr lang="ko-KR" altLang="en-US" sz="2400" dirty="0"/>
+              <a:t>을 설정하고 배치하면  배치 기준으로 에디터에서 각 위치의 형태와 </a:t>
+            </a:r>
+            <a:r>
+              <a:rPr lang="en-US" altLang="ko-KR" sz="2400" dirty="0"/>
+              <a:t>Score</a:t>
+            </a:r>
+            <a:r>
+              <a:rPr lang="ko-KR" altLang="en-US" sz="2400" dirty="0"/>
+              <a:t>를 </a:t>
+            </a:r>
+            <a:r>
+              <a:rPr lang="ko-KR" altLang="en-US" sz="2400" dirty="0" err="1"/>
+              <a:t>확인할수</a:t>
+            </a:r>
+            <a:r>
+              <a:rPr lang="ko-KR" altLang="en-US" sz="2400" dirty="0"/>
+              <a:t> 있다</a:t>
+            </a:r>
+            <a:r>
+              <a:rPr lang="en-US" altLang="ko-KR" sz="2400" dirty="0"/>
+              <a:t>.</a:t>
+            </a:r>
+            <a:r>
+              <a:rPr lang="ko-KR" altLang="en-US" sz="2400" dirty="0"/>
+              <a:t> </a:t>
+            </a:r>
+            <a:endParaRPr lang="en-US" altLang="ko-KR" sz="2400" dirty="0"/>
+          </a:p>
+          <a:p>
+            <a:r>
+              <a:rPr lang="ko-KR" altLang="en-US" sz="2400" dirty="0" err="1"/>
+              <a:t>실행중</a:t>
+            </a:r>
+            <a:r>
+              <a:rPr lang="ko-KR" altLang="en-US" sz="2400" dirty="0"/>
+              <a:t> 확인은 게임 안에서 플레이어 캐릭터가  확인하려는 </a:t>
+            </a:r>
+            <a:r>
+              <a:rPr lang="en-US" altLang="ko-KR" sz="2400" dirty="0"/>
+              <a:t>AI Controller</a:t>
+            </a:r>
+            <a:r>
+              <a:rPr lang="ko-KR" altLang="en-US" sz="2400" dirty="0"/>
+              <a:t>를 바라보고 </a:t>
+            </a:r>
+            <a:r>
+              <a:rPr lang="ko-KR" altLang="en-US" sz="2400" dirty="0" err="1"/>
+              <a:t>엔터</a:t>
+            </a:r>
+            <a:r>
+              <a:rPr lang="ko-KR" altLang="en-US" sz="2400" dirty="0"/>
+              <a:t> 왼쪽 키의 </a:t>
+            </a:r>
+            <a:r>
+              <a:rPr lang="en-US" altLang="ko-KR" sz="2400" dirty="0"/>
+              <a:t>‘ </a:t>
+            </a:r>
+            <a:r>
+              <a:rPr lang="ko-KR" altLang="en-US" sz="2400" dirty="0"/>
+              <a:t>를 눌러 </a:t>
+            </a:r>
+            <a:r>
+              <a:rPr lang="en-US" altLang="ko-KR" sz="2400" dirty="0"/>
+              <a:t>3</a:t>
+            </a:r>
+            <a:r>
+              <a:rPr lang="ko-KR" altLang="en-US" sz="2400" dirty="0"/>
+              <a:t>번 </a:t>
+            </a:r>
+            <a:r>
+              <a:rPr lang="en-US" altLang="ko-KR" sz="2400" dirty="0"/>
+              <a:t>Numpad </a:t>
+            </a:r>
+            <a:r>
+              <a:rPr lang="ko-KR" altLang="en-US" sz="2400" dirty="0" err="1"/>
+              <a:t>누른후</a:t>
+            </a:r>
+            <a:r>
+              <a:rPr lang="ko-KR" altLang="en-US" sz="2400" dirty="0"/>
+              <a:t> </a:t>
+            </a:r>
+            <a:r>
+              <a:rPr lang="en-US" altLang="ko-KR" sz="2400" dirty="0"/>
+              <a:t>EQS</a:t>
+            </a:r>
+            <a:r>
+              <a:rPr lang="ko-KR" altLang="en-US" sz="2400" dirty="0"/>
+              <a:t>활성화 후 디버깅 </a:t>
+            </a:r>
+            <a:r>
+              <a:rPr lang="en-US" altLang="ko-KR" sz="2400" dirty="0"/>
+              <a:t>, </a:t>
+            </a:r>
+            <a:r>
+              <a:rPr lang="ko-KR" altLang="en-US" sz="2400" dirty="0"/>
+              <a:t>원하는 </a:t>
+            </a:r>
+            <a:r>
+              <a:rPr lang="en-US" altLang="ko-KR" sz="2400" dirty="0"/>
+              <a:t>AI Controller</a:t>
+            </a:r>
+            <a:r>
+              <a:rPr lang="ko-KR" altLang="en-US" sz="2400" dirty="0"/>
+              <a:t>가 아니면 여러 번 </a:t>
+            </a:r>
+            <a:r>
+              <a:rPr lang="en-US" altLang="ko-KR" sz="2400" dirty="0"/>
+              <a:t>‘ </a:t>
+            </a:r>
+            <a:r>
+              <a:rPr lang="ko-KR" altLang="en-US" sz="2400" dirty="0"/>
+              <a:t>눌러 다시 확인</a:t>
+            </a:r>
+            <a:endParaRPr lang="en-US" altLang="ko-KR" sz="2400" dirty="0"/>
+          </a:p>
+        </p:txBody>
+      </p:sp>
+    </p:spTree>
+    <p:extLst>
+      <p:ext uri="{BB962C8B-B14F-4D97-AF65-F5344CB8AC3E}">
+        <p14:creationId xmlns:p14="http://schemas.microsoft.com/office/powerpoint/2010/main" val="2519425427"/>
+      </p:ext>
+    </p:extLst>
+  </p:cSld>
+  <p:clrMapOvr>
+    <a:overrideClrMapping bg1="dk1" tx1="lt1" bg2="dk2" tx2="lt2" accent1="accent1" accent2="accent2" accent3="accent3" accent4="accent4" accent5="accent5" accent6="accent6" hlink="hlink" folHlink="folHlink"/>
+  </p:clrMapOvr>
+</p:sld>
+</file>
+
 <file path=ppt/slides/slide4.xml><?xml version="1.0" encoding="utf-8"?>
 <p:sld xmlns:a="http://schemas.openxmlformats.org/drawingml/2006/main" xmlns:r="http://schemas.openxmlformats.org/officeDocument/2006/relationships" xmlns:p="http://schemas.openxmlformats.org/presentationml/2006/main">
   <p:cSld>
@@ -10672,6 +13455,86 @@
     <p:extLst>
       <p:ext uri="{BB962C8B-B14F-4D97-AF65-F5344CB8AC3E}">
         <p14:creationId xmlns:p14="http://schemas.microsoft.com/office/powerpoint/2010/main" val="2632820183"/>
+      </p:ext>
+    </p:extLst>
+  </p:cSld>
+  <p:clrMapOvr>
+    <a:masterClrMapping/>
+  </p:clrMapOvr>
+</p:sld>
+</file>
+
+<file path=ppt/slides/slide40.xml><?xml version="1.0" encoding="utf-8"?>
+<p:sld xmlns:a="http://schemas.openxmlformats.org/drawingml/2006/main" xmlns:r="http://schemas.openxmlformats.org/officeDocument/2006/relationships" xmlns:p="http://schemas.openxmlformats.org/presentationml/2006/main">
+  <p:cSld>
+    <p:spTree>
+      <p:nvGrpSpPr>
+        <p:cNvPr id="1" name=""/>
+        <p:cNvGrpSpPr/>
+        <p:nvPr/>
+      </p:nvGrpSpPr>
+      <p:grpSpPr>
+        <a:xfrm>
+          <a:off x="0" y="0"/>
+          <a:ext cx="0" cy="0"/>
+          <a:chOff x="0" y="0"/>
+          <a:chExt cx="0" cy="0"/>
+        </a:xfrm>
+      </p:grpSpPr>
+      <p:sp>
+        <p:nvSpPr>
+          <p:cNvPr id="4" name="제목 3">
+            <a:extLst>
+              <a:ext uri="{FF2B5EF4-FFF2-40B4-BE49-F238E27FC236}">
+                <a16:creationId xmlns:a16="http://schemas.microsoft.com/office/drawing/2014/main" id="{2DB23FF4-911A-42E8-9552-0AA52B3CA701}"/>
+              </a:ext>
+            </a:extLst>
+          </p:cNvPr>
+          <p:cNvSpPr>
+            <a:spLocks noGrp="1"/>
+          </p:cNvSpPr>
+          <p:nvPr>
+            <p:ph type="title"/>
+          </p:nvPr>
+        </p:nvSpPr>
+        <p:spPr/>
+        <p:txBody>
+          <a:bodyPr/>
+          <a:lstStyle/>
+          <a:p>
+            <a:endParaRPr lang="ko-KR" altLang="en-US" dirty="0"/>
+          </a:p>
+        </p:txBody>
+      </p:sp>
+      <p:sp>
+        <p:nvSpPr>
+          <p:cNvPr id="5" name="내용 개체 틀 4">
+            <a:extLst>
+              <a:ext uri="{FF2B5EF4-FFF2-40B4-BE49-F238E27FC236}">
+                <a16:creationId xmlns:a16="http://schemas.microsoft.com/office/drawing/2014/main" id="{98A0067B-64B1-41D7-B355-3509F314B205}"/>
+              </a:ext>
+            </a:extLst>
+          </p:cNvPr>
+          <p:cNvSpPr>
+            <a:spLocks noGrp="1"/>
+          </p:cNvSpPr>
+          <p:nvPr>
+            <p:ph idx="1"/>
+          </p:nvPr>
+        </p:nvSpPr>
+        <p:spPr/>
+        <p:txBody>
+          <a:bodyPr/>
+          <a:lstStyle/>
+          <a:p>
+            <a:endParaRPr lang="ko-KR" altLang="en-US" dirty="0"/>
+          </a:p>
+        </p:txBody>
+      </p:sp>
+    </p:spTree>
+    <p:extLst>
+      <p:ext uri="{BB962C8B-B14F-4D97-AF65-F5344CB8AC3E}">
+        <p14:creationId xmlns:p14="http://schemas.microsoft.com/office/powerpoint/2010/main" val="2507009016"/>
       </p:ext>
     </p:extLst>
   </p:cSld>

--- a/Day04/AI.pptx
+++ b/Day04/AI.pptx
@@ -12194,6 +12194,67 @@
           </a:p>
         </p:txBody>
       </p:sp>
+      <p:sp>
+        <p:nvSpPr>
+          <p:cNvPr id="4" name="TextBox 3">
+            <a:extLst>
+              <a:ext uri="{FF2B5EF4-FFF2-40B4-BE49-F238E27FC236}">
+                <a16:creationId xmlns:a16="http://schemas.microsoft.com/office/drawing/2014/main" id="{5F4AA9A6-019B-4407-811A-6660CE576E5D}"/>
+              </a:ext>
+            </a:extLst>
+          </p:cNvPr>
+          <p:cNvSpPr txBox="1"/>
+          <p:nvPr/>
+        </p:nvSpPr>
+        <p:spPr>
+          <a:xfrm>
+            <a:off x="9157252" y="3764431"/>
+            <a:ext cx="2635478" cy="461665"/>
+          </a:xfrm>
+          <a:prstGeom prst="rect">
+            <a:avLst/>
+          </a:prstGeom>
+          <a:noFill/>
+        </p:spPr>
+        <p:txBody>
+          <a:bodyPr wrap="square">
+            <a:spAutoFit/>
+          </a:bodyPr>
+          <a:lstStyle/>
+          <a:p>
+            <a:r>
+              <a:rPr lang="en-US" altLang="ko-KR" sz="2400" dirty="0">
+                <a:solidFill>
+                  <a:schemeClr val="bg1">
+                    <a:lumMod val="95000"/>
+                  </a:schemeClr>
+                </a:solidFill>
+              </a:rPr>
+              <a:t>EQS_</a:t>
+            </a:r>
+            <a:r>
+              <a:rPr lang="ko-KR" altLang="en-US" sz="2400" dirty="0" err="1">
+                <a:solidFill>
+                  <a:schemeClr val="bg1">
+                    <a:lumMod val="95000"/>
+                  </a:schemeClr>
+                </a:solidFill>
+              </a:rPr>
+              <a:t>숨을곳</a:t>
+            </a:r>
+            <a:r>
+              <a:rPr lang="ko-KR" altLang="en-US" sz="2400" dirty="0">
+                <a:solidFill>
+                  <a:schemeClr val="bg1">
+                    <a:lumMod val="95000"/>
+                  </a:schemeClr>
+                </a:solidFill>
+              </a:rPr>
+              <a:t> 찾기</a:t>
+            </a:r>
+          </a:p>
+        </p:txBody>
+      </p:sp>
     </p:spTree>
     <p:extLst>
       <p:ext uri="{BB962C8B-B14F-4D97-AF65-F5344CB8AC3E}">
@@ -12427,6 +12488,76 @@
           </a:prstGeom>
         </p:spPr>
       </p:pic>
+      <p:sp>
+        <p:nvSpPr>
+          <p:cNvPr id="4" name="TextBox 3">
+            <a:extLst>
+              <a:ext uri="{FF2B5EF4-FFF2-40B4-BE49-F238E27FC236}">
+                <a16:creationId xmlns:a16="http://schemas.microsoft.com/office/drawing/2014/main" id="{ECB00548-3CBD-42E2-931E-C1D95FB1C50A}"/>
+              </a:ext>
+            </a:extLst>
+          </p:cNvPr>
+          <p:cNvSpPr txBox="1"/>
+          <p:nvPr/>
+        </p:nvSpPr>
+        <p:spPr>
+          <a:xfrm>
+            <a:off x="5663305" y="1257300"/>
+            <a:ext cx="2566295" cy="830997"/>
+          </a:xfrm>
+          <a:prstGeom prst="rect">
+            <a:avLst/>
+          </a:prstGeom>
+          <a:noFill/>
+        </p:spPr>
+        <p:txBody>
+          <a:bodyPr wrap="square" rtlCol="0">
+            <a:spAutoFit/>
+          </a:bodyPr>
+          <a:lstStyle/>
+          <a:p>
+            <a:r>
+              <a:rPr lang="en-US" altLang="ko-KR" sz="2400" dirty="0">
+                <a:solidFill>
+                  <a:schemeClr val="bg1">
+                    <a:lumMod val="95000"/>
+                  </a:schemeClr>
+                </a:solidFill>
+              </a:rPr>
+              <a:t>EQS_</a:t>
+            </a:r>
+            <a:r>
+              <a:rPr lang="ko-KR" altLang="en-US" sz="2400" dirty="0" err="1">
+                <a:solidFill>
+                  <a:schemeClr val="bg1">
+                    <a:lumMod val="95000"/>
+                  </a:schemeClr>
+                </a:solidFill>
+              </a:rPr>
+              <a:t>숨을곳</a:t>
+            </a:r>
+            <a:r>
+              <a:rPr lang="ko-KR" altLang="en-US" sz="2400" dirty="0">
+                <a:solidFill>
+                  <a:schemeClr val="bg1">
+                    <a:lumMod val="95000"/>
+                  </a:schemeClr>
+                </a:solidFill>
+              </a:rPr>
+              <a:t> 찾기</a:t>
+            </a:r>
+          </a:p>
+          <a:p>
+            <a:endParaRPr lang="ko-KR" altLang="en-US" sz="2400" dirty="0">
+              <a:solidFill>
+                <a:schemeClr val="bg1">
+                  <a:lumMod val="95000"/>
+                </a:schemeClr>
+              </a:solidFill>
+            </a:endParaRPr>
+          </a:p>
+        </p:txBody>
+      </p:sp>
     </p:spTree>
     <p:extLst>
       <p:ext uri="{BB962C8B-B14F-4D97-AF65-F5344CB8AC3E}">
@@ -12647,6 +12778,76 @@
           </a:prstGeom>
         </p:spPr>
       </p:pic>
+      <p:sp>
+        <p:nvSpPr>
+          <p:cNvPr id="7" name="TextBox 6">
+            <a:extLst>
+              <a:ext uri="{FF2B5EF4-FFF2-40B4-BE49-F238E27FC236}">
+                <a16:creationId xmlns:a16="http://schemas.microsoft.com/office/drawing/2014/main" id="{17E779CD-A6A7-4762-A250-936C5AA9F93A}"/>
+              </a:ext>
+            </a:extLst>
+          </p:cNvPr>
+          <p:cNvSpPr txBox="1"/>
+          <p:nvPr/>
+        </p:nvSpPr>
+        <p:spPr>
+          <a:xfrm>
+            <a:off x="5624168" y="1392343"/>
+            <a:ext cx="2618683" cy="830997"/>
+          </a:xfrm>
+          <a:prstGeom prst="rect">
+            <a:avLst/>
+          </a:prstGeom>
+          <a:noFill/>
+        </p:spPr>
+        <p:txBody>
+          <a:bodyPr wrap="square">
+            <a:spAutoFit/>
+          </a:bodyPr>
+          <a:lstStyle/>
+          <a:p>
+            <a:r>
+              <a:rPr lang="en-US" altLang="ko-KR" sz="2400" dirty="0">
+                <a:solidFill>
+                  <a:schemeClr val="bg1">
+                    <a:lumMod val="95000"/>
+                  </a:schemeClr>
+                </a:solidFill>
+              </a:rPr>
+              <a:t>EQS_</a:t>
+            </a:r>
+            <a:r>
+              <a:rPr lang="ko-KR" altLang="en-US" sz="2400" dirty="0" err="1">
+                <a:solidFill>
+                  <a:schemeClr val="bg1">
+                    <a:lumMod val="95000"/>
+                  </a:schemeClr>
+                </a:solidFill>
+              </a:rPr>
+              <a:t>숨을곳</a:t>
+            </a:r>
+            <a:r>
+              <a:rPr lang="ko-KR" altLang="en-US" sz="2400" dirty="0">
+                <a:solidFill>
+                  <a:schemeClr val="bg1">
+                    <a:lumMod val="95000"/>
+                  </a:schemeClr>
+                </a:solidFill>
+              </a:rPr>
+              <a:t> 찾기</a:t>
+            </a:r>
+          </a:p>
+          <a:p>
+            <a:endParaRPr lang="ko-KR" altLang="en-US" sz="2400" dirty="0">
+              <a:solidFill>
+                <a:schemeClr val="bg1">
+                  <a:lumMod val="95000"/>
+                </a:schemeClr>
+              </a:solidFill>
+            </a:endParaRPr>
+          </a:p>
+        </p:txBody>
+      </p:sp>
     </p:spTree>
     <p:extLst>
       <p:ext uri="{BB962C8B-B14F-4D97-AF65-F5344CB8AC3E}">

--- a/Day04/AI.pptx
+++ b/Day04/AI.pptx
@@ -45,6 +45,8 @@
     <p:sldId id="295" r:id="rId39"/>
     <p:sldId id="290" r:id="rId40"/>
     <p:sldId id="291" r:id="rId41"/>
+    <p:sldId id="298" r:id="rId42"/>
+    <p:sldId id="297" r:id="rId43"/>
   </p:sldIdLst>
   <p:sldSz cx="12192000" cy="6858000"/>
   <p:notesSz cx="6858000" cy="9144000"/>
@@ -298,7 +300,7 @@
           <a:p>
             <a:fld id="{115769BE-BF1F-4F69-A431-EEF710AC7B3A}" type="datetimeFigureOut">
               <a:rPr lang="ko-KR" altLang="en-US" smtClean="0"/>
-              <a:t>2020-07-09</a:t>
+              <a:t>2020-07-20</a:t>
             </a:fld>
             <a:endParaRPr lang="ko-KR" altLang="en-US"/>
           </a:p>
@@ -496,7 +498,7 @@
           <a:p>
             <a:fld id="{115769BE-BF1F-4F69-A431-EEF710AC7B3A}" type="datetimeFigureOut">
               <a:rPr lang="ko-KR" altLang="en-US" smtClean="0"/>
-              <a:t>2020-07-09</a:t>
+              <a:t>2020-07-20</a:t>
             </a:fld>
             <a:endParaRPr lang="ko-KR" altLang="en-US"/>
           </a:p>
@@ -704,7 +706,7 @@
           <a:p>
             <a:fld id="{115769BE-BF1F-4F69-A431-EEF710AC7B3A}" type="datetimeFigureOut">
               <a:rPr lang="ko-KR" altLang="en-US" smtClean="0"/>
-              <a:t>2020-07-09</a:t>
+              <a:t>2020-07-20</a:t>
             </a:fld>
             <a:endParaRPr lang="ko-KR" altLang="en-US"/>
           </a:p>
@@ -902,7 +904,7 @@
           <a:p>
             <a:fld id="{115769BE-BF1F-4F69-A431-EEF710AC7B3A}" type="datetimeFigureOut">
               <a:rPr lang="ko-KR" altLang="en-US" smtClean="0"/>
-              <a:t>2020-07-09</a:t>
+              <a:t>2020-07-20</a:t>
             </a:fld>
             <a:endParaRPr lang="ko-KR" altLang="en-US"/>
           </a:p>
@@ -1177,7 +1179,7 @@
           <a:p>
             <a:fld id="{115769BE-BF1F-4F69-A431-EEF710AC7B3A}" type="datetimeFigureOut">
               <a:rPr lang="ko-KR" altLang="en-US" smtClean="0"/>
-              <a:t>2020-07-09</a:t>
+              <a:t>2020-07-20</a:t>
             </a:fld>
             <a:endParaRPr lang="ko-KR" altLang="en-US"/>
           </a:p>
@@ -1442,7 +1444,7 @@
           <a:p>
             <a:fld id="{115769BE-BF1F-4F69-A431-EEF710AC7B3A}" type="datetimeFigureOut">
               <a:rPr lang="ko-KR" altLang="en-US" smtClean="0"/>
-              <a:t>2020-07-09</a:t>
+              <a:t>2020-07-20</a:t>
             </a:fld>
             <a:endParaRPr lang="ko-KR" altLang="en-US"/>
           </a:p>
@@ -1854,7 +1856,7 @@
           <a:p>
             <a:fld id="{115769BE-BF1F-4F69-A431-EEF710AC7B3A}" type="datetimeFigureOut">
               <a:rPr lang="ko-KR" altLang="en-US" smtClean="0"/>
-              <a:t>2020-07-09</a:t>
+              <a:t>2020-07-20</a:t>
             </a:fld>
             <a:endParaRPr lang="ko-KR" altLang="en-US"/>
           </a:p>
@@ -1995,7 +1997,7 @@
           <a:p>
             <a:fld id="{115769BE-BF1F-4F69-A431-EEF710AC7B3A}" type="datetimeFigureOut">
               <a:rPr lang="ko-KR" altLang="en-US" smtClean="0"/>
-              <a:t>2020-07-09</a:t>
+              <a:t>2020-07-20</a:t>
             </a:fld>
             <a:endParaRPr lang="ko-KR" altLang="en-US"/>
           </a:p>
@@ -2108,7 +2110,7 @@
           <a:p>
             <a:fld id="{115769BE-BF1F-4F69-A431-EEF710AC7B3A}" type="datetimeFigureOut">
               <a:rPr lang="ko-KR" altLang="en-US" smtClean="0"/>
-              <a:t>2020-07-09</a:t>
+              <a:t>2020-07-20</a:t>
             </a:fld>
             <a:endParaRPr lang="ko-KR" altLang="en-US"/>
           </a:p>
@@ -2419,7 +2421,7 @@
           <a:p>
             <a:fld id="{115769BE-BF1F-4F69-A431-EEF710AC7B3A}" type="datetimeFigureOut">
               <a:rPr lang="ko-KR" altLang="en-US" smtClean="0"/>
-              <a:t>2020-07-09</a:t>
+              <a:t>2020-07-20</a:t>
             </a:fld>
             <a:endParaRPr lang="ko-KR" altLang="en-US"/>
           </a:p>
@@ -2707,7 +2709,7 @@
           <a:p>
             <a:fld id="{115769BE-BF1F-4F69-A431-EEF710AC7B3A}" type="datetimeFigureOut">
               <a:rPr lang="ko-KR" altLang="en-US" smtClean="0"/>
-              <a:t>2020-07-09</a:t>
+              <a:t>2020-07-20</a:t>
             </a:fld>
             <a:endParaRPr lang="ko-KR" altLang="en-US"/>
           </a:p>
@@ -2948,7 +2950,7 @@
           <a:p>
             <a:fld id="{115769BE-BF1F-4F69-A431-EEF710AC7B3A}" type="datetimeFigureOut">
               <a:rPr lang="ko-KR" altLang="en-US" smtClean="0"/>
-              <a:t>2020-07-09</a:t>
+              <a:t>2020-07-20</a:t>
             </a:fld>
             <a:endParaRPr lang="ko-KR" altLang="en-US"/>
           </a:p>
@@ -13703,7 +13705,18 @@
           <a:bodyPr/>
           <a:lstStyle/>
           <a:p>
-            <a:endParaRPr lang="ko-KR" altLang="en-US" dirty="0"/>
+            <a:r>
+              <a:rPr lang="en-US" altLang="ko-KR" dirty="0" err="1"/>
+              <a:t>CustomGenerator</a:t>
+            </a:r>
+            <a:r>
+              <a:rPr lang="en-US" altLang="ko-KR" dirty="0"/>
+              <a:t> </a:t>
+            </a:r>
+            <a:r>
+              <a:rPr lang="ko-KR" altLang="en-US" dirty="0"/>
+              <a:t>개요</a:t>
+            </a:r>
           </a:p>
         </p:txBody>
       </p:sp>
@@ -13728,7 +13741,233 @@
           <a:bodyPr/>
           <a:lstStyle/>
           <a:p>
-            <a:endParaRPr lang="ko-KR" altLang="en-US" dirty="0"/>
+            <a:r>
+              <a:rPr lang="ko-KR" altLang="en-US" dirty="0" err="1"/>
+              <a:t>블루프린트를</a:t>
+            </a:r>
+            <a:r>
+              <a:rPr lang="ko-KR" altLang="en-US" dirty="0"/>
+              <a:t> 사용하여 </a:t>
+            </a:r>
+            <a:r>
+              <a:rPr lang="en-US" altLang="ko-KR" dirty="0"/>
+              <a:t>Item(</a:t>
+            </a:r>
+            <a:r>
+              <a:rPr lang="en-US" altLang="ko-KR" dirty="0" err="1"/>
+              <a:t>Actor,Location</a:t>
+            </a:r>
+            <a:r>
+              <a:rPr lang="en-US" altLang="ko-KR" dirty="0"/>
+              <a:t>)</a:t>
+            </a:r>
+            <a:r>
+              <a:rPr lang="ko-KR" altLang="en-US" dirty="0"/>
+              <a:t> 목록을 만든다</a:t>
+            </a:r>
+            <a:r>
+              <a:rPr lang="en-US" altLang="ko-KR" dirty="0"/>
+              <a:t>.</a:t>
+            </a:r>
+          </a:p>
+          <a:p>
+            <a:r>
+              <a:rPr lang="en-US" altLang="ko-KR" dirty="0" err="1">
+                <a:solidFill>
+                  <a:srgbClr val="FF0000"/>
+                </a:solidFill>
+              </a:rPr>
+              <a:t>EnvQueryGenerator_BlueprintBase</a:t>
+            </a:r>
+            <a:r>
+              <a:rPr lang="ko-KR" altLang="en-US" dirty="0"/>
+              <a:t>기반으로 새로운 클래스생성</a:t>
+            </a:r>
+            <a:endParaRPr lang="en-US" altLang="ko-KR" dirty="0"/>
+          </a:p>
+          <a:p>
+            <a:r>
+              <a:rPr lang="en-US" altLang="ko-KR" dirty="0" err="1"/>
+              <a:t>EnvironmentQuery</a:t>
+            </a:r>
+            <a:r>
+              <a:rPr lang="ko-KR" altLang="en-US" dirty="0"/>
+              <a:t>에서 </a:t>
+            </a:r>
+            <a:r>
+              <a:rPr lang="en-US" altLang="ko-KR" dirty="0" err="1"/>
+              <a:t>CustomGenerator</a:t>
+            </a:r>
+            <a:r>
+              <a:rPr lang="ko-KR" altLang="en-US" dirty="0"/>
+              <a:t>를 </a:t>
+            </a:r>
+            <a:r>
+              <a:rPr lang="ko-KR" altLang="en-US" dirty="0" err="1"/>
+              <a:t>노드를사용할때</a:t>
+            </a:r>
+            <a:r>
+              <a:rPr lang="ko-KR" altLang="en-US" dirty="0"/>
+              <a:t> </a:t>
+            </a:r>
+            <a:r>
+              <a:rPr lang="en-US" altLang="ko-KR" dirty="0">
+                <a:solidFill>
+                  <a:srgbClr val="FF0000"/>
+                </a:solidFill>
+              </a:rPr>
+              <a:t>Context</a:t>
+            </a:r>
+            <a:r>
+              <a:rPr lang="en-US" altLang="ko-KR" dirty="0"/>
+              <a:t>(</a:t>
+            </a:r>
+            <a:r>
+              <a:rPr lang="ko-KR" altLang="en-US" dirty="0"/>
+              <a:t>기준</a:t>
+            </a:r>
+            <a:r>
+              <a:rPr lang="en-US" altLang="ko-KR" dirty="0"/>
+              <a:t>Actor) </a:t>
+            </a:r>
+            <a:r>
+              <a:rPr lang="ko-KR" altLang="en-US" dirty="0"/>
+              <a:t>와 </a:t>
+            </a:r>
+            <a:r>
+              <a:rPr lang="en-US" altLang="ko-KR" dirty="0">
+                <a:solidFill>
+                  <a:srgbClr val="FF0000"/>
+                </a:solidFill>
+              </a:rPr>
+              <a:t>Generated Item Type</a:t>
+            </a:r>
+            <a:r>
+              <a:rPr lang="en-US" altLang="ko-KR" dirty="0"/>
+              <a:t> (Actor or Vector)</a:t>
+            </a:r>
+            <a:r>
+              <a:rPr lang="ko-KR" altLang="en-US" dirty="0"/>
+              <a:t>를 지정한다</a:t>
+            </a:r>
+            <a:r>
+              <a:rPr lang="en-US" altLang="ko-KR" dirty="0"/>
+              <a:t>.</a:t>
+            </a:r>
+          </a:p>
+          <a:p>
+            <a:r>
+              <a:rPr lang="ko-KR" altLang="en-US" dirty="0"/>
+              <a:t>새 클래스의 함수의 </a:t>
+            </a:r>
+            <a:r>
+              <a:rPr lang="en-US" altLang="ko-KR" dirty="0" err="1">
+                <a:solidFill>
+                  <a:srgbClr val="FF0000"/>
+                </a:solidFill>
+              </a:rPr>
+              <a:t>DoItemGeneration</a:t>
+            </a:r>
+            <a:r>
+              <a:rPr lang="ko-KR" altLang="en-US" dirty="0">
+                <a:solidFill>
+                  <a:srgbClr val="FF0000"/>
+                </a:solidFill>
+              </a:rPr>
+              <a:t>를 </a:t>
+            </a:r>
+            <a:r>
+              <a:rPr lang="en-US" altLang="ko-KR" dirty="0">
+                <a:solidFill>
+                  <a:srgbClr val="FF0000"/>
+                </a:solidFill>
+              </a:rPr>
+              <a:t>Override</a:t>
+            </a:r>
+            <a:r>
+              <a:rPr lang="en-US" altLang="ko-KR" dirty="0"/>
+              <a:t>(</a:t>
+            </a:r>
+            <a:r>
+              <a:rPr lang="ko-KR" altLang="en-US" dirty="0"/>
+              <a:t>재정의</a:t>
+            </a:r>
+            <a:r>
+              <a:rPr lang="en-US" altLang="ko-KR" dirty="0"/>
+              <a:t>)</a:t>
+            </a:r>
+          </a:p>
+          <a:p>
+            <a:r>
+              <a:rPr lang="en-US" altLang="ko-KR" dirty="0" err="1"/>
+              <a:t>ContextLocations</a:t>
+            </a:r>
+            <a:r>
+              <a:rPr lang="ko-KR" altLang="en-US" dirty="0"/>
+              <a:t>의 첫 </a:t>
+            </a:r>
+            <a:r>
+              <a:rPr lang="en-US" altLang="ko-KR" dirty="0">
+                <a:solidFill>
+                  <a:srgbClr val="FF0000"/>
+                </a:solidFill>
+              </a:rPr>
+              <a:t>Vector</a:t>
+            </a:r>
+            <a:r>
+              <a:rPr lang="ko-KR" altLang="en-US" dirty="0">
+                <a:solidFill>
+                  <a:srgbClr val="FF0000"/>
+                </a:solidFill>
+              </a:rPr>
+              <a:t>는 기준위치</a:t>
+            </a:r>
+            <a:endParaRPr lang="en-US" altLang="ko-KR" dirty="0">
+              <a:solidFill>
+                <a:srgbClr val="FF0000"/>
+              </a:solidFill>
+            </a:endParaRPr>
+          </a:p>
+          <a:p>
+            <a:r>
+              <a:rPr lang="en-US" altLang="ko-KR" dirty="0" err="1">
+                <a:solidFill>
+                  <a:srgbClr val="FF0000"/>
+                </a:solidFill>
+              </a:rPr>
+              <a:t>AddGeneratedActor</a:t>
+            </a:r>
+            <a:r>
+              <a:rPr lang="ko-KR" altLang="en-US" dirty="0"/>
+              <a:t> </a:t>
+            </a:r>
+            <a:r>
+              <a:rPr lang="en-US" altLang="ko-KR" dirty="0"/>
+              <a:t>or</a:t>
+            </a:r>
+            <a:r>
+              <a:rPr lang="ko-KR" altLang="en-US" dirty="0"/>
+              <a:t> </a:t>
+            </a:r>
+            <a:r>
+              <a:rPr lang="en-US" altLang="ko-KR" dirty="0" err="1">
+                <a:solidFill>
+                  <a:srgbClr val="FF0000"/>
+                </a:solidFill>
+              </a:rPr>
+              <a:t>AddGeneratedVector</a:t>
+            </a:r>
+            <a:r>
+              <a:rPr lang="ko-KR" altLang="en-US" dirty="0"/>
+              <a:t>를 사용하여 목록을 만든다</a:t>
+            </a:r>
+            <a:r>
+              <a:rPr lang="en-US" altLang="ko-KR" dirty="0"/>
+              <a:t>.</a:t>
+            </a:r>
+          </a:p>
+          <a:p>
+            <a:endParaRPr lang="en-US" altLang="ko-KR" dirty="0"/>
           </a:p>
         </p:txBody>
       </p:sp>
@@ -13736,6 +13975,699 @@
     <p:extLst>
       <p:ext uri="{BB962C8B-B14F-4D97-AF65-F5344CB8AC3E}">
         <p14:creationId xmlns:p14="http://schemas.microsoft.com/office/powerpoint/2010/main" val="2507009016"/>
+      </p:ext>
+    </p:extLst>
+  </p:cSld>
+  <p:clrMapOvr>
+    <a:masterClrMapping/>
+  </p:clrMapOvr>
+</p:sld>
+</file>
+
+<file path=ppt/slides/slide41.xml><?xml version="1.0" encoding="utf-8"?>
+<p:sld xmlns:a="http://schemas.openxmlformats.org/drawingml/2006/main" xmlns:r="http://schemas.openxmlformats.org/officeDocument/2006/relationships" xmlns:p="http://schemas.openxmlformats.org/presentationml/2006/main">
+  <p:cSld>
+    <p:spTree>
+      <p:nvGrpSpPr>
+        <p:cNvPr id="1" name=""/>
+        <p:cNvGrpSpPr/>
+        <p:nvPr/>
+      </p:nvGrpSpPr>
+      <p:grpSpPr>
+        <a:xfrm>
+          <a:off x="0" y="0"/>
+          <a:ext cx="0" cy="0"/>
+          <a:chOff x="0" y="0"/>
+          <a:chExt cx="0" cy="0"/>
+        </a:xfrm>
+      </p:grpSpPr>
+      <p:pic>
+        <p:nvPicPr>
+          <p:cNvPr id="17" name="그림 16">
+            <a:extLst>
+              <a:ext uri="{FF2B5EF4-FFF2-40B4-BE49-F238E27FC236}">
+                <a16:creationId xmlns:a16="http://schemas.microsoft.com/office/drawing/2014/main" id="{ED8024FF-4FE5-4AA5-8D50-97436F696FDD}"/>
+              </a:ext>
+            </a:extLst>
+          </p:cNvPr>
+          <p:cNvPicPr>
+            <a:picLocks noChangeAspect="1"/>
+          </p:cNvPicPr>
+          <p:nvPr/>
+        </p:nvPicPr>
+        <p:blipFill>
+          <a:blip r:embed="rId2"/>
+          <a:stretch>
+            <a:fillRect/>
+          </a:stretch>
+        </p:blipFill>
+        <p:spPr>
+          <a:xfrm>
+            <a:off x="271462" y="1447006"/>
+            <a:ext cx="2809875" cy="3686175"/>
+          </a:xfrm>
+          <a:prstGeom prst="rect">
+            <a:avLst/>
+          </a:prstGeom>
+        </p:spPr>
+      </p:pic>
+      <p:sp>
+        <p:nvSpPr>
+          <p:cNvPr id="2" name="제목 1">
+            <a:extLst>
+              <a:ext uri="{FF2B5EF4-FFF2-40B4-BE49-F238E27FC236}">
+                <a16:creationId xmlns:a16="http://schemas.microsoft.com/office/drawing/2014/main" id="{EA626619-7CDE-43DC-977C-FF4D5937AAD9}"/>
+              </a:ext>
+            </a:extLst>
+          </p:cNvPr>
+          <p:cNvSpPr>
+            <a:spLocks noGrp="1"/>
+          </p:cNvSpPr>
+          <p:nvPr>
+            <p:ph type="title"/>
+          </p:nvPr>
+        </p:nvSpPr>
+        <p:spPr/>
+        <p:txBody>
+          <a:bodyPr/>
+          <a:lstStyle/>
+          <a:p>
+            <a:r>
+              <a:rPr lang="en-US" altLang="ko-KR" sz="4400" dirty="0" err="1">
+                <a:solidFill>
+                  <a:schemeClr val="tx1">
+                    <a:lumMod val="85000"/>
+                    <a:lumOff val="15000"/>
+                  </a:schemeClr>
+                </a:solidFill>
+              </a:rPr>
+              <a:t>CustomGenerator</a:t>
+            </a:r>
+            <a:r>
+              <a:rPr lang="en-US" altLang="ko-KR" sz="4400" dirty="0">
+                <a:solidFill>
+                  <a:schemeClr val="tx1">
+                    <a:lumMod val="85000"/>
+                    <a:lumOff val="15000"/>
+                  </a:schemeClr>
+                </a:solidFill>
+              </a:rPr>
+              <a:t> - </a:t>
+            </a:r>
+            <a:r>
+              <a:rPr lang="en-US" altLang="ko-KR" sz="4400" dirty="0" err="1">
+                <a:solidFill>
+                  <a:schemeClr val="tx1">
+                    <a:lumMod val="85000"/>
+                    <a:lumOff val="15000"/>
+                  </a:schemeClr>
+                </a:solidFill>
+              </a:rPr>
+              <a:t>ActorOfClassHasTag</a:t>
+            </a:r>
+            <a:endParaRPr lang="ko-KR" altLang="en-US" dirty="0"/>
+          </a:p>
+        </p:txBody>
+      </p:sp>
+      <p:pic>
+        <p:nvPicPr>
+          <p:cNvPr id="21" name="내용 개체 틀 20">
+            <a:extLst>
+              <a:ext uri="{FF2B5EF4-FFF2-40B4-BE49-F238E27FC236}">
+                <a16:creationId xmlns:a16="http://schemas.microsoft.com/office/drawing/2014/main" id="{BE9A250B-C438-41FD-ADE5-FCBE55141476}"/>
+              </a:ext>
+            </a:extLst>
+          </p:cNvPr>
+          <p:cNvPicPr>
+            <a:picLocks noGrp="1" noChangeAspect="1"/>
+          </p:cNvPicPr>
+          <p:nvPr>
+            <p:ph idx="1"/>
+          </p:nvPr>
+        </p:nvPicPr>
+        <p:blipFill>
+          <a:blip r:embed="rId3"/>
+          <a:stretch>
+            <a:fillRect/>
+          </a:stretch>
+        </p:blipFill>
+        <p:spPr>
+          <a:xfrm>
+            <a:off x="1676400" y="2925582"/>
+            <a:ext cx="10515600" cy="3567293"/>
+          </a:xfrm>
+        </p:spPr>
+      </p:pic>
+      <p:sp>
+        <p:nvSpPr>
+          <p:cNvPr id="22" name="사각형: 둥근 모서리 21">
+            <a:extLst>
+              <a:ext uri="{FF2B5EF4-FFF2-40B4-BE49-F238E27FC236}">
+                <a16:creationId xmlns:a16="http://schemas.microsoft.com/office/drawing/2014/main" id="{6F2F6E3B-E846-499B-B919-001FE3D92B51}"/>
+              </a:ext>
+            </a:extLst>
+          </p:cNvPr>
+          <p:cNvSpPr/>
+          <p:nvPr/>
+        </p:nvSpPr>
+        <p:spPr>
+          <a:xfrm>
+            <a:off x="271462" y="2925582"/>
+            <a:ext cx="1570590" cy="387461"/>
+          </a:xfrm>
+          <a:prstGeom prst="roundRect">
+            <a:avLst/>
+          </a:prstGeom>
+          <a:noFill/>
+          <a:ln w="57150">
+            <a:solidFill>
+              <a:srgbClr val="FF0000"/>
+            </a:solidFill>
+          </a:ln>
+        </p:spPr>
+        <p:style>
+          <a:lnRef idx="2">
+            <a:schemeClr val="accent6"/>
+          </a:lnRef>
+          <a:fillRef idx="1">
+            <a:schemeClr val="lt1"/>
+          </a:fillRef>
+          <a:effectRef idx="0">
+            <a:schemeClr val="accent6"/>
+          </a:effectRef>
+          <a:fontRef idx="minor">
+            <a:schemeClr val="dk1"/>
+          </a:fontRef>
+        </p:style>
+        <p:txBody>
+          <a:bodyPr rtlCol="0" anchor="ctr"/>
+          <a:lstStyle/>
+          <a:p>
+            <a:pPr algn="ctr"/>
+            <a:endParaRPr lang="ko-KR" altLang="en-US">
+              <a:ln w="0"/>
+              <a:solidFill>
+                <a:schemeClr val="tx1"/>
+              </a:solidFill>
+              <a:effectLst>
+                <a:outerShdw blurRad="38100" dist="19050" dir="2700000" algn="tl" rotWithShape="0">
+                  <a:schemeClr val="dk1">
+                    <a:alpha val="40000"/>
+                  </a:schemeClr>
+                </a:outerShdw>
+              </a:effectLst>
+            </a:endParaRPr>
+          </a:p>
+        </p:txBody>
+      </p:sp>
+      <p:pic>
+        <p:nvPicPr>
+          <p:cNvPr id="24" name="그림 23">
+            <a:extLst>
+              <a:ext uri="{FF2B5EF4-FFF2-40B4-BE49-F238E27FC236}">
+                <a16:creationId xmlns:a16="http://schemas.microsoft.com/office/drawing/2014/main" id="{B609520E-D712-4097-B71C-9C6F397F9115}"/>
+              </a:ext>
+            </a:extLst>
+          </p:cNvPr>
+          <p:cNvPicPr>
+            <a:picLocks noChangeAspect="1"/>
+          </p:cNvPicPr>
+          <p:nvPr/>
+        </p:nvPicPr>
+        <p:blipFill>
+          <a:blip r:embed="rId4"/>
+          <a:stretch>
+            <a:fillRect/>
+          </a:stretch>
+        </p:blipFill>
+        <p:spPr>
+          <a:xfrm>
+            <a:off x="3664743" y="1579494"/>
+            <a:ext cx="7943850" cy="1181100"/>
+          </a:xfrm>
+          <a:prstGeom prst="rect">
+            <a:avLst/>
+          </a:prstGeom>
+        </p:spPr>
+      </p:pic>
+      <p:sp>
+        <p:nvSpPr>
+          <p:cNvPr id="26" name="사각형: 둥근 모서리 25">
+            <a:extLst>
+              <a:ext uri="{FF2B5EF4-FFF2-40B4-BE49-F238E27FC236}">
+                <a16:creationId xmlns:a16="http://schemas.microsoft.com/office/drawing/2014/main" id="{5A81D86C-A239-41B5-8C6D-03D4657F83DE}"/>
+              </a:ext>
+            </a:extLst>
+          </p:cNvPr>
+          <p:cNvSpPr/>
+          <p:nvPr/>
+        </p:nvSpPr>
+        <p:spPr>
+          <a:xfrm>
+            <a:off x="3664742" y="2031910"/>
+            <a:ext cx="4710631" cy="618525"/>
+          </a:xfrm>
+          <a:prstGeom prst="roundRect">
+            <a:avLst/>
+          </a:prstGeom>
+          <a:noFill/>
+          <a:ln w="57150">
+            <a:solidFill>
+              <a:srgbClr val="FF0000"/>
+            </a:solidFill>
+          </a:ln>
+        </p:spPr>
+        <p:style>
+          <a:lnRef idx="2">
+            <a:schemeClr val="accent6"/>
+          </a:lnRef>
+          <a:fillRef idx="1">
+            <a:schemeClr val="lt1"/>
+          </a:fillRef>
+          <a:effectRef idx="0">
+            <a:schemeClr val="accent6"/>
+          </a:effectRef>
+          <a:fontRef idx="minor">
+            <a:schemeClr val="dk1"/>
+          </a:fontRef>
+        </p:style>
+        <p:txBody>
+          <a:bodyPr rtlCol="0" anchor="ctr"/>
+          <a:lstStyle/>
+          <a:p>
+            <a:pPr algn="ctr"/>
+            <a:endParaRPr lang="ko-KR" altLang="en-US">
+              <a:ln w="0"/>
+              <a:solidFill>
+                <a:schemeClr val="tx1"/>
+              </a:solidFill>
+              <a:effectLst>
+                <a:outerShdw blurRad="38100" dist="19050" dir="2700000" algn="tl" rotWithShape="0">
+                  <a:schemeClr val="dk1">
+                    <a:alpha val="40000"/>
+                  </a:schemeClr>
+                </a:outerShdw>
+              </a:effectLst>
+            </a:endParaRPr>
+          </a:p>
+        </p:txBody>
+      </p:sp>
+      <p:cxnSp>
+        <p:nvCxnSpPr>
+          <p:cNvPr id="28" name="직선 화살표 연결선 27">
+            <a:extLst>
+              <a:ext uri="{FF2B5EF4-FFF2-40B4-BE49-F238E27FC236}">
+                <a16:creationId xmlns:a16="http://schemas.microsoft.com/office/drawing/2014/main" id="{9C5DE52B-60AC-4E2F-B662-3A5169A5CA8F}"/>
+              </a:ext>
+            </a:extLst>
+          </p:cNvPr>
+          <p:cNvCxnSpPr>
+            <a:cxnSpLocks/>
+          </p:cNvCxnSpPr>
+          <p:nvPr/>
+        </p:nvCxnSpPr>
+        <p:spPr>
+          <a:xfrm flipH="1">
+            <a:off x="1444487" y="2402971"/>
+            <a:ext cx="3869635" cy="618525"/>
+          </a:xfrm>
+          <a:prstGeom prst="straightConnector1">
+            <a:avLst/>
+          </a:prstGeom>
+          <a:ln w="38100">
+            <a:solidFill>
+              <a:srgbClr val="FF0000"/>
+            </a:solidFill>
+            <a:tailEnd type="triangle"/>
+          </a:ln>
+        </p:spPr>
+        <p:style>
+          <a:lnRef idx="1">
+            <a:schemeClr val="accent1"/>
+          </a:lnRef>
+          <a:fillRef idx="0">
+            <a:schemeClr val="accent1"/>
+          </a:fillRef>
+          <a:effectRef idx="0">
+            <a:schemeClr val="accent1"/>
+          </a:effectRef>
+          <a:fontRef idx="minor">
+            <a:schemeClr val="tx1"/>
+          </a:fontRef>
+        </p:style>
+      </p:cxnSp>
+      <p:cxnSp>
+        <p:nvCxnSpPr>
+          <p:cNvPr id="31" name="직선 화살표 연결선 30">
+            <a:extLst>
+              <a:ext uri="{FF2B5EF4-FFF2-40B4-BE49-F238E27FC236}">
+                <a16:creationId xmlns:a16="http://schemas.microsoft.com/office/drawing/2014/main" id="{606E2766-6165-4E9A-9820-7FF4B5F59CD2}"/>
+              </a:ext>
+            </a:extLst>
+          </p:cNvPr>
+          <p:cNvCxnSpPr>
+            <a:cxnSpLocks/>
+          </p:cNvCxnSpPr>
+          <p:nvPr/>
+        </p:nvCxnSpPr>
+        <p:spPr>
+          <a:xfrm>
+            <a:off x="463826" y="3186484"/>
+            <a:ext cx="1961633" cy="1796333"/>
+          </a:xfrm>
+          <a:prstGeom prst="straightConnector1">
+            <a:avLst/>
+          </a:prstGeom>
+          <a:ln w="38100">
+            <a:solidFill>
+              <a:srgbClr val="FF0000"/>
+            </a:solidFill>
+            <a:tailEnd type="triangle"/>
+          </a:ln>
+        </p:spPr>
+        <p:style>
+          <a:lnRef idx="1">
+            <a:schemeClr val="accent1"/>
+          </a:lnRef>
+          <a:fillRef idx="0">
+            <a:schemeClr val="accent1"/>
+          </a:fillRef>
+          <a:effectRef idx="0">
+            <a:schemeClr val="accent1"/>
+          </a:effectRef>
+          <a:fontRef idx="minor">
+            <a:schemeClr val="tx1"/>
+          </a:fontRef>
+        </p:style>
+      </p:cxnSp>
+    </p:spTree>
+    <p:extLst>
+      <p:ext uri="{BB962C8B-B14F-4D97-AF65-F5344CB8AC3E}">
+        <p14:creationId xmlns:p14="http://schemas.microsoft.com/office/powerpoint/2010/main" val="2719350957"/>
+      </p:ext>
+    </p:extLst>
+  </p:cSld>
+  <p:clrMapOvr>
+    <a:masterClrMapping/>
+  </p:clrMapOvr>
+</p:sld>
+</file>
+
+<file path=ppt/slides/slide42.xml><?xml version="1.0" encoding="utf-8"?>
+<p:sld xmlns:a="http://schemas.openxmlformats.org/drawingml/2006/main" xmlns:r="http://schemas.openxmlformats.org/officeDocument/2006/relationships" xmlns:p="http://schemas.openxmlformats.org/presentationml/2006/main">
+  <p:cSld>
+    <p:bg>
+      <p:bgPr>
+        <a:solidFill>
+          <a:schemeClr val="bg1"/>
+        </a:solidFill>
+        <a:effectLst/>
+      </p:bgPr>
+    </p:bg>
+    <p:spTree>
+      <p:nvGrpSpPr>
+        <p:cNvPr id="1" name=""/>
+        <p:cNvGrpSpPr/>
+        <p:nvPr/>
+      </p:nvGrpSpPr>
+      <p:grpSpPr>
+        <a:xfrm>
+          <a:off x="0" y="0"/>
+          <a:ext cx="0" cy="0"/>
+          <a:chOff x="0" y="0"/>
+          <a:chExt cx="0" cy="0"/>
+        </a:xfrm>
+      </p:grpSpPr>
+      <p:pic>
+        <p:nvPicPr>
+          <p:cNvPr id="11" name="내용 개체 틀 10" descr="모니터, 스크린샷, 화면, 앉아있는이(가) 표시된 사진&#10;&#10;자동 생성된 설명">
+            <a:extLst>
+              <a:ext uri="{FF2B5EF4-FFF2-40B4-BE49-F238E27FC236}">
+                <a16:creationId xmlns:a16="http://schemas.microsoft.com/office/drawing/2014/main" id="{A7615F43-4D99-498A-A7F1-8851BB6D9D8C}"/>
+              </a:ext>
+            </a:extLst>
+          </p:cNvPr>
+          <p:cNvPicPr>
+            <a:picLocks noGrp="1" noChangeAspect="1"/>
+          </p:cNvPicPr>
+          <p:nvPr>
+            <p:ph idx="1"/>
+          </p:nvPr>
+        </p:nvPicPr>
+        <p:blipFill rotWithShape="1">
+          <a:blip r:embed="rId2"/>
+          <a:srcRect t="18773"/>
+          <a:stretch/>
+        </p:blipFill>
+        <p:spPr>
+          <a:xfrm>
+            <a:off x="20" y="10"/>
+            <a:ext cx="12191980" cy="6857990"/>
+          </a:xfrm>
+          <a:prstGeom prst="rect">
+            <a:avLst/>
+          </a:prstGeom>
+        </p:spPr>
+      </p:pic>
+      <p:sp>
+        <p:nvSpPr>
+          <p:cNvPr id="16" name="Rectangle 15">
+            <a:extLst>
+              <a:ext uri="{FF2B5EF4-FFF2-40B4-BE49-F238E27FC236}">
+                <a16:creationId xmlns:a16="http://schemas.microsoft.com/office/drawing/2014/main" id="{37C89E4B-3C9F-44B9-8B86-D9E3D112D8EC}"/>
+              </a:ext>
+              <a:ext uri="{C183D7F6-B498-43B3-948B-1728B52AA6E4}">
+                <adec:decorative xmlns:adec="http://schemas.microsoft.com/office/drawing/2017/decorative" val="1"/>
+              </a:ext>
+            </a:extLst>
+          </p:cNvPr>
+          <p:cNvSpPr>
+            <a:spLocks noGrp="1" noRot="1" noChangeAspect="1" noMove="1" noResize="1" noEditPoints="1" noAdjustHandles="1" noChangeArrowheads="1" noChangeShapeType="1" noTextEdit="1"/>
+          </p:cNvSpPr>
+          <p:nvPr>
+            <p:extLst>
+              <p:ext uri="{386F3935-93C4-4BCD-93E2-E3B085C9AB24}">
+                <p16:designElem xmlns:p16="http://schemas.microsoft.com/office/powerpoint/2015/main" val="1"/>
+              </p:ext>
+            </p:extLst>
+          </p:nvPr>
+        </p:nvSpPr>
+        <p:spPr>
+          <a:xfrm>
+            <a:off x="0" y="5320142"/>
+            <a:ext cx="12192000" cy="736551"/>
+          </a:xfrm>
+          <a:prstGeom prst="rect">
+            <a:avLst/>
+          </a:prstGeom>
+          <a:solidFill>
+            <a:schemeClr val="bg1">
+              <a:alpha val="93000"/>
+            </a:schemeClr>
+          </a:solidFill>
+          <a:ln>
+            <a:noFill/>
+          </a:ln>
+        </p:spPr>
+        <p:style>
+          <a:lnRef idx="2">
+            <a:schemeClr val="accent1">
+              <a:shade val="50000"/>
+            </a:schemeClr>
+          </a:lnRef>
+          <a:fillRef idx="1">
+            <a:schemeClr val="accent1"/>
+          </a:fillRef>
+          <a:effectRef idx="0">
+            <a:schemeClr val="accent1"/>
+          </a:effectRef>
+          <a:fontRef idx="minor">
+            <a:schemeClr val="lt1"/>
+          </a:fontRef>
+        </p:style>
+        <p:txBody>
+          <a:bodyPr rtlCol="0" anchor="ctr"/>
+          <a:lstStyle/>
+          <a:p>
+            <a:pPr algn="ctr"/>
+            <a:endParaRPr lang="en-US"/>
+          </a:p>
+        </p:txBody>
+      </p:sp>
+      <p:sp>
+        <p:nvSpPr>
+          <p:cNvPr id="2" name="제목 1">
+            <a:extLst>
+              <a:ext uri="{FF2B5EF4-FFF2-40B4-BE49-F238E27FC236}">
+                <a16:creationId xmlns:a16="http://schemas.microsoft.com/office/drawing/2014/main" id="{5B83CD41-DFF3-452A-8A9A-E3C5CB5C455C}"/>
+              </a:ext>
+            </a:extLst>
+          </p:cNvPr>
+          <p:cNvSpPr>
+            <a:spLocks noGrp="1"/>
+          </p:cNvSpPr>
+          <p:nvPr>
+            <p:ph type="title"/>
+          </p:nvPr>
+        </p:nvSpPr>
+        <p:spPr>
+          <a:xfrm>
+            <a:off x="523875" y="5317240"/>
+            <a:ext cx="11210925" cy="744836"/>
+          </a:xfrm>
+        </p:spPr>
+        <p:txBody>
+          <a:bodyPr vert="horz" lIns="91440" tIns="45720" rIns="91440" bIns="45720" rtlCol="0" anchor="ctr">
+            <a:normAutofit/>
+          </a:bodyPr>
+          <a:lstStyle/>
+          <a:p>
+            <a:pPr algn="ctr" latinLnBrk="0"/>
+            <a:r>
+              <a:rPr lang="en-US" altLang="ko-KR" sz="3600" dirty="0" err="1">
+                <a:solidFill>
+                  <a:schemeClr val="tx1">
+                    <a:lumMod val="85000"/>
+                    <a:lumOff val="15000"/>
+                  </a:schemeClr>
+                </a:solidFill>
+              </a:rPr>
+              <a:t>EnvironmentQuery</a:t>
+            </a:r>
+            <a:r>
+              <a:rPr lang="ko-KR" altLang="en-US" sz="3600" dirty="0">
+                <a:solidFill>
+                  <a:schemeClr val="tx1">
+                    <a:lumMod val="85000"/>
+                    <a:lumOff val="15000"/>
+                  </a:schemeClr>
+                </a:solidFill>
+              </a:rPr>
+              <a:t>에서 사용하기</a:t>
+            </a:r>
+            <a:endParaRPr lang="en-US" altLang="ko-KR" sz="3600" dirty="0">
+              <a:solidFill>
+                <a:schemeClr val="tx1">
+                  <a:lumMod val="85000"/>
+                  <a:lumOff val="15000"/>
+                </a:schemeClr>
+              </a:solidFill>
+            </a:endParaRPr>
+          </a:p>
+        </p:txBody>
+      </p:sp>
+      <p:cxnSp>
+        <p:nvCxnSpPr>
+          <p:cNvPr id="18" name="Straight Connector 17">
+            <a:extLst>
+              <a:ext uri="{FF2B5EF4-FFF2-40B4-BE49-F238E27FC236}">
+                <a16:creationId xmlns:a16="http://schemas.microsoft.com/office/drawing/2014/main" id="{AA2EAA10-076F-46BD-8F0F-B9A2FB77A85C}"/>
+              </a:ext>
+              <a:ext uri="{C183D7F6-B498-43B3-948B-1728B52AA6E4}">
+                <adec:decorative xmlns:adec="http://schemas.microsoft.com/office/drawing/2017/decorative" val="1"/>
+              </a:ext>
+            </a:extLst>
+          </p:cNvPr>
+          <p:cNvCxnSpPr>
+            <a:cxnSpLocks noGrp="1" noRot="1" noChangeAspect="1" noMove="1" noResize="1" noEditPoints="1" noAdjustHandles="1" noChangeArrowheads="1" noChangeShapeType="1"/>
+          </p:cNvCxnSpPr>
+          <p:nvPr>
+            <p:extLst>
+              <p:ext uri="{386F3935-93C4-4BCD-93E2-E3B085C9AB24}">
+                <p16:designElem xmlns:p16="http://schemas.microsoft.com/office/powerpoint/2015/main" val="1"/>
+              </p:ext>
+            </p:extLst>
+          </p:nvPr>
+        </p:nvCxnSpPr>
+        <p:spPr>
+          <a:xfrm>
+            <a:off x="0" y="5241983"/>
+            <a:ext cx="12192000" cy="0"/>
+          </a:xfrm>
+          <a:prstGeom prst="line">
+            <a:avLst/>
+          </a:prstGeom>
+          <a:ln w="41275">
+            <a:solidFill>
+              <a:schemeClr val="bg1">
+                <a:alpha val="90000"/>
+              </a:schemeClr>
+            </a:solidFill>
+          </a:ln>
+        </p:spPr>
+        <p:style>
+          <a:lnRef idx="1">
+            <a:schemeClr val="accent1"/>
+          </a:lnRef>
+          <a:fillRef idx="0">
+            <a:schemeClr val="accent1"/>
+          </a:fillRef>
+          <a:effectRef idx="0">
+            <a:schemeClr val="accent1"/>
+          </a:effectRef>
+          <a:fontRef idx="minor">
+            <a:schemeClr val="tx1"/>
+          </a:fontRef>
+        </p:style>
+      </p:cxnSp>
+      <p:cxnSp>
+        <p:nvCxnSpPr>
+          <p:cNvPr id="20" name="Straight Connector 19">
+            <a:extLst>
+              <a:ext uri="{FF2B5EF4-FFF2-40B4-BE49-F238E27FC236}">
+                <a16:creationId xmlns:a16="http://schemas.microsoft.com/office/drawing/2014/main" id="{D891E407-403B-4764-86C9-33A56D3BCAA3}"/>
+              </a:ext>
+              <a:ext uri="{C183D7F6-B498-43B3-948B-1728B52AA6E4}">
+                <adec:decorative xmlns:adec="http://schemas.microsoft.com/office/drawing/2017/decorative" val="1"/>
+              </a:ext>
+            </a:extLst>
+          </p:cNvPr>
+          <p:cNvCxnSpPr>
+            <a:cxnSpLocks noGrp="1" noRot="1" noChangeAspect="1" noMove="1" noResize="1" noEditPoints="1" noAdjustHandles="1" noChangeArrowheads="1" noChangeShapeType="1"/>
+          </p:cNvCxnSpPr>
+          <p:nvPr>
+            <p:extLst>
+              <p:ext uri="{386F3935-93C4-4BCD-93E2-E3B085C9AB24}">
+                <p16:designElem xmlns:p16="http://schemas.microsoft.com/office/powerpoint/2015/main" val="1"/>
+              </p:ext>
+            </p:extLst>
+          </p:nvPr>
+        </p:nvCxnSpPr>
+        <p:spPr>
+          <a:xfrm>
+            <a:off x="0" y="6134852"/>
+            <a:ext cx="12192000" cy="0"/>
+          </a:xfrm>
+          <a:prstGeom prst="line">
+            <a:avLst/>
+          </a:prstGeom>
+          <a:ln w="41275">
+            <a:solidFill>
+              <a:schemeClr val="bg1">
+                <a:alpha val="90000"/>
+              </a:schemeClr>
+            </a:solidFill>
+          </a:ln>
+        </p:spPr>
+        <p:style>
+          <a:lnRef idx="1">
+            <a:schemeClr val="accent1"/>
+          </a:lnRef>
+          <a:fillRef idx="0">
+            <a:schemeClr val="accent1"/>
+          </a:fillRef>
+          <a:effectRef idx="0">
+            <a:schemeClr val="accent1"/>
+          </a:effectRef>
+          <a:fontRef idx="minor">
+            <a:schemeClr val="tx1"/>
+          </a:fontRef>
+        </p:style>
+      </p:cxnSp>
+    </p:spTree>
+    <p:extLst>
+      <p:ext uri="{BB962C8B-B14F-4D97-AF65-F5344CB8AC3E}">
+        <p14:creationId xmlns:p14="http://schemas.microsoft.com/office/powerpoint/2010/main" val="1876920366"/>
       </p:ext>
     </p:extLst>
   </p:cSld>

--- a/Day04/AI.pptx
+++ b/Day04/AI.pptx
@@ -33,20 +33,21 @@
     <p:sldId id="285" r:id="rId27"/>
     <p:sldId id="286" r:id="rId28"/>
     <p:sldId id="287" r:id="rId29"/>
-    <p:sldId id="284" r:id="rId30"/>
-    <p:sldId id="273" r:id="rId31"/>
-    <p:sldId id="283" r:id="rId32"/>
-    <p:sldId id="288" r:id="rId33"/>
-    <p:sldId id="289" r:id="rId34"/>
-    <p:sldId id="292" r:id="rId35"/>
-    <p:sldId id="293" r:id="rId36"/>
-    <p:sldId id="296" r:id="rId37"/>
-    <p:sldId id="294" r:id="rId38"/>
-    <p:sldId id="295" r:id="rId39"/>
-    <p:sldId id="290" r:id="rId40"/>
-    <p:sldId id="291" r:id="rId41"/>
-    <p:sldId id="298" r:id="rId42"/>
-    <p:sldId id="297" r:id="rId43"/>
+    <p:sldId id="299" r:id="rId30"/>
+    <p:sldId id="284" r:id="rId31"/>
+    <p:sldId id="273" r:id="rId32"/>
+    <p:sldId id="283" r:id="rId33"/>
+    <p:sldId id="288" r:id="rId34"/>
+    <p:sldId id="289" r:id="rId35"/>
+    <p:sldId id="292" r:id="rId36"/>
+    <p:sldId id="293" r:id="rId37"/>
+    <p:sldId id="296" r:id="rId38"/>
+    <p:sldId id="294" r:id="rId39"/>
+    <p:sldId id="295" r:id="rId40"/>
+    <p:sldId id="290" r:id="rId41"/>
+    <p:sldId id="291" r:id="rId42"/>
+    <p:sldId id="298" r:id="rId43"/>
+    <p:sldId id="297" r:id="rId44"/>
   </p:sldIdLst>
   <p:sldSz cx="12192000" cy="6858000"/>
   <p:notesSz cx="6858000" cy="9144000"/>
@@ -300,7 +301,7 @@
           <a:p>
             <a:fld id="{115769BE-BF1F-4F69-A431-EEF710AC7B3A}" type="datetimeFigureOut">
               <a:rPr lang="ko-KR" altLang="en-US" smtClean="0"/>
-              <a:t>2020-07-20</a:t>
+              <a:t>2020-07-21</a:t>
             </a:fld>
             <a:endParaRPr lang="ko-KR" altLang="en-US"/>
           </a:p>
@@ -498,7 +499,7 @@
           <a:p>
             <a:fld id="{115769BE-BF1F-4F69-A431-EEF710AC7B3A}" type="datetimeFigureOut">
               <a:rPr lang="ko-KR" altLang="en-US" smtClean="0"/>
-              <a:t>2020-07-20</a:t>
+              <a:t>2020-07-21</a:t>
             </a:fld>
             <a:endParaRPr lang="ko-KR" altLang="en-US"/>
           </a:p>
@@ -706,7 +707,7 @@
           <a:p>
             <a:fld id="{115769BE-BF1F-4F69-A431-EEF710AC7B3A}" type="datetimeFigureOut">
               <a:rPr lang="ko-KR" altLang="en-US" smtClean="0"/>
-              <a:t>2020-07-20</a:t>
+              <a:t>2020-07-21</a:t>
             </a:fld>
             <a:endParaRPr lang="ko-KR" altLang="en-US"/>
           </a:p>
@@ -904,7 +905,7 @@
           <a:p>
             <a:fld id="{115769BE-BF1F-4F69-A431-EEF710AC7B3A}" type="datetimeFigureOut">
               <a:rPr lang="ko-KR" altLang="en-US" smtClean="0"/>
-              <a:t>2020-07-20</a:t>
+              <a:t>2020-07-21</a:t>
             </a:fld>
             <a:endParaRPr lang="ko-KR" altLang="en-US"/>
           </a:p>
@@ -1179,7 +1180,7 @@
           <a:p>
             <a:fld id="{115769BE-BF1F-4F69-A431-EEF710AC7B3A}" type="datetimeFigureOut">
               <a:rPr lang="ko-KR" altLang="en-US" smtClean="0"/>
-              <a:t>2020-07-20</a:t>
+              <a:t>2020-07-21</a:t>
             </a:fld>
             <a:endParaRPr lang="ko-KR" altLang="en-US"/>
           </a:p>
@@ -1444,7 +1445,7 @@
           <a:p>
             <a:fld id="{115769BE-BF1F-4F69-A431-EEF710AC7B3A}" type="datetimeFigureOut">
               <a:rPr lang="ko-KR" altLang="en-US" smtClean="0"/>
-              <a:t>2020-07-20</a:t>
+              <a:t>2020-07-21</a:t>
             </a:fld>
             <a:endParaRPr lang="ko-KR" altLang="en-US"/>
           </a:p>
@@ -1856,7 +1857,7 @@
           <a:p>
             <a:fld id="{115769BE-BF1F-4F69-A431-EEF710AC7B3A}" type="datetimeFigureOut">
               <a:rPr lang="ko-KR" altLang="en-US" smtClean="0"/>
-              <a:t>2020-07-20</a:t>
+              <a:t>2020-07-21</a:t>
             </a:fld>
             <a:endParaRPr lang="ko-KR" altLang="en-US"/>
           </a:p>
@@ -1997,7 +1998,7 @@
           <a:p>
             <a:fld id="{115769BE-BF1F-4F69-A431-EEF710AC7B3A}" type="datetimeFigureOut">
               <a:rPr lang="ko-KR" altLang="en-US" smtClean="0"/>
-              <a:t>2020-07-20</a:t>
+              <a:t>2020-07-21</a:t>
             </a:fld>
             <a:endParaRPr lang="ko-KR" altLang="en-US"/>
           </a:p>
@@ -2110,7 +2111,7 @@
           <a:p>
             <a:fld id="{115769BE-BF1F-4F69-A431-EEF710AC7B3A}" type="datetimeFigureOut">
               <a:rPr lang="ko-KR" altLang="en-US" smtClean="0"/>
-              <a:t>2020-07-20</a:t>
+              <a:t>2020-07-21</a:t>
             </a:fld>
             <a:endParaRPr lang="ko-KR" altLang="en-US"/>
           </a:p>
@@ -2421,7 +2422,7 @@
           <a:p>
             <a:fld id="{115769BE-BF1F-4F69-A431-EEF710AC7B3A}" type="datetimeFigureOut">
               <a:rPr lang="ko-KR" altLang="en-US" smtClean="0"/>
-              <a:t>2020-07-20</a:t>
+              <a:t>2020-07-21</a:t>
             </a:fld>
             <a:endParaRPr lang="ko-KR" altLang="en-US"/>
           </a:p>
@@ -2709,7 +2710,7 @@
           <a:p>
             <a:fld id="{115769BE-BF1F-4F69-A431-EEF710AC7B3A}" type="datetimeFigureOut">
               <a:rPr lang="ko-KR" altLang="en-US" smtClean="0"/>
-              <a:t>2020-07-20</a:t>
+              <a:t>2020-07-21</a:t>
             </a:fld>
             <a:endParaRPr lang="ko-KR" altLang="en-US"/>
           </a:p>
@@ -2950,7 +2951,7 @@
           <a:p>
             <a:fld id="{115769BE-BF1F-4F69-A431-EEF710AC7B3A}" type="datetimeFigureOut">
               <a:rPr lang="ko-KR" altLang="en-US" smtClean="0"/>
-              <a:t>2020-07-20</a:t>
+              <a:t>2020-07-21</a:t>
             </a:fld>
             <a:endParaRPr lang="ko-KR" altLang="en-US"/>
           </a:p>
@@ -6346,12 +6347,17 @@
             </a:r>
             <a:r>
               <a:rPr lang="ko-KR" altLang="en-US" dirty="0"/>
-              <a:t>월드의 환경 정보를 질의 한다</a:t>
-            </a:r>
-            <a:r>
-              <a:rPr lang="en-US" altLang="ko-KR" dirty="0"/>
-              <a:t>.</a:t>
-            </a:r>
+              <a:t>월드의 환경 정보 기반으로 최적의 </a:t>
+            </a:r>
+            <a:r>
+              <a:rPr lang="en-US" altLang="ko-KR" dirty="0"/>
+              <a:t>Actor , Location </a:t>
+            </a:r>
+            <a:r>
+              <a:rPr lang="ko-KR" altLang="en-US" dirty="0"/>
+              <a:t>검색</a:t>
+            </a:r>
+            <a:endParaRPr lang="en-US" altLang="ko-KR" dirty="0"/>
           </a:p>
           <a:p>
             <a:endParaRPr lang="ko-KR" altLang="en-US" dirty="0"/>
@@ -7791,8 +7797,12 @@
               <a:t>AIController</a:t>
             </a:r>
             <a:r>
-              <a:rPr lang="ko-KR" altLang="en-US" dirty="0"/>
-              <a:t>에서만 사용가능</a:t>
+              <a:rPr lang="en-US" altLang="ko-KR" dirty="0"/>
+              <a:t> </a:t>
+            </a:r>
+            <a:r>
+              <a:rPr lang="ko-KR" altLang="en-US" dirty="0"/>
+              <a:t>기반 클래스 에서만 사용가능</a:t>
             </a:r>
             <a:r>
               <a:rPr lang="en-US" altLang="ko-KR" dirty="0"/>
@@ -8274,10 +8284,10 @@
       </p:grpSpPr>
       <p:pic>
         <p:nvPicPr>
-          <p:cNvPr id="6" name="그림 5">
-            <a:extLst>
-              <a:ext uri="{FF2B5EF4-FFF2-40B4-BE49-F238E27FC236}">
-                <a16:creationId xmlns:a16="http://schemas.microsoft.com/office/drawing/2014/main" id="{2C244943-FAD6-430D-9C5B-078D1D2DED7C}"/>
+          <p:cNvPr id="5" name="그림 4">
+            <a:extLst>
+              <a:ext uri="{FF2B5EF4-FFF2-40B4-BE49-F238E27FC236}">
+                <a16:creationId xmlns:a16="http://schemas.microsoft.com/office/drawing/2014/main" id="{95D26FC5-28B7-49C9-A3F3-1D5C71E6F86B}"/>
               </a:ext>
             </a:extLst>
           </p:cNvPr>
@@ -8294,14 +8304,47 @@
         </p:blipFill>
         <p:spPr>
           <a:xfrm>
-            <a:off x="838199" y="1371985"/>
-            <a:ext cx="10383402" cy="5486015"/>
+            <a:off x="236465" y="1478559"/>
+            <a:ext cx="4991100" cy="4572000"/>
           </a:xfrm>
           <a:prstGeom prst="rect">
             <a:avLst/>
           </a:prstGeom>
         </p:spPr>
       </p:pic>
+      <p:pic>
+        <p:nvPicPr>
+          <p:cNvPr id="6" name="그림 5">
+            <a:extLst>
+              <a:ext uri="{FF2B5EF4-FFF2-40B4-BE49-F238E27FC236}">
+                <a16:creationId xmlns:a16="http://schemas.microsoft.com/office/drawing/2014/main" id="{2C244943-FAD6-430D-9C5B-078D1D2DED7C}"/>
+              </a:ext>
+            </a:extLst>
+          </p:cNvPr>
+          <p:cNvPicPr>
+            <a:picLocks noChangeAspect="1"/>
+          </p:cNvPicPr>
+          <p:nvPr/>
+        </p:nvPicPr>
+        <p:blipFill>
+          <a:blip r:embed="rId3"/>
+          <a:stretch>
+            <a:fillRect/>
+          </a:stretch>
+        </p:blipFill>
+        <p:spPr>
+          <a:xfrm>
+            <a:off x="4528554" y="2970321"/>
+            <a:ext cx="7041837" cy="3720517"/>
+          </a:xfrm>
+          <a:prstGeom prst="rect">
+            <a:avLst/>
+          </a:prstGeom>
+          <a:effectLst>
+            <a:softEdge rad="0"/>
+          </a:effectLst>
+        </p:spPr>
+      </p:pic>
       <p:sp>
         <p:nvSpPr>
           <p:cNvPr id="2" name="제목 1">
@@ -8324,18 +8367,21 @@
           <a:lstStyle/>
           <a:p>
             <a:r>
+              <a:rPr lang="en-US" altLang="ko-KR" dirty="0" err="1"/>
+              <a:t>AIController</a:t>
+            </a:r>
+            <a:r>
+              <a:rPr lang="ko-KR" altLang="en-US" dirty="0"/>
+              <a:t>에서 </a:t>
+            </a:r>
+            <a:r>
               <a:rPr lang="en-US" altLang="ko-KR" dirty="0"/>
               <a:t>Blackboard </a:t>
             </a:r>
             <a:r>
               <a:rPr lang="ko-KR" altLang="en-US" dirty="0"/>
-              <a:t>데이터 읽고 쓰기 </a:t>
-            </a:r>
-            <a:r>
-              <a:rPr lang="en-US" altLang="ko-KR" dirty="0"/>
-              <a:t>(1)</a:t>
-            </a:r>
-            <a:endParaRPr lang="ko-KR" altLang="en-US" dirty="0"/>
+              <a:t>사용</a:t>
+            </a:r>
           </a:p>
         </p:txBody>
       </p:sp>
@@ -8357,21 +8403,35 @@
         </p:nvSpPr>
         <p:spPr>
           <a:xfrm>
-            <a:off x="838199" y="1825625"/>
+            <a:off x="5838038" y="1697846"/>
             <a:ext cx="4623033" cy="716239"/>
           </a:xfrm>
         </p:spPr>
         <p:txBody>
-          <a:bodyPr/>
-          <a:lstStyle/>
-          <a:p>
-            <a:r>
-              <a:rPr lang="en-US" altLang="ko-KR" dirty="0" err="1">
-                <a:solidFill>
-                  <a:schemeClr val="bg1"/>
-                </a:solidFill>
-              </a:rPr>
+          <a:bodyPr>
+            <a:normAutofit fontScale="85000" lnSpcReduction="10000"/>
+          </a:bodyPr>
+          <a:lstStyle/>
+          <a:p>
+            <a:r>
+              <a:rPr lang="en-US" altLang="ko-KR" dirty="0" err="1"/>
               <a:t>AIContoller</a:t>
+            </a:r>
+            <a:r>
+              <a:rPr lang="ko-KR" altLang="en-US" dirty="0"/>
+              <a:t>의 변수 로서 </a:t>
+            </a:r>
+            <a:r>
+              <a:rPr lang="en-US" altLang="ko-KR" dirty="0"/>
+              <a:t>Blackboard </a:t>
+            </a:r>
+            <a:r>
+              <a:rPr lang="ko-KR" altLang="en-US" dirty="0"/>
+              <a:t>존재함</a:t>
+            </a:r>
+            <a:r>
+              <a:rPr lang="en-US" altLang="ko-KR" dirty="0"/>
+              <a:t>.</a:t>
             </a:r>
             <a:r>
               <a:rPr lang="ko-KR" altLang="en-US" dirty="0">
@@ -8379,8 +8439,112 @@
                   <a:schemeClr val="bg1"/>
                 </a:solidFill>
               </a:rPr>
-              <a:t>에서 접근방법</a:t>
-            </a:r>
+              <a:t> 접근방법</a:t>
+            </a:r>
+          </a:p>
+        </p:txBody>
+      </p:sp>
+      <p:sp>
+        <p:nvSpPr>
+          <p:cNvPr id="7" name="직사각형 6">
+            <a:extLst>
+              <a:ext uri="{FF2B5EF4-FFF2-40B4-BE49-F238E27FC236}">
+                <a16:creationId xmlns:a16="http://schemas.microsoft.com/office/drawing/2014/main" id="{9863EC49-386F-412B-8B13-510FF74DAF8B}"/>
+              </a:ext>
+            </a:extLst>
+          </p:cNvPr>
+          <p:cNvSpPr/>
+          <p:nvPr/>
+        </p:nvSpPr>
+        <p:spPr>
+          <a:xfrm>
+            <a:off x="2541863" y="1770077"/>
+            <a:ext cx="1241571" cy="520117"/>
+          </a:xfrm>
+          <a:prstGeom prst="rect">
+            <a:avLst/>
+          </a:prstGeom>
+          <a:noFill/>
+          <a:ln w="38100">
+            <a:solidFill>
+              <a:srgbClr val="FF0000"/>
+            </a:solidFill>
+          </a:ln>
+        </p:spPr>
+        <p:style>
+          <a:lnRef idx="2">
+            <a:schemeClr val="accent1">
+              <a:shade val="50000"/>
+            </a:schemeClr>
+          </a:lnRef>
+          <a:fillRef idx="1">
+            <a:schemeClr val="accent1"/>
+          </a:fillRef>
+          <a:effectRef idx="0">
+            <a:schemeClr val="accent1"/>
+          </a:effectRef>
+          <a:fontRef idx="minor">
+            <a:schemeClr val="lt1"/>
+          </a:fontRef>
+        </p:style>
+        <p:txBody>
+          <a:bodyPr rtlCol="0" anchor="ctr"/>
+          <a:lstStyle/>
+          <a:p>
+            <a:pPr algn="ctr"/>
+            <a:endParaRPr lang="ko-KR" altLang="en-US"/>
+          </a:p>
+        </p:txBody>
+      </p:sp>
+      <p:sp>
+        <p:nvSpPr>
+          <p:cNvPr id="10" name="직사각형 9">
+            <a:extLst>
+              <a:ext uri="{FF2B5EF4-FFF2-40B4-BE49-F238E27FC236}">
+                <a16:creationId xmlns:a16="http://schemas.microsoft.com/office/drawing/2014/main" id="{ACC68E3E-9AD9-465A-A5DF-B191FFD32C38}"/>
+              </a:ext>
+            </a:extLst>
+          </p:cNvPr>
+          <p:cNvSpPr/>
+          <p:nvPr/>
+        </p:nvSpPr>
+        <p:spPr>
+          <a:xfrm>
+            <a:off x="366730" y="5687736"/>
+            <a:ext cx="1202011" cy="178266"/>
+          </a:xfrm>
+          <a:prstGeom prst="rect">
+            <a:avLst/>
+          </a:prstGeom>
+          <a:noFill/>
+          <a:ln w="38100">
+            <a:solidFill>
+              <a:srgbClr val="FF0000"/>
+            </a:solidFill>
+          </a:ln>
+        </p:spPr>
+        <p:style>
+          <a:lnRef idx="2">
+            <a:schemeClr val="accent1">
+              <a:shade val="50000"/>
+            </a:schemeClr>
+          </a:lnRef>
+          <a:fillRef idx="1">
+            <a:schemeClr val="accent1"/>
+          </a:fillRef>
+          <a:effectRef idx="0">
+            <a:schemeClr val="accent1"/>
+          </a:effectRef>
+          <a:fontRef idx="minor">
+            <a:schemeClr val="lt1"/>
+          </a:fontRef>
+        </p:style>
+        <p:txBody>
+          <a:bodyPr rtlCol="0" anchor="ctr"/>
+          <a:lstStyle/>
+          <a:p>
+            <a:pPr algn="ctr"/>
+            <a:endParaRPr lang="ko-KR" altLang="en-US"/>
           </a:p>
         </p:txBody>
       </p:sp>
@@ -8466,18 +8630,25 @@
           <a:lstStyle/>
           <a:p>
             <a:r>
-              <a:rPr lang="en-US" altLang="ko-KR" dirty="0"/>
-              <a:t>Blackboard </a:t>
-            </a:r>
-            <a:r>
-              <a:rPr lang="ko-KR" altLang="en-US" dirty="0"/>
-              <a:t>데이터 읽고 쓰기 </a:t>
-            </a:r>
-            <a:r>
-              <a:rPr lang="en-US" altLang="ko-KR" dirty="0"/>
-              <a:t>(2)</a:t>
-            </a:r>
-            <a:endParaRPr lang="ko-KR" altLang="en-US" dirty="0"/>
+              <a:rPr lang="en-US" altLang="ko-KR" dirty="0" err="1"/>
+              <a:t>BehaviorTree</a:t>
+            </a:r>
+            <a:r>
+              <a:rPr lang="en-US" altLang="ko-KR" dirty="0"/>
+              <a:t>–Task</a:t>
+            </a:r>
+            <a:r>
+              <a:rPr lang="ko-KR" altLang="en-US" dirty="0"/>
+              <a:t>에서 </a:t>
+            </a:r>
+            <a:r>
+              <a:rPr lang="en-US" altLang="ko-KR" dirty="0"/>
+              <a:t>Blackboard</a:t>
+            </a:r>
+            <a:r>
+              <a:rPr lang="ko-KR" altLang="en-US" dirty="0"/>
+              <a:t>사용</a:t>
+            </a:r>
           </a:p>
         </p:txBody>
       </p:sp>
@@ -8736,19 +8907,65 @@
           <a:chExt cx="0" cy="0"/>
         </a:xfrm>
       </p:grpSpPr>
+      <p:sp>
+        <p:nvSpPr>
+          <p:cNvPr id="2" name="제목 1">
+            <a:extLst>
+              <a:ext uri="{FF2B5EF4-FFF2-40B4-BE49-F238E27FC236}">
+                <a16:creationId xmlns:a16="http://schemas.microsoft.com/office/drawing/2014/main" id="{4A0F0040-BB1D-4587-AFB5-EDAC1A101CF0}"/>
+              </a:ext>
+            </a:extLst>
+          </p:cNvPr>
+          <p:cNvSpPr>
+            <a:spLocks noGrp="1"/>
+          </p:cNvSpPr>
+          <p:nvPr>
+            <p:ph type="title"/>
+          </p:nvPr>
+        </p:nvSpPr>
+        <p:spPr/>
+        <p:txBody>
+          <a:bodyPr/>
+          <a:lstStyle/>
+          <a:p>
+            <a:r>
+              <a:rPr lang="en-US" altLang="ko-KR" dirty="0"/>
+              <a:t>Actor(</a:t>
+            </a:r>
+            <a:r>
+              <a:rPr lang="en-US" altLang="ko-KR" dirty="0" err="1"/>
+              <a:t>AIController</a:t>
+            </a:r>
+            <a:r>
+              <a:rPr lang="ko-KR" altLang="en-US" dirty="0"/>
+              <a:t>쓰는</a:t>
+            </a:r>
+            <a:r>
+              <a:rPr lang="en-US" altLang="ko-KR" dirty="0"/>
+              <a:t>)-Blackboard</a:t>
+            </a:r>
+            <a:r>
+              <a:rPr lang="ko-KR" altLang="en-US" dirty="0"/>
+              <a:t>접근</a:t>
+            </a:r>
+          </a:p>
+        </p:txBody>
+      </p:sp>
       <p:pic>
         <p:nvPicPr>
-          <p:cNvPr id="4" name="그림 3">
-            <a:extLst>
-              <a:ext uri="{FF2B5EF4-FFF2-40B4-BE49-F238E27FC236}">
-                <a16:creationId xmlns:a16="http://schemas.microsoft.com/office/drawing/2014/main" id="{57B9D174-A3EA-454A-B81E-5DCB41294A06}"/>
+          <p:cNvPr id="5" name="내용 개체 틀 4">
+            <a:extLst>
+              <a:ext uri="{FF2B5EF4-FFF2-40B4-BE49-F238E27FC236}">
+                <a16:creationId xmlns:a16="http://schemas.microsoft.com/office/drawing/2014/main" id="{2D524C71-5317-4B81-9634-67A8A3527BC7}"/>
               </a:ext>
             </a:extLst>
           </p:cNvPr>
           <p:cNvPicPr>
-            <a:picLocks noChangeAspect="1"/>
+            <a:picLocks noGrp="1" noChangeAspect="1"/>
           </p:cNvPicPr>
-          <p:nvPr/>
+          <p:nvPr>
+            <p:ph idx="1"/>
+          </p:nvPr>
         </p:nvPicPr>
         <p:blipFill>
           <a:blip r:embed="rId2"/>
@@ -8758,306 +8975,15 @@
         </p:blipFill>
         <p:spPr>
           <a:xfrm>
-            <a:off x="331662" y="0"/>
-            <a:ext cx="11528676" cy="6858000"/>
+            <a:off x="2947987" y="2134394"/>
+            <a:ext cx="6296025" cy="3733800"/>
           </a:xfrm>
-          <a:prstGeom prst="rect">
-            <a:avLst/>
-          </a:prstGeom>
         </p:spPr>
       </p:pic>
-      <p:sp>
-        <p:nvSpPr>
-          <p:cNvPr id="5" name="제목 4">
-            <a:extLst>
-              <a:ext uri="{FF2B5EF4-FFF2-40B4-BE49-F238E27FC236}">
-                <a16:creationId xmlns:a16="http://schemas.microsoft.com/office/drawing/2014/main" id="{DFBFD13E-0F1D-4741-BFF7-29C07C7400A5}"/>
-              </a:ext>
-            </a:extLst>
-          </p:cNvPr>
-          <p:cNvSpPr>
-            <a:spLocks noGrp="1"/>
-          </p:cNvSpPr>
-          <p:nvPr>
-            <p:ph type="title"/>
-          </p:nvPr>
-        </p:nvSpPr>
-        <p:spPr/>
-        <p:txBody>
-          <a:bodyPr/>
-          <a:lstStyle/>
-          <a:p>
-            <a:r>
-              <a:rPr lang="en-US" altLang="ko-KR" dirty="0" err="1">
-                <a:solidFill>
-                  <a:schemeClr val="bg1"/>
-                </a:solidFill>
-              </a:rPr>
-              <a:t>BehaviorTree</a:t>
-            </a:r>
-            <a:endParaRPr lang="ko-KR" altLang="en-US" dirty="0">
-              <a:solidFill>
-                <a:schemeClr val="bg1"/>
-              </a:solidFill>
-            </a:endParaRPr>
-          </a:p>
-        </p:txBody>
-      </p:sp>
-      <p:sp>
-        <p:nvSpPr>
-          <p:cNvPr id="6" name="내용 개체 틀 5">
-            <a:extLst>
-              <a:ext uri="{FF2B5EF4-FFF2-40B4-BE49-F238E27FC236}">
-                <a16:creationId xmlns:a16="http://schemas.microsoft.com/office/drawing/2014/main" id="{6BE0A260-26DD-4DFC-A5F9-1E41808BA48E}"/>
-              </a:ext>
-            </a:extLst>
-          </p:cNvPr>
-          <p:cNvSpPr>
-            <a:spLocks noGrp="1"/>
-          </p:cNvSpPr>
-          <p:nvPr>
-            <p:ph idx="1"/>
-          </p:nvPr>
-        </p:nvSpPr>
-        <p:spPr>
-          <a:xfrm>
-            <a:off x="838201" y="1825625"/>
-            <a:ext cx="4505586" cy="1325563"/>
-          </a:xfrm>
-        </p:spPr>
-        <p:txBody>
-          <a:bodyPr>
-            <a:normAutofit fontScale="92500" lnSpcReduction="10000"/>
-          </a:bodyPr>
-          <a:lstStyle/>
-          <a:p>
-            <a:r>
-              <a:rPr lang="ko-KR" altLang="en-US" dirty="0">
-                <a:solidFill>
-                  <a:schemeClr val="bg1"/>
-                </a:solidFill>
-              </a:rPr>
-              <a:t>기본적으로 </a:t>
-            </a:r>
-            <a:endParaRPr lang="en-US" altLang="ko-KR" dirty="0">
-              <a:solidFill>
-                <a:schemeClr val="bg1"/>
-              </a:solidFill>
-            </a:endParaRPr>
-          </a:p>
-          <a:p>
-            <a:pPr marL="0" indent="0">
-              <a:buNone/>
-            </a:pPr>
-            <a:r>
-              <a:rPr lang="ko-KR" altLang="en-US" dirty="0">
-                <a:solidFill>
-                  <a:schemeClr val="bg1"/>
-                </a:solidFill>
-              </a:rPr>
-              <a:t>위에서 아래로</a:t>
-            </a:r>
-            <a:endParaRPr lang="en-US" altLang="ko-KR" dirty="0">
-              <a:solidFill>
-                <a:schemeClr val="bg1"/>
-              </a:solidFill>
-            </a:endParaRPr>
-          </a:p>
-          <a:p>
-            <a:pPr marL="0" indent="0">
-              <a:buNone/>
-            </a:pPr>
-            <a:r>
-              <a:rPr lang="ko-KR" altLang="en-US" dirty="0">
-                <a:solidFill>
-                  <a:schemeClr val="bg1"/>
-                </a:solidFill>
-              </a:rPr>
-              <a:t>왼쪽에서 오른쪽으로 실행</a:t>
-            </a:r>
-          </a:p>
-        </p:txBody>
-      </p:sp>
-      <p:sp>
-        <p:nvSpPr>
-          <p:cNvPr id="16" name="TextBox 15">
-            <a:extLst>
-              <a:ext uri="{FF2B5EF4-FFF2-40B4-BE49-F238E27FC236}">
-                <a16:creationId xmlns:a16="http://schemas.microsoft.com/office/drawing/2014/main" id="{75AA808C-70DC-4B5B-8D7E-544890418B4C}"/>
-              </a:ext>
-            </a:extLst>
-          </p:cNvPr>
-          <p:cNvSpPr txBox="1"/>
-          <p:nvPr/>
-        </p:nvSpPr>
-        <p:spPr>
-          <a:xfrm>
-            <a:off x="775684" y="5561793"/>
-            <a:ext cx="2034628" cy="523220"/>
-          </a:xfrm>
-          <a:prstGeom prst="rect">
-            <a:avLst/>
-          </a:prstGeom>
-          <a:noFill/>
-        </p:spPr>
-        <p:txBody>
-          <a:bodyPr wrap="square" rtlCol="0">
-            <a:spAutoFit/>
-          </a:bodyPr>
-          <a:lstStyle/>
-          <a:p>
-            <a:r>
-              <a:rPr lang="en-US" altLang="ko-KR" sz="2800" dirty="0">
-                <a:solidFill>
-                  <a:schemeClr val="bg1"/>
-                </a:solidFill>
-              </a:rPr>
-              <a:t>Task Node</a:t>
-            </a:r>
-            <a:endParaRPr lang="ko-KR" altLang="en-US" sz="2800" dirty="0">
-              <a:solidFill>
-                <a:schemeClr val="bg1"/>
-              </a:solidFill>
-            </a:endParaRPr>
-          </a:p>
-        </p:txBody>
-      </p:sp>
-      <p:sp>
-        <p:nvSpPr>
-          <p:cNvPr id="17" name="TextBox 16">
-            <a:extLst>
-              <a:ext uri="{FF2B5EF4-FFF2-40B4-BE49-F238E27FC236}">
-                <a16:creationId xmlns:a16="http://schemas.microsoft.com/office/drawing/2014/main" id="{4E565941-E275-4A83-BBDE-0C7F23614C80}"/>
-              </a:ext>
-            </a:extLst>
-          </p:cNvPr>
-          <p:cNvSpPr txBox="1"/>
-          <p:nvPr/>
-        </p:nvSpPr>
-        <p:spPr>
-          <a:xfrm>
-            <a:off x="7924503" y="2722665"/>
-            <a:ext cx="3140576" cy="523220"/>
-          </a:xfrm>
-          <a:prstGeom prst="rect">
-            <a:avLst/>
-          </a:prstGeom>
-          <a:noFill/>
-        </p:spPr>
-        <p:txBody>
-          <a:bodyPr wrap="square" rtlCol="0">
-            <a:spAutoFit/>
-          </a:bodyPr>
-          <a:lstStyle/>
-          <a:p>
-            <a:r>
-              <a:rPr lang="en-US" altLang="ko-KR" sz="2800" dirty="0">
-                <a:solidFill>
-                  <a:schemeClr val="bg1"/>
-                </a:solidFill>
-              </a:rPr>
-              <a:t>Composite Node</a:t>
-            </a:r>
-            <a:endParaRPr lang="ko-KR" altLang="en-US" sz="2800" dirty="0">
-              <a:solidFill>
-                <a:schemeClr val="bg1"/>
-              </a:solidFill>
-            </a:endParaRPr>
-          </a:p>
-        </p:txBody>
-      </p:sp>
-      <p:sp>
-        <p:nvSpPr>
-          <p:cNvPr id="18" name="TextBox 17">
-            <a:extLst>
-              <a:ext uri="{FF2B5EF4-FFF2-40B4-BE49-F238E27FC236}">
-                <a16:creationId xmlns:a16="http://schemas.microsoft.com/office/drawing/2014/main" id="{DCE35F9F-01C1-4B4B-A33C-6942242CC0CB}"/>
-              </a:ext>
-            </a:extLst>
-          </p:cNvPr>
-          <p:cNvSpPr txBox="1"/>
-          <p:nvPr/>
-        </p:nvSpPr>
-        <p:spPr>
-          <a:xfrm>
-            <a:off x="1240024" y="4078747"/>
-            <a:ext cx="3140576" cy="523220"/>
-          </a:xfrm>
-          <a:prstGeom prst="rect">
-            <a:avLst/>
-          </a:prstGeom>
-          <a:noFill/>
-        </p:spPr>
-        <p:txBody>
-          <a:bodyPr wrap="square" rtlCol="0">
-            <a:spAutoFit/>
-          </a:bodyPr>
-          <a:lstStyle/>
-          <a:p>
-            <a:r>
-              <a:rPr lang="en-US" altLang="ko-KR" sz="2800" dirty="0">
-                <a:solidFill>
-                  <a:schemeClr val="bg1"/>
-                </a:solidFill>
-              </a:rPr>
-              <a:t>Composite Node</a:t>
-            </a:r>
-            <a:endParaRPr lang="ko-KR" altLang="en-US" sz="2800" dirty="0">
-              <a:solidFill>
-                <a:schemeClr val="bg1"/>
-              </a:solidFill>
-            </a:endParaRPr>
-          </a:p>
-        </p:txBody>
-      </p:sp>
-      <p:sp>
-        <p:nvSpPr>
-          <p:cNvPr id="19" name="TextBox 18">
-            <a:extLst>
-              <a:ext uri="{FF2B5EF4-FFF2-40B4-BE49-F238E27FC236}">
-                <a16:creationId xmlns:a16="http://schemas.microsoft.com/office/drawing/2014/main" id="{33C26E8D-7A41-4EA7-B23E-84C286D2F03E}"/>
-              </a:ext>
-            </a:extLst>
-          </p:cNvPr>
-          <p:cNvSpPr txBox="1"/>
-          <p:nvPr/>
-        </p:nvSpPr>
-        <p:spPr>
-          <a:xfrm>
-            <a:off x="5207868" y="1057061"/>
-            <a:ext cx="3140576" cy="523220"/>
-          </a:xfrm>
-          <a:prstGeom prst="rect">
-            <a:avLst/>
-          </a:prstGeom>
-          <a:noFill/>
-        </p:spPr>
-        <p:txBody>
-          <a:bodyPr wrap="square" rtlCol="0">
-            <a:spAutoFit/>
-          </a:bodyPr>
-          <a:lstStyle/>
-          <a:p>
-            <a:r>
-              <a:rPr lang="en-US" altLang="ko-KR" sz="2800" dirty="0">
-                <a:solidFill>
-                  <a:schemeClr val="bg1"/>
-                </a:solidFill>
-              </a:rPr>
-              <a:t>Composite Node</a:t>
-            </a:r>
-            <a:endParaRPr lang="ko-KR" altLang="en-US" sz="2800" dirty="0">
-              <a:solidFill>
-                <a:schemeClr val="bg1"/>
-              </a:solidFill>
-            </a:endParaRPr>
-          </a:p>
-        </p:txBody>
-      </p:sp>
     </p:spTree>
     <p:extLst>
       <p:ext uri="{BB962C8B-B14F-4D97-AF65-F5344CB8AC3E}">
-        <p14:creationId xmlns:p14="http://schemas.microsoft.com/office/powerpoint/2010/main" val="4028710145"/>
+        <p14:creationId xmlns:p14="http://schemas.microsoft.com/office/powerpoint/2010/main" val="139351886"/>
       </p:ext>
     </p:extLst>
   </p:cSld>
@@ -9222,6 +9148,354 @@
           <a:chExt cx="0" cy="0"/>
         </a:xfrm>
       </p:grpSpPr>
+      <p:pic>
+        <p:nvPicPr>
+          <p:cNvPr id="4" name="그림 3">
+            <a:extLst>
+              <a:ext uri="{FF2B5EF4-FFF2-40B4-BE49-F238E27FC236}">
+                <a16:creationId xmlns:a16="http://schemas.microsoft.com/office/drawing/2014/main" id="{57B9D174-A3EA-454A-B81E-5DCB41294A06}"/>
+              </a:ext>
+            </a:extLst>
+          </p:cNvPr>
+          <p:cNvPicPr>
+            <a:picLocks noChangeAspect="1"/>
+          </p:cNvPicPr>
+          <p:nvPr/>
+        </p:nvPicPr>
+        <p:blipFill>
+          <a:blip r:embed="rId2"/>
+          <a:stretch>
+            <a:fillRect/>
+          </a:stretch>
+        </p:blipFill>
+        <p:spPr>
+          <a:xfrm>
+            <a:off x="331662" y="0"/>
+            <a:ext cx="11528676" cy="6858000"/>
+          </a:xfrm>
+          <a:prstGeom prst="rect">
+            <a:avLst/>
+          </a:prstGeom>
+        </p:spPr>
+      </p:pic>
+      <p:sp>
+        <p:nvSpPr>
+          <p:cNvPr id="5" name="제목 4">
+            <a:extLst>
+              <a:ext uri="{FF2B5EF4-FFF2-40B4-BE49-F238E27FC236}">
+                <a16:creationId xmlns:a16="http://schemas.microsoft.com/office/drawing/2014/main" id="{DFBFD13E-0F1D-4741-BFF7-29C07C7400A5}"/>
+              </a:ext>
+            </a:extLst>
+          </p:cNvPr>
+          <p:cNvSpPr>
+            <a:spLocks noGrp="1"/>
+          </p:cNvSpPr>
+          <p:nvPr>
+            <p:ph type="title"/>
+          </p:nvPr>
+        </p:nvSpPr>
+        <p:spPr/>
+        <p:txBody>
+          <a:bodyPr/>
+          <a:lstStyle/>
+          <a:p>
+            <a:r>
+              <a:rPr lang="en-US" altLang="ko-KR" dirty="0" err="1">
+                <a:solidFill>
+                  <a:schemeClr val="bg1"/>
+                </a:solidFill>
+              </a:rPr>
+              <a:t>BehaviorTree</a:t>
+            </a:r>
+            <a:endParaRPr lang="ko-KR" altLang="en-US" dirty="0">
+              <a:solidFill>
+                <a:schemeClr val="bg1"/>
+              </a:solidFill>
+            </a:endParaRPr>
+          </a:p>
+        </p:txBody>
+      </p:sp>
+      <p:sp>
+        <p:nvSpPr>
+          <p:cNvPr id="6" name="내용 개체 틀 5">
+            <a:extLst>
+              <a:ext uri="{FF2B5EF4-FFF2-40B4-BE49-F238E27FC236}">
+                <a16:creationId xmlns:a16="http://schemas.microsoft.com/office/drawing/2014/main" id="{6BE0A260-26DD-4DFC-A5F9-1E41808BA48E}"/>
+              </a:ext>
+            </a:extLst>
+          </p:cNvPr>
+          <p:cNvSpPr>
+            <a:spLocks noGrp="1"/>
+          </p:cNvSpPr>
+          <p:nvPr>
+            <p:ph idx="1"/>
+          </p:nvPr>
+        </p:nvSpPr>
+        <p:spPr>
+          <a:xfrm>
+            <a:off x="838201" y="1825625"/>
+            <a:ext cx="4505586" cy="1325563"/>
+          </a:xfrm>
+        </p:spPr>
+        <p:txBody>
+          <a:bodyPr>
+            <a:normAutofit fontScale="92500" lnSpcReduction="10000"/>
+          </a:bodyPr>
+          <a:lstStyle/>
+          <a:p>
+            <a:r>
+              <a:rPr lang="ko-KR" altLang="en-US" dirty="0">
+                <a:solidFill>
+                  <a:schemeClr val="bg1"/>
+                </a:solidFill>
+              </a:rPr>
+              <a:t>기본적으로 </a:t>
+            </a:r>
+            <a:endParaRPr lang="en-US" altLang="ko-KR" dirty="0">
+              <a:solidFill>
+                <a:schemeClr val="bg1"/>
+              </a:solidFill>
+            </a:endParaRPr>
+          </a:p>
+          <a:p>
+            <a:pPr marL="0" indent="0">
+              <a:buNone/>
+            </a:pPr>
+            <a:r>
+              <a:rPr lang="ko-KR" altLang="en-US" dirty="0">
+                <a:solidFill>
+                  <a:schemeClr val="bg1"/>
+                </a:solidFill>
+              </a:rPr>
+              <a:t>위에서 아래로</a:t>
+            </a:r>
+            <a:endParaRPr lang="en-US" altLang="ko-KR" dirty="0">
+              <a:solidFill>
+                <a:schemeClr val="bg1"/>
+              </a:solidFill>
+            </a:endParaRPr>
+          </a:p>
+          <a:p>
+            <a:pPr marL="0" indent="0">
+              <a:buNone/>
+            </a:pPr>
+            <a:r>
+              <a:rPr lang="ko-KR" altLang="en-US" dirty="0">
+                <a:solidFill>
+                  <a:schemeClr val="bg1"/>
+                </a:solidFill>
+              </a:rPr>
+              <a:t>왼쪽에서 오른쪽으로 실행</a:t>
+            </a:r>
+          </a:p>
+        </p:txBody>
+      </p:sp>
+      <p:sp>
+        <p:nvSpPr>
+          <p:cNvPr id="16" name="TextBox 15">
+            <a:extLst>
+              <a:ext uri="{FF2B5EF4-FFF2-40B4-BE49-F238E27FC236}">
+                <a16:creationId xmlns:a16="http://schemas.microsoft.com/office/drawing/2014/main" id="{75AA808C-70DC-4B5B-8D7E-544890418B4C}"/>
+              </a:ext>
+            </a:extLst>
+          </p:cNvPr>
+          <p:cNvSpPr txBox="1"/>
+          <p:nvPr/>
+        </p:nvSpPr>
+        <p:spPr>
+          <a:xfrm>
+            <a:off x="775684" y="5561793"/>
+            <a:ext cx="2034628" cy="523220"/>
+          </a:xfrm>
+          <a:prstGeom prst="rect">
+            <a:avLst/>
+          </a:prstGeom>
+          <a:noFill/>
+        </p:spPr>
+        <p:txBody>
+          <a:bodyPr wrap="square" rtlCol="0">
+            <a:spAutoFit/>
+          </a:bodyPr>
+          <a:lstStyle/>
+          <a:p>
+            <a:r>
+              <a:rPr lang="en-US" altLang="ko-KR" sz="2800" dirty="0">
+                <a:solidFill>
+                  <a:schemeClr val="bg1"/>
+                </a:solidFill>
+              </a:rPr>
+              <a:t>Task Node</a:t>
+            </a:r>
+            <a:endParaRPr lang="ko-KR" altLang="en-US" sz="2800" dirty="0">
+              <a:solidFill>
+                <a:schemeClr val="bg1"/>
+              </a:solidFill>
+            </a:endParaRPr>
+          </a:p>
+        </p:txBody>
+      </p:sp>
+      <p:sp>
+        <p:nvSpPr>
+          <p:cNvPr id="17" name="TextBox 16">
+            <a:extLst>
+              <a:ext uri="{FF2B5EF4-FFF2-40B4-BE49-F238E27FC236}">
+                <a16:creationId xmlns:a16="http://schemas.microsoft.com/office/drawing/2014/main" id="{4E565941-E275-4A83-BBDE-0C7F23614C80}"/>
+              </a:ext>
+            </a:extLst>
+          </p:cNvPr>
+          <p:cNvSpPr txBox="1"/>
+          <p:nvPr/>
+        </p:nvSpPr>
+        <p:spPr>
+          <a:xfrm>
+            <a:off x="7924503" y="2722665"/>
+            <a:ext cx="3140576" cy="523220"/>
+          </a:xfrm>
+          <a:prstGeom prst="rect">
+            <a:avLst/>
+          </a:prstGeom>
+          <a:noFill/>
+        </p:spPr>
+        <p:txBody>
+          <a:bodyPr wrap="square" rtlCol="0">
+            <a:spAutoFit/>
+          </a:bodyPr>
+          <a:lstStyle/>
+          <a:p>
+            <a:r>
+              <a:rPr lang="en-US" altLang="ko-KR" sz="2800" dirty="0">
+                <a:solidFill>
+                  <a:schemeClr val="bg1"/>
+                </a:solidFill>
+              </a:rPr>
+              <a:t>Composite Node</a:t>
+            </a:r>
+            <a:endParaRPr lang="ko-KR" altLang="en-US" sz="2800" dirty="0">
+              <a:solidFill>
+                <a:schemeClr val="bg1"/>
+              </a:solidFill>
+            </a:endParaRPr>
+          </a:p>
+        </p:txBody>
+      </p:sp>
+      <p:sp>
+        <p:nvSpPr>
+          <p:cNvPr id="18" name="TextBox 17">
+            <a:extLst>
+              <a:ext uri="{FF2B5EF4-FFF2-40B4-BE49-F238E27FC236}">
+                <a16:creationId xmlns:a16="http://schemas.microsoft.com/office/drawing/2014/main" id="{DCE35F9F-01C1-4B4B-A33C-6942242CC0CB}"/>
+              </a:ext>
+            </a:extLst>
+          </p:cNvPr>
+          <p:cNvSpPr txBox="1"/>
+          <p:nvPr/>
+        </p:nvSpPr>
+        <p:spPr>
+          <a:xfrm>
+            <a:off x="1240024" y="4078747"/>
+            <a:ext cx="3140576" cy="523220"/>
+          </a:xfrm>
+          <a:prstGeom prst="rect">
+            <a:avLst/>
+          </a:prstGeom>
+          <a:noFill/>
+        </p:spPr>
+        <p:txBody>
+          <a:bodyPr wrap="square" rtlCol="0">
+            <a:spAutoFit/>
+          </a:bodyPr>
+          <a:lstStyle/>
+          <a:p>
+            <a:r>
+              <a:rPr lang="en-US" altLang="ko-KR" sz="2800" dirty="0">
+                <a:solidFill>
+                  <a:schemeClr val="bg1"/>
+                </a:solidFill>
+              </a:rPr>
+              <a:t>Composite Node</a:t>
+            </a:r>
+            <a:endParaRPr lang="ko-KR" altLang="en-US" sz="2800" dirty="0">
+              <a:solidFill>
+                <a:schemeClr val="bg1"/>
+              </a:solidFill>
+            </a:endParaRPr>
+          </a:p>
+        </p:txBody>
+      </p:sp>
+      <p:sp>
+        <p:nvSpPr>
+          <p:cNvPr id="19" name="TextBox 18">
+            <a:extLst>
+              <a:ext uri="{FF2B5EF4-FFF2-40B4-BE49-F238E27FC236}">
+                <a16:creationId xmlns:a16="http://schemas.microsoft.com/office/drawing/2014/main" id="{33C26E8D-7A41-4EA7-B23E-84C286D2F03E}"/>
+              </a:ext>
+            </a:extLst>
+          </p:cNvPr>
+          <p:cNvSpPr txBox="1"/>
+          <p:nvPr/>
+        </p:nvSpPr>
+        <p:spPr>
+          <a:xfrm>
+            <a:off x="5207868" y="1057061"/>
+            <a:ext cx="3140576" cy="523220"/>
+          </a:xfrm>
+          <a:prstGeom prst="rect">
+            <a:avLst/>
+          </a:prstGeom>
+          <a:noFill/>
+        </p:spPr>
+        <p:txBody>
+          <a:bodyPr wrap="square" rtlCol="0">
+            <a:spAutoFit/>
+          </a:bodyPr>
+          <a:lstStyle/>
+          <a:p>
+            <a:r>
+              <a:rPr lang="en-US" altLang="ko-KR" sz="2800" dirty="0">
+                <a:solidFill>
+                  <a:schemeClr val="bg1"/>
+                </a:solidFill>
+              </a:rPr>
+              <a:t>Composite Node</a:t>
+            </a:r>
+            <a:endParaRPr lang="ko-KR" altLang="en-US" sz="2800" dirty="0">
+              <a:solidFill>
+                <a:schemeClr val="bg1"/>
+              </a:solidFill>
+            </a:endParaRPr>
+          </a:p>
+        </p:txBody>
+      </p:sp>
+    </p:spTree>
+    <p:extLst>
+      <p:ext uri="{BB962C8B-B14F-4D97-AF65-F5344CB8AC3E}">
+        <p14:creationId xmlns:p14="http://schemas.microsoft.com/office/powerpoint/2010/main" val="4028710145"/>
+      </p:ext>
+    </p:extLst>
+  </p:cSld>
+  <p:clrMapOvr>
+    <a:masterClrMapping/>
+  </p:clrMapOvr>
+</p:sld>
+</file>
+
+<file path=ppt/slides/slide31.xml><?xml version="1.0" encoding="utf-8"?>
+<p:sld xmlns:a="http://schemas.openxmlformats.org/drawingml/2006/main" xmlns:r="http://schemas.openxmlformats.org/officeDocument/2006/relationships" xmlns:p="http://schemas.openxmlformats.org/presentationml/2006/main">
+  <p:cSld>
+    <p:spTree>
+      <p:nvGrpSpPr>
+        <p:cNvPr id="1" name=""/>
+        <p:cNvGrpSpPr/>
+        <p:nvPr/>
+      </p:nvGrpSpPr>
+      <p:grpSpPr>
+        <a:xfrm>
+          <a:off x="0" y="0"/>
+          <a:ext cx="0" cy="0"/>
+          <a:chOff x="0" y="0"/>
+          <a:chExt cx="0" cy="0"/>
+        </a:xfrm>
+      </p:grpSpPr>
       <p:sp>
         <p:nvSpPr>
           <p:cNvPr id="2" name="제목 1">
@@ -9422,7 +9696,7 @@
 </p:sld>
 </file>
 
-<file path=ppt/slides/slide31.xml><?xml version="1.0" encoding="utf-8"?>
+<file path=ppt/slides/slide32.xml><?xml version="1.0" encoding="utf-8"?>
 <p:sld xmlns:a="http://schemas.openxmlformats.org/drawingml/2006/main" xmlns:r="http://schemas.openxmlformats.org/officeDocument/2006/relationships" xmlns:p="http://schemas.openxmlformats.org/presentationml/2006/main">
   <p:cSld>
     <p:spTree>
@@ -10284,7 +10558,7 @@
 </p:sld>
 </file>
 
-<file path=ppt/slides/slide32.xml><?xml version="1.0" encoding="utf-8"?>
+<file path=ppt/slides/slide33.xml><?xml version="1.0" encoding="utf-8"?>
 <p:sld xmlns:a="http://schemas.openxmlformats.org/drawingml/2006/main" xmlns:r="http://schemas.openxmlformats.org/officeDocument/2006/relationships" xmlns:p="http://schemas.openxmlformats.org/presentationml/2006/main">
   <p:cSld>
     <p:spTree>
@@ -10503,439 +10777,6 @@
 </p:sld>
 </file>
 
-<file path=ppt/slides/slide33.xml><?xml version="1.0" encoding="utf-8"?>
-<p:sld xmlns:a="http://schemas.openxmlformats.org/drawingml/2006/main" xmlns:r="http://schemas.openxmlformats.org/officeDocument/2006/relationships" xmlns:p="http://schemas.openxmlformats.org/presentationml/2006/main">
-  <p:cSld>
-    <p:bg>
-      <p:bgPr>
-        <a:solidFill>
-          <a:schemeClr val="bg1"/>
-        </a:solidFill>
-        <a:effectLst/>
-      </p:bgPr>
-    </p:bg>
-    <p:spTree>
-      <p:nvGrpSpPr>
-        <p:cNvPr id="1" name=""/>
-        <p:cNvGrpSpPr/>
-        <p:nvPr/>
-      </p:nvGrpSpPr>
-      <p:grpSpPr>
-        <a:xfrm>
-          <a:off x="0" y="0"/>
-          <a:ext cx="0" cy="0"/>
-          <a:chOff x="0" y="0"/>
-          <a:chExt cx="0" cy="0"/>
-        </a:xfrm>
-      </p:grpSpPr>
-      <p:pic>
-        <p:nvPicPr>
-          <p:cNvPr id="5" name="그림 4">
-            <a:extLst>
-              <a:ext uri="{FF2B5EF4-FFF2-40B4-BE49-F238E27FC236}">
-                <a16:creationId xmlns:a16="http://schemas.microsoft.com/office/drawing/2014/main" id="{054B83D9-987E-4391-A0CD-E9B28718FF02}"/>
-              </a:ext>
-            </a:extLst>
-          </p:cNvPr>
-          <p:cNvPicPr>
-            <a:picLocks noChangeAspect="1"/>
-          </p:cNvPicPr>
-          <p:nvPr/>
-        </p:nvPicPr>
-        <p:blipFill rotWithShape="1">
-          <a:blip r:embed="rId2">
-            <a:alphaModFix amt="40000"/>
-          </a:blip>
-          <a:srcRect l="4070" r="2151" b="-1"/>
-          <a:stretch/>
-        </p:blipFill>
-        <p:spPr>
-          <a:xfrm>
-            <a:off x="20" y="10"/>
-            <a:ext cx="12191979" cy="6857990"/>
-          </a:xfrm>
-          <a:prstGeom prst="rect">
-            <a:avLst/>
-          </a:prstGeom>
-        </p:spPr>
-      </p:pic>
-      <p:sp>
-        <p:nvSpPr>
-          <p:cNvPr id="2" name="제목 1">
-            <a:extLst>
-              <a:ext uri="{FF2B5EF4-FFF2-40B4-BE49-F238E27FC236}">
-                <a16:creationId xmlns:a16="http://schemas.microsoft.com/office/drawing/2014/main" id="{0DA22DAD-0E10-410C-8C71-2CF4B96E7A05}"/>
-              </a:ext>
-            </a:extLst>
-          </p:cNvPr>
-          <p:cNvSpPr>
-            <a:spLocks noGrp="1"/>
-          </p:cNvSpPr>
-          <p:nvPr>
-            <p:ph type="title"/>
-          </p:nvPr>
-        </p:nvSpPr>
-        <p:spPr/>
-        <p:txBody>
-          <a:bodyPr anchor="b">
-            <a:normAutofit/>
-          </a:bodyPr>
-          <a:lstStyle/>
-          <a:p>
-            <a:r>
-              <a:rPr lang="en-US" altLang="ko-KR" sz="5000" dirty="0" err="1"/>
-              <a:t>EnvironmentQuerySystem</a:t>
-            </a:r>
-            <a:r>
-              <a:rPr lang="en-US" altLang="ko-KR" sz="5000" dirty="0"/>
-              <a:t> </a:t>
-            </a:r>
-            <a:r>
-              <a:rPr lang="ko-KR" altLang="en-US" sz="5000" dirty="0"/>
-              <a:t>개요</a:t>
-            </a:r>
-          </a:p>
-        </p:txBody>
-      </p:sp>
-      <p:sp>
-        <p:nvSpPr>
-          <p:cNvPr id="3" name="내용 개체 틀 2">
-            <a:extLst>
-              <a:ext uri="{FF2B5EF4-FFF2-40B4-BE49-F238E27FC236}">
-                <a16:creationId xmlns:a16="http://schemas.microsoft.com/office/drawing/2014/main" id="{5E65B0B1-1790-451F-B7F4-1D4A5474887D}"/>
-              </a:ext>
-            </a:extLst>
-          </p:cNvPr>
-          <p:cNvSpPr>
-            <a:spLocks noGrp="1"/>
-          </p:cNvSpPr>
-          <p:nvPr>
-            <p:ph idx="1"/>
-          </p:nvPr>
-        </p:nvSpPr>
-        <p:spPr/>
-        <p:txBody>
-          <a:bodyPr>
-            <a:normAutofit/>
-          </a:bodyPr>
-          <a:lstStyle/>
-          <a:p>
-            <a:r>
-              <a:rPr lang="ko-KR" altLang="en-US" sz="2400" dirty="0"/>
-              <a:t>기능 활성화 필요 메인</a:t>
-            </a:r>
-            <a:r>
-              <a:rPr lang="en-US" altLang="ko-KR" sz="2400" dirty="0"/>
-              <a:t>UI-&gt;</a:t>
-            </a:r>
-            <a:r>
-              <a:rPr lang="ko-KR" altLang="en-US" sz="2400" dirty="0"/>
-              <a:t>편집</a:t>
-            </a:r>
-            <a:r>
-              <a:rPr lang="en-US" altLang="ko-KR" sz="2400" dirty="0"/>
-              <a:t>-&gt;</a:t>
-            </a:r>
-            <a:r>
-              <a:rPr lang="ko-KR" altLang="en-US" sz="2400" dirty="0"/>
-              <a:t>개인설정</a:t>
-            </a:r>
-            <a:r>
-              <a:rPr lang="en-US" altLang="ko-KR" sz="2400" dirty="0"/>
-              <a:t>-&gt;</a:t>
-            </a:r>
-            <a:r>
-              <a:rPr lang="ko-KR" altLang="en-US" sz="2400" dirty="0"/>
-              <a:t>일반</a:t>
-            </a:r>
-            <a:r>
-              <a:rPr lang="en-US" altLang="ko-KR" sz="2400" dirty="0"/>
-              <a:t>-</a:t>
-            </a:r>
-            <a:r>
-              <a:rPr lang="ko-KR" altLang="en-US" sz="2400" dirty="0"/>
-              <a:t>실험단계</a:t>
-            </a:r>
-            <a:r>
-              <a:rPr lang="en-US" altLang="ko-KR" sz="2400" dirty="0"/>
-              <a:t>-EQS</a:t>
-            </a:r>
-          </a:p>
-          <a:p>
-            <a:r>
-              <a:rPr lang="ko-KR" altLang="en-US" sz="2400" dirty="0"/>
-              <a:t>주변환경에 대한 질의 </a:t>
-            </a:r>
-            <a:r>
-              <a:rPr lang="en-US" altLang="ko-KR" sz="2400" dirty="0"/>
-              <a:t>– </a:t>
-            </a:r>
-            <a:r>
-              <a:rPr lang="ko-KR" altLang="en-US" sz="2400" dirty="0"/>
-              <a:t>가장 적합한 위치 </a:t>
-            </a:r>
-            <a:r>
-              <a:rPr lang="en-US" altLang="ko-KR" sz="2400" dirty="0"/>
-              <a:t>Or </a:t>
-            </a:r>
-            <a:r>
-              <a:rPr lang="ko-KR" altLang="en-US" sz="2400" dirty="0" err="1"/>
-              <a:t>액터</a:t>
-            </a:r>
-            <a:r>
-              <a:rPr lang="ko-KR" altLang="en-US" sz="2400" dirty="0"/>
-              <a:t> 찾기 </a:t>
-            </a:r>
-            <a:endParaRPr lang="en-US" altLang="ko-KR" sz="2400" dirty="0"/>
-          </a:p>
-          <a:p>
-            <a:r>
-              <a:rPr lang="ko-KR" altLang="en-US" sz="2400" dirty="0"/>
-              <a:t>질의한 </a:t>
-            </a:r>
-            <a:r>
-              <a:rPr lang="en-US" altLang="ko-KR" sz="2400" dirty="0"/>
-              <a:t>AI</a:t>
-            </a:r>
-            <a:r>
-              <a:rPr lang="ko-KR" altLang="en-US" sz="2400" dirty="0"/>
-              <a:t>의 월드</a:t>
-            </a:r>
-            <a:r>
-              <a:rPr lang="en-US" altLang="ko-KR" sz="2400" dirty="0"/>
-              <a:t> </a:t>
-            </a:r>
-            <a:r>
-              <a:rPr lang="ko-KR" altLang="en-US" sz="2400" dirty="0"/>
-              <a:t>위치</a:t>
-            </a:r>
-            <a:r>
-              <a:rPr lang="en-US" altLang="ko-KR" sz="2400" dirty="0"/>
-              <a:t>,</a:t>
-            </a:r>
-            <a:r>
-              <a:rPr lang="ko-KR" altLang="en-US" sz="2400" dirty="0"/>
-              <a:t>방향 에서  시작됨</a:t>
-            </a:r>
-            <a:endParaRPr lang="en-US" altLang="ko-KR" sz="2400" dirty="0"/>
-          </a:p>
-          <a:p>
-            <a:r>
-              <a:rPr lang="ko-KR" altLang="en-US" sz="2400" dirty="0"/>
-              <a:t>각 위치</a:t>
-            </a:r>
-            <a:r>
-              <a:rPr lang="en-US" altLang="ko-KR" sz="2400" dirty="0"/>
-              <a:t>(</a:t>
-            </a:r>
-            <a:r>
-              <a:rPr lang="ko-KR" altLang="en-US" sz="2400" dirty="0" err="1"/>
-              <a:t>액터</a:t>
-            </a:r>
-            <a:r>
-              <a:rPr lang="en-US" altLang="ko-KR" sz="2400" dirty="0"/>
-              <a:t>)</a:t>
-            </a:r>
-            <a:r>
-              <a:rPr lang="ko-KR" altLang="en-US" sz="2400" dirty="0"/>
-              <a:t>마다 </a:t>
-            </a:r>
-            <a:r>
-              <a:rPr lang="en-US" altLang="ko-KR" sz="2400" dirty="0"/>
-              <a:t>Test</a:t>
-            </a:r>
-            <a:r>
-              <a:rPr lang="ko-KR" altLang="en-US" sz="2400" dirty="0"/>
-              <a:t>하여 </a:t>
-            </a:r>
-            <a:r>
-              <a:rPr lang="en-US" altLang="ko-KR" sz="2400" dirty="0"/>
-              <a:t>Score </a:t>
-            </a:r>
-            <a:r>
-              <a:rPr lang="ko-KR" altLang="en-US" sz="2400" dirty="0"/>
-              <a:t>하여</a:t>
-            </a:r>
-            <a:r>
-              <a:rPr lang="en-US" altLang="ko-KR" sz="2400" dirty="0"/>
-              <a:t> </a:t>
-            </a:r>
-            <a:r>
-              <a:rPr lang="ko-KR" altLang="en-US" sz="2400" dirty="0"/>
-              <a:t>점수가 </a:t>
-            </a:r>
-            <a:r>
-              <a:rPr lang="ko-KR" altLang="en-US" sz="2400" dirty="0" err="1"/>
-              <a:t>높은것을</a:t>
-            </a:r>
-            <a:r>
-              <a:rPr lang="ko-KR" altLang="en-US" sz="2400" dirty="0"/>
-              <a:t> 선택</a:t>
-            </a:r>
-            <a:endParaRPr lang="en-US" altLang="ko-KR" sz="2400" dirty="0"/>
-          </a:p>
-          <a:p>
-            <a:pPr marL="0" indent="0">
-              <a:buNone/>
-            </a:pPr>
-            <a:r>
-              <a:rPr lang="ko-KR" altLang="en-US" sz="2400" dirty="0"/>
-              <a:t>예</a:t>
-            </a:r>
-            <a:r>
-              <a:rPr lang="en-US" altLang="ko-KR" sz="2400" dirty="0"/>
-              <a:t>) </a:t>
-            </a:r>
-            <a:r>
-              <a:rPr lang="ko-KR" altLang="en-US" sz="2400" dirty="0"/>
-              <a:t>플레이어에게</a:t>
-            </a:r>
-            <a:r>
-              <a:rPr lang="en-US" altLang="ko-KR" sz="2400" dirty="0"/>
-              <a:t> </a:t>
-            </a:r>
-            <a:r>
-              <a:rPr lang="ko-KR" altLang="en-US" sz="2400" dirty="0" err="1"/>
-              <a:t>안보이는곳</a:t>
-            </a:r>
-            <a:r>
-              <a:rPr lang="ko-KR" altLang="en-US" sz="2400" dirty="0"/>
-              <a:t> </a:t>
-            </a:r>
-            <a:r>
-              <a:rPr lang="en-US" altLang="ko-KR" sz="2400" dirty="0"/>
-              <a:t>+2 </a:t>
-            </a:r>
-          </a:p>
-          <a:p>
-            <a:pPr marL="0" indent="0">
-              <a:buNone/>
-            </a:pPr>
-            <a:r>
-              <a:rPr lang="ko-KR" altLang="en-US" sz="2400" dirty="0"/>
-              <a:t>예</a:t>
-            </a:r>
-            <a:r>
-              <a:rPr lang="en-US" altLang="ko-KR" sz="2400" dirty="0"/>
-              <a:t>) AI</a:t>
-            </a:r>
-            <a:r>
-              <a:rPr lang="ko-KR" altLang="en-US" sz="2400" dirty="0"/>
-              <a:t>현재 위치에서 가장 </a:t>
-            </a:r>
-            <a:r>
-              <a:rPr lang="ko-KR" altLang="en-US" sz="2400" dirty="0" err="1"/>
-              <a:t>가까운곳</a:t>
-            </a:r>
-            <a:r>
-              <a:rPr lang="en-US" altLang="ko-KR" sz="2400" dirty="0"/>
-              <a:t>(+1) 0.9,0.8…0.2,0.1</a:t>
-            </a:r>
-            <a:r>
-              <a:rPr lang="ko-KR" altLang="en-US" sz="2400" dirty="0"/>
-              <a:t> </a:t>
-            </a:r>
-            <a:r>
-              <a:rPr lang="ko-KR" altLang="en-US" sz="2400" dirty="0" err="1"/>
-              <a:t>먼곳</a:t>
-            </a:r>
-            <a:r>
-              <a:rPr lang="en-US" altLang="ko-KR" sz="2400" dirty="0"/>
-              <a:t>(+0)</a:t>
-            </a:r>
-          </a:p>
-          <a:p>
-            <a:pPr marL="0" indent="0">
-              <a:buNone/>
-            </a:pPr>
-            <a:r>
-              <a:rPr lang="ko-KR" altLang="en-US" sz="2400" dirty="0"/>
-              <a:t>예</a:t>
-            </a:r>
-            <a:r>
-              <a:rPr lang="en-US" altLang="ko-KR" sz="2400" dirty="0"/>
-              <a:t>) </a:t>
-            </a:r>
-            <a:r>
-              <a:rPr lang="ko-KR" altLang="en-US" sz="2400" dirty="0"/>
-              <a:t>플레이어에서 가장 </a:t>
-            </a:r>
-            <a:r>
-              <a:rPr lang="ko-KR" altLang="en-US" sz="2400" dirty="0" err="1"/>
-              <a:t>가까운곳</a:t>
-            </a:r>
-            <a:r>
-              <a:rPr lang="en-US" altLang="ko-KR" sz="2400" dirty="0"/>
-              <a:t>(+0) 0.1,0.2 … 0.8,0.9 </a:t>
-            </a:r>
-            <a:r>
-              <a:rPr lang="ko-KR" altLang="en-US" sz="2400" dirty="0" err="1"/>
-              <a:t>먼곳</a:t>
-            </a:r>
-            <a:r>
-              <a:rPr lang="en-US" altLang="ko-KR" sz="2400" dirty="0"/>
-              <a:t>(+1)</a:t>
-            </a:r>
-          </a:p>
-          <a:p>
-            <a:r>
-              <a:rPr lang="en-US" altLang="ko-KR" sz="2400" dirty="0" err="1"/>
-              <a:t>BehaviorTree</a:t>
-            </a:r>
-            <a:r>
-              <a:rPr lang="ko-KR" altLang="en-US" sz="2400" dirty="0"/>
-              <a:t>에서 </a:t>
-            </a:r>
-            <a:r>
-              <a:rPr lang="en-US" altLang="ko-KR" sz="2400" dirty="0"/>
-              <a:t>EQS </a:t>
-            </a:r>
-            <a:r>
-              <a:rPr lang="ko-KR" altLang="en-US" sz="2400" dirty="0"/>
-              <a:t>질의 결과는 </a:t>
-            </a:r>
-            <a:r>
-              <a:rPr lang="en-US" altLang="ko-KR" sz="2400" dirty="0"/>
-              <a:t>Location or Actor </a:t>
-            </a:r>
-            <a:r>
-              <a:rPr lang="ko-KR" altLang="en-US" sz="2400" dirty="0"/>
-              <a:t>로 </a:t>
-            </a:r>
-            <a:r>
-              <a:rPr lang="en-US" altLang="ko-KR" sz="2400" dirty="0"/>
-              <a:t>Blackboard</a:t>
-            </a:r>
-            <a:r>
-              <a:rPr lang="ko-KR" altLang="en-US" sz="2400" dirty="0"/>
-              <a:t>에 갱신됨</a:t>
-            </a:r>
-            <a:r>
-              <a:rPr lang="en-US" altLang="ko-KR" sz="2400" dirty="0"/>
-              <a:t>.</a:t>
-            </a:r>
-          </a:p>
-          <a:p>
-            <a:endParaRPr lang="en-US" altLang="ko-KR" sz="1400" dirty="0"/>
-          </a:p>
-          <a:p>
-            <a:endParaRPr lang="ko-KR" altLang="en-US" sz="1400" dirty="0"/>
-          </a:p>
-        </p:txBody>
-      </p:sp>
-    </p:spTree>
-    <p:extLst>
-      <p:ext uri="{BB962C8B-B14F-4D97-AF65-F5344CB8AC3E}">
-        <p14:creationId xmlns:p14="http://schemas.microsoft.com/office/powerpoint/2010/main" val="422516092"/>
-      </p:ext>
-    </p:extLst>
-  </p:cSld>
-  <p:clrMapOvr>
-    <a:overrideClrMapping bg1="dk1" tx1="lt1" bg2="dk2" tx2="lt2" accent1="accent1" accent2="accent2" accent3="accent3" accent4="accent4" accent5="accent5" accent6="accent6" hlink="hlink" folHlink="folHlink"/>
-  </p:clrMapOvr>
-</p:sld>
-</file>
-
 <file path=ppt/slides/slide34.xml><?xml version="1.0" encoding="utf-8"?>
 <p:sld xmlns:a="http://schemas.openxmlformats.org/drawingml/2006/main" xmlns:r="http://schemas.openxmlformats.org/officeDocument/2006/relationships" xmlns:p="http://schemas.openxmlformats.org/presentationml/2006/main">
   <p:cSld>
@@ -10966,6 +10807,439 @@
           <p:cNvPr id="5" name="그림 4">
             <a:extLst>
               <a:ext uri="{FF2B5EF4-FFF2-40B4-BE49-F238E27FC236}">
+                <a16:creationId xmlns:a16="http://schemas.microsoft.com/office/drawing/2014/main" id="{054B83D9-987E-4391-A0CD-E9B28718FF02}"/>
+              </a:ext>
+            </a:extLst>
+          </p:cNvPr>
+          <p:cNvPicPr>
+            <a:picLocks noChangeAspect="1"/>
+          </p:cNvPicPr>
+          <p:nvPr/>
+        </p:nvPicPr>
+        <p:blipFill rotWithShape="1">
+          <a:blip r:embed="rId2">
+            <a:alphaModFix amt="40000"/>
+          </a:blip>
+          <a:srcRect l="4070" r="2151" b="-1"/>
+          <a:stretch/>
+        </p:blipFill>
+        <p:spPr>
+          <a:xfrm>
+            <a:off x="20" y="10"/>
+            <a:ext cx="12191979" cy="6857990"/>
+          </a:xfrm>
+          <a:prstGeom prst="rect">
+            <a:avLst/>
+          </a:prstGeom>
+        </p:spPr>
+      </p:pic>
+      <p:sp>
+        <p:nvSpPr>
+          <p:cNvPr id="2" name="제목 1">
+            <a:extLst>
+              <a:ext uri="{FF2B5EF4-FFF2-40B4-BE49-F238E27FC236}">
+                <a16:creationId xmlns:a16="http://schemas.microsoft.com/office/drawing/2014/main" id="{0DA22DAD-0E10-410C-8C71-2CF4B96E7A05}"/>
+              </a:ext>
+            </a:extLst>
+          </p:cNvPr>
+          <p:cNvSpPr>
+            <a:spLocks noGrp="1"/>
+          </p:cNvSpPr>
+          <p:nvPr>
+            <p:ph type="title"/>
+          </p:nvPr>
+        </p:nvSpPr>
+        <p:spPr/>
+        <p:txBody>
+          <a:bodyPr anchor="b">
+            <a:normAutofit/>
+          </a:bodyPr>
+          <a:lstStyle/>
+          <a:p>
+            <a:r>
+              <a:rPr lang="en-US" altLang="ko-KR" sz="5000" dirty="0" err="1"/>
+              <a:t>EnvironmentQuerySystem</a:t>
+            </a:r>
+            <a:r>
+              <a:rPr lang="en-US" altLang="ko-KR" sz="5000" dirty="0"/>
+              <a:t> </a:t>
+            </a:r>
+            <a:r>
+              <a:rPr lang="ko-KR" altLang="en-US" sz="5000" dirty="0"/>
+              <a:t>개요</a:t>
+            </a:r>
+          </a:p>
+        </p:txBody>
+      </p:sp>
+      <p:sp>
+        <p:nvSpPr>
+          <p:cNvPr id="3" name="내용 개체 틀 2">
+            <a:extLst>
+              <a:ext uri="{FF2B5EF4-FFF2-40B4-BE49-F238E27FC236}">
+                <a16:creationId xmlns:a16="http://schemas.microsoft.com/office/drawing/2014/main" id="{5E65B0B1-1790-451F-B7F4-1D4A5474887D}"/>
+              </a:ext>
+            </a:extLst>
+          </p:cNvPr>
+          <p:cNvSpPr>
+            <a:spLocks noGrp="1"/>
+          </p:cNvSpPr>
+          <p:nvPr>
+            <p:ph idx="1"/>
+          </p:nvPr>
+        </p:nvSpPr>
+        <p:spPr/>
+        <p:txBody>
+          <a:bodyPr>
+            <a:normAutofit/>
+          </a:bodyPr>
+          <a:lstStyle/>
+          <a:p>
+            <a:r>
+              <a:rPr lang="ko-KR" altLang="en-US" sz="2400" dirty="0"/>
+              <a:t>기능 활성화 필요 메인</a:t>
+            </a:r>
+            <a:r>
+              <a:rPr lang="en-US" altLang="ko-KR" sz="2400" dirty="0"/>
+              <a:t>UI-&gt;</a:t>
+            </a:r>
+            <a:r>
+              <a:rPr lang="ko-KR" altLang="en-US" sz="2400" dirty="0"/>
+              <a:t>편집</a:t>
+            </a:r>
+            <a:r>
+              <a:rPr lang="en-US" altLang="ko-KR" sz="2400" dirty="0"/>
+              <a:t>-&gt;</a:t>
+            </a:r>
+            <a:r>
+              <a:rPr lang="ko-KR" altLang="en-US" sz="2400" dirty="0"/>
+              <a:t>개인설정</a:t>
+            </a:r>
+            <a:r>
+              <a:rPr lang="en-US" altLang="ko-KR" sz="2400" dirty="0"/>
+              <a:t>-&gt;</a:t>
+            </a:r>
+            <a:r>
+              <a:rPr lang="ko-KR" altLang="en-US" sz="2400" dirty="0"/>
+              <a:t>일반</a:t>
+            </a:r>
+            <a:r>
+              <a:rPr lang="en-US" altLang="ko-KR" sz="2400" dirty="0"/>
+              <a:t>-</a:t>
+            </a:r>
+            <a:r>
+              <a:rPr lang="ko-KR" altLang="en-US" sz="2400" dirty="0"/>
+              <a:t>실험단계</a:t>
+            </a:r>
+            <a:r>
+              <a:rPr lang="en-US" altLang="ko-KR" sz="2400" dirty="0"/>
+              <a:t>-EQS</a:t>
+            </a:r>
+          </a:p>
+          <a:p>
+            <a:r>
+              <a:rPr lang="ko-KR" altLang="en-US" sz="2400" dirty="0"/>
+              <a:t>주변환경에 대한 질의 </a:t>
+            </a:r>
+            <a:r>
+              <a:rPr lang="en-US" altLang="ko-KR" sz="2400" dirty="0"/>
+              <a:t>– </a:t>
+            </a:r>
+            <a:r>
+              <a:rPr lang="ko-KR" altLang="en-US" sz="2400" dirty="0"/>
+              <a:t>가장 적합한 위치 </a:t>
+            </a:r>
+            <a:r>
+              <a:rPr lang="en-US" altLang="ko-KR" sz="2400" dirty="0"/>
+              <a:t>Or </a:t>
+            </a:r>
+            <a:r>
+              <a:rPr lang="ko-KR" altLang="en-US" sz="2400" dirty="0" err="1"/>
+              <a:t>액터</a:t>
+            </a:r>
+            <a:r>
+              <a:rPr lang="ko-KR" altLang="en-US" sz="2400" dirty="0"/>
+              <a:t> 찾기 </a:t>
+            </a:r>
+            <a:endParaRPr lang="en-US" altLang="ko-KR" sz="2400" dirty="0"/>
+          </a:p>
+          <a:p>
+            <a:r>
+              <a:rPr lang="ko-KR" altLang="en-US" sz="2400" dirty="0"/>
+              <a:t>질의한 </a:t>
+            </a:r>
+            <a:r>
+              <a:rPr lang="en-US" altLang="ko-KR" sz="2400" dirty="0"/>
+              <a:t>AI</a:t>
+            </a:r>
+            <a:r>
+              <a:rPr lang="ko-KR" altLang="en-US" sz="2400" dirty="0"/>
+              <a:t>의 월드</a:t>
+            </a:r>
+            <a:r>
+              <a:rPr lang="en-US" altLang="ko-KR" sz="2400" dirty="0"/>
+              <a:t> </a:t>
+            </a:r>
+            <a:r>
+              <a:rPr lang="ko-KR" altLang="en-US" sz="2400" dirty="0"/>
+              <a:t>위치</a:t>
+            </a:r>
+            <a:r>
+              <a:rPr lang="en-US" altLang="ko-KR" sz="2400" dirty="0"/>
+              <a:t>,</a:t>
+            </a:r>
+            <a:r>
+              <a:rPr lang="ko-KR" altLang="en-US" sz="2400" dirty="0"/>
+              <a:t>방향 에서  시작됨</a:t>
+            </a:r>
+            <a:endParaRPr lang="en-US" altLang="ko-KR" sz="2400" dirty="0"/>
+          </a:p>
+          <a:p>
+            <a:r>
+              <a:rPr lang="ko-KR" altLang="en-US" sz="2400" dirty="0"/>
+              <a:t>각 위치</a:t>
+            </a:r>
+            <a:r>
+              <a:rPr lang="en-US" altLang="ko-KR" sz="2400" dirty="0"/>
+              <a:t>(</a:t>
+            </a:r>
+            <a:r>
+              <a:rPr lang="ko-KR" altLang="en-US" sz="2400" dirty="0" err="1"/>
+              <a:t>액터</a:t>
+            </a:r>
+            <a:r>
+              <a:rPr lang="en-US" altLang="ko-KR" sz="2400" dirty="0"/>
+              <a:t>)</a:t>
+            </a:r>
+            <a:r>
+              <a:rPr lang="ko-KR" altLang="en-US" sz="2400" dirty="0"/>
+              <a:t>마다 </a:t>
+            </a:r>
+            <a:r>
+              <a:rPr lang="en-US" altLang="ko-KR" sz="2400" dirty="0"/>
+              <a:t>Test</a:t>
+            </a:r>
+            <a:r>
+              <a:rPr lang="ko-KR" altLang="en-US" sz="2400" dirty="0"/>
+              <a:t>하여 </a:t>
+            </a:r>
+            <a:r>
+              <a:rPr lang="en-US" altLang="ko-KR" sz="2400" dirty="0"/>
+              <a:t>Score </a:t>
+            </a:r>
+            <a:r>
+              <a:rPr lang="ko-KR" altLang="en-US" sz="2400" dirty="0"/>
+              <a:t>하여</a:t>
+            </a:r>
+            <a:r>
+              <a:rPr lang="en-US" altLang="ko-KR" sz="2400" dirty="0"/>
+              <a:t> </a:t>
+            </a:r>
+            <a:r>
+              <a:rPr lang="ko-KR" altLang="en-US" sz="2400" dirty="0"/>
+              <a:t>점수가 </a:t>
+            </a:r>
+            <a:r>
+              <a:rPr lang="ko-KR" altLang="en-US" sz="2400" dirty="0" err="1"/>
+              <a:t>높은것을</a:t>
+            </a:r>
+            <a:r>
+              <a:rPr lang="ko-KR" altLang="en-US" sz="2400" dirty="0"/>
+              <a:t> 선택</a:t>
+            </a:r>
+            <a:endParaRPr lang="en-US" altLang="ko-KR" sz="2400" dirty="0"/>
+          </a:p>
+          <a:p>
+            <a:pPr marL="0" indent="0">
+              <a:buNone/>
+            </a:pPr>
+            <a:r>
+              <a:rPr lang="ko-KR" altLang="en-US" sz="2400" dirty="0"/>
+              <a:t>예</a:t>
+            </a:r>
+            <a:r>
+              <a:rPr lang="en-US" altLang="ko-KR" sz="2400" dirty="0"/>
+              <a:t>) </a:t>
+            </a:r>
+            <a:r>
+              <a:rPr lang="ko-KR" altLang="en-US" sz="2400" dirty="0"/>
+              <a:t>플레이어에게</a:t>
+            </a:r>
+            <a:r>
+              <a:rPr lang="en-US" altLang="ko-KR" sz="2400" dirty="0"/>
+              <a:t> </a:t>
+            </a:r>
+            <a:r>
+              <a:rPr lang="ko-KR" altLang="en-US" sz="2400" dirty="0" err="1"/>
+              <a:t>안보이는곳</a:t>
+            </a:r>
+            <a:r>
+              <a:rPr lang="ko-KR" altLang="en-US" sz="2400" dirty="0"/>
+              <a:t> </a:t>
+            </a:r>
+            <a:r>
+              <a:rPr lang="en-US" altLang="ko-KR" sz="2400" dirty="0"/>
+              <a:t>+2 </a:t>
+            </a:r>
+          </a:p>
+          <a:p>
+            <a:pPr marL="0" indent="0">
+              <a:buNone/>
+            </a:pPr>
+            <a:r>
+              <a:rPr lang="ko-KR" altLang="en-US" sz="2400" dirty="0"/>
+              <a:t>예</a:t>
+            </a:r>
+            <a:r>
+              <a:rPr lang="en-US" altLang="ko-KR" sz="2400" dirty="0"/>
+              <a:t>) AI</a:t>
+            </a:r>
+            <a:r>
+              <a:rPr lang="ko-KR" altLang="en-US" sz="2400" dirty="0"/>
+              <a:t>현재 위치에서 가장 </a:t>
+            </a:r>
+            <a:r>
+              <a:rPr lang="ko-KR" altLang="en-US" sz="2400" dirty="0" err="1"/>
+              <a:t>가까운곳</a:t>
+            </a:r>
+            <a:r>
+              <a:rPr lang="en-US" altLang="ko-KR" sz="2400" dirty="0"/>
+              <a:t>(+1) 0.9,0.8…0.2,0.1</a:t>
+            </a:r>
+            <a:r>
+              <a:rPr lang="ko-KR" altLang="en-US" sz="2400" dirty="0"/>
+              <a:t> </a:t>
+            </a:r>
+            <a:r>
+              <a:rPr lang="ko-KR" altLang="en-US" sz="2400" dirty="0" err="1"/>
+              <a:t>먼곳</a:t>
+            </a:r>
+            <a:r>
+              <a:rPr lang="en-US" altLang="ko-KR" sz="2400" dirty="0"/>
+              <a:t>(+0)</a:t>
+            </a:r>
+          </a:p>
+          <a:p>
+            <a:pPr marL="0" indent="0">
+              <a:buNone/>
+            </a:pPr>
+            <a:r>
+              <a:rPr lang="ko-KR" altLang="en-US" sz="2400" dirty="0"/>
+              <a:t>예</a:t>
+            </a:r>
+            <a:r>
+              <a:rPr lang="en-US" altLang="ko-KR" sz="2400" dirty="0"/>
+              <a:t>) </a:t>
+            </a:r>
+            <a:r>
+              <a:rPr lang="ko-KR" altLang="en-US" sz="2400" dirty="0"/>
+              <a:t>플레이어에서 가장 </a:t>
+            </a:r>
+            <a:r>
+              <a:rPr lang="ko-KR" altLang="en-US" sz="2400" dirty="0" err="1"/>
+              <a:t>가까운곳</a:t>
+            </a:r>
+            <a:r>
+              <a:rPr lang="en-US" altLang="ko-KR" sz="2400" dirty="0"/>
+              <a:t>(+0) 0.1,0.2 … 0.8,0.9 </a:t>
+            </a:r>
+            <a:r>
+              <a:rPr lang="ko-KR" altLang="en-US" sz="2400" dirty="0" err="1"/>
+              <a:t>먼곳</a:t>
+            </a:r>
+            <a:r>
+              <a:rPr lang="en-US" altLang="ko-KR" sz="2400" dirty="0"/>
+              <a:t>(+1)</a:t>
+            </a:r>
+          </a:p>
+          <a:p>
+            <a:r>
+              <a:rPr lang="en-US" altLang="ko-KR" sz="2400" dirty="0" err="1"/>
+              <a:t>BehaviorTree</a:t>
+            </a:r>
+            <a:r>
+              <a:rPr lang="ko-KR" altLang="en-US" sz="2400" dirty="0"/>
+              <a:t>에서 </a:t>
+            </a:r>
+            <a:r>
+              <a:rPr lang="en-US" altLang="ko-KR" sz="2400" dirty="0"/>
+              <a:t>EQS </a:t>
+            </a:r>
+            <a:r>
+              <a:rPr lang="ko-KR" altLang="en-US" sz="2400" dirty="0"/>
+              <a:t>질의 결과는 </a:t>
+            </a:r>
+            <a:r>
+              <a:rPr lang="en-US" altLang="ko-KR" sz="2400" dirty="0"/>
+              <a:t>Location or Actor </a:t>
+            </a:r>
+            <a:r>
+              <a:rPr lang="ko-KR" altLang="en-US" sz="2400" dirty="0"/>
+              <a:t>로 </a:t>
+            </a:r>
+            <a:r>
+              <a:rPr lang="en-US" altLang="ko-KR" sz="2400" dirty="0"/>
+              <a:t>Blackboard</a:t>
+            </a:r>
+            <a:r>
+              <a:rPr lang="ko-KR" altLang="en-US" sz="2400" dirty="0"/>
+              <a:t>에 갱신됨</a:t>
+            </a:r>
+            <a:r>
+              <a:rPr lang="en-US" altLang="ko-KR" sz="2400" dirty="0"/>
+              <a:t>.</a:t>
+            </a:r>
+          </a:p>
+          <a:p>
+            <a:endParaRPr lang="en-US" altLang="ko-KR" sz="1400" dirty="0"/>
+          </a:p>
+          <a:p>
+            <a:endParaRPr lang="ko-KR" altLang="en-US" sz="1400" dirty="0"/>
+          </a:p>
+        </p:txBody>
+      </p:sp>
+    </p:spTree>
+    <p:extLst>
+      <p:ext uri="{BB962C8B-B14F-4D97-AF65-F5344CB8AC3E}">
+        <p14:creationId xmlns:p14="http://schemas.microsoft.com/office/powerpoint/2010/main" val="422516092"/>
+      </p:ext>
+    </p:extLst>
+  </p:cSld>
+  <p:clrMapOvr>
+    <a:overrideClrMapping bg1="dk1" tx1="lt1" bg2="dk2" tx2="lt2" accent1="accent1" accent2="accent2" accent3="accent3" accent4="accent4" accent5="accent5" accent6="accent6" hlink="hlink" folHlink="folHlink"/>
+  </p:clrMapOvr>
+</p:sld>
+</file>
+
+<file path=ppt/slides/slide35.xml><?xml version="1.0" encoding="utf-8"?>
+<p:sld xmlns:a="http://schemas.openxmlformats.org/drawingml/2006/main" xmlns:r="http://schemas.openxmlformats.org/officeDocument/2006/relationships" xmlns:p="http://schemas.openxmlformats.org/presentationml/2006/main">
+  <p:cSld>
+    <p:bg>
+      <p:bgPr>
+        <a:solidFill>
+          <a:schemeClr val="bg1"/>
+        </a:solidFill>
+        <a:effectLst/>
+      </p:bgPr>
+    </p:bg>
+    <p:spTree>
+      <p:nvGrpSpPr>
+        <p:cNvPr id="1" name=""/>
+        <p:cNvGrpSpPr/>
+        <p:nvPr/>
+      </p:nvGrpSpPr>
+      <p:grpSpPr>
+        <a:xfrm>
+          <a:off x="0" y="0"/>
+          <a:ext cx="0" cy="0"/>
+          <a:chOff x="0" y="0"/>
+          <a:chExt cx="0" cy="0"/>
+        </a:xfrm>
+      </p:grpSpPr>
+      <p:pic>
+        <p:nvPicPr>
+          <p:cNvPr id="5" name="그림 4">
+            <a:extLst>
+              <a:ext uri="{FF2B5EF4-FFF2-40B4-BE49-F238E27FC236}">
                 <a16:creationId xmlns:a16="http://schemas.microsoft.com/office/drawing/2014/main" id="{91E0FBD8-B000-4058-910C-99307BFB38E9}"/>
               </a:ext>
             </a:extLst>
@@ -11384,7 +11658,7 @@
 </p:sld>
 </file>
 
-<file path=ppt/slides/slide35.xml><?xml version="1.0" encoding="utf-8"?>
+<file path=ppt/slides/slide36.xml><?xml version="1.0" encoding="utf-8"?>
 <p:sld xmlns:a="http://schemas.openxmlformats.org/drawingml/2006/main" xmlns:r="http://schemas.openxmlformats.org/officeDocument/2006/relationships" xmlns:p="http://schemas.openxmlformats.org/presentationml/2006/main">
   <p:cSld>
     <p:spTree>
@@ -11641,7 +11915,7 @@
 </p:sld>
 </file>
 
-<file path=ppt/slides/slide36.xml><?xml version="1.0" encoding="utf-8"?>
+<file path=ppt/slides/slide37.xml><?xml version="1.0" encoding="utf-8"?>
 <p:sld xmlns:a="http://schemas.openxmlformats.org/drawingml/2006/main" xmlns:r="http://schemas.openxmlformats.org/officeDocument/2006/relationships" xmlns:p="http://schemas.openxmlformats.org/presentationml/2006/main">
   <p:cSld>
     <p:spTree>
@@ -12270,7 +12544,7 @@
 </p:sld>
 </file>
 
-<file path=ppt/slides/slide37.xml><?xml version="1.0" encoding="utf-8"?>
+<file path=ppt/slides/slide38.xml><?xml version="1.0" encoding="utf-8"?>
 <p:sld xmlns:a="http://schemas.openxmlformats.org/drawingml/2006/main" xmlns:r="http://schemas.openxmlformats.org/officeDocument/2006/relationships" xmlns:p="http://schemas.openxmlformats.org/presentationml/2006/main">
   <p:cSld>
     <p:spTree>
@@ -12573,7 +12847,7 @@
 </p:sld>
 </file>
 
-<file path=ppt/slides/slide38.xml><?xml version="1.0" encoding="utf-8"?>
+<file path=ppt/slides/slide39.xml><?xml version="1.0" encoding="utf-8"?>
 <p:sld xmlns:a="http://schemas.openxmlformats.org/drawingml/2006/main" xmlns:r="http://schemas.openxmlformats.org/officeDocument/2006/relationships" xmlns:p="http://schemas.openxmlformats.org/presentationml/2006/main">
   <p:cSld>
     <p:spTree>
@@ -12863,7 +13137,198 @@
 </p:sld>
 </file>
 
-<file path=ppt/slides/slide39.xml><?xml version="1.0" encoding="utf-8"?>
+<file path=ppt/slides/slide4.xml><?xml version="1.0" encoding="utf-8"?>
+<p:sld xmlns:a="http://schemas.openxmlformats.org/drawingml/2006/main" xmlns:r="http://schemas.openxmlformats.org/officeDocument/2006/relationships" xmlns:p="http://schemas.openxmlformats.org/presentationml/2006/main">
+  <p:cSld>
+    <p:spTree>
+      <p:nvGrpSpPr>
+        <p:cNvPr id="1" name=""/>
+        <p:cNvGrpSpPr/>
+        <p:nvPr/>
+      </p:nvGrpSpPr>
+      <p:grpSpPr>
+        <a:xfrm>
+          <a:off x="0" y="0"/>
+          <a:ext cx="0" cy="0"/>
+          <a:chOff x="0" y="0"/>
+          <a:chExt cx="0" cy="0"/>
+        </a:xfrm>
+      </p:grpSpPr>
+      <p:sp>
+        <p:nvSpPr>
+          <p:cNvPr id="2" name="제목 1">
+            <a:extLst>
+              <a:ext uri="{FF2B5EF4-FFF2-40B4-BE49-F238E27FC236}">
+                <a16:creationId xmlns:a16="http://schemas.microsoft.com/office/drawing/2014/main" id="{B77DDFEC-FC21-4492-B664-38E709250165}"/>
+              </a:ext>
+            </a:extLst>
+          </p:cNvPr>
+          <p:cNvSpPr>
+            <a:spLocks noGrp="1"/>
+          </p:cNvSpPr>
+          <p:nvPr>
+            <p:ph type="title"/>
+          </p:nvPr>
+        </p:nvSpPr>
+        <p:spPr/>
+        <p:txBody>
+          <a:bodyPr/>
+          <a:lstStyle/>
+          <a:p>
+            <a:r>
+              <a:rPr lang="en-US" altLang="ko-KR" dirty="0"/>
+              <a:t>Navigation </a:t>
+            </a:r>
+            <a:r>
+              <a:rPr lang="ko-KR" altLang="en-US" dirty="0"/>
+              <a:t>활용</a:t>
+            </a:r>
+            <a:r>
+              <a:rPr lang="en-US" altLang="ko-KR" dirty="0"/>
+              <a:t>, 1.</a:t>
+            </a:r>
+            <a:r>
+              <a:rPr lang="ko-KR" altLang="en-US" dirty="0"/>
+              <a:t> 랜덤 </a:t>
+            </a:r>
+            <a:r>
+              <a:rPr lang="ko-KR" altLang="en-US" dirty="0" err="1"/>
+              <a:t>위치얻기</a:t>
+            </a:r>
+            <a:r>
+              <a:rPr lang="ko-KR" altLang="en-US" dirty="0"/>
+              <a:t> </a:t>
+            </a:r>
+          </a:p>
+        </p:txBody>
+      </p:sp>
+      <p:sp>
+        <p:nvSpPr>
+          <p:cNvPr id="3" name="내용 개체 틀 2">
+            <a:extLst>
+              <a:ext uri="{FF2B5EF4-FFF2-40B4-BE49-F238E27FC236}">
+                <a16:creationId xmlns:a16="http://schemas.microsoft.com/office/drawing/2014/main" id="{494E0657-1DB4-48D1-89A0-D4706A42BCA0}"/>
+              </a:ext>
+            </a:extLst>
+          </p:cNvPr>
+          <p:cNvSpPr>
+            <a:spLocks noGrp="1"/>
+          </p:cNvSpPr>
+          <p:nvPr>
+            <p:ph idx="1"/>
+          </p:nvPr>
+        </p:nvSpPr>
+        <p:spPr/>
+        <p:txBody>
+          <a:bodyPr/>
+          <a:lstStyle/>
+          <a:p>
+            <a:r>
+              <a:rPr lang="en-US" altLang="ko-KR" dirty="0" err="1"/>
+              <a:t>GetRandomPointInNavigableRadius</a:t>
+            </a:r>
+            <a:r>
+              <a:rPr lang="en-US" altLang="ko-KR" dirty="0"/>
+              <a:t> </a:t>
+            </a:r>
+            <a:r>
+              <a:rPr lang="ko-KR" altLang="en-US" dirty="0"/>
+              <a:t>노드</a:t>
+            </a:r>
+            <a:endParaRPr lang="en-US" altLang="ko-KR" dirty="0"/>
+          </a:p>
+          <a:p>
+            <a:pPr marL="0" indent="0">
+              <a:buNone/>
+            </a:pPr>
+            <a:r>
+              <a:rPr lang="en-US" altLang="ko-KR" dirty="0" err="1"/>
+              <a:t>Orgin</a:t>
+            </a:r>
+            <a:r>
+              <a:rPr lang="ko-KR" altLang="en-US" dirty="0"/>
+              <a:t>에서 부터 주위 반경에서 </a:t>
+            </a:r>
+            <a:r>
+              <a:rPr lang="ko-KR" altLang="en-US" dirty="0" err="1"/>
+              <a:t>랜덤한</a:t>
+            </a:r>
+            <a:r>
+              <a:rPr lang="ko-KR" altLang="en-US" dirty="0"/>
+              <a:t> 곳</a:t>
+            </a:r>
+            <a:r>
+              <a:rPr lang="en-US" altLang="ko-KR" dirty="0"/>
+              <a:t> </a:t>
+            </a:r>
+            <a:r>
+              <a:rPr lang="ko-KR" altLang="en-US" dirty="0"/>
+              <a:t>리턴 </a:t>
+            </a:r>
+            <a:r>
+              <a:rPr lang="en-US" altLang="ko-KR" dirty="0"/>
+              <a:t>, </a:t>
+            </a:r>
+            <a:r>
+              <a:rPr lang="ko-KR" altLang="en-US" dirty="0"/>
+              <a:t>가능한지 확인</a:t>
+            </a:r>
+            <a:r>
+              <a:rPr lang="en-US" altLang="ko-KR" dirty="0"/>
+              <a:t>x</a:t>
+            </a:r>
+          </a:p>
+          <a:p>
+            <a:r>
+              <a:rPr lang="en-US" altLang="ko-KR" dirty="0" err="1"/>
+              <a:t>GetRandomReachablePointInRadius</a:t>
+            </a:r>
+            <a:r>
+              <a:rPr lang="en-US" altLang="ko-KR" dirty="0"/>
+              <a:t> </a:t>
+            </a:r>
+            <a:r>
+              <a:rPr lang="ko-KR" altLang="en-US" dirty="0"/>
+              <a:t>노드</a:t>
+            </a:r>
+            <a:endParaRPr lang="en-US" altLang="ko-KR" dirty="0"/>
+          </a:p>
+          <a:p>
+            <a:pPr marL="0" indent="0">
+              <a:buNone/>
+            </a:pPr>
+            <a:r>
+              <a:rPr lang="ko-KR" altLang="en-US" dirty="0"/>
+              <a:t>위와 같지만 </a:t>
+            </a:r>
+            <a:r>
+              <a:rPr lang="en-US" altLang="ko-KR" dirty="0" err="1"/>
+              <a:t>Orgin</a:t>
+            </a:r>
+            <a:r>
+              <a:rPr lang="ko-KR" altLang="en-US" dirty="0"/>
+              <a:t>에서 이동 가능한곳 </a:t>
+            </a:r>
+          </a:p>
+          <a:p>
+            <a:endParaRPr lang="ko-KR" altLang="en-US" dirty="0"/>
+          </a:p>
+        </p:txBody>
+      </p:sp>
+    </p:spTree>
+    <p:extLst>
+      <p:ext uri="{BB962C8B-B14F-4D97-AF65-F5344CB8AC3E}">
+        <p14:creationId xmlns:p14="http://schemas.microsoft.com/office/powerpoint/2010/main" val="2632820183"/>
+      </p:ext>
+    </p:extLst>
+  </p:cSld>
+  <p:clrMapOvr>
+    <a:masterClrMapping/>
+  </p:clrMapOvr>
+</p:sld>
+</file>
+
+<file path=ppt/slides/slide40.xml><?xml version="1.0" encoding="utf-8"?>
 <p:sld xmlns:a="http://schemas.openxmlformats.org/drawingml/2006/main" xmlns:r="http://schemas.openxmlformats.org/officeDocument/2006/relationships" xmlns:p="http://schemas.openxmlformats.org/presentationml/2006/main">
   <p:cSld>
     <p:bg>
@@ -13476,7 +13941,7 @@
 </p:sld>
 </file>
 
-<file path=ppt/slides/slide4.xml><?xml version="1.0" encoding="utf-8"?>
+<file path=ppt/slides/slide41.xml><?xml version="1.0" encoding="utf-8"?>
 <p:sld xmlns:a="http://schemas.openxmlformats.org/drawingml/2006/main" xmlns:r="http://schemas.openxmlformats.org/officeDocument/2006/relationships" xmlns:p="http://schemas.openxmlformats.org/presentationml/2006/main">
   <p:cSld>
     <p:spTree>
@@ -13495,10 +13960,10 @@
       </p:grpSpPr>
       <p:sp>
         <p:nvSpPr>
-          <p:cNvPr id="2" name="제목 1">
-            <a:extLst>
-              <a:ext uri="{FF2B5EF4-FFF2-40B4-BE49-F238E27FC236}">
-                <a16:creationId xmlns:a16="http://schemas.microsoft.com/office/drawing/2014/main" id="{B77DDFEC-FC21-4492-B664-38E709250165}"/>
+          <p:cNvPr id="4" name="제목 3">
+            <a:extLst>
+              <a:ext uri="{FF2B5EF4-FFF2-40B4-BE49-F238E27FC236}">
+                <a16:creationId xmlns:a16="http://schemas.microsoft.com/office/drawing/2014/main" id="{2DB23FF4-911A-42E8-9552-0AA52B3CA701}"/>
               </a:ext>
             </a:extLst>
           </p:cNvPr>
@@ -13515,38 +13980,26 @@
           <a:lstStyle/>
           <a:p>
             <a:r>
-              <a:rPr lang="en-US" altLang="ko-KR" dirty="0"/>
-              <a:t>Navigation </a:t>
-            </a:r>
-            <a:r>
-              <a:rPr lang="ko-KR" altLang="en-US" dirty="0"/>
-              <a:t>활용</a:t>
-            </a:r>
-            <a:r>
-              <a:rPr lang="en-US" altLang="ko-KR" dirty="0"/>
-              <a:t>, 1.</a:t>
-            </a:r>
-            <a:r>
-              <a:rPr lang="ko-KR" altLang="en-US" dirty="0"/>
-              <a:t> 랜덤 </a:t>
-            </a:r>
-            <a:r>
-              <a:rPr lang="ko-KR" altLang="en-US" dirty="0" err="1"/>
-              <a:t>위치얻기</a:t>
-            </a:r>
-            <a:r>
-              <a:rPr lang="ko-KR" altLang="en-US" dirty="0"/>
+              <a:rPr lang="en-US" altLang="ko-KR" dirty="0" err="1"/>
+              <a:t>CustomGenerator</a:t>
+            </a:r>
+            <a:r>
+              <a:rPr lang="en-US" altLang="ko-KR" dirty="0"/>
               <a:t> </a:t>
             </a:r>
-          </a:p>
-        </p:txBody>
-      </p:sp>
-      <p:sp>
-        <p:nvSpPr>
-          <p:cNvPr id="3" name="내용 개체 틀 2">
-            <a:extLst>
-              <a:ext uri="{FF2B5EF4-FFF2-40B4-BE49-F238E27FC236}">
-                <a16:creationId xmlns:a16="http://schemas.microsoft.com/office/drawing/2014/main" id="{494E0657-1DB4-48D1-89A0-D4706A42BCA0}"/>
+            <a:r>
+              <a:rPr lang="ko-KR" altLang="en-US" dirty="0"/>
+              <a:t>개요</a:t>
+            </a:r>
+          </a:p>
+        </p:txBody>
+      </p:sp>
+      <p:sp>
+        <p:nvSpPr>
+          <p:cNvPr id="5" name="내용 개체 틀 4">
+            <a:extLst>
+              <a:ext uri="{FF2B5EF4-FFF2-40B4-BE49-F238E27FC236}">
+                <a16:creationId xmlns:a16="http://schemas.microsoft.com/office/drawing/2014/main" id="{98A0067B-64B1-41D7-B355-3509F314B205}"/>
               </a:ext>
             </a:extLst>
           </p:cNvPr>
@@ -13559,195 +14012,18 @@
         </p:nvSpPr>
         <p:spPr/>
         <p:txBody>
-          <a:bodyPr/>
-          <a:lstStyle/>
-          <a:p>
-            <a:r>
-              <a:rPr lang="en-US" altLang="ko-KR" dirty="0" err="1"/>
-              <a:t>GetRandomPointInNavigableRadius</a:t>
-            </a:r>
-            <a:r>
-              <a:rPr lang="en-US" altLang="ko-KR" dirty="0"/>
-              <a:t> </a:t>
-            </a:r>
-            <a:r>
-              <a:rPr lang="ko-KR" altLang="en-US" dirty="0"/>
-              <a:t>노드</a:t>
-            </a:r>
-            <a:endParaRPr lang="en-US" altLang="ko-KR" dirty="0"/>
-          </a:p>
-          <a:p>
-            <a:pPr marL="0" indent="0">
-              <a:buNone/>
-            </a:pPr>
-            <a:r>
-              <a:rPr lang="en-US" altLang="ko-KR" dirty="0" err="1"/>
-              <a:t>Orgin</a:t>
-            </a:r>
-            <a:r>
-              <a:rPr lang="ko-KR" altLang="en-US" dirty="0"/>
-              <a:t>에서 부터 주위 반경에서 </a:t>
-            </a:r>
-            <a:r>
-              <a:rPr lang="ko-KR" altLang="en-US" dirty="0" err="1"/>
-              <a:t>랜덤한</a:t>
-            </a:r>
-            <a:r>
-              <a:rPr lang="ko-KR" altLang="en-US" dirty="0"/>
-              <a:t> 곳</a:t>
-            </a:r>
-            <a:r>
-              <a:rPr lang="en-US" altLang="ko-KR" dirty="0"/>
-              <a:t> </a:t>
-            </a:r>
-            <a:r>
-              <a:rPr lang="ko-KR" altLang="en-US" dirty="0"/>
-              <a:t>리턴 </a:t>
-            </a:r>
-            <a:r>
-              <a:rPr lang="en-US" altLang="ko-KR" dirty="0"/>
-              <a:t>, </a:t>
-            </a:r>
-            <a:r>
-              <a:rPr lang="ko-KR" altLang="en-US" dirty="0"/>
-              <a:t>가능한지 확인</a:t>
-            </a:r>
-            <a:r>
-              <a:rPr lang="en-US" altLang="ko-KR" dirty="0"/>
-              <a:t>x</a:t>
-            </a:r>
-          </a:p>
-          <a:p>
-            <a:r>
-              <a:rPr lang="en-US" altLang="ko-KR" dirty="0" err="1"/>
-              <a:t>GetRandomReachablePointInRadius</a:t>
-            </a:r>
-            <a:r>
-              <a:rPr lang="en-US" altLang="ko-KR" dirty="0"/>
-              <a:t> </a:t>
-            </a:r>
-            <a:r>
-              <a:rPr lang="ko-KR" altLang="en-US" dirty="0"/>
-              <a:t>노드</a:t>
-            </a:r>
-            <a:endParaRPr lang="en-US" altLang="ko-KR" dirty="0"/>
-          </a:p>
-          <a:p>
-            <a:pPr marL="0" indent="0">
-              <a:buNone/>
-            </a:pPr>
-            <a:r>
-              <a:rPr lang="ko-KR" altLang="en-US" dirty="0"/>
-              <a:t>위와 같지만 </a:t>
-            </a:r>
-            <a:r>
-              <a:rPr lang="en-US" altLang="ko-KR" dirty="0" err="1"/>
-              <a:t>Orgin</a:t>
-            </a:r>
-            <a:r>
-              <a:rPr lang="ko-KR" altLang="en-US" dirty="0"/>
-              <a:t>에서 이동 가능한곳 </a:t>
-            </a:r>
-          </a:p>
-          <a:p>
-            <a:endParaRPr lang="ko-KR" altLang="en-US" dirty="0"/>
-          </a:p>
-        </p:txBody>
-      </p:sp>
-    </p:spTree>
-    <p:extLst>
-      <p:ext uri="{BB962C8B-B14F-4D97-AF65-F5344CB8AC3E}">
-        <p14:creationId xmlns:p14="http://schemas.microsoft.com/office/powerpoint/2010/main" val="2632820183"/>
-      </p:ext>
-    </p:extLst>
-  </p:cSld>
-  <p:clrMapOvr>
-    <a:masterClrMapping/>
-  </p:clrMapOvr>
-</p:sld>
-</file>
-
-<file path=ppt/slides/slide40.xml><?xml version="1.0" encoding="utf-8"?>
-<p:sld xmlns:a="http://schemas.openxmlformats.org/drawingml/2006/main" xmlns:r="http://schemas.openxmlformats.org/officeDocument/2006/relationships" xmlns:p="http://schemas.openxmlformats.org/presentationml/2006/main">
-  <p:cSld>
-    <p:spTree>
-      <p:nvGrpSpPr>
-        <p:cNvPr id="1" name=""/>
-        <p:cNvGrpSpPr/>
-        <p:nvPr/>
-      </p:nvGrpSpPr>
-      <p:grpSpPr>
-        <a:xfrm>
-          <a:off x="0" y="0"/>
-          <a:ext cx="0" cy="0"/>
-          <a:chOff x="0" y="0"/>
-          <a:chExt cx="0" cy="0"/>
-        </a:xfrm>
-      </p:grpSpPr>
-      <p:sp>
-        <p:nvSpPr>
-          <p:cNvPr id="4" name="제목 3">
-            <a:extLst>
-              <a:ext uri="{FF2B5EF4-FFF2-40B4-BE49-F238E27FC236}">
-                <a16:creationId xmlns:a16="http://schemas.microsoft.com/office/drawing/2014/main" id="{2DB23FF4-911A-42E8-9552-0AA52B3CA701}"/>
-              </a:ext>
-            </a:extLst>
-          </p:cNvPr>
-          <p:cNvSpPr>
-            <a:spLocks noGrp="1"/>
-          </p:cNvSpPr>
-          <p:nvPr>
-            <p:ph type="title"/>
-          </p:nvPr>
-        </p:nvSpPr>
-        <p:spPr/>
-        <p:txBody>
-          <a:bodyPr/>
-          <a:lstStyle/>
-          <a:p>
-            <a:r>
-              <a:rPr lang="en-US" altLang="ko-KR" dirty="0" err="1"/>
-              <a:t>CustomGenerator</a:t>
-            </a:r>
-            <a:r>
-              <a:rPr lang="en-US" altLang="ko-KR" dirty="0"/>
-              <a:t> </a:t>
-            </a:r>
-            <a:r>
-              <a:rPr lang="ko-KR" altLang="en-US" dirty="0"/>
-              <a:t>개요</a:t>
-            </a:r>
-          </a:p>
-        </p:txBody>
-      </p:sp>
-      <p:sp>
-        <p:nvSpPr>
-          <p:cNvPr id="5" name="내용 개체 틀 4">
-            <a:extLst>
-              <a:ext uri="{FF2B5EF4-FFF2-40B4-BE49-F238E27FC236}">
-                <a16:creationId xmlns:a16="http://schemas.microsoft.com/office/drawing/2014/main" id="{98A0067B-64B1-41D7-B355-3509F314B205}"/>
-              </a:ext>
-            </a:extLst>
-          </p:cNvPr>
-          <p:cNvSpPr>
-            <a:spLocks noGrp="1"/>
-          </p:cNvSpPr>
-          <p:nvPr>
-            <p:ph idx="1"/>
-          </p:nvPr>
-        </p:nvSpPr>
-        <p:spPr/>
-        <p:txBody>
-          <a:bodyPr/>
-          <a:lstStyle/>
-          <a:p>
-            <a:r>
-              <a:rPr lang="ko-KR" altLang="en-US" dirty="0" err="1"/>
-              <a:t>블루프린트를</a:t>
-            </a:r>
-            <a:r>
-              <a:rPr lang="ko-KR" altLang="en-US" dirty="0"/>
-              <a:t> 사용하여 </a:t>
+          <a:bodyPr>
+            <a:normAutofit/>
+          </a:bodyPr>
+          <a:lstStyle/>
+          <a:p>
+            <a:r>
+              <a:rPr lang="en-US" altLang="ko-KR" dirty="0"/>
+              <a:t>Blueprint </a:t>
+            </a:r>
+            <a:r>
+              <a:rPr lang="ko-KR" altLang="en-US" dirty="0"/>
+              <a:t>사용하여 후보 </a:t>
             </a:r>
             <a:r>
               <a:rPr lang="en-US" altLang="ko-KR" dirty="0"/>
@@ -13763,7 +14039,7 @@
             </a:r>
             <a:r>
               <a:rPr lang="ko-KR" altLang="en-US" dirty="0"/>
-              <a:t> 목록을 만든다</a:t>
+              <a:t>목록을 만든다</a:t>
             </a:r>
             <a:r>
               <a:rPr lang="en-US" altLang="ko-KR" dirty="0"/>
@@ -13781,9 +14057,21 @@
             </a:r>
             <a:r>
               <a:rPr lang="ko-KR" altLang="en-US" dirty="0"/>
-              <a:t>기반으로 새로운 클래스생성</a:t>
-            </a:r>
-            <a:endParaRPr lang="en-US" altLang="ko-KR" dirty="0"/>
+              <a:t>기반으로 </a:t>
+            </a:r>
+            <a:r>
+              <a:rPr lang="ko-KR" altLang="en-US" dirty="0">
+                <a:solidFill>
+                  <a:srgbClr val="FF0000"/>
+                </a:solidFill>
+              </a:rPr>
+              <a:t>새로운 클래스생성</a:t>
+            </a:r>
+            <a:endParaRPr lang="en-US" altLang="ko-KR" dirty="0">
+              <a:solidFill>
+                <a:srgbClr val="FF0000"/>
+              </a:solidFill>
+            </a:endParaRPr>
           </a:p>
           <a:p>
             <a:r>
@@ -13852,8 +14140,29 @@
             </a:r>
             <a:r>
               <a:rPr lang="en-US" altLang="ko-KR" dirty="0"/>
-              <a:t>.</a:t>
-            </a:r>
+              <a:t>. </a:t>
+            </a:r>
+            <a:r>
+              <a:rPr lang="ko-KR" altLang="en-US" dirty="0"/>
+              <a:t>결과가 </a:t>
+            </a:r>
+            <a:r>
+              <a:rPr lang="en-US" altLang="ko-KR" dirty="0"/>
+              <a:t>Actor</a:t>
+            </a:r>
+            <a:r>
+              <a:rPr lang="ko-KR" altLang="en-US" dirty="0"/>
+              <a:t> 인지 </a:t>
+            </a:r>
+            <a:r>
+              <a:rPr lang="en-US" altLang="ko-KR" dirty="0"/>
+              <a:t>Location</a:t>
+            </a:r>
+            <a:r>
+              <a:rPr lang="ko-KR" altLang="en-US" dirty="0"/>
+              <a:t>인지 선택</a:t>
+            </a:r>
+            <a:endParaRPr lang="en-US" altLang="ko-KR" dirty="0"/>
           </a:p>
           <a:p>
             <a:r>
@@ -13920,7 +14229,39 @@
                   <a:srgbClr val="FF0000"/>
                 </a:solidFill>
               </a:rPr>
-              <a:t>는 기준위치</a:t>
+              <a:t>는 </a:t>
+            </a:r>
+            <a:r>
+              <a:rPr lang="en-US" altLang="ko-KR" dirty="0">
+                <a:solidFill>
+                  <a:srgbClr val="FF0000"/>
+                </a:solidFill>
+              </a:rPr>
+              <a:t>Context</a:t>
+            </a:r>
+            <a:r>
+              <a:rPr lang="ko-KR" altLang="en-US" dirty="0">
+                <a:solidFill>
+                  <a:srgbClr val="FF0000"/>
+                </a:solidFill>
+              </a:rPr>
+              <a:t>에서 정한 </a:t>
+            </a:r>
+            <a:r>
+              <a:rPr lang="en-US" altLang="ko-KR" dirty="0">
+                <a:solidFill>
+                  <a:srgbClr val="FF0000"/>
+                </a:solidFill>
+              </a:rPr>
+              <a:t>Actor</a:t>
+            </a:r>
+            <a:r>
+              <a:rPr lang="ko-KR" altLang="en-US" dirty="0">
+                <a:solidFill>
+                  <a:srgbClr val="FF0000"/>
+                </a:solidFill>
+              </a:rPr>
+              <a:t>위치</a:t>
             </a:r>
             <a:endParaRPr lang="en-US" altLang="ko-KR" dirty="0">
               <a:solidFill>
@@ -13959,7 +14300,7 @@
             </a:r>
             <a:r>
               <a:rPr lang="ko-KR" altLang="en-US" dirty="0"/>
-              <a:t>를 사용하여 목록을 만든다</a:t>
+              <a:t>를 사용하여 후보를 추가한다</a:t>
             </a:r>
             <a:r>
               <a:rPr lang="en-US" altLang="ko-KR" dirty="0"/>
@@ -13984,7 +14325,7 @@
 </p:sld>
 </file>
 
-<file path=ppt/slides/slide41.xml><?xml version="1.0" encoding="utf-8"?>
+<file path=ppt/slides/slide42.xml><?xml version="1.0" encoding="utf-8"?>
 <p:sld xmlns:a="http://schemas.openxmlformats.org/drawingml/2006/main" xmlns:r="http://schemas.openxmlformats.org/officeDocument/2006/relationships" xmlns:p="http://schemas.openxmlformats.org/presentationml/2006/main">
   <p:cSld>
     <p:spTree>
@@ -14373,7 +14714,7 @@
 </p:sld>
 </file>
 
-<file path=ppt/slides/slide42.xml><?xml version="1.0" encoding="utf-8"?>
+<file path=ppt/slides/slide43.xml><?xml version="1.0" encoding="utf-8"?>
 <p:sld xmlns:a="http://schemas.openxmlformats.org/drawingml/2006/main" xmlns:r="http://schemas.openxmlformats.org/officeDocument/2006/relationships" xmlns:p="http://schemas.openxmlformats.org/presentationml/2006/main">
   <p:cSld>
     <p:bg>
@@ -14543,7 +14884,29 @@
                   </a:schemeClr>
                 </a:solidFill>
               </a:rPr>
-              <a:t>에서 사용하기</a:t>
+              <a:t>에서 </a:t>
+            </a:r>
+            <a:r>
+              <a:rPr lang="en-US" altLang="ko-KR" sz="3600" dirty="0" err="1">
+                <a:solidFill>
+                  <a:schemeClr val="tx1">
+                    <a:lumMod val="85000"/>
+                    <a:lumOff val="15000"/>
+                  </a:schemeClr>
+                </a:solidFill>
+              </a:rPr>
+              <a:t>CustomGenerator</a:t>
+            </a:r>
+            <a:r>
+              <a:rPr lang="ko-KR" altLang="en-US" sz="3600" dirty="0">
+                <a:solidFill>
+                  <a:schemeClr val="tx1">
+                    <a:lumMod val="85000"/>
+                    <a:lumOff val="15000"/>
+                  </a:schemeClr>
+                </a:solidFill>
+              </a:rPr>
+              <a:t> 사용하기</a:t>
             </a:r>
             <a:endParaRPr lang="en-US" altLang="ko-KR" sz="3600" dirty="0">
               <a:solidFill>

--- a/Day04/AI.pptx
+++ b/Day04/AI.pptx
@@ -301,7 +301,7 @@
           <a:p>
             <a:fld id="{115769BE-BF1F-4F69-A431-EEF710AC7B3A}" type="datetimeFigureOut">
               <a:rPr lang="ko-KR" altLang="en-US" smtClean="0"/>
-              <a:t>2020-07-21</a:t>
+              <a:t>2020-07-30</a:t>
             </a:fld>
             <a:endParaRPr lang="ko-KR" altLang="en-US"/>
           </a:p>
@@ -499,7 +499,7 @@
           <a:p>
             <a:fld id="{115769BE-BF1F-4F69-A431-EEF710AC7B3A}" type="datetimeFigureOut">
               <a:rPr lang="ko-KR" altLang="en-US" smtClean="0"/>
-              <a:t>2020-07-21</a:t>
+              <a:t>2020-07-30</a:t>
             </a:fld>
             <a:endParaRPr lang="ko-KR" altLang="en-US"/>
           </a:p>
@@ -707,7 +707,7 @@
           <a:p>
             <a:fld id="{115769BE-BF1F-4F69-A431-EEF710AC7B3A}" type="datetimeFigureOut">
               <a:rPr lang="ko-KR" altLang="en-US" smtClean="0"/>
-              <a:t>2020-07-21</a:t>
+              <a:t>2020-07-30</a:t>
             </a:fld>
             <a:endParaRPr lang="ko-KR" altLang="en-US"/>
           </a:p>
@@ -905,7 +905,7 @@
           <a:p>
             <a:fld id="{115769BE-BF1F-4F69-A431-EEF710AC7B3A}" type="datetimeFigureOut">
               <a:rPr lang="ko-KR" altLang="en-US" smtClean="0"/>
-              <a:t>2020-07-21</a:t>
+              <a:t>2020-07-30</a:t>
             </a:fld>
             <a:endParaRPr lang="ko-KR" altLang="en-US"/>
           </a:p>
@@ -1180,7 +1180,7 @@
           <a:p>
             <a:fld id="{115769BE-BF1F-4F69-A431-EEF710AC7B3A}" type="datetimeFigureOut">
               <a:rPr lang="ko-KR" altLang="en-US" smtClean="0"/>
-              <a:t>2020-07-21</a:t>
+              <a:t>2020-07-30</a:t>
             </a:fld>
             <a:endParaRPr lang="ko-KR" altLang="en-US"/>
           </a:p>
@@ -1445,7 +1445,7 @@
           <a:p>
             <a:fld id="{115769BE-BF1F-4F69-A431-EEF710AC7B3A}" type="datetimeFigureOut">
               <a:rPr lang="ko-KR" altLang="en-US" smtClean="0"/>
-              <a:t>2020-07-21</a:t>
+              <a:t>2020-07-30</a:t>
             </a:fld>
             <a:endParaRPr lang="ko-KR" altLang="en-US"/>
           </a:p>
@@ -1857,7 +1857,7 @@
           <a:p>
             <a:fld id="{115769BE-BF1F-4F69-A431-EEF710AC7B3A}" type="datetimeFigureOut">
               <a:rPr lang="ko-KR" altLang="en-US" smtClean="0"/>
-              <a:t>2020-07-21</a:t>
+              <a:t>2020-07-30</a:t>
             </a:fld>
             <a:endParaRPr lang="ko-KR" altLang="en-US"/>
           </a:p>
@@ -1998,7 +1998,7 @@
           <a:p>
             <a:fld id="{115769BE-BF1F-4F69-A431-EEF710AC7B3A}" type="datetimeFigureOut">
               <a:rPr lang="ko-KR" altLang="en-US" smtClean="0"/>
-              <a:t>2020-07-21</a:t>
+              <a:t>2020-07-30</a:t>
             </a:fld>
             <a:endParaRPr lang="ko-KR" altLang="en-US"/>
           </a:p>
@@ -2111,7 +2111,7 @@
           <a:p>
             <a:fld id="{115769BE-BF1F-4F69-A431-EEF710AC7B3A}" type="datetimeFigureOut">
               <a:rPr lang="ko-KR" altLang="en-US" smtClean="0"/>
-              <a:t>2020-07-21</a:t>
+              <a:t>2020-07-30</a:t>
             </a:fld>
             <a:endParaRPr lang="ko-KR" altLang="en-US"/>
           </a:p>
@@ -2422,7 +2422,7 @@
           <a:p>
             <a:fld id="{115769BE-BF1F-4F69-A431-EEF710AC7B3A}" type="datetimeFigureOut">
               <a:rPr lang="ko-KR" altLang="en-US" smtClean="0"/>
-              <a:t>2020-07-21</a:t>
+              <a:t>2020-07-30</a:t>
             </a:fld>
             <a:endParaRPr lang="ko-KR" altLang="en-US"/>
           </a:p>
@@ -2710,7 +2710,7 @@
           <a:p>
             <a:fld id="{115769BE-BF1F-4F69-A431-EEF710AC7B3A}" type="datetimeFigureOut">
               <a:rPr lang="ko-KR" altLang="en-US" smtClean="0"/>
-              <a:t>2020-07-21</a:t>
+              <a:t>2020-07-30</a:t>
             </a:fld>
             <a:endParaRPr lang="ko-KR" altLang="en-US"/>
           </a:p>
@@ -2951,7 +2951,7 @@
           <a:p>
             <a:fld id="{115769BE-BF1F-4F69-A431-EEF710AC7B3A}" type="datetimeFigureOut">
               <a:rPr lang="ko-KR" altLang="en-US" smtClean="0"/>
-              <a:t>2020-07-21</a:t>
+              <a:t>2020-07-30</a:t>
             </a:fld>
             <a:endParaRPr lang="ko-KR" altLang="en-US"/>
           </a:p>
@@ -7617,7 +7617,7 @@
         <p:spPr/>
         <p:txBody>
           <a:bodyPr>
-            <a:normAutofit fontScale="92500"/>
+            <a:normAutofit fontScale="92500" lnSpcReduction="10000"/>
           </a:bodyPr>
           <a:lstStyle/>
           <a:p>
@@ -7883,7 +7883,34 @@
             <a:endParaRPr lang="en-US" altLang="ko-KR" dirty="0"/>
           </a:p>
           <a:p>
-            <a:endParaRPr lang="ko-KR" altLang="en-US" dirty="0"/>
+            <a:r>
+              <a:rPr lang="en-US" altLang="ko-KR" dirty="0" err="1"/>
+              <a:t>StopLogic</a:t>
+            </a:r>
+            <a:r>
+              <a:rPr lang="en-US" altLang="ko-KR" dirty="0"/>
+              <a:t> </a:t>
+            </a:r>
+            <a:r>
+              <a:rPr lang="ko-KR" altLang="en-US" dirty="0"/>
+              <a:t>노드 </a:t>
+            </a:r>
+            <a:r>
+              <a:rPr lang="en-US" altLang="ko-KR" dirty="0"/>
+              <a:t>: </a:t>
+            </a:r>
+            <a:r>
+              <a:rPr lang="en-US" altLang="ko-KR" dirty="0" err="1"/>
+              <a:t>BehaviorTree</a:t>
+            </a:r>
+            <a:r>
+              <a:rPr lang="en-US" altLang="ko-KR" dirty="0"/>
+              <a:t> </a:t>
+            </a:r>
+            <a:r>
+              <a:rPr lang="ko-KR" altLang="en-US" dirty="0"/>
+              <a:t>중지하기</a:t>
+            </a:r>
           </a:p>
         </p:txBody>
       </p:sp>
@@ -11023,12 +11050,20 @@
               <a:t>하여 </a:t>
             </a:r>
             <a:r>
+              <a:rPr lang="en-US" altLang="ko-KR" sz="2400" dirty="0" err="1"/>
+              <a:t>ScoreFactor</a:t>
+            </a:r>
+            <a:r>
+              <a:rPr lang="ko-KR" altLang="en-US" sz="2400" dirty="0"/>
+              <a:t>를 곱함</a:t>
+            </a:r>
+            <a:r>
               <a:rPr lang="en-US" altLang="ko-KR" sz="2400" dirty="0"/>
-              <a:t>Score </a:t>
+              <a:t>. </a:t>
             </a:r>
             <a:r>
               <a:rPr lang="ko-KR" altLang="en-US" sz="2400" dirty="0"/>
-              <a:t>하여</a:t>
+              <a:t>최종</a:t>
             </a:r>
             <a:r>
               <a:rPr lang="en-US" altLang="ko-KR" sz="2400" dirty="0"/>
@@ -11040,7 +11075,7 @@
             </a:r>
             <a:r>
               <a:rPr lang="ko-KR" altLang="en-US" sz="2400" dirty="0" err="1"/>
-              <a:t>높은것을</a:t>
+              <a:t>높은것</a:t>
             </a:r>
             <a:r>
               <a:rPr lang="ko-KR" altLang="en-US" sz="2400" dirty="0"/>
@@ -11069,16 +11104,12 @@
               <a:t> </a:t>
             </a:r>
             <a:r>
-              <a:rPr lang="ko-KR" altLang="en-US" sz="2400" dirty="0" err="1"/>
-              <a:t>안보이는곳</a:t>
-            </a:r>
-            <a:r>
               <a:rPr lang="ko-KR" altLang="en-US" sz="2400" dirty="0"/>
-              <a:t> </a:t>
+              <a:t>안보이는 위치</a:t>
             </a:r>
             <a:r>
               <a:rPr lang="en-US" altLang="ko-KR" sz="2400" dirty="0"/>
-              <a:t>+2 </a:t>
+              <a:t>(x2)   </a:t>
             </a:r>
           </a:p>
           <a:p>
@@ -11095,27 +11126,19 @@
             </a:r>
             <a:r>
               <a:rPr lang="ko-KR" altLang="en-US" sz="2400" dirty="0"/>
-              <a:t>현재 위치에서 가장 </a:t>
-            </a:r>
-            <a:r>
-              <a:rPr lang="ko-KR" altLang="en-US" sz="2400" dirty="0" err="1"/>
-              <a:t>가까운곳</a:t>
+              <a:t>현재 위치에서 가장 가까운 위치</a:t>
             </a:r>
             <a:r>
               <a:rPr lang="en-US" altLang="ko-KR" sz="2400" dirty="0"/>
-              <a:t>(+1) 0.9,0.8…0.2,0.1</a:t>
+              <a:t>(x1)  Near 0.9,0.8…0.2,0.1</a:t>
             </a:r>
             <a:r>
               <a:rPr lang="ko-KR" altLang="en-US" sz="2400" dirty="0"/>
               <a:t> </a:t>
             </a:r>
             <a:r>
-              <a:rPr lang="ko-KR" altLang="en-US" sz="2400" dirty="0" err="1"/>
-              <a:t>먼곳</a:t>
-            </a:r>
-            <a:r>
               <a:rPr lang="en-US" altLang="ko-KR" sz="2400" dirty="0"/>
-              <a:t>(+0)</a:t>
+              <a:t>Far</a:t>
             </a:r>
           </a:p>
           <a:p>
@@ -11132,23 +11155,11 @@
             </a:r>
             <a:r>
               <a:rPr lang="ko-KR" altLang="en-US" sz="2400" dirty="0"/>
-              <a:t>플레이어에서 가장 </a:t>
-            </a:r>
-            <a:r>
-              <a:rPr lang="ko-KR" altLang="en-US" sz="2400" dirty="0" err="1"/>
-              <a:t>가까운곳</a:t>
+              <a:t>플레이어에서 가장 먼 위치</a:t>
             </a:r>
             <a:r>
               <a:rPr lang="en-US" altLang="ko-KR" sz="2400" dirty="0"/>
-              <a:t>(+0) 0.1,0.2 … 0.8,0.9 </a:t>
-            </a:r>
-            <a:r>
-              <a:rPr lang="ko-KR" altLang="en-US" sz="2400" dirty="0" err="1"/>
-              <a:t>먼곳</a:t>
-            </a:r>
-            <a:r>
-              <a:rPr lang="en-US" altLang="ko-KR" sz="2400" dirty="0"/>
-              <a:t>(+1)</a:t>
+              <a:t>(x1)   Far 0.1,0.2 … 0.8,0.9 Near</a:t>
             </a:r>
           </a:p>
           <a:p>
@@ -11993,7 +12004,7 @@
         </p:spPr>
         <p:txBody>
           <a:bodyPr>
-            <a:normAutofit fontScale="77500" lnSpcReduction="20000"/>
+            <a:normAutofit fontScale="55000" lnSpcReduction="20000"/>
           </a:bodyPr>
           <a:lstStyle/>
           <a:p>
@@ -12073,14 +12084,57 @@
             </a:r>
             <a:r>
               <a:rPr lang="ko-KR" altLang="en-US" dirty="0"/>
-              <a:t> 어떤 기준으로 실행할지 결정한다</a:t>
-            </a:r>
-            <a:r>
-              <a:rPr lang="en-US" altLang="ko-KR" dirty="0"/>
-              <a:t>.</a:t>
-            </a:r>
-          </a:p>
-          <a:p>
+              <a:t> 어떤 기준으로 </a:t>
+            </a:r>
+            <a:r>
+              <a:rPr lang="en-US" altLang="ko-KR" dirty="0"/>
+              <a:t>Test</a:t>
+            </a:r>
+            <a:r>
+              <a:rPr lang="ko-KR" altLang="en-US" dirty="0"/>
+              <a:t>할지 결정한다</a:t>
+            </a:r>
+            <a:r>
+              <a:rPr lang="en-US" altLang="ko-KR" dirty="0"/>
+              <a:t>. </a:t>
+            </a:r>
+          </a:p>
+          <a:p>
+            <a:r>
+              <a:rPr lang="en-US" altLang="ko-KR" dirty="0" err="1"/>
+              <a:t>EnvQueryContext_Querier</a:t>
+            </a:r>
+            <a:r>
+              <a:rPr lang="ko-KR" altLang="en-US" dirty="0"/>
+              <a:t>는 기본적으로 </a:t>
+            </a:r>
+            <a:r>
+              <a:rPr lang="en-US" altLang="ko-KR" dirty="0"/>
+              <a:t>AI </a:t>
+            </a:r>
+            <a:r>
+              <a:rPr lang="ko-KR" altLang="en-US" dirty="0"/>
+              <a:t>자신을 의미함</a:t>
+            </a:r>
+            <a:endParaRPr lang="en-US" altLang="ko-KR" dirty="0"/>
+          </a:p>
+          <a:p>
+            <a:r>
+              <a:rPr lang="en-US" altLang="ko-KR" dirty="0"/>
+              <a:t>Player0</a:t>
+            </a:r>
+            <a:r>
+              <a:rPr lang="ko-KR" altLang="en-US" dirty="0"/>
+              <a:t>의 기준으로 </a:t>
+            </a:r>
+            <a:r>
+              <a:rPr lang="en-US" altLang="ko-KR" dirty="0"/>
+              <a:t>Test</a:t>
+            </a:r>
+            <a:r>
+              <a:rPr lang="ko-KR" altLang="en-US" dirty="0"/>
+              <a:t>하는 </a:t>
+            </a:r>
             <a:r>
               <a:rPr lang="en-US" altLang="ko-KR" dirty="0"/>
               <a:t>Context</a:t>
@@ -12130,7 +12184,7 @@
         </p:blipFill>
         <p:spPr>
           <a:xfrm>
-            <a:off x="343126" y="4235450"/>
+            <a:off x="613289" y="4235450"/>
             <a:ext cx="3984049" cy="1987831"/>
           </a:xfrm>
           <a:prstGeom prst="rect">
@@ -12153,7 +12207,7 @@
         <p:spPr>
           <a:xfrm>
             <a:off x="551543" y="3541486"/>
-            <a:ext cx="4107543" cy="830997"/>
+            <a:ext cx="6476550" cy="830997"/>
           </a:xfrm>
           <a:prstGeom prst="rect">
             <a:avLst/>
@@ -12170,46 +12224,10 @@
               <a:rPr lang="en-US" altLang="ko-KR" sz="2400" dirty="0" err="1"/>
               <a:t>EQC_Player</a:t>
             </a:r>
-            <a:endParaRPr lang="en-US" altLang="ko-KR" sz="2400" dirty="0"/>
-          </a:p>
-          <a:p>
-            <a:endParaRPr lang="ko-KR" altLang="en-US" sz="2400" dirty="0"/>
-          </a:p>
-        </p:txBody>
-      </p:sp>
-      <p:sp>
-        <p:nvSpPr>
-          <p:cNvPr id="8" name="TextBox 7">
-            <a:extLst>
-              <a:ext uri="{FF2B5EF4-FFF2-40B4-BE49-F238E27FC236}">
-                <a16:creationId xmlns:a16="http://schemas.microsoft.com/office/drawing/2014/main" id="{D30C20C4-6980-4179-8B7E-7FDAD24E0BBA}"/>
-              </a:ext>
-            </a:extLst>
-          </p:cNvPr>
-          <p:cNvSpPr txBox="1"/>
-          <p:nvPr/>
-        </p:nvSpPr>
-        <p:spPr>
-          <a:xfrm>
-            <a:off x="4327176" y="3541486"/>
-            <a:ext cx="2828368" cy="830997"/>
-          </a:xfrm>
-          <a:prstGeom prst="rect">
-            <a:avLst/>
-          </a:prstGeom>
-          <a:noFill/>
-        </p:spPr>
-        <p:txBody>
-          <a:bodyPr wrap="square" rtlCol="0">
-            <a:spAutoFit/>
-          </a:bodyPr>
-          <a:lstStyle/>
-          <a:p>
-            <a:r>
-              <a:rPr lang="en-US" altLang="ko-KR" sz="2400" dirty="0" err="1"/>
-              <a:t>EQS_ContextPlayer</a:t>
-            </a:r>
-            <a:endParaRPr lang="en-US" altLang="ko-KR" sz="2400" dirty="0"/>
+            <a:r>
+              <a:rPr lang="en-US" altLang="ko-KR" sz="2400" dirty="0"/>
+              <a:t>     </a:t>
+            </a:r>
           </a:p>
           <a:p>
             <a:endParaRPr lang="ko-KR" altLang="en-US" sz="2400" dirty="0"/>
@@ -12218,10 +12236,10 @@
       </p:sp>
       <p:pic>
         <p:nvPicPr>
-          <p:cNvPr id="10" name="그림 9">
-            <a:extLst>
-              <a:ext uri="{FF2B5EF4-FFF2-40B4-BE49-F238E27FC236}">
-                <a16:creationId xmlns:a16="http://schemas.microsoft.com/office/drawing/2014/main" id="{556C607F-1F69-42BD-82F9-A4C163DA7F60}"/>
+          <p:cNvPr id="11" name="그림 10">
+            <a:extLst>
+              <a:ext uri="{FF2B5EF4-FFF2-40B4-BE49-F238E27FC236}">
+                <a16:creationId xmlns:a16="http://schemas.microsoft.com/office/drawing/2014/main" id="{63C713F3-7B83-4724-878F-D58F2C1F3419}"/>
               </a:ext>
             </a:extLst>
           </p:cNvPr>
@@ -12232,36 +12250,6 @@
         </p:nvPicPr>
         <p:blipFill>
           <a:blip r:embed="rId3"/>
-          <a:stretch>
-            <a:fillRect/>
-          </a:stretch>
-        </p:blipFill>
-        <p:spPr>
-          <a:xfrm>
-            <a:off x="4381206" y="4235450"/>
-            <a:ext cx="4199856" cy="1630081"/>
-          </a:xfrm>
-          <a:prstGeom prst="rect">
-            <a:avLst/>
-          </a:prstGeom>
-        </p:spPr>
-      </p:pic>
-      <p:pic>
-        <p:nvPicPr>
-          <p:cNvPr id="11" name="그림 10">
-            <a:extLst>
-              <a:ext uri="{FF2B5EF4-FFF2-40B4-BE49-F238E27FC236}">
-                <a16:creationId xmlns:a16="http://schemas.microsoft.com/office/drawing/2014/main" id="{63C713F3-7B83-4724-878F-D58F2C1F3419}"/>
-              </a:ext>
-            </a:extLst>
-          </p:cNvPr>
-          <p:cNvPicPr>
-            <a:picLocks noChangeAspect="1"/>
-          </p:cNvPicPr>
-          <p:nvPr/>
-        </p:nvPicPr>
-        <p:blipFill>
-          <a:blip r:embed="rId4"/>
           <a:stretch>
             <a:fillRect/>
           </a:stretch>
@@ -12713,6 +12701,48 @@
             <a:r>
               <a:rPr lang="ko-KR" altLang="en-US" dirty="0"/>
               <a:t> 검사할지는 </a:t>
+            </a:r>
+            <a:endParaRPr lang="en-US" altLang="ko-KR" dirty="0"/>
+          </a:p>
+          <a:p>
+            <a:pPr marL="0" indent="0">
+              <a:buNone/>
+            </a:pPr>
+            <a:endParaRPr lang="en-US" altLang="ko-KR" dirty="0"/>
+          </a:p>
+          <a:p>
+            <a:pPr marL="0" indent="0">
+              <a:buNone/>
+            </a:pPr>
+            <a:r>
+              <a:rPr lang="en-US" altLang="ko-KR" dirty="0"/>
+              <a:t>AI</a:t>
+            </a:r>
+            <a:r>
+              <a:rPr lang="ko-KR" altLang="en-US" dirty="0"/>
+              <a:t>기준은 </a:t>
+            </a:r>
+            <a:r>
+              <a:rPr lang="en-US" altLang="ko-KR" dirty="0" err="1"/>
+              <a:t>EnvQueryContext_Querier</a:t>
+            </a:r>
+            <a:r>
+              <a:rPr lang="ko-KR" altLang="en-US" dirty="0"/>
+              <a:t>선택</a:t>
+            </a:r>
+            <a:endParaRPr lang="en-US" altLang="ko-KR" dirty="0"/>
+          </a:p>
+          <a:p>
+            <a:pPr marL="0" indent="0">
+              <a:buNone/>
+            </a:pPr>
+            <a:r>
+              <a:rPr lang="en-US" altLang="ko-KR" dirty="0"/>
+              <a:t>Player0</a:t>
+            </a:r>
+            <a:r>
+              <a:rPr lang="ko-KR" altLang="en-US" dirty="0"/>
+              <a:t>기준은 </a:t>
             </a:r>
             <a:r>
               <a:rPr lang="en-US" altLang="ko-KR" dirty="0"/>

--- a/Day04/AI.pptx
+++ b/Day04/AI.pptx
@@ -7,47 +7,48 @@
   <p:sldIdLst>
     <p:sldId id="256" r:id="rId2"/>
     <p:sldId id="274" r:id="rId3"/>
-    <p:sldId id="275" r:id="rId4"/>
-    <p:sldId id="276" r:id="rId5"/>
-    <p:sldId id="277" r:id="rId6"/>
-    <p:sldId id="278" r:id="rId7"/>
-    <p:sldId id="280" r:id="rId8"/>
-    <p:sldId id="279" r:id="rId9"/>
-    <p:sldId id="281" r:id="rId10"/>
-    <p:sldId id="257" r:id="rId11"/>
-    <p:sldId id="266" r:id="rId12"/>
-    <p:sldId id="270" r:id="rId13"/>
-    <p:sldId id="267" r:id="rId14"/>
-    <p:sldId id="268" r:id="rId15"/>
-    <p:sldId id="265" r:id="rId16"/>
-    <p:sldId id="269" r:id="rId17"/>
-    <p:sldId id="264" r:id="rId18"/>
-    <p:sldId id="258" r:id="rId19"/>
-    <p:sldId id="259" r:id="rId20"/>
-    <p:sldId id="260" r:id="rId21"/>
-    <p:sldId id="261" r:id="rId22"/>
-    <p:sldId id="262" r:id="rId23"/>
-    <p:sldId id="271" r:id="rId24"/>
-    <p:sldId id="282" r:id="rId25"/>
-    <p:sldId id="272" r:id="rId26"/>
-    <p:sldId id="285" r:id="rId27"/>
-    <p:sldId id="286" r:id="rId28"/>
-    <p:sldId id="287" r:id="rId29"/>
-    <p:sldId id="299" r:id="rId30"/>
-    <p:sldId id="284" r:id="rId31"/>
-    <p:sldId id="273" r:id="rId32"/>
-    <p:sldId id="283" r:id="rId33"/>
-    <p:sldId id="288" r:id="rId34"/>
-    <p:sldId id="289" r:id="rId35"/>
-    <p:sldId id="292" r:id="rId36"/>
-    <p:sldId id="293" r:id="rId37"/>
-    <p:sldId id="296" r:id="rId38"/>
-    <p:sldId id="294" r:id="rId39"/>
-    <p:sldId id="295" r:id="rId40"/>
-    <p:sldId id="290" r:id="rId41"/>
-    <p:sldId id="291" r:id="rId42"/>
-    <p:sldId id="298" r:id="rId43"/>
-    <p:sldId id="297" r:id="rId44"/>
+    <p:sldId id="300" r:id="rId4"/>
+    <p:sldId id="275" r:id="rId5"/>
+    <p:sldId id="276" r:id="rId6"/>
+    <p:sldId id="277" r:id="rId7"/>
+    <p:sldId id="278" r:id="rId8"/>
+    <p:sldId id="280" r:id="rId9"/>
+    <p:sldId id="279" r:id="rId10"/>
+    <p:sldId id="281" r:id="rId11"/>
+    <p:sldId id="257" r:id="rId12"/>
+    <p:sldId id="266" r:id="rId13"/>
+    <p:sldId id="270" r:id="rId14"/>
+    <p:sldId id="267" r:id="rId15"/>
+    <p:sldId id="268" r:id="rId16"/>
+    <p:sldId id="265" r:id="rId17"/>
+    <p:sldId id="269" r:id="rId18"/>
+    <p:sldId id="264" r:id="rId19"/>
+    <p:sldId id="258" r:id="rId20"/>
+    <p:sldId id="259" r:id="rId21"/>
+    <p:sldId id="260" r:id="rId22"/>
+    <p:sldId id="261" r:id="rId23"/>
+    <p:sldId id="262" r:id="rId24"/>
+    <p:sldId id="271" r:id="rId25"/>
+    <p:sldId id="282" r:id="rId26"/>
+    <p:sldId id="272" r:id="rId27"/>
+    <p:sldId id="285" r:id="rId28"/>
+    <p:sldId id="286" r:id="rId29"/>
+    <p:sldId id="287" r:id="rId30"/>
+    <p:sldId id="299" r:id="rId31"/>
+    <p:sldId id="284" r:id="rId32"/>
+    <p:sldId id="273" r:id="rId33"/>
+    <p:sldId id="283" r:id="rId34"/>
+    <p:sldId id="288" r:id="rId35"/>
+    <p:sldId id="289" r:id="rId36"/>
+    <p:sldId id="292" r:id="rId37"/>
+    <p:sldId id="293" r:id="rId38"/>
+    <p:sldId id="296" r:id="rId39"/>
+    <p:sldId id="294" r:id="rId40"/>
+    <p:sldId id="295" r:id="rId41"/>
+    <p:sldId id="290" r:id="rId42"/>
+    <p:sldId id="291" r:id="rId43"/>
+    <p:sldId id="298" r:id="rId44"/>
+    <p:sldId id="297" r:id="rId45"/>
   </p:sldIdLst>
   <p:sldSz cx="12192000" cy="6858000"/>
   <p:notesSz cx="6858000" cy="9144000"/>
@@ -3473,6 +3474,101 @@
           <p:cNvPr id="2" name="제목 1">
             <a:extLst>
               <a:ext uri="{FF2B5EF4-FFF2-40B4-BE49-F238E27FC236}">
+                <a16:creationId xmlns:a16="http://schemas.microsoft.com/office/drawing/2014/main" id="{A376AA2A-E608-4EF3-A489-603B54EE4DB7}"/>
+              </a:ext>
+            </a:extLst>
+          </p:cNvPr>
+          <p:cNvSpPr>
+            <a:spLocks noGrp="1"/>
+          </p:cNvSpPr>
+          <p:nvPr>
+            <p:ph type="title"/>
+          </p:nvPr>
+        </p:nvSpPr>
+        <p:spPr/>
+        <p:txBody>
+          <a:bodyPr/>
+          <a:lstStyle/>
+          <a:p>
+            <a:r>
+              <a:rPr lang="ko-KR" altLang="en-US" dirty="0"/>
+              <a:t>이동하기 </a:t>
+            </a:r>
+            <a:r>
+              <a:rPr lang="en-US" altLang="ko-KR" dirty="0" err="1"/>
+              <a:t>AIMoveTo</a:t>
+            </a:r>
+            <a:endParaRPr lang="ko-KR" altLang="en-US" dirty="0"/>
+          </a:p>
+        </p:txBody>
+      </p:sp>
+      <p:pic>
+        <p:nvPicPr>
+          <p:cNvPr id="4" name="내용 개체 틀 3">
+            <a:extLst>
+              <a:ext uri="{FF2B5EF4-FFF2-40B4-BE49-F238E27FC236}">
+                <a16:creationId xmlns:a16="http://schemas.microsoft.com/office/drawing/2014/main" id="{DB3358B2-7F70-4B59-826E-CD258C531589}"/>
+              </a:ext>
+            </a:extLst>
+          </p:cNvPr>
+          <p:cNvPicPr>
+            <a:picLocks noGrp="1" noChangeAspect="1"/>
+          </p:cNvPicPr>
+          <p:nvPr>
+            <p:ph idx="1"/>
+          </p:nvPr>
+        </p:nvPicPr>
+        <p:blipFill>
+          <a:blip r:embed="rId2"/>
+          <a:stretch>
+            <a:fillRect/>
+          </a:stretch>
+        </p:blipFill>
+        <p:spPr>
+          <a:xfrm>
+            <a:off x="564444" y="1358782"/>
+            <a:ext cx="11153423" cy="5328168"/>
+          </a:xfrm>
+          <a:prstGeom prst="rect">
+            <a:avLst/>
+          </a:prstGeom>
+        </p:spPr>
+      </p:pic>
+    </p:spTree>
+    <p:extLst>
+      <p:ext uri="{BB962C8B-B14F-4D97-AF65-F5344CB8AC3E}">
+        <p14:creationId xmlns:p14="http://schemas.microsoft.com/office/powerpoint/2010/main" val="3290351766"/>
+      </p:ext>
+    </p:extLst>
+  </p:cSld>
+  <p:clrMapOvr>
+    <a:masterClrMapping/>
+  </p:clrMapOvr>
+</p:sld>
+</file>
+
+<file path=ppt/slides/slide11.xml><?xml version="1.0" encoding="utf-8"?>
+<p:sld xmlns:a="http://schemas.openxmlformats.org/drawingml/2006/main" xmlns:r="http://schemas.openxmlformats.org/officeDocument/2006/relationships" xmlns:p="http://schemas.openxmlformats.org/presentationml/2006/main">
+  <p:cSld>
+    <p:spTree>
+      <p:nvGrpSpPr>
+        <p:cNvPr id="1" name=""/>
+        <p:cNvGrpSpPr/>
+        <p:nvPr/>
+      </p:nvGrpSpPr>
+      <p:grpSpPr>
+        <a:xfrm>
+          <a:off x="0" y="0"/>
+          <a:ext cx="0" cy="0"/>
+          <a:chOff x="0" y="0"/>
+          <a:chExt cx="0" cy="0"/>
+        </a:xfrm>
+      </p:grpSpPr>
+      <p:sp>
+        <p:nvSpPr>
+          <p:cNvPr id="2" name="제목 1">
+            <a:extLst>
+              <a:ext uri="{FF2B5EF4-FFF2-40B4-BE49-F238E27FC236}">
                 <a16:creationId xmlns:a16="http://schemas.microsoft.com/office/drawing/2014/main" id="{4FA13B27-7640-4F05-97AC-52A4754AC602}"/>
               </a:ext>
             </a:extLst>
@@ -3757,7 +3853,7 @@
 </p:sld>
 </file>
 
-<file path=ppt/slides/slide11.xml><?xml version="1.0" encoding="utf-8"?>
+<file path=ppt/slides/slide12.xml><?xml version="1.0" encoding="utf-8"?>
 <p:sld xmlns:a="http://schemas.openxmlformats.org/drawingml/2006/main" xmlns:r="http://schemas.openxmlformats.org/officeDocument/2006/relationships" xmlns:p="http://schemas.openxmlformats.org/presentationml/2006/main">
   <p:cSld>
     <p:spTree>
@@ -4439,252 +4535,6 @@
 </p:sld>
 </file>
 
-<file path=ppt/slides/slide12.xml><?xml version="1.0" encoding="utf-8"?>
-<p:sld xmlns:a="http://schemas.openxmlformats.org/drawingml/2006/main" xmlns:r="http://schemas.openxmlformats.org/officeDocument/2006/relationships" xmlns:p="http://schemas.openxmlformats.org/presentationml/2006/main">
-  <p:cSld>
-    <p:spTree>
-      <p:nvGrpSpPr>
-        <p:cNvPr id="1" name=""/>
-        <p:cNvGrpSpPr/>
-        <p:nvPr/>
-      </p:nvGrpSpPr>
-      <p:grpSpPr>
-        <a:xfrm>
-          <a:off x="0" y="0"/>
-          <a:ext cx="0" cy="0"/>
-          <a:chOff x="0" y="0"/>
-          <a:chExt cx="0" cy="0"/>
-        </a:xfrm>
-      </p:grpSpPr>
-      <p:sp>
-        <p:nvSpPr>
-          <p:cNvPr id="2" name="제목 1">
-            <a:extLst>
-              <a:ext uri="{FF2B5EF4-FFF2-40B4-BE49-F238E27FC236}">
-                <a16:creationId xmlns:a16="http://schemas.microsoft.com/office/drawing/2014/main" id="{0DF8C8A0-6858-4D8F-A9C6-D200B7CA1D8B}"/>
-              </a:ext>
-            </a:extLst>
-          </p:cNvPr>
-          <p:cNvSpPr>
-            <a:spLocks noGrp="1"/>
-          </p:cNvSpPr>
-          <p:nvPr>
-            <p:ph type="title"/>
-          </p:nvPr>
-        </p:nvSpPr>
-        <p:spPr/>
-        <p:txBody>
-          <a:bodyPr/>
-          <a:lstStyle/>
-          <a:p>
-            <a:r>
-              <a:rPr lang="ko-KR" altLang="en-US" dirty="0"/>
-              <a:t>자극 </a:t>
-            </a:r>
-            <a:r>
-              <a:rPr lang="en-US" altLang="ko-KR" dirty="0"/>
-              <a:t>– </a:t>
-            </a:r>
-            <a:r>
-              <a:rPr lang="ko-KR" altLang="en-US" dirty="0"/>
-              <a:t>잡음 </a:t>
-            </a:r>
-            <a:r>
-              <a:rPr lang="en-US" altLang="ko-KR" dirty="0"/>
-              <a:t>( Noise )</a:t>
-            </a:r>
-            <a:endParaRPr lang="ko-KR" altLang="en-US" dirty="0"/>
-          </a:p>
-        </p:txBody>
-      </p:sp>
-      <p:sp>
-        <p:nvSpPr>
-          <p:cNvPr id="3" name="내용 개체 틀 2">
-            <a:extLst>
-              <a:ext uri="{FF2B5EF4-FFF2-40B4-BE49-F238E27FC236}">
-                <a16:creationId xmlns:a16="http://schemas.microsoft.com/office/drawing/2014/main" id="{7AB4E9C7-66A3-43F9-AF60-50D4D8A88BEF}"/>
-              </a:ext>
-            </a:extLst>
-          </p:cNvPr>
-          <p:cNvSpPr>
-            <a:spLocks noGrp="1"/>
-          </p:cNvSpPr>
-          <p:nvPr>
-            <p:ph idx="1"/>
-          </p:nvPr>
-        </p:nvSpPr>
-        <p:spPr/>
-        <p:txBody>
-          <a:bodyPr/>
-          <a:lstStyle/>
-          <a:p>
-            <a:r>
-              <a:rPr lang="ko-KR" altLang="en-US" dirty="0" err="1"/>
-              <a:t>블루프린트</a:t>
-            </a:r>
-            <a:r>
-              <a:rPr lang="ko-KR" altLang="en-US" dirty="0"/>
-              <a:t> 노드 </a:t>
-            </a:r>
-            <a:r>
-              <a:rPr lang="en-US" altLang="ko-KR" dirty="0" err="1"/>
-              <a:t>ReportNoiseEvent</a:t>
-            </a:r>
-            <a:r>
-              <a:rPr lang="en-US" altLang="ko-KR" dirty="0"/>
-              <a:t> </a:t>
-            </a:r>
-            <a:r>
-              <a:rPr lang="ko-KR" altLang="en-US" dirty="0"/>
-              <a:t>호출</a:t>
-            </a:r>
-            <a:endParaRPr lang="en-US" altLang="ko-KR" dirty="0"/>
-          </a:p>
-          <a:p>
-            <a:r>
-              <a:rPr lang="en-US" altLang="ko-KR" dirty="0"/>
-              <a:t>Input: </a:t>
-            </a:r>
-          </a:p>
-          <a:p>
-            <a:pPr marL="0" indent="0">
-              <a:buNone/>
-            </a:pPr>
-            <a:r>
-              <a:rPr lang="en-US" altLang="ko-KR" dirty="0"/>
-              <a:t>Vecto3 Noise Location       </a:t>
-            </a:r>
-            <a:r>
-              <a:rPr lang="ko-KR" altLang="en-US" dirty="0"/>
-              <a:t>노이즈 위치</a:t>
-            </a:r>
-            <a:endParaRPr lang="en-US" altLang="ko-KR" dirty="0"/>
-          </a:p>
-          <a:p>
-            <a:pPr marL="0" indent="0">
-              <a:buNone/>
-            </a:pPr>
-            <a:r>
-              <a:rPr lang="en-US" altLang="ko-KR" dirty="0"/>
-              <a:t>Float Loudness	// </a:t>
-            </a:r>
-            <a:r>
-              <a:rPr lang="en-US" altLang="ko-KR" dirty="0" err="1"/>
-              <a:t>MaxRange</a:t>
-            </a:r>
-            <a:r>
-              <a:rPr lang="ko-KR" altLang="en-US" dirty="0"/>
-              <a:t>와 </a:t>
-            </a:r>
-            <a:r>
-              <a:rPr lang="ko-KR" altLang="en-US" dirty="0" err="1"/>
-              <a:t>곱해짐</a:t>
-            </a:r>
-            <a:endParaRPr lang="en-US" altLang="ko-KR" dirty="0"/>
-          </a:p>
-          <a:p>
-            <a:pPr marL="0" indent="0">
-              <a:buNone/>
-            </a:pPr>
-            <a:r>
-              <a:rPr lang="en-US" altLang="ko-KR" dirty="0"/>
-              <a:t>Actor Instigator	// </a:t>
-            </a:r>
-            <a:r>
-              <a:rPr lang="ko-KR" altLang="en-US" dirty="0"/>
-              <a:t>발생시킨 </a:t>
-            </a:r>
-            <a:r>
-              <a:rPr lang="ko-KR" altLang="en-US" dirty="0" err="1"/>
-              <a:t>액터</a:t>
-            </a:r>
-            <a:r>
-              <a:rPr lang="ko-KR" altLang="en-US" dirty="0"/>
-              <a:t> </a:t>
-            </a:r>
-            <a:r>
-              <a:rPr lang="en-US" altLang="ko-KR" dirty="0"/>
-              <a:t>(Pawn</a:t>
-            </a:r>
-            <a:r>
-              <a:rPr lang="ko-KR" altLang="en-US" dirty="0"/>
-              <a:t>이 아니어도 작동</a:t>
-            </a:r>
-            <a:r>
-              <a:rPr lang="en-US" altLang="ko-KR" dirty="0"/>
-              <a:t>)</a:t>
-            </a:r>
-          </a:p>
-          <a:p>
-            <a:pPr marL="0" indent="0">
-              <a:buNone/>
-            </a:pPr>
-            <a:r>
-              <a:rPr lang="en-US" altLang="ko-KR" dirty="0"/>
-              <a:t>Float </a:t>
-            </a:r>
-            <a:r>
-              <a:rPr lang="en-US" altLang="ko-KR" dirty="0" err="1"/>
-              <a:t>MaxRange</a:t>
-            </a:r>
-            <a:r>
-              <a:rPr lang="en-US" altLang="ko-KR" dirty="0"/>
-              <a:t>  //</a:t>
-            </a:r>
-            <a:r>
-              <a:rPr lang="ko-KR" altLang="en-US" dirty="0"/>
-              <a:t>소리가 </a:t>
-            </a:r>
-            <a:r>
-              <a:rPr lang="ko-KR" altLang="en-US" dirty="0" err="1"/>
-              <a:t>닿을수있는거리</a:t>
-            </a:r>
-            <a:r>
-              <a:rPr lang="ko-KR" altLang="en-US" dirty="0"/>
-              <a:t> </a:t>
-            </a:r>
-            <a:r>
-              <a:rPr lang="en-US" altLang="ko-KR" dirty="0"/>
-              <a:t>, 0</a:t>
-            </a:r>
-            <a:r>
-              <a:rPr lang="ko-KR" altLang="en-US" dirty="0"/>
-              <a:t>무한</a:t>
-            </a:r>
-            <a:endParaRPr lang="en-US" altLang="ko-KR" dirty="0"/>
-          </a:p>
-          <a:p>
-            <a:pPr marL="0" indent="0">
-              <a:buNone/>
-            </a:pPr>
-            <a:r>
-              <a:rPr lang="en-US" altLang="ko-KR" dirty="0"/>
-              <a:t>Name Tag		// </a:t>
-            </a:r>
-            <a:r>
-              <a:rPr lang="ko-KR" altLang="en-US" dirty="0"/>
-              <a:t>추가정보</a:t>
-            </a:r>
-            <a:endParaRPr lang="en-US" altLang="ko-KR" dirty="0"/>
-          </a:p>
-          <a:p>
-            <a:endParaRPr lang="ko-KR" altLang="en-US" dirty="0"/>
-          </a:p>
-        </p:txBody>
-      </p:sp>
-    </p:spTree>
-    <p:extLst>
-      <p:ext uri="{BB962C8B-B14F-4D97-AF65-F5344CB8AC3E}">
-        <p14:creationId xmlns:p14="http://schemas.microsoft.com/office/powerpoint/2010/main" val="4109981567"/>
-      </p:ext>
-    </p:extLst>
-  </p:cSld>
-  <p:clrMapOvr>
-    <a:masterClrMapping/>
-  </p:clrMapOvr>
-</p:sld>
-</file>
-
 <file path=ppt/slides/slide13.xml><?xml version="1.0" encoding="utf-8"?>
 <p:sld xmlns:a="http://schemas.openxmlformats.org/drawingml/2006/main" xmlns:r="http://schemas.openxmlformats.org/officeDocument/2006/relationships" xmlns:p="http://schemas.openxmlformats.org/presentationml/2006/main">
   <p:cSld>
@@ -4707,7 +4557,7 @@
           <p:cNvPr id="2" name="제목 1">
             <a:extLst>
               <a:ext uri="{FF2B5EF4-FFF2-40B4-BE49-F238E27FC236}">
-                <a16:creationId xmlns:a16="http://schemas.microsoft.com/office/drawing/2014/main" id="{D18A5E2C-A552-4989-92AA-9892EADE6B3D}"/>
+                <a16:creationId xmlns:a16="http://schemas.microsoft.com/office/drawing/2014/main" id="{0DF8C8A0-6858-4D8F-A9C6-D200B7CA1D8B}"/>
               </a:ext>
             </a:extLst>
           </p:cNvPr>
@@ -4733,11 +4583,11 @@
             </a:r>
             <a:r>
               <a:rPr lang="ko-KR" altLang="en-US" dirty="0"/>
-              <a:t>데미지 </a:t>
-            </a:r>
-            <a:r>
-              <a:rPr lang="en-US" altLang="ko-KR" dirty="0"/>
-              <a:t>( Damage )</a:t>
+              <a:t>잡음 </a:t>
+            </a:r>
+            <a:r>
+              <a:rPr lang="en-US" altLang="ko-KR" dirty="0"/>
+              <a:t>( Noise )</a:t>
             </a:r>
             <a:endParaRPr lang="ko-KR" altLang="en-US" dirty="0"/>
           </a:p>
@@ -4748,7 +4598,7 @@
           <p:cNvPr id="3" name="내용 개체 틀 2">
             <a:extLst>
               <a:ext uri="{FF2B5EF4-FFF2-40B4-BE49-F238E27FC236}">
-                <a16:creationId xmlns:a16="http://schemas.microsoft.com/office/drawing/2014/main" id="{4A53D7AA-3D78-4FD0-9347-934750864238}"/>
+                <a16:creationId xmlns:a16="http://schemas.microsoft.com/office/drawing/2014/main" id="{7AB4E9C7-66A3-43F9-AF60-50D4D8A88BEF}"/>
               </a:ext>
             </a:extLst>
           </p:cNvPr>
@@ -4774,7 +4624,7 @@
             </a:r>
             <a:r>
               <a:rPr lang="en-US" altLang="ko-KR" dirty="0" err="1"/>
-              <a:t>ReportDamageEvent</a:t>
+              <a:t>ReportNoiseEvent</a:t>
             </a:r>
             <a:r>
               <a:rPr lang="en-US" altLang="ko-KR" dirty="0"/>
@@ -4789,94 +4639,56 @@
           <a:p>
             <a:r>
               <a:rPr lang="en-US" altLang="ko-KR" dirty="0"/>
-              <a:t>Input</a:t>
-            </a:r>
-          </a:p>
-          <a:p>
-            <a:r>
-              <a:rPr lang="en-US" altLang="ko-KR" dirty="0"/>
-              <a:t>Actor </a:t>
+              <a:t>Input: </a:t>
+            </a:r>
+          </a:p>
+          <a:p>
+            <a:pPr marL="0" indent="0">
+              <a:buNone/>
+            </a:pPr>
+            <a:r>
+              <a:rPr lang="en-US" altLang="ko-KR" dirty="0"/>
+              <a:t>Vecto3 Noise Location       </a:t>
+            </a:r>
+            <a:r>
+              <a:rPr lang="ko-KR" altLang="en-US" dirty="0"/>
+              <a:t>노이즈 위치</a:t>
+            </a:r>
+            <a:endParaRPr lang="en-US" altLang="ko-KR" dirty="0"/>
+          </a:p>
+          <a:p>
+            <a:pPr marL="0" indent="0">
+              <a:buNone/>
+            </a:pPr>
+            <a:r>
+              <a:rPr lang="en-US" altLang="ko-KR" dirty="0"/>
+              <a:t>Float Loudness	// </a:t>
             </a:r>
             <a:r>
               <a:rPr lang="en-US" altLang="ko-KR" dirty="0" err="1"/>
-              <a:t>DamagedActor</a:t>
-            </a:r>
-            <a:r>
-              <a:rPr lang="en-US" altLang="ko-KR" dirty="0"/>
-              <a:t>		// </a:t>
-            </a:r>
-            <a:r>
-              <a:rPr lang="ko-KR" altLang="en-US" dirty="0"/>
-              <a:t>데미지 </a:t>
+              <a:t>MaxRange</a:t>
+            </a:r>
+            <a:r>
+              <a:rPr lang="ko-KR" altLang="en-US" dirty="0"/>
+              <a:t>와 </a:t>
             </a:r>
             <a:r>
               <a:rPr lang="ko-KR" altLang="en-US" dirty="0" err="1"/>
-              <a:t>받는액터</a:t>
+              <a:t>곱해짐</a:t>
             </a:r>
             <a:endParaRPr lang="en-US" altLang="ko-KR" dirty="0"/>
           </a:p>
           <a:p>
-            <a:r>
-              <a:rPr lang="en-US" altLang="ko-KR" dirty="0"/>
-              <a:t>Actor Instigator			// </a:t>
-            </a:r>
-            <a:r>
-              <a:rPr lang="ko-KR" altLang="en-US" dirty="0" err="1"/>
-              <a:t>발생시킨액터</a:t>
-            </a:r>
-            <a:endParaRPr lang="en-US" altLang="ko-KR" dirty="0"/>
-          </a:p>
-          <a:p>
-            <a:r>
-              <a:rPr lang="en-US" altLang="ko-KR" dirty="0"/>
-              <a:t>Float </a:t>
-            </a:r>
-            <a:r>
-              <a:rPr lang="en-US" altLang="ko-KR" dirty="0" err="1"/>
-              <a:t>DamageAmount</a:t>
-            </a:r>
-            <a:r>
-              <a:rPr lang="en-US" altLang="ko-KR" dirty="0"/>
-              <a:t>  // </a:t>
-            </a:r>
-            <a:r>
-              <a:rPr lang="ko-KR" altLang="en-US" dirty="0" err="1"/>
-              <a:t>데미지량</a:t>
-            </a:r>
-            <a:r>
-              <a:rPr lang="ko-KR" altLang="en-US" dirty="0"/>
-              <a:t> </a:t>
-            </a:r>
-            <a:r>
-              <a:rPr lang="en-US" altLang="ko-KR" dirty="0"/>
-              <a:t>0</a:t>
-            </a:r>
-            <a:r>
-              <a:rPr lang="ko-KR" altLang="en-US" dirty="0"/>
-              <a:t>이면 </a:t>
-            </a:r>
-            <a:r>
-              <a:rPr lang="ko-KR" altLang="en-US" dirty="0" err="1"/>
-              <a:t>이벤트없음</a:t>
-            </a:r>
-            <a:endParaRPr lang="en-US" altLang="ko-KR" dirty="0"/>
-          </a:p>
-          <a:p>
-            <a:r>
-              <a:rPr lang="en-US" altLang="ko-KR" dirty="0"/>
-              <a:t>Vector3 </a:t>
-            </a:r>
-            <a:r>
-              <a:rPr lang="en-US" altLang="ko-KR" dirty="0" err="1"/>
-              <a:t>EventLocation</a:t>
-            </a:r>
-            <a:r>
-              <a:rPr lang="en-US" altLang="ko-KR" dirty="0"/>
-              <a:t>  // </a:t>
-            </a:r>
-            <a:r>
-              <a:rPr lang="ko-KR" altLang="en-US" dirty="0"/>
-              <a:t>데미지 </a:t>
+            <a:pPr marL="0" indent="0">
+              <a:buNone/>
+            </a:pPr>
+            <a:r>
+              <a:rPr lang="en-US" altLang="ko-KR" dirty="0"/>
+              <a:t>Actor Instigator	// </a:t>
+            </a:r>
+            <a:r>
+              <a:rPr lang="ko-KR" altLang="en-US" dirty="0"/>
+              <a:t>발생시킨 </a:t>
             </a:r>
             <a:r>
               <a:rPr lang="ko-KR" altLang="en-US" dirty="0" err="1"/>
@@ -4884,26 +4696,70 @@
             </a:r>
             <a:r>
               <a:rPr lang="ko-KR" altLang="en-US" dirty="0"/>
-              <a:t> 위치 </a:t>
+              <a:t> </a:t>
+            </a:r>
+            <a:r>
+              <a:rPr lang="en-US" altLang="ko-KR" dirty="0"/>
+              <a:t>(Pawn</a:t>
+            </a:r>
+            <a:r>
+              <a:rPr lang="ko-KR" altLang="en-US" dirty="0"/>
+              <a:t>이 아니어도 작동</a:t>
+            </a:r>
+            <a:r>
+              <a:rPr lang="en-US" altLang="ko-KR" dirty="0"/>
+              <a:t>)</a:t>
+            </a:r>
+          </a:p>
+          <a:p>
+            <a:pPr marL="0" indent="0">
+              <a:buNone/>
+            </a:pPr>
+            <a:r>
+              <a:rPr lang="en-US" altLang="ko-KR" dirty="0"/>
+              <a:t>Float </a:t>
+            </a:r>
+            <a:r>
+              <a:rPr lang="en-US" altLang="ko-KR" dirty="0" err="1"/>
+              <a:t>MaxRange</a:t>
+            </a:r>
+            <a:r>
+              <a:rPr lang="en-US" altLang="ko-KR" dirty="0"/>
+              <a:t>  //</a:t>
+            </a:r>
+            <a:r>
+              <a:rPr lang="ko-KR" altLang="en-US" dirty="0"/>
+              <a:t>소리가 </a:t>
+            </a:r>
+            <a:r>
+              <a:rPr lang="ko-KR" altLang="en-US" dirty="0" err="1"/>
+              <a:t>닿을수있는거리</a:t>
+            </a:r>
+            <a:r>
+              <a:rPr lang="ko-KR" altLang="en-US" dirty="0"/>
+              <a:t> </a:t>
+            </a:r>
+            <a:r>
+              <a:rPr lang="en-US" altLang="ko-KR" dirty="0"/>
+              <a:t>, 0</a:t>
+            </a:r>
+            <a:r>
+              <a:rPr lang="ko-KR" altLang="en-US" dirty="0"/>
+              <a:t>무한</a:t>
             </a:r>
             <a:endParaRPr lang="en-US" altLang="ko-KR" dirty="0"/>
           </a:p>
           <a:p>
-            <a:r>
-              <a:rPr lang="en-US" altLang="ko-KR" dirty="0"/>
-              <a:t>Vector3 </a:t>
-            </a:r>
-            <a:r>
-              <a:rPr lang="en-US" altLang="ko-KR" dirty="0" err="1"/>
-              <a:t>HitLocation</a:t>
-            </a:r>
-            <a:r>
-              <a:rPr lang="en-US" altLang="ko-KR" dirty="0"/>
-              <a:t> // </a:t>
-            </a:r>
-            <a:r>
-              <a:rPr lang="ko-KR" altLang="en-US" dirty="0"/>
-              <a:t>데미지 받은 위치</a:t>
+            <a:pPr marL="0" indent="0">
+              <a:buNone/>
+            </a:pPr>
+            <a:r>
+              <a:rPr lang="en-US" altLang="ko-KR" dirty="0"/>
+              <a:t>Name Tag		// </a:t>
+            </a:r>
+            <a:r>
+              <a:rPr lang="ko-KR" altLang="en-US" dirty="0"/>
+              <a:t>추가정보</a:t>
             </a:r>
             <a:endParaRPr lang="en-US" altLang="ko-KR" dirty="0"/>
           </a:p>
@@ -4915,7 +4771,7 @@
     </p:spTree>
     <p:extLst>
       <p:ext uri="{BB962C8B-B14F-4D97-AF65-F5344CB8AC3E}">
-        <p14:creationId xmlns:p14="http://schemas.microsoft.com/office/powerpoint/2010/main" val="3199175475"/>
+        <p14:creationId xmlns:p14="http://schemas.microsoft.com/office/powerpoint/2010/main" val="4109981567"/>
       </p:ext>
     </p:extLst>
   </p:cSld>
@@ -4947,7 +4803,7 @@
           <p:cNvPr id="2" name="제목 1">
             <a:extLst>
               <a:ext uri="{FF2B5EF4-FFF2-40B4-BE49-F238E27FC236}">
-                <a16:creationId xmlns:a16="http://schemas.microsoft.com/office/drawing/2014/main" id="{C5E2F61E-559A-402D-8E5F-C8C8C84D0E45}"/>
+                <a16:creationId xmlns:a16="http://schemas.microsoft.com/office/drawing/2014/main" id="{D18A5E2C-A552-4989-92AA-9892EADE6B3D}"/>
               </a:ext>
             </a:extLst>
           </p:cNvPr>
@@ -4972,16 +4828,12 @@
               <a:t>– </a:t>
             </a:r>
             <a:r>
-              <a:rPr lang="ko-KR" altLang="en-US" dirty="0" err="1"/>
-              <a:t>액터</a:t>
-            </a:r>
-            <a:r>
-              <a:rPr lang="ko-KR" altLang="en-US" dirty="0"/>
-              <a:t> 예측 </a:t>
-            </a:r>
-            <a:r>
-              <a:rPr lang="en-US" altLang="ko-KR" dirty="0"/>
-              <a:t>( Prediction )</a:t>
+              <a:rPr lang="ko-KR" altLang="en-US" dirty="0"/>
+              <a:t>데미지 </a:t>
+            </a:r>
+            <a:r>
+              <a:rPr lang="en-US" altLang="ko-KR" dirty="0"/>
+              <a:t>( Damage )</a:t>
             </a:r>
             <a:endParaRPr lang="ko-KR" altLang="en-US" dirty="0"/>
           </a:p>
@@ -4992,7 +4844,7 @@
           <p:cNvPr id="3" name="내용 개체 틀 2">
             <a:extLst>
               <a:ext uri="{FF2B5EF4-FFF2-40B4-BE49-F238E27FC236}">
-                <a16:creationId xmlns:a16="http://schemas.microsoft.com/office/drawing/2014/main" id="{94E635C9-A523-41A2-A199-D5A3741F3A26}"/>
+                <a16:creationId xmlns:a16="http://schemas.microsoft.com/office/drawing/2014/main" id="{4A53D7AA-3D78-4FD0-9347-934750864238}"/>
               </a:ext>
             </a:extLst>
           </p:cNvPr>
@@ -5018,7 +4870,7 @@
             </a:r>
             <a:r>
               <a:rPr lang="en-US" altLang="ko-KR" dirty="0" err="1"/>
-              <a:t>RequestControllerPredictEvent</a:t>
+              <a:t>ReportDamageEvent</a:t>
             </a:r>
             <a:r>
               <a:rPr lang="en-US" altLang="ko-KR" dirty="0"/>
@@ -5032,29 +4884,126 @@
           </a:p>
           <a:p>
             <a:r>
+              <a:rPr lang="en-US" altLang="ko-KR" dirty="0"/>
+              <a:t>Input</a:t>
+            </a:r>
+          </a:p>
+          <a:p>
+            <a:r>
+              <a:rPr lang="en-US" altLang="ko-KR" dirty="0"/>
+              <a:t>Actor </a:t>
+            </a:r>
+            <a:r>
+              <a:rPr lang="en-US" altLang="ko-KR" dirty="0" err="1"/>
+              <a:t>DamagedActor</a:t>
+            </a:r>
+            <a:r>
+              <a:rPr lang="en-US" altLang="ko-KR" dirty="0"/>
+              <a:t>		// </a:t>
+            </a:r>
+            <a:r>
+              <a:rPr lang="ko-KR" altLang="en-US" dirty="0"/>
+              <a:t>데미지 </a:t>
+            </a:r>
+            <a:r>
               <a:rPr lang="ko-KR" altLang="en-US" dirty="0" err="1"/>
-              <a:t>몇초</a:t>
-            </a:r>
-            <a:r>
-              <a:rPr lang="ko-KR" altLang="en-US" dirty="0"/>
-              <a:t> 뒤의 </a:t>
-            </a:r>
-            <a:r>
-              <a:rPr lang="en-US" altLang="ko-KR" dirty="0"/>
-              <a:t>Actor</a:t>
-            </a:r>
-            <a:r>
-              <a:rPr lang="ko-KR" altLang="en-US" dirty="0"/>
-              <a:t>의 위치를 </a:t>
+              <a:t>받는액터</a:t>
+            </a:r>
+            <a:endParaRPr lang="en-US" altLang="ko-KR" dirty="0"/>
+          </a:p>
+          <a:p>
+            <a:r>
+              <a:rPr lang="en-US" altLang="ko-KR" dirty="0"/>
+              <a:t>Actor Instigator			// </a:t>
             </a:r>
             <a:r>
               <a:rPr lang="ko-KR" altLang="en-US" dirty="0" err="1"/>
-              <a:t>예측요청한다</a:t>
-            </a:r>
-            <a:r>
-              <a:rPr lang="en-US" altLang="ko-KR" dirty="0"/>
-              <a:t>.</a:t>
-            </a:r>
+              <a:t>발생시킨액터</a:t>
+            </a:r>
+            <a:endParaRPr lang="en-US" altLang="ko-KR" dirty="0"/>
+          </a:p>
+          <a:p>
+            <a:r>
+              <a:rPr lang="en-US" altLang="ko-KR" dirty="0"/>
+              <a:t>Float </a:t>
+            </a:r>
+            <a:r>
+              <a:rPr lang="en-US" altLang="ko-KR" dirty="0" err="1"/>
+              <a:t>DamageAmount</a:t>
+            </a:r>
+            <a:r>
+              <a:rPr lang="en-US" altLang="ko-KR" dirty="0"/>
+              <a:t>  // </a:t>
+            </a:r>
+            <a:r>
+              <a:rPr lang="ko-KR" altLang="en-US" dirty="0" err="1"/>
+              <a:t>데미지량</a:t>
+            </a:r>
+            <a:r>
+              <a:rPr lang="ko-KR" altLang="en-US" dirty="0"/>
+              <a:t> </a:t>
+            </a:r>
+            <a:r>
+              <a:rPr lang="en-US" altLang="ko-KR" dirty="0"/>
+              <a:t>0</a:t>
+            </a:r>
+            <a:r>
+              <a:rPr lang="ko-KR" altLang="en-US" dirty="0"/>
+              <a:t>이면 </a:t>
+            </a:r>
+            <a:r>
+              <a:rPr lang="ko-KR" altLang="en-US" dirty="0" err="1"/>
+              <a:t>이벤트없음</a:t>
+            </a:r>
+            <a:endParaRPr lang="en-US" altLang="ko-KR" dirty="0"/>
+          </a:p>
+          <a:p>
+            <a:r>
+              <a:rPr lang="en-US" altLang="ko-KR" dirty="0"/>
+              <a:t>Vector3 </a:t>
+            </a:r>
+            <a:r>
+              <a:rPr lang="en-US" altLang="ko-KR" dirty="0" err="1"/>
+              <a:t>EventLocation</a:t>
+            </a:r>
+            <a:r>
+              <a:rPr lang="en-US" altLang="ko-KR" dirty="0"/>
+              <a:t>  // </a:t>
+            </a:r>
+            <a:r>
+              <a:rPr lang="ko-KR" altLang="en-US" dirty="0"/>
+              <a:t>데미지 </a:t>
+            </a:r>
+            <a:r>
+              <a:rPr lang="ko-KR" altLang="en-US" dirty="0" err="1"/>
+              <a:t>액터</a:t>
+            </a:r>
+            <a:r>
+              <a:rPr lang="ko-KR" altLang="en-US" dirty="0"/>
+              <a:t> 위치 </a:t>
+            </a:r>
+            <a:endParaRPr lang="en-US" altLang="ko-KR" dirty="0"/>
+          </a:p>
+          <a:p>
+            <a:r>
+              <a:rPr lang="en-US" altLang="ko-KR" dirty="0"/>
+              <a:t>Vector3 </a:t>
+            </a:r>
+            <a:r>
+              <a:rPr lang="en-US" altLang="ko-KR" dirty="0" err="1"/>
+              <a:t>HitLocation</a:t>
+            </a:r>
+            <a:r>
+              <a:rPr lang="en-US" altLang="ko-KR" dirty="0"/>
+              <a:t> // </a:t>
+            </a:r>
+            <a:r>
+              <a:rPr lang="ko-KR" altLang="en-US" dirty="0"/>
+              <a:t>데미지 받은 위치</a:t>
+            </a:r>
+            <a:endParaRPr lang="en-US" altLang="ko-KR" dirty="0"/>
+          </a:p>
+          <a:p>
             <a:endParaRPr lang="ko-KR" altLang="en-US" dirty="0"/>
           </a:p>
         </p:txBody>
@@ -5062,7 +5011,7 @@
     </p:spTree>
     <p:extLst>
       <p:ext uri="{BB962C8B-B14F-4D97-AF65-F5344CB8AC3E}">
-        <p14:creationId xmlns:p14="http://schemas.microsoft.com/office/powerpoint/2010/main" val="1263044533"/>
+        <p14:creationId xmlns:p14="http://schemas.microsoft.com/office/powerpoint/2010/main" val="3199175475"/>
       </p:ext>
     </p:extLst>
   </p:cSld>
@@ -5089,42 +5038,12 @@
           <a:chExt cx="0" cy="0"/>
         </a:xfrm>
       </p:grpSpPr>
-      <p:pic>
-        <p:nvPicPr>
-          <p:cNvPr id="4" name="그림 3">
-            <a:extLst>
-              <a:ext uri="{FF2B5EF4-FFF2-40B4-BE49-F238E27FC236}">
-                <a16:creationId xmlns:a16="http://schemas.microsoft.com/office/drawing/2014/main" id="{7B37DBC6-01E8-478C-B31E-945ACA489916}"/>
-              </a:ext>
-            </a:extLst>
-          </p:cNvPr>
-          <p:cNvPicPr>
-            <a:picLocks noChangeAspect="1"/>
-          </p:cNvPicPr>
-          <p:nvPr/>
-        </p:nvPicPr>
-        <p:blipFill>
-          <a:blip r:embed="rId2"/>
-          <a:stretch>
-            <a:fillRect/>
-          </a:stretch>
-        </p:blipFill>
-        <p:spPr>
-          <a:xfrm>
-            <a:off x="320040" y="1361122"/>
-            <a:ext cx="11322063" cy="5029864"/>
-          </a:xfrm>
-          <a:prstGeom prst="rect">
-            <a:avLst/>
-          </a:prstGeom>
-        </p:spPr>
-      </p:pic>
       <p:sp>
         <p:nvSpPr>
           <p:cNvPr id="2" name="제목 1">
             <a:extLst>
               <a:ext uri="{FF2B5EF4-FFF2-40B4-BE49-F238E27FC236}">
-                <a16:creationId xmlns:a16="http://schemas.microsoft.com/office/drawing/2014/main" id="{970348ED-852B-4480-86DE-6A334E7462E5}"/>
+                <a16:creationId xmlns:a16="http://schemas.microsoft.com/office/drawing/2014/main" id="{C5E2F61E-559A-402D-8E5F-C8C8C84D0E45}"/>
               </a:ext>
             </a:extLst>
           </p:cNvPr>
@@ -5141,12 +5060,24 @@
           <a:lstStyle/>
           <a:p>
             <a:r>
-              <a:rPr lang="en-US" altLang="ko-KR" sz="3600" dirty="0"/>
-              <a:t>Event - </a:t>
-            </a:r>
-            <a:r>
-              <a:rPr lang="en-US" altLang="ko-KR" dirty="0" err="1"/>
-              <a:t>OnTargetActorPerceptionUpdated</a:t>
+              <a:rPr lang="ko-KR" altLang="en-US" dirty="0"/>
+              <a:t>자극 </a:t>
+            </a:r>
+            <a:r>
+              <a:rPr lang="en-US" altLang="ko-KR" dirty="0"/>
+              <a:t>– </a:t>
+            </a:r>
+            <a:r>
+              <a:rPr lang="ko-KR" altLang="en-US" dirty="0" err="1"/>
+              <a:t>액터</a:t>
+            </a:r>
+            <a:r>
+              <a:rPr lang="ko-KR" altLang="en-US" dirty="0"/>
+              <a:t> 예측 </a:t>
+            </a:r>
+            <a:r>
+              <a:rPr lang="en-US" altLang="ko-KR" dirty="0"/>
+              <a:t>( Prediction )</a:t>
             </a:r>
             <a:endParaRPr lang="ko-KR" altLang="en-US" dirty="0"/>
           </a:p>
@@ -5157,7 +5088,7 @@
           <p:cNvPr id="3" name="내용 개체 틀 2">
             <a:extLst>
               <a:ext uri="{FF2B5EF4-FFF2-40B4-BE49-F238E27FC236}">
-                <a16:creationId xmlns:a16="http://schemas.microsoft.com/office/drawing/2014/main" id="{4923720E-268F-4831-96F8-1F9DE4B591E1}"/>
+                <a16:creationId xmlns:a16="http://schemas.microsoft.com/office/drawing/2014/main" id="{94E635C9-A523-41A2-A199-D5A3741F3A26}"/>
               </a:ext>
             </a:extLst>
           </p:cNvPr>
@@ -5168,252 +5099,66 @@
             <p:ph idx="1"/>
           </p:nvPr>
         </p:nvSpPr>
-        <p:spPr>
-          <a:xfrm>
-            <a:off x="468630" y="3428999"/>
-            <a:ext cx="8572500" cy="2747963"/>
-          </a:xfrm>
-        </p:spPr>
-        <p:txBody>
-          <a:bodyPr>
-            <a:normAutofit fontScale="92500"/>
-          </a:bodyPr>
-          <a:lstStyle/>
-          <a:p>
-            <a:r>
-              <a:rPr lang="ko-KR" altLang="en-US" dirty="0">
-                <a:solidFill>
-                  <a:schemeClr val="bg1"/>
-                </a:solidFill>
-              </a:rPr>
-              <a:t>자극에 대한 업데이트가 </a:t>
-            </a:r>
-            <a:r>
-              <a:rPr lang="ko-KR" altLang="en-US" dirty="0" err="1">
-                <a:solidFill>
-                  <a:schemeClr val="bg1"/>
-                </a:solidFill>
-              </a:rPr>
-              <a:t>있을때</a:t>
-            </a:r>
-            <a:r>
-              <a:rPr lang="ko-KR" altLang="en-US" dirty="0">
-                <a:solidFill>
-                  <a:schemeClr val="bg1"/>
-                </a:solidFill>
-              </a:rPr>
-              <a:t> 이벤트가 일어난다</a:t>
-            </a:r>
-            <a:r>
-              <a:rPr lang="en-US" altLang="ko-KR" dirty="0">
-                <a:solidFill>
-                  <a:schemeClr val="bg1"/>
-                </a:solidFill>
-              </a:rPr>
-              <a:t>. </a:t>
-            </a:r>
-            <a:r>
-              <a:rPr lang="ko-KR" altLang="en-US" dirty="0">
-                <a:solidFill>
-                  <a:schemeClr val="bg1"/>
-                </a:solidFill>
-              </a:rPr>
-              <a:t> 새로운 </a:t>
-            </a:r>
-            <a:r>
-              <a:rPr lang="ko-KR" altLang="en-US" dirty="0" err="1">
-                <a:solidFill>
-                  <a:schemeClr val="bg1"/>
-                </a:solidFill>
-              </a:rPr>
-              <a:t>액터</a:t>
-            </a:r>
-            <a:r>
-              <a:rPr lang="en-US" altLang="ko-KR" dirty="0">
-                <a:solidFill>
-                  <a:schemeClr val="bg1"/>
-                </a:solidFill>
-              </a:rPr>
-              <a:t>-</a:t>
-            </a:r>
-            <a:r>
-              <a:rPr lang="ko-KR" altLang="en-US" dirty="0">
-                <a:solidFill>
-                  <a:schemeClr val="bg1"/>
-                </a:solidFill>
-              </a:rPr>
-              <a:t>자극이 </a:t>
-            </a:r>
-            <a:r>
-              <a:rPr lang="ko-KR" altLang="en-US" dirty="0" err="1">
-                <a:solidFill>
-                  <a:schemeClr val="bg1"/>
-                </a:solidFill>
-              </a:rPr>
-              <a:t>감지될때</a:t>
-            </a:r>
-            <a:r>
-              <a:rPr lang="ko-KR" altLang="en-US" dirty="0">
-                <a:solidFill>
-                  <a:schemeClr val="bg1"/>
-                </a:solidFill>
-              </a:rPr>
-              <a:t> 또는</a:t>
-            </a:r>
-            <a:r>
-              <a:rPr lang="en-US" altLang="ko-KR" dirty="0">
-                <a:solidFill>
-                  <a:schemeClr val="bg1"/>
-                </a:solidFill>
-              </a:rPr>
+        <p:spPr/>
+        <p:txBody>
+          <a:bodyPr/>
+          <a:lstStyle/>
+          <a:p>
+            <a:r>
+              <a:rPr lang="ko-KR" altLang="en-US" dirty="0" err="1"/>
+              <a:t>블루프린트</a:t>
+            </a:r>
+            <a:r>
+              <a:rPr lang="ko-KR" altLang="en-US" dirty="0"/>
+              <a:t> 노드 </a:t>
+            </a:r>
+            <a:r>
+              <a:rPr lang="en-US" altLang="ko-KR" dirty="0" err="1"/>
+              <a:t>RequestControllerPredictEvent</a:t>
+            </a:r>
+            <a:r>
+              <a:rPr lang="en-US" altLang="ko-KR" dirty="0"/>
               <a:t> </a:t>
             </a:r>
             <a:r>
-              <a:rPr lang="ko-KR" altLang="en-US" dirty="0">
-                <a:solidFill>
-                  <a:schemeClr val="bg1"/>
-                </a:solidFill>
-              </a:rPr>
-              <a:t> 감지한 이후 잊혀지는 시간 </a:t>
-            </a:r>
-            <a:r>
-              <a:rPr lang="en-US" altLang="ko-KR" dirty="0">
-                <a:solidFill>
-                  <a:schemeClr val="bg1"/>
-                </a:solidFill>
-              </a:rPr>
-              <a:t>(</a:t>
-            </a:r>
-            <a:r>
-              <a:rPr lang="en-US" altLang="ko-KR" dirty="0" err="1">
-                <a:solidFill>
-                  <a:schemeClr val="bg1"/>
-                </a:solidFill>
-              </a:rPr>
-              <a:t>MaxAge</a:t>
-            </a:r>
-            <a:r>
-              <a:rPr lang="en-US" altLang="ko-KR" dirty="0">
-                <a:solidFill>
-                  <a:schemeClr val="bg1"/>
-                </a:solidFill>
-              </a:rPr>
-              <a:t>) </a:t>
-            </a:r>
-            <a:r>
-              <a:rPr lang="ko-KR" altLang="en-US" dirty="0">
-                <a:solidFill>
-                  <a:schemeClr val="bg1"/>
-                </a:solidFill>
-              </a:rPr>
-              <a:t>이후 자극이 </a:t>
-            </a:r>
-            <a:r>
-              <a:rPr lang="ko-KR" altLang="en-US" dirty="0" err="1">
-                <a:solidFill>
-                  <a:schemeClr val="bg1"/>
-                </a:solidFill>
-              </a:rPr>
-              <a:t>사라질때</a:t>
-            </a:r>
-            <a:r>
-              <a:rPr lang="ko-KR" altLang="en-US" dirty="0">
-                <a:solidFill>
-                  <a:schemeClr val="bg1"/>
-                </a:solidFill>
-              </a:rPr>
-              <a:t> 호출된다</a:t>
-            </a:r>
-            <a:r>
-              <a:rPr lang="en-US" altLang="ko-KR" dirty="0">
-                <a:solidFill>
-                  <a:schemeClr val="bg1"/>
-                </a:solidFill>
-              </a:rPr>
+              <a:rPr lang="ko-KR" altLang="en-US" dirty="0"/>
+              <a:t>호출</a:t>
+            </a:r>
+            <a:endParaRPr lang="en-US" altLang="ko-KR" dirty="0"/>
+          </a:p>
+          <a:p>
+            <a:r>
+              <a:rPr lang="ko-KR" altLang="en-US" dirty="0" err="1"/>
+              <a:t>몇초</a:t>
+            </a:r>
+            <a:r>
+              <a:rPr lang="ko-KR" altLang="en-US" dirty="0"/>
+              <a:t> 뒤의 </a:t>
+            </a:r>
+            <a:r>
+              <a:rPr lang="en-US" altLang="ko-KR" dirty="0"/>
+              <a:t>Actor</a:t>
+            </a:r>
+            <a:r>
+              <a:rPr lang="ko-KR" altLang="en-US" dirty="0"/>
+              <a:t>의 위치를 </a:t>
+            </a:r>
+            <a:r>
+              <a:rPr lang="ko-KR" altLang="en-US" dirty="0" err="1"/>
+              <a:t>예측요청한다</a:t>
+            </a:r>
+            <a:r>
+              <a:rPr lang="en-US" altLang="ko-KR" dirty="0"/>
               <a:t>.</a:t>
             </a:r>
-            <a:r>
-              <a:rPr lang="ko-KR" altLang="en-US" dirty="0">
-                <a:solidFill>
-                  <a:schemeClr val="bg1"/>
-                </a:solidFill>
-              </a:rPr>
-              <a:t>  </a:t>
-            </a:r>
-            <a:endParaRPr lang="en-US" altLang="ko-KR" dirty="0">
-              <a:solidFill>
-                <a:schemeClr val="bg1"/>
-              </a:solidFill>
-            </a:endParaRPr>
-          </a:p>
-          <a:p>
-            <a:endParaRPr lang="en-US" altLang="ko-KR" dirty="0">
-              <a:solidFill>
-                <a:schemeClr val="bg1"/>
-              </a:solidFill>
-            </a:endParaRPr>
-          </a:p>
-          <a:p>
-            <a:r>
-              <a:rPr lang="en-US" altLang="ko-KR" dirty="0">
-                <a:solidFill>
-                  <a:schemeClr val="bg1"/>
-                </a:solidFill>
-              </a:rPr>
-              <a:t>Output: Actor (</a:t>
-            </a:r>
-            <a:r>
-              <a:rPr lang="ko-KR" altLang="en-US" dirty="0">
-                <a:solidFill>
-                  <a:schemeClr val="bg1"/>
-                </a:solidFill>
-              </a:rPr>
-              <a:t>업데이트가 일어난</a:t>
-            </a:r>
-            <a:r>
-              <a:rPr lang="en-US" altLang="ko-KR" dirty="0">
-                <a:solidFill>
-                  <a:schemeClr val="bg1"/>
-                </a:solidFill>
-              </a:rPr>
-              <a:t>Actor)</a:t>
-            </a:r>
-          </a:p>
-          <a:p>
-            <a:pPr marL="0" indent="0">
-              <a:buNone/>
-            </a:pPr>
-            <a:r>
-              <a:rPr lang="en-US" altLang="ko-KR" dirty="0">
-                <a:solidFill>
-                  <a:schemeClr val="bg1"/>
-                </a:solidFill>
-              </a:rPr>
-              <a:t>            Stimulus(</a:t>
-            </a:r>
-            <a:r>
-              <a:rPr lang="ko-KR" altLang="en-US" dirty="0">
-                <a:solidFill>
-                  <a:schemeClr val="bg1"/>
-                </a:solidFill>
-              </a:rPr>
-              <a:t>업데이트된 자극</a:t>
-            </a:r>
-            <a:r>
-              <a:rPr lang="en-US" altLang="ko-KR" dirty="0">
-                <a:solidFill>
-                  <a:schemeClr val="bg1"/>
-                </a:solidFill>
-              </a:rPr>
-              <a:t>)</a:t>
-            </a:r>
+            <a:endParaRPr lang="ko-KR" altLang="en-US" dirty="0"/>
           </a:p>
         </p:txBody>
       </p:sp>
     </p:spTree>
     <p:extLst>
       <p:ext uri="{BB962C8B-B14F-4D97-AF65-F5344CB8AC3E}">
-        <p14:creationId xmlns:p14="http://schemas.microsoft.com/office/powerpoint/2010/main" val="280942774"/>
+        <p14:creationId xmlns:p14="http://schemas.microsoft.com/office/powerpoint/2010/main" val="1263044533"/>
       </p:ext>
     </p:extLst>
   </p:cSld>
@@ -5442,10 +5187,10 @@
       </p:grpSpPr>
       <p:pic>
         <p:nvPicPr>
-          <p:cNvPr id="8" name="그림 7">
-            <a:extLst>
-              <a:ext uri="{FF2B5EF4-FFF2-40B4-BE49-F238E27FC236}">
-                <a16:creationId xmlns:a16="http://schemas.microsoft.com/office/drawing/2014/main" id="{2183221B-E0C4-4B2B-88D6-D4F5443C1A70}"/>
+          <p:cNvPr id="4" name="그림 3">
+            <a:extLst>
+              <a:ext uri="{FF2B5EF4-FFF2-40B4-BE49-F238E27FC236}">
+                <a16:creationId xmlns:a16="http://schemas.microsoft.com/office/drawing/2014/main" id="{7B37DBC6-01E8-478C-B31E-945ACA489916}"/>
               </a:ext>
             </a:extLst>
           </p:cNvPr>
@@ -5462,8 +5207,8 @@
         </p:blipFill>
         <p:spPr>
           <a:xfrm>
-            <a:off x="-87074" y="0"/>
-            <a:ext cx="12376741" cy="6858000"/>
+            <a:off x="320040" y="1361122"/>
+            <a:ext cx="11322063" cy="5029864"/>
           </a:xfrm>
           <a:prstGeom prst="rect">
             <a:avLst/>
@@ -5472,204 +5217,291 @@
       </p:pic>
       <p:sp>
         <p:nvSpPr>
-          <p:cNvPr id="9" name="TextBox 8">
-            <a:extLst>
-              <a:ext uri="{FF2B5EF4-FFF2-40B4-BE49-F238E27FC236}">
-                <a16:creationId xmlns:a16="http://schemas.microsoft.com/office/drawing/2014/main" id="{39C0DC94-C92A-4814-9CF7-EB8DB52DABF3}"/>
-              </a:ext>
-            </a:extLst>
-          </p:cNvPr>
-          <p:cNvSpPr txBox="1"/>
-          <p:nvPr/>
+          <p:cNvPr id="2" name="제목 1">
+            <a:extLst>
+              <a:ext uri="{FF2B5EF4-FFF2-40B4-BE49-F238E27FC236}">
+                <a16:creationId xmlns:a16="http://schemas.microsoft.com/office/drawing/2014/main" id="{970348ED-852B-4480-86DE-6A334E7462E5}"/>
+              </a:ext>
+            </a:extLst>
+          </p:cNvPr>
+          <p:cNvSpPr>
+            <a:spLocks noGrp="1"/>
+          </p:cNvSpPr>
+          <p:nvPr>
+            <p:ph type="title"/>
+          </p:nvPr>
+        </p:nvSpPr>
+        <p:spPr/>
+        <p:txBody>
+          <a:bodyPr/>
+          <a:lstStyle/>
+          <a:p>
+            <a:r>
+              <a:rPr lang="en-US" altLang="ko-KR" sz="3600" dirty="0"/>
+              <a:t>Event - </a:t>
+            </a:r>
+            <a:r>
+              <a:rPr lang="en-US" altLang="ko-KR" dirty="0" err="1"/>
+              <a:t>OnTargetActorPerceptionUpdated</a:t>
+            </a:r>
+            <a:endParaRPr lang="ko-KR" altLang="en-US" dirty="0"/>
+          </a:p>
+        </p:txBody>
+      </p:sp>
+      <p:sp>
+        <p:nvSpPr>
+          <p:cNvPr id="3" name="내용 개체 틀 2">
+            <a:extLst>
+              <a:ext uri="{FF2B5EF4-FFF2-40B4-BE49-F238E27FC236}">
+                <a16:creationId xmlns:a16="http://schemas.microsoft.com/office/drawing/2014/main" id="{4923720E-268F-4831-96F8-1F9DE4B591E1}"/>
+              </a:ext>
+            </a:extLst>
+          </p:cNvPr>
+          <p:cNvSpPr>
+            <a:spLocks noGrp="1"/>
+          </p:cNvSpPr>
+          <p:nvPr>
+            <p:ph idx="1"/>
+          </p:nvPr>
         </p:nvSpPr>
         <p:spPr>
           <a:xfrm>
-            <a:off x="0" y="2698002"/>
-            <a:ext cx="11604542" cy="3539430"/>
+            <a:off x="468630" y="3428999"/>
+            <a:ext cx="8572500" cy="2747963"/>
           </a:xfrm>
-          <a:prstGeom prst="rect">
-            <a:avLst/>
-          </a:prstGeom>
-          <a:noFill/>
         </p:spPr>
         <p:txBody>
-          <a:bodyPr wrap="square" rtlCol="0">
-            <a:spAutoFit/>
+          <a:bodyPr>
+            <a:normAutofit fontScale="92500"/>
           </a:bodyPr>
           <a:lstStyle/>
           <a:p>
             <a:r>
-              <a:rPr lang="en-US" altLang="ko-KR" sz="3200" dirty="0">
+              <a:rPr lang="ko-KR" altLang="en-US" dirty="0">
                 <a:solidFill>
                   <a:schemeClr val="bg1"/>
                 </a:solidFill>
               </a:rPr>
-              <a:t>Age : </a:t>
-            </a:r>
-            <a:r>
-              <a:rPr lang="ko-KR" altLang="en-US" sz="3200" dirty="0">
+              <a:t>자극에 대한 업데이트가 </a:t>
+            </a:r>
+            <a:r>
+              <a:rPr lang="ko-KR" altLang="en-US" dirty="0" err="1">
                 <a:solidFill>
                   <a:schemeClr val="bg1"/>
                 </a:solidFill>
               </a:rPr>
-              <a:t>자극이 발생한 이후의 시간</a:t>
-            </a:r>
-            <a:endParaRPr lang="en-US" altLang="ko-KR" sz="3200" dirty="0">
+              <a:t>있을때</a:t>
+            </a:r>
+            <a:r>
+              <a:rPr lang="ko-KR" altLang="en-US" dirty="0">
+                <a:solidFill>
+                  <a:schemeClr val="bg1"/>
+                </a:solidFill>
+              </a:rPr>
+              <a:t> 이벤트가 일어난다</a:t>
+            </a:r>
+            <a:r>
+              <a:rPr lang="en-US" altLang="ko-KR" dirty="0">
+                <a:solidFill>
+                  <a:schemeClr val="bg1"/>
+                </a:solidFill>
+              </a:rPr>
+              <a:t>. </a:t>
+            </a:r>
+            <a:r>
+              <a:rPr lang="ko-KR" altLang="en-US" dirty="0">
+                <a:solidFill>
+                  <a:schemeClr val="bg1"/>
+                </a:solidFill>
+              </a:rPr>
+              <a:t> 새로운 </a:t>
+            </a:r>
+            <a:r>
+              <a:rPr lang="ko-KR" altLang="en-US" dirty="0" err="1">
+                <a:solidFill>
+                  <a:schemeClr val="bg1"/>
+                </a:solidFill>
+              </a:rPr>
+              <a:t>액터</a:t>
+            </a:r>
+            <a:r>
+              <a:rPr lang="en-US" altLang="ko-KR" dirty="0">
+                <a:solidFill>
+                  <a:schemeClr val="bg1"/>
+                </a:solidFill>
+              </a:rPr>
+              <a:t>-</a:t>
+            </a:r>
+            <a:r>
+              <a:rPr lang="ko-KR" altLang="en-US" dirty="0">
+                <a:solidFill>
+                  <a:schemeClr val="bg1"/>
+                </a:solidFill>
+              </a:rPr>
+              <a:t>자극이 </a:t>
+            </a:r>
+            <a:r>
+              <a:rPr lang="ko-KR" altLang="en-US" dirty="0" err="1">
+                <a:solidFill>
+                  <a:schemeClr val="bg1"/>
+                </a:solidFill>
+              </a:rPr>
+              <a:t>감지될때</a:t>
+            </a:r>
+            <a:r>
+              <a:rPr lang="ko-KR" altLang="en-US" dirty="0">
+                <a:solidFill>
+                  <a:schemeClr val="bg1"/>
+                </a:solidFill>
+              </a:rPr>
+              <a:t> 또는</a:t>
+            </a:r>
+            <a:r>
+              <a:rPr lang="en-US" altLang="ko-KR" dirty="0">
+                <a:solidFill>
+                  <a:schemeClr val="bg1"/>
+                </a:solidFill>
+              </a:rPr>
+              <a:t> </a:t>
+            </a:r>
+            <a:r>
+              <a:rPr lang="ko-KR" altLang="en-US" dirty="0">
+                <a:solidFill>
+                  <a:schemeClr val="bg1"/>
+                </a:solidFill>
+              </a:rPr>
+              <a:t> 감지한 이후 잊혀지는 시간 </a:t>
+            </a:r>
+            <a:r>
+              <a:rPr lang="en-US" altLang="ko-KR" dirty="0">
+                <a:solidFill>
+                  <a:schemeClr val="bg1"/>
+                </a:solidFill>
+              </a:rPr>
+              <a:t>(</a:t>
+            </a:r>
+            <a:r>
+              <a:rPr lang="en-US" altLang="ko-KR" dirty="0" err="1">
+                <a:solidFill>
+                  <a:schemeClr val="bg1"/>
+                </a:solidFill>
+              </a:rPr>
+              <a:t>MaxAge</a:t>
+            </a:r>
+            <a:r>
+              <a:rPr lang="en-US" altLang="ko-KR" dirty="0">
+                <a:solidFill>
+                  <a:schemeClr val="bg1"/>
+                </a:solidFill>
+              </a:rPr>
+              <a:t>) </a:t>
+            </a:r>
+            <a:r>
+              <a:rPr lang="ko-KR" altLang="en-US" dirty="0">
+                <a:solidFill>
+                  <a:schemeClr val="bg1"/>
+                </a:solidFill>
+              </a:rPr>
+              <a:t>이후 자극이 </a:t>
+            </a:r>
+            <a:r>
+              <a:rPr lang="ko-KR" altLang="en-US" dirty="0" err="1">
+                <a:solidFill>
+                  <a:schemeClr val="bg1"/>
+                </a:solidFill>
+              </a:rPr>
+              <a:t>사라질때</a:t>
+            </a:r>
+            <a:r>
+              <a:rPr lang="ko-KR" altLang="en-US" dirty="0">
+                <a:solidFill>
+                  <a:schemeClr val="bg1"/>
+                </a:solidFill>
+              </a:rPr>
+              <a:t> 호출된다</a:t>
+            </a:r>
+            <a:r>
+              <a:rPr lang="en-US" altLang="ko-KR" dirty="0">
+                <a:solidFill>
+                  <a:schemeClr val="bg1"/>
+                </a:solidFill>
+              </a:rPr>
+              <a:t>.</a:t>
+            </a:r>
+            <a:r>
+              <a:rPr lang="ko-KR" altLang="en-US" dirty="0">
+                <a:solidFill>
+                  <a:schemeClr val="bg1"/>
+                </a:solidFill>
+              </a:rPr>
+              <a:t>  </a:t>
+            </a:r>
+            <a:endParaRPr lang="en-US" altLang="ko-KR" dirty="0">
               <a:solidFill>
                 <a:schemeClr val="bg1"/>
               </a:solidFill>
             </a:endParaRPr>
           </a:p>
           <a:p>
-            <a:r>
-              <a:rPr lang="en-US" altLang="ko-KR" sz="3200" dirty="0">
+            <a:endParaRPr lang="en-US" altLang="ko-KR" dirty="0">
+              <a:solidFill>
+                <a:schemeClr val="bg1"/>
+              </a:solidFill>
+            </a:endParaRPr>
+          </a:p>
+          <a:p>
+            <a:r>
+              <a:rPr lang="en-US" altLang="ko-KR" dirty="0">
                 <a:solidFill>
                   <a:schemeClr val="bg1"/>
                 </a:solidFill>
               </a:rPr>
-              <a:t>Expiration Age: </a:t>
-            </a:r>
-            <a:r>
-              <a:rPr lang="ko-KR" altLang="en-US" sz="3200" dirty="0">
+              <a:t>Output: Actor (</a:t>
+            </a:r>
+            <a:r>
+              <a:rPr lang="ko-KR" altLang="en-US" dirty="0">
                 <a:solidFill>
                   <a:schemeClr val="bg1"/>
                 </a:solidFill>
               </a:rPr>
-              <a:t>자극이 무효화 되기까지의 시간</a:t>
-            </a:r>
-            <a:br>
-              <a:rPr lang="en-US" altLang="ko-KR" sz="3200" dirty="0">
+              <a:t>업데이트가 일어난</a:t>
+            </a:r>
+            <a:r>
+              <a:rPr lang="en-US" altLang="ko-KR" dirty="0">
                 <a:solidFill>
                   <a:schemeClr val="bg1"/>
                 </a:solidFill>
               </a:rPr>
-            </a:br>
-            <a:r>
-              <a:rPr lang="en-US" altLang="ko-KR" sz="3200" dirty="0">
+              <a:t>Actor)</a:t>
+            </a:r>
+          </a:p>
+          <a:p>
+            <a:pPr marL="0" indent="0">
+              <a:buNone/>
+            </a:pPr>
+            <a:r>
+              <a:rPr lang="en-US" altLang="ko-KR" dirty="0">
                 <a:solidFill>
                   <a:schemeClr val="bg1"/>
                 </a:solidFill>
               </a:rPr>
-              <a:t>Strength: </a:t>
-            </a:r>
-            <a:r>
-              <a:rPr lang="ko-KR" altLang="en-US" sz="3200" dirty="0">
+              <a:t>            Stimulus(</a:t>
+            </a:r>
+            <a:r>
+              <a:rPr lang="ko-KR" altLang="en-US" dirty="0">
                 <a:solidFill>
                   <a:schemeClr val="bg1"/>
                 </a:solidFill>
               </a:rPr>
-              <a:t>자극에 정의된 가중치</a:t>
-            </a:r>
-            <a:endParaRPr lang="en-US" altLang="ko-KR" sz="3200" dirty="0">
-              <a:solidFill>
-                <a:schemeClr val="bg1"/>
-              </a:solidFill>
-            </a:endParaRPr>
-          </a:p>
-          <a:p>
-            <a:r>
-              <a:rPr lang="en-US" altLang="ko-KR" sz="3200" dirty="0">
+              <a:t>업데이트된 자극</a:t>
+            </a:r>
+            <a:r>
+              <a:rPr lang="en-US" altLang="ko-KR" dirty="0">
                 <a:solidFill>
                   <a:schemeClr val="bg1"/>
                 </a:solidFill>
               </a:rPr>
-              <a:t>Stimulus Location: </a:t>
-            </a:r>
-            <a:r>
-              <a:rPr lang="ko-KR" altLang="en-US" sz="3200" dirty="0">
-                <a:solidFill>
-                  <a:schemeClr val="bg1"/>
-                </a:solidFill>
-              </a:rPr>
-              <a:t>자극이 시작된 곳</a:t>
-            </a:r>
-            <a:endParaRPr lang="en-US" altLang="ko-KR" sz="3200" dirty="0">
-              <a:solidFill>
-                <a:schemeClr val="bg1"/>
-              </a:solidFill>
-            </a:endParaRPr>
-          </a:p>
-          <a:p>
-            <a:r>
-              <a:rPr lang="en-US" altLang="ko-KR" sz="3200" dirty="0">
-                <a:solidFill>
-                  <a:schemeClr val="bg1"/>
-                </a:solidFill>
-              </a:rPr>
-              <a:t>Receiver Location:  </a:t>
-            </a:r>
-            <a:r>
-              <a:rPr lang="ko-KR" altLang="en-US" sz="3200" dirty="0">
-                <a:solidFill>
-                  <a:schemeClr val="bg1"/>
-                </a:solidFill>
-              </a:rPr>
-              <a:t>시스템이 자극을 등록한곳</a:t>
-            </a:r>
-            <a:r>
-              <a:rPr lang="en-US" altLang="ko-KR" sz="3200" dirty="0">
-                <a:solidFill>
-                  <a:schemeClr val="bg1"/>
-                </a:solidFill>
-              </a:rPr>
-              <a:t>?</a:t>
-            </a:r>
-          </a:p>
-          <a:p>
-            <a:r>
-              <a:rPr lang="en-US" altLang="ko-KR" sz="3200" dirty="0">
-                <a:solidFill>
-                  <a:schemeClr val="bg1"/>
-                </a:solidFill>
-              </a:rPr>
-              <a:t>Tag: </a:t>
-            </a:r>
-            <a:r>
-              <a:rPr lang="ko-KR" altLang="en-US" sz="3200" dirty="0">
-                <a:solidFill>
-                  <a:schemeClr val="bg1"/>
-                </a:solidFill>
-              </a:rPr>
-              <a:t>자극에 정의된 추가 정보</a:t>
-            </a:r>
-            <a:endParaRPr lang="en-US" altLang="ko-KR" sz="3200" dirty="0">
-              <a:solidFill>
-                <a:schemeClr val="bg1"/>
-              </a:solidFill>
-            </a:endParaRPr>
-          </a:p>
-          <a:p>
-            <a:r>
-              <a:rPr lang="en-US" altLang="ko-KR" sz="3200" dirty="0">
-                <a:solidFill>
-                  <a:schemeClr val="bg1"/>
-                </a:solidFill>
-              </a:rPr>
-              <a:t>Successfully Sensed: </a:t>
-            </a:r>
-            <a:r>
-              <a:rPr lang="ko-KR" altLang="en-US" sz="3200" dirty="0">
-                <a:solidFill>
-                  <a:schemeClr val="bg1"/>
-                </a:solidFill>
-              </a:rPr>
-              <a:t>자극   감지됨</a:t>
-            </a:r>
-            <a:r>
-              <a:rPr lang="en-US" altLang="ko-KR" sz="3200" dirty="0">
-                <a:solidFill>
-                  <a:schemeClr val="bg1"/>
-                </a:solidFill>
-              </a:rPr>
-              <a:t> or </a:t>
-            </a:r>
-            <a:r>
-              <a:rPr lang="ko-KR" altLang="en-US" sz="3200" dirty="0">
-                <a:solidFill>
-                  <a:schemeClr val="bg1"/>
-                </a:solidFill>
-              </a:rPr>
-              <a:t>무효화됨</a:t>
+              <a:t>)</a:t>
             </a:r>
           </a:p>
         </p:txBody>
@@ -5677,7 +5509,7 @@
     </p:spTree>
     <p:extLst>
       <p:ext uri="{BB962C8B-B14F-4D97-AF65-F5344CB8AC3E}">
-        <p14:creationId xmlns:p14="http://schemas.microsoft.com/office/powerpoint/2010/main" val="2581586697"/>
+        <p14:creationId xmlns:p14="http://schemas.microsoft.com/office/powerpoint/2010/main" val="280942774"/>
       </p:ext>
     </p:extLst>
   </p:cSld>
@@ -5704,142 +5536,244 @@
           <a:chExt cx="0" cy="0"/>
         </a:xfrm>
       </p:grpSpPr>
-      <p:sp>
-        <p:nvSpPr>
-          <p:cNvPr id="2" name="제목 1">
-            <a:extLst>
-              <a:ext uri="{FF2B5EF4-FFF2-40B4-BE49-F238E27FC236}">
-                <a16:creationId xmlns:a16="http://schemas.microsoft.com/office/drawing/2014/main" id="{25E8B28A-6266-437B-B79C-4C52F388882C}"/>
-              </a:ext>
-            </a:extLst>
-          </p:cNvPr>
-          <p:cNvSpPr>
-            <a:spLocks noGrp="1"/>
-          </p:cNvSpPr>
-          <p:nvPr>
-            <p:ph type="title"/>
-          </p:nvPr>
-        </p:nvSpPr>
-        <p:spPr/>
-        <p:txBody>
-          <a:bodyPr/>
-          <a:lstStyle/>
-          <a:p>
-            <a:r>
-              <a:rPr lang="en-US" altLang="ko-KR" sz="3600" dirty="0"/>
-              <a:t>Event - </a:t>
-            </a:r>
-            <a:r>
-              <a:rPr lang="en-US" altLang="ko-KR" dirty="0" err="1"/>
-              <a:t>OnPerceptionUpdated</a:t>
-            </a:r>
-            <a:endParaRPr lang="ko-KR" altLang="en-US" dirty="0"/>
-          </a:p>
-        </p:txBody>
-      </p:sp>
-      <p:sp>
-        <p:nvSpPr>
-          <p:cNvPr id="3" name="내용 개체 틀 2">
-            <a:extLst>
-              <a:ext uri="{FF2B5EF4-FFF2-40B4-BE49-F238E27FC236}">
-                <a16:creationId xmlns:a16="http://schemas.microsoft.com/office/drawing/2014/main" id="{15BDE611-C77C-47A7-813C-CBE6DD09F1CE}"/>
-              </a:ext>
-            </a:extLst>
-          </p:cNvPr>
-          <p:cNvSpPr>
-            <a:spLocks noGrp="1"/>
-          </p:cNvSpPr>
-          <p:nvPr>
-            <p:ph idx="1"/>
-          </p:nvPr>
-        </p:nvSpPr>
-        <p:spPr/>
-        <p:txBody>
-          <a:bodyPr/>
-          <a:lstStyle/>
-          <a:p>
-            <a:r>
-              <a:rPr lang="en-US" altLang="ko-KR" dirty="0"/>
-              <a:t>Output</a:t>
-            </a:r>
-            <a:r>
-              <a:rPr lang="ko-KR" altLang="en-US" dirty="0"/>
-              <a:t> </a:t>
-            </a:r>
-            <a:r>
-              <a:rPr lang="en-US" altLang="ko-KR" dirty="0"/>
-              <a:t>:</a:t>
-            </a:r>
-            <a:r>
-              <a:rPr lang="ko-KR" altLang="en-US" dirty="0"/>
-              <a:t> 업데이트된 자극이 </a:t>
-            </a:r>
-            <a:r>
-              <a:rPr lang="ko-KR" altLang="en-US" dirty="0" err="1"/>
-              <a:t>있을경우</a:t>
-            </a:r>
-            <a:r>
-              <a:rPr lang="ko-KR" altLang="en-US" dirty="0"/>
-              <a:t> 업데이트가 일어난 모든 </a:t>
-            </a:r>
-            <a:r>
-              <a:rPr lang="en-US" altLang="ko-KR" dirty="0"/>
-              <a:t>Actor </a:t>
-            </a:r>
-            <a:r>
-              <a:rPr lang="ko-KR" altLang="en-US" dirty="0"/>
-              <a:t>를 </a:t>
-            </a:r>
-            <a:r>
-              <a:rPr lang="ko-KR" altLang="en-US" dirty="0" err="1"/>
-              <a:t>리턴한다</a:t>
-            </a:r>
-            <a:r>
-              <a:rPr lang="en-US" altLang="ko-KR" dirty="0"/>
-              <a:t>.</a:t>
-            </a:r>
-          </a:p>
-          <a:p>
-            <a:endParaRPr lang="en-US" altLang="ko-KR" dirty="0"/>
-          </a:p>
-          <a:p>
-            <a:pPr marL="0" indent="0">
-              <a:buNone/>
-            </a:pPr>
-            <a:r>
-              <a:rPr lang="en-US" altLang="ko-KR" dirty="0"/>
-              <a:t>* </a:t>
-            </a:r>
-            <a:r>
-              <a:rPr lang="en-US" altLang="ko-KR" dirty="0" err="1"/>
-              <a:t>OnTargetActorPerceptionUpdated</a:t>
-            </a:r>
-            <a:r>
-              <a:rPr lang="ko-KR" altLang="en-US" dirty="0"/>
-              <a:t> </a:t>
-            </a:r>
-            <a:endParaRPr lang="en-US" altLang="ko-KR" dirty="0"/>
-          </a:p>
-          <a:p>
-            <a:pPr marL="0" indent="0">
-              <a:buNone/>
-            </a:pPr>
-            <a:r>
-              <a:rPr lang="ko-KR" altLang="en-US" dirty="0"/>
-              <a:t>이벤트 처리 후에 이벤트가 일어난다</a:t>
-            </a:r>
-            <a:r>
-              <a:rPr lang="en-US" altLang="ko-KR" dirty="0"/>
-              <a:t>.</a:t>
-            </a:r>
-            <a:endParaRPr lang="ko-KR" altLang="en-US" dirty="0"/>
+      <p:pic>
+        <p:nvPicPr>
+          <p:cNvPr id="8" name="그림 7">
+            <a:extLst>
+              <a:ext uri="{FF2B5EF4-FFF2-40B4-BE49-F238E27FC236}">
+                <a16:creationId xmlns:a16="http://schemas.microsoft.com/office/drawing/2014/main" id="{2183221B-E0C4-4B2B-88D6-D4F5443C1A70}"/>
+              </a:ext>
+            </a:extLst>
+          </p:cNvPr>
+          <p:cNvPicPr>
+            <a:picLocks noChangeAspect="1"/>
+          </p:cNvPicPr>
+          <p:nvPr/>
+        </p:nvPicPr>
+        <p:blipFill>
+          <a:blip r:embed="rId2"/>
+          <a:stretch>
+            <a:fillRect/>
+          </a:stretch>
+        </p:blipFill>
+        <p:spPr>
+          <a:xfrm>
+            <a:off x="-87074" y="0"/>
+            <a:ext cx="12376741" cy="6858000"/>
+          </a:xfrm>
+          <a:prstGeom prst="rect">
+            <a:avLst/>
+          </a:prstGeom>
+        </p:spPr>
+      </p:pic>
+      <p:sp>
+        <p:nvSpPr>
+          <p:cNvPr id="9" name="TextBox 8">
+            <a:extLst>
+              <a:ext uri="{FF2B5EF4-FFF2-40B4-BE49-F238E27FC236}">
+                <a16:creationId xmlns:a16="http://schemas.microsoft.com/office/drawing/2014/main" id="{39C0DC94-C92A-4814-9CF7-EB8DB52DABF3}"/>
+              </a:ext>
+            </a:extLst>
+          </p:cNvPr>
+          <p:cNvSpPr txBox="1"/>
+          <p:nvPr/>
+        </p:nvSpPr>
+        <p:spPr>
+          <a:xfrm>
+            <a:off x="0" y="2698002"/>
+            <a:ext cx="11604542" cy="3539430"/>
+          </a:xfrm>
+          <a:prstGeom prst="rect">
+            <a:avLst/>
+          </a:prstGeom>
+          <a:noFill/>
+        </p:spPr>
+        <p:txBody>
+          <a:bodyPr wrap="square" rtlCol="0">
+            <a:spAutoFit/>
+          </a:bodyPr>
+          <a:lstStyle/>
+          <a:p>
+            <a:r>
+              <a:rPr lang="en-US" altLang="ko-KR" sz="3200" dirty="0">
+                <a:solidFill>
+                  <a:schemeClr val="bg1"/>
+                </a:solidFill>
+              </a:rPr>
+              <a:t>Age : </a:t>
+            </a:r>
+            <a:r>
+              <a:rPr lang="ko-KR" altLang="en-US" sz="3200" dirty="0">
+                <a:solidFill>
+                  <a:schemeClr val="bg1"/>
+                </a:solidFill>
+              </a:rPr>
+              <a:t>자극이 발생한 이후의 시간</a:t>
+            </a:r>
+            <a:endParaRPr lang="en-US" altLang="ko-KR" sz="3200" dirty="0">
+              <a:solidFill>
+                <a:schemeClr val="bg1"/>
+              </a:solidFill>
+            </a:endParaRPr>
+          </a:p>
+          <a:p>
+            <a:r>
+              <a:rPr lang="en-US" altLang="ko-KR" sz="3200" dirty="0">
+                <a:solidFill>
+                  <a:schemeClr val="bg1"/>
+                </a:solidFill>
+              </a:rPr>
+              <a:t>Expiration Age: </a:t>
+            </a:r>
+            <a:r>
+              <a:rPr lang="ko-KR" altLang="en-US" sz="3200" dirty="0">
+                <a:solidFill>
+                  <a:schemeClr val="bg1"/>
+                </a:solidFill>
+              </a:rPr>
+              <a:t>자극이 무효화 되기까지의 시간</a:t>
+            </a:r>
+            <a:br>
+              <a:rPr lang="en-US" altLang="ko-KR" sz="3200" dirty="0">
+                <a:solidFill>
+                  <a:schemeClr val="bg1"/>
+                </a:solidFill>
+              </a:rPr>
+            </a:br>
+            <a:r>
+              <a:rPr lang="en-US" altLang="ko-KR" sz="3200" dirty="0">
+                <a:solidFill>
+                  <a:schemeClr val="bg1"/>
+                </a:solidFill>
+              </a:rPr>
+              <a:t>Strength: </a:t>
+            </a:r>
+            <a:r>
+              <a:rPr lang="ko-KR" altLang="en-US" sz="3200" dirty="0">
+                <a:solidFill>
+                  <a:schemeClr val="bg1"/>
+                </a:solidFill>
+              </a:rPr>
+              <a:t>자극에 정의된 가중치</a:t>
+            </a:r>
+            <a:endParaRPr lang="en-US" altLang="ko-KR" sz="3200" dirty="0">
+              <a:solidFill>
+                <a:schemeClr val="bg1"/>
+              </a:solidFill>
+            </a:endParaRPr>
+          </a:p>
+          <a:p>
+            <a:r>
+              <a:rPr lang="en-US" altLang="ko-KR" sz="3200" dirty="0">
+                <a:solidFill>
+                  <a:schemeClr val="bg1"/>
+                </a:solidFill>
+              </a:rPr>
+              <a:t>Stimulus Location: </a:t>
+            </a:r>
+            <a:r>
+              <a:rPr lang="ko-KR" altLang="en-US" sz="3200" dirty="0">
+                <a:solidFill>
+                  <a:schemeClr val="bg1"/>
+                </a:solidFill>
+              </a:rPr>
+              <a:t>자극이 시작된 곳</a:t>
+            </a:r>
+            <a:endParaRPr lang="en-US" altLang="ko-KR" sz="3200" dirty="0">
+              <a:solidFill>
+                <a:schemeClr val="bg1"/>
+              </a:solidFill>
+            </a:endParaRPr>
+          </a:p>
+          <a:p>
+            <a:r>
+              <a:rPr lang="en-US" altLang="ko-KR" sz="3200" dirty="0">
+                <a:solidFill>
+                  <a:schemeClr val="bg1"/>
+                </a:solidFill>
+              </a:rPr>
+              <a:t>Receiver Location:  </a:t>
+            </a:r>
+            <a:r>
+              <a:rPr lang="ko-KR" altLang="en-US" sz="3200" dirty="0">
+                <a:solidFill>
+                  <a:schemeClr val="bg1"/>
+                </a:solidFill>
+              </a:rPr>
+              <a:t>시스템이 자극을 등록한곳</a:t>
+            </a:r>
+            <a:r>
+              <a:rPr lang="en-US" altLang="ko-KR" sz="3200" dirty="0">
+                <a:solidFill>
+                  <a:schemeClr val="bg1"/>
+                </a:solidFill>
+              </a:rPr>
+              <a:t>?</a:t>
+            </a:r>
+          </a:p>
+          <a:p>
+            <a:r>
+              <a:rPr lang="en-US" altLang="ko-KR" sz="3200" dirty="0">
+                <a:solidFill>
+                  <a:schemeClr val="bg1"/>
+                </a:solidFill>
+              </a:rPr>
+              <a:t>Tag: </a:t>
+            </a:r>
+            <a:r>
+              <a:rPr lang="ko-KR" altLang="en-US" sz="3200" dirty="0">
+                <a:solidFill>
+                  <a:schemeClr val="bg1"/>
+                </a:solidFill>
+              </a:rPr>
+              <a:t>자극에 정의된 추가 정보</a:t>
+            </a:r>
+            <a:endParaRPr lang="en-US" altLang="ko-KR" sz="3200" dirty="0">
+              <a:solidFill>
+                <a:schemeClr val="bg1"/>
+              </a:solidFill>
+            </a:endParaRPr>
+          </a:p>
+          <a:p>
+            <a:r>
+              <a:rPr lang="en-US" altLang="ko-KR" sz="3200" dirty="0">
+                <a:solidFill>
+                  <a:schemeClr val="bg1"/>
+                </a:solidFill>
+              </a:rPr>
+              <a:t>Successfully Sensed: </a:t>
+            </a:r>
+            <a:r>
+              <a:rPr lang="ko-KR" altLang="en-US" sz="3200" dirty="0">
+                <a:solidFill>
+                  <a:schemeClr val="bg1"/>
+                </a:solidFill>
+              </a:rPr>
+              <a:t>자극   감지됨</a:t>
+            </a:r>
+            <a:r>
+              <a:rPr lang="en-US" altLang="ko-KR" sz="3200" dirty="0">
+                <a:solidFill>
+                  <a:schemeClr val="bg1"/>
+                </a:solidFill>
+              </a:rPr>
+              <a:t> or </a:t>
+            </a:r>
+            <a:r>
+              <a:rPr lang="ko-KR" altLang="en-US" sz="3200" dirty="0">
+                <a:solidFill>
+                  <a:schemeClr val="bg1"/>
+                </a:solidFill>
+              </a:rPr>
+              <a:t>무효화됨</a:t>
+            </a:r>
           </a:p>
         </p:txBody>
       </p:sp>
     </p:spTree>
     <p:extLst>
       <p:ext uri="{BB962C8B-B14F-4D97-AF65-F5344CB8AC3E}">
-        <p14:creationId xmlns:p14="http://schemas.microsoft.com/office/powerpoint/2010/main" val="2031800526"/>
+        <p14:creationId xmlns:p14="http://schemas.microsoft.com/office/powerpoint/2010/main" val="2581586697"/>
       </p:ext>
     </p:extLst>
   </p:cSld>
@@ -5871,6 +5805,168 @@
           <p:cNvPr id="2" name="제목 1">
             <a:extLst>
               <a:ext uri="{FF2B5EF4-FFF2-40B4-BE49-F238E27FC236}">
+                <a16:creationId xmlns:a16="http://schemas.microsoft.com/office/drawing/2014/main" id="{25E8B28A-6266-437B-B79C-4C52F388882C}"/>
+              </a:ext>
+            </a:extLst>
+          </p:cNvPr>
+          <p:cNvSpPr>
+            <a:spLocks noGrp="1"/>
+          </p:cNvSpPr>
+          <p:nvPr>
+            <p:ph type="title"/>
+          </p:nvPr>
+        </p:nvSpPr>
+        <p:spPr/>
+        <p:txBody>
+          <a:bodyPr/>
+          <a:lstStyle/>
+          <a:p>
+            <a:r>
+              <a:rPr lang="en-US" altLang="ko-KR" sz="3600" dirty="0"/>
+              <a:t>Event - </a:t>
+            </a:r>
+            <a:r>
+              <a:rPr lang="en-US" altLang="ko-KR" dirty="0" err="1"/>
+              <a:t>OnPerceptionUpdated</a:t>
+            </a:r>
+            <a:endParaRPr lang="ko-KR" altLang="en-US" dirty="0"/>
+          </a:p>
+        </p:txBody>
+      </p:sp>
+      <p:sp>
+        <p:nvSpPr>
+          <p:cNvPr id="3" name="내용 개체 틀 2">
+            <a:extLst>
+              <a:ext uri="{FF2B5EF4-FFF2-40B4-BE49-F238E27FC236}">
+                <a16:creationId xmlns:a16="http://schemas.microsoft.com/office/drawing/2014/main" id="{15BDE611-C77C-47A7-813C-CBE6DD09F1CE}"/>
+              </a:ext>
+            </a:extLst>
+          </p:cNvPr>
+          <p:cNvSpPr>
+            <a:spLocks noGrp="1"/>
+          </p:cNvSpPr>
+          <p:nvPr>
+            <p:ph idx="1"/>
+          </p:nvPr>
+        </p:nvSpPr>
+        <p:spPr/>
+        <p:txBody>
+          <a:bodyPr/>
+          <a:lstStyle/>
+          <a:p>
+            <a:r>
+              <a:rPr lang="en-US" altLang="ko-KR" dirty="0"/>
+              <a:t>Output</a:t>
+            </a:r>
+            <a:r>
+              <a:rPr lang="ko-KR" altLang="en-US" dirty="0"/>
+              <a:t> </a:t>
+            </a:r>
+            <a:r>
+              <a:rPr lang="en-US" altLang="ko-KR" dirty="0"/>
+              <a:t>:</a:t>
+            </a:r>
+            <a:r>
+              <a:rPr lang="ko-KR" altLang="en-US" dirty="0"/>
+              <a:t> 업데이트된 자극이 </a:t>
+            </a:r>
+            <a:r>
+              <a:rPr lang="ko-KR" altLang="en-US" dirty="0" err="1"/>
+              <a:t>있을경우</a:t>
+            </a:r>
+            <a:r>
+              <a:rPr lang="ko-KR" altLang="en-US" dirty="0"/>
+              <a:t> 업데이트가 일어난 모든 </a:t>
+            </a:r>
+            <a:r>
+              <a:rPr lang="en-US" altLang="ko-KR" dirty="0"/>
+              <a:t>Actor </a:t>
+            </a:r>
+            <a:r>
+              <a:rPr lang="ko-KR" altLang="en-US" dirty="0"/>
+              <a:t>를 </a:t>
+            </a:r>
+            <a:r>
+              <a:rPr lang="ko-KR" altLang="en-US" dirty="0" err="1"/>
+              <a:t>리턴한다</a:t>
+            </a:r>
+            <a:r>
+              <a:rPr lang="en-US" altLang="ko-KR" dirty="0"/>
+              <a:t>.</a:t>
+            </a:r>
+          </a:p>
+          <a:p>
+            <a:endParaRPr lang="en-US" altLang="ko-KR" dirty="0"/>
+          </a:p>
+          <a:p>
+            <a:pPr marL="0" indent="0">
+              <a:buNone/>
+            </a:pPr>
+            <a:r>
+              <a:rPr lang="en-US" altLang="ko-KR" dirty="0"/>
+              <a:t>* </a:t>
+            </a:r>
+            <a:r>
+              <a:rPr lang="en-US" altLang="ko-KR" dirty="0" err="1"/>
+              <a:t>OnTargetActorPerceptionUpdated</a:t>
+            </a:r>
+            <a:r>
+              <a:rPr lang="ko-KR" altLang="en-US" dirty="0"/>
+              <a:t> </a:t>
+            </a:r>
+            <a:endParaRPr lang="en-US" altLang="ko-KR" dirty="0"/>
+          </a:p>
+          <a:p>
+            <a:pPr marL="0" indent="0">
+              <a:buNone/>
+            </a:pPr>
+            <a:r>
+              <a:rPr lang="ko-KR" altLang="en-US" dirty="0"/>
+              <a:t>이벤트 처리 후에 이벤트가 일어난다</a:t>
+            </a:r>
+            <a:r>
+              <a:rPr lang="en-US" altLang="ko-KR" dirty="0"/>
+              <a:t>.</a:t>
+            </a:r>
+            <a:endParaRPr lang="ko-KR" altLang="en-US" dirty="0"/>
+          </a:p>
+        </p:txBody>
+      </p:sp>
+    </p:spTree>
+    <p:extLst>
+      <p:ext uri="{BB962C8B-B14F-4D97-AF65-F5344CB8AC3E}">
+        <p14:creationId xmlns:p14="http://schemas.microsoft.com/office/powerpoint/2010/main" val="2031800526"/>
+      </p:ext>
+    </p:extLst>
+  </p:cSld>
+  <p:clrMapOvr>
+    <a:masterClrMapping/>
+  </p:clrMapOvr>
+</p:sld>
+</file>
+
+<file path=ppt/slides/slide19.xml><?xml version="1.0" encoding="utf-8"?>
+<p:sld xmlns:a="http://schemas.openxmlformats.org/drawingml/2006/main" xmlns:r="http://schemas.openxmlformats.org/officeDocument/2006/relationships" xmlns:p="http://schemas.openxmlformats.org/presentationml/2006/main">
+  <p:cSld>
+    <p:spTree>
+      <p:nvGrpSpPr>
+        <p:cNvPr id="1" name=""/>
+        <p:cNvGrpSpPr/>
+        <p:nvPr/>
+      </p:nvGrpSpPr>
+      <p:grpSpPr>
+        <a:xfrm>
+          <a:off x="0" y="0"/>
+          <a:ext cx="0" cy="0"/>
+          <a:chOff x="0" y="0"/>
+          <a:chExt cx="0" cy="0"/>
+        </a:xfrm>
+      </p:grpSpPr>
+      <p:sp>
+        <p:nvSpPr>
+          <p:cNvPr id="2" name="제목 1">
+            <a:extLst>
+              <a:ext uri="{FF2B5EF4-FFF2-40B4-BE49-F238E27FC236}">
                 <a16:creationId xmlns:a16="http://schemas.microsoft.com/office/drawing/2014/main" id="{E9B836DC-A9B2-48F0-861D-D6121BAEED27}"/>
               </a:ext>
             </a:extLst>
@@ -6069,7 +6165,534 @@
 </p:sld>
 </file>
 
-<file path=ppt/slides/slide19.xml><?xml version="1.0" encoding="utf-8"?>
+<file path=ppt/slides/slide2.xml><?xml version="1.0" encoding="utf-8"?>
+<p:sld xmlns:a="http://schemas.openxmlformats.org/drawingml/2006/main" xmlns:r="http://schemas.openxmlformats.org/officeDocument/2006/relationships" xmlns:p="http://schemas.openxmlformats.org/presentationml/2006/main">
+  <p:cSld>
+    <p:spTree>
+      <p:nvGrpSpPr>
+        <p:cNvPr id="1" name=""/>
+        <p:cNvGrpSpPr/>
+        <p:nvPr/>
+      </p:nvGrpSpPr>
+      <p:grpSpPr>
+        <a:xfrm>
+          <a:off x="0" y="0"/>
+          <a:ext cx="0" cy="0"/>
+          <a:chOff x="0" y="0"/>
+          <a:chExt cx="0" cy="0"/>
+        </a:xfrm>
+      </p:grpSpPr>
+      <p:sp>
+        <p:nvSpPr>
+          <p:cNvPr id="2" name="제목 1">
+            <a:extLst>
+              <a:ext uri="{FF2B5EF4-FFF2-40B4-BE49-F238E27FC236}">
+                <a16:creationId xmlns:a16="http://schemas.microsoft.com/office/drawing/2014/main" id="{CAB6B39F-43DE-46C0-934E-3288B2EA64FF}"/>
+              </a:ext>
+            </a:extLst>
+          </p:cNvPr>
+          <p:cNvSpPr>
+            <a:spLocks noGrp="1"/>
+          </p:cNvSpPr>
+          <p:nvPr>
+            <p:ph type="title"/>
+          </p:nvPr>
+        </p:nvSpPr>
+        <p:spPr/>
+        <p:txBody>
+          <a:bodyPr/>
+          <a:lstStyle/>
+          <a:p>
+            <a:r>
+              <a:rPr lang="ko-KR" altLang="en-US" dirty="0"/>
+              <a:t>어떻게 똑똑한 </a:t>
+            </a:r>
+            <a:r>
+              <a:rPr lang="en-US" altLang="ko-KR" dirty="0"/>
+              <a:t>NPC</a:t>
+            </a:r>
+            <a:r>
+              <a:rPr lang="ko-KR" altLang="en-US" dirty="0"/>
+              <a:t>로 </a:t>
+            </a:r>
+            <a:r>
+              <a:rPr lang="ko-KR" altLang="en-US" dirty="0" err="1"/>
+              <a:t>만들수</a:t>
+            </a:r>
+            <a:r>
+              <a:rPr lang="ko-KR" altLang="en-US" dirty="0"/>
+              <a:t> 있나</a:t>
+            </a:r>
+            <a:r>
+              <a:rPr lang="en-US" altLang="ko-KR" dirty="0"/>
+              <a:t>.</a:t>
+            </a:r>
+            <a:endParaRPr lang="ko-KR" altLang="en-US" dirty="0"/>
+          </a:p>
+        </p:txBody>
+      </p:sp>
+      <p:sp>
+        <p:nvSpPr>
+          <p:cNvPr id="3" name="내용 개체 틀 2">
+            <a:extLst>
+              <a:ext uri="{FF2B5EF4-FFF2-40B4-BE49-F238E27FC236}">
+                <a16:creationId xmlns:a16="http://schemas.microsoft.com/office/drawing/2014/main" id="{FFBB8E4E-F345-40CB-9B3E-C7F3480E625F}"/>
+              </a:ext>
+            </a:extLst>
+          </p:cNvPr>
+          <p:cNvSpPr>
+            <a:spLocks noGrp="1"/>
+          </p:cNvSpPr>
+          <p:nvPr>
+            <p:ph idx="1"/>
+          </p:nvPr>
+        </p:nvSpPr>
+        <p:spPr>
+          <a:xfrm>
+            <a:off x="838199" y="1690688"/>
+            <a:ext cx="10515600" cy="477628"/>
+          </a:xfrm>
+        </p:spPr>
+        <p:txBody>
+          <a:bodyPr/>
+          <a:lstStyle/>
+          <a:p>
+            <a:pPr marL="0" indent="0">
+              <a:buNone/>
+            </a:pPr>
+            <a:r>
+              <a:rPr lang="ko-KR" altLang="en-US" dirty="0"/>
+              <a:t>월드의 정보를 수집 하고 정보를 바탕으로 한 행동을 결정한다</a:t>
+            </a:r>
+            <a:r>
+              <a:rPr lang="en-US" altLang="ko-KR" dirty="0"/>
+              <a:t>.</a:t>
+            </a:r>
+          </a:p>
+        </p:txBody>
+      </p:sp>
+      <p:sp>
+        <p:nvSpPr>
+          <p:cNvPr id="4" name="TextBox 3">
+            <a:extLst>
+              <a:ext uri="{FF2B5EF4-FFF2-40B4-BE49-F238E27FC236}">
+                <a16:creationId xmlns:a16="http://schemas.microsoft.com/office/drawing/2014/main" id="{95731C7F-19B0-4B02-9103-243598A2E966}"/>
+              </a:ext>
+            </a:extLst>
+          </p:cNvPr>
+          <p:cNvSpPr txBox="1"/>
+          <p:nvPr/>
+        </p:nvSpPr>
+        <p:spPr>
+          <a:xfrm>
+            <a:off x="838199" y="2362895"/>
+            <a:ext cx="10515600" cy="1200329"/>
+          </a:xfrm>
+          <a:prstGeom prst="rect">
+            <a:avLst/>
+          </a:prstGeom>
+          <a:noFill/>
+        </p:spPr>
+        <p:txBody>
+          <a:bodyPr wrap="square" rtlCol="0">
+            <a:spAutoFit/>
+          </a:bodyPr>
+          <a:lstStyle/>
+          <a:p>
+            <a:r>
+              <a:rPr lang="ko-KR" altLang="en-US" dirty="0"/>
+              <a:t>정보수집하기</a:t>
+            </a:r>
+            <a:endParaRPr lang="en-US" altLang="ko-KR" dirty="0"/>
+          </a:p>
+          <a:p>
+            <a:r>
+              <a:rPr lang="en-US" altLang="ko-KR" dirty="0"/>
+              <a:t>- </a:t>
+            </a:r>
+            <a:r>
+              <a:rPr lang="en-US" altLang="ko-KR" dirty="0" err="1"/>
+              <a:t>AIController</a:t>
+            </a:r>
+            <a:r>
+              <a:rPr lang="ko-KR" altLang="en-US" dirty="0"/>
+              <a:t>에 </a:t>
+            </a:r>
+            <a:r>
+              <a:rPr lang="en-US" altLang="ko-KR" dirty="0" err="1"/>
+              <a:t>AIPerceptionComponent</a:t>
+            </a:r>
+            <a:r>
+              <a:rPr lang="en-US" altLang="ko-KR" dirty="0"/>
+              <a:t> </a:t>
+            </a:r>
+            <a:r>
+              <a:rPr lang="ko-KR" altLang="en-US" dirty="0"/>
+              <a:t>추가</a:t>
+            </a:r>
+            <a:r>
+              <a:rPr lang="en-US" altLang="ko-KR" dirty="0"/>
+              <a:t>: </a:t>
+            </a:r>
+            <a:r>
+              <a:rPr lang="ko-KR" altLang="en-US" dirty="0"/>
+              <a:t>실행 중 시야</a:t>
+            </a:r>
+            <a:r>
+              <a:rPr lang="en-US" altLang="ko-KR" dirty="0"/>
+              <a:t>,</a:t>
+            </a:r>
+            <a:r>
+              <a:rPr lang="ko-KR" altLang="en-US" dirty="0"/>
+              <a:t>노이즈</a:t>
+            </a:r>
+            <a:r>
+              <a:rPr lang="en-US" altLang="ko-KR" dirty="0"/>
+              <a:t>,</a:t>
+            </a:r>
+            <a:r>
+              <a:rPr lang="ko-KR" altLang="en-US" dirty="0"/>
+              <a:t>데미지</a:t>
+            </a:r>
+            <a:r>
+              <a:rPr lang="en-US" altLang="ko-KR" dirty="0"/>
+              <a:t> </a:t>
+            </a:r>
+            <a:r>
+              <a:rPr lang="ko-KR" altLang="en-US" dirty="0"/>
+              <a:t>등 자극을 감지</a:t>
+            </a:r>
+            <a:endParaRPr lang="en-US" altLang="ko-KR" dirty="0"/>
+          </a:p>
+          <a:p>
+            <a:pPr>
+              <a:buFontTx/>
+              <a:buChar char="-"/>
+            </a:pPr>
+            <a:r>
+              <a:rPr lang="en-US" altLang="ko-KR" dirty="0"/>
+              <a:t> EQS </a:t>
+            </a:r>
+            <a:r>
+              <a:rPr lang="ko-KR" altLang="en-US" dirty="0"/>
+              <a:t>사용</a:t>
+            </a:r>
+            <a:r>
+              <a:rPr lang="en-US" altLang="ko-KR" dirty="0"/>
+              <a:t>(Environment Query System) :  </a:t>
+            </a:r>
+            <a:r>
+              <a:rPr lang="ko-KR" altLang="en-US" dirty="0"/>
+              <a:t>월드의 환경 정보 기반으로 최적의 </a:t>
+            </a:r>
+            <a:r>
+              <a:rPr lang="en-US" altLang="ko-KR" dirty="0"/>
+              <a:t>Actor , Location </a:t>
+            </a:r>
+            <a:r>
+              <a:rPr lang="ko-KR" altLang="en-US" dirty="0"/>
+              <a:t>검색</a:t>
+            </a:r>
+            <a:endParaRPr lang="en-US" altLang="ko-KR" dirty="0"/>
+          </a:p>
+          <a:p>
+            <a:endParaRPr lang="ko-KR" altLang="en-US" dirty="0"/>
+          </a:p>
+        </p:txBody>
+      </p:sp>
+      <p:sp>
+        <p:nvSpPr>
+          <p:cNvPr id="5" name="TextBox 4">
+            <a:extLst>
+              <a:ext uri="{FF2B5EF4-FFF2-40B4-BE49-F238E27FC236}">
+                <a16:creationId xmlns:a16="http://schemas.microsoft.com/office/drawing/2014/main" id="{C5BD8CF8-C3AB-435E-A52F-4F3F834DDDD6}"/>
+              </a:ext>
+            </a:extLst>
+          </p:cNvPr>
+          <p:cNvSpPr txBox="1"/>
+          <p:nvPr/>
+        </p:nvSpPr>
+        <p:spPr>
+          <a:xfrm>
+            <a:off x="785418" y="3493879"/>
+            <a:ext cx="10621161" cy="1754326"/>
+          </a:xfrm>
+          <a:prstGeom prst="rect">
+            <a:avLst/>
+          </a:prstGeom>
+          <a:noFill/>
+        </p:spPr>
+        <p:txBody>
+          <a:bodyPr wrap="square" rtlCol="0">
+            <a:spAutoFit/>
+          </a:bodyPr>
+          <a:lstStyle/>
+          <a:p>
+            <a:r>
+              <a:rPr lang="ko-KR" altLang="en-US" dirty="0"/>
+              <a:t>이동하기</a:t>
+            </a:r>
+            <a:endParaRPr lang="en-US" altLang="ko-KR" dirty="0"/>
+          </a:p>
+          <a:p>
+            <a:r>
+              <a:rPr lang="en-US" altLang="ko-KR" dirty="0"/>
+              <a:t>- </a:t>
+            </a:r>
+            <a:r>
+              <a:rPr lang="ko-KR" altLang="en-US" dirty="0"/>
+              <a:t>월드에 </a:t>
+            </a:r>
+            <a:r>
+              <a:rPr lang="en-US" altLang="ko-KR" dirty="0" err="1"/>
+              <a:t>NavigationVolume</a:t>
+            </a:r>
+            <a:r>
+              <a:rPr lang="en-US" altLang="ko-KR" dirty="0"/>
+              <a:t> </a:t>
+            </a:r>
+            <a:r>
+              <a:rPr lang="ko-KR" altLang="en-US" dirty="0"/>
+              <a:t>설치</a:t>
+            </a:r>
+            <a:r>
+              <a:rPr lang="en-US" altLang="ko-KR" dirty="0"/>
+              <a:t>: </a:t>
+            </a:r>
+            <a:r>
+              <a:rPr lang="ko-KR" altLang="en-US" dirty="0"/>
+              <a:t>지형에 대해서 갈수 </a:t>
+            </a:r>
+            <a:r>
+              <a:rPr lang="ko-KR" altLang="en-US" dirty="0" err="1"/>
+              <a:t>있는곳</a:t>
+            </a:r>
+            <a:r>
+              <a:rPr lang="ko-KR" altLang="en-US" dirty="0"/>
+              <a:t> 을 미리 계산하여 데이터로 준비</a:t>
+            </a:r>
+            <a:endParaRPr lang="en-US" altLang="ko-KR" dirty="0"/>
+          </a:p>
+          <a:p>
+            <a:r>
+              <a:rPr lang="en-US" altLang="ko-KR" dirty="0"/>
+              <a:t>- </a:t>
+            </a:r>
+            <a:r>
+              <a:rPr lang="ko-KR" altLang="en-US" dirty="0"/>
+              <a:t>네비게이션 정보를 기반한 기본적인 이동 명령 제공한다</a:t>
+            </a:r>
+            <a:r>
+              <a:rPr lang="en-US" altLang="ko-KR" dirty="0"/>
+              <a:t>.</a:t>
+            </a:r>
+          </a:p>
+          <a:p>
+            <a:r>
+              <a:rPr lang="en-US" altLang="ko-KR" dirty="0"/>
+              <a:t>    </a:t>
+            </a:r>
+            <a:r>
+              <a:rPr lang="en-US" altLang="ko-KR" dirty="0" err="1"/>
+              <a:t>MoveTo</a:t>
+            </a:r>
+            <a:r>
+              <a:rPr lang="en-US" altLang="ko-KR" dirty="0"/>
+              <a:t> </a:t>
+            </a:r>
+            <a:r>
+              <a:rPr lang="ko-KR" altLang="en-US" dirty="0"/>
+              <a:t>계열의 </a:t>
+            </a:r>
+            <a:r>
+              <a:rPr lang="ko-KR" altLang="en-US" dirty="0" err="1"/>
+              <a:t>블루프린트</a:t>
+            </a:r>
+            <a:r>
+              <a:rPr lang="ko-KR" altLang="en-US" dirty="0"/>
+              <a:t> 노드 </a:t>
+            </a:r>
+            <a:r>
+              <a:rPr lang="en-US" altLang="ko-KR" dirty="0"/>
+              <a:t>(</a:t>
+            </a:r>
+            <a:r>
+              <a:rPr lang="ko-KR" altLang="en-US" dirty="0"/>
+              <a:t>결과에 대한 정보 제공 다름</a:t>
+            </a:r>
+            <a:r>
+              <a:rPr lang="en-US" altLang="ko-KR" dirty="0"/>
+              <a:t>)</a:t>
+            </a:r>
+            <a:r>
+              <a:rPr lang="ko-KR" altLang="en-US" dirty="0"/>
+              <a:t> </a:t>
+            </a:r>
+            <a:r>
+              <a:rPr lang="en-US" altLang="ko-KR" dirty="0"/>
+              <a:t> </a:t>
+            </a:r>
+            <a:r>
+              <a:rPr lang="ko-KR" altLang="en-US" dirty="0"/>
+              <a:t>  </a:t>
+            </a:r>
+            <a:endParaRPr lang="en-US" altLang="ko-KR" dirty="0"/>
+          </a:p>
+          <a:p>
+            <a:endParaRPr lang="en-US" altLang="ko-KR" dirty="0"/>
+          </a:p>
+          <a:p>
+            <a:endParaRPr lang="ko-KR" altLang="en-US" dirty="0"/>
+          </a:p>
+        </p:txBody>
+      </p:sp>
+      <p:sp>
+        <p:nvSpPr>
+          <p:cNvPr id="8" name="TextBox 7">
+            <a:extLst>
+              <a:ext uri="{FF2B5EF4-FFF2-40B4-BE49-F238E27FC236}">
+                <a16:creationId xmlns:a16="http://schemas.microsoft.com/office/drawing/2014/main" id="{74B5DDF3-B821-4CBD-B72F-FB62068F19BF}"/>
+              </a:ext>
+            </a:extLst>
+          </p:cNvPr>
+          <p:cNvSpPr txBox="1"/>
+          <p:nvPr/>
+        </p:nvSpPr>
+        <p:spPr>
+          <a:xfrm>
+            <a:off x="838199" y="5248205"/>
+            <a:ext cx="10763775" cy="1200329"/>
+          </a:xfrm>
+          <a:prstGeom prst="rect">
+            <a:avLst/>
+          </a:prstGeom>
+          <a:noFill/>
+        </p:spPr>
+        <p:txBody>
+          <a:bodyPr wrap="square" rtlCol="0">
+            <a:spAutoFit/>
+          </a:bodyPr>
+          <a:lstStyle/>
+          <a:p>
+            <a:r>
+              <a:rPr lang="en-US" altLang="ko-KR" dirty="0" err="1"/>
+              <a:t>BehaviorTree</a:t>
+            </a:r>
+            <a:r>
+              <a:rPr lang="ko-KR" altLang="en-US" dirty="0"/>
+              <a:t> </a:t>
+            </a:r>
+            <a:r>
+              <a:rPr lang="en-US" altLang="ko-KR" dirty="0"/>
+              <a:t>&amp; Blackboard </a:t>
+            </a:r>
+            <a:r>
+              <a:rPr lang="ko-KR" altLang="en-US" dirty="0"/>
+              <a:t>사용하기</a:t>
+            </a:r>
+            <a:endParaRPr lang="en-US" altLang="ko-KR" dirty="0"/>
+          </a:p>
+          <a:p>
+            <a:r>
+              <a:rPr lang="en-US" altLang="ko-KR" dirty="0"/>
+              <a:t>- </a:t>
+            </a:r>
+            <a:r>
+              <a:rPr lang="en-US" altLang="ko-KR" dirty="0" err="1"/>
+              <a:t>AIController,Pawn</a:t>
+            </a:r>
+            <a:r>
+              <a:rPr lang="ko-KR" altLang="en-US" dirty="0"/>
+              <a:t>과 분리된 </a:t>
+            </a:r>
+            <a:r>
+              <a:rPr lang="ko-KR" altLang="en-US" dirty="0" err="1"/>
+              <a:t>어셋으로</a:t>
+            </a:r>
+            <a:r>
+              <a:rPr lang="ko-KR" altLang="en-US" dirty="0"/>
+              <a:t>  순서도</a:t>
+            </a:r>
+            <a:r>
+              <a:rPr lang="en-US" altLang="ko-KR" dirty="0"/>
+              <a:t>(Flowchart)</a:t>
+            </a:r>
+            <a:r>
+              <a:rPr lang="ko-KR" altLang="en-US" dirty="0"/>
+              <a:t>와</a:t>
+            </a:r>
+            <a:r>
+              <a:rPr lang="en-US" altLang="ko-KR" dirty="0"/>
+              <a:t> </a:t>
+            </a:r>
+            <a:r>
+              <a:rPr lang="ko-KR" altLang="en-US" dirty="0"/>
+              <a:t>유사한 행동결정 논리를 </a:t>
+            </a:r>
+            <a:r>
+              <a:rPr lang="ko-KR" altLang="en-US" dirty="0" err="1"/>
+              <a:t>어셋에</a:t>
+            </a:r>
+            <a:r>
+              <a:rPr lang="ko-KR" altLang="en-US" dirty="0"/>
+              <a:t> </a:t>
+            </a:r>
+            <a:r>
+              <a:rPr lang="ko-KR" altLang="en-US" dirty="0" err="1"/>
+              <a:t>담을수</a:t>
+            </a:r>
+            <a:r>
+              <a:rPr lang="ko-KR" altLang="en-US" dirty="0"/>
+              <a:t> 있다 </a:t>
+            </a:r>
+            <a:r>
+              <a:rPr lang="en-US" altLang="ko-KR" dirty="0"/>
+              <a:t>Blackboard</a:t>
+            </a:r>
+            <a:r>
+              <a:rPr lang="ko-KR" altLang="en-US" dirty="0"/>
+              <a:t> 는 </a:t>
+            </a:r>
+            <a:r>
+              <a:rPr lang="en-US" altLang="ko-KR" dirty="0" err="1"/>
+              <a:t>BehaviorTree</a:t>
+            </a:r>
+            <a:r>
+              <a:rPr lang="ko-KR" altLang="en-US" dirty="0"/>
+              <a:t>가 행동을 결정 </a:t>
+            </a:r>
+            <a:r>
+              <a:rPr lang="ko-KR" altLang="en-US" dirty="0" err="1"/>
+              <a:t>할때</a:t>
+            </a:r>
+            <a:r>
+              <a:rPr lang="ko-KR" altLang="en-US" dirty="0"/>
+              <a:t> 참고하는 데이터 정의 및 기억장소</a:t>
+            </a:r>
+            <a:r>
+              <a:rPr lang="en-US" altLang="ko-KR" dirty="0"/>
+              <a:t>.</a:t>
+            </a:r>
+          </a:p>
+          <a:p>
+            <a:endParaRPr lang="ko-KR" altLang="en-US" dirty="0"/>
+          </a:p>
+        </p:txBody>
+      </p:sp>
+    </p:spTree>
+    <p:extLst>
+      <p:ext uri="{BB962C8B-B14F-4D97-AF65-F5344CB8AC3E}">
+        <p14:creationId xmlns:p14="http://schemas.microsoft.com/office/powerpoint/2010/main" val="1480452728"/>
+      </p:ext>
+    </p:extLst>
+  </p:cSld>
+  <p:clrMapOvr>
+    <a:masterClrMapping/>
+  </p:clrMapOvr>
+</p:sld>
+</file>
+
+<file path=ppt/slides/slide20.xml><?xml version="1.0" encoding="utf-8"?>
 <p:sld xmlns:a="http://schemas.openxmlformats.org/drawingml/2006/main" xmlns:r="http://schemas.openxmlformats.org/officeDocument/2006/relationships" xmlns:p="http://schemas.openxmlformats.org/presentationml/2006/main">
   <p:cSld>
     <p:spTree>
@@ -6129,705 +6752,6 @@
 </p:sld>
 </file>
 
-<file path=ppt/slides/slide2.xml><?xml version="1.0" encoding="utf-8"?>
-<p:sld xmlns:a="http://schemas.openxmlformats.org/drawingml/2006/main" xmlns:r="http://schemas.openxmlformats.org/officeDocument/2006/relationships" xmlns:p="http://schemas.openxmlformats.org/presentationml/2006/main">
-  <p:cSld>
-    <p:spTree>
-      <p:nvGrpSpPr>
-        <p:cNvPr id="1" name=""/>
-        <p:cNvGrpSpPr/>
-        <p:nvPr/>
-      </p:nvGrpSpPr>
-      <p:grpSpPr>
-        <a:xfrm>
-          <a:off x="0" y="0"/>
-          <a:ext cx="0" cy="0"/>
-          <a:chOff x="0" y="0"/>
-          <a:chExt cx="0" cy="0"/>
-        </a:xfrm>
-      </p:grpSpPr>
-      <p:sp>
-        <p:nvSpPr>
-          <p:cNvPr id="2" name="제목 1">
-            <a:extLst>
-              <a:ext uri="{FF2B5EF4-FFF2-40B4-BE49-F238E27FC236}">
-                <a16:creationId xmlns:a16="http://schemas.microsoft.com/office/drawing/2014/main" id="{CAB6B39F-43DE-46C0-934E-3288B2EA64FF}"/>
-              </a:ext>
-            </a:extLst>
-          </p:cNvPr>
-          <p:cNvSpPr>
-            <a:spLocks noGrp="1"/>
-          </p:cNvSpPr>
-          <p:nvPr>
-            <p:ph type="title"/>
-          </p:nvPr>
-        </p:nvSpPr>
-        <p:spPr/>
-        <p:txBody>
-          <a:bodyPr/>
-          <a:lstStyle/>
-          <a:p>
-            <a:r>
-              <a:rPr lang="ko-KR" altLang="en-US" dirty="0"/>
-              <a:t>어떻게 똑똑한 </a:t>
-            </a:r>
-            <a:r>
-              <a:rPr lang="en-US" altLang="ko-KR" dirty="0"/>
-              <a:t>NPC</a:t>
-            </a:r>
-            <a:r>
-              <a:rPr lang="ko-KR" altLang="en-US" dirty="0"/>
-              <a:t>로 </a:t>
-            </a:r>
-            <a:r>
-              <a:rPr lang="ko-KR" altLang="en-US" dirty="0" err="1"/>
-              <a:t>만들수</a:t>
-            </a:r>
-            <a:r>
-              <a:rPr lang="ko-KR" altLang="en-US" dirty="0"/>
-              <a:t> 있나</a:t>
-            </a:r>
-            <a:r>
-              <a:rPr lang="en-US" altLang="ko-KR" dirty="0"/>
-              <a:t>.</a:t>
-            </a:r>
-            <a:endParaRPr lang="ko-KR" altLang="en-US" dirty="0"/>
-          </a:p>
-        </p:txBody>
-      </p:sp>
-      <p:sp>
-        <p:nvSpPr>
-          <p:cNvPr id="3" name="내용 개체 틀 2">
-            <a:extLst>
-              <a:ext uri="{FF2B5EF4-FFF2-40B4-BE49-F238E27FC236}">
-                <a16:creationId xmlns:a16="http://schemas.microsoft.com/office/drawing/2014/main" id="{FFBB8E4E-F345-40CB-9B3E-C7F3480E625F}"/>
-              </a:ext>
-            </a:extLst>
-          </p:cNvPr>
-          <p:cNvSpPr>
-            <a:spLocks noGrp="1"/>
-          </p:cNvSpPr>
-          <p:nvPr>
-            <p:ph idx="1"/>
-          </p:nvPr>
-        </p:nvSpPr>
-        <p:spPr>
-          <a:xfrm>
-            <a:off x="838199" y="1690688"/>
-            <a:ext cx="10515600" cy="477628"/>
-          </a:xfrm>
-        </p:spPr>
-        <p:txBody>
-          <a:bodyPr/>
-          <a:lstStyle/>
-          <a:p>
-            <a:pPr marL="0" indent="0">
-              <a:buNone/>
-            </a:pPr>
-            <a:r>
-              <a:rPr lang="ko-KR" altLang="en-US" dirty="0"/>
-              <a:t>월드의 정보를 수집 하고 정보를 바탕으로 한 행동을 결정한다</a:t>
-            </a:r>
-            <a:r>
-              <a:rPr lang="en-US" altLang="ko-KR" dirty="0"/>
-              <a:t>.</a:t>
-            </a:r>
-          </a:p>
-        </p:txBody>
-      </p:sp>
-      <p:sp>
-        <p:nvSpPr>
-          <p:cNvPr id="4" name="TextBox 3">
-            <a:extLst>
-              <a:ext uri="{FF2B5EF4-FFF2-40B4-BE49-F238E27FC236}">
-                <a16:creationId xmlns:a16="http://schemas.microsoft.com/office/drawing/2014/main" id="{95731C7F-19B0-4B02-9103-243598A2E966}"/>
-              </a:ext>
-            </a:extLst>
-          </p:cNvPr>
-          <p:cNvSpPr txBox="1"/>
-          <p:nvPr/>
-        </p:nvSpPr>
-        <p:spPr>
-          <a:xfrm>
-            <a:off x="838199" y="2362895"/>
-            <a:ext cx="10515600" cy="1200329"/>
-          </a:xfrm>
-          <a:prstGeom prst="rect">
-            <a:avLst/>
-          </a:prstGeom>
-          <a:noFill/>
-        </p:spPr>
-        <p:txBody>
-          <a:bodyPr wrap="square" rtlCol="0">
-            <a:spAutoFit/>
-          </a:bodyPr>
-          <a:lstStyle/>
-          <a:p>
-            <a:r>
-              <a:rPr lang="ko-KR" altLang="en-US" dirty="0"/>
-              <a:t>정보수집하기</a:t>
-            </a:r>
-            <a:endParaRPr lang="en-US" altLang="ko-KR" dirty="0"/>
-          </a:p>
-          <a:p>
-            <a:r>
-              <a:rPr lang="en-US" altLang="ko-KR" dirty="0"/>
-              <a:t>- </a:t>
-            </a:r>
-            <a:r>
-              <a:rPr lang="en-US" altLang="ko-KR" dirty="0" err="1"/>
-              <a:t>AIController</a:t>
-            </a:r>
-            <a:r>
-              <a:rPr lang="ko-KR" altLang="en-US" dirty="0"/>
-              <a:t>에 </a:t>
-            </a:r>
-            <a:r>
-              <a:rPr lang="en-US" altLang="ko-KR" dirty="0" err="1"/>
-              <a:t>AIPerceptionComponent</a:t>
-            </a:r>
-            <a:r>
-              <a:rPr lang="en-US" altLang="ko-KR" dirty="0"/>
-              <a:t> </a:t>
-            </a:r>
-            <a:r>
-              <a:rPr lang="ko-KR" altLang="en-US" dirty="0"/>
-              <a:t>추가</a:t>
-            </a:r>
-            <a:r>
-              <a:rPr lang="en-US" altLang="ko-KR" dirty="0"/>
-              <a:t>: </a:t>
-            </a:r>
-            <a:r>
-              <a:rPr lang="ko-KR" altLang="en-US" dirty="0"/>
-              <a:t>실행 중 시야</a:t>
-            </a:r>
-            <a:r>
-              <a:rPr lang="en-US" altLang="ko-KR" dirty="0"/>
-              <a:t>,</a:t>
-            </a:r>
-            <a:r>
-              <a:rPr lang="ko-KR" altLang="en-US" dirty="0"/>
-              <a:t>노이즈</a:t>
-            </a:r>
-            <a:r>
-              <a:rPr lang="en-US" altLang="ko-KR" dirty="0"/>
-              <a:t>,</a:t>
-            </a:r>
-            <a:r>
-              <a:rPr lang="ko-KR" altLang="en-US" dirty="0"/>
-              <a:t>데미지</a:t>
-            </a:r>
-            <a:r>
-              <a:rPr lang="en-US" altLang="ko-KR" dirty="0"/>
-              <a:t> </a:t>
-            </a:r>
-            <a:r>
-              <a:rPr lang="ko-KR" altLang="en-US" dirty="0"/>
-              <a:t>등 자극을 감지</a:t>
-            </a:r>
-            <a:endParaRPr lang="en-US" altLang="ko-KR" dirty="0"/>
-          </a:p>
-          <a:p>
-            <a:pPr>
-              <a:buFontTx/>
-              <a:buChar char="-"/>
-            </a:pPr>
-            <a:r>
-              <a:rPr lang="en-US" altLang="ko-KR" dirty="0"/>
-              <a:t> EQS </a:t>
-            </a:r>
-            <a:r>
-              <a:rPr lang="ko-KR" altLang="en-US" dirty="0"/>
-              <a:t>사용</a:t>
-            </a:r>
-            <a:r>
-              <a:rPr lang="en-US" altLang="ko-KR" dirty="0"/>
-              <a:t>(Environment Query System) :  </a:t>
-            </a:r>
-            <a:r>
-              <a:rPr lang="ko-KR" altLang="en-US" dirty="0"/>
-              <a:t>월드의 환경 정보 기반으로 최적의 </a:t>
-            </a:r>
-            <a:r>
-              <a:rPr lang="en-US" altLang="ko-KR" dirty="0"/>
-              <a:t>Actor , Location </a:t>
-            </a:r>
-            <a:r>
-              <a:rPr lang="ko-KR" altLang="en-US" dirty="0"/>
-              <a:t>검색</a:t>
-            </a:r>
-            <a:endParaRPr lang="en-US" altLang="ko-KR" dirty="0"/>
-          </a:p>
-          <a:p>
-            <a:endParaRPr lang="ko-KR" altLang="en-US" dirty="0"/>
-          </a:p>
-        </p:txBody>
-      </p:sp>
-      <p:sp>
-        <p:nvSpPr>
-          <p:cNvPr id="5" name="TextBox 4">
-            <a:extLst>
-              <a:ext uri="{FF2B5EF4-FFF2-40B4-BE49-F238E27FC236}">
-                <a16:creationId xmlns:a16="http://schemas.microsoft.com/office/drawing/2014/main" id="{C5BD8CF8-C3AB-435E-A52F-4F3F834DDDD6}"/>
-              </a:ext>
-            </a:extLst>
-          </p:cNvPr>
-          <p:cNvSpPr txBox="1"/>
-          <p:nvPr/>
-        </p:nvSpPr>
-        <p:spPr>
-          <a:xfrm>
-            <a:off x="785418" y="3493879"/>
-            <a:ext cx="10621161" cy="1754326"/>
-          </a:xfrm>
-          <a:prstGeom prst="rect">
-            <a:avLst/>
-          </a:prstGeom>
-          <a:noFill/>
-        </p:spPr>
-        <p:txBody>
-          <a:bodyPr wrap="square" rtlCol="0">
-            <a:spAutoFit/>
-          </a:bodyPr>
-          <a:lstStyle/>
-          <a:p>
-            <a:r>
-              <a:rPr lang="ko-KR" altLang="en-US" dirty="0"/>
-              <a:t>이동하기</a:t>
-            </a:r>
-            <a:endParaRPr lang="en-US" altLang="ko-KR" dirty="0"/>
-          </a:p>
-          <a:p>
-            <a:r>
-              <a:rPr lang="en-US" altLang="ko-KR" dirty="0"/>
-              <a:t>- </a:t>
-            </a:r>
-            <a:r>
-              <a:rPr lang="ko-KR" altLang="en-US" dirty="0"/>
-              <a:t>월드에 </a:t>
-            </a:r>
-            <a:r>
-              <a:rPr lang="en-US" altLang="ko-KR" dirty="0" err="1"/>
-              <a:t>NavigationVolume</a:t>
-            </a:r>
-            <a:r>
-              <a:rPr lang="en-US" altLang="ko-KR" dirty="0"/>
-              <a:t> </a:t>
-            </a:r>
-            <a:r>
-              <a:rPr lang="ko-KR" altLang="en-US" dirty="0"/>
-              <a:t>설치</a:t>
-            </a:r>
-            <a:r>
-              <a:rPr lang="en-US" altLang="ko-KR" dirty="0"/>
-              <a:t>: </a:t>
-            </a:r>
-            <a:r>
-              <a:rPr lang="ko-KR" altLang="en-US" dirty="0"/>
-              <a:t>지형에 대해서 갈수 </a:t>
-            </a:r>
-            <a:r>
-              <a:rPr lang="ko-KR" altLang="en-US" dirty="0" err="1"/>
-              <a:t>있는곳</a:t>
-            </a:r>
-            <a:r>
-              <a:rPr lang="ko-KR" altLang="en-US" dirty="0"/>
-              <a:t> 을 미리 계산하여 데이터로 준비</a:t>
-            </a:r>
-            <a:endParaRPr lang="en-US" altLang="ko-KR" dirty="0"/>
-          </a:p>
-          <a:p>
-            <a:r>
-              <a:rPr lang="en-US" altLang="ko-KR" dirty="0"/>
-              <a:t>- </a:t>
-            </a:r>
-            <a:r>
-              <a:rPr lang="ko-KR" altLang="en-US" dirty="0"/>
-              <a:t>네비게이션 정보를 기반한 기본적인 이동 명령 제공한다</a:t>
-            </a:r>
-            <a:r>
-              <a:rPr lang="en-US" altLang="ko-KR" dirty="0"/>
-              <a:t>.</a:t>
-            </a:r>
-          </a:p>
-          <a:p>
-            <a:r>
-              <a:rPr lang="en-US" altLang="ko-KR" dirty="0"/>
-              <a:t>    </a:t>
-            </a:r>
-            <a:r>
-              <a:rPr lang="en-US" altLang="ko-KR" dirty="0" err="1"/>
-              <a:t>MoveTo</a:t>
-            </a:r>
-            <a:r>
-              <a:rPr lang="en-US" altLang="ko-KR" dirty="0"/>
-              <a:t> </a:t>
-            </a:r>
-            <a:r>
-              <a:rPr lang="ko-KR" altLang="en-US" dirty="0"/>
-              <a:t>계열의 </a:t>
-            </a:r>
-            <a:r>
-              <a:rPr lang="ko-KR" altLang="en-US" dirty="0" err="1"/>
-              <a:t>블루프린트</a:t>
-            </a:r>
-            <a:r>
-              <a:rPr lang="ko-KR" altLang="en-US" dirty="0"/>
-              <a:t> 노드 </a:t>
-            </a:r>
-            <a:r>
-              <a:rPr lang="en-US" altLang="ko-KR" dirty="0"/>
-              <a:t>(</a:t>
-            </a:r>
-            <a:r>
-              <a:rPr lang="ko-KR" altLang="en-US" dirty="0"/>
-              <a:t>결과에 대한 정보 제공 다름</a:t>
-            </a:r>
-            <a:r>
-              <a:rPr lang="en-US" altLang="ko-KR" dirty="0"/>
-              <a:t>)</a:t>
-            </a:r>
-            <a:r>
-              <a:rPr lang="ko-KR" altLang="en-US" dirty="0"/>
-              <a:t> </a:t>
-            </a:r>
-            <a:r>
-              <a:rPr lang="en-US" altLang="ko-KR" dirty="0"/>
-              <a:t> </a:t>
-            </a:r>
-            <a:r>
-              <a:rPr lang="ko-KR" altLang="en-US" dirty="0"/>
-              <a:t>  </a:t>
-            </a:r>
-            <a:endParaRPr lang="en-US" altLang="ko-KR" dirty="0"/>
-          </a:p>
-          <a:p>
-            <a:endParaRPr lang="en-US" altLang="ko-KR" dirty="0"/>
-          </a:p>
-          <a:p>
-            <a:endParaRPr lang="ko-KR" altLang="en-US" dirty="0"/>
-          </a:p>
-        </p:txBody>
-      </p:sp>
-      <p:sp>
-        <p:nvSpPr>
-          <p:cNvPr id="8" name="TextBox 7">
-            <a:extLst>
-              <a:ext uri="{FF2B5EF4-FFF2-40B4-BE49-F238E27FC236}">
-                <a16:creationId xmlns:a16="http://schemas.microsoft.com/office/drawing/2014/main" id="{74B5DDF3-B821-4CBD-B72F-FB62068F19BF}"/>
-              </a:ext>
-            </a:extLst>
-          </p:cNvPr>
-          <p:cNvSpPr txBox="1"/>
-          <p:nvPr/>
-        </p:nvSpPr>
-        <p:spPr>
-          <a:xfrm>
-            <a:off x="838199" y="5248205"/>
-            <a:ext cx="10763775" cy="1200329"/>
-          </a:xfrm>
-          <a:prstGeom prst="rect">
-            <a:avLst/>
-          </a:prstGeom>
-          <a:noFill/>
-        </p:spPr>
-        <p:txBody>
-          <a:bodyPr wrap="square" rtlCol="0">
-            <a:spAutoFit/>
-          </a:bodyPr>
-          <a:lstStyle/>
-          <a:p>
-            <a:r>
-              <a:rPr lang="en-US" altLang="ko-KR" dirty="0" err="1"/>
-              <a:t>BehaviorTree</a:t>
-            </a:r>
-            <a:r>
-              <a:rPr lang="ko-KR" altLang="en-US" dirty="0"/>
-              <a:t> </a:t>
-            </a:r>
-            <a:r>
-              <a:rPr lang="en-US" altLang="ko-KR" dirty="0"/>
-              <a:t>&amp; Blackboard </a:t>
-            </a:r>
-            <a:r>
-              <a:rPr lang="ko-KR" altLang="en-US" dirty="0"/>
-              <a:t>사용하기</a:t>
-            </a:r>
-            <a:endParaRPr lang="en-US" altLang="ko-KR" dirty="0"/>
-          </a:p>
-          <a:p>
-            <a:r>
-              <a:rPr lang="en-US" altLang="ko-KR" dirty="0"/>
-              <a:t>- </a:t>
-            </a:r>
-            <a:r>
-              <a:rPr lang="en-US" altLang="ko-KR" dirty="0" err="1"/>
-              <a:t>AIController,Pawn</a:t>
-            </a:r>
-            <a:r>
-              <a:rPr lang="ko-KR" altLang="en-US" dirty="0"/>
-              <a:t>과 분리된 </a:t>
-            </a:r>
-            <a:r>
-              <a:rPr lang="ko-KR" altLang="en-US" dirty="0" err="1"/>
-              <a:t>어셋으로</a:t>
-            </a:r>
-            <a:r>
-              <a:rPr lang="ko-KR" altLang="en-US" dirty="0"/>
-              <a:t>  순서도</a:t>
-            </a:r>
-            <a:r>
-              <a:rPr lang="en-US" altLang="ko-KR" dirty="0"/>
-              <a:t>(Flowchart)</a:t>
-            </a:r>
-            <a:r>
-              <a:rPr lang="ko-KR" altLang="en-US" dirty="0"/>
-              <a:t>와</a:t>
-            </a:r>
-            <a:r>
-              <a:rPr lang="en-US" altLang="ko-KR" dirty="0"/>
-              <a:t> </a:t>
-            </a:r>
-            <a:r>
-              <a:rPr lang="ko-KR" altLang="en-US" dirty="0"/>
-              <a:t>유사한 행동결정 논리를 </a:t>
-            </a:r>
-            <a:r>
-              <a:rPr lang="ko-KR" altLang="en-US" dirty="0" err="1"/>
-              <a:t>어셋에</a:t>
-            </a:r>
-            <a:r>
-              <a:rPr lang="ko-KR" altLang="en-US" dirty="0"/>
-              <a:t> </a:t>
-            </a:r>
-            <a:r>
-              <a:rPr lang="ko-KR" altLang="en-US" dirty="0" err="1"/>
-              <a:t>담을수</a:t>
-            </a:r>
-            <a:r>
-              <a:rPr lang="ko-KR" altLang="en-US" dirty="0"/>
-              <a:t> 있다 </a:t>
-            </a:r>
-            <a:r>
-              <a:rPr lang="en-US" altLang="ko-KR" dirty="0"/>
-              <a:t>Blackboard</a:t>
-            </a:r>
-            <a:r>
-              <a:rPr lang="ko-KR" altLang="en-US" dirty="0"/>
-              <a:t> 는 </a:t>
-            </a:r>
-            <a:r>
-              <a:rPr lang="en-US" altLang="ko-KR" dirty="0" err="1"/>
-              <a:t>BehaviorTree</a:t>
-            </a:r>
-            <a:r>
-              <a:rPr lang="ko-KR" altLang="en-US" dirty="0"/>
-              <a:t>가 행동을 결정 </a:t>
-            </a:r>
-            <a:r>
-              <a:rPr lang="ko-KR" altLang="en-US" dirty="0" err="1"/>
-              <a:t>할때</a:t>
-            </a:r>
-            <a:r>
-              <a:rPr lang="ko-KR" altLang="en-US" dirty="0"/>
-              <a:t> 참고하는 데이터 정의 및 기억장소</a:t>
-            </a:r>
-            <a:r>
-              <a:rPr lang="en-US" altLang="ko-KR" dirty="0"/>
-              <a:t>.</a:t>
-            </a:r>
-          </a:p>
-          <a:p>
-            <a:endParaRPr lang="ko-KR" altLang="en-US" dirty="0"/>
-          </a:p>
-        </p:txBody>
-      </p:sp>
-    </p:spTree>
-    <p:extLst>
-      <p:ext uri="{BB962C8B-B14F-4D97-AF65-F5344CB8AC3E}">
-        <p14:creationId xmlns:p14="http://schemas.microsoft.com/office/powerpoint/2010/main" val="1480452728"/>
-      </p:ext>
-    </p:extLst>
-  </p:cSld>
-  <p:clrMapOvr>
-    <a:masterClrMapping/>
-  </p:clrMapOvr>
-</p:sld>
-</file>
-
-<file path=ppt/slides/slide20.xml><?xml version="1.0" encoding="utf-8"?>
-<p:sld xmlns:a="http://schemas.openxmlformats.org/drawingml/2006/main" xmlns:r="http://schemas.openxmlformats.org/officeDocument/2006/relationships" xmlns:p="http://schemas.openxmlformats.org/presentationml/2006/main">
-  <p:cSld>
-    <p:spTree>
-      <p:nvGrpSpPr>
-        <p:cNvPr id="1" name=""/>
-        <p:cNvGrpSpPr/>
-        <p:nvPr/>
-      </p:nvGrpSpPr>
-      <p:grpSpPr>
-        <a:xfrm>
-          <a:off x="0" y="0"/>
-          <a:ext cx="0" cy="0"/>
-          <a:chOff x="0" y="0"/>
-          <a:chExt cx="0" cy="0"/>
-        </a:xfrm>
-      </p:grpSpPr>
-      <p:sp>
-        <p:nvSpPr>
-          <p:cNvPr id="2" name="제목 1">
-            <a:extLst>
-              <a:ext uri="{FF2B5EF4-FFF2-40B4-BE49-F238E27FC236}">
-                <a16:creationId xmlns:a16="http://schemas.microsoft.com/office/drawing/2014/main" id="{061B7F2A-2C11-48BB-99CF-CE62544F884D}"/>
-              </a:ext>
-            </a:extLst>
-          </p:cNvPr>
-          <p:cNvSpPr>
-            <a:spLocks noGrp="1"/>
-          </p:cNvSpPr>
-          <p:nvPr>
-            <p:ph type="title"/>
-          </p:nvPr>
-        </p:nvSpPr>
-        <p:spPr/>
-        <p:txBody>
-          <a:bodyPr/>
-          <a:lstStyle/>
-          <a:p>
-            <a:r>
-              <a:rPr lang="en-US" altLang="ko-KR" sz="3600" dirty="0" err="1"/>
-              <a:t>Func</a:t>
-            </a:r>
-            <a:r>
-              <a:rPr lang="en-US" altLang="ko-KR" sz="3600" dirty="0"/>
-              <a:t> - </a:t>
-            </a:r>
-            <a:r>
-              <a:rPr lang="en-US" altLang="ko-KR" dirty="0" err="1"/>
-              <a:t>GetCurrentlyPerceivedActors</a:t>
-            </a:r>
-            <a:endParaRPr lang="ko-KR" altLang="en-US" dirty="0"/>
-          </a:p>
-        </p:txBody>
-      </p:sp>
-      <p:sp>
-        <p:nvSpPr>
-          <p:cNvPr id="3" name="내용 개체 틀 2">
-            <a:extLst>
-              <a:ext uri="{FF2B5EF4-FFF2-40B4-BE49-F238E27FC236}">
-                <a16:creationId xmlns:a16="http://schemas.microsoft.com/office/drawing/2014/main" id="{A227FB35-5901-454E-889F-26EE8C6BBE3F}"/>
-              </a:ext>
-            </a:extLst>
-          </p:cNvPr>
-          <p:cNvSpPr>
-            <a:spLocks noGrp="1"/>
-          </p:cNvSpPr>
-          <p:nvPr>
-            <p:ph idx="1"/>
-          </p:nvPr>
-        </p:nvSpPr>
-        <p:spPr/>
-        <p:txBody>
-          <a:bodyPr/>
-          <a:lstStyle/>
-          <a:p>
-            <a:r>
-              <a:rPr lang="en-US" altLang="ko-KR" dirty="0"/>
-              <a:t>Input : </a:t>
-            </a:r>
-            <a:r>
-              <a:rPr lang="en-US" altLang="ko-KR" dirty="0" err="1"/>
-              <a:t>AISense</a:t>
-            </a:r>
-            <a:r>
-              <a:rPr lang="en-US" altLang="ko-KR" dirty="0"/>
-              <a:t> </a:t>
-            </a:r>
-            <a:r>
-              <a:rPr lang="ko-KR" altLang="en-US" dirty="0"/>
-              <a:t>클래스 레퍼런스</a:t>
-            </a:r>
-            <a:endParaRPr lang="en-US" altLang="ko-KR" dirty="0"/>
-          </a:p>
-          <a:p>
-            <a:pPr marL="0" indent="0">
-              <a:buNone/>
-            </a:pPr>
-            <a:endParaRPr lang="en-US" altLang="ko-KR" dirty="0"/>
-          </a:p>
-          <a:p>
-            <a:pPr marL="0" indent="0">
-              <a:buNone/>
-            </a:pPr>
-            <a:r>
-              <a:rPr lang="ko-KR" altLang="en-US" dirty="0"/>
-              <a:t>컴포넌트가 현재 감지한 월드에 존재하는 </a:t>
-            </a:r>
-            <a:r>
-              <a:rPr lang="ko-KR" altLang="en-US" dirty="0" err="1"/>
-              <a:t>액터</a:t>
-            </a:r>
-            <a:r>
-              <a:rPr lang="ko-KR" altLang="en-US" dirty="0"/>
-              <a:t> 목록을 </a:t>
-            </a:r>
-            <a:r>
-              <a:rPr lang="ko-KR" altLang="en-US" dirty="0" err="1"/>
-              <a:t>리턴한다</a:t>
-            </a:r>
-            <a:r>
-              <a:rPr lang="en-US" altLang="ko-KR" dirty="0"/>
-              <a:t>. </a:t>
-            </a:r>
-          </a:p>
-          <a:p>
-            <a:pPr marL="0" indent="0">
-              <a:buNone/>
-            </a:pPr>
-            <a:r>
-              <a:rPr lang="ko-KR" altLang="en-US" dirty="0"/>
-              <a:t>지정한 </a:t>
-            </a:r>
-            <a:r>
-              <a:rPr lang="en-US" altLang="ko-KR" dirty="0"/>
-              <a:t>AI Sense</a:t>
-            </a:r>
-            <a:r>
-              <a:rPr lang="ko-KR" altLang="en-US" dirty="0"/>
-              <a:t>가 있으면 필터링한다</a:t>
-            </a:r>
-            <a:r>
-              <a:rPr lang="en-US" altLang="ko-KR" dirty="0"/>
-              <a:t>.</a:t>
-            </a:r>
-          </a:p>
-          <a:p>
-            <a:pPr marL="0" indent="0">
-              <a:buNone/>
-            </a:pPr>
-            <a:endParaRPr lang="en-US" altLang="ko-KR" dirty="0"/>
-          </a:p>
-          <a:p>
-            <a:pPr marL="0" indent="0">
-              <a:buNone/>
-            </a:pPr>
-            <a:endParaRPr lang="en-US" altLang="ko-KR" dirty="0"/>
-          </a:p>
-        </p:txBody>
-      </p:sp>
-    </p:spTree>
-    <p:extLst>
-      <p:ext uri="{BB962C8B-B14F-4D97-AF65-F5344CB8AC3E}">
-        <p14:creationId xmlns:p14="http://schemas.microsoft.com/office/powerpoint/2010/main" val="2971718739"/>
-      </p:ext>
-    </p:extLst>
-  </p:cSld>
-  <p:clrMapOvr>
-    <a:masterClrMapping/>
-  </p:clrMapOvr>
-</p:sld>
-</file>
-
 <file path=ppt/slides/slide21.xml><?xml version="1.0" encoding="utf-8"?>
 <p:sld xmlns:a="http://schemas.openxmlformats.org/drawingml/2006/main" xmlns:r="http://schemas.openxmlformats.org/officeDocument/2006/relationships" xmlns:p="http://schemas.openxmlformats.org/presentationml/2006/main">
   <p:cSld>
@@ -6850,7 +6774,7 @@
           <p:cNvPr id="2" name="제목 1">
             <a:extLst>
               <a:ext uri="{FF2B5EF4-FFF2-40B4-BE49-F238E27FC236}">
-                <a16:creationId xmlns:a16="http://schemas.microsoft.com/office/drawing/2014/main" id="{57292B04-1CA7-44E2-820F-3A61D1CEAFD6}"/>
+                <a16:creationId xmlns:a16="http://schemas.microsoft.com/office/drawing/2014/main" id="{061B7F2A-2C11-48BB-99CF-CE62544F884D}"/>
               </a:ext>
             </a:extLst>
           </p:cNvPr>
@@ -6876,7 +6800,7 @@
             </a:r>
             <a:r>
               <a:rPr lang="en-US" altLang="ko-KR" dirty="0" err="1"/>
-              <a:t>GetKnownPerceivedActors</a:t>
+              <a:t>GetCurrentlyPerceivedActors</a:t>
             </a:r>
             <a:endParaRPr lang="ko-KR" altLang="en-US" dirty="0"/>
           </a:p>
@@ -6887,7 +6811,7 @@
           <p:cNvPr id="3" name="내용 개체 틀 2">
             <a:extLst>
               <a:ext uri="{FF2B5EF4-FFF2-40B4-BE49-F238E27FC236}">
-                <a16:creationId xmlns:a16="http://schemas.microsoft.com/office/drawing/2014/main" id="{94F068D2-5E79-4BC0-BA15-20E6746A0B02}"/>
+                <a16:creationId xmlns:a16="http://schemas.microsoft.com/office/drawing/2014/main" id="{A227FB35-5901-454E-889F-26EE8C6BBE3F}"/>
               </a:ext>
             </a:extLst>
           </p:cNvPr>
@@ -6933,7 +6857,7 @@
             </a:pPr>
             <a:r>
               <a:rPr lang="ko-KR" altLang="en-US" dirty="0"/>
-              <a:t>컴포넌트가 현재 그리고 과거 감지한 월드에 존재하는 </a:t>
+              <a:t>컴포넌트가 현재 감지한 월드에 존재하는 </a:t>
             </a:r>
             <a:r>
               <a:rPr lang="ko-KR" altLang="en-US" dirty="0" err="1"/>
@@ -6977,14 +6901,20 @@
             <a:pPr marL="0" indent="0">
               <a:buNone/>
             </a:pPr>
-            <a:endParaRPr lang="ko-KR" altLang="en-US" dirty="0"/>
+            <a:endParaRPr lang="en-US" altLang="ko-KR" dirty="0"/>
+          </a:p>
+          <a:p>
+            <a:pPr marL="0" indent="0">
+              <a:buNone/>
+            </a:pPr>
+            <a:endParaRPr lang="en-US" altLang="ko-KR" dirty="0"/>
           </a:p>
         </p:txBody>
       </p:sp>
     </p:spTree>
     <p:extLst>
       <p:ext uri="{BB962C8B-B14F-4D97-AF65-F5344CB8AC3E}">
-        <p14:creationId xmlns:p14="http://schemas.microsoft.com/office/powerpoint/2010/main" val="2313485111"/>
+        <p14:creationId xmlns:p14="http://schemas.microsoft.com/office/powerpoint/2010/main" val="2971718739"/>
       </p:ext>
     </p:extLst>
   </p:cSld>
@@ -7016,7 +6946,7 @@
           <p:cNvPr id="2" name="제목 1">
             <a:extLst>
               <a:ext uri="{FF2B5EF4-FFF2-40B4-BE49-F238E27FC236}">
-                <a16:creationId xmlns:a16="http://schemas.microsoft.com/office/drawing/2014/main" id="{B6668A07-3351-45FB-86F1-3D7D1C809984}"/>
+                <a16:creationId xmlns:a16="http://schemas.microsoft.com/office/drawing/2014/main" id="{57292B04-1CA7-44E2-820F-3A61D1CEAFD6}"/>
               </a:ext>
             </a:extLst>
           </p:cNvPr>
@@ -7042,7 +6972,7 @@
             </a:r>
             <a:r>
               <a:rPr lang="en-US" altLang="ko-KR" dirty="0" err="1"/>
-              <a:t>GetPerceivedHostileActors</a:t>
+              <a:t>GetKnownPerceivedActors</a:t>
             </a:r>
             <a:endParaRPr lang="ko-KR" altLang="en-US" dirty="0"/>
           </a:p>
@@ -7053,7 +6983,7 @@
           <p:cNvPr id="3" name="내용 개체 틀 2">
             <a:extLst>
               <a:ext uri="{FF2B5EF4-FFF2-40B4-BE49-F238E27FC236}">
-                <a16:creationId xmlns:a16="http://schemas.microsoft.com/office/drawing/2014/main" id="{A231A167-49B9-47C2-AE5F-060904DE23F1}"/>
+                <a16:creationId xmlns:a16="http://schemas.microsoft.com/office/drawing/2014/main" id="{94F068D2-5E79-4BC0-BA15-20E6746A0B02}"/>
               </a:ext>
             </a:extLst>
           </p:cNvPr>
@@ -7070,25 +7000,22 @@
           <a:lstStyle/>
           <a:p>
             <a:r>
-              <a:rPr lang="ko-KR" altLang="en-US" dirty="0"/>
-              <a:t>컴포넌트가 현재 인식한 적 </a:t>
-            </a:r>
-            <a:r>
-              <a:rPr lang="ko-KR" altLang="en-US" dirty="0" err="1"/>
-              <a:t>액터</a:t>
-            </a:r>
-            <a:r>
-              <a:rPr lang="ko-KR" altLang="en-US" dirty="0"/>
-              <a:t> 목록을 </a:t>
-            </a:r>
-            <a:r>
-              <a:rPr lang="ko-KR" altLang="en-US" dirty="0" err="1"/>
-              <a:t>리턴한다</a:t>
-            </a:r>
-            <a:r>
-              <a:rPr lang="en-US" altLang="ko-KR" dirty="0"/>
-              <a:t>.</a:t>
-            </a:r>
+              <a:rPr lang="en-US" altLang="ko-KR" dirty="0"/>
+              <a:t>Input : </a:t>
+            </a:r>
+            <a:r>
+              <a:rPr lang="en-US" altLang="ko-KR" dirty="0" err="1"/>
+              <a:t>AISense</a:t>
+            </a:r>
+            <a:r>
+              <a:rPr lang="en-US" altLang="ko-KR" dirty="0"/>
+              <a:t> </a:t>
+            </a:r>
+            <a:r>
+              <a:rPr lang="ko-KR" altLang="en-US" dirty="0"/>
+              <a:t>클래스 레퍼런스</a:t>
+            </a:r>
+            <a:endParaRPr lang="en-US" altLang="ko-KR" dirty="0"/>
           </a:p>
           <a:p>
             <a:pPr marL="0" indent="0">
@@ -7101,97 +7028,59 @@
               <a:buNone/>
             </a:pPr>
             <a:r>
-              <a:rPr lang="en-US" altLang="ko-KR" dirty="0"/>
-              <a:t>*</a:t>
-            </a:r>
-            <a:r>
-              <a:rPr lang="ko-KR" altLang="en-US" dirty="0"/>
-              <a:t>아군</a:t>
-            </a:r>
-            <a:r>
-              <a:rPr lang="en-US" altLang="ko-KR" dirty="0"/>
-              <a:t>,</a:t>
-            </a:r>
-            <a:r>
-              <a:rPr lang="ko-KR" altLang="en-US" dirty="0"/>
-              <a:t>중립</a:t>
-            </a:r>
-            <a:r>
-              <a:rPr lang="en-US" altLang="ko-KR" dirty="0"/>
-              <a:t>,</a:t>
-            </a:r>
-            <a:r>
-              <a:rPr lang="ko-KR" altLang="en-US" dirty="0"/>
-              <a:t>적 개념이 있지만 </a:t>
+              <a:rPr lang="ko-KR" altLang="en-US" dirty="0"/>
+              <a:t>컴포넌트가 현재 그리고 과거 감지한 월드에 존재하는 </a:t>
             </a:r>
             <a:r>
               <a:rPr lang="ko-KR" altLang="en-US" dirty="0" err="1"/>
-              <a:t>블루프린트</a:t>
-            </a:r>
-            <a:r>
-              <a:rPr lang="ko-KR" altLang="en-US" dirty="0"/>
-              <a:t> 레벨에서는 설정불가</a:t>
-            </a:r>
-            <a:r>
-              <a:rPr lang="en-US" altLang="ko-KR" dirty="0"/>
-              <a:t>.</a:t>
+              <a:t>액터</a:t>
+            </a:r>
+            <a:r>
+              <a:rPr lang="ko-KR" altLang="en-US" dirty="0"/>
+              <a:t> 목록을 </a:t>
+            </a:r>
+            <a:r>
+              <a:rPr lang="ko-KR" altLang="en-US" dirty="0" err="1"/>
+              <a:t>리턴한다</a:t>
+            </a:r>
+            <a:r>
+              <a:rPr lang="en-US" altLang="ko-KR" dirty="0"/>
+              <a:t>. </a:t>
             </a:r>
           </a:p>
           <a:p>
             <a:pPr marL="0" indent="0">
               <a:buNone/>
             </a:pPr>
-            <a:endParaRPr lang="en-US" altLang="ko-KR" dirty="0"/>
+            <a:r>
+              <a:rPr lang="ko-KR" altLang="en-US" dirty="0"/>
+              <a:t>지정한 </a:t>
+            </a:r>
+            <a:r>
+              <a:rPr lang="en-US" altLang="ko-KR" dirty="0"/>
+              <a:t>AI Sense</a:t>
+            </a:r>
+            <a:r>
+              <a:rPr lang="ko-KR" altLang="en-US" dirty="0"/>
+              <a:t>가 있으면 필터링한다</a:t>
+            </a:r>
+            <a:r>
+              <a:rPr lang="en-US" altLang="ko-KR" dirty="0"/>
+              <a:t>.</a:t>
+            </a:r>
           </a:p>
           <a:p>
             <a:pPr marL="0" indent="0">
               <a:buNone/>
             </a:pPr>
-            <a:r>
-              <a:rPr lang="ko-KR" altLang="en-US" dirty="0"/>
-              <a:t>구분하려면 </a:t>
-            </a:r>
-            <a:r>
-              <a:rPr lang="en-US" altLang="ko-KR" dirty="0" err="1"/>
-              <a:t>GetCurrentlyPerceivedActors</a:t>
-            </a:r>
-            <a:r>
-              <a:rPr lang="en-US" altLang="ko-KR" dirty="0"/>
-              <a:t> </a:t>
-            </a:r>
-            <a:r>
-              <a:rPr lang="ko-KR" altLang="en-US" dirty="0"/>
-              <a:t>노드 사용 이후에</a:t>
-            </a:r>
-            <a:endParaRPr lang="en-US" altLang="ko-KR" dirty="0"/>
-          </a:p>
-          <a:p>
-            <a:pPr marL="0" indent="0">
-              <a:buNone/>
-            </a:pPr>
-            <a:r>
-              <a:rPr lang="en-US" altLang="ko-KR" dirty="0"/>
-              <a:t>Tag</a:t>
-            </a:r>
-            <a:r>
-              <a:rPr lang="ko-KR" altLang="en-US" dirty="0"/>
-              <a:t>로 필터링 </a:t>
-            </a:r>
-            <a:r>
-              <a:rPr lang="ko-KR" altLang="en-US" dirty="0" err="1"/>
-              <a:t>사용하는방법을</a:t>
-            </a:r>
-            <a:r>
-              <a:rPr lang="ko-KR" altLang="en-US" dirty="0"/>
-              <a:t> 추천</a:t>
-            </a:r>
+            <a:endParaRPr lang="ko-KR" altLang="en-US" dirty="0"/>
           </a:p>
         </p:txBody>
       </p:sp>
     </p:spTree>
     <p:extLst>
       <p:ext uri="{BB962C8B-B14F-4D97-AF65-F5344CB8AC3E}">
-        <p14:creationId xmlns:p14="http://schemas.microsoft.com/office/powerpoint/2010/main" val="2831644325"/>
+        <p14:creationId xmlns:p14="http://schemas.microsoft.com/office/powerpoint/2010/main" val="2313485111"/>
       </p:ext>
     </p:extLst>
   </p:cSld>
@@ -7223,7 +7112,7 @@
           <p:cNvPr id="2" name="제목 1">
             <a:extLst>
               <a:ext uri="{FF2B5EF4-FFF2-40B4-BE49-F238E27FC236}">
-                <a16:creationId xmlns:a16="http://schemas.microsoft.com/office/drawing/2014/main" id="{77BF0619-38FF-4069-BABB-4710D838D1A5}"/>
+                <a16:creationId xmlns:a16="http://schemas.microsoft.com/office/drawing/2014/main" id="{B6668A07-3351-45FB-86F1-3D7D1C809984}"/>
               </a:ext>
             </a:extLst>
           </p:cNvPr>
@@ -7240,8 +7129,16 @@
           <a:lstStyle/>
           <a:p>
             <a:r>
-              <a:rPr lang="en-US" altLang="ko-KR" dirty="0"/>
-              <a:t>How to debug?</a:t>
+              <a:rPr lang="en-US" altLang="ko-KR" sz="3600" dirty="0" err="1"/>
+              <a:t>Func</a:t>
+            </a:r>
+            <a:r>
+              <a:rPr lang="en-US" altLang="ko-KR" sz="3600" dirty="0"/>
+              <a:t> - </a:t>
+            </a:r>
+            <a:r>
+              <a:rPr lang="en-US" altLang="ko-KR" dirty="0" err="1"/>
+              <a:t>GetPerceivedHostileActors</a:t>
             </a:r>
             <a:endParaRPr lang="ko-KR" altLang="en-US" dirty="0"/>
           </a:p>
@@ -7249,10 +7146,10 @@
       </p:sp>
       <p:sp>
         <p:nvSpPr>
-          <p:cNvPr id="4" name="내용 개체 틀 3">
-            <a:extLst>
-              <a:ext uri="{FF2B5EF4-FFF2-40B4-BE49-F238E27FC236}">
-                <a16:creationId xmlns:a16="http://schemas.microsoft.com/office/drawing/2014/main" id="{91B874E1-0D59-4504-B97A-E5D6010AF940}"/>
+          <p:cNvPr id="3" name="내용 개체 틀 2">
+            <a:extLst>
+              <a:ext uri="{FF2B5EF4-FFF2-40B4-BE49-F238E27FC236}">
+                <a16:creationId xmlns:a16="http://schemas.microsoft.com/office/drawing/2014/main" id="{A231A167-49B9-47C2-AE5F-060904DE23F1}"/>
               </a:ext>
             </a:extLst>
           </p:cNvPr>
@@ -7270,68 +7167,119 @@
           <a:p>
             <a:r>
               <a:rPr lang="ko-KR" altLang="en-US" dirty="0"/>
-              <a:t>플레이어 캐릭터가 디버깅 하려는 </a:t>
-            </a:r>
-            <a:r>
-              <a:rPr lang="en-US" altLang="ko-KR" dirty="0"/>
-              <a:t>Pawn</a:t>
-            </a:r>
-            <a:r>
-              <a:rPr lang="ko-KR" altLang="en-US" dirty="0"/>
-              <a:t>을 보고</a:t>
-            </a:r>
+              <a:t>컴포넌트가 현재 인식한 적 </a:t>
+            </a:r>
+            <a:r>
+              <a:rPr lang="ko-KR" altLang="en-US" dirty="0" err="1"/>
+              <a:t>액터</a:t>
+            </a:r>
+            <a:r>
+              <a:rPr lang="ko-KR" altLang="en-US" dirty="0"/>
+              <a:t> 목록을 </a:t>
+            </a:r>
+            <a:r>
+              <a:rPr lang="ko-KR" altLang="en-US" dirty="0" err="1"/>
+              <a:t>리턴한다</a:t>
+            </a:r>
+            <a:r>
+              <a:rPr lang="en-US" altLang="ko-KR" dirty="0"/>
+              <a:t>.</a:t>
+            </a:r>
+          </a:p>
+          <a:p>
+            <a:pPr marL="0" indent="0">
+              <a:buNone/>
+            </a:pPr>
             <a:endParaRPr lang="en-US" altLang="ko-KR" dirty="0"/>
           </a:p>
           <a:p>
-            <a:r>
-              <a:rPr lang="ko-KR" altLang="en-US" dirty="0"/>
-              <a:t>키보드 </a:t>
-            </a:r>
-            <a:r>
-              <a:rPr lang="en-US" altLang="ko-KR" dirty="0"/>
-              <a:t>‘  </a:t>
-            </a:r>
-            <a:r>
-              <a:rPr lang="ko-KR" altLang="en-US" dirty="0"/>
-              <a:t>아포스트로피</a:t>
-            </a:r>
-            <a:r>
-              <a:rPr lang="en-US" altLang="ko-KR" dirty="0"/>
-              <a:t>(</a:t>
+            <a:pPr marL="0" indent="0">
+              <a:buNone/>
+            </a:pPr>
+            <a:r>
+              <a:rPr lang="en-US" altLang="ko-KR" dirty="0"/>
+              <a:t>*</a:t>
+            </a:r>
+            <a:r>
+              <a:rPr lang="ko-KR" altLang="en-US" dirty="0"/>
+              <a:t>아군</a:t>
+            </a:r>
+            <a:r>
+              <a:rPr lang="en-US" altLang="ko-KR" dirty="0"/>
+              <a:t>,</a:t>
+            </a:r>
+            <a:r>
+              <a:rPr lang="ko-KR" altLang="en-US" dirty="0"/>
+              <a:t>중립</a:t>
+            </a:r>
+            <a:r>
+              <a:rPr lang="en-US" altLang="ko-KR" dirty="0"/>
+              <a:t>,</a:t>
+            </a:r>
+            <a:r>
+              <a:rPr lang="ko-KR" altLang="en-US" dirty="0"/>
+              <a:t>적 개념이 있지만 </a:t>
             </a:r>
             <a:r>
               <a:rPr lang="ko-KR" altLang="en-US" dirty="0" err="1"/>
-              <a:t>엔터왼쪽</a:t>
-            </a:r>
-            <a:r>
-              <a:rPr lang="en-US" altLang="ko-KR" dirty="0"/>
-              <a:t>) </a:t>
-            </a:r>
-            <a:r>
-              <a:rPr lang="ko-KR" altLang="en-US" dirty="0"/>
-              <a:t>로 </a:t>
-            </a:r>
-            <a:r>
-              <a:rPr lang="en-US" altLang="ko-KR" dirty="0"/>
-              <a:t>Debug Toggle</a:t>
-            </a:r>
-          </a:p>
-          <a:p>
-            <a:r>
-              <a:rPr lang="ko-KR" altLang="en-US" dirty="0"/>
-              <a:t>키보드 </a:t>
-            </a:r>
-            <a:r>
-              <a:rPr lang="en-US" altLang="ko-KR" dirty="0"/>
-              <a:t>Num1,2,3,4 </a:t>
-            </a:r>
-            <a:r>
-              <a:rPr lang="ko-KR" altLang="en-US" dirty="0"/>
-              <a:t>키로 </a:t>
-            </a:r>
-            <a:r>
-              <a:rPr lang="en-US" altLang="ko-KR" dirty="0"/>
-              <a:t>On</a:t>
+              <a:t>블루프린트</a:t>
+            </a:r>
+            <a:r>
+              <a:rPr lang="ko-KR" altLang="en-US" dirty="0"/>
+              <a:t> 레벨에서는 설정불가</a:t>
+            </a:r>
+            <a:r>
+              <a:rPr lang="en-US" altLang="ko-KR" dirty="0"/>
+              <a:t>.</a:t>
+            </a:r>
+          </a:p>
+          <a:p>
+            <a:pPr marL="0" indent="0">
+              <a:buNone/>
+            </a:pPr>
+            <a:endParaRPr lang="en-US" altLang="ko-KR" dirty="0"/>
+          </a:p>
+          <a:p>
+            <a:pPr marL="0" indent="0">
+              <a:buNone/>
+            </a:pPr>
+            <a:r>
+              <a:rPr lang="ko-KR" altLang="en-US" dirty="0"/>
+              <a:t>구분하려면 </a:t>
+            </a:r>
+            <a:r>
+              <a:rPr lang="en-US" altLang="ko-KR" dirty="0" err="1"/>
+              <a:t>GetCurrentlyPerceivedActors</a:t>
+            </a:r>
+            <a:r>
+              <a:rPr lang="en-US" altLang="ko-KR" dirty="0"/>
+              <a:t> </a:t>
+            </a:r>
+            <a:r>
+              <a:rPr lang="ko-KR" altLang="en-US" dirty="0"/>
+              <a:t>노드 사용 이후에</a:t>
+            </a:r>
+            <a:endParaRPr lang="en-US" altLang="ko-KR" dirty="0"/>
+          </a:p>
+          <a:p>
+            <a:pPr marL="0" indent="0">
+              <a:buNone/>
+            </a:pPr>
+            <a:r>
+              <a:rPr lang="en-US" altLang="ko-KR" dirty="0"/>
+              <a:t>Tag</a:t>
+            </a:r>
+            <a:r>
+              <a:rPr lang="ko-KR" altLang="en-US" dirty="0"/>
+              <a:t>로 필터링 </a:t>
+            </a:r>
+            <a:r>
+              <a:rPr lang="ko-KR" altLang="en-US" dirty="0" err="1"/>
+              <a:t>사용하는방법을</a:t>
+            </a:r>
+            <a:r>
+              <a:rPr lang="ko-KR" altLang="en-US" dirty="0"/>
+              <a:t> 추천</a:t>
             </a:r>
           </a:p>
         </p:txBody>
@@ -7339,7 +7287,7 @@
     </p:spTree>
     <p:extLst>
       <p:ext uri="{BB962C8B-B14F-4D97-AF65-F5344CB8AC3E}">
-        <p14:creationId xmlns:p14="http://schemas.microsoft.com/office/powerpoint/2010/main" val="21209927"/>
+        <p14:creationId xmlns:p14="http://schemas.microsoft.com/office/powerpoint/2010/main" val="2831644325"/>
       </p:ext>
     </p:extLst>
   </p:cSld>
@@ -7371,7 +7319,7 @@
           <p:cNvPr id="2" name="제목 1">
             <a:extLst>
               <a:ext uri="{FF2B5EF4-FFF2-40B4-BE49-F238E27FC236}">
-                <a16:creationId xmlns:a16="http://schemas.microsoft.com/office/drawing/2014/main" id="{282D1369-40C9-46F3-9C22-D0EB6F1FCC66}"/>
+                <a16:creationId xmlns:a16="http://schemas.microsoft.com/office/drawing/2014/main" id="{77BF0619-38FF-4069-BABB-4710D838D1A5}"/>
               </a:ext>
             </a:extLst>
           </p:cNvPr>
@@ -7389,21 +7337,18 @@
           <a:p>
             <a:r>
               <a:rPr lang="en-US" altLang="ko-KR" dirty="0"/>
-              <a:t>Perception </a:t>
-            </a:r>
-            <a:r>
-              <a:rPr lang="ko-KR" altLang="en-US" dirty="0"/>
-              <a:t>결론</a:t>
-            </a:r>
-          </a:p>
-        </p:txBody>
-      </p:sp>
-      <p:sp>
-        <p:nvSpPr>
-          <p:cNvPr id="3" name="내용 개체 틀 2">
-            <a:extLst>
-              <a:ext uri="{FF2B5EF4-FFF2-40B4-BE49-F238E27FC236}">
-                <a16:creationId xmlns:a16="http://schemas.microsoft.com/office/drawing/2014/main" id="{BD60A719-6230-4D33-9528-54105C895688}"/>
+              <a:t>How to debug?</a:t>
+            </a:r>
+            <a:endParaRPr lang="ko-KR" altLang="en-US" dirty="0"/>
+          </a:p>
+        </p:txBody>
+      </p:sp>
+      <p:sp>
+        <p:nvSpPr>
+          <p:cNvPr id="4" name="내용 개체 틀 3">
+            <a:extLst>
+              <a:ext uri="{FF2B5EF4-FFF2-40B4-BE49-F238E27FC236}">
+                <a16:creationId xmlns:a16="http://schemas.microsoft.com/office/drawing/2014/main" id="{91B874E1-0D59-4504-B97A-E5D6010AF940}"/>
               </a:ext>
             </a:extLst>
           </p:cNvPr>
@@ -7421,121 +7366,76 @@
           <a:p>
             <a:r>
               <a:rPr lang="ko-KR" altLang="en-US" dirty="0"/>
-              <a:t>감지된 정보를 </a:t>
-            </a:r>
-            <a:r>
-              <a:rPr lang="en-US" altLang="ko-KR" dirty="0" err="1"/>
-              <a:t>AIController</a:t>
-            </a:r>
-            <a:r>
-              <a:rPr lang="ko-KR" altLang="en-US" dirty="0"/>
-              <a:t>에 보관한다</a:t>
-            </a:r>
-            <a:r>
-              <a:rPr lang="en-US" altLang="ko-KR" dirty="0"/>
-              <a:t>.</a:t>
-            </a:r>
-          </a:p>
-          <a:p>
-            <a:r>
-              <a:rPr lang="ko-KR" altLang="en-US" dirty="0"/>
-              <a:t>정보를 기반으로 움직이거나 행동을 결정한다</a:t>
-            </a:r>
-            <a:r>
-              <a:rPr lang="en-US" altLang="ko-KR" dirty="0"/>
-              <a:t>.</a:t>
-            </a:r>
-          </a:p>
-          <a:p>
-            <a:r>
-              <a:rPr lang="en-US" altLang="ko-KR" dirty="0" err="1"/>
-              <a:t>BehaviorTree</a:t>
-            </a:r>
-            <a:r>
-              <a:rPr lang="en-US" altLang="ko-KR" dirty="0"/>
-              <a:t> &amp;</a:t>
-            </a:r>
-            <a:r>
-              <a:rPr lang="ko-KR" altLang="en-US" dirty="0"/>
-              <a:t> </a:t>
-            </a:r>
-            <a:r>
-              <a:rPr lang="en-US" altLang="ko-KR" dirty="0"/>
-              <a:t>Blackboard</a:t>
-            </a:r>
-            <a:r>
-              <a:rPr lang="ko-KR" altLang="en-US" dirty="0"/>
-              <a:t>를 사용한다면</a:t>
-            </a:r>
-            <a:r>
-              <a:rPr lang="en-US" altLang="ko-KR" dirty="0"/>
-              <a:t> </a:t>
-            </a:r>
-            <a:r>
-              <a:rPr lang="ko-KR" altLang="en-US" dirty="0"/>
-              <a:t> </a:t>
-            </a:r>
-            <a:r>
-              <a:rPr lang="en-US" altLang="ko-KR" dirty="0"/>
-              <a:t>Blackboard</a:t>
-            </a:r>
-            <a:r>
-              <a:rPr lang="ko-KR" altLang="en-US" dirty="0"/>
-              <a:t>에 정보를 설정</a:t>
+              <a:t>플레이어 캐릭터가 디버깅 하려는 </a:t>
+            </a:r>
+            <a:r>
+              <a:rPr lang="en-US" altLang="ko-KR" dirty="0"/>
+              <a:t>Pawn</a:t>
+            </a:r>
+            <a:r>
+              <a:rPr lang="ko-KR" altLang="en-US" dirty="0"/>
+              <a:t>을 보고</a:t>
+            </a:r>
+            <a:endParaRPr lang="en-US" altLang="ko-KR" dirty="0"/>
+          </a:p>
+          <a:p>
+            <a:r>
+              <a:rPr lang="ko-KR" altLang="en-US" dirty="0"/>
+              <a:t>키보드 </a:t>
+            </a:r>
+            <a:r>
+              <a:rPr lang="en-US" altLang="ko-KR" dirty="0"/>
+              <a:t>‘  </a:t>
+            </a:r>
+            <a:r>
+              <a:rPr lang="ko-KR" altLang="en-US" dirty="0"/>
+              <a:t>아포스트로피</a:t>
             </a:r>
             <a:r>
               <a:rPr lang="en-US" altLang="ko-KR" dirty="0"/>
               <a:t>(</a:t>
             </a:r>
             <a:r>
-              <a:rPr lang="en-US" altLang="ko-KR" dirty="0" err="1"/>
-              <a:t>SetValueAs</a:t>
-            </a:r>
-            <a:r>
-              <a:rPr lang="en-US" altLang="ko-KR" dirty="0"/>
-              <a:t>… </a:t>
-            </a:r>
-            <a:r>
-              <a:rPr lang="ko-KR" altLang="en-US" dirty="0"/>
-              <a:t>노드 사용</a:t>
-            </a:r>
-            <a:r>
-              <a:rPr lang="en-US" altLang="ko-KR" dirty="0"/>
-              <a:t> )</a:t>
-            </a:r>
-            <a:r>
-              <a:rPr lang="ko-KR" altLang="en-US" dirty="0"/>
-              <a:t>하여 </a:t>
-            </a:r>
-            <a:r>
-              <a:rPr lang="en-US" altLang="ko-KR" dirty="0" err="1"/>
-              <a:t>BehaviorTree</a:t>
-            </a:r>
-            <a:r>
-              <a:rPr lang="ko-KR" altLang="en-US" dirty="0"/>
-              <a:t>의 행동의 결정 정보로 </a:t>
-            </a:r>
-            <a:r>
               <a:rPr lang="ko-KR" altLang="en-US" dirty="0" err="1"/>
-              <a:t>사용하게한다</a:t>
-            </a:r>
-            <a:r>
-              <a:rPr lang="en-US" altLang="ko-KR" dirty="0"/>
-              <a:t>.</a:t>
-            </a:r>
-          </a:p>
-          <a:p>
-            <a:pPr marL="0" indent="0">
-              <a:buNone/>
-            </a:pPr>
-            <a:endParaRPr lang="en-US" altLang="ko-KR" dirty="0"/>
+              <a:t>엔터왼쪽</a:t>
+            </a:r>
+            <a:r>
+              <a:rPr lang="en-US" altLang="ko-KR" dirty="0"/>
+              <a:t>) </a:t>
+            </a:r>
+            <a:r>
+              <a:rPr lang="ko-KR" altLang="en-US" dirty="0"/>
+              <a:t>로 </a:t>
+            </a:r>
+            <a:r>
+              <a:rPr lang="en-US" altLang="ko-KR" dirty="0"/>
+              <a:t>Debug Toggle</a:t>
+            </a:r>
+          </a:p>
+          <a:p>
+            <a:r>
+              <a:rPr lang="ko-KR" altLang="en-US" dirty="0"/>
+              <a:t>키보드 </a:t>
+            </a:r>
+            <a:r>
+              <a:rPr lang="en-US" altLang="ko-KR" dirty="0"/>
+              <a:t>Num1,2,3,4 </a:t>
+            </a:r>
+            <a:r>
+              <a:rPr lang="ko-KR" altLang="en-US" dirty="0"/>
+              <a:t>키로 </a:t>
+            </a:r>
+            <a:r>
+              <a:rPr lang="en-US" altLang="ko-KR" dirty="0"/>
+              <a:t>On</a:t>
+            </a:r>
           </a:p>
         </p:txBody>
       </p:sp>
     </p:spTree>
     <p:extLst>
       <p:ext uri="{BB962C8B-B14F-4D97-AF65-F5344CB8AC3E}">
-        <p14:creationId xmlns:p14="http://schemas.microsoft.com/office/powerpoint/2010/main" val="2336971112"/>
+        <p14:creationId xmlns:p14="http://schemas.microsoft.com/office/powerpoint/2010/main" val="21209927"/>
       </p:ext>
     </p:extLst>
   </p:cSld>
@@ -7567,6 +7467,202 @@
           <p:cNvPr id="2" name="제목 1">
             <a:extLst>
               <a:ext uri="{FF2B5EF4-FFF2-40B4-BE49-F238E27FC236}">
+                <a16:creationId xmlns:a16="http://schemas.microsoft.com/office/drawing/2014/main" id="{282D1369-40C9-46F3-9C22-D0EB6F1FCC66}"/>
+              </a:ext>
+            </a:extLst>
+          </p:cNvPr>
+          <p:cNvSpPr>
+            <a:spLocks noGrp="1"/>
+          </p:cNvSpPr>
+          <p:nvPr>
+            <p:ph type="title"/>
+          </p:nvPr>
+        </p:nvSpPr>
+        <p:spPr/>
+        <p:txBody>
+          <a:bodyPr/>
+          <a:lstStyle/>
+          <a:p>
+            <a:r>
+              <a:rPr lang="en-US" altLang="ko-KR" dirty="0"/>
+              <a:t>Perception </a:t>
+            </a:r>
+            <a:r>
+              <a:rPr lang="ko-KR" altLang="en-US" dirty="0"/>
+              <a:t>결론</a:t>
+            </a:r>
+          </a:p>
+        </p:txBody>
+      </p:sp>
+      <p:sp>
+        <p:nvSpPr>
+          <p:cNvPr id="3" name="내용 개체 틀 2">
+            <a:extLst>
+              <a:ext uri="{FF2B5EF4-FFF2-40B4-BE49-F238E27FC236}">
+                <a16:creationId xmlns:a16="http://schemas.microsoft.com/office/drawing/2014/main" id="{BD60A719-6230-4D33-9528-54105C895688}"/>
+              </a:ext>
+            </a:extLst>
+          </p:cNvPr>
+          <p:cNvSpPr>
+            <a:spLocks noGrp="1"/>
+          </p:cNvSpPr>
+          <p:nvPr>
+            <p:ph idx="1"/>
+          </p:nvPr>
+        </p:nvSpPr>
+        <p:spPr/>
+        <p:txBody>
+          <a:bodyPr/>
+          <a:lstStyle/>
+          <a:p>
+            <a:r>
+              <a:rPr lang="ko-KR" altLang="en-US" dirty="0"/>
+              <a:t>감지된 정보를 </a:t>
+            </a:r>
+            <a:r>
+              <a:rPr lang="en-US" altLang="ko-KR" dirty="0" err="1"/>
+              <a:t>AIController</a:t>
+            </a:r>
+            <a:r>
+              <a:rPr lang="ko-KR" altLang="en-US" dirty="0"/>
+              <a:t>에 보관한다</a:t>
+            </a:r>
+            <a:r>
+              <a:rPr lang="en-US" altLang="ko-KR" dirty="0"/>
+              <a:t>.</a:t>
+            </a:r>
+          </a:p>
+          <a:p>
+            <a:r>
+              <a:rPr lang="ko-KR" altLang="en-US" dirty="0"/>
+              <a:t>정보를 기반으로 움직이거나 행동을 결정한다</a:t>
+            </a:r>
+            <a:r>
+              <a:rPr lang="en-US" altLang="ko-KR" dirty="0"/>
+              <a:t>.</a:t>
+            </a:r>
+          </a:p>
+          <a:p>
+            <a:r>
+              <a:rPr lang="en-US" altLang="ko-KR" dirty="0" err="1"/>
+              <a:t>BehaviorTree</a:t>
+            </a:r>
+            <a:r>
+              <a:rPr lang="en-US" altLang="ko-KR" dirty="0"/>
+              <a:t> &amp;</a:t>
+            </a:r>
+            <a:r>
+              <a:rPr lang="ko-KR" altLang="en-US" dirty="0"/>
+              <a:t> </a:t>
+            </a:r>
+            <a:r>
+              <a:rPr lang="en-US" altLang="ko-KR" dirty="0"/>
+              <a:t>Blackboard</a:t>
+            </a:r>
+            <a:r>
+              <a:rPr lang="ko-KR" altLang="en-US" dirty="0"/>
+              <a:t>를 사용한다면</a:t>
+            </a:r>
+            <a:r>
+              <a:rPr lang="en-US" altLang="ko-KR" dirty="0"/>
+              <a:t> </a:t>
+            </a:r>
+            <a:r>
+              <a:rPr lang="ko-KR" altLang="en-US" dirty="0"/>
+              <a:t> </a:t>
+            </a:r>
+            <a:r>
+              <a:rPr lang="en-US" altLang="ko-KR" dirty="0"/>
+              <a:t>Blackboard</a:t>
+            </a:r>
+            <a:r>
+              <a:rPr lang="ko-KR" altLang="en-US" dirty="0"/>
+              <a:t>에 정보를 설정</a:t>
+            </a:r>
+            <a:r>
+              <a:rPr lang="en-US" altLang="ko-KR" dirty="0"/>
+              <a:t>(</a:t>
+            </a:r>
+            <a:r>
+              <a:rPr lang="en-US" altLang="ko-KR" dirty="0" err="1"/>
+              <a:t>SetValueAs</a:t>
+            </a:r>
+            <a:r>
+              <a:rPr lang="en-US" altLang="ko-KR" dirty="0"/>
+              <a:t>… </a:t>
+            </a:r>
+            <a:r>
+              <a:rPr lang="ko-KR" altLang="en-US" dirty="0"/>
+              <a:t>노드 사용</a:t>
+            </a:r>
+            <a:r>
+              <a:rPr lang="en-US" altLang="ko-KR" dirty="0"/>
+              <a:t> )</a:t>
+            </a:r>
+            <a:r>
+              <a:rPr lang="ko-KR" altLang="en-US" dirty="0"/>
+              <a:t>하여 </a:t>
+            </a:r>
+            <a:r>
+              <a:rPr lang="en-US" altLang="ko-KR" dirty="0" err="1"/>
+              <a:t>BehaviorTree</a:t>
+            </a:r>
+            <a:r>
+              <a:rPr lang="ko-KR" altLang="en-US" dirty="0"/>
+              <a:t>의 행동의 결정 정보로 </a:t>
+            </a:r>
+            <a:r>
+              <a:rPr lang="ko-KR" altLang="en-US" dirty="0" err="1"/>
+              <a:t>사용하게한다</a:t>
+            </a:r>
+            <a:r>
+              <a:rPr lang="en-US" altLang="ko-KR" dirty="0"/>
+              <a:t>.</a:t>
+            </a:r>
+          </a:p>
+          <a:p>
+            <a:pPr marL="0" indent="0">
+              <a:buNone/>
+            </a:pPr>
+            <a:endParaRPr lang="en-US" altLang="ko-KR" dirty="0"/>
+          </a:p>
+        </p:txBody>
+      </p:sp>
+    </p:spTree>
+    <p:extLst>
+      <p:ext uri="{BB962C8B-B14F-4D97-AF65-F5344CB8AC3E}">
+        <p14:creationId xmlns:p14="http://schemas.microsoft.com/office/powerpoint/2010/main" val="2336971112"/>
+      </p:ext>
+    </p:extLst>
+  </p:cSld>
+  <p:clrMapOvr>
+    <a:masterClrMapping/>
+  </p:clrMapOvr>
+</p:sld>
+</file>
+
+<file path=ppt/slides/slide26.xml><?xml version="1.0" encoding="utf-8"?>
+<p:sld xmlns:a="http://schemas.openxmlformats.org/drawingml/2006/main" xmlns:r="http://schemas.openxmlformats.org/officeDocument/2006/relationships" xmlns:p="http://schemas.openxmlformats.org/presentationml/2006/main">
+  <p:cSld>
+    <p:spTree>
+      <p:nvGrpSpPr>
+        <p:cNvPr id="1" name=""/>
+        <p:cNvGrpSpPr/>
+        <p:nvPr/>
+      </p:nvGrpSpPr>
+      <p:grpSpPr>
+        <a:xfrm>
+          <a:off x="0" y="0"/>
+          <a:ext cx="0" cy="0"/>
+          <a:chOff x="0" y="0"/>
+          <a:chExt cx="0" cy="0"/>
+        </a:xfrm>
+      </p:grpSpPr>
+      <p:sp>
+        <p:nvSpPr>
+          <p:cNvPr id="2" name="제목 1">
+            <a:extLst>
+              <a:ext uri="{FF2B5EF4-FFF2-40B4-BE49-F238E27FC236}">
                 <a16:creationId xmlns:a16="http://schemas.microsoft.com/office/drawing/2014/main" id="{212E6403-7CA1-40F5-BAFA-9242549BA540}"/>
               </a:ext>
             </a:extLst>
@@ -7927,7 +8023,7 @@
 </p:sld>
 </file>
 
-<file path=ppt/slides/slide26.xml><?xml version="1.0" encoding="utf-8"?>
+<file path=ppt/slides/slide27.xml><?xml version="1.0" encoding="utf-8"?>
 <p:sld xmlns:a="http://schemas.openxmlformats.org/drawingml/2006/main" xmlns:r="http://schemas.openxmlformats.org/officeDocument/2006/relationships" xmlns:p="http://schemas.openxmlformats.org/presentationml/2006/main">
   <p:cSld>
     <p:spTree>
@@ -8292,7 +8388,7 @@
 </p:sld>
 </file>
 
-<file path=ppt/slides/slide27.xml><?xml version="1.0" encoding="utf-8"?>
+<file path=ppt/slides/slide28.xml><?xml version="1.0" encoding="utf-8"?>
 <p:sld xmlns:a="http://schemas.openxmlformats.org/drawingml/2006/main" xmlns:r="http://schemas.openxmlformats.org/officeDocument/2006/relationships" xmlns:p="http://schemas.openxmlformats.org/presentationml/2006/main">
   <p:cSld>
     <p:spTree>
@@ -8588,7 +8684,7 @@
 </p:sld>
 </file>
 
-<file path=ppt/slides/slide28.xml><?xml version="1.0" encoding="utf-8"?>
+<file path=ppt/slides/slide29.xml><?xml version="1.0" encoding="utf-8"?>
 <p:sld xmlns:a="http://schemas.openxmlformats.org/drawingml/2006/main" xmlns:r="http://schemas.openxmlformats.org/officeDocument/2006/relationships" xmlns:p="http://schemas.openxmlformats.org/presentationml/2006/main">
   <p:cSld>
     <p:spTree>
@@ -8917,7 +9013,275 @@
 </p:sld>
 </file>
 
-<file path=ppt/slides/slide29.xml><?xml version="1.0" encoding="utf-8"?>
+<file path=ppt/slides/slide3.xml><?xml version="1.0" encoding="utf-8"?>
+<p:sld xmlns:a="http://schemas.openxmlformats.org/drawingml/2006/main" xmlns:r="http://schemas.openxmlformats.org/officeDocument/2006/relationships" xmlns:p="http://schemas.openxmlformats.org/presentationml/2006/main">
+  <p:cSld>
+    <p:spTree>
+      <p:nvGrpSpPr>
+        <p:cNvPr id="1" name=""/>
+        <p:cNvGrpSpPr/>
+        <p:nvPr/>
+      </p:nvGrpSpPr>
+      <p:grpSpPr>
+        <a:xfrm>
+          <a:off x="0" y="0"/>
+          <a:ext cx="0" cy="0"/>
+          <a:chOff x="0" y="0"/>
+          <a:chExt cx="0" cy="0"/>
+        </a:xfrm>
+      </p:grpSpPr>
+      <p:sp>
+        <p:nvSpPr>
+          <p:cNvPr id="2" name="제목 1">
+            <a:extLst>
+              <a:ext uri="{FF2B5EF4-FFF2-40B4-BE49-F238E27FC236}">
+                <a16:creationId xmlns:a16="http://schemas.microsoft.com/office/drawing/2014/main" id="{80E8D4C5-2EC7-4B5E-8B5F-2E7C0A693973}"/>
+              </a:ext>
+            </a:extLst>
+          </p:cNvPr>
+          <p:cNvSpPr>
+            <a:spLocks noGrp="1"/>
+          </p:cNvSpPr>
+          <p:nvPr>
+            <p:ph type="title"/>
+          </p:nvPr>
+        </p:nvSpPr>
+        <p:spPr/>
+        <p:txBody>
+          <a:bodyPr/>
+          <a:lstStyle/>
+          <a:p>
+            <a:r>
+              <a:rPr lang="en-US" altLang="ko-KR" dirty="0" err="1"/>
+              <a:t>AIPerception,Blackboard,BehaviorTree</a:t>
+            </a:r>
+            <a:endParaRPr lang="ko-KR" altLang="en-US" dirty="0"/>
+          </a:p>
+        </p:txBody>
+      </p:sp>
+      <p:sp>
+        <p:nvSpPr>
+          <p:cNvPr id="3" name="내용 개체 틀 2">
+            <a:extLst>
+              <a:ext uri="{FF2B5EF4-FFF2-40B4-BE49-F238E27FC236}">
+                <a16:creationId xmlns:a16="http://schemas.microsoft.com/office/drawing/2014/main" id="{7765FCE9-2A05-4DD9-A7D2-F28566B070BF}"/>
+              </a:ext>
+            </a:extLst>
+          </p:cNvPr>
+          <p:cNvSpPr>
+            <a:spLocks noGrp="1"/>
+          </p:cNvSpPr>
+          <p:nvPr>
+            <p:ph idx="1"/>
+          </p:nvPr>
+        </p:nvSpPr>
+        <p:spPr>
+          <a:xfrm>
+            <a:off x="787809" y="3224981"/>
+            <a:ext cx="10616381" cy="2932317"/>
+          </a:xfrm>
+        </p:spPr>
+        <p:txBody>
+          <a:bodyPr/>
+          <a:lstStyle/>
+          <a:p>
+            <a:endParaRPr lang="en-US" altLang="ko-KR" dirty="0"/>
+          </a:p>
+          <a:p>
+            <a:r>
+              <a:rPr lang="en-US" altLang="ko-KR" dirty="0"/>
+              <a:t>AI Perception Component</a:t>
+            </a:r>
+            <a:r>
+              <a:rPr lang="ko-KR" altLang="en-US" dirty="0"/>
+              <a:t>는 감지된 </a:t>
+            </a:r>
+            <a:r>
+              <a:rPr lang="en-US" altLang="ko-KR" dirty="0"/>
+              <a:t>Sense</a:t>
+            </a:r>
+            <a:r>
+              <a:rPr lang="ko-KR" altLang="en-US" dirty="0"/>
+              <a:t>에 대한 정보를 </a:t>
+            </a:r>
+            <a:r>
+              <a:rPr lang="en-US" altLang="ko-KR" dirty="0"/>
+              <a:t>Blackboard</a:t>
+            </a:r>
+            <a:r>
+              <a:rPr lang="ko-KR" altLang="en-US" dirty="0"/>
+              <a:t>에 기록한다</a:t>
+            </a:r>
+            <a:r>
+              <a:rPr lang="en-US" altLang="ko-KR" dirty="0"/>
+              <a:t>.</a:t>
+            </a:r>
+          </a:p>
+          <a:p>
+            <a:r>
+              <a:rPr lang="en-US" altLang="ko-KR" dirty="0" err="1"/>
+              <a:t>BehaviorTree</a:t>
+            </a:r>
+            <a:r>
+              <a:rPr lang="ko-KR" altLang="en-US" dirty="0"/>
+              <a:t>는 </a:t>
+            </a:r>
+            <a:r>
+              <a:rPr lang="en-US" altLang="ko-KR" dirty="0"/>
+              <a:t>Blackboard</a:t>
+            </a:r>
+            <a:r>
+              <a:rPr lang="ko-KR" altLang="en-US" dirty="0"/>
+              <a:t>정보를 기반으로 </a:t>
+            </a:r>
+            <a:r>
+              <a:rPr lang="en-US" altLang="ko-KR" dirty="0"/>
+              <a:t>Task(</a:t>
+            </a:r>
+            <a:r>
+              <a:rPr lang="ko-KR" altLang="en-US" dirty="0"/>
+              <a:t>이동</a:t>
+            </a:r>
+            <a:r>
+              <a:rPr lang="en-US" altLang="ko-KR" dirty="0"/>
+              <a:t>,</a:t>
+            </a:r>
+            <a:r>
+              <a:rPr lang="ko-KR" altLang="en-US" dirty="0"/>
+              <a:t>공격</a:t>
+            </a:r>
+            <a:r>
+              <a:rPr lang="en-US" altLang="ko-KR" dirty="0"/>
+              <a:t>,</a:t>
+            </a:r>
+            <a:r>
+              <a:rPr lang="ko-KR" altLang="en-US" dirty="0"/>
+              <a:t>애니메이션</a:t>
+            </a:r>
+            <a:r>
+              <a:rPr lang="en-US" altLang="ko-KR" dirty="0"/>
+              <a:t>,EQS </a:t>
+            </a:r>
+            <a:r>
+              <a:rPr lang="ko-KR" altLang="en-US" dirty="0"/>
+              <a:t>질의 등등</a:t>
+            </a:r>
+            <a:r>
+              <a:rPr lang="en-US" altLang="ko-KR" dirty="0"/>
+              <a:t>)</a:t>
+            </a:r>
+            <a:r>
+              <a:rPr lang="ko-KR" altLang="en-US" dirty="0"/>
+              <a:t>실행하며 그 결과를 </a:t>
+            </a:r>
+            <a:r>
+              <a:rPr lang="en-US" altLang="ko-KR" dirty="0"/>
+              <a:t>Blackboard</a:t>
+            </a:r>
+            <a:r>
+              <a:rPr lang="ko-KR" altLang="en-US" dirty="0"/>
+              <a:t>에 다시 기록한다</a:t>
+            </a:r>
+            <a:r>
+              <a:rPr lang="en-US" altLang="ko-KR" dirty="0"/>
+              <a:t>.</a:t>
+            </a:r>
+          </a:p>
+        </p:txBody>
+      </p:sp>
+      <p:sp>
+        <p:nvSpPr>
+          <p:cNvPr id="7" name="사각형: 둥근 모서리 6">
+            <a:extLst>
+              <a:ext uri="{FF2B5EF4-FFF2-40B4-BE49-F238E27FC236}">
+                <a16:creationId xmlns:a16="http://schemas.microsoft.com/office/drawing/2014/main" id="{6722675F-7461-4856-A024-21946C30F845}"/>
+              </a:ext>
+            </a:extLst>
+          </p:cNvPr>
+          <p:cNvSpPr/>
+          <p:nvPr/>
+        </p:nvSpPr>
+        <p:spPr>
+          <a:xfrm>
+            <a:off x="1310341" y="1607792"/>
+            <a:ext cx="8718562" cy="1282892"/>
+          </a:xfrm>
+          <a:prstGeom prst="roundRect">
+            <a:avLst/>
+          </a:prstGeom>
+        </p:spPr>
+        <p:style>
+          <a:lnRef idx="2">
+            <a:schemeClr val="accent1">
+              <a:shade val="50000"/>
+            </a:schemeClr>
+          </a:lnRef>
+          <a:fillRef idx="1">
+            <a:schemeClr val="accent1"/>
+          </a:fillRef>
+          <a:effectRef idx="0">
+            <a:schemeClr val="accent1"/>
+          </a:effectRef>
+          <a:fontRef idx="minor">
+            <a:schemeClr val="lt1"/>
+          </a:fontRef>
+        </p:style>
+        <p:txBody>
+          <a:bodyPr rtlCol="0" anchor="ctr"/>
+          <a:lstStyle/>
+          <a:p>
+            <a:pPr algn="ctr"/>
+            <a:r>
+              <a:rPr lang="en-US" altLang="ko-KR" dirty="0"/>
+              <a:t>AI Controller</a:t>
+            </a:r>
+          </a:p>
+          <a:p>
+            <a:pPr algn="ctr"/>
+            <a:endParaRPr lang="en-US" altLang="ko-KR" dirty="0"/>
+          </a:p>
+          <a:p>
+            <a:pPr algn="ctr"/>
+            <a:r>
+              <a:rPr lang="en-US" altLang="ko-KR" dirty="0" err="1"/>
+              <a:t>AIPerception</a:t>
+            </a:r>
+            <a:r>
+              <a:rPr lang="en-US" altLang="ko-KR" dirty="0"/>
+              <a:t> -&gt;  Blackboard </a:t>
+            </a:r>
+            <a:r>
+              <a:rPr lang="en-US" altLang="ko-KR" dirty="0">
+                <a:sym typeface="Wingdings" panose="05000000000000000000" pitchFamily="2" charset="2"/>
+              </a:rPr>
+              <a:t></a:t>
+            </a:r>
+            <a:r>
+              <a:rPr lang="en-US" altLang="ko-KR" dirty="0"/>
+              <a:t> </a:t>
+            </a:r>
+            <a:r>
+              <a:rPr lang="en-US" altLang="ko-KR" dirty="0" err="1"/>
+              <a:t>BehaviorTree</a:t>
+            </a:r>
+            <a:endParaRPr lang="ko-KR" altLang="en-US" dirty="0"/>
+          </a:p>
+        </p:txBody>
+      </p:sp>
+    </p:spTree>
+    <p:extLst>
+      <p:ext uri="{BB962C8B-B14F-4D97-AF65-F5344CB8AC3E}">
+        <p14:creationId xmlns:p14="http://schemas.microsoft.com/office/powerpoint/2010/main" val="3495174014"/>
+      </p:ext>
+    </p:extLst>
+  </p:cSld>
+  <p:clrMapOvr>
+    <a:masterClrMapping/>
+  </p:clrMapOvr>
+</p:sld>
+</file>
+
+<file path=ppt/slides/slide30.xml><?xml version="1.0" encoding="utf-8"?>
 <p:sld xmlns:a="http://schemas.openxmlformats.org/drawingml/2006/main" xmlns:r="http://schemas.openxmlformats.org/officeDocument/2006/relationships" xmlns:p="http://schemas.openxmlformats.org/presentationml/2006/main">
   <p:cSld>
     <p:spTree>
@@ -9020,145 +9384,7 @@
 </p:sld>
 </file>
 
-<file path=ppt/slides/slide3.xml><?xml version="1.0" encoding="utf-8"?>
-<p:sld xmlns:a="http://schemas.openxmlformats.org/drawingml/2006/main" xmlns:r="http://schemas.openxmlformats.org/officeDocument/2006/relationships" xmlns:p="http://schemas.openxmlformats.org/presentationml/2006/main">
-  <p:cSld>
-    <p:spTree>
-      <p:nvGrpSpPr>
-        <p:cNvPr id="1" name=""/>
-        <p:cNvGrpSpPr/>
-        <p:nvPr/>
-      </p:nvGrpSpPr>
-      <p:grpSpPr>
-        <a:xfrm>
-          <a:off x="0" y="0"/>
-          <a:ext cx="0" cy="0"/>
-          <a:chOff x="0" y="0"/>
-          <a:chExt cx="0" cy="0"/>
-        </a:xfrm>
-      </p:grpSpPr>
-      <p:sp>
-        <p:nvSpPr>
-          <p:cNvPr id="4" name="제목 3">
-            <a:extLst>
-              <a:ext uri="{FF2B5EF4-FFF2-40B4-BE49-F238E27FC236}">
-                <a16:creationId xmlns:a16="http://schemas.microsoft.com/office/drawing/2014/main" id="{996FB693-4264-4492-BB38-3412BE3144EE}"/>
-              </a:ext>
-            </a:extLst>
-          </p:cNvPr>
-          <p:cNvSpPr>
-            <a:spLocks noGrp="1"/>
-          </p:cNvSpPr>
-          <p:nvPr>
-            <p:ph type="title"/>
-          </p:nvPr>
-        </p:nvSpPr>
-        <p:spPr/>
-        <p:txBody>
-          <a:bodyPr/>
-          <a:lstStyle/>
-          <a:p>
-            <a:r>
-              <a:rPr lang="en-US" altLang="ko-KR" dirty="0"/>
-              <a:t>Navigation </a:t>
-            </a:r>
-            <a:r>
-              <a:rPr lang="ko-KR" altLang="en-US" dirty="0"/>
-              <a:t>설치 </a:t>
-            </a:r>
-          </a:p>
-        </p:txBody>
-      </p:sp>
-      <p:sp>
-        <p:nvSpPr>
-          <p:cNvPr id="5" name="내용 개체 틀 4">
-            <a:extLst>
-              <a:ext uri="{FF2B5EF4-FFF2-40B4-BE49-F238E27FC236}">
-                <a16:creationId xmlns:a16="http://schemas.microsoft.com/office/drawing/2014/main" id="{0ED25374-B03E-45AC-8EF0-03FC21B7AC0A}"/>
-              </a:ext>
-            </a:extLst>
-          </p:cNvPr>
-          <p:cNvSpPr>
-            <a:spLocks noGrp="1"/>
-          </p:cNvSpPr>
-          <p:nvPr>
-            <p:ph idx="1"/>
-          </p:nvPr>
-        </p:nvSpPr>
-        <p:spPr/>
-        <p:txBody>
-          <a:bodyPr/>
-          <a:lstStyle/>
-          <a:p>
-            <a:r>
-              <a:rPr lang="ko-KR" altLang="en-US" dirty="0"/>
-              <a:t>월드에 </a:t>
-            </a:r>
-            <a:r>
-              <a:rPr lang="en-US" altLang="ko-KR" dirty="0" err="1"/>
-              <a:t>NaviMeshBoundVolume</a:t>
-            </a:r>
-            <a:r>
-              <a:rPr lang="ko-KR" altLang="en-US" dirty="0"/>
-              <a:t> </a:t>
-            </a:r>
-            <a:r>
-              <a:rPr lang="ko-KR" altLang="en-US" dirty="0" err="1"/>
-              <a:t>액터</a:t>
-            </a:r>
-            <a:r>
-              <a:rPr lang="ko-KR" altLang="en-US" dirty="0"/>
-              <a:t> 배치</a:t>
-            </a:r>
-            <a:endParaRPr lang="en-US" altLang="ko-KR" dirty="0"/>
-          </a:p>
-          <a:p>
-            <a:r>
-              <a:rPr lang="ko-KR" altLang="en-US" dirty="0"/>
-              <a:t>박스 확장 후 빌드에서 패스 빌드 필요</a:t>
-            </a:r>
-            <a:endParaRPr lang="en-US" altLang="ko-KR" dirty="0"/>
-          </a:p>
-          <a:p>
-            <a:r>
-              <a:rPr lang="ko-KR" altLang="en-US" dirty="0"/>
-              <a:t>영역 키보드 </a:t>
-            </a:r>
-            <a:r>
-              <a:rPr lang="en-US" altLang="ko-KR" dirty="0"/>
-              <a:t>P</a:t>
-            </a:r>
-            <a:r>
-              <a:rPr lang="ko-KR" altLang="en-US" dirty="0"/>
-              <a:t>로 에디터에서 확인</a:t>
-            </a:r>
-            <a:endParaRPr lang="en-US" altLang="ko-KR" dirty="0"/>
-          </a:p>
-          <a:p>
-            <a:endParaRPr lang="en-US" altLang="ko-KR" dirty="0"/>
-          </a:p>
-          <a:p>
-            <a:endParaRPr lang="en-US" altLang="ko-KR" dirty="0"/>
-          </a:p>
-          <a:p>
-            <a:endParaRPr lang="en-US" altLang="ko-KR" dirty="0"/>
-          </a:p>
-        </p:txBody>
-      </p:sp>
-    </p:spTree>
-    <p:extLst>
-      <p:ext uri="{BB962C8B-B14F-4D97-AF65-F5344CB8AC3E}">
-        <p14:creationId xmlns:p14="http://schemas.microsoft.com/office/powerpoint/2010/main" val="1093149482"/>
-      </p:ext>
-    </p:extLst>
-  </p:cSld>
-  <p:clrMapOvr>
-    <a:masterClrMapping/>
-  </p:clrMapOvr>
-</p:sld>
-</file>
-
-<file path=ppt/slides/slide30.xml><?xml version="1.0" encoding="utf-8"?>
+<file path=ppt/slides/slide31.xml><?xml version="1.0" encoding="utf-8"?>
 <p:sld xmlns:a="http://schemas.openxmlformats.org/drawingml/2006/main" xmlns:r="http://schemas.openxmlformats.org/officeDocument/2006/relationships" xmlns:p="http://schemas.openxmlformats.org/presentationml/2006/main">
   <p:cSld>
     <p:spTree>
@@ -9506,7 +9732,7 @@
 </p:sld>
 </file>
 
-<file path=ppt/slides/slide31.xml><?xml version="1.0" encoding="utf-8"?>
+<file path=ppt/slides/slide32.xml><?xml version="1.0" encoding="utf-8"?>
 <p:sld xmlns:a="http://schemas.openxmlformats.org/drawingml/2006/main" xmlns:r="http://schemas.openxmlformats.org/officeDocument/2006/relationships" xmlns:p="http://schemas.openxmlformats.org/presentationml/2006/main">
   <p:cSld>
     <p:spTree>
@@ -9723,7 +9949,7 @@
 </p:sld>
 </file>
 
-<file path=ppt/slides/slide32.xml><?xml version="1.0" encoding="utf-8"?>
+<file path=ppt/slides/slide33.xml><?xml version="1.0" encoding="utf-8"?>
 <p:sld xmlns:a="http://schemas.openxmlformats.org/drawingml/2006/main" xmlns:r="http://schemas.openxmlformats.org/officeDocument/2006/relationships" xmlns:p="http://schemas.openxmlformats.org/presentationml/2006/main">
   <p:cSld>
     <p:spTree>
@@ -10585,7 +10811,7 @@
 </p:sld>
 </file>
 
-<file path=ppt/slides/slide33.xml><?xml version="1.0" encoding="utf-8"?>
+<file path=ppt/slides/slide34.xml><?xml version="1.0" encoding="utf-8"?>
 <p:sld xmlns:a="http://schemas.openxmlformats.org/drawingml/2006/main" xmlns:r="http://schemas.openxmlformats.org/officeDocument/2006/relationships" xmlns:p="http://schemas.openxmlformats.org/presentationml/2006/main">
   <p:cSld>
     <p:spTree>
@@ -10804,423 +11030,6 @@
 </p:sld>
 </file>
 
-<file path=ppt/slides/slide34.xml><?xml version="1.0" encoding="utf-8"?>
-<p:sld xmlns:a="http://schemas.openxmlformats.org/drawingml/2006/main" xmlns:r="http://schemas.openxmlformats.org/officeDocument/2006/relationships" xmlns:p="http://schemas.openxmlformats.org/presentationml/2006/main">
-  <p:cSld>
-    <p:bg>
-      <p:bgPr>
-        <a:solidFill>
-          <a:schemeClr val="bg1"/>
-        </a:solidFill>
-        <a:effectLst/>
-      </p:bgPr>
-    </p:bg>
-    <p:spTree>
-      <p:nvGrpSpPr>
-        <p:cNvPr id="1" name=""/>
-        <p:cNvGrpSpPr/>
-        <p:nvPr/>
-      </p:nvGrpSpPr>
-      <p:grpSpPr>
-        <a:xfrm>
-          <a:off x="0" y="0"/>
-          <a:ext cx="0" cy="0"/>
-          <a:chOff x="0" y="0"/>
-          <a:chExt cx="0" cy="0"/>
-        </a:xfrm>
-      </p:grpSpPr>
-      <p:pic>
-        <p:nvPicPr>
-          <p:cNvPr id="5" name="그림 4">
-            <a:extLst>
-              <a:ext uri="{FF2B5EF4-FFF2-40B4-BE49-F238E27FC236}">
-                <a16:creationId xmlns:a16="http://schemas.microsoft.com/office/drawing/2014/main" id="{054B83D9-987E-4391-A0CD-E9B28718FF02}"/>
-              </a:ext>
-            </a:extLst>
-          </p:cNvPr>
-          <p:cNvPicPr>
-            <a:picLocks noChangeAspect="1"/>
-          </p:cNvPicPr>
-          <p:nvPr/>
-        </p:nvPicPr>
-        <p:blipFill rotWithShape="1">
-          <a:blip r:embed="rId2">
-            <a:alphaModFix amt="40000"/>
-          </a:blip>
-          <a:srcRect l="4070" r="2151" b="-1"/>
-          <a:stretch/>
-        </p:blipFill>
-        <p:spPr>
-          <a:xfrm>
-            <a:off x="20" y="10"/>
-            <a:ext cx="12191979" cy="6857990"/>
-          </a:xfrm>
-          <a:prstGeom prst="rect">
-            <a:avLst/>
-          </a:prstGeom>
-        </p:spPr>
-      </p:pic>
-      <p:sp>
-        <p:nvSpPr>
-          <p:cNvPr id="2" name="제목 1">
-            <a:extLst>
-              <a:ext uri="{FF2B5EF4-FFF2-40B4-BE49-F238E27FC236}">
-                <a16:creationId xmlns:a16="http://schemas.microsoft.com/office/drawing/2014/main" id="{0DA22DAD-0E10-410C-8C71-2CF4B96E7A05}"/>
-              </a:ext>
-            </a:extLst>
-          </p:cNvPr>
-          <p:cNvSpPr>
-            <a:spLocks noGrp="1"/>
-          </p:cNvSpPr>
-          <p:nvPr>
-            <p:ph type="title"/>
-          </p:nvPr>
-        </p:nvSpPr>
-        <p:spPr/>
-        <p:txBody>
-          <a:bodyPr anchor="b">
-            <a:normAutofit/>
-          </a:bodyPr>
-          <a:lstStyle/>
-          <a:p>
-            <a:r>
-              <a:rPr lang="en-US" altLang="ko-KR" sz="5000" dirty="0" err="1"/>
-              <a:t>EnvironmentQuerySystem</a:t>
-            </a:r>
-            <a:r>
-              <a:rPr lang="en-US" altLang="ko-KR" sz="5000" dirty="0"/>
-              <a:t> </a:t>
-            </a:r>
-            <a:r>
-              <a:rPr lang="ko-KR" altLang="en-US" sz="5000" dirty="0"/>
-              <a:t>개요</a:t>
-            </a:r>
-          </a:p>
-        </p:txBody>
-      </p:sp>
-      <p:sp>
-        <p:nvSpPr>
-          <p:cNvPr id="3" name="내용 개체 틀 2">
-            <a:extLst>
-              <a:ext uri="{FF2B5EF4-FFF2-40B4-BE49-F238E27FC236}">
-                <a16:creationId xmlns:a16="http://schemas.microsoft.com/office/drawing/2014/main" id="{5E65B0B1-1790-451F-B7F4-1D4A5474887D}"/>
-              </a:ext>
-            </a:extLst>
-          </p:cNvPr>
-          <p:cNvSpPr>
-            <a:spLocks noGrp="1"/>
-          </p:cNvSpPr>
-          <p:nvPr>
-            <p:ph idx="1"/>
-          </p:nvPr>
-        </p:nvSpPr>
-        <p:spPr/>
-        <p:txBody>
-          <a:bodyPr>
-            <a:normAutofit/>
-          </a:bodyPr>
-          <a:lstStyle/>
-          <a:p>
-            <a:r>
-              <a:rPr lang="ko-KR" altLang="en-US" sz="2400" dirty="0"/>
-              <a:t>기능 활성화 필요 메인</a:t>
-            </a:r>
-            <a:r>
-              <a:rPr lang="en-US" altLang="ko-KR" sz="2400" dirty="0"/>
-              <a:t>UI-&gt;</a:t>
-            </a:r>
-            <a:r>
-              <a:rPr lang="ko-KR" altLang="en-US" sz="2400" dirty="0"/>
-              <a:t>편집</a:t>
-            </a:r>
-            <a:r>
-              <a:rPr lang="en-US" altLang="ko-KR" sz="2400" dirty="0"/>
-              <a:t>-&gt;</a:t>
-            </a:r>
-            <a:r>
-              <a:rPr lang="ko-KR" altLang="en-US" sz="2400" dirty="0"/>
-              <a:t>개인설정</a:t>
-            </a:r>
-            <a:r>
-              <a:rPr lang="en-US" altLang="ko-KR" sz="2400" dirty="0"/>
-              <a:t>-&gt;</a:t>
-            </a:r>
-            <a:r>
-              <a:rPr lang="ko-KR" altLang="en-US" sz="2400" dirty="0"/>
-              <a:t>일반</a:t>
-            </a:r>
-            <a:r>
-              <a:rPr lang="en-US" altLang="ko-KR" sz="2400" dirty="0"/>
-              <a:t>-</a:t>
-            </a:r>
-            <a:r>
-              <a:rPr lang="ko-KR" altLang="en-US" sz="2400" dirty="0"/>
-              <a:t>실험단계</a:t>
-            </a:r>
-            <a:r>
-              <a:rPr lang="en-US" altLang="ko-KR" sz="2400" dirty="0"/>
-              <a:t>-EQS</a:t>
-            </a:r>
-          </a:p>
-          <a:p>
-            <a:r>
-              <a:rPr lang="ko-KR" altLang="en-US" sz="2400" dirty="0"/>
-              <a:t>주변환경에 대한 질의 </a:t>
-            </a:r>
-            <a:r>
-              <a:rPr lang="en-US" altLang="ko-KR" sz="2400" dirty="0"/>
-              <a:t>– </a:t>
-            </a:r>
-            <a:r>
-              <a:rPr lang="ko-KR" altLang="en-US" sz="2400" dirty="0"/>
-              <a:t>가장 적합한 위치 </a:t>
-            </a:r>
-            <a:r>
-              <a:rPr lang="en-US" altLang="ko-KR" sz="2400" dirty="0"/>
-              <a:t>Or </a:t>
-            </a:r>
-            <a:r>
-              <a:rPr lang="ko-KR" altLang="en-US" sz="2400" dirty="0" err="1"/>
-              <a:t>액터</a:t>
-            </a:r>
-            <a:r>
-              <a:rPr lang="ko-KR" altLang="en-US" sz="2400" dirty="0"/>
-              <a:t> 찾기 </a:t>
-            </a:r>
-            <a:endParaRPr lang="en-US" altLang="ko-KR" sz="2400" dirty="0"/>
-          </a:p>
-          <a:p>
-            <a:r>
-              <a:rPr lang="ko-KR" altLang="en-US" sz="2400" dirty="0"/>
-              <a:t>질의한 </a:t>
-            </a:r>
-            <a:r>
-              <a:rPr lang="en-US" altLang="ko-KR" sz="2400" dirty="0"/>
-              <a:t>AI</a:t>
-            </a:r>
-            <a:r>
-              <a:rPr lang="ko-KR" altLang="en-US" sz="2400" dirty="0"/>
-              <a:t>의 월드</a:t>
-            </a:r>
-            <a:r>
-              <a:rPr lang="en-US" altLang="ko-KR" sz="2400" dirty="0"/>
-              <a:t> </a:t>
-            </a:r>
-            <a:r>
-              <a:rPr lang="ko-KR" altLang="en-US" sz="2400" dirty="0"/>
-              <a:t>위치</a:t>
-            </a:r>
-            <a:r>
-              <a:rPr lang="en-US" altLang="ko-KR" sz="2400" dirty="0"/>
-              <a:t>,</a:t>
-            </a:r>
-            <a:r>
-              <a:rPr lang="ko-KR" altLang="en-US" sz="2400" dirty="0"/>
-              <a:t>방향 에서  시작됨</a:t>
-            </a:r>
-            <a:endParaRPr lang="en-US" altLang="ko-KR" sz="2400" dirty="0"/>
-          </a:p>
-          <a:p>
-            <a:r>
-              <a:rPr lang="ko-KR" altLang="en-US" sz="2400" dirty="0"/>
-              <a:t>각 위치</a:t>
-            </a:r>
-            <a:r>
-              <a:rPr lang="en-US" altLang="ko-KR" sz="2400" dirty="0"/>
-              <a:t>(</a:t>
-            </a:r>
-            <a:r>
-              <a:rPr lang="ko-KR" altLang="en-US" sz="2400" dirty="0" err="1"/>
-              <a:t>액터</a:t>
-            </a:r>
-            <a:r>
-              <a:rPr lang="en-US" altLang="ko-KR" sz="2400" dirty="0"/>
-              <a:t>)</a:t>
-            </a:r>
-            <a:r>
-              <a:rPr lang="ko-KR" altLang="en-US" sz="2400" dirty="0"/>
-              <a:t>마다 </a:t>
-            </a:r>
-            <a:r>
-              <a:rPr lang="en-US" altLang="ko-KR" sz="2400" dirty="0"/>
-              <a:t>Test</a:t>
-            </a:r>
-            <a:r>
-              <a:rPr lang="ko-KR" altLang="en-US" sz="2400" dirty="0"/>
-              <a:t>하여 </a:t>
-            </a:r>
-            <a:r>
-              <a:rPr lang="en-US" altLang="ko-KR" sz="2400" dirty="0" err="1"/>
-              <a:t>ScoreFactor</a:t>
-            </a:r>
-            <a:r>
-              <a:rPr lang="ko-KR" altLang="en-US" sz="2400" dirty="0"/>
-              <a:t>를 곱함</a:t>
-            </a:r>
-            <a:r>
-              <a:rPr lang="en-US" altLang="ko-KR" sz="2400" dirty="0"/>
-              <a:t>. </a:t>
-            </a:r>
-            <a:r>
-              <a:rPr lang="ko-KR" altLang="en-US" sz="2400" dirty="0"/>
-              <a:t>최종</a:t>
-            </a:r>
-            <a:r>
-              <a:rPr lang="en-US" altLang="ko-KR" sz="2400" dirty="0"/>
-              <a:t> </a:t>
-            </a:r>
-            <a:r>
-              <a:rPr lang="ko-KR" altLang="en-US" sz="2400" dirty="0"/>
-              <a:t>점수가 </a:t>
-            </a:r>
-            <a:r>
-              <a:rPr lang="ko-KR" altLang="en-US" sz="2400" dirty="0" err="1"/>
-              <a:t>높은것</a:t>
-            </a:r>
-            <a:r>
-              <a:rPr lang="ko-KR" altLang="en-US" sz="2400" dirty="0"/>
-              <a:t> 선택</a:t>
-            </a:r>
-            <a:endParaRPr lang="en-US" altLang="ko-KR" sz="2400" dirty="0"/>
-          </a:p>
-          <a:p>
-            <a:pPr marL="0" indent="0">
-              <a:buNone/>
-            </a:pPr>
-            <a:r>
-              <a:rPr lang="ko-KR" altLang="en-US" sz="2400" dirty="0"/>
-              <a:t>예</a:t>
-            </a:r>
-            <a:r>
-              <a:rPr lang="en-US" altLang="ko-KR" sz="2400" dirty="0"/>
-              <a:t>) </a:t>
-            </a:r>
-            <a:r>
-              <a:rPr lang="ko-KR" altLang="en-US" sz="2400" dirty="0"/>
-              <a:t>플레이어에게</a:t>
-            </a:r>
-            <a:r>
-              <a:rPr lang="en-US" altLang="ko-KR" sz="2400" dirty="0"/>
-              <a:t> </a:t>
-            </a:r>
-            <a:r>
-              <a:rPr lang="ko-KR" altLang="en-US" sz="2400" dirty="0"/>
-              <a:t>안보이는 위치</a:t>
-            </a:r>
-            <a:r>
-              <a:rPr lang="en-US" altLang="ko-KR" sz="2400" dirty="0"/>
-              <a:t>(x2)   </a:t>
-            </a:r>
-          </a:p>
-          <a:p>
-            <a:pPr marL="0" indent="0">
-              <a:buNone/>
-            </a:pPr>
-            <a:r>
-              <a:rPr lang="ko-KR" altLang="en-US" sz="2400" dirty="0"/>
-              <a:t>예</a:t>
-            </a:r>
-            <a:r>
-              <a:rPr lang="en-US" altLang="ko-KR" sz="2400" dirty="0"/>
-              <a:t>) AI</a:t>
-            </a:r>
-            <a:r>
-              <a:rPr lang="ko-KR" altLang="en-US" sz="2400" dirty="0"/>
-              <a:t>현재 위치에서 가장 가까운 위치</a:t>
-            </a:r>
-            <a:r>
-              <a:rPr lang="en-US" altLang="ko-KR" sz="2400" dirty="0"/>
-              <a:t>(x1)  Near 0.9,0.8…0.2,0.1</a:t>
-            </a:r>
-            <a:r>
-              <a:rPr lang="ko-KR" altLang="en-US" sz="2400" dirty="0"/>
-              <a:t> </a:t>
-            </a:r>
-            <a:r>
-              <a:rPr lang="en-US" altLang="ko-KR" sz="2400" dirty="0"/>
-              <a:t>Far</a:t>
-            </a:r>
-          </a:p>
-          <a:p>
-            <a:pPr marL="0" indent="0">
-              <a:buNone/>
-            </a:pPr>
-            <a:r>
-              <a:rPr lang="ko-KR" altLang="en-US" sz="2400" dirty="0"/>
-              <a:t>예</a:t>
-            </a:r>
-            <a:r>
-              <a:rPr lang="en-US" altLang="ko-KR" sz="2400" dirty="0"/>
-              <a:t>) </a:t>
-            </a:r>
-            <a:r>
-              <a:rPr lang="ko-KR" altLang="en-US" sz="2400" dirty="0"/>
-              <a:t>플레이어에서 가장 먼 위치</a:t>
-            </a:r>
-            <a:r>
-              <a:rPr lang="en-US" altLang="ko-KR" sz="2400" dirty="0"/>
-              <a:t>(x1)   Far 0.1,0.2 … 0.8,0.9 Near</a:t>
-            </a:r>
-          </a:p>
-          <a:p>
-            <a:r>
-              <a:rPr lang="en-US" altLang="ko-KR" sz="2400" dirty="0" err="1"/>
-              <a:t>BehaviorTree</a:t>
-            </a:r>
-            <a:r>
-              <a:rPr lang="ko-KR" altLang="en-US" sz="2400" dirty="0"/>
-              <a:t>에서 </a:t>
-            </a:r>
-            <a:r>
-              <a:rPr lang="en-US" altLang="ko-KR" sz="2400" dirty="0"/>
-              <a:t>EQS </a:t>
-            </a:r>
-            <a:r>
-              <a:rPr lang="ko-KR" altLang="en-US" sz="2400" dirty="0"/>
-              <a:t>질의 결과는 </a:t>
-            </a:r>
-            <a:r>
-              <a:rPr lang="en-US" altLang="ko-KR" sz="2400" dirty="0"/>
-              <a:t>Location or Actor </a:t>
-            </a:r>
-            <a:r>
-              <a:rPr lang="ko-KR" altLang="en-US" sz="2400" dirty="0"/>
-              <a:t>로 </a:t>
-            </a:r>
-            <a:r>
-              <a:rPr lang="en-US" altLang="ko-KR" sz="2400" dirty="0"/>
-              <a:t>Blackboard</a:t>
-            </a:r>
-            <a:r>
-              <a:rPr lang="ko-KR" altLang="en-US" sz="2400" dirty="0"/>
-              <a:t>에 갱신됨</a:t>
-            </a:r>
-            <a:r>
-              <a:rPr lang="en-US" altLang="ko-KR" sz="2400" dirty="0"/>
-              <a:t>.</a:t>
-            </a:r>
-          </a:p>
-          <a:p>
-            <a:endParaRPr lang="en-US" altLang="ko-KR" sz="1400" dirty="0"/>
-          </a:p>
-          <a:p>
-            <a:endParaRPr lang="ko-KR" altLang="en-US" sz="1400" dirty="0"/>
-          </a:p>
-        </p:txBody>
-      </p:sp>
-    </p:spTree>
-    <p:extLst>
-      <p:ext uri="{BB962C8B-B14F-4D97-AF65-F5344CB8AC3E}">
-        <p14:creationId xmlns:p14="http://schemas.microsoft.com/office/powerpoint/2010/main" val="422516092"/>
-      </p:ext>
-    </p:extLst>
-  </p:cSld>
-  <p:clrMapOvr>
-    <a:overrideClrMapping bg1="dk1" tx1="lt1" bg2="dk2" tx2="lt2" accent1="accent1" accent2="accent2" accent3="accent3" accent4="accent4" accent5="accent5" accent6="accent6" hlink="hlink" folHlink="folHlink"/>
-  </p:clrMapOvr>
-</p:sld>
-</file>
-
 <file path=ppt/slides/slide35.xml><?xml version="1.0" encoding="utf-8"?>
 <p:sld xmlns:a="http://schemas.openxmlformats.org/drawingml/2006/main" xmlns:r="http://schemas.openxmlformats.org/officeDocument/2006/relationships" xmlns:p="http://schemas.openxmlformats.org/presentationml/2006/main">
   <p:cSld>
@@ -11251,6 +11060,423 @@
           <p:cNvPr id="5" name="그림 4">
             <a:extLst>
               <a:ext uri="{FF2B5EF4-FFF2-40B4-BE49-F238E27FC236}">
+                <a16:creationId xmlns:a16="http://schemas.microsoft.com/office/drawing/2014/main" id="{054B83D9-987E-4391-A0CD-E9B28718FF02}"/>
+              </a:ext>
+            </a:extLst>
+          </p:cNvPr>
+          <p:cNvPicPr>
+            <a:picLocks noChangeAspect="1"/>
+          </p:cNvPicPr>
+          <p:nvPr/>
+        </p:nvPicPr>
+        <p:blipFill rotWithShape="1">
+          <a:blip r:embed="rId2">
+            <a:alphaModFix amt="40000"/>
+          </a:blip>
+          <a:srcRect l="4070" r="2151" b="-1"/>
+          <a:stretch/>
+        </p:blipFill>
+        <p:spPr>
+          <a:xfrm>
+            <a:off x="20" y="10"/>
+            <a:ext cx="12191979" cy="6857990"/>
+          </a:xfrm>
+          <a:prstGeom prst="rect">
+            <a:avLst/>
+          </a:prstGeom>
+        </p:spPr>
+      </p:pic>
+      <p:sp>
+        <p:nvSpPr>
+          <p:cNvPr id="2" name="제목 1">
+            <a:extLst>
+              <a:ext uri="{FF2B5EF4-FFF2-40B4-BE49-F238E27FC236}">
+                <a16:creationId xmlns:a16="http://schemas.microsoft.com/office/drawing/2014/main" id="{0DA22DAD-0E10-410C-8C71-2CF4B96E7A05}"/>
+              </a:ext>
+            </a:extLst>
+          </p:cNvPr>
+          <p:cNvSpPr>
+            <a:spLocks noGrp="1"/>
+          </p:cNvSpPr>
+          <p:nvPr>
+            <p:ph type="title"/>
+          </p:nvPr>
+        </p:nvSpPr>
+        <p:spPr/>
+        <p:txBody>
+          <a:bodyPr anchor="b">
+            <a:normAutofit/>
+          </a:bodyPr>
+          <a:lstStyle/>
+          <a:p>
+            <a:r>
+              <a:rPr lang="en-US" altLang="ko-KR" sz="5000" dirty="0" err="1"/>
+              <a:t>EnvironmentQuerySystem</a:t>
+            </a:r>
+            <a:r>
+              <a:rPr lang="en-US" altLang="ko-KR" sz="5000" dirty="0"/>
+              <a:t> </a:t>
+            </a:r>
+            <a:r>
+              <a:rPr lang="ko-KR" altLang="en-US" sz="5000" dirty="0"/>
+              <a:t>개요</a:t>
+            </a:r>
+          </a:p>
+        </p:txBody>
+      </p:sp>
+      <p:sp>
+        <p:nvSpPr>
+          <p:cNvPr id="3" name="내용 개체 틀 2">
+            <a:extLst>
+              <a:ext uri="{FF2B5EF4-FFF2-40B4-BE49-F238E27FC236}">
+                <a16:creationId xmlns:a16="http://schemas.microsoft.com/office/drawing/2014/main" id="{5E65B0B1-1790-451F-B7F4-1D4A5474887D}"/>
+              </a:ext>
+            </a:extLst>
+          </p:cNvPr>
+          <p:cNvSpPr>
+            <a:spLocks noGrp="1"/>
+          </p:cNvSpPr>
+          <p:nvPr>
+            <p:ph idx="1"/>
+          </p:nvPr>
+        </p:nvSpPr>
+        <p:spPr/>
+        <p:txBody>
+          <a:bodyPr>
+            <a:normAutofit/>
+          </a:bodyPr>
+          <a:lstStyle/>
+          <a:p>
+            <a:r>
+              <a:rPr lang="ko-KR" altLang="en-US" sz="2400" dirty="0"/>
+              <a:t>기능 활성화 필요 메인</a:t>
+            </a:r>
+            <a:r>
+              <a:rPr lang="en-US" altLang="ko-KR" sz="2400" dirty="0"/>
+              <a:t>UI-&gt;</a:t>
+            </a:r>
+            <a:r>
+              <a:rPr lang="ko-KR" altLang="en-US" sz="2400" dirty="0"/>
+              <a:t>편집</a:t>
+            </a:r>
+            <a:r>
+              <a:rPr lang="en-US" altLang="ko-KR" sz="2400" dirty="0"/>
+              <a:t>-&gt;</a:t>
+            </a:r>
+            <a:r>
+              <a:rPr lang="ko-KR" altLang="en-US" sz="2400" dirty="0"/>
+              <a:t>개인설정</a:t>
+            </a:r>
+            <a:r>
+              <a:rPr lang="en-US" altLang="ko-KR" sz="2400" dirty="0"/>
+              <a:t>-&gt;</a:t>
+            </a:r>
+            <a:r>
+              <a:rPr lang="ko-KR" altLang="en-US" sz="2400" dirty="0"/>
+              <a:t>일반</a:t>
+            </a:r>
+            <a:r>
+              <a:rPr lang="en-US" altLang="ko-KR" sz="2400" dirty="0"/>
+              <a:t>-</a:t>
+            </a:r>
+            <a:r>
+              <a:rPr lang="ko-KR" altLang="en-US" sz="2400" dirty="0"/>
+              <a:t>실험단계</a:t>
+            </a:r>
+            <a:r>
+              <a:rPr lang="en-US" altLang="ko-KR" sz="2400" dirty="0"/>
+              <a:t>-EQS</a:t>
+            </a:r>
+          </a:p>
+          <a:p>
+            <a:r>
+              <a:rPr lang="ko-KR" altLang="en-US" sz="2400" dirty="0"/>
+              <a:t>주변환경에 대한 질의 </a:t>
+            </a:r>
+            <a:r>
+              <a:rPr lang="en-US" altLang="ko-KR" sz="2400" dirty="0"/>
+              <a:t>– </a:t>
+            </a:r>
+            <a:r>
+              <a:rPr lang="ko-KR" altLang="en-US" sz="2400" dirty="0"/>
+              <a:t>가장 적합한 위치 </a:t>
+            </a:r>
+            <a:r>
+              <a:rPr lang="en-US" altLang="ko-KR" sz="2400" dirty="0"/>
+              <a:t>Or </a:t>
+            </a:r>
+            <a:r>
+              <a:rPr lang="ko-KR" altLang="en-US" sz="2400" dirty="0" err="1"/>
+              <a:t>액터</a:t>
+            </a:r>
+            <a:r>
+              <a:rPr lang="ko-KR" altLang="en-US" sz="2400" dirty="0"/>
+              <a:t> 찾기 </a:t>
+            </a:r>
+            <a:endParaRPr lang="en-US" altLang="ko-KR" sz="2400" dirty="0"/>
+          </a:p>
+          <a:p>
+            <a:r>
+              <a:rPr lang="ko-KR" altLang="en-US" sz="2400" dirty="0"/>
+              <a:t>질의한 </a:t>
+            </a:r>
+            <a:r>
+              <a:rPr lang="en-US" altLang="ko-KR" sz="2400" dirty="0"/>
+              <a:t>AI</a:t>
+            </a:r>
+            <a:r>
+              <a:rPr lang="ko-KR" altLang="en-US" sz="2400" dirty="0"/>
+              <a:t>의 월드</a:t>
+            </a:r>
+            <a:r>
+              <a:rPr lang="en-US" altLang="ko-KR" sz="2400" dirty="0"/>
+              <a:t> </a:t>
+            </a:r>
+            <a:r>
+              <a:rPr lang="ko-KR" altLang="en-US" sz="2400" dirty="0"/>
+              <a:t>위치</a:t>
+            </a:r>
+            <a:r>
+              <a:rPr lang="en-US" altLang="ko-KR" sz="2400" dirty="0"/>
+              <a:t>,</a:t>
+            </a:r>
+            <a:r>
+              <a:rPr lang="ko-KR" altLang="en-US" sz="2400" dirty="0"/>
+              <a:t>방향 에서  시작됨</a:t>
+            </a:r>
+            <a:endParaRPr lang="en-US" altLang="ko-KR" sz="2400" dirty="0"/>
+          </a:p>
+          <a:p>
+            <a:r>
+              <a:rPr lang="ko-KR" altLang="en-US" sz="2400" dirty="0"/>
+              <a:t>각 위치</a:t>
+            </a:r>
+            <a:r>
+              <a:rPr lang="en-US" altLang="ko-KR" sz="2400" dirty="0"/>
+              <a:t>(</a:t>
+            </a:r>
+            <a:r>
+              <a:rPr lang="ko-KR" altLang="en-US" sz="2400" dirty="0" err="1"/>
+              <a:t>액터</a:t>
+            </a:r>
+            <a:r>
+              <a:rPr lang="en-US" altLang="ko-KR" sz="2400" dirty="0"/>
+              <a:t>)</a:t>
+            </a:r>
+            <a:r>
+              <a:rPr lang="ko-KR" altLang="en-US" sz="2400" dirty="0"/>
+              <a:t>마다 </a:t>
+            </a:r>
+            <a:r>
+              <a:rPr lang="en-US" altLang="ko-KR" sz="2400" dirty="0"/>
+              <a:t>Test</a:t>
+            </a:r>
+            <a:r>
+              <a:rPr lang="ko-KR" altLang="en-US" sz="2400" dirty="0"/>
+              <a:t>하여 </a:t>
+            </a:r>
+            <a:r>
+              <a:rPr lang="en-US" altLang="ko-KR" sz="2400" dirty="0" err="1"/>
+              <a:t>ScoreFactor</a:t>
+            </a:r>
+            <a:r>
+              <a:rPr lang="ko-KR" altLang="en-US" sz="2400" dirty="0"/>
+              <a:t>를 곱함</a:t>
+            </a:r>
+            <a:r>
+              <a:rPr lang="en-US" altLang="ko-KR" sz="2400" dirty="0"/>
+              <a:t>. </a:t>
+            </a:r>
+            <a:r>
+              <a:rPr lang="ko-KR" altLang="en-US" sz="2400" dirty="0"/>
+              <a:t>최종</a:t>
+            </a:r>
+            <a:r>
+              <a:rPr lang="en-US" altLang="ko-KR" sz="2400" dirty="0"/>
+              <a:t> </a:t>
+            </a:r>
+            <a:r>
+              <a:rPr lang="ko-KR" altLang="en-US" sz="2400" dirty="0"/>
+              <a:t>점수가 </a:t>
+            </a:r>
+            <a:r>
+              <a:rPr lang="ko-KR" altLang="en-US" sz="2400" dirty="0" err="1"/>
+              <a:t>높은것</a:t>
+            </a:r>
+            <a:r>
+              <a:rPr lang="ko-KR" altLang="en-US" sz="2400" dirty="0"/>
+              <a:t> 선택</a:t>
+            </a:r>
+            <a:endParaRPr lang="en-US" altLang="ko-KR" sz="2400" dirty="0"/>
+          </a:p>
+          <a:p>
+            <a:pPr marL="0" indent="0">
+              <a:buNone/>
+            </a:pPr>
+            <a:r>
+              <a:rPr lang="ko-KR" altLang="en-US" sz="2400" dirty="0"/>
+              <a:t>예</a:t>
+            </a:r>
+            <a:r>
+              <a:rPr lang="en-US" altLang="ko-KR" sz="2400" dirty="0"/>
+              <a:t>) </a:t>
+            </a:r>
+            <a:r>
+              <a:rPr lang="ko-KR" altLang="en-US" sz="2400" dirty="0"/>
+              <a:t>플레이어에게</a:t>
+            </a:r>
+            <a:r>
+              <a:rPr lang="en-US" altLang="ko-KR" sz="2400" dirty="0"/>
+              <a:t> </a:t>
+            </a:r>
+            <a:r>
+              <a:rPr lang="ko-KR" altLang="en-US" sz="2400" dirty="0"/>
+              <a:t>안보이는 위치</a:t>
+            </a:r>
+            <a:r>
+              <a:rPr lang="en-US" altLang="ko-KR" sz="2400" dirty="0"/>
+              <a:t>(x2)   </a:t>
+            </a:r>
+          </a:p>
+          <a:p>
+            <a:pPr marL="0" indent="0">
+              <a:buNone/>
+            </a:pPr>
+            <a:r>
+              <a:rPr lang="ko-KR" altLang="en-US" sz="2400" dirty="0"/>
+              <a:t>예</a:t>
+            </a:r>
+            <a:r>
+              <a:rPr lang="en-US" altLang="ko-KR" sz="2400" dirty="0"/>
+              <a:t>) AI</a:t>
+            </a:r>
+            <a:r>
+              <a:rPr lang="ko-KR" altLang="en-US" sz="2400" dirty="0"/>
+              <a:t>현재 위치에서 가장 가까운 위치</a:t>
+            </a:r>
+            <a:r>
+              <a:rPr lang="en-US" altLang="ko-KR" sz="2400" dirty="0"/>
+              <a:t>(x1)  Near 0.9,0.8…0.2,0.1</a:t>
+            </a:r>
+            <a:r>
+              <a:rPr lang="ko-KR" altLang="en-US" sz="2400" dirty="0"/>
+              <a:t> </a:t>
+            </a:r>
+            <a:r>
+              <a:rPr lang="en-US" altLang="ko-KR" sz="2400" dirty="0"/>
+              <a:t>Far</a:t>
+            </a:r>
+          </a:p>
+          <a:p>
+            <a:pPr marL="0" indent="0">
+              <a:buNone/>
+            </a:pPr>
+            <a:r>
+              <a:rPr lang="ko-KR" altLang="en-US" sz="2400" dirty="0"/>
+              <a:t>예</a:t>
+            </a:r>
+            <a:r>
+              <a:rPr lang="en-US" altLang="ko-KR" sz="2400" dirty="0"/>
+              <a:t>) </a:t>
+            </a:r>
+            <a:r>
+              <a:rPr lang="ko-KR" altLang="en-US" sz="2400" dirty="0"/>
+              <a:t>플레이어에서 가장 먼 위치</a:t>
+            </a:r>
+            <a:r>
+              <a:rPr lang="en-US" altLang="ko-KR" sz="2400" dirty="0"/>
+              <a:t>(x1)   Far 0.1,0.2 … 0.8,0.9 Near</a:t>
+            </a:r>
+          </a:p>
+          <a:p>
+            <a:r>
+              <a:rPr lang="en-US" altLang="ko-KR" sz="2400" dirty="0" err="1"/>
+              <a:t>BehaviorTree</a:t>
+            </a:r>
+            <a:r>
+              <a:rPr lang="ko-KR" altLang="en-US" sz="2400" dirty="0"/>
+              <a:t>에서 </a:t>
+            </a:r>
+            <a:r>
+              <a:rPr lang="en-US" altLang="ko-KR" sz="2400" dirty="0"/>
+              <a:t>EQS </a:t>
+            </a:r>
+            <a:r>
+              <a:rPr lang="ko-KR" altLang="en-US" sz="2400" dirty="0"/>
+              <a:t>질의 결과는 </a:t>
+            </a:r>
+            <a:r>
+              <a:rPr lang="en-US" altLang="ko-KR" sz="2400" dirty="0"/>
+              <a:t>Location or Actor </a:t>
+            </a:r>
+            <a:r>
+              <a:rPr lang="ko-KR" altLang="en-US" sz="2400" dirty="0"/>
+              <a:t>로 </a:t>
+            </a:r>
+            <a:r>
+              <a:rPr lang="en-US" altLang="ko-KR" sz="2400" dirty="0"/>
+              <a:t>Blackboard</a:t>
+            </a:r>
+            <a:r>
+              <a:rPr lang="ko-KR" altLang="en-US" sz="2400" dirty="0"/>
+              <a:t>에 갱신됨</a:t>
+            </a:r>
+            <a:r>
+              <a:rPr lang="en-US" altLang="ko-KR" sz="2400" dirty="0"/>
+              <a:t>.</a:t>
+            </a:r>
+          </a:p>
+          <a:p>
+            <a:endParaRPr lang="en-US" altLang="ko-KR" sz="1400" dirty="0"/>
+          </a:p>
+          <a:p>
+            <a:endParaRPr lang="ko-KR" altLang="en-US" sz="1400" dirty="0"/>
+          </a:p>
+        </p:txBody>
+      </p:sp>
+    </p:spTree>
+    <p:extLst>
+      <p:ext uri="{BB962C8B-B14F-4D97-AF65-F5344CB8AC3E}">
+        <p14:creationId xmlns:p14="http://schemas.microsoft.com/office/powerpoint/2010/main" val="422516092"/>
+      </p:ext>
+    </p:extLst>
+  </p:cSld>
+  <p:clrMapOvr>
+    <a:overrideClrMapping bg1="dk1" tx1="lt1" bg2="dk2" tx2="lt2" accent1="accent1" accent2="accent2" accent3="accent3" accent4="accent4" accent5="accent5" accent6="accent6" hlink="hlink" folHlink="folHlink"/>
+  </p:clrMapOvr>
+</p:sld>
+</file>
+
+<file path=ppt/slides/slide36.xml><?xml version="1.0" encoding="utf-8"?>
+<p:sld xmlns:a="http://schemas.openxmlformats.org/drawingml/2006/main" xmlns:r="http://schemas.openxmlformats.org/officeDocument/2006/relationships" xmlns:p="http://schemas.openxmlformats.org/presentationml/2006/main">
+  <p:cSld>
+    <p:bg>
+      <p:bgPr>
+        <a:solidFill>
+          <a:schemeClr val="bg1"/>
+        </a:solidFill>
+        <a:effectLst/>
+      </p:bgPr>
+    </p:bg>
+    <p:spTree>
+      <p:nvGrpSpPr>
+        <p:cNvPr id="1" name=""/>
+        <p:cNvGrpSpPr/>
+        <p:nvPr/>
+      </p:nvGrpSpPr>
+      <p:grpSpPr>
+        <a:xfrm>
+          <a:off x="0" y="0"/>
+          <a:ext cx="0" cy="0"/>
+          <a:chOff x="0" y="0"/>
+          <a:chExt cx="0" cy="0"/>
+        </a:xfrm>
+      </p:grpSpPr>
+      <p:pic>
+        <p:nvPicPr>
+          <p:cNvPr id="5" name="그림 4">
+            <a:extLst>
+              <a:ext uri="{FF2B5EF4-FFF2-40B4-BE49-F238E27FC236}">
                 <a16:creationId xmlns:a16="http://schemas.microsoft.com/office/drawing/2014/main" id="{91E0FBD8-B000-4058-910C-99307BFB38E9}"/>
               </a:ext>
             </a:extLst>
@@ -11669,7 +11895,7 @@
 </p:sld>
 </file>
 
-<file path=ppt/slides/slide36.xml><?xml version="1.0" encoding="utf-8"?>
+<file path=ppt/slides/slide37.xml><?xml version="1.0" encoding="utf-8"?>
 <p:sld xmlns:a="http://schemas.openxmlformats.org/drawingml/2006/main" xmlns:r="http://schemas.openxmlformats.org/officeDocument/2006/relationships" xmlns:p="http://schemas.openxmlformats.org/presentationml/2006/main">
   <p:cSld>
     <p:spTree>
@@ -11926,7 +12152,7 @@
 </p:sld>
 </file>
 
-<file path=ppt/slides/slide37.xml><?xml version="1.0" encoding="utf-8"?>
+<file path=ppt/slides/slide38.xml><?xml version="1.0" encoding="utf-8"?>
 <p:sld xmlns:a="http://schemas.openxmlformats.org/drawingml/2006/main" xmlns:r="http://schemas.openxmlformats.org/officeDocument/2006/relationships" xmlns:p="http://schemas.openxmlformats.org/presentationml/2006/main">
   <p:cSld>
     <p:spTree>
@@ -12532,7 +12758,7 @@
 </p:sld>
 </file>
 
-<file path=ppt/slides/slide38.xml><?xml version="1.0" encoding="utf-8"?>
+<file path=ppt/slides/slide39.xml><?xml version="1.0" encoding="utf-8"?>
 <p:sld xmlns:a="http://schemas.openxmlformats.org/drawingml/2006/main" xmlns:r="http://schemas.openxmlformats.org/officeDocument/2006/relationships" xmlns:p="http://schemas.openxmlformats.org/presentationml/2006/main">
   <p:cSld>
     <p:spTree>
@@ -12868,296 +13094,6 @@
     <p:extLst>
       <p:ext uri="{BB962C8B-B14F-4D97-AF65-F5344CB8AC3E}">
         <p14:creationId xmlns:p14="http://schemas.microsoft.com/office/powerpoint/2010/main" val="2776035102"/>
-      </p:ext>
-    </p:extLst>
-  </p:cSld>
-  <p:clrMapOvr>
-    <a:masterClrMapping/>
-  </p:clrMapOvr>
-</p:sld>
-</file>
-
-<file path=ppt/slides/slide39.xml><?xml version="1.0" encoding="utf-8"?>
-<p:sld xmlns:a="http://schemas.openxmlformats.org/drawingml/2006/main" xmlns:r="http://schemas.openxmlformats.org/officeDocument/2006/relationships" xmlns:p="http://schemas.openxmlformats.org/presentationml/2006/main">
-  <p:cSld>
-    <p:spTree>
-      <p:nvGrpSpPr>
-        <p:cNvPr id="1" name=""/>
-        <p:cNvGrpSpPr/>
-        <p:nvPr/>
-      </p:nvGrpSpPr>
-      <p:grpSpPr>
-        <a:xfrm>
-          <a:off x="0" y="0"/>
-          <a:ext cx="0" cy="0"/>
-          <a:chOff x="0" y="0"/>
-          <a:chExt cx="0" cy="0"/>
-        </a:xfrm>
-      </p:grpSpPr>
-      <p:sp>
-        <p:nvSpPr>
-          <p:cNvPr id="2" name="제목 1">
-            <a:extLst>
-              <a:ext uri="{FF2B5EF4-FFF2-40B4-BE49-F238E27FC236}">
-                <a16:creationId xmlns:a16="http://schemas.microsoft.com/office/drawing/2014/main" id="{841C8D36-BBB4-4D00-93F4-EB4F2DD5DFFE}"/>
-              </a:ext>
-            </a:extLst>
-          </p:cNvPr>
-          <p:cNvSpPr>
-            <a:spLocks noGrp="1"/>
-          </p:cNvSpPr>
-          <p:nvPr>
-            <p:ph type="title"/>
-          </p:nvPr>
-        </p:nvSpPr>
-        <p:spPr/>
-        <p:txBody>
-          <a:bodyPr/>
-          <a:lstStyle/>
-          <a:p>
-            <a:r>
-              <a:rPr lang="en-US" altLang="ko-KR" dirty="0"/>
-              <a:t>EQS Test - Distance</a:t>
-            </a:r>
-            <a:endParaRPr lang="ko-KR" altLang="en-US" dirty="0"/>
-          </a:p>
-        </p:txBody>
-      </p:sp>
-      <p:sp>
-        <p:nvSpPr>
-          <p:cNvPr id="12" name="그림 개체 틀 11">
-            <a:extLst>
-              <a:ext uri="{FF2B5EF4-FFF2-40B4-BE49-F238E27FC236}">
-                <a16:creationId xmlns:a16="http://schemas.microsoft.com/office/drawing/2014/main" id="{D4696484-4B78-43E7-9FBF-6CA6D583EA1A}"/>
-              </a:ext>
-            </a:extLst>
-          </p:cNvPr>
-          <p:cNvSpPr>
-            <a:spLocks noGrp="1"/>
-          </p:cNvSpPr>
-          <p:nvPr>
-            <p:ph type="pic" idx="1"/>
-          </p:nvPr>
-        </p:nvSpPr>
-        <p:spPr/>
-      </p:sp>
-      <p:sp>
-        <p:nvSpPr>
-          <p:cNvPr id="13" name="텍스트 개체 틀 12">
-            <a:extLst>
-              <a:ext uri="{FF2B5EF4-FFF2-40B4-BE49-F238E27FC236}">
-                <a16:creationId xmlns:a16="http://schemas.microsoft.com/office/drawing/2014/main" id="{5D7A7D47-7833-4732-96C6-6DE170D3DEDC}"/>
-              </a:ext>
-            </a:extLst>
-          </p:cNvPr>
-          <p:cNvSpPr>
-            <a:spLocks noGrp="1"/>
-          </p:cNvSpPr>
-          <p:nvPr>
-            <p:ph type="body" sz="half" idx="2"/>
-          </p:nvPr>
-        </p:nvSpPr>
-        <p:spPr/>
-        <p:txBody>
-          <a:bodyPr/>
-          <a:lstStyle/>
-          <a:p>
-            <a:r>
-              <a:rPr lang="en-US" altLang="ko-KR" dirty="0"/>
-              <a:t>Context</a:t>
-            </a:r>
-            <a:r>
-              <a:rPr lang="ko-KR" altLang="en-US" dirty="0"/>
-              <a:t>로 지정한 </a:t>
-            </a:r>
-            <a:r>
-              <a:rPr lang="en-US" altLang="ko-KR" dirty="0"/>
-              <a:t>AI </a:t>
-            </a:r>
-            <a:r>
-              <a:rPr lang="ko-KR" altLang="en-US" dirty="0"/>
-              <a:t>나 </a:t>
-            </a:r>
-            <a:r>
-              <a:rPr lang="en-US" altLang="ko-KR" dirty="0"/>
-              <a:t>Player</a:t>
-            </a:r>
-            <a:r>
-              <a:rPr lang="ko-KR" altLang="en-US" dirty="0"/>
-              <a:t>에서 얼마나 </a:t>
-            </a:r>
-            <a:r>
-              <a:rPr lang="ko-KR" altLang="en-US" dirty="0" err="1"/>
-              <a:t>떨어진곳인지</a:t>
-            </a:r>
-            <a:r>
-              <a:rPr lang="ko-KR" altLang="en-US" dirty="0"/>
-              <a:t> 테스트한다</a:t>
-            </a:r>
-            <a:r>
-              <a:rPr lang="en-US" altLang="ko-KR" dirty="0"/>
-              <a:t>.</a:t>
-            </a:r>
-          </a:p>
-          <a:p>
-            <a:endParaRPr lang="en-US" altLang="ko-KR" dirty="0"/>
-          </a:p>
-          <a:p>
-            <a:r>
-              <a:rPr lang="ko-KR" altLang="en-US" dirty="0"/>
-              <a:t>가까운 곳이 </a:t>
-            </a:r>
-            <a:r>
-              <a:rPr lang="en-US" altLang="ko-KR" dirty="0"/>
-              <a:t>Score</a:t>
-            </a:r>
-            <a:r>
-              <a:rPr lang="ko-KR" altLang="en-US" dirty="0"/>
-              <a:t>가 </a:t>
-            </a:r>
-            <a:r>
-              <a:rPr lang="ko-KR" altLang="en-US" dirty="0" err="1"/>
-              <a:t>높으려면</a:t>
-            </a:r>
-            <a:r>
-              <a:rPr lang="ko-KR" altLang="en-US" dirty="0"/>
-              <a:t> </a:t>
-            </a:r>
-            <a:endParaRPr lang="en-US" altLang="ko-KR" dirty="0"/>
-          </a:p>
-          <a:p>
-            <a:r>
-              <a:rPr lang="en-US" altLang="ko-KR" dirty="0"/>
-              <a:t>Scoring </a:t>
-            </a:r>
-            <a:r>
-              <a:rPr lang="en-US" altLang="ko-KR" dirty="0" err="1"/>
-              <a:t>Equatation</a:t>
-            </a:r>
-            <a:r>
-              <a:rPr lang="ko-KR" altLang="en-US" dirty="0"/>
-              <a:t>을 </a:t>
-            </a:r>
-            <a:r>
-              <a:rPr lang="en-US" altLang="ko-KR" dirty="0" err="1"/>
-              <a:t>ReverLinear</a:t>
-            </a:r>
-            <a:r>
-              <a:rPr lang="ko-KR" altLang="en-US" dirty="0"/>
-              <a:t>로 설정한다</a:t>
-            </a:r>
-            <a:r>
-              <a:rPr lang="en-US" altLang="ko-KR" dirty="0"/>
-              <a:t>.</a:t>
-            </a:r>
-            <a:endParaRPr lang="ko-KR" altLang="en-US" dirty="0"/>
-          </a:p>
-        </p:txBody>
-      </p:sp>
-      <p:pic>
-        <p:nvPicPr>
-          <p:cNvPr id="11" name="그림 10">
-            <a:extLst>
-              <a:ext uri="{FF2B5EF4-FFF2-40B4-BE49-F238E27FC236}">
-                <a16:creationId xmlns:a16="http://schemas.microsoft.com/office/drawing/2014/main" id="{7D3BBEAF-885D-432F-8F43-34659E7640B4}"/>
-              </a:ext>
-            </a:extLst>
-          </p:cNvPr>
-          <p:cNvPicPr>
-            <a:picLocks noChangeAspect="1"/>
-          </p:cNvPicPr>
-          <p:nvPr/>
-        </p:nvPicPr>
-        <p:blipFill>
-          <a:blip r:embed="rId2"/>
-          <a:stretch>
-            <a:fillRect/>
-          </a:stretch>
-        </p:blipFill>
-        <p:spPr>
-          <a:xfrm>
-            <a:off x="4772025" y="17836"/>
-            <a:ext cx="7419975" cy="6692526"/>
-          </a:xfrm>
-          <a:prstGeom prst="rect">
-            <a:avLst/>
-          </a:prstGeom>
-        </p:spPr>
-      </p:pic>
-      <p:sp>
-        <p:nvSpPr>
-          <p:cNvPr id="7" name="TextBox 6">
-            <a:extLst>
-              <a:ext uri="{FF2B5EF4-FFF2-40B4-BE49-F238E27FC236}">
-                <a16:creationId xmlns:a16="http://schemas.microsoft.com/office/drawing/2014/main" id="{17E779CD-A6A7-4762-A250-936C5AA9F93A}"/>
-              </a:ext>
-            </a:extLst>
-          </p:cNvPr>
-          <p:cNvSpPr txBox="1"/>
-          <p:nvPr/>
-        </p:nvSpPr>
-        <p:spPr>
-          <a:xfrm>
-            <a:off x="5624168" y="1392343"/>
-            <a:ext cx="2618683" cy="830997"/>
-          </a:xfrm>
-          <a:prstGeom prst="rect">
-            <a:avLst/>
-          </a:prstGeom>
-          <a:noFill/>
-        </p:spPr>
-        <p:txBody>
-          <a:bodyPr wrap="square">
-            <a:spAutoFit/>
-          </a:bodyPr>
-          <a:lstStyle/>
-          <a:p>
-            <a:r>
-              <a:rPr lang="en-US" altLang="ko-KR" sz="2400" dirty="0">
-                <a:solidFill>
-                  <a:schemeClr val="bg1">
-                    <a:lumMod val="95000"/>
-                  </a:schemeClr>
-                </a:solidFill>
-              </a:rPr>
-              <a:t>EQS_</a:t>
-            </a:r>
-            <a:r>
-              <a:rPr lang="ko-KR" altLang="en-US" sz="2400" dirty="0" err="1">
-                <a:solidFill>
-                  <a:schemeClr val="bg1">
-                    <a:lumMod val="95000"/>
-                  </a:schemeClr>
-                </a:solidFill>
-              </a:rPr>
-              <a:t>숨을곳</a:t>
-            </a:r>
-            <a:r>
-              <a:rPr lang="ko-KR" altLang="en-US" sz="2400" dirty="0">
-                <a:solidFill>
-                  <a:schemeClr val="bg1">
-                    <a:lumMod val="95000"/>
-                  </a:schemeClr>
-                </a:solidFill>
-              </a:rPr>
-              <a:t> 찾기</a:t>
-            </a:r>
-          </a:p>
-          <a:p>
-            <a:endParaRPr lang="ko-KR" altLang="en-US" sz="2400" dirty="0">
-              <a:solidFill>
-                <a:schemeClr val="bg1">
-                  <a:lumMod val="95000"/>
-                </a:schemeClr>
-              </a:solidFill>
-            </a:endParaRPr>
-          </a:p>
-        </p:txBody>
-      </p:sp>
-    </p:spTree>
-    <p:extLst>
-      <p:ext uri="{BB962C8B-B14F-4D97-AF65-F5344CB8AC3E}">
-        <p14:creationId xmlns:p14="http://schemas.microsoft.com/office/powerpoint/2010/main" val="235117359"/>
       </p:ext>
     </p:extLst>
   </p:cSld>
@@ -13186,10 +13122,10 @@
       </p:grpSpPr>
       <p:sp>
         <p:nvSpPr>
-          <p:cNvPr id="2" name="제목 1">
-            <a:extLst>
-              <a:ext uri="{FF2B5EF4-FFF2-40B4-BE49-F238E27FC236}">
-                <a16:creationId xmlns:a16="http://schemas.microsoft.com/office/drawing/2014/main" id="{B77DDFEC-FC21-4492-B664-38E709250165}"/>
+          <p:cNvPr id="4" name="제목 3">
+            <a:extLst>
+              <a:ext uri="{FF2B5EF4-FFF2-40B4-BE49-F238E27FC236}">
+                <a16:creationId xmlns:a16="http://schemas.microsoft.com/office/drawing/2014/main" id="{996FB693-4264-4492-BB38-3412BE3144EE}"/>
               </a:ext>
             </a:extLst>
           </p:cNvPr>
@@ -13211,33 +13147,17 @@
             </a:r>
             <a:r>
               <a:rPr lang="ko-KR" altLang="en-US" dirty="0"/>
-              <a:t>활용</a:t>
-            </a:r>
-            <a:r>
-              <a:rPr lang="en-US" altLang="ko-KR" dirty="0"/>
-              <a:t>, 1.</a:t>
-            </a:r>
-            <a:r>
-              <a:rPr lang="ko-KR" altLang="en-US" dirty="0"/>
-              <a:t> 랜덤 </a:t>
-            </a:r>
-            <a:r>
-              <a:rPr lang="ko-KR" altLang="en-US" dirty="0" err="1"/>
-              <a:t>위치얻기</a:t>
-            </a:r>
-            <a:r>
-              <a:rPr lang="ko-KR" altLang="en-US" dirty="0"/>
-              <a:t> </a:t>
-            </a:r>
-          </a:p>
-        </p:txBody>
-      </p:sp>
-      <p:sp>
-        <p:nvSpPr>
-          <p:cNvPr id="3" name="내용 개체 틀 2">
-            <a:extLst>
-              <a:ext uri="{FF2B5EF4-FFF2-40B4-BE49-F238E27FC236}">
-                <a16:creationId xmlns:a16="http://schemas.microsoft.com/office/drawing/2014/main" id="{494E0657-1DB4-48D1-89A0-D4706A42BCA0}"/>
+              <a:t>설치 </a:t>
+            </a:r>
+          </a:p>
+        </p:txBody>
+      </p:sp>
+      <p:sp>
+        <p:nvSpPr>
+          <p:cNvPr id="5" name="내용 개체 틀 4">
+            <a:extLst>
+              <a:ext uri="{FF2B5EF4-FFF2-40B4-BE49-F238E27FC236}">
+                <a16:creationId xmlns:a16="http://schemas.microsoft.com/office/drawing/2014/main" id="{0ED25374-B03E-45AC-8EF0-03FC21B7AC0A}"/>
               </a:ext>
             </a:extLst>
           </p:cNvPr>
@@ -13254,101 +13174,64 @@
           <a:lstStyle/>
           <a:p>
             <a:r>
+              <a:rPr lang="ko-KR" altLang="en-US" dirty="0"/>
+              <a:t>월드에 </a:t>
+            </a:r>
+            <a:r>
               <a:rPr lang="en-US" altLang="ko-KR" dirty="0" err="1"/>
-              <a:t>GetRandomPointInNavigableRadius</a:t>
-            </a:r>
-            <a:r>
-              <a:rPr lang="en-US" altLang="ko-KR" dirty="0"/>
+              <a:t>NaviMeshBoundVolume</a:t>
+            </a:r>
+            <a:r>
+              <a:rPr lang="ko-KR" altLang="en-US" dirty="0"/>
               <a:t> </a:t>
             </a:r>
             <a:r>
-              <a:rPr lang="ko-KR" altLang="en-US" dirty="0"/>
-              <a:t>노드</a:t>
+              <a:rPr lang="ko-KR" altLang="en-US" dirty="0" err="1"/>
+              <a:t>액터</a:t>
+            </a:r>
+            <a:r>
+              <a:rPr lang="ko-KR" altLang="en-US" dirty="0"/>
+              <a:t> 배치</a:t>
             </a:r>
             <a:endParaRPr lang="en-US" altLang="ko-KR" dirty="0"/>
           </a:p>
           <a:p>
-            <a:pPr marL="0" indent="0">
-              <a:buNone/>
-            </a:pPr>
-            <a:r>
-              <a:rPr lang="en-US" altLang="ko-KR" dirty="0" err="1"/>
-              <a:t>Orgin</a:t>
-            </a:r>
-            <a:r>
-              <a:rPr lang="ko-KR" altLang="en-US" dirty="0"/>
-              <a:t>에서 부터 주위 반경에서 </a:t>
-            </a:r>
-            <a:r>
-              <a:rPr lang="ko-KR" altLang="en-US" dirty="0" err="1"/>
-              <a:t>랜덤한</a:t>
-            </a:r>
-            <a:r>
-              <a:rPr lang="ko-KR" altLang="en-US" dirty="0"/>
-              <a:t> 곳</a:t>
-            </a:r>
-            <a:r>
-              <a:rPr lang="en-US" altLang="ko-KR" dirty="0"/>
-              <a:t> </a:t>
-            </a:r>
-            <a:r>
-              <a:rPr lang="ko-KR" altLang="en-US" dirty="0"/>
-              <a:t>리턴 </a:t>
-            </a:r>
-            <a:r>
-              <a:rPr lang="en-US" altLang="ko-KR" dirty="0"/>
-              <a:t>, </a:t>
-            </a:r>
-            <a:r>
-              <a:rPr lang="ko-KR" altLang="en-US" dirty="0"/>
-              <a:t>가능한지 확인</a:t>
-            </a:r>
-            <a:r>
-              <a:rPr lang="en-US" altLang="ko-KR" dirty="0"/>
-              <a:t>x</a:t>
-            </a:r>
-          </a:p>
-          <a:p>
-            <a:r>
-              <a:rPr lang="en-US" altLang="ko-KR" dirty="0" err="1"/>
-              <a:t>GetRandomReachablePointInRadius</a:t>
-            </a:r>
-            <a:r>
-              <a:rPr lang="en-US" altLang="ko-KR" dirty="0"/>
-              <a:t> </a:t>
-            </a:r>
-            <a:r>
-              <a:rPr lang="ko-KR" altLang="en-US" dirty="0"/>
-              <a:t>노드</a:t>
+            <a:r>
+              <a:rPr lang="ko-KR" altLang="en-US" dirty="0"/>
+              <a:t>박스 확장 후 빌드에서 패스 빌드 필요</a:t>
             </a:r>
             <a:endParaRPr lang="en-US" altLang="ko-KR" dirty="0"/>
           </a:p>
           <a:p>
-            <a:pPr marL="0" indent="0">
-              <a:buNone/>
-            </a:pPr>
-            <a:r>
-              <a:rPr lang="ko-KR" altLang="en-US" dirty="0"/>
-              <a:t>위와 같지만 </a:t>
-            </a:r>
-            <a:r>
-              <a:rPr lang="en-US" altLang="ko-KR" dirty="0" err="1"/>
-              <a:t>Orgin</a:t>
-            </a:r>
-            <a:r>
-              <a:rPr lang="ko-KR" altLang="en-US" dirty="0"/>
-              <a:t>에서 이동 가능한곳 </a:t>
-            </a:r>
-          </a:p>
-          <a:p>
-            <a:endParaRPr lang="ko-KR" altLang="en-US" dirty="0"/>
+            <a:r>
+              <a:rPr lang="ko-KR" altLang="en-US" dirty="0"/>
+              <a:t>영역 키보드 </a:t>
+            </a:r>
+            <a:r>
+              <a:rPr lang="en-US" altLang="ko-KR" dirty="0"/>
+              <a:t>P</a:t>
+            </a:r>
+            <a:r>
+              <a:rPr lang="ko-KR" altLang="en-US" dirty="0"/>
+              <a:t>로 에디터에서 확인</a:t>
+            </a:r>
+            <a:endParaRPr lang="en-US" altLang="ko-KR" dirty="0"/>
+          </a:p>
+          <a:p>
+            <a:endParaRPr lang="en-US" altLang="ko-KR" dirty="0"/>
+          </a:p>
+          <a:p>
+            <a:endParaRPr lang="en-US" altLang="ko-KR" dirty="0"/>
+          </a:p>
+          <a:p>
+            <a:endParaRPr lang="en-US" altLang="ko-KR" dirty="0"/>
           </a:p>
         </p:txBody>
       </p:sp>
     </p:spTree>
     <p:extLst>
       <p:ext uri="{BB962C8B-B14F-4D97-AF65-F5344CB8AC3E}">
-        <p14:creationId xmlns:p14="http://schemas.microsoft.com/office/powerpoint/2010/main" val="2632820183"/>
+        <p14:creationId xmlns:p14="http://schemas.microsoft.com/office/powerpoint/2010/main" val="1093149482"/>
       </p:ext>
     </p:extLst>
   </p:cSld>
@@ -13359,6 +13242,296 @@
 </file>
 
 <file path=ppt/slides/slide40.xml><?xml version="1.0" encoding="utf-8"?>
+<p:sld xmlns:a="http://schemas.openxmlformats.org/drawingml/2006/main" xmlns:r="http://schemas.openxmlformats.org/officeDocument/2006/relationships" xmlns:p="http://schemas.openxmlformats.org/presentationml/2006/main">
+  <p:cSld>
+    <p:spTree>
+      <p:nvGrpSpPr>
+        <p:cNvPr id="1" name=""/>
+        <p:cNvGrpSpPr/>
+        <p:nvPr/>
+      </p:nvGrpSpPr>
+      <p:grpSpPr>
+        <a:xfrm>
+          <a:off x="0" y="0"/>
+          <a:ext cx="0" cy="0"/>
+          <a:chOff x="0" y="0"/>
+          <a:chExt cx="0" cy="0"/>
+        </a:xfrm>
+      </p:grpSpPr>
+      <p:sp>
+        <p:nvSpPr>
+          <p:cNvPr id="2" name="제목 1">
+            <a:extLst>
+              <a:ext uri="{FF2B5EF4-FFF2-40B4-BE49-F238E27FC236}">
+                <a16:creationId xmlns:a16="http://schemas.microsoft.com/office/drawing/2014/main" id="{841C8D36-BBB4-4D00-93F4-EB4F2DD5DFFE}"/>
+              </a:ext>
+            </a:extLst>
+          </p:cNvPr>
+          <p:cNvSpPr>
+            <a:spLocks noGrp="1"/>
+          </p:cNvSpPr>
+          <p:nvPr>
+            <p:ph type="title"/>
+          </p:nvPr>
+        </p:nvSpPr>
+        <p:spPr/>
+        <p:txBody>
+          <a:bodyPr/>
+          <a:lstStyle/>
+          <a:p>
+            <a:r>
+              <a:rPr lang="en-US" altLang="ko-KR" dirty="0"/>
+              <a:t>EQS Test - Distance</a:t>
+            </a:r>
+            <a:endParaRPr lang="ko-KR" altLang="en-US" dirty="0"/>
+          </a:p>
+        </p:txBody>
+      </p:sp>
+      <p:sp>
+        <p:nvSpPr>
+          <p:cNvPr id="12" name="그림 개체 틀 11">
+            <a:extLst>
+              <a:ext uri="{FF2B5EF4-FFF2-40B4-BE49-F238E27FC236}">
+                <a16:creationId xmlns:a16="http://schemas.microsoft.com/office/drawing/2014/main" id="{D4696484-4B78-43E7-9FBF-6CA6D583EA1A}"/>
+              </a:ext>
+            </a:extLst>
+          </p:cNvPr>
+          <p:cNvSpPr>
+            <a:spLocks noGrp="1"/>
+          </p:cNvSpPr>
+          <p:nvPr>
+            <p:ph type="pic" idx="1"/>
+          </p:nvPr>
+        </p:nvSpPr>
+        <p:spPr/>
+      </p:sp>
+      <p:sp>
+        <p:nvSpPr>
+          <p:cNvPr id="13" name="텍스트 개체 틀 12">
+            <a:extLst>
+              <a:ext uri="{FF2B5EF4-FFF2-40B4-BE49-F238E27FC236}">
+                <a16:creationId xmlns:a16="http://schemas.microsoft.com/office/drawing/2014/main" id="{5D7A7D47-7833-4732-96C6-6DE170D3DEDC}"/>
+              </a:ext>
+            </a:extLst>
+          </p:cNvPr>
+          <p:cNvSpPr>
+            <a:spLocks noGrp="1"/>
+          </p:cNvSpPr>
+          <p:nvPr>
+            <p:ph type="body" sz="half" idx="2"/>
+          </p:nvPr>
+        </p:nvSpPr>
+        <p:spPr/>
+        <p:txBody>
+          <a:bodyPr/>
+          <a:lstStyle/>
+          <a:p>
+            <a:r>
+              <a:rPr lang="en-US" altLang="ko-KR" dirty="0"/>
+              <a:t>Context</a:t>
+            </a:r>
+            <a:r>
+              <a:rPr lang="ko-KR" altLang="en-US" dirty="0"/>
+              <a:t>로 지정한 </a:t>
+            </a:r>
+            <a:r>
+              <a:rPr lang="en-US" altLang="ko-KR" dirty="0"/>
+              <a:t>AI </a:t>
+            </a:r>
+            <a:r>
+              <a:rPr lang="ko-KR" altLang="en-US" dirty="0"/>
+              <a:t>나 </a:t>
+            </a:r>
+            <a:r>
+              <a:rPr lang="en-US" altLang="ko-KR" dirty="0"/>
+              <a:t>Player</a:t>
+            </a:r>
+            <a:r>
+              <a:rPr lang="ko-KR" altLang="en-US" dirty="0"/>
+              <a:t>에서 얼마나 </a:t>
+            </a:r>
+            <a:r>
+              <a:rPr lang="ko-KR" altLang="en-US" dirty="0" err="1"/>
+              <a:t>떨어진곳인지</a:t>
+            </a:r>
+            <a:r>
+              <a:rPr lang="ko-KR" altLang="en-US" dirty="0"/>
+              <a:t> 테스트한다</a:t>
+            </a:r>
+            <a:r>
+              <a:rPr lang="en-US" altLang="ko-KR" dirty="0"/>
+              <a:t>.</a:t>
+            </a:r>
+          </a:p>
+          <a:p>
+            <a:endParaRPr lang="en-US" altLang="ko-KR" dirty="0"/>
+          </a:p>
+          <a:p>
+            <a:r>
+              <a:rPr lang="ko-KR" altLang="en-US" dirty="0"/>
+              <a:t>가까운 곳이 </a:t>
+            </a:r>
+            <a:r>
+              <a:rPr lang="en-US" altLang="ko-KR" dirty="0"/>
+              <a:t>Score</a:t>
+            </a:r>
+            <a:r>
+              <a:rPr lang="ko-KR" altLang="en-US" dirty="0"/>
+              <a:t>가 </a:t>
+            </a:r>
+            <a:r>
+              <a:rPr lang="ko-KR" altLang="en-US" dirty="0" err="1"/>
+              <a:t>높으려면</a:t>
+            </a:r>
+            <a:r>
+              <a:rPr lang="ko-KR" altLang="en-US" dirty="0"/>
+              <a:t> </a:t>
+            </a:r>
+            <a:endParaRPr lang="en-US" altLang="ko-KR" dirty="0"/>
+          </a:p>
+          <a:p>
+            <a:r>
+              <a:rPr lang="en-US" altLang="ko-KR" dirty="0"/>
+              <a:t>Scoring </a:t>
+            </a:r>
+            <a:r>
+              <a:rPr lang="en-US" altLang="ko-KR" dirty="0" err="1"/>
+              <a:t>Equatation</a:t>
+            </a:r>
+            <a:r>
+              <a:rPr lang="ko-KR" altLang="en-US" dirty="0"/>
+              <a:t>을 </a:t>
+            </a:r>
+            <a:r>
+              <a:rPr lang="en-US" altLang="ko-KR" dirty="0" err="1"/>
+              <a:t>ReverLinear</a:t>
+            </a:r>
+            <a:r>
+              <a:rPr lang="ko-KR" altLang="en-US" dirty="0"/>
+              <a:t>로 설정한다</a:t>
+            </a:r>
+            <a:r>
+              <a:rPr lang="en-US" altLang="ko-KR" dirty="0"/>
+              <a:t>.</a:t>
+            </a:r>
+            <a:endParaRPr lang="ko-KR" altLang="en-US" dirty="0"/>
+          </a:p>
+        </p:txBody>
+      </p:sp>
+      <p:pic>
+        <p:nvPicPr>
+          <p:cNvPr id="11" name="그림 10">
+            <a:extLst>
+              <a:ext uri="{FF2B5EF4-FFF2-40B4-BE49-F238E27FC236}">
+                <a16:creationId xmlns:a16="http://schemas.microsoft.com/office/drawing/2014/main" id="{7D3BBEAF-885D-432F-8F43-34659E7640B4}"/>
+              </a:ext>
+            </a:extLst>
+          </p:cNvPr>
+          <p:cNvPicPr>
+            <a:picLocks noChangeAspect="1"/>
+          </p:cNvPicPr>
+          <p:nvPr/>
+        </p:nvPicPr>
+        <p:blipFill>
+          <a:blip r:embed="rId2"/>
+          <a:stretch>
+            <a:fillRect/>
+          </a:stretch>
+        </p:blipFill>
+        <p:spPr>
+          <a:xfrm>
+            <a:off x="4772025" y="17836"/>
+            <a:ext cx="7419975" cy="6692526"/>
+          </a:xfrm>
+          <a:prstGeom prst="rect">
+            <a:avLst/>
+          </a:prstGeom>
+        </p:spPr>
+      </p:pic>
+      <p:sp>
+        <p:nvSpPr>
+          <p:cNvPr id="7" name="TextBox 6">
+            <a:extLst>
+              <a:ext uri="{FF2B5EF4-FFF2-40B4-BE49-F238E27FC236}">
+                <a16:creationId xmlns:a16="http://schemas.microsoft.com/office/drawing/2014/main" id="{17E779CD-A6A7-4762-A250-936C5AA9F93A}"/>
+              </a:ext>
+            </a:extLst>
+          </p:cNvPr>
+          <p:cNvSpPr txBox="1"/>
+          <p:nvPr/>
+        </p:nvSpPr>
+        <p:spPr>
+          <a:xfrm>
+            <a:off x="5624168" y="1392343"/>
+            <a:ext cx="2618683" cy="830997"/>
+          </a:xfrm>
+          <a:prstGeom prst="rect">
+            <a:avLst/>
+          </a:prstGeom>
+          <a:noFill/>
+        </p:spPr>
+        <p:txBody>
+          <a:bodyPr wrap="square">
+            <a:spAutoFit/>
+          </a:bodyPr>
+          <a:lstStyle/>
+          <a:p>
+            <a:r>
+              <a:rPr lang="en-US" altLang="ko-KR" sz="2400" dirty="0">
+                <a:solidFill>
+                  <a:schemeClr val="bg1">
+                    <a:lumMod val="95000"/>
+                  </a:schemeClr>
+                </a:solidFill>
+              </a:rPr>
+              <a:t>EQS_</a:t>
+            </a:r>
+            <a:r>
+              <a:rPr lang="ko-KR" altLang="en-US" sz="2400" dirty="0" err="1">
+                <a:solidFill>
+                  <a:schemeClr val="bg1">
+                    <a:lumMod val="95000"/>
+                  </a:schemeClr>
+                </a:solidFill>
+              </a:rPr>
+              <a:t>숨을곳</a:t>
+            </a:r>
+            <a:r>
+              <a:rPr lang="ko-KR" altLang="en-US" sz="2400" dirty="0">
+                <a:solidFill>
+                  <a:schemeClr val="bg1">
+                    <a:lumMod val="95000"/>
+                  </a:schemeClr>
+                </a:solidFill>
+              </a:rPr>
+              <a:t> 찾기</a:t>
+            </a:r>
+          </a:p>
+          <a:p>
+            <a:endParaRPr lang="ko-KR" altLang="en-US" sz="2400" dirty="0">
+              <a:solidFill>
+                <a:schemeClr val="bg1">
+                  <a:lumMod val="95000"/>
+                </a:schemeClr>
+              </a:solidFill>
+            </a:endParaRPr>
+          </a:p>
+        </p:txBody>
+      </p:sp>
+    </p:spTree>
+    <p:extLst>
+      <p:ext uri="{BB962C8B-B14F-4D97-AF65-F5344CB8AC3E}">
+        <p14:creationId xmlns:p14="http://schemas.microsoft.com/office/powerpoint/2010/main" val="235117359"/>
+      </p:ext>
+    </p:extLst>
+  </p:cSld>
+  <p:clrMapOvr>
+    <a:masterClrMapping/>
+  </p:clrMapOvr>
+</p:sld>
+</file>
+
+<file path=ppt/slides/slide41.xml><?xml version="1.0" encoding="utf-8"?>
 <p:sld xmlns:a="http://schemas.openxmlformats.org/drawingml/2006/main" xmlns:r="http://schemas.openxmlformats.org/officeDocument/2006/relationships" xmlns:p="http://schemas.openxmlformats.org/presentationml/2006/main">
   <p:cSld>
     <p:bg>
@@ -13971,7 +14144,7 @@
 </p:sld>
 </file>
 
-<file path=ppt/slides/slide41.xml><?xml version="1.0" encoding="utf-8"?>
+<file path=ppt/slides/slide42.xml><?xml version="1.0" encoding="utf-8"?>
 <p:sld xmlns:a="http://schemas.openxmlformats.org/drawingml/2006/main" xmlns:r="http://schemas.openxmlformats.org/officeDocument/2006/relationships" xmlns:p="http://schemas.openxmlformats.org/presentationml/2006/main">
   <p:cSld>
     <p:spTree>
@@ -14355,7 +14528,7 @@
 </p:sld>
 </file>
 
-<file path=ppt/slides/slide42.xml><?xml version="1.0" encoding="utf-8"?>
+<file path=ppt/slides/slide43.xml><?xml version="1.0" encoding="utf-8"?>
 <p:sld xmlns:a="http://schemas.openxmlformats.org/drawingml/2006/main" xmlns:r="http://schemas.openxmlformats.org/officeDocument/2006/relationships" xmlns:p="http://schemas.openxmlformats.org/presentationml/2006/main">
   <p:cSld>
     <p:spTree>
@@ -14744,7 +14917,7 @@
 </p:sld>
 </file>
 
-<file path=ppt/slides/slide43.xml><?xml version="1.0" encoding="utf-8"?>
+<file path=ppt/slides/slide44.xml><?xml version="1.0" encoding="utf-8"?>
 <p:sld xmlns:a="http://schemas.openxmlformats.org/drawingml/2006/main" xmlns:r="http://schemas.openxmlformats.org/officeDocument/2006/relationships" xmlns:p="http://schemas.openxmlformats.org/presentationml/2006/main">
   <p:cSld>
     <p:bg>
@@ -15092,6 +15265,197 @@
           <p:cNvPr id="2" name="제목 1">
             <a:extLst>
               <a:ext uri="{FF2B5EF4-FFF2-40B4-BE49-F238E27FC236}">
+                <a16:creationId xmlns:a16="http://schemas.microsoft.com/office/drawing/2014/main" id="{B77DDFEC-FC21-4492-B664-38E709250165}"/>
+              </a:ext>
+            </a:extLst>
+          </p:cNvPr>
+          <p:cNvSpPr>
+            <a:spLocks noGrp="1"/>
+          </p:cNvSpPr>
+          <p:nvPr>
+            <p:ph type="title"/>
+          </p:nvPr>
+        </p:nvSpPr>
+        <p:spPr/>
+        <p:txBody>
+          <a:bodyPr/>
+          <a:lstStyle/>
+          <a:p>
+            <a:r>
+              <a:rPr lang="en-US" altLang="ko-KR" dirty="0"/>
+              <a:t>Navigation </a:t>
+            </a:r>
+            <a:r>
+              <a:rPr lang="ko-KR" altLang="en-US" dirty="0"/>
+              <a:t>활용</a:t>
+            </a:r>
+            <a:r>
+              <a:rPr lang="en-US" altLang="ko-KR" dirty="0"/>
+              <a:t>, 1.</a:t>
+            </a:r>
+            <a:r>
+              <a:rPr lang="ko-KR" altLang="en-US" dirty="0"/>
+              <a:t> 랜덤 </a:t>
+            </a:r>
+            <a:r>
+              <a:rPr lang="ko-KR" altLang="en-US" dirty="0" err="1"/>
+              <a:t>위치얻기</a:t>
+            </a:r>
+            <a:r>
+              <a:rPr lang="ko-KR" altLang="en-US" dirty="0"/>
+              <a:t> </a:t>
+            </a:r>
+          </a:p>
+        </p:txBody>
+      </p:sp>
+      <p:sp>
+        <p:nvSpPr>
+          <p:cNvPr id="3" name="내용 개체 틀 2">
+            <a:extLst>
+              <a:ext uri="{FF2B5EF4-FFF2-40B4-BE49-F238E27FC236}">
+                <a16:creationId xmlns:a16="http://schemas.microsoft.com/office/drawing/2014/main" id="{494E0657-1DB4-48D1-89A0-D4706A42BCA0}"/>
+              </a:ext>
+            </a:extLst>
+          </p:cNvPr>
+          <p:cNvSpPr>
+            <a:spLocks noGrp="1"/>
+          </p:cNvSpPr>
+          <p:nvPr>
+            <p:ph idx="1"/>
+          </p:nvPr>
+        </p:nvSpPr>
+        <p:spPr/>
+        <p:txBody>
+          <a:bodyPr/>
+          <a:lstStyle/>
+          <a:p>
+            <a:r>
+              <a:rPr lang="en-US" altLang="ko-KR" dirty="0" err="1"/>
+              <a:t>GetRandomPointInNavigableRadius</a:t>
+            </a:r>
+            <a:r>
+              <a:rPr lang="en-US" altLang="ko-KR" dirty="0"/>
+              <a:t> </a:t>
+            </a:r>
+            <a:r>
+              <a:rPr lang="ko-KR" altLang="en-US" dirty="0"/>
+              <a:t>노드</a:t>
+            </a:r>
+            <a:endParaRPr lang="en-US" altLang="ko-KR" dirty="0"/>
+          </a:p>
+          <a:p>
+            <a:pPr marL="0" indent="0">
+              <a:buNone/>
+            </a:pPr>
+            <a:r>
+              <a:rPr lang="en-US" altLang="ko-KR" dirty="0" err="1"/>
+              <a:t>Orgin</a:t>
+            </a:r>
+            <a:r>
+              <a:rPr lang="ko-KR" altLang="en-US" dirty="0"/>
+              <a:t>에서 부터 주위 반경에서 </a:t>
+            </a:r>
+            <a:r>
+              <a:rPr lang="ko-KR" altLang="en-US" dirty="0" err="1"/>
+              <a:t>랜덤한</a:t>
+            </a:r>
+            <a:r>
+              <a:rPr lang="ko-KR" altLang="en-US" dirty="0"/>
+              <a:t> 곳</a:t>
+            </a:r>
+            <a:r>
+              <a:rPr lang="en-US" altLang="ko-KR" dirty="0"/>
+              <a:t> </a:t>
+            </a:r>
+            <a:r>
+              <a:rPr lang="ko-KR" altLang="en-US" dirty="0"/>
+              <a:t>리턴 </a:t>
+            </a:r>
+            <a:r>
+              <a:rPr lang="en-US" altLang="ko-KR" dirty="0"/>
+              <a:t>, </a:t>
+            </a:r>
+            <a:r>
+              <a:rPr lang="ko-KR" altLang="en-US" dirty="0"/>
+              <a:t>가능한지 확인</a:t>
+            </a:r>
+            <a:r>
+              <a:rPr lang="en-US" altLang="ko-KR" dirty="0"/>
+              <a:t>x</a:t>
+            </a:r>
+          </a:p>
+          <a:p>
+            <a:r>
+              <a:rPr lang="en-US" altLang="ko-KR" dirty="0" err="1"/>
+              <a:t>GetRandomReachablePointInRadius</a:t>
+            </a:r>
+            <a:r>
+              <a:rPr lang="en-US" altLang="ko-KR" dirty="0"/>
+              <a:t> </a:t>
+            </a:r>
+            <a:r>
+              <a:rPr lang="ko-KR" altLang="en-US" dirty="0"/>
+              <a:t>노드</a:t>
+            </a:r>
+            <a:endParaRPr lang="en-US" altLang="ko-KR" dirty="0"/>
+          </a:p>
+          <a:p>
+            <a:pPr marL="0" indent="0">
+              <a:buNone/>
+            </a:pPr>
+            <a:r>
+              <a:rPr lang="ko-KR" altLang="en-US" dirty="0"/>
+              <a:t>위와 같지만 </a:t>
+            </a:r>
+            <a:r>
+              <a:rPr lang="en-US" altLang="ko-KR" dirty="0" err="1"/>
+              <a:t>Orgin</a:t>
+            </a:r>
+            <a:r>
+              <a:rPr lang="ko-KR" altLang="en-US" dirty="0"/>
+              <a:t>에서 이동 가능한곳 </a:t>
+            </a:r>
+          </a:p>
+          <a:p>
+            <a:endParaRPr lang="ko-KR" altLang="en-US" dirty="0"/>
+          </a:p>
+        </p:txBody>
+      </p:sp>
+    </p:spTree>
+    <p:extLst>
+      <p:ext uri="{BB962C8B-B14F-4D97-AF65-F5344CB8AC3E}">
+        <p14:creationId xmlns:p14="http://schemas.microsoft.com/office/powerpoint/2010/main" val="2632820183"/>
+      </p:ext>
+    </p:extLst>
+  </p:cSld>
+  <p:clrMapOvr>
+    <a:masterClrMapping/>
+  </p:clrMapOvr>
+</p:sld>
+</file>
+
+<file path=ppt/slides/slide6.xml><?xml version="1.0" encoding="utf-8"?>
+<p:sld xmlns:a="http://schemas.openxmlformats.org/drawingml/2006/main" xmlns:r="http://schemas.openxmlformats.org/officeDocument/2006/relationships" xmlns:p="http://schemas.openxmlformats.org/presentationml/2006/main">
+  <p:cSld>
+    <p:spTree>
+      <p:nvGrpSpPr>
+        <p:cNvPr id="1" name=""/>
+        <p:cNvGrpSpPr/>
+        <p:nvPr/>
+      </p:nvGrpSpPr>
+      <p:grpSpPr>
+        <a:xfrm>
+          <a:off x="0" y="0"/>
+          <a:ext cx="0" cy="0"/>
+          <a:chOff x="0" y="0"/>
+          <a:chExt cx="0" cy="0"/>
+        </a:xfrm>
+      </p:grpSpPr>
+      <p:sp>
+        <p:nvSpPr>
+          <p:cNvPr id="2" name="제목 1">
+            <a:extLst>
+              <a:ext uri="{FF2B5EF4-FFF2-40B4-BE49-F238E27FC236}">
                 <a16:creationId xmlns:a16="http://schemas.microsoft.com/office/drawing/2014/main" id="{EA784B83-E196-4891-918C-8AC858CE2F23}"/>
               </a:ext>
             </a:extLst>
@@ -15300,7 +15664,7 @@
 </p:sld>
 </file>
 
-<file path=ppt/slides/slide6.xml><?xml version="1.0" encoding="utf-8"?>
+<file path=ppt/slides/slide7.xml><?xml version="1.0" encoding="utf-8"?>
 <p:sld xmlns:a="http://schemas.openxmlformats.org/drawingml/2006/main" xmlns:r="http://schemas.openxmlformats.org/officeDocument/2006/relationships" xmlns:p="http://schemas.openxmlformats.org/presentationml/2006/main">
   <p:cSld>
     <p:spTree>
@@ -15395,7 +15759,7 @@
 </p:sld>
 </file>
 
-<file path=ppt/slides/slide7.xml><?xml version="1.0" encoding="utf-8"?>
+<file path=ppt/slides/slide8.xml><?xml version="1.0" encoding="utf-8"?>
 <p:sld xmlns:a="http://schemas.openxmlformats.org/drawingml/2006/main" xmlns:r="http://schemas.openxmlformats.org/officeDocument/2006/relationships" xmlns:p="http://schemas.openxmlformats.org/presentationml/2006/main">
   <p:cSld>
     <p:spTree>
@@ -15494,7 +15858,7 @@
 </p:sld>
 </file>
 
-<file path=ppt/slides/slide8.xml><?xml version="1.0" encoding="utf-8"?>
+<file path=ppt/slides/slide9.xml><?xml version="1.0" encoding="utf-8"?>
 <p:sld xmlns:a="http://schemas.openxmlformats.org/drawingml/2006/main" xmlns:r="http://schemas.openxmlformats.org/officeDocument/2006/relationships" xmlns:p="http://schemas.openxmlformats.org/presentationml/2006/main">
   <p:cSld>
     <p:spTree>
@@ -15584,101 +15948,6 @@
     <p:extLst>
       <p:ext uri="{BB962C8B-B14F-4D97-AF65-F5344CB8AC3E}">
         <p14:creationId xmlns:p14="http://schemas.microsoft.com/office/powerpoint/2010/main" val="1698972470"/>
-      </p:ext>
-    </p:extLst>
-  </p:cSld>
-  <p:clrMapOvr>
-    <a:masterClrMapping/>
-  </p:clrMapOvr>
-</p:sld>
-</file>
-
-<file path=ppt/slides/slide9.xml><?xml version="1.0" encoding="utf-8"?>
-<p:sld xmlns:a="http://schemas.openxmlformats.org/drawingml/2006/main" xmlns:r="http://schemas.openxmlformats.org/officeDocument/2006/relationships" xmlns:p="http://schemas.openxmlformats.org/presentationml/2006/main">
-  <p:cSld>
-    <p:spTree>
-      <p:nvGrpSpPr>
-        <p:cNvPr id="1" name=""/>
-        <p:cNvGrpSpPr/>
-        <p:nvPr/>
-      </p:nvGrpSpPr>
-      <p:grpSpPr>
-        <a:xfrm>
-          <a:off x="0" y="0"/>
-          <a:ext cx="0" cy="0"/>
-          <a:chOff x="0" y="0"/>
-          <a:chExt cx="0" cy="0"/>
-        </a:xfrm>
-      </p:grpSpPr>
-      <p:sp>
-        <p:nvSpPr>
-          <p:cNvPr id="2" name="제목 1">
-            <a:extLst>
-              <a:ext uri="{FF2B5EF4-FFF2-40B4-BE49-F238E27FC236}">
-                <a16:creationId xmlns:a16="http://schemas.microsoft.com/office/drawing/2014/main" id="{A376AA2A-E608-4EF3-A489-603B54EE4DB7}"/>
-              </a:ext>
-            </a:extLst>
-          </p:cNvPr>
-          <p:cNvSpPr>
-            <a:spLocks noGrp="1"/>
-          </p:cNvSpPr>
-          <p:nvPr>
-            <p:ph type="title"/>
-          </p:nvPr>
-        </p:nvSpPr>
-        <p:spPr/>
-        <p:txBody>
-          <a:bodyPr/>
-          <a:lstStyle/>
-          <a:p>
-            <a:r>
-              <a:rPr lang="ko-KR" altLang="en-US" dirty="0"/>
-              <a:t>이동하기 </a:t>
-            </a:r>
-            <a:r>
-              <a:rPr lang="en-US" altLang="ko-KR" dirty="0" err="1"/>
-              <a:t>AIMoveTo</a:t>
-            </a:r>
-            <a:endParaRPr lang="ko-KR" altLang="en-US" dirty="0"/>
-          </a:p>
-        </p:txBody>
-      </p:sp>
-      <p:pic>
-        <p:nvPicPr>
-          <p:cNvPr id="4" name="내용 개체 틀 3">
-            <a:extLst>
-              <a:ext uri="{FF2B5EF4-FFF2-40B4-BE49-F238E27FC236}">
-                <a16:creationId xmlns:a16="http://schemas.microsoft.com/office/drawing/2014/main" id="{DB3358B2-7F70-4B59-826E-CD258C531589}"/>
-              </a:ext>
-            </a:extLst>
-          </p:cNvPr>
-          <p:cNvPicPr>
-            <a:picLocks noGrp="1" noChangeAspect="1"/>
-          </p:cNvPicPr>
-          <p:nvPr>
-            <p:ph idx="1"/>
-          </p:nvPr>
-        </p:nvPicPr>
-        <p:blipFill>
-          <a:blip r:embed="rId2"/>
-          <a:stretch>
-            <a:fillRect/>
-          </a:stretch>
-        </p:blipFill>
-        <p:spPr>
-          <a:xfrm>
-            <a:off x="564444" y="1358782"/>
-            <a:ext cx="11153423" cy="5328168"/>
-          </a:xfrm>
-          <a:prstGeom prst="rect">
-            <a:avLst/>
-          </a:prstGeom>
-        </p:spPr>
-      </p:pic>
-    </p:spTree>
-    <p:extLst>
-      <p:ext uri="{BB962C8B-B14F-4D97-AF65-F5344CB8AC3E}">
-        <p14:creationId xmlns:p14="http://schemas.microsoft.com/office/powerpoint/2010/main" val="3290351766"/>
       </p:ext>
     </p:extLst>
   </p:cSld>
